--- a/apresentacao.pptx
+++ b/apresentacao.pptx
@@ -5,15 +5,16 @@
     <p:sldMasterId id="2147483648" r:id="rId1"/>
   </p:sldMasterIdLst>
   <p:notesMasterIdLst>
-    <p:notesMasterId r:id="rId8"/>
+    <p:notesMasterId r:id="rId9"/>
   </p:notesMasterIdLst>
   <p:sldIdLst>
     <p:sldId id="256" r:id="rId2"/>
     <p:sldId id="257" r:id="rId3"/>
     <p:sldId id="259" r:id="rId4"/>
-    <p:sldId id="258" r:id="rId5"/>
-    <p:sldId id="261" r:id="rId6"/>
-    <p:sldId id="260" r:id="rId7"/>
+    <p:sldId id="260" r:id="rId5"/>
+    <p:sldId id="258" r:id="rId6"/>
+    <p:sldId id="262" r:id="rId7"/>
+    <p:sldId id="261" r:id="rId8"/>
   </p:sldIdLst>
   <p:sldSz cx="9144000" cy="5143500" type="screen16x9"/>
   <p:notesSz cx="6858000" cy="9144000"/>
@@ -213,7 +214,7 @@
           <a:p>
             <a:fld id="{A40759B3-20ED-419A-A77D-71AE35F06108}" type="datetimeFigureOut">
               <a:rPr lang="en-US" smtClean="0"/>
-              <a:t>12/10/2018</a:t>
+              <a:t>12/11/2018</a:t>
             </a:fld>
             <a:endParaRPr lang="en-US"/>
           </a:p>
@@ -545,7 +546,7 @@
           <a:p>
             <a:fld id="{87350B06-B074-48FC-8CFD-53D2CD8FB95F}" type="slidenum">
               <a:rPr lang="en-US" smtClean="0"/>
-              <a:t>6</a:t>
+              <a:t>4</a:t>
             </a:fld>
             <a:endParaRPr lang="en-US"/>
           </a:p>
@@ -555,6 +556,102 @@
     <p:extLst>
       <p:ext uri="{BB962C8B-B14F-4D97-AF65-F5344CB8AC3E}">
         <p14:creationId xmlns:p14="http://schemas.microsoft.com/office/powerpoint/2010/main" val="332891721"/>
+      </p:ext>
+    </p:extLst>
+  </p:cSld>
+  <p:clrMapOvr>
+    <a:masterClrMapping/>
+  </p:clrMapOvr>
+</p:notes>
+</file>
+
+<file path=ppt/notesSlides/notesSlide2.xml><?xml version="1.0" encoding="utf-8"?>
+<p:notes xmlns:a="http://schemas.openxmlformats.org/drawingml/2006/main" xmlns:r="http://schemas.openxmlformats.org/officeDocument/2006/relationships" xmlns:p="http://schemas.openxmlformats.org/presentationml/2006/main">
+  <p:cSld>
+    <p:spTree>
+      <p:nvGrpSpPr>
+        <p:cNvPr id="1" name=""/>
+        <p:cNvGrpSpPr/>
+        <p:nvPr/>
+      </p:nvGrpSpPr>
+      <p:grpSpPr>
+        <a:xfrm>
+          <a:off x="0" y="0"/>
+          <a:ext cx="0" cy="0"/>
+          <a:chOff x="0" y="0"/>
+          <a:chExt cx="0" cy="0"/>
+        </a:xfrm>
+      </p:grpSpPr>
+      <p:sp>
+        <p:nvSpPr>
+          <p:cNvPr id="2" name="Slide Image Placeholder 1"/>
+          <p:cNvSpPr>
+            <a:spLocks noGrp="1" noRot="1" noChangeAspect="1"/>
+          </p:cNvSpPr>
+          <p:nvPr>
+            <p:ph type="sldImg"/>
+          </p:nvPr>
+        </p:nvSpPr>
+        <p:spPr/>
+      </p:sp>
+      <p:sp>
+        <p:nvSpPr>
+          <p:cNvPr id="3" name="Notes Placeholder 2"/>
+          <p:cNvSpPr>
+            <a:spLocks noGrp="1"/>
+          </p:cNvSpPr>
+          <p:nvPr>
+            <p:ph type="body" idx="1"/>
+          </p:nvPr>
+        </p:nvSpPr>
+        <p:spPr/>
+        <p:txBody>
+          <a:bodyPr/>
+          <a:lstStyle/>
+          <a:p>
+            <a:r>
+              <a:rPr lang="pt-PT" dirty="0"/>
+              <a:t>Binaria: </a:t>
+            </a:r>
+            <a:r>
+              <a:rPr lang="pt-PT" dirty="0" err="1"/>
+              <a:t>stab.glu</a:t>
+            </a:r>
+            <a:r>
+              <a:rPr lang="pt-PT" dirty="0"/>
+              <a:t> binária </a:t>
+            </a:r>
+            <a:endParaRPr lang="en-US" dirty="0"/>
+          </a:p>
+        </p:txBody>
+      </p:sp>
+      <p:sp>
+        <p:nvSpPr>
+          <p:cNvPr id="4" name="Slide Number Placeholder 3"/>
+          <p:cNvSpPr>
+            <a:spLocks noGrp="1"/>
+          </p:cNvSpPr>
+          <p:nvPr>
+            <p:ph type="sldNum" sz="quarter" idx="10"/>
+          </p:nvPr>
+        </p:nvSpPr>
+        <p:spPr/>
+        <p:txBody>
+          <a:bodyPr/>
+          <a:lstStyle/>
+          <a:p>
+            <a:fld id="{C263AF9A-6E76-4CCC-89CF-B04065708FB7}" type="slidenum">
+              <a:rPr lang="en-US" smtClean="0"/>
+              <a:t>5</a:t>
+            </a:fld>
+            <a:endParaRPr lang="en-US"/>
+          </a:p>
+        </p:txBody>
+      </p:sp>
+    </p:spTree>
+    <p:extLst>
+      <p:ext uri="{BB962C8B-B14F-4D97-AF65-F5344CB8AC3E}">
+        <p14:creationId xmlns:p14="http://schemas.microsoft.com/office/powerpoint/2010/main" val="1016478080"/>
       </p:ext>
     </p:extLst>
   </p:cSld>
@@ -783,7 +880,7 @@
             <a:fld id="{53074F12-AA26-4AC8-9962-C36BB8F32554}" type="datetimeFigureOut">
               <a:rPr lang="en-US" smtClean="0"/>
               <a:pPr/>
-              <a:t>12/10/2018</a:t>
+              <a:t>12/11/2018</a:t>
             </a:fld>
             <a:endParaRPr lang="en-US"/>
           </a:p>
@@ -1037,7 +1134,7 @@
             <a:fld id="{53074F12-AA26-4AC8-9962-C36BB8F32554}" type="datetimeFigureOut">
               <a:rPr lang="en-US" smtClean="0"/>
               <a:pPr/>
-              <a:t>12/10/2018</a:t>
+              <a:t>12/11/2018</a:t>
             </a:fld>
             <a:endParaRPr lang="en-US"/>
           </a:p>
@@ -1207,7 +1304,7 @@
             <a:fld id="{53074F12-AA26-4AC8-9962-C36BB8F32554}" type="datetimeFigureOut">
               <a:rPr lang="en-US" smtClean="0"/>
               <a:pPr/>
-              <a:t>12/10/2018</a:t>
+              <a:t>12/11/2018</a:t>
             </a:fld>
             <a:endParaRPr lang="en-US"/>
           </a:p>
@@ -1387,7 +1484,7 @@
             <a:fld id="{53074F12-AA26-4AC8-9962-C36BB8F32554}" type="datetimeFigureOut">
               <a:rPr lang="en-US" smtClean="0"/>
               <a:pPr/>
-              <a:t>12/10/2018</a:t>
+              <a:t>12/11/2018</a:t>
             </a:fld>
             <a:endParaRPr lang="en-US"/>
           </a:p>
@@ -1669,7 +1766,7 @@
             <a:fld id="{53074F12-AA26-4AC8-9962-C36BB8F32554}" type="datetimeFigureOut">
               <a:rPr lang="en-US" smtClean="0"/>
               <a:pPr/>
-              <a:t>12/10/2018</a:t>
+              <a:t>12/11/2018</a:t>
             </a:fld>
             <a:endParaRPr lang="en-US"/>
           </a:p>
@@ -1916,7 +2013,7 @@
             <a:fld id="{53074F12-AA26-4AC8-9962-C36BB8F32554}" type="datetimeFigureOut">
               <a:rPr lang="en-US" smtClean="0"/>
               <a:pPr/>
-              <a:t>12/10/2018</a:t>
+              <a:t>12/11/2018</a:t>
             </a:fld>
             <a:endParaRPr lang="en-US"/>
           </a:p>
@@ -2163,7 +2260,7 @@
             <a:fld id="{53074F12-AA26-4AC8-9962-C36BB8F32554}" type="datetimeFigureOut">
               <a:rPr lang="en-US" smtClean="0"/>
               <a:pPr/>
-              <a:t>12/10/2018</a:t>
+              <a:t>12/11/2018</a:t>
             </a:fld>
             <a:endParaRPr lang="en-US"/>
           </a:p>
@@ -2450,7 +2547,7 @@
             <a:fld id="{53074F12-AA26-4AC8-9962-C36BB8F32554}" type="datetimeFigureOut">
               <a:rPr lang="en-US" smtClean="0"/>
               <a:pPr/>
-              <a:t>12/10/2018</a:t>
+              <a:t>12/11/2018</a:t>
             </a:fld>
             <a:endParaRPr lang="en-US"/>
           </a:p>
@@ -2937,7 +3034,7 @@
             <a:fld id="{53074F12-AA26-4AC8-9962-C36BB8F32554}" type="datetimeFigureOut">
               <a:rPr lang="en-US" smtClean="0"/>
               <a:pPr/>
-              <a:t>12/10/2018</a:t>
+              <a:t>12/11/2018</a:t>
             </a:fld>
             <a:endParaRPr lang="en-US"/>
           </a:p>
@@ -3056,7 +3153,7 @@
             <a:fld id="{53074F12-AA26-4AC8-9962-C36BB8F32554}" type="datetimeFigureOut">
               <a:rPr lang="en-US" smtClean="0"/>
               <a:pPr/>
-              <a:t>12/10/2018</a:t>
+              <a:t>12/11/2018</a:t>
             </a:fld>
             <a:endParaRPr lang="en-US"/>
           </a:p>
@@ -3153,7 +3250,7 @@
             <a:fld id="{53074F12-AA26-4AC8-9962-C36BB8F32554}" type="datetimeFigureOut">
               <a:rPr lang="en-US" smtClean="0"/>
               <a:pPr/>
-              <a:t>12/10/2018</a:t>
+              <a:t>12/11/2018</a:t>
             </a:fld>
             <a:endParaRPr lang="en-US"/>
           </a:p>
@@ -3430,7 +3527,7 @@
             <a:fld id="{53074F12-AA26-4AC8-9962-C36BB8F32554}" type="datetimeFigureOut">
               <a:rPr lang="en-US" smtClean="0"/>
               <a:pPr/>
-              <a:t>12/10/2018</a:t>
+              <a:t>12/11/2018</a:t>
             </a:fld>
             <a:endParaRPr lang="en-US"/>
           </a:p>
@@ -3652,7 +3749,7 @@
             <a:fld id="{53074F12-AA26-4AC8-9962-C36BB8F32554}" type="datetimeFigureOut">
               <a:rPr lang="en-US" smtClean="0"/>
               <a:pPr/>
-              <a:t>12/10/2018</a:t>
+              <a:t>12/11/2018</a:t>
             </a:fld>
             <a:endParaRPr lang="en-US"/>
           </a:p>
@@ -4236,7 +4333,7 @@
         </p:blipFill>
         <p:spPr>
           <a:xfrm>
-            <a:off x="1059785" y="1197405"/>
+            <a:off x="1059785" y="1154877"/>
             <a:ext cx="2992226" cy="3793390"/>
           </a:xfrm>
           <a:prstGeom prst="rect">
@@ -4260,7 +4357,7 @@
         </p:nvSpPr>
         <p:spPr>
           <a:xfrm>
-            <a:off x="5640935" y="1502815"/>
+            <a:off x="5335525" y="1502815"/>
             <a:ext cx="4040188" cy="479822"/>
           </a:xfrm>
           <a:prstGeom prst="rect">
@@ -4440,7 +4537,7 @@
         </p:nvSpPr>
         <p:spPr>
           <a:xfrm>
-            <a:off x="5640935" y="1982637"/>
+            <a:off x="5488230" y="1982637"/>
             <a:ext cx="3359510" cy="2137871"/>
           </a:xfrm>
           <a:prstGeom prst="rect">
@@ -4960,155 +5057,181 @@
       </p:grpSpPr>
       <p:sp>
         <p:nvSpPr>
-          <p:cNvPr id="4" name="Title 3"/>
-          <p:cNvSpPr>
-            <a:spLocks noGrp="1"/>
-          </p:cNvSpPr>
-          <p:nvPr>
-            <p:ph type="title"/>
-          </p:nvPr>
-        </p:nvSpPr>
-        <p:spPr/>
+          <p:cNvPr id="4" name="Subtitle 2">
+            <a:extLst>
+              <a:ext uri="{FF2B5EF4-FFF2-40B4-BE49-F238E27FC236}">
+                <a16:creationId xmlns:a16="http://schemas.microsoft.com/office/drawing/2014/main" id="{28219A4E-2B0E-4B01-8904-9E484E829D91}"/>
+              </a:ext>
+            </a:extLst>
+          </p:cNvPr>
+          <p:cNvSpPr txBox="1">
+            <a:spLocks/>
+          </p:cNvSpPr>
+          <p:nvPr/>
+        </p:nvSpPr>
+        <p:spPr>
+          <a:xfrm>
+            <a:off x="2663187" y="2113635"/>
+            <a:ext cx="3817625" cy="1068935"/>
+          </a:xfrm>
+          <a:prstGeom prst="rect">
+            <a:avLst/>
+          </a:prstGeom>
+        </p:spPr>
         <p:txBody>
           <a:bodyPr>
-            <a:normAutofit fontScale="90000"/>
+            <a:noAutofit/>
           </a:bodyPr>
-          <a:lstStyle/>
-          <a:p>
-            <a:r>
-              <a:rPr lang="en-US" dirty="0" err="1"/>
-              <a:t>Análise</a:t>
-            </a:r>
-            <a:r>
-              <a:rPr lang="en-US" dirty="0"/>
-              <a:t> de </a:t>
-            </a:r>
-            <a:r>
-              <a:rPr lang="en-US" dirty="0" err="1"/>
-              <a:t>influencia</a:t>
+          <a:lstStyle>
+            <a:lvl1pPr marL="342900" indent="-342900" algn="l" defTabSz="914400" rtl="0" eaLnBrk="1" latinLnBrk="0" hangingPunct="1">
+              <a:spcBef>
+                <a:spcPct val="20000"/>
+              </a:spcBef>
+              <a:buFont typeface="Arial" pitchFamily="34" charset="0"/>
+              <a:buChar char="•"/>
+              <a:defRPr sz="3200" kern="1200">
+                <a:solidFill>
+                  <a:schemeClr val="tx1"/>
+                </a:solidFill>
+                <a:latin typeface="+mn-lt"/>
+                <a:ea typeface="+mn-ea"/>
+                <a:cs typeface="+mn-cs"/>
+              </a:defRPr>
+            </a:lvl1pPr>
+            <a:lvl2pPr marL="742950" indent="-285750" algn="l" defTabSz="914400" rtl="0" eaLnBrk="1" latinLnBrk="0" hangingPunct="1">
+              <a:spcBef>
+                <a:spcPct val="20000"/>
+              </a:spcBef>
+              <a:buFont typeface="Arial" pitchFamily="34" charset="0"/>
+              <a:buChar char="–"/>
+              <a:defRPr sz="2800" kern="1200">
+                <a:solidFill>
+                  <a:schemeClr val="tx1"/>
+                </a:solidFill>
+                <a:latin typeface="+mn-lt"/>
+                <a:ea typeface="+mn-ea"/>
+                <a:cs typeface="+mn-cs"/>
+              </a:defRPr>
+            </a:lvl2pPr>
+            <a:lvl3pPr marL="1143000" indent="-228600" algn="l" defTabSz="914400" rtl="0" eaLnBrk="1" latinLnBrk="0" hangingPunct="1">
+              <a:spcBef>
+                <a:spcPct val="20000"/>
+              </a:spcBef>
+              <a:buFont typeface="Arial" pitchFamily="34" charset="0"/>
+              <a:buChar char="•"/>
+              <a:defRPr sz="2400" kern="1200">
+                <a:solidFill>
+                  <a:schemeClr val="tx1"/>
+                </a:solidFill>
+                <a:latin typeface="+mn-lt"/>
+                <a:ea typeface="+mn-ea"/>
+                <a:cs typeface="+mn-cs"/>
+              </a:defRPr>
+            </a:lvl3pPr>
+            <a:lvl4pPr marL="1600200" indent="-228600" algn="l" defTabSz="914400" rtl="0" eaLnBrk="1" latinLnBrk="0" hangingPunct="1">
+              <a:spcBef>
+                <a:spcPct val="20000"/>
+              </a:spcBef>
+              <a:buFont typeface="Arial" pitchFamily="34" charset="0"/>
+              <a:buChar char="–"/>
+              <a:defRPr sz="2000" kern="1200">
+                <a:solidFill>
+                  <a:schemeClr val="tx1"/>
+                </a:solidFill>
+                <a:latin typeface="+mn-lt"/>
+                <a:ea typeface="+mn-ea"/>
+                <a:cs typeface="+mn-cs"/>
+              </a:defRPr>
+            </a:lvl4pPr>
+            <a:lvl5pPr marL="2057400" indent="-228600" algn="l" defTabSz="914400" rtl="0" eaLnBrk="1" latinLnBrk="0" hangingPunct="1">
+              <a:spcBef>
+                <a:spcPct val="20000"/>
+              </a:spcBef>
+              <a:buFont typeface="Arial" pitchFamily="34" charset="0"/>
+              <a:buChar char="»"/>
+              <a:defRPr sz="2000" kern="1200">
+                <a:solidFill>
+                  <a:schemeClr val="tx1"/>
+                </a:solidFill>
+                <a:latin typeface="+mn-lt"/>
+                <a:ea typeface="+mn-ea"/>
+                <a:cs typeface="+mn-cs"/>
+              </a:defRPr>
+            </a:lvl5pPr>
+            <a:lvl6pPr marL="2514600" indent="-228600" algn="l" defTabSz="914400" rtl="0" eaLnBrk="1" latinLnBrk="0" hangingPunct="1">
+              <a:spcBef>
+                <a:spcPct val="20000"/>
+              </a:spcBef>
+              <a:buFont typeface="Arial" pitchFamily="34" charset="0"/>
+              <a:buChar char="•"/>
+              <a:defRPr sz="2000" kern="1200">
+                <a:solidFill>
+                  <a:schemeClr val="tx1"/>
+                </a:solidFill>
+                <a:latin typeface="+mn-lt"/>
+                <a:ea typeface="+mn-ea"/>
+                <a:cs typeface="+mn-cs"/>
+              </a:defRPr>
+            </a:lvl6pPr>
+            <a:lvl7pPr marL="2971800" indent="-228600" algn="l" defTabSz="914400" rtl="0" eaLnBrk="1" latinLnBrk="0" hangingPunct="1">
+              <a:spcBef>
+                <a:spcPct val="20000"/>
+              </a:spcBef>
+              <a:buFont typeface="Arial" pitchFamily="34" charset="0"/>
+              <a:buChar char="•"/>
+              <a:defRPr sz="2000" kern="1200">
+                <a:solidFill>
+                  <a:schemeClr val="tx1"/>
+                </a:solidFill>
+                <a:latin typeface="+mn-lt"/>
+                <a:ea typeface="+mn-ea"/>
+                <a:cs typeface="+mn-cs"/>
+              </a:defRPr>
+            </a:lvl7pPr>
+            <a:lvl8pPr marL="3429000" indent="-228600" algn="l" defTabSz="914400" rtl="0" eaLnBrk="1" latinLnBrk="0" hangingPunct="1">
+              <a:spcBef>
+                <a:spcPct val="20000"/>
+              </a:spcBef>
+              <a:buFont typeface="Arial" pitchFamily="34" charset="0"/>
+              <a:buChar char="•"/>
+              <a:defRPr sz="2000" kern="1200">
+                <a:solidFill>
+                  <a:schemeClr val="tx1"/>
+                </a:solidFill>
+                <a:latin typeface="+mn-lt"/>
+                <a:ea typeface="+mn-ea"/>
+                <a:cs typeface="+mn-cs"/>
+              </a:defRPr>
+            </a:lvl8pPr>
+            <a:lvl9pPr marL="3886200" indent="-228600" algn="l" defTabSz="914400" rtl="0" eaLnBrk="1" latinLnBrk="0" hangingPunct="1">
+              <a:spcBef>
+                <a:spcPct val="20000"/>
+              </a:spcBef>
+              <a:buFont typeface="Arial" pitchFamily="34" charset="0"/>
+              <a:buChar char="•"/>
+              <a:defRPr sz="2000" kern="1200">
+                <a:solidFill>
+                  <a:schemeClr val="tx1"/>
+                </a:solidFill>
+                <a:latin typeface="+mn-lt"/>
+                <a:ea typeface="+mn-ea"/>
+                <a:cs typeface="+mn-cs"/>
+              </a:defRPr>
+            </a:lvl9pPr>
+          </a:lstStyle>
+          <a:p>
+            <a:r>
+              <a:rPr lang="pt-PT" dirty="0"/>
+              <a:t>Análise exploratória</a:t>
             </a:r>
             <a:endParaRPr lang="en-US" dirty="0"/>
-          </a:p>
-        </p:txBody>
-      </p:sp>
-      <p:sp>
-        <p:nvSpPr>
-          <p:cNvPr id="5" name="Text Placeholder 4"/>
-          <p:cNvSpPr>
-            <a:spLocks noGrp="1"/>
-          </p:cNvSpPr>
-          <p:nvPr>
-            <p:ph type="body" idx="1"/>
-          </p:nvPr>
-        </p:nvSpPr>
-        <p:spPr/>
-        <p:txBody>
-          <a:bodyPr/>
-          <a:lstStyle/>
-          <a:p>
-            <a:r>
-              <a:rPr lang="en-US" dirty="0"/>
-              <a:t>Product A</a:t>
-            </a:r>
-          </a:p>
-        </p:txBody>
-      </p:sp>
-      <p:sp>
-        <p:nvSpPr>
-          <p:cNvPr id="6" name="Content Placeholder 5"/>
-          <p:cNvSpPr>
-            <a:spLocks noGrp="1"/>
-          </p:cNvSpPr>
-          <p:nvPr>
-            <p:ph sz="half" idx="2"/>
-          </p:nvPr>
-        </p:nvSpPr>
-        <p:spPr/>
-        <p:txBody>
-          <a:bodyPr/>
-          <a:lstStyle/>
-          <a:p>
-            <a:r>
-              <a:rPr lang="en-US"/>
-              <a:t>Feature 1</a:t>
-            </a:r>
-          </a:p>
-          <a:p>
-            <a:r>
-              <a:rPr lang="en-US"/>
-              <a:t>Feature 2</a:t>
-            </a:r>
-          </a:p>
-          <a:p>
-            <a:r>
-              <a:rPr lang="en-US"/>
-              <a:t>Feature 3</a:t>
-            </a:r>
-            <a:endParaRPr lang="en-US" dirty="0"/>
-          </a:p>
-        </p:txBody>
-      </p:sp>
-      <p:sp>
-        <p:nvSpPr>
-          <p:cNvPr id="7" name="Text Placeholder 6"/>
-          <p:cNvSpPr>
-            <a:spLocks noGrp="1"/>
-          </p:cNvSpPr>
-          <p:nvPr>
-            <p:ph type="body" sz="quarter" idx="3"/>
-          </p:nvPr>
-        </p:nvSpPr>
-        <p:spPr/>
-        <p:txBody>
-          <a:bodyPr/>
-          <a:lstStyle/>
-          <a:p>
-            <a:r>
-              <a:rPr lang="en-US"/>
-              <a:t>Product B</a:t>
-            </a:r>
-            <a:endParaRPr lang="en-US" dirty="0"/>
-          </a:p>
-        </p:txBody>
-      </p:sp>
-      <p:sp>
-        <p:nvSpPr>
-          <p:cNvPr id="8" name="Content Placeholder 7"/>
-          <p:cNvSpPr>
-            <a:spLocks noGrp="1"/>
-          </p:cNvSpPr>
-          <p:nvPr>
-            <p:ph sz="quarter" idx="4"/>
-          </p:nvPr>
-        </p:nvSpPr>
-        <p:spPr/>
-        <p:txBody>
-          <a:bodyPr/>
-          <a:lstStyle/>
-          <a:p>
-            <a:r>
-              <a:rPr lang="en-US"/>
-              <a:t>Feature 1</a:t>
-            </a:r>
-          </a:p>
-          <a:p>
-            <a:r>
-              <a:rPr lang="en-US"/>
-              <a:t>Feature 2</a:t>
-            </a:r>
-          </a:p>
-          <a:p>
-            <a:r>
-              <a:rPr lang="en-US"/>
-              <a:t>Feature 3</a:t>
-            </a:r>
           </a:p>
         </p:txBody>
       </p:sp>
     </p:spTree>
     <p:extLst>
       <p:ext uri="{BB962C8B-B14F-4D97-AF65-F5344CB8AC3E}">
-        <p14:creationId xmlns:p14="http://schemas.microsoft.com/office/powerpoint/2010/main" val="4170783713"/>
+        <p14:creationId xmlns:p14="http://schemas.microsoft.com/office/powerpoint/2010/main" val="109100692"/>
       </p:ext>
     </p:extLst>
   </p:cSld>
@@ -5135,6 +5258,41 @@
           <a:chExt cx="0" cy="0"/>
         </a:xfrm>
       </p:grpSpPr>
+      <p:pic>
+        <p:nvPicPr>
+          <p:cNvPr id="12" name="Picture 11">
+            <a:extLst>
+              <a:ext uri="{FF2B5EF4-FFF2-40B4-BE49-F238E27FC236}">
+                <a16:creationId xmlns:a16="http://schemas.microsoft.com/office/drawing/2014/main" id="{6B4B7C34-70F5-4529-8F88-E66CAFA4633F}"/>
+              </a:ext>
+            </a:extLst>
+          </p:cNvPr>
+          <p:cNvPicPr>
+            <a:picLocks noChangeAspect="1"/>
+          </p:cNvPicPr>
+          <p:nvPr/>
+        </p:nvPicPr>
+        <p:blipFill rotWithShape="1">
+          <a:blip r:embed="rId3">
+            <a:extLst>
+              <a:ext uri="{28A0092B-C50C-407E-A947-70E740481C1C}">
+                <a14:useLocalDpi xmlns:a14="http://schemas.microsoft.com/office/drawing/2010/main" val="0"/>
+              </a:ext>
+            </a:extLst>
+          </a:blip>
+          <a:srcRect t="12955" b="8420"/>
+          <a:stretch/>
+        </p:blipFill>
+        <p:spPr>
+          <a:xfrm>
+            <a:off x="63195" y="1527903"/>
+            <a:ext cx="1784623" cy="1654667"/>
+          </a:xfrm>
+          <a:prstGeom prst="rect">
+            <a:avLst/>
+          </a:prstGeom>
+        </p:spPr>
+      </p:pic>
       <p:sp>
         <p:nvSpPr>
           <p:cNvPr id="4" name="Title 3"/>
@@ -5162,7 +5320,7 @@
             </a:r>
             <a:r>
               <a:rPr lang="en-US" dirty="0" err="1"/>
-              <a:t>normalidade</a:t>
+              <a:t>influencia</a:t>
             </a:r>
             <a:endParaRPr lang="en-US" dirty="0"/>
           </a:p>
@@ -5178,114 +5336,449 @@
             <p:ph type="body" idx="1"/>
           </p:nvPr>
         </p:nvSpPr>
-        <p:spPr/>
+        <p:spPr>
+          <a:xfrm>
+            <a:off x="0" y="1047997"/>
+            <a:ext cx="4040188" cy="479822"/>
+          </a:xfrm>
+        </p:spPr>
         <p:txBody>
           <a:bodyPr/>
           <a:lstStyle/>
           <a:p>
             <a:r>
               <a:rPr lang="en-US" dirty="0"/>
-              <a:t>Product A</a:t>
-            </a:r>
-          </a:p>
-        </p:txBody>
-      </p:sp>
-      <p:sp>
-        <p:nvSpPr>
-          <p:cNvPr id="6" name="Content Placeholder 5"/>
-          <p:cNvSpPr>
-            <a:spLocks noGrp="1"/>
-          </p:cNvSpPr>
-          <p:nvPr>
-            <p:ph sz="half" idx="2"/>
-          </p:nvPr>
-        </p:nvSpPr>
-        <p:spPr/>
+              <a:t>Var Binária</a:t>
+            </a:r>
+          </a:p>
+        </p:txBody>
+      </p:sp>
+      <p:sp>
+        <p:nvSpPr>
+          <p:cNvPr id="7" name="Text Placeholder 6"/>
+          <p:cNvSpPr>
+            <a:spLocks noGrp="1"/>
+          </p:cNvSpPr>
+          <p:nvPr>
+            <p:ph type="body" sz="quarter" idx="3"/>
+          </p:nvPr>
+        </p:nvSpPr>
+        <p:spPr>
+          <a:xfrm>
+            <a:off x="4653260" y="1099345"/>
+            <a:ext cx="4041775" cy="479822"/>
+          </a:xfrm>
+        </p:spPr>
         <p:txBody>
           <a:bodyPr/>
           <a:lstStyle/>
           <a:p>
             <a:r>
-              <a:rPr lang="en-US"/>
-              <a:t>Feature 1</a:t>
-            </a:r>
-          </a:p>
-          <a:p>
-            <a:r>
-              <a:rPr lang="en-US"/>
-              <a:t>Feature 2</a:t>
-            </a:r>
-          </a:p>
-          <a:p>
-            <a:r>
-              <a:rPr lang="en-US"/>
-              <a:t>Feature 3</a:t>
+              <a:rPr lang="pt-PT" dirty="0" err="1"/>
+              <a:t>Gly.hb</a:t>
             </a:r>
             <a:endParaRPr lang="en-US" dirty="0"/>
           </a:p>
         </p:txBody>
       </p:sp>
-      <p:sp>
-        <p:nvSpPr>
-          <p:cNvPr id="7" name="Text Placeholder 6"/>
-          <p:cNvSpPr>
-            <a:spLocks noGrp="1"/>
-          </p:cNvSpPr>
-          <p:nvPr>
-            <p:ph type="body" sz="quarter" idx="3"/>
-          </p:nvPr>
-        </p:nvSpPr>
-        <p:spPr/>
-        <p:txBody>
-          <a:bodyPr/>
-          <a:lstStyle/>
-          <a:p>
-            <a:r>
-              <a:rPr lang="en-US"/>
-              <a:t>Product B</a:t>
-            </a:r>
-            <a:endParaRPr lang="en-US" dirty="0"/>
-          </a:p>
-        </p:txBody>
-      </p:sp>
-      <p:sp>
-        <p:nvSpPr>
-          <p:cNvPr id="8" name="Content Placeholder 7"/>
-          <p:cNvSpPr>
-            <a:spLocks noGrp="1"/>
-          </p:cNvSpPr>
-          <p:nvPr>
-            <p:ph sz="quarter" idx="4"/>
-          </p:nvPr>
-        </p:nvSpPr>
-        <p:spPr/>
-        <p:txBody>
-          <a:bodyPr/>
-          <a:lstStyle/>
-          <a:p>
-            <a:r>
-              <a:rPr lang="en-US"/>
-              <a:t>Feature 1</a:t>
-            </a:r>
-          </a:p>
-          <a:p>
-            <a:r>
-              <a:rPr lang="en-US"/>
-              <a:t>Feature 2</a:t>
-            </a:r>
-          </a:p>
-          <a:p>
-            <a:r>
-              <a:rPr lang="en-US"/>
-              <a:t>Feature 3</a:t>
-            </a:r>
-          </a:p>
-        </p:txBody>
-      </p:sp>
+      <p:pic>
+        <p:nvPicPr>
+          <p:cNvPr id="14" name="Picture 13">
+            <a:extLst>
+              <a:ext uri="{FF2B5EF4-FFF2-40B4-BE49-F238E27FC236}">
+                <a16:creationId xmlns:a16="http://schemas.microsoft.com/office/drawing/2014/main" id="{A716FD16-B60D-4493-98F3-583FC8BAF879}"/>
+              </a:ext>
+            </a:extLst>
+          </p:cNvPr>
+          <p:cNvPicPr>
+            <a:picLocks noChangeAspect="1"/>
+          </p:cNvPicPr>
+          <p:nvPr/>
+        </p:nvPicPr>
+        <p:blipFill rotWithShape="1">
+          <a:blip r:embed="rId4">
+            <a:extLst>
+              <a:ext uri="{28A0092B-C50C-407E-A947-70E740481C1C}">
+                <a14:useLocalDpi xmlns:a14="http://schemas.microsoft.com/office/drawing/2010/main" val="0"/>
+              </a:ext>
+            </a:extLst>
+          </a:blip>
+          <a:srcRect t="12549"/>
+          <a:stretch/>
+        </p:blipFill>
+        <p:spPr>
+          <a:xfrm>
+            <a:off x="1823310" y="1527819"/>
+            <a:ext cx="1749491" cy="1840423"/>
+          </a:xfrm>
+          <a:prstGeom prst="rect">
+            <a:avLst/>
+          </a:prstGeom>
+        </p:spPr>
+      </p:pic>
+      <p:sp>
+        <p:nvSpPr>
+          <p:cNvPr id="17" name="TextBox 16">
+            <a:extLst>
+              <a:ext uri="{FF2B5EF4-FFF2-40B4-BE49-F238E27FC236}">
+                <a16:creationId xmlns:a16="http://schemas.microsoft.com/office/drawing/2014/main" id="{2F02DABE-8BFE-442B-BB4B-CE9D5CE497FD}"/>
+              </a:ext>
+            </a:extLst>
+          </p:cNvPr>
+          <p:cNvSpPr txBox="1"/>
+          <p:nvPr/>
+        </p:nvSpPr>
+        <p:spPr>
+          <a:xfrm>
+            <a:off x="2589393" y="3029865"/>
+            <a:ext cx="706798" cy="215444"/>
+          </a:xfrm>
+          <a:prstGeom prst="rect">
+            <a:avLst/>
+          </a:prstGeom>
+          <a:noFill/>
+        </p:spPr>
+        <p:txBody>
+          <a:bodyPr wrap="square" rtlCol="0">
+            <a:spAutoFit/>
+          </a:bodyPr>
+          <a:lstStyle/>
+          <a:p>
+            <a:r>
+              <a:rPr lang="pt-PT" sz="800" dirty="0">
+                <a:solidFill>
+                  <a:schemeClr val="bg1">
+                    <a:lumMod val="50000"/>
+                  </a:schemeClr>
+                </a:solidFill>
+              </a:rPr>
+              <a:t>Age</a:t>
+            </a:r>
+            <a:endParaRPr lang="en-US" sz="800" dirty="0">
+              <a:solidFill>
+                <a:schemeClr val="bg1">
+                  <a:lumMod val="50000"/>
+                </a:schemeClr>
+              </a:solidFill>
+            </a:endParaRPr>
+          </a:p>
+        </p:txBody>
+      </p:sp>
+      <p:pic>
+        <p:nvPicPr>
+          <p:cNvPr id="18" name="Picture 17">
+            <a:extLst>
+              <a:ext uri="{FF2B5EF4-FFF2-40B4-BE49-F238E27FC236}">
+                <a16:creationId xmlns:a16="http://schemas.microsoft.com/office/drawing/2014/main" id="{D30A80B5-C3BC-416C-B756-A2301F2678EA}"/>
+              </a:ext>
+            </a:extLst>
+          </p:cNvPr>
+          <p:cNvPicPr>
+            <a:picLocks noChangeAspect="1"/>
+          </p:cNvPicPr>
+          <p:nvPr/>
+        </p:nvPicPr>
+        <p:blipFill rotWithShape="1">
+          <a:blip r:embed="rId5" cstate="print">
+            <a:extLst>
+              <a:ext uri="{28A0092B-C50C-407E-A947-70E740481C1C}">
+                <a14:useLocalDpi xmlns:a14="http://schemas.microsoft.com/office/drawing/2010/main" val="0"/>
+              </a:ext>
+            </a:extLst>
+          </a:blip>
+          <a:srcRect t="11396" b="9187"/>
+          <a:stretch/>
+        </p:blipFill>
+        <p:spPr>
+          <a:xfrm>
+            <a:off x="185347" y="3297531"/>
+            <a:ext cx="1637963" cy="1564794"/>
+          </a:xfrm>
+          <a:prstGeom prst="rect">
+            <a:avLst/>
+          </a:prstGeom>
+        </p:spPr>
+      </p:pic>
+      <p:pic>
+        <p:nvPicPr>
+          <p:cNvPr id="22" name="Imagem 26">
+            <a:extLst>
+              <a:ext uri="{FF2B5EF4-FFF2-40B4-BE49-F238E27FC236}">
+                <a16:creationId xmlns:a16="http://schemas.microsoft.com/office/drawing/2014/main" id="{F65A5F16-81FB-4C27-990F-69451532F65E}"/>
+              </a:ext>
+            </a:extLst>
+          </p:cNvPr>
+          <p:cNvPicPr/>
+          <p:nvPr/>
+        </p:nvPicPr>
+        <p:blipFill>
+          <a:blip r:embed="rId6" cstate="print">
+            <a:extLst>
+              <a:ext uri="{28A0092B-C50C-407E-A947-70E740481C1C}">
+                <a14:useLocalDpi xmlns:a14="http://schemas.microsoft.com/office/drawing/2010/main" val="0"/>
+              </a:ext>
+            </a:extLst>
+          </a:blip>
+          <a:stretch>
+            <a:fillRect/>
+          </a:stretch>
+        </p:blipFill>
+        <p:spPr>
+          <a:xfrm>
+            <a:off x="1949912" y="3335275"/>
+            <a:ext cx="1518235" cy="1479439"/>
+          </a:xfrm>
+          <a:prstGeom prst="rect">
+            <a:avLst/>
+          </a:prstGeom>
+        </p:spPr>
+      </p:pic>
+      <p:sp>
+        <p:nvSpPr>
+          <p:cNvPr id="15" name="TextBox 14">
+            <a:extLst>
+              <a:ext uri="{FF2B5EF4-FFF2-40B4-BE49-F238E27FC236}">
+                <a16:creationId xmlns:a16="http://schemas.microsoft.com/office/drawing/2014/main" id="{BEE5D9EF-A10F-4988-9D2E-01FCC481A710}"/>
+              </a:ext>
+            </a:extLst>
+          </p:cNvPr>
+          <p:cNvSpPr txBox="1"/>
+          <p:nvPr/>
+        </p:nvSpPr>
+        <p:spPr>
+          <a:xfrm>
+            <a:off x="811102" y="4646881"/>
+            <a:ext cx="706798" cy="215444"/>
+          </a:xfrm>
+          <a:prstGeom prst="rect">
+            <a:avLst/>
+          </a:prstGeom>
+          <a:noFill/>
+        </p:spPr>
+        <p:txBody>
+          <a:bodyPr wrap="square" rtlCol="0">
+            <a:spAutoFit/>
+          </a:bodyPr>
+          <a:lstStyle/>
+          <a:p>
+            <a:r>
+              <a:rPr lang="pt-PT" sz="800" dirty="0">
+                <a:solidFill>
+                  <a:schemeClr val="bg1">
+                    <a:lumMod val="50000"/>
+                  </a:schemeClr>
+                </a:solidFill>
+              </a:rPr>
+              <a:t>  Ratio</a:t>
+            </a:r>
+            <a:endParaRPr lang="en-US" sz="800" dirty="0">
+              <a:solidFill>
+                <a:schemeClr val="bg1">
+                  <a:lumMod val="50000"/>
+                </a:schemeClr>
+              </a:solidFill>
+            </a:endParaRPr>
+          </a:p>
+        </p:txBody>
+      </p:sp>
+      <p:sp>
+        <p:nvSpPr>
+          <p:cNvPr id="23" name="TextBox 22">
+            <a:extLst>
+              <a:ext uri="{FF2B5EF4-FFF2-40B4-BE49-F238E27FC236}">
+                <a16:creationId xmlns:a16="http://schemas.microsoft.com/office/drawing/2014/main" id="{0DE4654D-B792-4964-9860-05CBE7F4154C}"/>
+              </a:ext>
+            </a:extLst>
+          </p:cNvPr>
+          <p:cNvSpPr txBox="1"/>
+          <p:nvPr/>
+        </p:nvSpPr>
+        <p:spPr>
+          <a:xfrm>
+            <a:off x="2434130" y="4646881"/>
+            <a:ext cx="706798" cy="215444"/>
+          </a:xfrm>
+          <a:prstGeom prst="rect">
+            <a:avLst/>
+          </a:prstGeom>
+          <a:noFill/>
+        </p:spPr>
+        <p:txBody>
+          <a:bodyPr wrap="square" rtlCol="0">
+            <a:spAutoFit/>
+          </a:bodyPr>
+          <a:lstStyle/>
+          <a:p>
+            <a:r>
+              <a:rPr lang="pt-PT" sz="800" dirty="0">
+                <a:solidFill>
+                  <a:schemeClr val="bg1">
+                    <a:lumMod val="50000"/>
+                  </a:schemeClr>
+                </a:solidFill>
+              </a:rPr>
+              <a:t>  Bp.1s</a:t>
+            </a:r>
+            <a:endParaRPr lang="en-US" sz="800" dirty="0">
+              <a:solidFill>
+                <a:schemeClr val="bg1">
+                  <a:lumMod val="50000"/>
+                </a:schemeClr>
+              </a:solidFill>
+            </a:endParaRPr>
+          </a:p>
+        </p:txBody>
+      </p:sp>
+      <p:sp>
+        <p:nvSpPr>
+          <p:cNvPr id="24" name="TextBox 23">
+            <a:extLst>
+              <a:ext uri="{FF2B5EF4-FFF2-40B4-BE49-F238E27FC236}">
+                <a16:creationId xmlns:a16="http://schemas.microsoft.com/office/drawing/2014/main" id="{059C3C5F-265F-4F91-877C-8F9ABA9709A7}"/>
+              </a:ext>
+            </a:extLst>
+          </p:cNvPr>
+          <p:cNvSpPr txBox="1"/>
+          <p:nvPr/>
+        </p:nvSpPr>
+        <p:spPr>
+          <a:xfrm>
+            <a:off x="790032" y="2967126"/>
+            <a:ext cx="706798" cy="215444"/>
+          </a:xfrm>
+          <a:prstGeom prst="rect">
+            <a:avLst/>
+          </a:prstGeom>
+          <a:noFill/>
+        </p:spPr>
+        <p:txBody>
+          <a:bodyPr wrap="square" rtlCol="0">
+            <a:spAutoFit/>
+          </a:bodyPr>
+          <a:lstStyle/>
+          <a:p>
+            <a:r>
+              <a:rPr lang="pt-PT" sz="800" dirty="0">
+                <a:solidFill>
+                  <a:schemeClr val="bg1">
+                    <a:lumMod val="50000"/>
+                  </a:schemeClr>
+                </a:solidFill>
+              </a:rPr>
+              <a:t>Stab.glu</a:t>
+            </a:r>
+          </a:p>
+        </p:txBody>
+      </p:sp>
+      <p:pic>
+        <p:nvPicPr>
+          <p:cNvPr id="26" name="Picture 25">
+            <a:extLst>
+              <a:ext uri="{FF2B5EF4-FFF2-40B4-BE49-F238E27FC236}">
+                <a16:creationId xmlns:a16="http://schemas.microsoft.com/office/drawing/2014/main" id="{E3F3FF73-5174-4320-986F-50DA0DFE047D}"/>
+              </a:ext>
+            </a:extLst>
+          </p:cNvPr>
+          <p:cNvPicPr>
+            <a:picLocks noChangeAspect="1"/>
+          </p:cNvPicPr>
+          <p:nvPr/>
+        </p:nvPicPr>
+        <p:blipFill rotWithShape="1">
+          <a:blip r:embed="rId7">
+            <a:extLst>
+              <a:ext uri="{28A0092B-C50C-407E-A947-70E740481C1C}">
+                <a14:useLocalDpi xmlns:a14="http://schemas.microsoft.com/office/drawing/2010/main" val="0"/>
+              </a:ext>
+            </a:extLst>
+          </a:blip>
+          <a:srcRect t="12549"/>
+          <a:stretch/>
+        </p:blipFill>
+        <p:spPr>
+          <a:xfrm>
+            <a:off x="4816419" y="1579167"/>
+            <a:ext cx="1749492" cy="1840423"/>
+          </a:xfrm>
+          <a:prstGeom prst="rect">
+            <a:avLst/>
+          </a:prstGeom>
+        </p:spPr>
+      </p:pic>
+      <p:pic>
+        <p:nvPicPr>
+          <p:cNvPr id="28" name="Picture 27">
+            <a:extLst>
+              <a:ext uri="{FF2B5EF4-FFF2-40B4-BE49-F238E27FC236}">
+                <a16:creationId xmlns:a16="http://schemas.microsoft.com/office/drawing/2014/main" id="{A642A1B7-CEC7-4C5D-8DD0-9A0B738B695F}"/>
+              </a:ext>
+            </a:extLst>
+          </p:cNvPr>
+          <p:cNvPicPr>
+            <a:picLocks noChangeAspect="1"/>
+          </p:cNvPicPr>
+          <p:nvPr/>
+        </p:nvPicPr>
+        <p:blipFill rotWithShape="1">
+          <a:blip r:embed="rId8">
+            <a:extLst>
+              <a:ext uri="{28A0092B-C50C-407E-A947-70E740481C1C}">
+                <a14:useLocalDpi xmlns:a14="http://schemas.microsoft.com/office/drawing/2010/main" val="0"/>
+              </a:ext>
+            </a:extLst>
+          </a:blip>
+          <a:srcRect t="11325" b="1541"/>
+          <a:stretch/>
+        </p:blipFill>
+        <p:spPr>
+          <a:xfrm>
+            <a:off x="6939161" y="1579167"/>
+            <a:ext cx="1755874" cy="1840423"/>
+          </a:xfrm>
+          <a:prstGeom prst="rect">
+            <a:avLst/>
+          </a:prstGeom>
+        </p:spPr>
+      </p:pic>
+      <p:pic>
+        <p:nvPicPr>
+          <p:cNvPr id="30" name="Picture 29">
+            <a:extLst>
+              <a:ext uri="{FF2B5EF4-FFF2-40B4-BE49-F238E27FC236}">
+                <a16:creationId xmlns:a16="http://schemas.microsoft.com/office/drawing/2014/main" id="{48AE9C29-AE7D-4A85-B785-82D8F7272500}"/>
+              </a:ext>
+            </a:extLst>
+          </p:cNvPr>
+          <p:cNvPicPr>
+            <a:picLocks noChangeAspect="1"/>
+          </p:cNvPicPr>
+          <p:nvPr/>
+        </p:nvPicPr>
+        <p:blipFill rotWithShape="1">
+          <a:blip r:embed="rId9" cstate="print">
+            <a:extLst>
+              <a:ext uri="{28A0092B-C50C-407E-A947-70E740481C1C}">
+                <a14:useLocalDpi xmlns:a14="http://schemas.microsoft.com/office/drawing/2010/main" val="0"/>
+              </a:ext>
+            </a:extLst>
+          </a:blip>
+          <a:srcRect t="9239" b="1391"/>
+          <a:stretch/>
+        </p:blipFill>
+        <p:spPr>
+          <a:xfrm>
+            <a:off x="5933354" y="3459127"/>
+            <a:ext cx="1481585" cy="1592784"/>
+          </a:xfrm>
+          <a:prstGeom prst="rect">
+            <a:avLst/>
+          </a:prstGeom>
+        </p:spPr>
+      </p:pic>
     </p:spTree>
     <p:extLst>
       <p:ext uri="{BB962C8B-B14F-4D97-AF65-F5344CB8AC3E}">
-        <p14:creationId xmlns:p14="http://schemas.microsoft.com/office/powerpoint/2010/main" val="3774594727"/>
+        <p14:creationId xmlns:p14="http://schemas.microsoft.com/office/powerpoint/2010/main" val="4170783713"/>
       </p:ext>
     </p:extLst>
   </p:cSld>
@@ -5312,53 +5805,467 @@
           <a:chExt cx="0" cy="0"/>
         </a:xfrm>
       </p:grpSpPr>
-      <p:pic>
-        <p:nvPicPr>
-          <p:cNvPr id="3" name="Picture 2" descr="E:\websites\free-power-point-templates\2012\logos.png"/>
-          <p:cNvPicPr>
-            <a:picLocks noChangeAspect="1" noChangeArrowheads="1"/>
-          </p:cNvPicPr>
-          <p:nvPr/>
-        </p:nvPicPr>
-        <p:blipFill>
-          <a:blip r:embed="rId3">
+      <p:sp>
+        <p:nvSpPr>
+          <p:cNvPr id="4" name="Title 3"/>
+          <p:cNvSpPr>
+            <a:spLocks noGrp="1"/>
+          </p:cNvSpPr>
+          <p:nvPr>
+            <p:ph type="title"/>
+          </p:nvPr>
+        </p:nvSpPr>
+        <p:spPr/>
+        <p:txBody>
+          <a:bodyPr>
+            <a:normAutofit fontScale="90000"/>
+          </a:bodyPr>
+          <a:lstStyle/>
+          <a:p>
+            <a:r>
+              <a:rPr lang="pt-PT" dirty="0"/>
+              <a:t>Ranking variáveis</a:t>
+            </a:r>
+            <a:endParaRPr lang="en-US" dirty="0"/>
+          </a:p>
+        </p:txBody>
+      </p:sp>
+      <p:sp>
+        <p:nvSpPr>
+          <p:cNvPr id="5" name="Content Placeholder 4"/>
+          <p:cNvSpPr>
+            <a:spLocks noGrp="1"/>
+          </p:cNvSpPr>
+          <p:nvPr>
+            <p:ph idx="1"/>
+          </p:nvPr>
+        </p:nvSpPr>
+        <p:spPr>
+          <a:xfrm>
+            <a:off x="2434130" y="1197406"/>
+            <a:ext cx="2290575" cy="3358356"/>
+          </a:xfrm>
+        </p:spPr>
+        <p:txBody>
+          <a:bodyPr/>
+          <a:lstStyle/>
+          <a:p>
+            <a:r>
+              <a:rPr lang="en-US" dirty="0" err="1"/>
+              <a:t>Stab.glu</a:t>
+            </a:r>
+            <a:endParaRPr lang="en-US" dirty="0"/>
+          </a:p>
+          <a:p>
+            <a:r>
+              <a:rPr lang="en-US" dirty="0"/>
+              <a:t>Chol</a:t>
+            </a:r>
+          </a:p>
+          <a:p>
+            <a:r>
+              <a:rPr lang="pt-PT" dirty="0"/>
+              <a:t>T</a:t>
+            </a:r>
+            <a:r>
+              <a:rPr lang="en-US" dirty="0" err="1"/>
+              <a:t>ime.ppn</a:t>
+            </a:r>
+            <a:endParaRPr lang="en-US" dirty="0"/>
+          </a:p>
+          <a:p>
+            <a:r>
+              <a:rPr lang="pt-PT" dirty="0"/>
+              <a:t>E</a:t>
+            </a:r>
+            <a:r>
+              <a:rPr lang="en-US" dirty="0" err="1"/>
+              <a:t>tc</a:t>
+            </a:r>
+            <a:endParaRPr lang="en-US" dirty="0"/>
+          </a:p>
+        </p:txBody>
+      </p:sp>
+      <p:sp>
+        <p:nvSpPr>
+          <p:cNvPr id="6" name="Content Placeholder 4">
             <a:extLst>
-              <a:ext uri="{28A0092B-C50C-407E-A947-70E740481C1C}">
-                <a14:useLocalDpi xmlns:a14="http://schemas.microsoft.com/office/drawing/2010/main" val="0"/>
+              <a:ext uri="{FF2B5EF4-FFF2-40B4-BE49-F238E27FC236}">
+                <a16:creationId xmlns:a16="http://schemas.microsoft.com/office/drawing/2014/main" id="{E77A5FFD-2DF9-4D9E-8A1B-BB9F8C88595C}"/>
               </a:ext>
             </a:extLst>
-          </a:blip>
-          <a:stretch>
-            <a:fillRect/>
-          </a:stretch>
-        </p:blipFill>
-        <p:spPr bwMode="auto">
+          </p:cNvPr>
+          <p:cNvSpPr txBox="1">
+            <a:spLocks/>
+          </p:cNvSpPr>
+          <p:nvPr/>
+        </p:nvSpPr>
+        <p:spPr>
           <a:xfrm>
-            <a:off x="3918306" y="2326213"/>
-            <a:ext cx="1463784" cy="526961"/>
+            <a:off x="5030115" y="1197406"/>
+            <a:ext cx="2290575" cy="3358356"/>
           </a:xfrm>
           <a:prstGeom prst="rect">
             <a:avLst/>
           </a:prstGeom>
-          <a:noFill/>
-          <a:ln>
-            <a:noFill/>
-          </a:ln>
-          <a:extLst>
-            <a:ext uri="{909E8E84-426E-40DD-AFC4-6F175D3DCCD1}">
-              <a14:hiddenFill xmlns:a14="http://schemas.microsoft.com/office/drawing/2010/main">
-                <a:solidFill>
-                  <a:srgbClr val="FFFFFF"/>
-                </a:solidFill>
-              </a14:hiddenFill>
-            </a:ext>
-          </a:extLst>
         </p:spPr>
-      </p:pic>
+        <p:txBody>
+          <a:bodyPr vert="horz" lIns="91440" tIns="45720" rIns="91440" bIns="45720" rtlCol="0">
+            <a:normAutofit/>
+          </a:bodyPr>
+          <a:lstStyle>
+            <a:lvl1pPr marL="342900" indent="-342900" algn="l" defTabSz="914400" rtl="0" eaLnBrk="1" latinLnBrk="0" hangingPunct="1">
+              <a:spcBef>
+                <a:spcPct val="20000"/>
+              </a:spcBef>
+              <a:buFont typeface="Arial" pitchFamily="34" charset="0"/>
+              <a:buChar char="•"/>
+              <a:defRPr sz="2800" kern="1200">
+                <a:solidFill>
+                  <a:srgbClr val="002060"/>
+                </a:solidFill>
+                <a:latin typeface="+mn-lt"/>
+                <a:ea typeface="+mn-ea"/>
+                <a:cs typeface="+mn-cs"/>
+              </a:defRPr>
+            </a:lvl1pPr>
+            <a:lvl2pPr marL="742950" indent="-285750" algn="l" defTabSz="914400" rtl="0" eaLnBrk="1" latinLnBrk="0" hangingPunct="1">
+              <a:spcBef>
+                <a:spcPct val="20000"/>
+              </a:spcBef>
+              <a:buFont typeface="Arial" pitchFamily="34" charset="0"/>
+              <a:buChar char="–"/>
+              <a:defRPr sz="2800" kern="1200">
+                <a:solidFill>
+                  <a:srgbClr val="002060"/>
+                </a:solidFill>
+                <a:latin typeface="+mn-lt"/>
+                <a:ea typeface="+mn-ea"/>
+                <a:cs typeface="+mn-cs"/>
+              </a:defRPr>
+            </a:lvl2pPr>
+            <a:lvl3pPr marL="1143000" indent="-228600" algn="l" defTabSz="914400" rtl="0" eaLnBrk="1" latinLnBrk="0" hangingPunct="1">
+              <a:spcBef>
+                <a:spcPct val="20000"/>
+              </a:spcBef>
+              <a:buFont typeface="Arial" pitchFamily="34" charset="0"/>
+              <a:buChar char="•"/>
+              <a:defRPr sz="2400" kern="1200">
+                <a:solidFill>
+                  <a:srgbClr val="002060"/>
+                </a:solidFill>
+                <a:latin typeface="+mn-lt"/>
+                <a:ea typeface="+mn-ea"/>
+                <a:cs typeface="+mn-cs"/>
+              </a:defRPr>
+            </a:lvl3pPr>
+            <a:lvl4pPr marL="1600200" indent="-228600" algn="l" defTabSz="914400" rtl="0" eaLnBrk="1" latinLnBrk="0" hangingPunct="1">
+              <a:spcBef>
+                <a:spcPct val="20000"/>
+              </a:spcBef>
+              <a:buFont typeface="Arial" pitchFamily="34" charset="0"/>
+              <a:buChar char="–"/>
+              <a:defRPr sz="2000" kern="1200">
+                <a:solidFill>
+                  <a:srgbClr val="002060"/>
+                </a:solidFill>
+                <a:latin typeface="+mn-lt"/>
+                <a:ea typeface="+mn-ea"/>
+                <a:cs typeface="+mn-cs"/>
+              </a:defRPr>
+            </a:lvl4pPr>
+            <a:lvl5pPr marL="2057400" indent="-228600" algn="l" defTabSz="914400" rtl="0" eaLnBrk="1" latinLnBrk="0" hangingPunct="1">
+              <a:spcBef>
+                <a:spcPct val="20000"/>
+              </a:spcBef>
+              <a:buFont typeface="Arial" pitchFamily="34" charset="0"/>
+              <a:buChar char="»"/>
+              <a:defRPr sz="2000" kern="1200">
+                <a:solidFill>
+                  <a:srgbClr val="002060"/>
+                </a:solidFill>
+                <a:latin typeface="+mn-lt"/>
+                <a:ea typeface="+mn-ea"/>
+                <a:cs typeface="+mn-cs"/>
+              </a:defRPr>
+            </a:lvl5pPr>
+            <a:lvl6pPr marL="2514600" indent="-228600" algn="l" defTabSz="914400" rtl="0" eaLnBrk="1" latinLnBrk="0" hangingPunct="1">
+              <a:spcBef>
+                <a:spcPct val="20000"/>
+              </a:spcBef>
+              <a:buFont typeface="Arial" pitchFamily="34" charset="0"/>
+              <a:buChar char="•"/>
+              <a:defRPr sz="2000" kern="1200">
+                <a:solidFill>
+                  <a:schemeClr val="tx1"/>
+                </a:solidFill>
+                <a:latin typeface="+mn-lt"/>
+                <a:ea typeface="+mn-ea"/>
+                <a:cs typeface="+mn-cs"/>
+              </a:defRPr>
+            </a:lvl6pPr>
+            <a:lvl7pPr marL="2971800" indent="-228600" algn="l" defTabSz="914400" rtl="0" eaLnBrk="1" latinLnBrk="0" hangingPunct="1">
+              <a:spcBef>
+                <a:spcPct val="20000"/>
+              </a:spcBef>
+              <a:buFont typeface="Arial" pitchFamily="34" charset="0"/>
+              <a:buChar char="•"/>
+              <a:defRPr sz="2000" kern="1200">
+                <a:solidFill>
+                  <a:schemeClr val="tx1"/>
+                </a:solidFill>
+                <a:latin typeface="+mn-lt"/>
+                <a:ea typeface="+mn-ea"/>
+                <a:cs typeface="+mn-cs"/>
+              </a:defRPr>
+            </a:lvl7pPr>
+            <a:lvl8pPr marL="3429000" indent="-228600" algn="l" defTabSz="914400" rtl="0" eaLnBrk="1" latinLnBrk="0" hangingPunct="1">
+              <a:spcBef>
+                <a:spcPct val="20000"/>
+              </a:spcBef>
+              <a:buFont typeface="Arial" pitchFamily="34" charset="0"/>
+              <a:buChar char="•"/>
+              <a:defRPr sz="2000" kern="1200">
+                <a:solidFill>
+                  <a:schemeClr val="tx1"/>
+                </a:solidFill>
+                <a:latin typeface="+mn-lt"/>
+                <a:ea typeface="+mn-ea"/>
+                <a:cs typeface="+mn-cs"/>
+              </a:defRPr>
+            </a:lvl8pPr>
+            <a:lvl9pPr marL="3886200" indent="-228600" algn="l" defTabSz="914400" rtl="0" eaLnBrk="1" latinLnBrk="0" hangingPunct="1">
+              <a:spcBef>
+                <a:spcPct val="20000"/>
+              </a:spcBef>
+              <a:buFont typeface="Arial" pitchFamily="34" charset="0"/>
+              <a:buChar char="•"/>
+              <a:defRPr sz="2000" kern="1200">
+                <a:solidFill>
+                  <a:schemeClr val="tx1"/>
+                </a:solidFill>
+                <a:latin typeface="+mn-lt"/>
+                <a:ea typeface="+mn-ea"/>
+                <a:cs typeface="+mn-cs"/>
+              </a:defRPr>
+            </a:lvl9pPr>
+          </a:lstStyle>
+          <a:p>
+            <a:r>
+              <a:rPr lang="en-US"/>
+              <a:t>Stab.glu</a:t>
+            </a:r>
+          </a:p>
+          <a:p>
+            <a:r>
+              <a:rPr lang="en-US"/>
+              <a:t>Chol</a:t>
+            </a:r>
+          </a:p>
+          <a:p>
+            <a:r>
+              <a:rPr lang="pt-PT"/>
+              <a:t>T</a:t>
+            </a:r>
+            <a:r>
+              <a:rPr lang="en-US"/>
+              <a:t>ime.ppn</a:t>
+            </a:r>
+          </a:p>
+          <a:p>
+            <a:r>
+              <a:rPr lang="pt-PT"/>
+              <a:t>E</a:t>
+            </a:r>
+            <a:r>
+              <a:rPr lang="en-US"/>
+              <a:t>tc</a:t>
+            </a:r>
+            <a:endParaRPr lang="en-US" dirty="0"/>
+          </a:p>
+        </p:txBody>
+      </p:sp>
     </p:spTree>
     <p:extLst>
       <p:ext uri="{BB962C8B-B14F-4D97-AF65-F5344CB8AC3E}">
-        <p14:creationId xmlns:p14="http://schemas.microsoft.com/office/powerpoint/2010/main" val="109100692"/>
+        <p14:creationId xmlns:p14="http://schemas.microsoft.com/office/powerpoint/2010/main" val="637604795"/>
+      </p:ext>
+    </p:extLst>
+  </p:cSld>
+  <p:clrMapOvr>
+    <a:masterClrMapping/>
+  </p:clrMapOvr>
+</p:sld>
+</file>
+
+<file path=ppt/slides/slide7.xml><?xml version="1.0" encoding="utf-8"?>
+<p:sld xmlns:a="http://schemas.openxmlformats.org/drawingml/2006/main" xmlns:r="http://schemas.openxmlformats.org/officeDocument/2006/relationships" xmlns:p="http://schemas.openxmlformats.org/presentationml/2006/main">
+  <p:cSld>
+    <p:spTree>
+      <p:nvGrpSpPr>
+        <p:cNvPr id="1" name=""/>
+        <p:cNvGrpSpPr/>
+        <p:nvPr/>
+      </p:nvGrpSpPr>
+      <p:grpSpPr>
+        <a:xfrm>
+          <a:off x="0" y="0"/>
+          <a:ext cx="0" cy="0"/>
+          <a:chOff x="0" y="0"/>
+          <a:chExt cx="0" cy="0"/>
+        </a:xfrm>
+      </p:grpSpPr>
+      <p:sp>
+        <p:nvSpPr>
+          <p:cNvPr id="4" name="Title 3"/>
+          <p:cNvSpPr>
+            <a:spLocks noGrp="1"/>
+          </p:cNvSpPr>
+          <p:nvPr>
+            <p:ph type="title"/>
+          </p:nvPr>
+        </p:nvSpPr>
+        <p:spPr/>
+        <p:txBody>
+          <a:bodyPr>
+            <a:normAutofit fontScale="90000"/>
+          </a:bodyPr>
+          <a:lstStyle/>
+          <a:p>
+            <a:r>
+              <a:rPr lang="en-US" dirty="0" err="1"/>
+              <a:t>Análise</a:t>
+            </a:r>
+            <a:r>
+              <a:rPr lang="en-US" dirty="0"/>
+              <a:t> de </a:t>
+            </a:r>
+            <a:r>
+              <a:rPr lang="en-US" dirty="0" err="1"/>
+              <a:t>normalidade</a:t>
+            </a:r>
+            <a:endParaRPr lang="en-US" dirty="0"/>
+          </a:p>
+        </p:txBody>
+      </p:sp>
+      <p:sp>
+        <p:nvSpPr>
+          <p:cNvPr id="5" name="Text Placeholder 4"/>
+          <p:cNvSpPr>
+            <a:spLocks noGrp="1"/>
+          </p:cNvSpPr>
+          <p:nvPr>
+            <p:ph type="body" idx="1"/>
+          </p:nvPr>
+        </p:nvSpPr>
+        <p:spPr/>
+        <p:txBody>
+          <a:bodyPr/>
+          <a:lstStyle/>
+          <a:p>
+            <a:r>
+              <a:rPr lang="en-US" dirty="0"/>
+              <a:t>Product A</a:t>
+            </a:r>
+          </a:p>
+        </p:txBody>
+      </p:sp>
+      <p:sp>
+        <p:nvSpPr>
+          <p:cNvPr id="6" name="Content Placeholder 5"/>
+          <p:cNvSpPr>
+            <a:spLocks noGrp="1"/>
+          </p:cNvSpPr>
+          <p:nvPr>
+            <p:ph sz="half" idx="2"/>
+          </p:nvPr>
+        </p:nvSpPr>
+        <p:spPr/>
+        <p:txBody>
+          <a:bodyPr/>
+          <a:lstStyle/>
+          <a:p>
+            <a:r>
+              <a:rPr lang="en-US"/>
+              <a:t>Feature 1</a:t>
+            </a:r>
+          </a:p>
+          <a:p>
+            <a:r>
+              <a:rPr lang="en-US"/>
+              <a:t>Feature 2</a:t>
+            </a:r>
+          </a:p>
+          <a:p>
+            <a:r>
+              <a:rPr lang="en-US"/>
+              <a:t>Feature 3</a:t>
+            </a:r>
+            <a:endParaRPr lang="en-US" dirty="0"/>
+          </a:p>
+        </p:txBody>
+      </p:sp>
+      <p:sp>
+        <p:nvSpPr>
+          <p:cNvPr id="7" name="Text Placeholder 6"/>
+          <p:cNvSpPr>
+            <a:spLocks noGrp="1"/>
+          </p:cNvSpPr>
+          <p:nvPr>
+            <p:ph type="body" sz="quarter" idx="3"/>
+          </p:nvPr>
+        </p:nvSpPr>
+        <p:spPr/>
+        <p:txBody>
+          <a:bodyPr/>
+          <a:lstStyle/>
+          <a:p>
+            <a:r>
+              <a:rPr lang="en-US"/>
+              <a:t>Product B</a:t>
+            </a:r>
+            <a:endParaRPr lang="en-US" dirty="0"/>
+          </a:p>
+        </p:txBody>
+      </p:sp>
+      <p:sp>
+        <p:nvSpPr>
+          <p:cNvPr id="8" name="Content Placeholder 7"/>
+          <p:cNvSpPr>
+            <a:spLocks noGrp="1"/>
+          </p:cNvSpPr>
+          <p:nvPr>
+            <p:ph sz="quarter" idx="4"/>
+          </p:nvPr>
+        </p:nvSpPr>
+        <p:spPr/>
+        <p:txBody>
+          <a:bodyPr/>
+          <a:lstStyle/>
+          <a:p>
+            <a:r>
+              <a:rPr lang="en-US"/>
+              <a:t>Feature 1</a:t>
+            </a:r>
+          </a:p>
+          <a:p>
+            <a:r>
+              <a:rPr lang="en-US"/>
+              <a:t>Feature 2</a:t>
+            </a:r>
+          </a:p>
+          <a:p>
+            <a:r>
+              <a:rPr lang="en-US"/>
+              <a:t>Feature 3</a:t>
+            </a:r>
+          </a:p>
+        </p:txBody>
+      </p:sp>
+    </p:spTree>
+    <p:extLst>
+      <p:ext uri="{BB962C8B-B14F-4D97-AF65-F5344CB8AC3E}">
+        <p14:creationId xmlns:p14="http://schemas.microsoft.com/office/powerpoint/2010/main" val="3774594727"/>
       </p:ext>
     </p:extLst>
   </p:cSld>

--- a/apresentacao.pptx
+++ b/apresentacao.pptx
@@ -5,7 +5,7 @@
     <p:sldMasterId id="2147483648" r:id="rId1"/>
   </p:sldMasterIdLst>
   <p:notesMasterIdLst>
-    <p:notesMasterId r:id="rId9"/>
+    <p:notesMasterId r:id="rId17"/>
   </p:notesMasterIdLst>
   <p:sldIdLst>
     <p:sldId id="256" r:id="rId2"/>
@@ -15,6 +15,14 @@
     <p:sldId id="258" r:id="rId6"/>
     <p:sldId id="262" r:id="rId7"/>
     <p:sldId id="261" r:id="rId8"/>
+    <p:sldId id="263" r:id="rId9"/>
+    <p:sldId id="264" r:id="rId10"/>
+    <p:sldId id="265" r:id="rId11"/>
+    <p:sldId id="266" r:id="rId12"/>
+    <p:sldId id="267" r:id="rId13"/>
+    <p:sldId id="269" r:id="rId14"/>
+    <p:sldId id="270" r:id="rId15"/>
+    <p:sldId id="271" r:id="rId16"/>
   </p:sldIdLst>
   <p:sldSz cx="9144000" cy="5143500" type="screen16x9"/>
   <p:notesSz cx="6858000" cy="9144000"/>
@@ -214,7 +222,7 @@
           <a:p>
             <a:fld id="{A40759B3-20ED-419A-A77D-71AE35F06108}" type="datetimeFigureOut">
               <a:rPr lang="en-US" smtClean="0"/>
-              <a:t>12/11/2018</a:t>
+              <a:t>12/12/2018</a:t>
             </a:fld>
             <a:endParaRPr lang="en-US"/>
           </a:p>
@@ -525,7 +533,7 @@
           <a:bodyPr/>
           <a:lstStyle/>
           <a:p>
-            <a:endParaRPr lang="en-US"/>
+            <a:endParaRPr lang="en-US" dirty="0"/>
           </a:p>
         </p:txBody>
       </p:sp>
@@ -544,9 +552,9 @@
           <a:bodyPr/>
           <a:lstStyle/>
           <a:p>
-            <a:fld id="{87350B06-B074-48FC-8CFD-53D2CD8FB95F}" type="slidenum">
+            <a:fld id="{C263AF9A-6E76-4CCC-89CF-B04065708FB7}" type="slidenum">
               <a:rPr lang="en-US" smtClean="0"/>
-              <a:t>4</a:t>
+              <a:t>2</a:t>
             </a:fld>
             <a:endParaRPr lang="en-US"/>
           </a:p>
@@ -555,7 +563,303 @@
     </p:spTree>
     <p:extLst>
       <p:ext uri="{BB962C8B-B14F-4D97-AF65-F5344CB8AC3E}">
-        <p14:creationId xmlns:p14="http://schemas.microsoft.com/office/powerpoint/2010/main" val="332891721"/>
+        <p14:creationId xmlns:p14="http://schemas.microsoft.com/office/powerpoint/2010/main" val="863646510"/>
+      </p:ext>
+    </p:extLst>
+  </p:cSld>
+  <p:clrMapOvr>
+    <a:masterClrMapping/>
+  </p:clrMapOvr>
+</p:notes>
+</file>
+
+<file path=ppt/notesSlides/notesSlide10.xml><?xml version="1.0" encoding="utf-8"?>
+<p:notes xmlns:a="http://schemas.openxmlformats.org/drawingml/2006/main" xmlns:r="http://schemas.openxmlformats.org/officeDocument/2006/relationships" xmlns:p="http://schemas.openxmlformats.org/presentationml/2006/main">
+  <p:cSld>
+    <p:spTree>
+      <p:nvGrpSpPr>
+        <p:cNvPr id="1" name=""/>
+        <p:cNvGrpSpPr/>
+        <p:nvPr/>
+      </p:nvGrpSpPr>
+      <p:grpSpPr>
+        <a:xfrm>
+          <a:off x="0" y="0"/>
+          <a:ext cx="0" cy="0"/>
+          <a:chOff x="0" y="0"/>
+          <a:chExt cx="0" cy="0"/>
+        </a:xfrm>
+      </p:grpSpPr>
+      <p:sp>
+        <p:nvSpPr>
+          <p:cNvPr id="2" name="Slide Image Placeholder 1"/>
+          <p:cNvSpPr>
+            <a:spLocks noGrp="1" noRot="1" noChangeAspect="1"/>
+          </p:cNvSpPr>
+          <p:nvPr>
+            <p:ph type="sldImg"/>
+          </p:nvPr>
+        </p:nvSpPr>
+        <p:spPr/>
+      </p:sp>
+      <p:sp>
+        <p:nvSpPr>
+          <p:cNvPr id="3" name="Notes Placeholder 2"/>
+          <p:cNvSpPr>
+            <a:spLocks noGrp="1"/>
+          </p:cNvSpPr>
+          <p:nvPr>
+            <p:ph type="body" idx="1"/>
+          </p:nvPr>
+        </p:nvSpPr>
+        <p:spPr/>
+        <p:txBody>
+          <a:bodyPr/>
+          <a:lstStyle/>
+          <a:p>
+            <a:r>
+              <a:rPr lang="pt-PT" dirty="0"/>
+              <a:t>ZE FALA AQUI</a:t>
+            </a:r>
+            <a:endParaRPr lang="en-US" dirty="0"/>
+          </a:p>
+        </p:txBody>
+      </p:sp>
+      <p:sp>
+        <p:nvSpPr>
+          <p:cNvPr id="4" name="Slide Number Placeholder 3"/>
+          <p:cNvSpPr>
+            <a:spLocks noGrp="1"/>
+          </p:cNvSpPr>
+          <p:nvPr>
+            <p:ph type="sldNum" sz="quarter" idx="10"/>
+          </p:nvPr>
+        </p:nvSpPr>
+        <p:spPr/>
+        <p:txBody>
+          <a:bodyPr/>
+          <a:lstStyle/>
+          <a:p>
+            <a:fld id="{C263AF9A-6E76-4CCC-89CF-B04065708FB7}" type="slidenum">
+              <a:rPr lang="en-US" smtClean="0"/>
+              <a:t>12</a:t>
+            </a:fld>
+            <a:endParaRPr lang="en-US"/>
+          </a:p>
+        </p:txBody>
+      </p:sp>
+    </p:spTree>
+    <p:extLst>
+      <p:ext uri="{BB962C8B-B14F-4D97-AF65-F5344CB8AC3E}">
+        <p14:creationId xmlns:p14="http://schemas.microsoft.com/office/powerpoint/2010/main" val="290973284"/>
+      </p:ext>
+    </p:extLst>
+  </p:cSld>
+  <p:clrMapOvr>
+    <a:masterClrMapping/>
+  </p:clrMapOvr>
+</p:notes>
+</file>
+
+<file path=ppt/notesSlides/notesSlide11.xml><?xml version="1.0" encoding="utf-8"?>
+<p:notes xmlns:a="http://schemas.openxmlformats.org/drawingml/2006/main" xmlns:r="http://schemas.openxmlformats.org/officeDocument/2006/relationships" xmlns:p="http://schemas.openxmlformats.org/presentationml/2006/main">
+  <p:cSld>
+    <p:spTree>
+      <p:nvGrpSpPr>
+        <p:cNvPr id="1" name=""/>
+        <p:cNvGrpSpPr/>
+        <p:nvPr/>
+      </p:nvGrpSpPr>
+      <p:grpSpPr>
+        <a:xfrm>
+          <a:off x="0" y="0"/>
+          <a:ext cx="0" cy="0"/>
+          <a:chOff x="0" y="0"/>
+          <a:chExt cx="0" cy="0"/>
+        </a:xfrm>
+      </p:grpSpPr>
+      <p:sp>
+        <p:nvSpPr>
+          <p:cNvPr id="2" name="Slide Image Placeholder 1"/>
+          <p:cNvSpPr>
+            <a:spLocks noGrp="1" noRot="1" noChangeAspect="1"/>
+          </p:cNvSpPr>
+          <p:nvPr>
+            <p:ph type="sldImg"/>
+          </p:nvPr>
+        </p:nvSpPr>
+        <p:spPr/>
+      </p:sp>
+      <p:sp>
+        <p:nvSpPr>
+          <p:cNvPr id="3" name="Notes Placeholder 2"/>
+          <p:cNvSpPr>
+            <a:spLocks noGrp="1"/>
+          </p:cNvSpPr>
+          <p:nvPr>
+            <p:ph type="body" idx="1"/>
+          </p:nvPr>
+        </p:nvSpPr>
+        <p:spPr/>
+        <p:txBody>
+          <a:bodyPr/>
+          <a:lstStyle/>
+          <a:p>
+            <a:r>
+              <a:rPr lang="pt-PT" dirty="0"/>
+              <a:t>Carlos, mas cada um mete aqui o seu erro</a:t>
+            </a:r>
+            <a:endParaRPr lang="en-US" dirty="0"/>
+          </a:p>
+        </p:txBody>
+      </p:sp>
+      <p:sp>
+        <p:nvSpPr>
+          <p:cNvPr id="4" name="Slide Number Placeholder 3"/>
+          <p:cNvSpPr>
+            <a:spLocks noGrp="1"/>
+          </p:cNvSpPr>
+          <p:nvPr>
+            <p:ph type="sldNum" sz="quarter" idx="10"/>
+          </p:nvPr>
+        </p:nvSpPr>
+        <p:spPr/>
+        <p:txBody>
+          <a:bodyPr/>
+          <a:lstStyle/>
+          <a:p>
+            <a:fld id="{C263AF9A-6E76-4CCC-89CF-B04065708FB7}" type="slidenum">
+              <a:rPr lang="en-US" smtClean="0"/>
+              <a:t>13</a:t>
+            </a:fld>
+            <a:endParaRPr lang="en-US"/>
+          </a:p>
+        </p:txBody>
+      </p:sp>
+    </p:spTree>
+    <p:extLst>
+      <p:ext uri="{BB962C8B-B14F-4D97-AF65-F5344CB8AC3E}">
+        <p14:creationId xmlns:p14="http://schemas.microsoft.com/office/powerpoint/2010/main" val="1137686930"/>
+      </p:ext>
+    </p:extLst>
+  </p:cSld>
+  <p:clrMapOvr>
+    <a:masterClrMapping/>
+  </p:clrMapOvr>
+</p:notes>
+</file>
+
+<file path=ppt/notesSlides/notesSlide12.xml><?xml version="1.0" encoding="utf-8"?>
+<p:notes xmlns:a="http://schemas.openxmlformats.org/drawingml/2006/main" xmlns:r="http://schemas.openxmlformats.org/officeDocument/2006/relationships" xmlns:p="http://schemas.openxmlformats.org/presentationml/2006/main">
+  <p:cSld>
+    <p:spTree>
+      <p:nvGrpSpPr>
+        <p:cNvPr id="1" name=""/>
+        <p:cNvGrpSpPr/>
+        <p:nvPr/>
+      </p:nvGrpSpPr>
+      <p:grpSpPr>
+        <a:xfrm>
+          <a:off x="0" y="0"/>
+          <a:ext cx="0" cy="0"/>
+          <a:chOff x="0" y="0"/>
+          <a:chExt cx="0" cy="0"/>
+        </a:xfrm>
+      </p:grpSpPr>
+      <p:sp>
+        <p:nvSpPr>
+          <p:cNvPr id="2" name="Slide Image Placeholder 1"/>
+          <p:cNvSpPr>
+            <a:spLocks noGrp="1" noRot="1" noChangeAspect="1"/>
+          </p:cNvSpPr>
+          <p:nvPr>
+            <p:ph type="sldImg"/>
+          </p:nvPr>
+        </p:nvSpPr>
+        <p:spPr/>
+      </p:sp>
+      <p:sp>
+        <p:nvSpPr>
+          <p:cNvPr id="3" name="Notes Placeholder 2"/>
+          <p:cNvSpPr>
+            <a:spLocks noGrp="1"/>
+          </p:cNvSpPr>
+          <p:nvPr>
+            <p:ph type="body" idx="1"/>
+          </p:nvPr>
+        </p:nvSpPr>
+        <p:spPr/>
+        <p:txBody>
+          <a:bodyPr/>
+          <a:lstStyle/>
+          <a:p>
+            <a:r>
+              <a:rPr lang="pt-PT" dirty="0"/>
+              <a:t>Explicar que vimos que sem o ratio deu exatamente igual no </a:t>
+            </a:r>
+            <a:r>
+              <a:rPr lang="pt-PT" dirty="0" err="1"/>
+              <a:t>glm</a:t>
+            </a:r>
+            <a:r>
+              <a:rPr lang="pt-PT" dirty="0"/>
+              <a:t> e por isso retiramos o ratio, Não percebemos isso anteriormente porque no CV o ratio alterava o valor, </a:t>
+            </a:r>
+            <a:r>
+              <a:rPr lang="pt-PT" dirty="0" err="1"/>
+              <a:t>so</a:t>
+            </a:r>
+            <a:r>
+              <a:rPr lang="pt-PT" dirty="0"/>
+              <a:t> agora a fazer o modelo é que conseguimos perceber isso através do p valor. </a:t>
+            </a:r>
+            <a:r>
+              <a:rPr lang="pt-PT" dirty="0" err="1"/>
+              <a:t>Percebmos</a:t>
+            </a:r>
+            <a:r>
+              <a:rPr lang="pt-PT" dirty="0"/>
+              <a:t> também que houve um </a:t>
+            </a:r>
+            <a:r>
+              <a:rPr lang="pt-PT" dirty="0" err="1"/>
+              <a:t>descréscimo</a:t>
+            </a:r>
+            <a:r>
+              <a:rPr lang="pt-PT" dirty="0"/>
+              <a:t> enorme. Explicar que olhando para o CV o melhor modelo é o LM e para o teste e treino o KNN é o melhor</a:t>
+            </a:r>
+            <a:endParaRPr lang="en-US" dirty="0"/>
+          </a:p>
+        </p:txBody>
+      </p:sp>
+      <p:sp>
+        <p:nvSpPr>
+          <p:cNvPr id="4" name="Slide Number Placeholder 3"/>
+          <p:cNvSpPr>
+            <a:spLocks noGrp="1"/>
+          </p:cNvSpPr>
+          <p:nvPr>
+            <p:ph type="sldNum" sz="quarter" idx="10"/>
+          </p:nvPr>
+        </p:nvSpPr>
+        <p:spPr/>
+        <p:txBody>
+          <a:bodyPr/>
+          <a:lstStyle/>
+          <a:p>
+            <a:fld id="{C263AF9A-6E76-4CCC-89CF-B04065708FB7}" type="slidenum">
+              <a:rPr lang="en-US" smtClean="0"/>
+              <a:t>14</a:t>
+            </a:fld>
+            <a:endParaRPr lang="en-US"/>
+          </a:p>
+        </p:txBody>
+      </p:sp>
+    </p:spTree>
+    <p:extLst>
+      <p:ext uri="{BB962C8B-B14F-4D97-AF65-F5344CB8AC3E}">
+        <p14:creationId xmlns:p14="http://schemas.microsoft.com/office/powerpoint/2010/main" val="1311544651"/>
       </p:ext>
     </p:extLst>
   </p:cSld>
@@ -609,6 +913,362 @@
           <a:bodyPr/>
           <a:lstStyle/>
           <a:p>
+            <a:endParaRPr lang="en-US" dirty="0"/>
+          </a:p>
+        </p:txBody>
+      </p:sp>
+      <p:sp>
+        <p:nvSpPr>
+          <p:cNvPr id="4" name="Slide Number Placeholder 3"/>
+          <p:cNvSpPr>
+            <a:spLocks noGrp="1"/>
+          </p:cNvSpPr>
+          <p:nvPr>
+            <p:ph type="sldNum" sz="quarter" idx="10"/>
+          </p:nvPr>
+        </p:nvSpPr>
+        <p:spPr/>
+        <p:txBody>
+          <a:bodyPr/>
+          <a:lstStyle/>
+          <a:p>
+            <a:fld id="{C263AF9A-6E76-4CCC-89CF-B04065708FB7}" type="slidenum">
+              <a:rPr lang="en-US" smtClean="0"/>
+              <a:t>3</a:t>
+            </a:fld>
+            <a:endParaRPr lang="en-US"/>
+          </a:p>
+        </p:txBody>
+      </p:sp>
+    </p:spTree>
+    <p:extLst>
+      <p:ext uri="{BB962C8B-B14F-4D97-AF65-F5344CB8AC3E}">
+        <p14:creationId xmlns:p14="http://schemas.microsoft.com/office/powerpoint/2010/main" val="1792880847"/>
+      </p:ext>
+    </p:extLst>
+  </p:cSld>
+  <p:clrMapOvr>
+    <a:masterClrMapping/>
+  </p:clrMapOvr>
+</p:notes>
+</file>
+
+<file path=ppt/notesSlides/notesSlide3.xml><?xml version="1.0" encoding="utf-8"?>
+<p:notes xmlns:a="http://schemas.openxmlformats.org/drawingml/2006/main" xmlns:r="http://schemas.openxmlformats.org/officeDocument/2006/relationships" xmlns:p="http://schemas.openxmlformats.org/presentationml/2006/main">
+  <p:cSld>
+    <p:spTree>
+      <p:nvGrpSpPr>
+        <p:cNvPr id="1" name=""/>
+        <p:cNvGrpSpPr/>
+        <p:nvPr/>
+      </p:nvGrpSpPr>
+      <p:grpSpPr>
+        <a:xfrm>
+          <a:off x="0" y="0"/>
+          <a:ext cx="0" cy="0"/>
+          <a:chOff x="0" y="0"/>
+          <a:chExt cx="0" cy="0"/>
+        </a:xfrm>
+      </p:grpSpPr>
+      <p:sp>
+        <p:nvSpPr>
+          <p:cNvPr id="2" name="Slide Image Placeholder 1"/>
+          <p:cNvSpPr>
+            <a:spLocks noGrp="1" noRot="1" noChangeAspect="1"/>
+          </p:cNvSpPr>
+          <p:nvPr>
+            <p:ph type="sldImg"/>
+          </p:nvPr>
+        </p:nvSpPr>
+        <p:spPr/>
+      </p:sp>
+      <p:sp>
+        <p:nvSpPr>
+          <p:cNvPr id="3" name="Notes Placeholder 2"/>
+          <p:cNvSpPr>
+            <a:spLocks noGrp="1"/>
+          </p:cNvSpPr>
+          <p:nvPr>
+            <p:ph type="body" idx="1"/>
+          </p:nvPr>
+        </p:nvSpPr>
+        <p:spPr/>
+        <p:txBody>
+          <a:bodyPr/>
+          <a:lstStyle/>
+          <a:p>
+            <a:r>
+              <a:rPr lang="pt-PT" sz="1200" kern="1200" dirty="0">
+                <a:solidFill>
+                  <a:schemeClr val="tx1"/>
+                </a:solidFill>
+                <a:effectLst/>
+                <a:latin typeface="+mn-lt"/>
+                <a:ea typeface="+mn-ea"/>
+                <a:cs typeface="+mn-cs"/>
+              </a:rPr>
+              <a:t>Realizamos a análise exploratória para perceber logo à partida qual a influência de cada preditor tanto na variável qualitativa, como na variável quantitativa. Isto era importante para tentar eliminar alguns preditores à partida, visto que estávamos a lidar com muitos e era necessário perceber quais os mais importantes.</a:t>
+            </a:r>
+            <a:endParaRPr lang="en-US" sz="1200" kern="1200" dirty="0">
+              <a:solidFill>
+                <a:schemeClr val="tx1"/>
+              </a:solidFill>
+              <a:effectLst/>
+              <a:latin typeface="+mn-lt"/>
+              <a:ea typeface="+mn-ea"/>
+              <a:cs typeface="+mn-cs"/>
+            </a:endParaRPr>
+          </a:p>
+          <a:p>
+            <a:r>
+              <a:rPr lang="pt-PT" sz="1200" kern="1200" dirty="0">
+                <a:solidFill>
+                  <a:schemeClr val="tx1"/>
+                </a:solidFill>
+                <a:effectLst/>
+                <a:latin typeface="+mn-lt"/>
+                <a:ea typeface="+mn-ea"/>
+                <a:cs typeface="+mn-cs"/>
+              </a:rPr>
+              <a:t>Para além disto, verificamos quais preditores nos eliminavam muitos casos, devido aos </a:t>
+            </a:r>
+            <a:r>
+              <a:rPr lang="pt-PT" sz="1200" kern="1200" dirty="0" err="1">
+                <a:solidFill>
+                  <a:schemeClr val="tx1"/>
+                </a:solidFill>
+                <a:effectLst/>
+                <a:latin typeface="+mn-lt"/>
+                <a:ea typeface="+mn-ea"/>
+                <a:cs typeface="+mn-cs"/>
+              </a:rPr>
+              <a:t>NAs</a:t>
+            </a:r>
+            <a:r>
+              <a:rPr lang="pt-PT" sz="1200" kern="1200" dirty="0">
+                <a:solidFill>
+                  <a:schemeClr val="tx1"/>
+                </a:solidFill>
+                <a:effectLst/>
+                <a:latin typeface="+mn-lt"/>
+                <a:ea typeface="+mn-ea"/>
+                <a:cs typeface="+mn-cs"/>
+              </a:rPr>
+              <a:t> (bp.2s e d) e eliminamos esses preditores visto reduzirem o </a:t>
+            </a:r>
+            <a:r>
+              <a:rPr lang="pt-PT" sz="1200" kern="1200" dirty="0" err="1">
+                <a:solidFill>
+                  <a:schemeClr val="tx1"/>
+                </a:solidFill>
+                <a:effectLst/>
+                <a:latin typeface="+mn-lt"/>
+                <a:ea typeface="+mn-ea"/>
+                <a:cs typeface="+mn-cs"/>
+              </a:rPr>
+              <a:t>dataset</a:t>
+            </a:r>
+            <a:r>
+              <a:rPr lang="pt-PT" sz="1200" kern="1200" dirty="0">
+                <a:solidFill>
+                  <a:schemeClr val="tx1"/>
+                </a:solidFill>
+                <a:effectLst/>
+                <a:latin typeface="+mn-lt"/>
+                <a:ea typeface="+mn-ea"/>
+                <a:cs typeface="+mn-cs"/>
+              </a:rPr>
+              <a:t> para perto dos 25%.</a:t>
+            </a:r>
+            <a:endParaRPr lang="en-US" sz="1200" kern="1200" dirty="0">
+              <a:solidFill>
+                <a:schemeClr val="tx1"/>
+              </a:solidFill>
+              <a:effectLst/>
+              <a:latin typeface="+mn-lt"/>
+              <a:ea typeface="+mn-ea"/>
+              <a:cs typeface="+mn-cs"/>
+            </a:endParaRPr>
+          </a:p>
+          <a:p>
+            <a:r>
+              <a:rPr lang="pt-PT" sz="1200" kern="1200" dirty="0">
+                <a:solidFill>
+                  <a:schemeClr val="tx1"/>
+                </a:solidFill>
+                <a:effectLst/>
+                <a:latin typeface="+mn-lt"/>
+                <a:ea typeface="+mn-ea"/>
+                <a:cs typeface="+mn-cs"/>
+              </a:rPr>
+              <a:t>Verificamos também as correlações entre as diferentes variáveis para tentar perceber quais se relacionam. Isto é importante para não se incluir no modelo 2 variáveis que estão altamente relacionadas, pois uma já explica a outra e não traz grande coisa de novo ter mais uma, apenas complexidade.</a:t>
+            </a:r>
+            <a:endParaRPr lang="en-US" sz="1200" kern="1200" dirty="0">
+              <a:solidFill>
+                <a:schemeClr val="tx1"/>
+              </a:solidFill>
+              <a:effectLst/>
+              <a:latin typeface="+mn-lt"/>
+              <a:ea typeface="+mn-ea"/>
+              <a:cs typeface="+mn-cs"/>
+            </a:endParaRPr>
+          </a:p>
+          <a:p>
+            <a:r>
+              <a:rPr lang="pt-PT" sz="1200" kern="1200" dirty="0">
+                <a:solidFill>
+                  <a:schemeClr val="tx1"/>
+                </a:solidFill>
+                <a:effectLst/>
+                <a:latin typeface="+mn-lt"/>
+                <a:ea typeface="+mn-ea"/>
+                <a:cs typeface="+mn-cs"/>
+              </a:rPr>
+              <a:t>Para além disto, e visto que alguns métodos estudados (com </a:t>
+            </a:r>
+            <a:r>
+              <a:rPr lang="pt-PT" sz="1200" kern="1200" dirty="0" err="1">
+                <a:solidFill>
+                  <a:schemeClr val="tx1"/>
+                </a:solidFill>
+                <a:effectLst/>
+                <a:latin typeface="+mn-lt"/>
+                <a:ea typeface="+mn-ea"/>
+                <a:cs typeface="+mn-cs"/>
+              </a:rPr>
+              <a:t>qda</a:t>
+            </a:r>
+            <a:r>
+              <a:rPr lang="pt-PT" sz="1200" kern="1200" dirty="0">
+                <a:solidFill>
+                  <a:schemeClr val="tx1"/>
+                </a:solidFill>
+                <a:effectLst/>
+                <a:latin typeface="+mn-lt"/>
+                <a:ea typeface="+mn-ea"/>
+                <a:cs typeface="+mn-cs"/>
+              </a:rPr>
+              <a:t> e </a:t>
+            </a:r>
+            <a:r>
+              <a:rPr lang="pt-PT" sz="1200" kern="1200" dirty="0" err="1">
+                <a:solidFill>
+                  <a:schemeClr val="tx1"/>
+                </a:solidFill>
+                <a:effectLst/>
+                <a:latin typeface="+mn-lt"/>
+                <a:ea typeface="+mn-ea"/>
+                <a:cs typeface="+mn-cs"/>
+              </a:rPr>
+              <a:t>lda</a:t>
+            </a:r>
+            <a:r>
+              <a:rPr lang="pt-PT" sz="1200" kern="1200" dirty="0">
+                <a:solidFill>
+                  <a:schemeClr val="tx1"/>
+                </a:solidFill>
+                <a:effectLst/>
+                <a:latin typeface="+mn-lt"/>
+                <a:ea typeface="+mn-ea"/>
+                <a:cs typeface="+mn-cs"/>
+              </a:rPr>
+              <a:t>) usam pressupostos da normalidade das variáveis decidimos verificar quais as variáveis que se aproximam de seguir uma distribuição normal, para eliminar logo à partida essas, no uso desses métodos.</a:t>
+            </a:r>
+            <a:endParaRPr lang="en-US" sz="1200" kern="1200" dirty="0">
+              <a:solidFill>
+                <a:schemeClr val="tx1"/>
+              </a:solidFill>
+              <a:effectLst/>
+              <a:latin typeface="+mn-lt"/>
+              <a:ea typeface="+mn-ea"/>
+              <a:cs typeface="+mn-cs"/>
+            </a:endParaRPr>
+          </a:p>
+          <a:p>
+            <a:endParaRPr lang="en-US" dirty="0"/>
+          </a:p>
+        </p:txBody>
+      </p:sp>
+      <p:sp>
+        <p:nvSpPr>
+          <p:cNvPr id="4" name="Slide Number Placeholder 3"/>
+          <p:cNvSpPr>
+            <a:spLocks noGrp="1"/>
+          </p:cNvSpPr>
+          <p:nvPr>
+            <p:ph type="sldNum" sz="quarter" idx="10"/>
+          </p:nvPr>
+        </p:nvSpPr>
+        <p:spPr/>
+        <p:txBody>
+          <a:bodyPr/>
+          <a:lstStyle/>
+          <a:p>
+            <a:fld id="{87350B06-B074-48FC-8CFD-53D2CD8FB95F}" type="slidenum">
+              <a:rPr lang="en-US" smtClean="0"/>
+              <a:t>4</a:t>
+            </a:fld>
+            <a:endParaRPr lang="en-US"/>
+          </a:p>
+        </p:txBody>
+      </p:sp>
+    </p:spTree>
+    <p:extLst>
+      <p:ext uri="{BB962C8B-B14F-4D97-AF65-F5344CB8AC3E}">
+        <p14:creationId xmlns:p14="http://schemas.microsoft.com/office/powerpoint/2010/main" val="332891721"/>
+      </p:ext>
+    </p:extLst>
+  </p:cSld>
+  <p:clrMapOvr>
+    <a:masterClrMapping/>
+  </p:clrMapOvr>
+</p:notes>
+</file>
+
+<file path=ppt/notesSlides/notesSlide4.xml><?xml version="1.0" encoding="utf-8"?>
+<p:notes xmlns:a="http://schemas.openxmlformats.org/drawingml/2006/main" xmlns:r="http://schemas.openxmlformats.org/officeDocument/2006/relationships" xmlns:p="http://schemas.openxmlformats.org/presentationml/2006/main">
+  <p:cSld>
+    <p:spTree>
+      <p:nvGrpSpPr>
+        <p:cNvPr id="1" name=""/>
+        <p:cNvGrpSpPr/>
+        <p:nvPr/>
+      </p:nvGrpSpPr>
+      <p:grpSpPr>
+        <a:xfrm>
+          <a:off x="0" y="0"/>
+          <a:ext cx="0" cy="0"/>
+          <a:chOff x="0" y="0"/>
+          <a:chExt cx="0" cy="0"/>
+        </a:xfrm>
+      </p:grpSpPr>
+      <p:sp>
+        <p:nvSpPr>
+          <p:cNvPr id="2" name="Slide Image Placeholder 1"/>
+          <p:cNvSpPr>
+            <a:spLocks noGrp="1" noRot="1" noChangeAspect="1"/>
+          </p:cNvSpPr>
+          <p:nvPr>
+            <p:ph type="sldImg"/>
+          </p:nvPr>
+        </p:nvSpPr>
+        <p:spPr/>
+      </p:sp>
+      <p:sp>
+        <p:nvSpPr>
+          <p:cNvPr id="3" name="Notes Placeholder 2"/>
+          <p:cNvSpPr>
+            <a:spLocks noGrp="1"/>
+          </p:cNvSpPr>
+          <p:nvPr>
+            <p:ph type="body" idx="1"/>
+          </p:nvPr>
+        </p:nvSpPr>
+        <p:spPr/>
+        <p:txBody>
+          <a:bodyPr/>
+          <a:lstStyle/>
+          <a:p>
             <a:r>
               <a:rPr lang="pt-PT" dirty="0"/>
               <a:t>Binaria: </a:t>
@@ -652,6 +1312,783 @@
     <p:extLst>
       <p:ext uri="{BB962C8B-B14F-4D97-AF65-F5344CB8AC3E}">
         <p14:creationId xmlns:p14="http://schemas.microsoft.com/office/powerpoint/2010/main" val="1016478080"/>
+      </p:ext>
+    </p:extLst>
+  </p:cSld>
+  <p:clrMapOvr>
+    <a:masterClrMapping/>
+  </p:clrMapOvr>
+</p:notes>
+</file>
+
+<file path=ppt/notesSlides/notesSlide5.xml><?xml version="1.0" encoding="utf-8"?>
+<p:notes xmlns:a="http://schemas.openxmlformats.org/drawingml/2006/main" xmlns:r="http://schemas.openxmlformats.org/officeDocument/2006/relationships" xmlns:p="http://schemas.openxmlformats.org/presentationml/2006/main">
+  <p:cSld>
+    <p:spTree>
+      <p:nvGrpSpPr>
+        <p:cNvPr id="1" name=""/>
+        <p:cNvGrpSpPr/>
+        <p:nvPr/>
+      </p:nvGrpSpPr>
+      <p:grpSpPr>
+        <a:xfrm>
+          <a:off x="0" y="0"/>
+          <a:ext cx="0" cy="0"/>
+          <a:chOff x="0" y="0"/>
+          <a:chExt cx="0" cy="0"/>
+        </a:xfrm>
+      </p:grpSpPr>
+      <p:sp>
+        <p:nvSpPr>
+          <p:cNvPr id="2" name="Slide Image Placeholder 1"/>
+          <p:cNvSpPr>
+            <a:spLocks noGrp="1" noRot="1" noChangeAspect="1"/>
+          </p:cNvSpPr>
+          <p:nvPr>
+            <p:ph type="sldImg"/>
+          </p:nvPr>
+        </p:nvSpPr>
+        <p:spPr/>
+      </p:sp>
+      <p:sp>
+        <p:nvSpPr>
+          <p:cNvPr id="3" name="Notes Placeholder 2"/>
+          <p:cNvSpPr>
+            <a:spLocks noGrp="1"/>
+          </p:cNvSpPr>
+          <p:nvPr>
+            <p:ph type="body" idx="1"/>
+          </p:nvPr>
+        </p:nvSpPr>
+        <p:spPr/>
+        <p:txBody>
+          <a:bodyPr/>
+          <a:lstStyle/>
+          <a:p>
+            <a:endParaRPr lang="en-US" dirty="0"/>
+          </a:p>
+        </p:txBody>
+      </p:sp>
+      <p:sp>
+        <p:nvSpPr>
+          <p:cNvPr id="4" name="Slide Number Placeholder 3"/>
+          <p:cNvSpPr>
+            <a:spLocks noGrp="1"/>
+          </p:cNvSpPr>
+          <p:nvPr>
+            <p:ph type="sldNum" sz="quarter" idx="10"/>
+          </p:nvPr>
+        </p:nvSpPr>
+        <p:spPr/>
+        <p:txBody>
+          <a:bodyPr/>
+          <a:lstStyle/>
+          <a:p>
+            <a:fld id="{C263AF9A-6E76-4CCC-89CF-B04065708FB7}" type="slidenum">
+              <a:rPr lang="en-US" smtClean="0"/>
+              <a:t>6</a:t>
+            </a:fld>
+            <a:endParaRPr lang="en-US"/>
+          </a:p>
+        </p:txBody>
+      </p:sp>
+    </p:spTree>
+    <p:extLst>
+      <p:ext uri="{BB962C8B-B14F-4D97-AF65-F5344CB8AC3E}">
+        <p14:creationId xmlns:p14="http://schemas.microsoft.com/office/powerpoint/2010/main" val="631042875"/>
+      </p:ext>
+    </p:extLst>
+  </p:cSld>
+  <p:clrMapOvr>
+    <a:masterClrMapping/>
+  </p:clrMapOvr>
+</p:notes>
+</file>
+
+<file path=ppt/notesSlides/notesSlide6.xml><?xml version="1.0" encoding="utf-8"?>
+<p:notes xmlns:a="http://schemas.openxmlformats.org/drawingml/2006/main" xmlns:r="http://schemas.openxmlformats.org/officeDocument/2006/relationships" xmlns:p="http://schemas.openxmlformats.org/presentationml/2006/main">
+  <p:cSld>
+    <p:spTree>
+      <p:nvGrpSpPr>
+        <p:cNvPr id="1" name=""/>
+        <p:cNvGrpSpPr/>
+        <p:nvPr/>
+      </p:nvGrpSpPr>
+      <p:grpSpPr>
+        <a:xfrm>
+          <a:off x="0" y="0"/>
+          <a:ext cx="0" cy="0"/>
+          <a:chOff x="0" y="0"/>
+          <a:chExt cx="0" cy="0"/>
+        </a:xfrm>
+      </p:grpSpPr>
+      <p:sp>
+        <p:nvSpPr>
+          <p:cNvPr id="2" name="Slide Image Placeholder 1"/>
+          <p:cNvSpPr>
+            <a:spLocks noGrp="1" noRot="1" noChangeAspect="1"/>
+          </p:cNvSpPr>
+          <p:nvPr>
+            <p:ph type="sldImg"/>
+          </p:nvPr>
+        </p:nvSpPr>
+        <p:spPr/>
+      </p:sp>
+      <p:sp>
+        <p:nvSpPr>
+          <p:cNvPr id="3" name="Notes Placeholder 2"/>
+          <p:cNvSpPr>
+            <a:spLocks noGrp="1"/>
+          </p:cNvSpPr>
+          <p:nvPr>
+            <p:ph type="body" idx="1"/>
+          </p:nvPr>
+        </p:nvSpPr>
+        <p:spPr/>
+        <p:txBody>
+          <a:bodyPr/>
+          <a:lstStyle/>
+          <a:p>
+            <a:r>
+              <a:rPr lang="pt-PT" sz="1200" kern="1200" dirty="0">
+                <a:solidFill>
+                  <a:schemeClr val="tx1"/>
+                </a:solidFill>
+                <a:effectLst/>
+                <a:latin typeface="+mn-lt"/>
+                <a:ea typeface="+mn-ea"/>
+                <a:cs typeface="+mn-cs"/>
+              </a:rPr>
+              <a:t>Explica que dividimos o trabalho pelos 3, ficando:</a:t>
+            </a:r>
+            <a:endParaRPr lang="en-US" sz="1200" kern="1200" dirty="0">
+              <a:solidFill>
+                <a:schemeClr val="tx1"/>
+              </a:solidFill>
+              <a:effectLst/>
+              <a:latin typeface="+mn-lt"/>
+              <a:ea typeface="+mn-ea"/>
+              <a:cs typeface="+mn-cs"/>
+            </a:endParaRPr>
+          </a:p>
+          <a:p>
+            <a:pPr lvl="0"/>
+            <a:r>
+              <a:rPr lang="pt-PT" sz="1200" kern="1200" dirty="0">
+                <a:solidFill>
+                  <a:schemeClr val="tx1"/>
+                </a:solidFill>
+                <a:effectLst/>
+                <a:latin typeface="+mn-lt"/>
+                <a:ea typeface="+mn-ea"/>
+                <a:cs typeface="+mn-cs"/>
+              </a:rPr>
+              <a:t>Ricardo -&gt; regressão linear (variável quantitativa) e posterior classificação</a:t>
+            </a:r>
+            <a:endParaRPr lang="en-US" sz="1200" kern="1200" dirty="0">
+              <a:solidFill>
+                <a:schemeClr val="tx1"/>
+              </a:solidFill>
+              <a:effectLst/>
+              <a:latin typeface="+mn-lt"/>
+              <a:ea typeface="+mn-ea"/>
+              <a:cs typeface="+mn-cs"/>
+            </a:endParaRPr>
+          </a:p>
+          <a:p>
+            <a:pPr lvl="0"/>
+            <a:r>
+              <a:rPr lang="pt-PT" sz="1200" kern="1200" dirty="0">
+                <a:solidFill>
+                  <a:schemeClr val="tx1"/>
+                </a:solidFill>
+                <a:effectLst/>
+                <a:latin typeface="+mn-lt"/>
+                <a:ea typeface="+mn-ea"/>
+                <a:cs typeface="+mn-cs"/>
+              </a:rPr>
+              <a:t>Carlos -&gt; regressão logística</a:t>
+            </a:r>
+            <a:endParaRPr lang="en-US" sz="1200" kern="1200" dirty="0">
+              <a:solidFill>
+                <a:schemeClr val="tx1"/>
+              </a:solidFill>
+              <a:effectLst/>
+              <a:latin typeface="+mn-lt"/>
+              <a:ea typeface="+mn-ea"/>
+              <a:cs typeface="+mn-cs"/>
+            </a:endParaRPr>
+          </a:p>
+          <a:p>
+            <a:pPr lvl="0"/>
+            <a:r>
+              <a:rPr lang="pt-PT" sz="1200" kern="1200" dirty="0">
+                <a:solidFill>
+                  <a:schemeClr val="tx1"/>
+                </a:solidFill>
+                <a:effectLst/>
+                <a:latin typeface="+mn-lt"/>
+                <a:ea typeface="+mn-ea"/>
+                <a:cs typeface="+mn-cs"/>
+              </a:rPr>
+              <a:t>José Pedro -&gt; </a:t>
+            </a:r>
+            <a:r>
+              <a:rPr lang="pt-PT" sz="1200" kern="1200" dirty="0" err="1">
+                <a:solidFill>
+                  <a:schemeClr val="tx1"/>
+                </a:solidFill>
+                <a:effectLst/>
+                <a:latin typeface="+mn-lt"/>
+                <a:ea typeface="+mn-ea"/>
+                <a:cs typeface="+mn-cs"/>
+              </a:rPr>
+              <a:t>lda</a:t>
+            </a:r>
+            <a:r>
+              <a:rPr lang="pt-PT" sz="1200" kern="1200" dirty="0">
+                <a:solidFill>
+                  <a:schemeClr val="tx1"/>
+                </a:solidFill>
+                <a:effectLst/>
+                <a:latin typeface="+mn-lt"/>
+                <a:ea typeface="+mn-ea"/>
+                <a:cs typeface="+mn-cs"/>
+              </a:rPr>
+              <a:t>, </a:t>
+            </a:r>
+            <a:r>
+              <a:rPr lang="pt-PT" sz="1200" kern="1200" dirty="0" err="1">
+                <a:solidFill>
+                  <a:schemeClr val="tx1"/>
+                </a:solidFill>
+                <a:effectLst/>
+                <a:latin typeface="+mn-lt"/>
+                <a:ea typeface="+mn-ea"/>
+                <a:cs typeface="+mn-cs"/>
+              </a:rPr>
+              <a:t>qda</a:t>
+            </a:r>
+            <a:r>
+              <a:rPr lang="pt-PT" sz="1200" kern="1200" dirty="0">
+                <a:solidFill>
+                  <a:schemeClr val="tx1"/>
+                </a:solidFill>
+                <a:effectLst/>
+                <a:latin typeface="+mn-lt"/>
+                <a:ea typeface="+mn-ea"/>
+                <a:cs typeface="+mn-cs"/>
+              </a:rPr>
+              <a:t> e </a:t>
+            </a:r>
+            <a:r>
+              <a:rPr lang="pt-PT" sz="1200" kern="1200" dirty="0" err="1">
+                <a:solidFill>
+                  <a:schemeClr val="tx1"/>
+                </a:solidFill>
+                <a:effectLst/>
+                <a:latin typeface="+mn-lt"/>
+                <a:ea typeface="+mn-ea"/>
+                <a:cs typeface="+mn-cs"/>
+              </a:rPr>
+              <a:t>knn</a:t>
+            </a:r>
+            <a:endParaRPr lang="en-US" sz="1200" kern="1200" dirty="0">
+              <a:solidFill>
+                <a:schemeClr val="tx1"/>
+              </a:solidFill>
+              <a:effectLst/>
+              <a:latin typeface="+mn-lt"/>
+              <a:ea typeface="+mn-ea"/>
+              <a:cs typeface="+mn-cs"/>
+            </a:endParaRPr>
+          </a:p>
+          <a:p>
+            <a:r>
+              <a:rPr lang="pt-PT" sz="1200" kern="1200" dirty="0">
+                <a:solidFill>
+                  <a:schemeClr val="tx1"/>
+                </a:solidFill>
+                <a:effectLst/>
+                <a:latin typeface="+mn-lt"/>
+                <a:ea typeface="+mn-ea"/>
+                <a:cs typeface="+mn-cs"/>
+              </a:rPr>
+              <a:t>Para tentar perceber qual o melhor </a:t>
+            </a:r>
+            <a:r>
+              <a:rPr lang="pt-PT" sz="1200" kern="1200" dirty="0" err="1">
+                <a:solidFill>
+                  <a:schemeClr val="tx1"/>
+                </a:solidFill>
+                <a:effectLst/>
+                <a:latin typeface="+mn-lt"/>
+                <a:ea typeface="+mn-ea"/>
+                <a:cs typeface="+mn-cs"/>
+              </a:rPr>
+              <a:t>threshold</a:t>
+            </a:r>
+            <a:r>
+              <a:rPr lang="pt-PT" sz="1200" kern="1200" dirty="0">
+                <a:solidFill>
+                  <a:schemeClr val="tx1"/>
+                </a:solidFill>
+                <a:effectLst/>
+                <a:latin typeface="+mn-lt"/>
+                <a:ea typeface="+mn-ea"/>
+                <a:cs typeface="+mn-cs"/>
+              </a:rPr>
+              <a:t>, e visto que nem sempre o melhor é 0.5, decidimos criar uma função que vai variando o </a:t>
+            </a:r>
+            <a:r>
+              <a:rPr lang="pt-PT" sz="1200" kern="1200" dirty="0" err="1">
+                <a:solidFill>
+                  <a:schemeClr val="tx1"/>
+                </a:solidFill>
+                <a:effectLst/>
+                <a:latin typeface="+mn-lt"/>
+                <a:ea typeface="+mn-ea"/>
+                <a:cs typeface="+mn-cs"/>
+              </a:rPr>
+              <a:t>threshold</a:t>
+            </a:r>
+            <a:r>
+              <a:rPr lang="pt-PT" sz="1200" kern="1200" dirty="0">
+                <a:solidFill>
+                  <a:schemeClr val="tx1"/>
+                </a:solidFill>
+                <a:effectLst/>
+                <a:latin typeface="+mn-lt"/>
+                <a:ea typeface="+mn-ea"/>
+                <a:cs typeface="+mn-cs"/>
+              </a:rPr>
+              <a:t> (consoante os argumentos passados) e que retorna o acerto para cada </a:t>
+            </a:r>
+            <a:r>
+              <a:rPr lang="pt-PT" sz="1200" kern="1200" dirty="0" err="1">
+                <a:solidFill>
+                  <a:schemeClr val="tx1"/>
+                </a:solidFill>
+                <a:effectLst/>
+                <a:latin typeface="+mn-lt"/>
+                <a:ea typeface="+mn-ea"/>
+                <a:cs typeface="+mn-cs"/>
+              </a:rPr>
+              <a:t>threshold</a:t>
+            </a:r>
+            <a:r>
+              <a:rPr lang="pt-PT" sz="1200" kern="1200" dirty="0">
+                <a:solidFill>
+                  <a:schemeClr val="tx1"/>
+                </a:solidFill>
+                <a:effectLst/>
+                <a:latin typeface="+mn-lt"/>
+                <a:ea typeface="+mn-ea"/>
+                <a:cs typeface="+mn-cs"/>
+              </a:rPr>
+              <a:t>. Os valores de acerto retornados, não são simplesmente o acerto total mas:</a:t>
+            </a:r>
+            <a:endParaRPr lang="en-US" sz="1200" kern="1200" dirty="0">
+              <a:solidFill>
+                <a:schemeClr val="tx1"/>
+              </a:solidFill>
+              <a:effectLst/>
+              <a:latin typeface="+mn-lt"/>
+              <a:ea typeface="+mn-ea"/>
+              <a:cs typeface="+mn-cs"/>
+            </a:endParaRPr>
+          </a:p>
+          <a:p>
+            <a:pPr lvl="0"/>
+            <a:r>
+              <a:rPr lang="pt-PT" sz="1200" kern="1200" dirty="0">
+                <a:solidFill>
+                  <a:schemeClr val="tx1"/>
+                </a:solidFill>
+                <a:effectLst/>
+                <a:latin typeface="+mn-lt"/>
+                <a:ea typeface="+mn-ea"/>
+                <a:cs typeface="+mn-cs"/>
+              </a:rPr>
+              <a:t>Acerto total</a:t>
+            </a:r>
+            <a:endParaRPr lang="en-US" sz="1200" kern="1200" dirty="0">
+              <a:solidFill>
+                <a:schemeClr val="tx1"/>
+              </a:solidFill>
+              <a:effectLst/>
+              <a:latin typeface="+mn-lt"/>
+              <a:ea typeface="+mn-ea"/>
+              <a:cs typeface="+mn-cs"/>
+            </a:endParaRPr>
+          </a:p>
+          <a:p>
+            <a:pPr lvl="0"/>
+            <a:r>
+              <a:rPr lang="pt-PT" sz="1200" kern="1200" dirty="0">
+                <a:solidFill>
+                  <a:schemeClr val="tx1"/>
+                </a:solidFill>
+                <a:effectLst/>
+                <a:latin typeface="+mn-lt"/>
+                <a:ea typeface="+mn-ea"/>
+                <a:cs typeface="+mn-cs"/>
+              </a:rPr>
+              <a:t>Acerto nos casos positivos</a:t>
+            </a:r>
+            <a:endParaRPr lang="en-US" sz="1200" kern="1200" dirty="0">
+              <a:solidFill>
+                <a:schemeClr val="tx1"/>
+              </a:solidFill>
+              <a:effectLst/>
+              <a:latin typeface="+mn-lt"/>
+              <a:ea typeface="+mn-ea"/>
+              <a:cs typeface="+mn-cs"/>
+            </a:endParaRPr>
+          </a:p>
+          <a:p>
+            <a:pPr lvl="0"/>
+            <a:r>
+              <a:rPr lang="pt-PT" sz="1200" kern="1200" dirty="0">
+                <a:solidFill>
+                  <a:schemeClr val="tx1"/>
+                </a:solidFill>
+                <a:effectLst/>
+                <a:latin typeface="+mn-lt"/>
+                <a:ea typeface="+mn-ea"/>
+                <a:cs typeface="+mn-cs"/>
+              </a:rPr>
+              <a:t>Acerto nos casos negativos</a:t>
+            </a:r>
+            <a:endParaRPr lang="en-US" sz="1200" kern="1200" dirty="0">
+              <a:solidFill>
+                <a:schemeClr val="tx1"/>
+              </a:solidFill>
+              <a:effectLst/>
+              <a:latin typeface="+mn-lt"/>
+              <a:ea typeface="+mn-ea"/>
+              <a:cs typeface="+mn-cs"/>
+            </a:endParaRPr>
+          </a:p>
+          <a:p>
+            <a:r>
+              <a:rPr lang="pt-PT" sz="1200" kern="1200" dirty="0">
+                <a:solidFill>
+                  <a:schemeClr val="tx1"/>
+                </a:solidFill>
+                <a:effectLst/>
+                <a:latin typeface="+mn-lt"/>
+                <a:ea typeface="+mn-ea"/>
+                <a:cs typeface="+mn-cs"/>
+              </a:rPr>
+              <a:t>Porque não é só importante o acerto total, mas também não obter muitos falsos positivos, nem negativos.</a:t>
+            </a:r>
+            <a:endParaRPr lang="en-US" sz="1200" kern="1200" dirty="0">
+              <a:solidFill>
+                <a:schemeClr val="tx1"/>
+              </a:solidFill>
+              <a:effectLst/>
+              <a:latin typeface="+mn-lt"/>
+              <a:ea typeface="+mn-ea"/>
+              <a:cs typeface="+mn-cs"/>
+            </a:endParaRPr>
+          </a:p>
+          <a:p>
+            <a:endParaRPr lang="en-US" dirty="0"/>
+          </a:p>
+        </p:txBody>
+      </p:sp>
+      <p:sp>
+        <p:nvSpPr>
+          <p:cNvPr id="4" name="Slide Number Placeholder 3"/>
+          <p:cNvSpPr>
+            <a:spLocks noGrp="1"/>
+          </p:cNvSpPr>
+          <p:nvPr>
+            <p:ph type="sldNum" sz="quarter" idx="10"/>
+          </p:nvPr>
+        </p:nvSpPr>
+        <p:spPr/>
+        <p:txBody>
+          <a:bodyPr/>
+          <a:lstStyle/>
+          <a:p>
+            <a:fld id="{C263AF9A-6E76-4CCC-89CF-B04065708FB7}" type="slidenum">
+              <a:rPr lang="en-US" smtClean="0"/>
+              <a:t>8</a:t>
+            </a:fld>
+            <a:endParaRPr lang="en-US"/>
+          </a:p>
+        </p:txBody>
+      </p:sp>
+    </p:spTree>
+    <p:extLst>
+      <p:ext uri="{BB962C8B-B14F-4D97-AF65-F5344CB8AC3E}">
+        <p14:creationId xmlns:p14="http://schemas.microsoft.com/office/powerpoint/2010/main" val="4125804225"/>
+      </p:ext>
+    </p:extLst>
+  </p:cSld>
+  <p:clrMapOvr>
+    <a:masterClrMapping/>
+  </p:clrMapOvr>
+</p:notes>
+</file>
+
+<file path=ppt/notesSlides/notesSlide7.xml><?xml version="1.0" encoding="utf-8"?>
+<p:notes xmlns:a="http://schemas.openxmlformats.org/drawingml/2006/main" xmlns:r="http://schemas.openxmlformats.org/officeDocument/2006/relationships" xmlns:p="http://schemas.openxmlformats.org/presentationml/2006/main">
+  <p:cSld>
+    <p:spTree>
+      <p:nvGrpSpPr>
+        <p:cNvPr id="1" name=""/>
+        <p:cNvGrpSpPr/>
+        <p:nvPr/>
+      </p:nvGrpSpPr>
+      <p:grpSpPr>
+        <a:xfrm>
+          <a:off x="0" y="0"/>
+          <a:ext cx="0" cy="0"/>
+          <a:chOff x="0" y="0"/>
+          <a:chExt cx="0" cy="0"/>
+        </a:xfrm>
+      </p:grpSpPr>
+      <p:sp>
+        <p:nvSpPr>
+          <p:cNvPr id="2" name="Slide Image Placeholder 1"/>
+          <p:cNvSpPr>
+            <a:spLocks noGrp="1" noRot="1" noChangeAspect="1"/>
+          </p:cNvSpPr>
+          <p:nvPr>
+            <p:ph type="sldImg"/>
+          </p:nvPr>
+        </p:nvSpPr>
+        <p:spPr/>
+      </p:sp>
+      <p:sp>
+        <p:nvSpPr>
+          <p:cNvPr id="3" name="Notes Placeholder 2"/>
+          <p:cNvSpPr>
+            <a:spLocks noGrp="1"/>
+          </p:cNvSpPr>
+          <p:nvPr>
+            <p:ph type="body" idx="1"/>
+          </p:nvPr>
+        </p:nvSpPr>
+        <p:spPr/>
+        <p:txBody>
+          <a:bodyPr/>
+          <a:lstStyle/>
+          <a:p>
+            <a:r>
+              <a:rPr lang="pt-PT" dirty="0"/>
+              <a:t>PEIXOTO FALA AQUI</a:t>
+            </a:r>
+            <a:endParaRPr lang="en-US" dirty="0"/>
+          </a:p>
+        </p:txBody>
+      </p:sp>
+      <p:sp>
+        <p:nvSpPr>
+          <p:cNvPr id="4" name="Slide Number Placeholder 3"/>
+          <p:cNvSpPr>
+            <a:spLocks noGrp="1"/>
+          </p:cNvSpPr>
+          <p:nvPr>
+            <p:ph type="sldNum" sz="quarter" idx="10"/>
+          </p:nvPr>
+        </p:nvSpPr>
+        <p:spPr/>
+        <p:txBody>
+          <a:bodyPr/>
+          <a:lstStyle/>
+          <a:p>
+            <a:fld id="{C263AF9A-6E76-4CCC-89CF-B04065708FB7}" type="slidenum">
+              <a:rPr lang="en-US" smtClean="0"/>
+              <a:t>9</a:t>
+            </a:fld>
+            <a:endParaRPr lang="en-US"/>
+          </a:p>
+        </p:txBody>
+      </p:sp>
+    </p:spTree>
+    <p:extLst>
+      <p:ext uri="{BB962C8B-B14F-4D97-AF65-F5344CB8AC3E}">
+        <p14:creationId xmlns:p14="http://schemas.microsoft.com/office/powerpoint/2010/main" val="1689547392"/>
+      </p:ext>
+    </p:extLst>
+  </p:cSld>
+  <p:clrMapOvr>
+    <a:masterClrMapping/>
+  </p:clrMapOvr>
+</p:notes>
+</file>
+
+<file path=ppt/notesSlides/notesSlide8.xml><?xml version="1.0" encoding="utf-8"?>
+<p:notes xmlns:a="http://schemas.openxmlformats.org/drawingml/2006/main" xmlns:r="http://schemas.openxmlformats.org/officeDocument/2006/relationships" xmlns:p="http://schemas.openxmlformats.org/presentationml/2006/main">
+  <p:cSld>
+    <p:spTree>
+      <p:nvGrpSpPr>
+        <p:cNvPr id="1" name=""/>
+        <p:cNvGrpSpPr/>
+        <p:nvPr/>
+      </p:nvGrpSpPr>
+      <p:grpSpPr>
+        <a:xfrm>
+          <a:off x="0" y="0"/>
+          <a:ext cx="0" cy="0"/>
+          <a:chOff x="0" y="0"/>
+          <a:chExt cx="0" cy="0"/>
+        </a:xfrm>
+      </p:grpSpPr>
+      <p:sp>
+        <p:nvSpPr>
+          <p:cNvPr id="2" name="Slide Image Placeholder 1"/>
+          <p:cNvSpPr>
+            <a:spLocks noGrp="1" noRot="1" noChangeAspect="1"/>
+          </p:cNvSpPr>
+          <p:nvPr>
+            <p:ph type="sldImg"/>
+          </p:nvPr>
+        </p:nvSpPr>
+        <p:spPr/>
+      </p:sp>
+      <p:sp>
+        <p:nvSpPr>
+          <p:cNvPr id="3" name="Notes Placeholder 2"/>
+          <p:cNvSpPr>
+            <a:spLocks noGrp="1"/>
+          </p:cNvSpPr>
+          <p:nvPr>
+            <p:ph type="body" idx="1"/>
+          </p:nvPr>
+        </p:nvSpPr>
+        <p:spPr/>
+        <p:txBody>
+          <a:bodyPr/>
+          <a:lstStyle/>
+          <a:p>
+            <a:r>
+              <a:rPr lang="pt-PT" dirty="0"/>
+              <a:t>CARLOS FALA AQUI </a:t>
+            </a:r>
+            <a:endParaRPr lang="en-US" dirty="0"/>
+          </a:p>
+        </p:txBody>
+      </p:sp>
+      <p:sp>
+        <p:nvSpPr>
+          <p:cNvPr id="4" name="Slide Number Placeholder 3"/>
+          <p:cNvSpPr>
+            <a:spLocks noGrp="1"/>
+          </p:cNvSpPr>
+          <p:nvPr>
+            <p:ph type="sldNum" sz="quarter" idx="10"/>
+          </p:nvPr>
+        </p:nvSpPr>
+        <p:spPr/>
+        <p:txBody>
+          <a:bodyPr/>
+          <a:lstStyle/>
+          <a:p>
+            <a:fld id="{C263AF9A-6E76-4CCC-89CF-B04065708FB7}" type="slidenum">
+              <a:rPr lang="en-US" smtClean="0"/>
+              <a:t>10</a:t>
+            </a:fld>
+            <a:endParaRPr lang="en-US"/>
+          </a:p>
+        </p:txBody>
+      </p:sp>
+    </p:spTree>
+    <p:extLst>
+      <p:ext uri="{BB962C8B-B14F-4D97-AF65-F5344CB8AC3E}">
+        <p14:creationId xmlns:p14="http://schemas.microsoft.com/office/powerpoint/2010/main" val="1590782474"/>
+      </p:ext>
+    </p:extLst>
+  </p:cSld>
+  <p:clrMapOvr>
+    <a:masterClrMapping/>
+  </p:clrMapOvr>
+</p:notes>
+</file>
+
+<file path=ppt/notesSlides/notesSlide9.xml><?xml version="1.0" encoding="utf-8"?>
+<p:notes xmlns:a="http://schemas.openxmlformats.org/drawingml/2006/main" xmlns:r="http://schemas.openxmlformats.org/officeDocument/2006/relationships" xmlns:p="http://schemas.openxmlformats.org/presentationml/2006/main">
+  <p:cSld>
+    <p:spTree>
+      <p:nvGrpSpPr>
+        <p:cNvPr id="1" name=""/>
+        <p:cNvGrpSpPr/>
+        <p:nvPr/>
+      </p:nvGrpSpPr>
+      <p:grpSpPr>
+        <a:xfrm>
+          <a:off x="0" y="0"/>
+          <a:ext cx="0" cy="0"/>
+          <a:chOff x="0" y="0"/>
+          <a:chExt cx="0" cy="0"/>
+        </a:xfrm>
+      </p:grpSpPr>
+      <p:sp>
+        <p:nvSpPr>
+          <p:cNvPr id="2" name="Slide Image Placeholder 1"/>
+          <p:cNvSpPr>
+            <a:spLocks noGrp="1" noRot="1" noChangeAspect="1"/>
+          </p:cNvSpPr>
+          <p:nvPr>
+            <p:ph type="sldImg"/>
+          </p:nvPr>
+        </p:nvSpPr>
+        <p:spPr/>
+      </p:sp>
+      <p:sp>
+        <p:nvSpPr>
+          <p:cNvPr id="3" name="Notes Placeholder 2"/>
+          <p:cNvSpPr>
+            <a:spLocks noGrp="1"/>
+          </p:cNvSpPr>
+          <p:nvPr>
+            <p:ph type="body" idx="1"/>
+          </p:nvPr>
+        </p:nvSpPr>
+        <p:spPr/>
+        <p:txBody>
+          <a:bodyPr/>
+          <a:lstStyle/>
+          <a:p>
+            <a:r>
+              <a:rPr lang="pt-PT" dirty="0"/>
+              <a:t>ZE FALA AQUI</a:t>
+            </a:r>
+            <a:endParaRPr lang="en-US" dirty="0"/>
+          </a:p>
+        </p:txBody>
+      </p:sp>
+      <p:sp>
+        <p:nvSpPr>
+          <p:cNvPr id="4" name="Slide Number Placeholder 3"/>
+          <p:cNvSpPr>
+            <a:spLocks noGrp="1"/>
+          </p:cNvSpPr>
+          <p:nvPr>
+            <p:ph type="sldNum" sz="quarter" idx="10"/>
+          </p:nvPr>
+        </p:nvSpPr>
+        <p:spPr/>
+        <p:txBody>
+          <a:bodyPr/>
+          <a:lstStyle/>
+          <a:p>
+            <a:fld id="{C263AF9A-6E76-4CCC-89CF-B04065708FB7}" type="slidenum">
+              <a:rPr lang="en-US" smtClean="0"/>
+              <a:t>11</a:t>
+            </a:fld>
+            <a:endParaRPr lang="en-US"/>
+          </a:p>
+        </p:txBody>
+      </p:sp>
+    </p:spTree>
+    <p:extLst>
+      <p:ext uri="{BB962C8B-B14F-4D97-AF65-F5344CB8AC3E}">
+        <p14:creationId xmlns:p14="http://schemas.microsoft.com/office/powerpoint/2010/main" val="963862012"/>
       </p:ext>
     </p:extLst>
   </p:cSld>
@@ -880,7 +2317,7 @@
             <a:fld id="{53074F12-AA26-4AC8-9962-C36BB8F32554}" type="datetimeFigureOut">
               <a:rPr lang="en-US" smtClean="0"/>
               <a:pPr/>
-              <a:t>12/11/2018</a:t>
+              <a:t>12/12/2018</a:t>
             </a:fld>
             <a:endParaRPr lang="en-US"/>
           </a:p>
@@ -1134,7 +2571,7 @@
             <a:fld id="{53074F12-AA26-4AC8-9962-C36BB8F32554}" type="datetimeFigureOut">
               <a:rPr lang="en-US" smtClean="0"/>
               <a:pPr/>
-              <a:t>12/11/2018</a:t>
+              <a:t>12/12/2018</a:t>
             </a:fld>
             <a:endParaRPr lang="en-US"/>
           </a:p>
@@ -1304,7 +2741,7 @@
             <a:fld id="{53074F12-AA26-4AC8-9962-C36BB8F32554}" type="datetimeFigureOut">
               <a:rPr lang="en-US" smtClean="0"/>
               <a:pPr/>
-              <a:t>12/11/2018</a:t>
+              <a:t>12/12/2018</a:t>
             </a:fld>
             <a:endParaRPr lang="en-US"/>
           </a:p>
@@ -1484,7 +2921,7 @@
             <a:fld id="{53074F12-AA26-4AC8-9962-C36BB8F32554}" type="datetimeFigureOut">
               <a:rPr lang="en-US" smtClean="0"/>
               <a:pPr/>
-              <a:t>12/11/2018</a:t>
+              <a:t>12/12/2018</a:t>
             </a:fld>
             <a:endParaRPr lang="en-US"/>
           </a:p>
@@ -1766,7 +3203,7 @@
             <a:fld id="{53074F12-AA26-4AC8-9962-C36BB8F32554}" type="datetimeFigureOut">
               <a:rPr lang="en-US" smtClean="0"/>
               <a:pPr/>
-              <a:t>12/11/2018</a:t>
+              <a:t>12/12/2018</a:t>
             </a:fld>
             <a:endParaRPr lang="en-US"/>
           </a:p>
@@ -2013,7 +3450,7 @@
             <a:fld id="{53074F12-AA26-4AC8-9962-C36BB8F32554}" type="datetimeFigureOut">
               <a:rPr lang="en-US" smtClean="0"/>
               <a:pPr/>
-              <a:t>12/11/2018</a:t>
+              <a:t>12/12/2018</a:t>
             </a:fld>
             <a:endParaRPr lang="en-US"/>
           </a:p>
@@ -2260,7 +3697,7 @@
             <a:fld id="{53074F12-AA26-4AC8-9962-C36BB8F32554}" type="datetimeFigureOut">
               <a:rPr lang="en-US" smtClean="0"/>
               <a:pPr/>
-              <a:t>12/11/2018</a:t>
+              <a:t>12/12/2018</a:t>
             </a:fld>
             <a:endParaRPr lang="en-US"/>
           </a:p>
@@ -2547,7 +3984,7 @@
             <a:fld id="{53074F12-AA26-4AC8-9962-C36BB8F32554}" type="datetimeFigureOut">
               <a:rPr lang="en-US" smtClean="0"/>
               <a:pPr/>
-              <a:t>12/11/2018</a:t>
+              <a:t>12/12/2018</a:t>
             </a:fld>
             <a:endParaRPr lang="en-US"/>
           </a:p>
@@ -3034,7 +4471,7 @@
             <a:fld id="{53074F12-AA26-4AC8-9962-C36BB8F32554}" type="datetimeFigureOut">
               <a:rPr lang="en-US" smtClean="0"/>
               <a:pPr/>
-              <a:t>12/11/2018</a:t>
+              <a:t>12/12/2018</a:t>
             </a:fld>
             <a:endParaRPr lang="en-US"/>
           </a:p>
@@ -3153,7 +4590,7 @@
             <a:fld id="{53074F12-AA26-4AC8-9962-C36BB8F32554}" type="datetimeFigureOut">
               <a:rPr lang="en-US" smtClean="0"/>
               <a:pPr/>
-              <a:t>12/11/2018</a:t>
+              <a:t>12/12/2018</a:t>
             </a:fld>
             <a:endParaRPr lang="en-US"/>
           </a:p>
@@ -3250,7 +4687,7 @@
             <a:fld id="{53074F12-AA26-4AC8-9962-C36BB8F32554}" type="datetimeFigureOut">
               <a:rPr lang="en-US" smtClean="0"/>
               <a:pPr/>
-              <a:t>12/11/2018</a:t>
+              <a:t>12/12/2018</a:t>
             </a:fld>
             <a:endParaRPr lang="en-US"/>
           </a:p>
@@ -3527,7 +4964,7 @@
             <a:fld id="{53074F12-AA26-4AC8-9962-C36BB8F32554}" type="datetimeFigureOut">
               <a:rPr lang="en-US" smtClean="0"/>
               <a:pPr/>
-              <a:t>12/11/2018</a:t>
+              <a:t>12/12/2018</a:t>
             </a:fld>
             <a:endParaRPr lang="en-US"/>
           </a:p>
@@ -3749,7 +5186,7 @@
             <a:fld id="{53074F12-AA26-4AC8-9962-C36BB8F32554}" type="datetimeFigureOut">
               <a:rPr lang="en-US" smtClean="0"/>
               <a:pPr/>
-              <a:t>12/11/2018</a:t>
+              <a:t>12/12/2018</a:t>
             </a:fld>
             <a:endParaRPr lang="en-US"/>
           </a:p>
@@ -4189,7 +5626,12 @@
             <p:ph type="ctrTitle"/>
           </p:nvPr>
         </p:nvSpPr>
-        <p:spPr/>
+        <p:spPr>
+          <a:xfrm>
+            <a:off x="2883095" y="1655520"/>
+            <a:ext cx="6260905" cy="1527050"/>
+          </a:xfrm>
+        </p:spPr>
         <p:txBody>
           <a:bodyPr/>
           <a:lstStyle/>
@@ -4207,7 +5649,7 @@
             </a:r>
             <a:r>
               <a:rPr lang="en-US" sz="2800" dirty="0"/>
-              <a:t> </a:t>
+              <a:t>  do </a:t>
             </a:r>
             <a:r>
               <a:rPr lang="en-US" sz="2800" dirty="0" err="1"/>
@@ -4261,6 +5703,3257 @@
     <p:extLst>
       <p:ext uri="{BB962C8B-B14F-4D97-AF65-F5344CB8AC3E}">
         <p14:creationId xmlns:p14="http://schemas.microsoft.com/office/powerpoint/2010/main" val="363920370"/>
+      </p:ext>
+    </p:extLst>
+  </p:cSld>
+  <p:clrMapOvr>
+    <a:masterClrMapping/>
+  </p:clrMapOvr>
+</p:sld>
+</file>
+
+<file path=ppt/slides/slide10.xml><?xml version="1.0" encoding="utf-8"?>
+<p:sld xmlns:a="http://schemas.openxmlformats.org/drawingml/2006/main" xmlns:r="http://schemas.openxmlformats.org/officeDocument/2006/relationships" xmlns:p="http://schemas.openxmlformats.org/presentationml/2006/main">
+  <p:cSld>
+    <p:spTree>
+      <p:nvGrpSpPr>
+        <p:cNvPr id="1" name=""/>
+        <p:cNvGrpSpPr/>
+        <p:nvPr/>
+      </p:nvGrpSpPr>
+      <p:grpSpPr>
+        <a:xfrm>
+          <a:off x="0" y="0"/>
+          <a:ext cx="0" cy="0"/>
+          <a:chOff x="0" y="0"/>
+          <a:chExt cx="0" cy="0"/>
+        </a:xfrm>
+      </p:grpSpPr>
+      <p:sp>
+        <p:nvSpPr>
+          <p:cNvPr id="2" name="Title 1">
+            <a:extLst>
+              <a:ext uri="{FF2B5EF4-FFF2-40B4-BE49-F238E27FC236}">
+                <a16:creationId xmlns:a16="http://schemas.microsoft.com/office/drawing/2014/main" id="{59B88A04-9A2C-4404-987A-4E998FC5BB25}"/>
+              </a:ext>
+            </a:extLst>
+          </p:cNvPr>
+          <p:cNvSpPr>
+            <a:spLocks noGrp="1"/>
+          </p:cNvSpPr>
+          <p:nvPr>
+            <p:ph type="title"/>
+          </p:nvPr>
+        </p:nvSpPr>
+        <p:spPr/>
+        <p:txBody>
+          <a:bodyPr>
+            <a:normAutofit fontScale="90000"/>
+          </a:bodyPr>
+          <a:lstStyle/>
+          <a:p>
+            <a:r>
+              <a:rPr lang="pt-PT" dirty="0"/>
+              <a:t>Regressão logística (GLM)</a:t>
+            </a:r>
+            <a:endParaRPr lang="en-US" dirty="0"/>
+          </a:p>
+        </p:txBody>
+      </p:sp>
+      <p:sp>
+        <p:nvSpPr>
+          <p:cNvPr id="3" name="Text Placeholder 2">
+            <a:extLst>
+              <a:ext uri="{FF2B5EF4-FFF2-40B4-BE49-F238E27FC236}">
+                <a16:creationId xmlns:a16="http://schemas.microsoft.com/office/drawing/2014/main" id="{75B10256-3B2B-4745-A0F1-D92516FF15F2}"/>
+              </a:ext>
+            </a:extLst>
+          </p:cNvPr>
+          <p:cNvSpPr>
+            <a:spLocks noGrp="1"/>
+          </p:cNvSpPr>
+          <p:nvPr>
+            <p:ph type="body" idx="1"/>
+          </p:nvPr>
+        </p:nvSpPr>
+        <p:spPr/>
+        <p:txBody>
+          <a:bodyPr/>
+          <a:lstStyle/>
+          <a:p>
+            <a:endParaRPr lang="en-US"/>
+          </a:p>
+        </p:txBody>
+      </p:sp>
+      <p:sp>
+        <p:nvSpPr>
+          <p:cNvPr id="4" name="Content Placeholder 3">
+            <a:extLst>
+              <a:ext uri="{FF2B5EF4-FFF2-40B4-BE49-F238E27FC236}">
+                <a16:creationId xmlns:a16="http://schemas.microsoft.com/office/drawing/2014/main" id="{BCCDBDD3-5CEA-456F-B4C6-C92E5DDA1C1F}"/>
+              </a:ext>
+            </a:extLst>
+          </p:cNvPr>
+          <p:cNvSpPr>
+            <a:spLocks noGrp="1"/>
+          </p:cNvSpPr>
+          <p:nvPr>
+            <p:ph sz="half" idx="2"/>
+          </p:nvPr>
+        </p:nvSpPr>
+        <p:spPr/>
+        <p:txBody>
+          <a:bodyPr/>
+          <a:lstStyle/>
+          <a:p>
+            <a:endParaRPr lang="en-US"/>
+          </a:p>
+        </p:txBody>
+      </p:sp>
+      <p:sp>
+        <p:nvSpPr>
+          <p:cNvPr id="5" name="Text Placeholder 4">
+            <a:extLst>
+              <a:ext uri="{FF2B5EF4-FFF2-40B4-BE49-F238E27FC236}">
+                <a16:creationId xmlns:a16="http://schemas.microsoft.com/office/drawing/2014/main" id="{FB3221B2-2F12-4CD5-A280-DF2E2C253C35}"/>
+              </a:ext>
+            </a:extLst>
+          </p:cNvPr>
+          <p:cNvSpPr>
+            <a:spLocks noGrp="1"/>
+          </p:cNvSpPr>
+          <p:nvPr>
+            <p:ph type="body" sz="quarter" idx="3"/>
+          </p:nvPr>
+        </p:nvSpPr>
+        <p:spPr/>
+        <p:txBody>
+          <a:bodyPr/>
+          <a:lstStyle/>
+          <a:p>
+            <a:endParaRPr lang="en-US"/>
+          </a:p>
+        </p:txBody>
+      </p:sp>
+      <p:sp>
+        <p:nvSpPr>
+          <p:cNvPr id="6" name="Content Placeholder 5">
+            <a:extLst>
+              <a:ext uri="{FF2B5EF4-FFF2-40B4-BE49-F238E27FC236}">
+                <a16:creationId xmlns:a16="http://schemas.microsoft.com/office/drawing/2014/main" id="{19C4EA86-9DFE-43BF-B007-552FCD9905B0}"/>
+              </a:ext>
+            </a:extLst>
+          </p:cNvPr>
+          <p:cNvSpPr>
+            <a:spLocks noGrp="1"/>
+          </p:cNvSpPr>
+          <p:nvPr>
+            <p:ph sz="quarter" idx="4"/>
+          </p:nvPr>
+        </p:nvSpPr>
+        <p:spPr/>
+        <p:txBody>
+          <a:bodyPr/>
+          <a:lstStyle/>
+          <a:p>
+            <a:endParaRPr lang="en-US"/>
+          </a:p>
+        </p:txBody>
+      </p:sp>
+    </p:spTree>
+    <p:extLst>
+      <p:ext uri="{BB962C8B-B14F-4D97-AF65-F5344CB8AC3E}">
+        <p14:creationId xmlns:p14="http://schemas.microsoft.com/office/powerpoint/2010/main" val="1370713237"/>
+      </p:ext>
+    </p:extLst>
+  </p:cSld>
+  <p:clrMapOvr>
+    <a:masterClrMapping/>
+  </p:clrMapOvr>
+</p:sld>
+</file>
+
+<file path=ppt/slides/slide11.xml><?xml version="1.0" encoding="utf-8"?>
+<p:sld xmlns:a="http://schemas.openxmlformats.org/drawingml/2006/main" xmlns:r="http://schemas.openxmlformats.org/officeDocument/2006/relationships" xmlns:p="http://schemas.openxmlformats.org/presentationml/2006/main">
+  <p:cSld>
+    <p:spTree>
+      <p:nvGrpSpPr>
+        <p:cNvPr id="1" name=""/>
+        <p:cNvGrpSpPr/>
+        <p:nvPr/>
+      </p:nvGrpSpPr>
+      <p:grpSpPr>
+        <a:xfrm>
+          <a:off x="0" y="0"/>
+          <a:ext cx="0" cy="0"/>
+          <a:chOff x="0" y="0"/>
+          <a:chExt cx="0" cy="0"/>
+        </a:xfrm>
+      </p:grpSpPr>
+      <p:sp>
+        <p:nvSpPr>
+          <p:cNvPr id="2" name="Title 1">
+            <a:extLst>
+              <a:ext uri="{FF2B5EF4-FFF2-40B4-BE49-F238E27FC236}">
+                <a16:creationId xmlns:a16="http://schemas.microsoft.com/office/drawing/2014/main" id="{94DB8F4F-774F-4ED1-9FE6-385C3705788B}"/>
+              </a:ext>
+            </a:extLst>
+          </p:cNvPr>
+          <p:cNvSpPr>
+            <a:spLocks noGrp="1"/>
+          </p:cNvSpPr>
+          <p:nvPr>
+            <p:ph type="title"/>
+          </p:nvPr>
+        </p:nvSpPr>
+        <p:spPr/>
+        <p:txBody>
+          <a:bodyPr>
+            <a:normAutofit fontScale="90000"/>
+          </a:bodyPr>
+          <a:lstStyle/>
+          <a:p>
+            <a:r>
+              <a:rPr lang="pt-PT" dirty="0"/>
+              <a:t>KNN</a:t>
+            </a:r>
+            <a:endParaRPr lang="en-US" dirty="0"/>
+          </a:p>
+        </p:txBody>
+      </p:sp>
+      <p:sp>
+        <p:nvSpPr>
+          <p:cNvPr id="3" name="Text Placeholder 2">
+            <a:extLst>
+              <a:ext uri="{FF2B5EF4-FFF2-40B4-BE49-F238E27FC236}">
+                <a16:creationId xmlns:a16="http://schemas.microsoft.com/office/drawing/2014/main" id="{C1E3581A-6004-4B9C-94C0-18BA4FCD5AF8}"/>
+              </a:ext>
+            </a:extLst>
+          </p:cNvPr>
+          <p:cNvSpPr>
+            <a:spLocks noGrp="1"/>
+          </p:cNvSpPr>
+          <p:nvPr>
+            <p:ph type="body" idx="1"/>
+          </p:nvPr>
+        </p:nvSpPr>
+        <p:spPr/>
+        <p:txBody>
+          <a:bodyPr/>
+          <a:lstStyle/>
+          <a:p>
+            <a:endParaRPr lang="en-US"/>
+          </a:p>
+        </p:txBody>
+      </p:sp>
+      <p:sp>
+        <p:nvSpPr>
+          <p:cNvPr id="4" name="Content Placeholder 3">
+            <a:extLst>
+              <a:ext uri="{FF2B5EF4-FFF2-40B4-BE49-F238E27FC236}">
+                <a16:creationId xmlns:a16="http://schemas.microsoft.com/office/drawing/2014/main" id="{9C303CBD-5940-4312-B54C-CB2786B3F58C}"/>
+              </a:ext>
+            </a:extLst>
+          </p:cNvPr>
+          <p:cNvSpPr>
+            <a:spLocks noGrp="1"/>
+          </p:cNvSpPr>
+          <p:nvPr>
+            <p:ph sz="half" idx="2"/>
+          </p:nvPr>
+        </p:nvSpPr>
+        <p:spPr/>
+        <p:txBody>
+          <a:bodyPr/>
+          <a:lstStyle/>
+          <a:p>
+            <a:endParaRPr lang="en-US"/>
+          </a:p>
+        </p:txBody>
+      </p:sp>
+      <p:sp>
+        <p:nvSpPr>
+          <p:cNvPr id="5" name="Text Placeholder 4">
+            <a:extLst>
+              <a:ext uri="{FF2B5EF4-FFF2-40B4-BE49-F238E27FC236}">
+                <a16:creationId xmlns:a16="http://schemas.microsoft.com/office/drawing/2014/main" id="{D0B52B20-B7A0-40B0-9702-67AB0246EFE6}"/>
+              </a:ext>
+            </a:extLst>
+          </p:cNvPr>
+          <p:cNvSpPr>
+            <a:spLocks noGrp="1"/>
+          </p:cNvSpPr>
+          <p:nvPr>
+            <p:ph type="body" sz="quarter" idx="3"/>
+          </p:nvPr>
+        </p:nvSpPr>
+        <p:spPr/>
+        <p:txBody>
+          <a:bodyPr/>
+          <a:lstStyle/>
+          <a:p>
+            <a:endParaRPr lang="en-US"/>
+          </a:p>
+        </p:txBody>
+      </p:sp>
+      <p:sp>
+        <p:nvSpPr>
+          <p:cNvPr id="6" name="Content Placeholder 5">
+            <a:extLst>
+              <a:ext uri="{FF2B5EF4-FFF2-40B4-BE49-F238E27FC236}">
+                <a16:creationId xmlns:a16="http://schemas.microsoft.com/office/drawing/2014/main" id="{4C427853-41E0-42F7-9C36-78B734E25FB0}"/>
+              </a:ext>
+            </a:extLst>
+          </p:cNvPr>
+          <p:cNvSpPr>
+            <a:spLocks noGrp="1"/>
+          </p:cNvSpPr>
+          <p:nvPr>
+            <p:ph sz="quarter" idx="4"/>
+          </p:nvPr>
+        </p:nvSpPr>
+        <p:spPr/>
+        <p:txBody>
+          <a:bodyPr/>
+          <a:lstStyle/>
+          <a:p>
+            <a:endParaRPr lang="en-US"/>
+          </a:p>
+        </p:txBody>
+      </p:sp>
+    </p:spTree>
+    <p:extLst>
+      <p:ext uri="{BB962C8B-B14F-4D97-AF65-F5344CB8AC3E}">
+        <p14:creationId xmlns:p14="http://schemas.microsoft.com/office/powerpoint/2010/main" val="1284489659"/>
+      </p:ext>
+    </p:extLst>
+  </p:cSld>
+  <p:clrMapOvr>
+    <a:masterClrMapping/>
+  </p:clrMapOvr>
+</p:sld>
+</file>
+
+<file path=ppt/slides/slide12.xml><?xml version="1.0" encoding="utf-8"?>
+<p:sld xmlns:a="http://schemas.openxmlformats.org/drawingml/2006/main" xmlns:r="http://schemas.openxmlformats.org/officeDocument/2006/relationships" xmlns:p="http://schemas.openxmlformats.org/presentationml/2006/main">
+  <p:cSld>
+    <p:spTree>
+      <p:nvGrpSpPr>
+        <p:cNvPr id="1" name=""/>
+        <p:cNvGrpSpPr/>
+        <p:nvPr/>
+      </p:nvGrpSpPr>
+      <p:grpSpPr>
+        <a:xfrm>
+          <a:off x="0" y="0"/>
+          <a:ext cx="0" cy="0"/>
+          <a:chOff x="0" y="0"/>
+          <a:chExt cx="0" cy="0"/>
+        </a:xfrm>
+      </p:grpSpPr>
+      <p:sp>
+        <p:nvSpPr>
+          <p:cNvPr id="2" name="Title 1">
+            <a:extLst>
+              <a:ext uri="{FF2B5EF4-FFF2-40B4-BE49-F238E27FC236}">
+                <a16:creationId xmlns:a16="http://schemas.microsoft.com/office/drawing/2014/main" id="{398828B5-519F-4016-A08B-EEB5BBCE3DC1}"/>
+              </a:ext>
+            </a:extLst>
+          </p:cNvPr>
+          <p:cNvSpPr>
+            <a:spLocks noGrp="1"/>
+          </p:cNvSpPr>
+          <p:nvPr>
+            <p:ph type="title"/>
+          </p:nvPr>
+        </p:nvSpPr>
+        <p:spPr/>
+        <p:txBody>
+          <a:bodyPr>
+            <a:normAutofit fontScale="90000"/>
+          </a:bodyPr>
+          <a:lstStyle/>
+          <a:p>
+            <a:r>
+              <a:rPr lang="pt-PT" dirty="0"/>
+              <a:t>QDA E LDA</a:t>
+            </a:r>
+            <a:endParaRPr lang="en-US" dirty="0"/>
+          </a:p>
+        </p:txBody>
+      </p:sp>
+      <p:sp>
+        <p:nvSpPr>
+          <p:cNvPr id="3" name="Text Placeholder 2">
+            <a:extLst>
+              <a:ext uri="{FF2B5EF4-FFF2-40B4-BE49-F238E27FC236}">
+                <a16:creationId xmlns:a16="http://schemas.microsoft.com/office/drawing/2014/main" id="{3D851446-ABD3-469E-869E-FDB0E6F8D4D9}"/>
+              </a:ext>
+            </a:extLst>
+          </p:cNvPr>
+          <p:cNvSpPr>
+            <a:spLocks noGrp="1"/>
+          </p:cNvSpPr>
+          <p:nvPr>
+            <p:ph type="body" idx="1"/>
+          </p:nvPr>
+        </p:nvSpPr>
+        <p:spPr/>
+        <p:txBody>
+          <a:bodyPr/>
+          <a:lstStyle/>
+          <a:p>
+            <a:endParaRPr lang="en-US"/>
+          </a:p>
+        </p:txBody>
+      </p:sp>
+      <p:sp>
+        <p:nvSpPr>
+          <p:cNvPr id="4" name="Content Placeholder 3">
+            <a:extLst>
+              <a:ext uri="{FF2B5EF4-FFF2-40B4-BE49-F238E27FC236}">
+                <a16:creationId xmlns:a16="http://schemas.microsoft.com/office/drawing/2014/main" id="{D89E5098-DFCE-4756-9B3A-A7F5436BC428}"/>
+              </a:ext>
+            </a:extLst>
+          </p:cNvPr>
+          <p:cNvSpPr>
+            <a:spLocks noGrp="1"/>
+          </p:cNvSpPr>
+          <p:nvPr>
+            <p:ph sz="half" idx="2"/>
+          </p:nvPr>
+        </p:nvSpPr>
+        <p:spPr/>
+        <p:txBody>
+          <a:bodyPr/>
+          <a:lstStyle/>
+          <a:p>
+            <a:endParaRPr lang="en-US"/>
+          </a:p>
+        </p:txBody>
+      </p:sp>
+      <p:sp>
+        <p:nvSpPr>
+          <p:cNvPr id="5" name="Text Placeholder 4">
+            <a:extLst>
+              <a:ext uri="{FF2B5EF4-FFF2-40B4-BE49-F238E27FC236}">
+                <a16:creationId xmlns:a16="http://schemas.microsoft.com/office/drawing/2014/main" id="{FC12440C-E8F6-4065-8EF9-94BCD396276D}"/>
+              </a:ext>
+            </a:extLst>
+          </p:cNvPr>
+          <p:cNvSpPr>
+            <a:spLocks noGrp="1"/>
+          </p:cNvSpPr>
+          <p:nvPr>
+            <p:ph type="body" sz="quarter" idx="3"/>
+          </p:nvPr>
+        </p:nvSpPr>
+        <p:spPr/>
+        <p:txBody>
+          <a:bodyPr/>
+          <a:lstStyle/>
+          <a:p>
+            <a:endParaRPr lang="en-US"/>
+          </a:p>
+        </p:txBody>
+      </p:sp>
+      <p:sp>
+        <p:nvSpPr>
+          <p:cNvPr id="6" name="Content Placeholder 5">
+            <a:extLst>
+              <a:ext uri="{FF2B5EF4-FFF2-40B4-BE49-F238E27FC236}">
+                <a16:creationId xmlns:a16="http://schemas.microsoft.com/office/drawing/2014/main" id="{13DCD30E-1D0B-4D79-ACC0-3F0574E0056F}"/>
+              </a:ext>
+            </a:extLst>
+          </p:cNvPr>
+          <p:cNvSpPr>
+            <a:spLocks noGrp="1"/>
+          </p:cNvSpPr>
+          <p:nvPr>
+            <p:ph sz="quarter" idx="4"/>
+          </p:nvPr>
+        </p:nvSpPr>
+        <p:spPr/>
+        <p:txBody>
+          <a:bodyPr/>
+          <a:lstStyle/>
+          <a:p>
+            <a:endParaRPr lang="en-US"/>
+          </a:p>
+        </p:txBody>
+      </p:sp>
+    </p:spTree>
+    <p:extLst>
+      <p:ext uri="{BB962C8B-B14F-4D97-AF65-F5344CB8AC3E}">
+        <p14:creationId xmlns:p14="http://schemas.microsoft.com/office/powerpoint/2010/main" val="4260349392"/>
+      </p:ext>
+    </p:extLst>
+  </p:cSld>
+  <p:clrMapOvr>
+    <a:masterClrMapping/>
+  </p:clrMapOvr>
+</p:sld>
+</file>
+
+<file path=ppt/slides/slide13.xml><?xml version="1.0" encoding="utf-8"?>
+<p:sld xmlns:a="http://schemas.openxmlformats.org/drawingml/2006/main" xmlns:r="http://schemas.openxmlformats.org/officeDocument/2006/relationships" xmlns:p="http://schemas.openxmlformats.org/presentationml/2006/main">
+  <p:cSld>
+    <p:spTree>
+      <p:nvGrpSpPr>
+        <p:cNvPr id="1" name=""/>
+        <p:cNvGrpSpPr/>
+        <p:nvPr/>
+      </p:nvGrpSpPr>
+      <p:grpSpPr>
+        <a:xfrm>
+          <a:off x="0" y="0"/>
+          <a:ext cx="0" cy="0"/>
+          <a:chOff x="0" y="0"/>
+          <a:chExt cx="0" cy="0"/>
+        </a:xfrm>
+      </p:grpSpPr>
+      <p:sp>
+        <p:nvSpPr>
+          <p:cNvPr id="2" name="Title 1">
+            <a:extLst>
+              <a:ext uri="{FF2B5EF4-FFF2-40B4-BE49-F238E27FC236}">
+                <a16:creationId xmlns:a16="http://schemas.microsoft.com/office/drawing/2014/main" id="{2F6692C3-61CD-4836-8499-9A5CC9EFB257}"/>
+              </a:ext>
+            </a:extLst>
+          </p:cNvPr>
+          <p:cNvSpPr>
+            <a:spLocks noGrp="1"/>
+          </p:cNvSpPr>
+          <p:nvPr>
+            <p:ph type="title"/>
+          </p:nvPr>
+        </p:nvSpPr>
+        <p:spPr>
+          <a:xfrm>
+            <a:off x="911103" y="330282"/>
+            <a:ext cx="8246071" cy="610820"/>
+          </a:xfrm>
+        </p:spPr>
+        <p:txBody>
+          <a:bodyPr>
+            <a:normAutofit fontScale="90000"/>
+          </a:bodyPr>
+          <a:lstStyle/>
+          <a:p>
+            <a:r>
+              <a:rPr lang="pt-PT" dirty="0"/>
+              <a:t>Seleção melhor modelo (CV)</a:t>
+            </a:r>
+            <a:endParaRPr lang="en-US" dirty="0"/>
+          </a:p>
+        </p:txBody>
+      </p:sp>
+      <p:graphicFrame>
+        <p:nvGraphicFramePr>
+          <p:cNvPr id="14" name="Table 13">
+            <a:extLst>
+              <a:ext uri="{FF2B5EF4-FFF2-40B4-BE49-F238E27FC236}">
+                <a16:creationId xmlns:a16="http://schemas.microsoft.com/office/drawing/2014/main" id="{DCEE190F-81DC-4AEB-9C40-C23098F2CD40}"/>
+              </a:ext>
+            </a:extLst>
+          </p:cNvPr>
+          <p:cNvGraphicFramePr>
+            <a:graphicFrameLocks noGrp="1"/>
+          </p:cNvGraphicFramePr>
+          <p:nvPr>
+            <p:extLst>
+              <p:ext uri="{D42A27DB-BD31-4B8C-83A1-F6EECF244321}">
+                <p14:modId xmlns:p14="http://schemas.microsoft.com/office/powerpoint/2010/main" val="1310298213"/>
+              </p:ext>
+            </p:extLst>
+          </p:nvPr>
+        </p:nvGraphicFramePr>
+        <p:xfrm>
+          <a:off x="448964" y="1808225"/>
+          <a:ext cx="8246072" cy="2394173"/>
+        </p:xfrm>
+        <a:graphic>
+          <a:graphicData uri="http://schemas.openxmlformats.org/drawingml/2006/table">
+            <a:tbl>
+              <a:tblPr firstRow="1" bandRow="1">
+                <a:tableStyleId>{3B4B98B0-60AC-42C2-AFA5-B58CD77FA1E5}</a:tableStyleId>
+              </a:tblPr>
+              <a:tblGrid>
+                <a:gridCol w="2061518">
+                  <a:extLst>
+                    <a:ext uri="{9D8B030D-6E8A-4147-A177-3AD203B41FA5}">
+                      <a16:colId xmlns:a16="http://schemas.microsoft.com/office/drawing/2014/main" val="350918994"/>
+                    </a:ext>
+                  </a:extLst>
+                </a:gridCol>
+                <a:gridCol w="2061518">
+                  <a:extLst>
+                    <a:ext uri="{9D8B030D-6E8A-4147-A177-3AD203B41FA5}">
+                      <a16:colId xmlns:a16="http://schemas.microsoft.com/office/drawing/2014/main" val="554453022"/>
+                    </a:ext>
+                  </a:extLst>
+                </a:gridCol>
+                <a:gridCol w="2061518">
+                  <a:extLst>
+                    <a:ext uri="{9D8B030D-6E8A-4147-A177-3AD203B41FA5}">
+                      <a16:colId xmlns:a16="http://schemas.microsoft.com/office/drawing/2014/main" val="4062502196"/>
+                    </a:ext>
+                  </a:extLst>
+                </a:gridCol>
+                <a:gridCol w="2061518">
+                  <a:extLst>
+                    <a:ext uri="{9D8B030D-6E8A-4147-A177-3AD203B41FA5}">
+                      <a16:colId xmlns:a16="http://schemas.microsoft.com/office/drawing/2014/main" val="2248031875"/>
+                    </a:ext>
+                  </a:extLst>
+                </a:gridCol>
+              </a:tblGrid>
+              <a:tr h="575903">
+                <a:tc>
+                  <a:txBody>
+                    <a:bodyPr/>
+                    <a:lstStyle/>
+                    <a:p>
+                      <a:pPr algn="ctr"/>
+                      <a:r>
+                        <a:rPr lang="pt-PT" sz="1700" dirty="0">
+                          <a:solidFill>
+                            <a:srgbClr val="0070C0"/>
+                          </a:solidFill>
+                          <a:effectLst>
+                            <a:outerShdw blurRad="50800" dist="38100" dir="2700000" algn="tl" rotWithShape="0">
+                              <a:prstClr val="black">
+                                <a:alpha val="40000"/>
+                              </a:prstClr>
+                            </a:outerShdw>
+                          </a:effectLst>
+                        </a:rPr>
+                        <a:t>Modelo</a:t>
+                      </a:r>
+                      <a:endParaRPr lang="en-US" sz="1700" dirty="0"/>
+                    </a:p>
+                  </a:txBody>
+                  <a:tcPr marL="148887" marR="148887" marT="74445" marB="74445">
+                    <a:lnL w="12700" cap="flat" cmpd="sng" algn="ctr">
+                      <a:solidFill>
+                        <a:schemeClr val="accent1"/>
+                      </a:solidFill>
+                      <a:prstDash val="solid"/>
+                      <a:round/>
+                      <a:headEnd type="none" w="med" len="med"/>
+                      <a:tailEnd type="none" w="med" len="med"/>
+                    </a:lnL>
+                    <a:lnR w="12700" cap="flat" cmpd="sng" algn="ctr">
+                      <a:solidFill>
+                        <a:schemeClr val="accent1"/>
+                      </a:solidFill>
+                      <a:prstDash val="solid"/>
+                      <a:round/>
+                      <a:headEnd type="none" w="med" len="med"/>
+                      <a:tailEnd type="none" w="med" len="med"/>
+                    </a:lnR>
+                    <a:lnT w="12700" cap="flat" cmpd="sng" algn="ctr">
+                      <a:solidFill>
+                        <a:schemeClr val="accent1"/>
+                      </a:solidFill>
+                      <a:prstDash val="solid"/>
+                      <a:round/>
+                      <a:headEnd type="none" w="med" len="med"/>
+                      <a:tailEnd type="none" w="med" len="med"/>
+                    </a:lnT>
+                    <a:lnB w="12700" cap="flat" cmpd="sng" algn="ctr">
+                      <a:solidFill>
+                        <a:schemeClr val="accent1"/>
+                      </a:solidFill>
+                      <a:prstDash val="solid"/>
+                      <a:round/>
+                      <a:headEnd type="none" w="med" len="med"/>
+                      <a:tailEnd type="none" w="med" len="med"/>
+                    </a:lnB>
+                    <a:lnTlToBr w="12700" cmpd="sng">
+                      <a:noFill/>
+                      <a:prstDash val="solid"/>
+                    </a:lnTlToBr>
+                    <a:lnBlToTr w="12700" cmpd="sng">
+                      <a:noFill/>
+                      <a:prstDash val="solid"/>
+                    </a:lnBlToTr>
+                  </a:tcPr>
+                </a:tc>
+                <a:tc>
+                  <a:txBody>
+                    <a:bodyPr/>
+                    <a:lstStyle/>
+                    <a:p>
+                      <a:pPr marL="0" marR="0" lvl="0" indent="0" algn="l" defTabSz="914400" rtl="0" eaLnBrk="1" fontAlgn="auto" latinLnBrk="0" hangingPunct="1">
+                        <a:lnSpc>
+                          <a:spcPct val="100000"/>
+                        </a:lnSpc>
+                        <a:spcBef>
+                          <a:spcPts val="0"/>
+                        </a:spcBef>
+                        <a:spcAft>
+                          <a:spcPts val="0"/>
+                        </a:spcAft>
+                        <a:buClrTx/>
+                        <a:buSzTx/>
+                        <a:buFontTx/>
+                        <a:buNone/>
+                        <a:tabLst/>
+                        <a:defRPr/>
+                      </a:pPr>
+                      <a:r>
+                        <a:rPr lang="pt-PT" sz="1700" dirty="0">
+                          <a:solidFill>
+                            <a:srgbClr val="0070C0"/>
+                          </a:solidFill>
+                          <a:effectLst>
+                            <a:outerShdw blurRad="50800" dist="38100" dir="2700000" algn="tl" rotWithShape="0">
+                              <a:prstClr val="black">
+                                <a:alpha val="40000"/>
+                              </a:prstClr>
+                            </a:outerShdw>
+                          </a:effectLst>
+                        </a:rPr>
+                        <a:t>Regressão linear</a:t>
+                      </a:r>
+                      <a:endParaRPr lang="en-US" sz="1700" dirty="0"/>
+                    </a:p>
+                  </a:txBody>
+                  <a:tcPr marL="148887" marR="148887" marT="74445" marB="74445">
+                    <a:lnL w="12700" cap="flat" cmpd="sng" algn="ctr">
+                      <a:solidFill>
+                        <a:schemeClr val="accent1"/>
+                      </a:solidFill>
+                      <a:prstDash val="solid"/>
+                      <a:round/>
+                      <a:headEnd type="none" w="med" len="med"/>
+                      <a:tailEnd type="none" w="med" len="med"/>
+                    </a:lnL>
+                    <a:lnR w="12700" cap="flat" cmpd="sng" algn="ctr">
+                      <a:solidFill>
+                        <a:schemeClr val="accent1"/>
+                      </a:solidFill>
+                      <a:prstDash val="solid"/>
+                      <a:round/>
+                      <a:headEnd type="none" w="med" len="med"/>
+                      <a:tailEnd type="none" w="med" len="med"/>
+                    </a:lnR>
+                    <a:lnT w="12700" cap="flat" cmpd="sng" algn="ctr">
+                      <a:solidFill>
+                        <a:schemeClr val="accent1"/>
+                      </a:solidFill>
+                      <a:prstDash val="solid"/>
+                      <a:round/>
+                      <a:headEnd type="none" w="med" len="med"/>
+                      <a:tailEnd type="none" w="med" len="med"/>
+                    </a:lnT>
+                    <a:lnB w="12700" cap="flat" cmpd="sng" algn="ctr">
+                      <a:solidFill>
+                        <a:schemeClr val="accent1"/>
+                      </a:solidFill>
+                      <a:prstDash val="solid"/>
+                      <a:round/>
+                      <a:headEnd type="none" w="med" len="med"/>
+                      <a:tailEnd type="none" w="med" len="med"/>
+                    </a:lnB>
+                    <a:lnTlToBr w="12700" cmpd="sng">
+                      <a:noFill/>
+                      <a:prstDash val="solid"/>
+                    </a:lnTlToBr>
+                    <a:lnBlToTr w="12700" cmpd="sng">
+                      <a:noFill/>
+                      <a:prstDash val="solid"/>
+                    </a:lnBlToTr>
+                  </a:tcPr>
+                </a:tc>
+                <a:tc>
+                  <a:txBody>
+                    <a:bodyPr/>
+                    <a:lstStyle/>
+                    <a:p>
+                      <a:pPr marL="0" marR="0" lvl="0" indent="0" algn="ctr" defTabSz="914400" rtl="0" eaLnBrk="1" fontAlgn="auto" latinLnBrk="0" hangingPunct="1">
+                        <a:lnSpc>
+                          <a:spcPct val="100000"/>
+                        </a:lnSpc>
+                        <a:spcBef>
+                          <a:spcPts val="0"/>
+                        </a:spcBef>
+                        <a:spcAft>
+                          <a:spcPts val="0"/>
+                        </a:spcAft>
+                        <a:buClrTx/>
+                        <a:buSzTx/>
+                        <a:buFontTx/>
+                        <a:buNone/>
+                        <a:tabLst/>
+                        <a:defRPr/>
+                      </a:pPr>
+                      <a:r>
+                        <a:rPr lang="pt-PT" sz="1600" dirty="0">
+                          <a:solidFill>
+                            <a:srgbClr val="0070C0"/>
+                          </a:solidFill>
+                          <a:effectLst>
+                            <a:outerShdw blurRad="50800" dist="38100" dir="2700000" algn="tl" rotWithShape="0">
+                              <a:prstClr val="black">
+                                <a:alpha val="40000"/>
+                              </a:prstClr>
+                            </a:outerShdw>
+                          </a:effectLst>
+                        </a:rPr>
+                        <a:t>Regressão logística</a:t>
+                      </a:r>
+                      <a:endParaRPr lang="en-US" sz="1600" dirty="0"/>
+                    </a:p>
+                  </a:txBody>
+                  <a:tcPr marL="148887" marR="148887" marT="74445" marB="74445">
+                    <a:lnL w="12700" cap="flat" cmpd="sng" algn="ctr">
+                      <a:solidFill>
+                        <a:schemeClr val="accent1"/>
+                      </a:solidFill>
+                      <a:prstDash val="solid"/>
+                      <a:round/>
+                      <a:headEnd type="none" w="med" len="med"/>
+                      <a:tailEnd type="none" w="med" len="med"/>
+                    </a:lnL>
+                    <a:lnR w="12700" cap="flat" cmpd="sng" algn="ctr">
+                      <a:solidFill>
+                        <a:schemeClr val="accent1"/>
+                      </a:solidFill>
+                      <a:prstDash val="solid"/>
+                      <a:round/>
+                      <a:headEnd type="none" w="med" len="med"/>
+                      <a:tailEnd type="none" w="med" len="med"/>
+                    </a:lnR>
+                    <a:lnT w="12700" cap="flat" cmpd="sng" algn="ctr">
+                      <a:solidFill>
+                        <a:schemeClr val="accent1"/>
+                      </a:solidFill>
+                      <a:prstDash val="solid"/>
+                      <a:round/>
+                      <a:headEnd type="none" w="med" len="med"/>
+                      <a:tailEnd type="none" w="med" len="med"/>
+                    </a:lnT>
+                    <a:lnB w="12700" cap="flat" cmpd="sng" algn="ctr">
+                      <a:solidFill>
+                        <a:schemeClr val="accent1"/>
+                      </a:solidFill>
+                      <a:prstDash val="solid"/>
+                      <a:round/>
+                      <a:headEnd type="none" w="med" len="med"/>
+                      <a:tailEnd type="none" w="med" len="med"/>
+                    </a:lnB>
+                    <a:lnTlToBr w="12700" cmpd="sng">
+                      <a:noFill/>
+                      <a:prstDash val="solid"/>
+                    </a:lnTlToBr>
+                    <a:lnBlToTr w="12700" cmpd="sng">
+                      <a:noFill/>
+                      <a:prstDash val="solid"/>
+                    </a:lnBlToTr>
+                  </a:tcPr>
+                </a:tc>
+                <a:tc>
+                  <a:txBody>
+                    <a:bodyPr/>
+                    <a:lstStyle/>
+                    <a:p>
+                      <a:pPr algn="ctr"/>
+                      <a:r>
+                        <a:rPr lang="pt-PT" sz="1700" dirty="0">
+                          <a:solidFill>
+                            <a:srgbClr val="0070C0"/>
+                          </a:solidFill>
+                          <a:effectLst>
+                            <a:outerShdw blurRad="50800" dist="38100" dir="2700000" algn="tl" rotWithShape="0">
+                              <a:prstClr val="black">
+                                <a:alpha val="40000"/>
+                              </a:prstClr>
+                            </a:outerShdw>
+                          </a:effectLst>
+                        </a:rPr>
+                        <a:t> KNN</a:t>
+                      </a:r>
+                      <a:endParaRPr lang="en-US" sz="1700" dirty="0"/>
+                    </a:p>
+                  </a:txBody>
+                  <a:tcPr marL="148887" marR="148887" marT="74445" marB="74445">
+                    <a:lnL w="12700" cap="flat" cmpd="sng" algn="ctr">
+                      <a:solidFill>
+                        <a:schemeClr val="accent1"/>
+                      </a:solidFill>
+                      <a:prstDash val="solid"/>
+                      <a:round/>
+                      <a:headEnd type="none" w="med" len="med"/>
+                      <a:tailEnd type="none" w="med" len="med"/>
+                    </a:lnL>
+                    <a:lnR w="12700" cap="flat" cmpd="sng" algn="ctr">
+                      <a:solidFill>
+                        <a:schemeClr val="accent1"/>
+                      </a:solidFill>
+                      <a:prstDash val="solid"/>
+                      <a:round/>
+                      <a:headEnd type="none" w="med" len="med"/>
+                      <a:tailEnd type="none" w="med" len="med"/>
+                    </a:lnR>
+                    <a:lnT w="12700" cap="flat" cmpd="sng" algn="ctr">
+                      <a:solidFill>
+                        <a:schemeClr val="accent1"/>
+                      </a:solidFill>
+                      <a:prstDash val="solid"/>
+                      <a:round/>
+                      <a:headEnd type="none" w="med" len="med"/>
+                      <a:tailEnd type="none" w="med" len="med"/>
+                    </a:lnT>
+                    <a:lnB w="12700" cap="flat" cmpd="sng" algn="ctr">
+                      <a:solidFill>
+                        <a:schemeClr val="accent1"/>
+                      </a:solidFill>
+                      <a:prstDash val="solid"/>
+                      <a:round/>
+                      <a:headEnd type="none" w="med" len="med"/>
+                      <a:tailEnd type="none" w="med" len="med"/>
+                    </a:lnB>
+                    <a:lnTlToBr w="12700" cmpd="sng">
+                      <a:noFill/>
+                      <a:prstDash val="solid"/>
+                    </a:lnTlToBr>
+                    <a:lnBlToTr w="12700" cmpd="sng">
+                      <a:noFill/>
+                      <a:prstDash val="solid"/>
+                    </a:lnBlToTr>
+                  </a:tcPr>
+                </a:tc>
+                <a:extLst>
+                  <a:ext uri="{0D108BD9-81ED-4DB2-BD59-A6C34878D82A}">
+                    <a16:rowId xmlns:a16="http://schemas.microsoft.com/office/drawing/2014/main" val="1060528281"/>
+                  </a:ext>
+                </a:extLst>
+              </a:tr>
+              <a:tr h="575903">
+                <a:tc>
+                  <a:txBody>
+                    <a:bodyPr/>
+                    <a:lstStyle/>
+                    <a:p>
+                      <a:pPr marL="0" marR="0" lvl="0" indent="0" algn="ctr" defTabSz="914400" rtl="0" eaLnBrk="1" fontAlgn="auto" latinLnBrk="0" hangingPunct="1">
+                        <a:lnSpc>
+                          <a:spcPct val="100000"/>
+                        </a:lnSpc>
+                        <a:spcBef>
+                          <a:spcPts val="0"/>
+                        </a:spcBef>
+                        <a:spcAft>
+                          <a:spcPts val="0"/>
+                        </a:spcAft>
+                        <a:buClrTx/>
+                        <a:buSzTx/>
+                        <a:buFontTx/>
+                        <a:buNone/>
+                        <a:tabLst/>
+                        <a:defRPr/>
+                      </a:pPr>
+                      <a:r>
+                        <a:rPr lang="pt-PT" sz="1700" dirty="0">
+                          <a:solidFill>
+                            <a:srgbClr val="0070C0"/>
+                          </a:solidFill>
+                          <a:effectLst>
+                            <a:outerShdw blurRad="50800" dist="38100" dir="2700000" algn="tl" rotWithShape="0">
+                              <a:prstClr val="black">
+                                <a:alpha val="40000"/>
+                              </a:prstClr>
+                            </a:outerShdw>
+                          </a:effectLst>
+                        </a:rPr>
+                        <a:t>Fórmula</a:t>
+                      </a:r>
+                      <a:endParaRPr lang="en-US" sz="1700" dirty="0"/>
+                    </a:p>
+                  </a:txBody>
+                  <a:tcPr marL="148887" marR="148887" marT="74445" marB="74445">
+                    <a:lnL w="12700" cap="flat" cmpd="sng" algn="ctr">
+                      <a:solidFill>
+                        <a:schemeClr val="accent1"/>
+                      </a:solidFill>
+                      <a:prstDash val="solid"/>
+                      <a:round/>
+                      <a:headEnd type="none" w="med" len="med"/>
+                      <a:tailEnd type="none" w="med" len="med"/>
+                    </a:lnL>
+                    <a:lnR w="12700" cap="flat" cmpd="sng" algn="ctr">
+                      <a:solidFill>
+                        <a:schemeClr val="accent1"/>
+                      </a:solidFill>
+                      <a:prstDash val="solid"/>
+                      <a:round/>
+                      <a:headEnd type="none" w="med" len="med"/>
+                      <a:tailEnd type="none" w="med" len="med"/>
+                    </a:lnR>
+                    <a:lnT w="12700" cap="flat" cmpd="sng" algn="ctr">
+                      <a:solidFill>
+                        <a:schemeClr val="accent1"/>
+                      </a:solidFill>
+                      <a:prstDash val="solid"/>
+                      <a:round/>
+                      <a:headEnd type="none" w="med" len="med"/>
+                      <a:tailEnd type="none" w="med" len="med"/>
+                    </a:lnT>
+                    <a:lnB w="12700" cap="flat" cmpd="sng" algn="ctr">
+                      <a:solidFill>
+                        <a:schemeClr val="accent1"/>
+                      </a:solidFill>
+                      <a:prstDash val="solid"/>
+                      <a:round/>
+                      <a:headEnd type="none" w="med" len="med"/>
+                      <a:tailEnd type="none" w="med" len="med"/>
+                    </a:lnB>
+                    <a:lnTlToBr w="12700" cmpd="sng">
+                      <a:noFill/>
+                      <a:prstDash val="solid"/>
+                    </a:lnTlToBr>
+                    <a:lnBlToTr w="12700" cmpd="sng">
+                      <a:noFill/>
+                      <a:prstDash val="solid"/>
+                    </a:lnBlToTr>
+                  </a:tcPr>
+                </a:tc>
+                <a:tc>
+                  <a:txBody>
+                    <a:bodyPr/>
+                    <a:lstStyle/>
+                    <a:p>
+                      <a:endParaRPr lang="en-US" sz="2900" dirty="0"/>
+                    </a:p>
+                  </a:txBody>
+                  <a:tcPr marL="148887" marR="148887" marT="74445" marB="74445">
+                    <a:lnL w="12700" cap="flat" cmpd="sng" algn="ctr">
+                      <a:solidFill>
+                        <a:schemeClr val="accent1"/>
+                      </a:solidFill>
+                      <a:prstDash val="solid"/>
+                      <a:round/>
+                      <a:headEnd type="none" w="med" len="med"/>
+                      <a:tailEnd type="none" w="med" len="med"/>
+                    </a:lnL>
+                    <a:lnR w="12700" cap="flat" cmpd="sng" algn="ctr">
+                      <a:solidFill>
+                        <a:schemeClr val="accent1"/>
+                      </a:solidFill>
+                      <a:prstDash val="solid"/>
+                      <a:round/>
+                      <a:headEnd type="none" w="med" len="med"/>
+                      <a:tailEnd type="none" w="med" len="med"/>
+                    </a:lnR>
+                    <a:lnT w="12700" cap="flat" cmpd="sng" algn="ctr">
+                      <a:solidFill>
+                        <a:schemeClr val="accent1"/>
+                      </a:solidFill>
+                      <a:prstDash val="solid"/>
+                      <a:round/>
+                      <a:headEnd type="none" w="med" len="med"/>
+                      <a:tailEnd type="none" w="med" len="med"/>
+                    </a:lnT>
+                    <a:lnB w="12700" cap="flat" cmpd="sng" algn="ctr">
+                      <a:solidFill>
+                        <a:schemeClr val="accent1"/>
+                      </a:solidFill>
+                      <a:prstDash val="solid"/>
+                      <a:round/>
+                      <a:headEnd type="none" w="med" len="med"/>
+                      <a:tailEnd type="none" w="med" len="med"/>
+                    </a:lnB>
+                    <a:lnTlToBr w="12700" cmpd="sng">
+                      <a:noFill/>
+                      <a:prstDash val="solid"/>
+                    </a:lnTlToBr>
+                    <a:lnBlToTr w="12700" cmpd="sng">
+                      <a:noFill/>
+                      <a:prstDash val="solid"/>
+                    </a:lnBlToTr>
+                  </a:tcPr>
+                </a:tc>
+                <a:tc>
+                  <a:txBody>
+                    <a:bodyPr/>
+                    <a:lstStyle/>
+                    <a:p>
+                      <a:pPr algn="ctr"/>
+                      <a:r>
+                        <a:rPr lang="pt-PT" sz="1600" dirty="0"/>
+                        <a:t>stab.glu^2 + ratio</a:t>
+                      </a:r>
+                      <a:endParaRPr lang="en-US" sz="1600" dirty="0"/>
+                    </a:p>
+                  </a:txBody>
+                  <a:tcPr marL="148887" marR="148887" marT="74445" marB="74445">
+                    <a:lnL w="12700" cap="flat" cmpd="sng" algn="ctr">
+                      <a:solidFill>
+                        <a:schemeClr val="accent1"/>
+                      </a:solidFill>
+                      <a:prstDash val="solid"/>
+                      <a:round/>
+                      <a:headEnd type="none" w="med" len="med"/>
+                      <a:tailEnd type="none" w="med" len="med"/>
+                    </a:lnL>
+                    <a:lnR w="12700" cap="flat" cmpd="sng" algn="ctr">
+                      <a:solidFill>
+                        <a:schemeClr val="accent1"/>
+                      </a:solidFill>
+                      <a:prstDash val="solid"/>
+                      <a:round/>
+                      <a:headEnd type="none" w="med" len="med"/>
+                      <a:tailEnd type="none" w="med" len="med"/>
+                    </a:lnR>
+                    <a:lnT w="12700" cap="flat" cmpd="sng" algn="ctr">
+                      <a:solidFill>
+                        <a:schemeClr val="accent1"/>
+                      </a:solidFill>
+                      <a:prstDash val="solid"/>
+                      <a:round/>
+                      <a:headEnd type="none" w="med" len="med"/>
+                      <a:tailEnd type="none" w="med" len="med"/>
+                    </a:lnT>
+                    <a:lnB w="12700" cap="flat" cmpd="sng" algn="ctr">
+                      <a:solidFill>
+                        <a:schemeClr val="accent1"/>
+                      </a:solidFill>
+                      <a:prstDash val="solid"/>
+                      <a:round/>
+                      <a:headEnd type="none" w="med" len="med"/>
+                      <a:tailEnd type="none" w="med" len="med"/>
+                    </a:lnB>
+                    <a:lnTlToBr w="12700" cmpd="sng">
+                      <a:noFill/>
+                      <a:prstDash val="solid"/>
+                    </a:lnTlToBr>
+                    <a:lnBlToTr w="12700" cmpd="sng">
+                      <a:noFill/>
+                      <a:prstDash val="solid"/>
+                    </a:lnBlToTr>
+                  </a:tcPr>
+                </a:tc>
+                <a:tc>
+                  <a:txBody>
+                    <a:bodyPr/>
+                    <a:lstStyle/>
+                    <a:p>
+                      <a:pPr algn="ctr"/>
+                      <a:r>
+                        <a:rPr lang="pt-PT" sz="1600" dirty="0"/>
+                        <a:t>stab.glu + age + bp.1s</a:t>
+                      </a:r>
+                      <a:endParaRPr lang="en-US" sz="1600" dirty="0"/>
+                    </a:p>
+                  </a:txBody>
+                  <a:tcPr marL="148887" marR="148887" marT="74445" marB="74445">
+                    <a:lnL w="12700" cap="flat" cmpd="sng" algn="ctr">
+                      <a:solidFill>
+                        <a:schemeClr val="accent1"/>
+                      </a:solidFill>
+                      <a:prstDash val="solid"/>
+                      <a:round/>
+                      <a:headEnd type="none" w="med" len="med"/>
+                      <a:tailEnd type="none" w="med" len="med"/>
+                    </a:lnL>
+                    <a:lnR w="12700" cap="flat" cmpd="sng" algn="ctr">
+                      <a:solidFill>
+                        <a:schemeClr val="accent1"/>
+                      </a:solidFill>
+                      <a:prstDash val="solid"/>
+                      <a:round/>
+                      <a:headEnd type="none" w="med" len="med"/>
+                      <a:tailEnd type="none" w="med" len="med"/>
+                    </a:lnR>
+                    <a:lnT w="12700" cap="flat" cmpd="sng" algn="ctr">
+                      <a:solidFill>
+                        <a:schemeClr val="accent1"/>
+                      </a:solidFill>
+                      <a:prstDash val="solid"/>
+                      <a:round/>
+                      <a:headEnd type="none" w="med" len="med"/>
+                      <a:tailEnd type="none" w="med" len="med"/>
+                    </a:lnT>
+                    <a:lnB w="12700" cap="flat" cmpd="sng" algn="ctr">
+                      <a:solidFill>
+                        <a:schemeClr val="accent1"/>
+                      </a:solidFill>
+                      <a:prstDash val="solid"/>
+                      <a:round/>
+                      <a:headEnd type="none" w="med" len="med"/>
+                      <a:tailEnd type="none" w="med" len="med"/>
+                    </a:lnB>
+                    <a:lnTlToBr w="12700" cmpd="sng">
+                      <a:noFill/>
+                      <a:prstDash val="solid"/>
+                    </a:lnTlToBr>
+                    <a:lnBlToTr w="12700" cmpd="sng">
+                      <a:noFill/>
+                      <a:prstDash val="solid"/>
+                    </a:lnBlToTr>
+                  </a:tcPr>
+                </a:tc>
+                <a:extLst>
+                  <a:ext uri="{0D108BD9-81ED-4DB2-BD59-A6C34878D82A}">
+                    <a16:rowId xmlns:a16="http://schemas.microsoft.com/office/drawing/2014/main" val="2462183875"/>
+                  </a:ext>
+                </a:extLst>
+              </a:tr>
+              <a:tr h="575903">
+                <a:tc>
+                  <a:txBody>
+                    <a:bodyPr/>
+                    <a:lstStyle/>
+                    <a:p>
+                      <a:pPr marL="0" marR="0" lvl="0" indent="0" algn="ctr" defTabSz="914400" rtl="0" eaLnBrk="1" fontAlgn="auto" latinLnBrk="0" hangingPunct="1">
+                        <a:lnSpc>
+                          <a:spcPct val="100000"/>
+                        </a:lnSpc>
+                        <a:spcBef>
+                          <a:spcPts val="0"/>
+                        </a:spcBef>
+                        <a:spcAft>
+                          <a:spcPts val="0"/>
+                        </a:spcAft>
+                        <a:buClrTx/>
+                        <a:buSzTx/>
+                        <a:buFontTx/>
+                        <a:buNone/>
+                        <a:tabLst/>
+                        <a:defRPr/>
+                      </a:pPr>
+                      <a:r>
+                        <a:rPr kumimoji="0" lang="pt-PT" sz="1700" b="0" i="0" u="none" strike="noStrike" kern="1200" cap="none" spc="0" normalizeH="0" baseline="0" noProof="0" dirty="0">
+                          <a:ln>
+                            <a:noFill/>
+                          </a:ln>
+                          <a:solidFill>
+                            <a:srgbClr val="0070C0"/>
+                          </a:solidFill>
+                          <a:effectLst>
+                            <a:outerShdw blurRad="50800" dist="38100" dir="2700000" algn="tl" rotWithShape="0">
+                              <a:prstClr val="black">
+                                <a:alpha val="40000"/>
+                              </a:prstClr>
+                            </a:outerShdw>
+                          </a:effectLst>
+                          <a:uLnTx/>
+                          <a:uFillTx/>
+                          <a:latin typeface="+mn-lt"/>
+                          <a:ea typeface="+mn-ea"/>
+                          <a:cs typeface="+mn-cs"/>
+                        </a:rPr>
+                        <a:t>Threshold</a:t>
+                      </a:r>
+                      <a:endParaRPr kumimoji="0" lang="en-US" sz="1700" b="0" i="0" u="none" strike="noStrike" kern="1200" cap="none" spc="0" normalizeH="0" baseline="0" noProof="0" dirty="0">
+                        <a:ln>
+                          <a:noFill/>
+                        </a:ln>
+                        <a:solidFill>
+                          <a:prstClr val="black"/>
+                        </a:solidFill>
+                        <a:effectLst/>
+                        <a:uLnTx/>
+                        <a:uFillTx/>
+                        <a:latin typeface="+mn-lt"/>
+                        <a:ea typeface="+mn-ea"/>
+                        <a:cs typeface="+mn-cs"/>
+                      </a:endParaRPr>
+                    </a:p>
+                  </a:txBody>
+                  <a:tcPr marL="148887" marR="148887" marT="74445" marB="74445">
+                    <a:lnL w="12700" cap="flat" cmpd="sng" algn="ctr">
+                      <a:solidFill>
+                        <a:schemeClr val="accent1"/>
+                      </a:solidFill>
+                      <a:prstDash val="solid"/>
+                      <a:round/>
+                      <a:headEnd type="none" w="med" len="med"/>
+                      <a:tailEnd type="none" w="med" len="med"/>
+                    </a:lnL>
+                    <a:lnR w="12700" cap="flat" cmpd="sng" algn="ctr">
+                      <a:solidFill>
+                        <a:schemeClr val="accent1"/>
+                      </a:solidFill>
+                      <a:prstDash val="solid"/>
+                      <a:round/>
+                      <a:headEnd type="none" w="med" len="med"/>
+                      <a:tailEnd type="none" w="med" len="med"/>
+                    </a:lnR>
+                    <a:lnT w="12700" cap="flat" cmpd="sng" algn="ctr">
+                      <a:solidFill>
+                        <a:schemeClr val="accent1"/>
+                      </a:solidFill>
+                      <a:prstDash val="solid"/>
+                      <a:round/>
+                      <a:headEnd type="none" w="med" len="med"/>
+                      <a:tailEnd type="none" w="med" len="med"/>
+                    </a:lnT>
+                    <a:lnB w="12700" cap="flat" cmpd="sng" algn="ctr">
+                      <a:solidFill>
+                        <a:schemeClr val="accent1"/>
+                      </a:solidFill>
+                      <a:prstDash val="solid"/>
+                      <a:round/>
+                      <a:headEnd type="none" w="med" len="med"/>
+                      <a:tailEnd type="none" w="med" len="med"/>
+                    </a:lnB>
+                    <a:lnTlToBr w="12700" cmpd="sng">
+                      <a:noFill/>
+                      <a:prstDash val="solid"/>
+                    </a:lnTlToBr>
+                    <a:lnBlToTr w="12700" cmpd="sng">
+                      <a:noFill/>
+                      <a:prstDash val="solid"/>
+                    </a:lnBlToTr>
+                  </a:tcPr>
+                </a:tc>
+                <a:tc>
+                  <a:txBody>
+                    <a:bodyPr/>
+                    <a:lstStyle/>
+                    <a:p>
+                      <a:endParaRPr lang="en-US" sz="2900" dirty="0"/>
+                    </a:p>
+                  </a:txBody>
+                  <a:tcPr marL="148887" marR="148887" marT="74445" marB="74445">
+                    <a:lnL w="12700" cap="flat" cmpd="sng" algn="ctr">
+                      <a:solidFill>
+                        <a:schemeClr val="accent1"/>
+                      </a:solidFill>
+                      <a:prstDash val="solid"/>
+                      <a:round/>
+                      <a:headEnd type="none" w="med" len="med"/>
+                      <a:tailEnd type="none" w="med" len="med"/>
+                    </a:lnL>
+                    <a:lnR w="12700" cap="flat" cmpd="sng" algn="ctr">
+                      <a:solidFill>
+                        <a:schemeClr val="accent1"/>
+                      </a:solidFill>
+                      <a:prstDash val="solid"/>
+                      <a:round/>
+                      <a:headEnd type="none" w="med" len="med"/>
+                      <a:tailEnd type="none" w="med" len="med"/>
+                    </a:lnR>
+                    <a:lnT w="12700" cap="flat" cmpd="sng" algn="ctr">
+                      <a:solidFill>
+                        <a:schemeClr val="accent1"/>
+                      </a:solidFill>
+                      <a:prstDash val="solid"/>
+                      <a:round/>
+                      <a:headEnd type="none" w="med" len="med"/>
+                      <a:tailEnd type="none" w="med" len="med"/>
+                    </a:lnT>
+                    <a:lnB w="12700" cap="flat" cmpd="sng" algn="ctr">
+                      <a:solidFill>
+                        <a:schemeClr val="accent1"/>
+                      </a:solidFill>
+                      <a:prstDash val="solid"/>
+                      <a:round/>
+                      <a:headEnd type="none" w="med" len="med"/>
+                      <a:tailEnd type="none" w="med" len="med"/>
+                    </a:lnB>
+                    <a:lnTlToBr w="12700" cmpd="sng">
+                      <a:noFill/>
+                      <a:prstDash val="solid"/>
+                    </a:lnTlToBr>
+                    <a:lnBlToTr w="12700" cmpd="sng">
+                      <a:noFill/>
+                      <a:prstDash val="solid"/>
+                    </a:lnBlToTr>
+                  </a:tcPr>
+                </a:tc>
+                <a:tc>
+                  <a:txBody>
+                    <a:bodyPr/>
+                    <a:lstStyle/>
+                    <a:p>
+                      <a:pPr algn="ctr"/>
+                      <a:r>
+                        <a:rPr lang="pt-PT" sz="1600" dirty="0"/>
+                        <a:t>0.39</a:t>
+                      </a:r>
+                      <a:endParaRPr lang="en-US" sz="1600" dirty="0"/>
+                    </a:p>
+                  </a:txBody>
+                  <a:tcPr marL="148887" marR="148887" marT="74445" marB="74445">
+                    <a:lnL w="12700" cap="flat" cmpd="sng" algn="ctr">
+                      <a:solidFill>
+                        <a:schemeClr val="accent1"/>
+                      </a:solidFill>
+                      <a:prstDash val="solid"/>
+                      <a:round/>
+                      <a:headEnd type="none" w="med" len="med"/>
+                      <a:tailEnd type="none" w="med" len="med"/>
+                    </a:lnL>
+                    <a:lnR w="12700" cap="flat" cmpd="sng" algn="ctr">
+                      <a:solidFill>
+                        <a:schemeClr val="accent1"/>
+                      </a:solidFill>
+                      <a:prstDash val="solid"/>
+                      <a:round/>
+                      <a:headEnd type="none" w="med" len="med"/>
+                      <a:tailEnd type="none" w="med" len="med"/>
+                    </a:lnR>
+                    <a:lnT w="12700" cap="flat" cmpd="sng" algn="ctr">
+                      <a:solidFill>
+                        <a:schemeClr val="accent1"/>
+                      </a:solidFill>
+                      <a:prstDash val="solid"/>
+                      <a:round/>
+                      <a:headEnd type="none" w="med" len="med"/>
+                      <a:tailEnd type="none" w="med" len="med"/>
+                    </a:lnT>
+                    <a:lnB w="12700" cap="flat" cmpd="sng" algn="ctr">
+                      <a:solidFill>
+                        <a:schemeClr val="accent1"/>
+                      </a:solidFill>
+                      <a:prstDash val="solid"/>
+                      <a:round/>
+                      <a:headEnd type="none" w="med" len="med"/>
+                      <a:tailEnd type="none" w="med" len="med"/>
+                    </a:lnB>
+                    <a:lnTlToBr w="12700" cmpd="sng">
+                      <a:noFill/>
+                      <a:prstDash val="solid"/>
+                    </a:lnTlToBr>
+                    <a:lnBlToTr w="12700" cmpd="sng">
+                      <a:noFill/>
+                      <a:prstDash val="solid"/>
+                    </a:lnBlToTr>
+                  </a:tcPr>
+                </a:tc>
+                <a:tc>
+                  <a:txBody>
+                    <a:bodyPr/>
+                    <a:lstStyle/>
+                    <a:p>
+                      <a:pPr algn="ctr"/>
+                      <a:r>
+                        <a:rPr lang="pt-PT" sz="1600" dirty="0"/>
+                        <a:t>K=10</a:t>
+                      </a:r>
+                      <a:endParaRPr lang="en-US" sz="1600" dirty="0"/>
+                    </a:p>
+                  </a:txBody>
+                  <a:tcPr marL="148887" marR="148887" marT="74445" marB="74445">
+                    <a:lnL w="12700" cap="flat" cmpd="sng" algn="ctr">
+                      <a:solidFill>
+                        <a:schemeClr val="accent1"/>
+                      </a:solidFill>
+                      <a:prstDash val="solid"/>
+                      <a:round/>
+                      <a:headEnd type="none" w="med" len="med"/>
+                      <a:tailEnd type="none" w="med" len="med"/>
+                    </a:lnL>
+                    <a:lnR w="12700" cap="flat" cmpd="sng" algn="ctr">
+                      <a:solidFill>
+                        <a:schemeClr val="accent1"/>
+                      </a:solidFill>
+                      <a:prstDash val="solid"/>
+                      <a:round/>
+                      <a:headEnd type="none" w="med" len="med"/>
+                      <a:tailEnd type="none" w="med" len="med"/>
+                    </a:lnR>
+                    <a:lnT w="12700" cap="flat" cmpd="sng" algn="ctr">
+                      <a:solidFill>
+                        <a:schemeClr val="accent1"/>
+                      </a:solidFill>
+                      <a:prstDash val="solid"/>
+                      <a:round/>
+                      <a:headEnd type="none" w="med" len="med"/>
+                      <a:tailEnd type="none" w="med" len="med"/>
+                    </a:lnT>
+                    <a:lnB w="12700" cap="flat" cmpd="sng" algn="ctr">
+                      <a:solidFill>
+                        <a:schemeClr val="accent1"/>
+                      </a:solidFill>
+                      <a:prstDash val="solid"/>
+                      <a:round/>
+                      <a:headEnd type="none" w="med" len="med"/>
+                      <a:tailEnd type="none" w="med" len="med"/>
+                    </a:lnB>
+                    <a:lnTlToBr w="12700" cmpd="sng">
+                      <a:noFill/>
+                      <a:prstDash val="solid"/>
+                    </a:lnTlToBr>
+                    <a:lnBlToTr w="12700" cmpd="sng">
+                      <a:noFill/>
+                      <a:prstDash val="solid"/>
+                    </a:lnBlToTr>
+                  </a:tcPr>
+                </a:tc>
+                <a:extLst>
+                  <a:ext uri="{0D108BD9-81ED-4DB2-BD59-A6C34878D82A}">
+                    <a16:rowId xmlns:a16="http://schemas.microsoft.com/office/drawing/2014/main" val="732742085"/>
+                  </a:ext>
+                </a:extLst>
+              </a:tr>
+              <a:tr h="575903">
+                <a:tc>
+                  <a:txBody>
+                    <a:bodyPr/>
+                    <a:lstStyle/>
+                    <a:p>
+                      <a:pPr marL="0" marR="0" lvl="0" indent="0" algn="ctr" defTabSz="914400" rtl="0" eaLnBrk="1" fontAlgn="auto" latinLnBrk="0" hangingPunct="1">
+                        <a:lnSpc>
+                          <a:spcPct val="100000"/>
+                        </a:lnSpc>
+                        <a:spcBef>
+                          <a:spcPts val="0"/>
+                        </a:spcBef>
+                        <a:spcAft>
+                          <a:spcPts val="0"/>
+                        </a:spcAft>
+                        <a:buClrTx/>
+                        <a:buSzTx/>
+                        <a:buFontTx/>
+                        <a:buNone/>
+                        <a:tabLst/>
+                        <a:defRPr/>
+                      </a:pPr>
+                      <a:r>
+                        <a:rPr kumimoji="0" lang="pt-PT" sz="1700" b="0" i="0" u="none" strike="noStrike" kern="1200" cap="none" spc="0" normalizeH="0" baseline="0" noProof="0" dirty="0">
+                          <a:ln>
+                            <a:noFill/>
+                          </a:ln>
+                          <a:solidFill>
+                            <a:srgbClr val="0070C0"/>
+                          </a:solidFill>
+                          <a:effectLst>
+                            <a:outerShdw blurRad="50800" dist="38100" dir="2700000" algn="tl" rotWithShape="0">
+                              <a:prstClr val="black">
+                                <a:alpha val="40000"/>
+                              </a:prstClr>
+                            </a:outerShdw>
+                          </a:effectLst>
+                          <a:uLnTx/>
+                          <a:uFillTx/>
+                          <a:latin typeface="+mn-lt"/>
+                          <a:ea typeface="+mn-ea"/>
+                          <a:cs typeface="+mn-cs"/>
+                        </a:rPr>
+                        <a:t>Erro ponderado</a:t>
+                      </a:r>
+                      <a:endParaRPr kumimoji="0" lang="en-US" sz="1700" b="0" i="0" u="none" strike="noStrike" kern="1200" cap="none" spc="0" normalizeH="0" baseline="0" noProof="0" dirty="0">
+                        <a:ln>
+                          <a:noFill/>
+                        </a:ln>
+                        <a:solidFill>
+                          <a:prstClr val="black"/>
+                        </a:solidFill>
+                        <a:effectLst/>
+                        <a:uLnTx/>
+                        <a:uFillTx/>
+                        <a:latin typeface="+mn-lt"/>
+                        <a:ea typeface="+mn-ea"/>
+                        <a:cs typeface="+mn-cs"/>
+                      </a:endParaRPr>
+                    </a:p>
+                  </a:txBody>
+                  <a:tcPr marL="148887" marR="148887" marT="74445" marB="74445">
+                    <a:lnL w="12700" cap="flat" cmpd="sng" algn="ctr">
+                      <a:solidFill>
+                        <a:schemeClr val="accent1"/>
+                      </a:solidFill>
+                      <a:prstDash val="solid"/>
+                      <a:round/>
+                      <a:headEnd type="none" w="med" len="med"/>
+                      <a:tailEnd type="none" w="med" len="med"/>
+                    </a:lnL>
+                    <a:lnR w="12700" cap="flat" cmpd="sng" algn="ctr">
+                      <a:solidFill>
+                        <a:schemeClr val="accent1"/>
+                      </a:solidFill>
+                      <a:prstDash val="solid"/>
+                      <a:round/>
+                      <a:headEnd type="none" w="med" len="med"/>
+                      <a:tailEnd type="none" w="med" len="med"/>
+                    </a:lnR>
+                    <a:lnT w="12700" cap="flat" cmpd="sng" algn="ctr">
+                      <a:solidFill>
+                        <a:schemeClr val="accent1"/>
+                      </a:solidFill>
+                      <a:prstDash val="solid"/>
+                      <a:round/>
+                      <a:headEnd type="none" w="med" len="med"/>
+                      <a:tailEnd type="none" w="med" len="med"/>
+                    </a:lnT>
+                    <a:lnB w="12700" cap="flat" cmpd="sng" algn="ctr">
+                      <a:solidFill>
+                        <a:schemeClr val="accent1"/>
+                      </a:solidFill>
+                      <a:prstDash val="solid"/>
+                      <a:round/>
+                      <a:headEnd type="none" w="med" len="med"/>
+                      <a:tailEnd type="none" w="med" len="med"/>
+                    </a:lnB>
+                    <a:lnTlToBr w="12700" cmpd="sng">
+                      <a:noFill/>
+                      <a:prstDash val="solid"/>
+                    </a:lnTlToBr>
+                    <a:lnBlToTr w="12700" cmpd="sng">
+                      <a:noFill/>
+                      <a:prstDash val="solid"/>
+                    </a:lnBlToTr>
+                  </a:tcPr>
+                </a:tc>
+                <a:tc>
+                  <a:txBody>
+                    <a:bodyPr/>
+                    <a:lstStyle/>
+                    <a:p>
+                      <a:endParaRPr lang="en-US" sz="2900"/>
+                    </a:p>
+                  </a:txBody>
+                  <a:tcPr marL="148887" marR="148887" marT="74445" marB="74445">
+                    <a:lnL w="12700" cap="flat" cmpd="sng" algn="ctr">
+                      <a:solidFill>
+                        <a:schemeClr val="accent1"/>
+                      </a:solidFill>
+                      <a:prstDash val="solid"/>
+                      <a:round/>
+                      <a:headEnd type="none" w="med" len="med"/>
+                      <a:tailEnd type="none" w="med" len="med"/>
+                    </a:lnL>
+                    <a:lnR w="12700" cap="flat" cmpd="sng" algn="ctr">
+                      <a:solidFill>
+                        <a:schemeClr val="accent1"/>
+                      </a:solidFill>
+                      <a:prstDash val="solid"/>
+                      <a:round/>
+                      <a:headEnd type="none" w="med" len="med"/>
+                      <a:tailEnd type="none" w="med" len="med"/>
+                    </a:lnR>
+                    <a:lnT w="12700" cap="flat" cmpd="sng" algn="ctr">
+                      <a:solidFill>
+                        <a:schemeClr val="accent1"/>
+                      </a:solidFill>
+                      <a:prstDash val="solid"/>
+                      <a:round/>
+                      <a:headEnd type="none" w="med" len="med"/>
+                      <a:tailEnd type="none" w="med" len="med"/>
+                    </a:lnT>
+                    <a:lnB w="12700" cap="flat" cmpd="sng" algn="ctr">
+                      <a:solidFill>
+                        <a:schemeClr val="accent1"/>
+                      </a:solidFill>
+                      <a:prstDash val="solid"/>
+                      <a:round/>
+                      <a:headEnd type="none" w="med" len="med"/>
+                      <a:tailEnd type="none" w="med" len="med"/>
+                    </a:lnB>
+                    <a:lnTlToBr w="12700" cmpd="sng">
+                      <a:noFill/>
+                      <a:prstDash val="solid"/>
+                    </a:lnTlToBr>
+                    <a:lnBlToTr w="12700" cmpd="sng">
+                      <a:noFill/>
+                      <a:prstDash val="solid"/>
+                    </a:lnBlToTr>
+                  </a:tcPr>
+                </a:tc>
+                <a:tc>
+                  <a:txBody>
+                    <a:bodyPr/>
+                    <a:lstStyle/>
+                    <a:p>
+                      <a:pPr algn="ctr"/>
+                      <a:r>
+                        <a:rPr lang="pt-PT" sz="1600" b="1" dirty="0"/>
+                        <a:t>3.5714</a:t>
+                      </a:r>
+                      <a:endParaRPr lang="en-US" sz="1600" b="1" dirty="0"/>
+                    </a:p>
+                  </a:txBody>
+                  <a:tcPr marL="148887" marR="148887" marT="74445" marB="74445">
+                    <a:lnL w="12700" cap="flat" cmpd="sng" algn="ctr">
+                      <a:solidFill>
+                        <a:schemeClr val="accent1"/>
+                      </a:solidFill>
+                      <a:prstDash val="solid"/>
+                      <a:round/>
+                      <a:headEnd type="none" w="med" len="med"/>
+                      <a:tailEnd type="none" w="med" len="med"/>
+                    </a:lnL>
+                    <a:lnR w="12700" cap="flat" cmpd="sng" algn="ctr">
+                      <a:solidFill>
+                        <a:schemeClr val="accent1"/>
+                      </a:solidFill>
+                      <a:prstDash val="solid"/>
+                      <a:round/>
+                      <a:headEnd type="none" w="med" len="med"/>
+                      <a:tailEnd type="none" w="med" len="med"/>
+                    </a:lnR>
+                    <a:lnT w="12700" cap="flat" cmpd="sng" algn="ctr">
+                      <a:solidFill>
+                        <a:schemeClr val="accent1"/>
+                      </a:solidFill>
+                      <a:prstDash val="solid"/>
+                      <a:round/>
+                      <a:headEnd type="none" w="med" len="med"/>
+                      <a:tailEnd type="none" w="med" len="med"/>
+                    </a:lnT>
+                    <a:lnB w="12700" cap="flat" cmpd="sng" algn="ctr">
+                      <a:solidFill>
+                        <a:schemeClr val="accent1"/>
+                      </a:solidFill>
+                      <a:prstDash val="solid"/>
+                      <a:round/>
+                      <a:headEnd type="none" w="med" len="med"/>
+                      <a:tailEnd type="none" w="med" len="med"/>
+                    </a:lnB>
+                    <a:lnTlToBr w="12700" cmpd="sng">
+                      <a:noFill/>
+                      <a:prstDash val="solid"/>
+                    </a:lnTlToBr>
+                    <a:lnBlToTr w="12700" cmpd="sng">
+                      <a:noFill/>
+                      <a:prstDash val="solid"/>
+                    </a:lnBlToTr>
+                  </a:tcPr>
+                </a:tc>
+                <a:tc>
+                  <a:txBody>
+                    <a:bodyPr/>
+                    <a:lstStyle/>
+                    <a:p>
+                      <a:pPr algn="ctr"/>
+                      <a:r>
+                        <a:rPr lang="pt-PT" sz="1600" dirty="0"/>
+                        <a:t>3.5320</a:t>
+                      </a:r>
+                      <a:endParaRPr lang="en-US" sz="1600" dirty="0"/>
+                    </a:p>
+                  </a:txBody>
+                  <a:tcPr marL="148887" marR="148887" marT="74445" marB="74445">
+                    <a:lnL w="12700" cap="flat" cmpd="sng" algn="ctr">
+                      <a:solidFill>
+                        <a:schemeClr val="accent1"/>
+                      </a:solidFill>
+                      <a:prstDash val="solid"/>
+                      <a:round/>
+                      <a:headEnd type="none" w="med" len="med"/>
+                      <a:tailEnd type="none" w="med" len="med"/>
+                    </a:lnL>
+                    <a:lnR w="12700" cap="flat" cmpd="sng" algn="ctr">
+                      <a:solidFill>
+                        <a:schemeClr val="accent1"/>
+                      </a:solidFill>
+                      <a:prstDash val="solid"/>
+                      <a:round/>
+                      <a:headEnd type="none" w="med" len="med"/>
+                      <a:tailEnd type="none" w="med" len="med"/>
+                    </a:lnR>
+                    <a:lnT w="12700" cap="flat" cmpd="sng" algn="ctr">
+                      <a:solidFill>
+                        <a:schemeClr val="accent1"/>
+                      </a:solidFill>
+                      <a:prstDash val="solid"/>
+                      <a:round/>
+                      <a:headEnd type="none" w="med" len="med"/>
+                      <a:tailEnd type="none" w="med" len="med"/>
+                    </a:lnT>
+                    <a:lnB w="12700" cap="flat" cmpd="sng" algn="ctr">
+                      <a:solidFill>
+                        <a:schemeClr val="accent1"/>
+                      </a:solidFill>
+                      <a:prstDash val="solid"/>
+                      <a:round/>
+                      <a:headEnd type="none" w="med" len="med"/>
+                      <a:tailEnd type="none" w="med" len="med"/>
+                    </a:lnB>
+                    <a:lnTlToBr w="12700" cmpd="sng">
+                      <a:noFill/>
+                      <a:prstDash val="solid"/>
+                    </a:lnTlToBr>
+                    <a:lnBlToTr w="12700" cmpd="sng">
+                      <a:noFill/>
+                      <a:prstDash val="solid"/>
+                    </a:lnBlToTr>
+                  </a:tcPr>
+                </a:tc>
+                <a:extLst>
+                  <a:ext uri="{0D108BD9-81ED-4DB2-BD59-A6C34878D82A}">
+                    <a16:rowId xmlns:a16="http://schemas.microsoft.com/office/drawing/2014/main" val="4116852139"/>
+                  </a:ext>
+                </a:extLst>
+              </a:tr>
+            </a:tbl>
+          </a:graphicData>
+        </a:graphic>
+      </p:graphicFrame>
+    </p:spTree>
+    <p:extLst>
+      <p:ext uri="{BB962C8B-B14F-4D97-AF65-F5344CB8AC3E}">
+        <p14:creationId xmlns:p14="http://schemas.microsoft.com/office/powerpoint/2010/main" val="1686305092"/>
+      </p:ext>
+    </p:extLst>
+  </p:cSld>
+  <p:clrMapOvr>
+    <a:masterClrMapping/>
+  </p:clrMapOvr>
+</p:sld>
+</file>
+
+<file path=ppt/slides/slide14.xml><?xml version="1.0" encoding="utf-8"?>
+<p:sld xmlns:a="http://schemas.openxmlformats.org/drawingml/2006/main" xmlns:r="http://schemas.openxmlformats.org/officeDocument/2006/relationships" xmlns:p="http://schemas.openxmlformats.org/presentationml/2006/main">
+  <p:cSld>
+    <p:spTree>
+      <p:nvGrpSpPr>
+        <p:cNvPr id="1" name=""/>
+        <p:cNvGrpSpPr/>
+        <p:nvPr/>
+      </p:nvGrpSpPr>
+      <p:grpSpPr>
+        <a:xfrm>
+          <a:off x="0" y="0"/>
+          <a:ext cx="0" cy="0"/>
+          <a:chOff x="0" y="0"/>
+          <a:chExt cx="0" cy="0"/>
+        </a:xfrm>
+      </p:grpSpPr>
+      <p:sp>
+        <p:nvSpPr>
+          <p:cNvPr id="2" name="Title 1">
+            <a:extLst>
+              <a:ext uri="{FF2B5EF4-FFF2-40B4-BE49-F238E27FC236}">
+                <a16:creationId xmlns:a16="http://schemas.microsoft.com/office/drawing/2014/main" id="{F8348270-ED52-4DD5-8FE2-B301CE5F63E3}"/>
+              </a:ext>
+            </a:extLst>
+          </p:cNvPr>
+          <p:cNvSpPr>
+            <a:spLocks noGrp="1"/>
+          </p:cNvSpPr>
+          <p:nvPr>
+            <p:ph type="title"/>
+          </p:nvPr>
+        </p:nvSpPr>
+        <p:spPr/>
+        <p:txBody>
+          <a:bodyPr>
+            <a:normAutofit fontScale="90000"/>
+          </a:bodyPr>
+          <a:lstStyle/>
+          <a:p>
+            <a:r>
+              <a:rPr lang="pt-PT" sz="2800" dirty="0"/>
+              <a:t>Seleção melhor modelo </a:t>
+            </a:r>
+            <a:br>
+              <a:rPr lang="pt-PT" sz="2000" dirty="0"/>
+            </a:br>
+            <a:r>
+              <a:rPr lang="pt-PT" sz="2000" dirty="0"/>
+              <a:t>(Teste e Treino)</a:t>
+            </a:r>
+            <a:endParaRPr lang="en-US" sz="2000" dirty="0"/>
+          </a:p>
+        </p:txBody>
+      </p:sp>
+      <p:graphicFrame>
+        <p:nvGraphicFramePr>
+          <p:cNvPr id="7" name="Table 6">
+            <a:extLst>
+              <a:ext uri="{FF2B5EF4-FFF2-40B4-BE49-F238E27FC236}">
+                <a16:creationId xmlns:a16="http://schemas.microsoft.com/office/drawing/2014/main" id="{B7512BE5-A204-4D03-9CCF-AA42968EC5CD}"/>
+              </a:ext>
+            </a:extLst>
+          </p:cNvPr>
+          <p:cNvGraphicFramePr>
+            <a:graphicFrameLocks noGrp="1"/>
+          </p:cNvGraphicFramePr>
+          <p:nvPr>
+            <p:extLst>
+              <p:ext uri="{D42A27DB-BD31-4B8C-83A1-F6EECF244321}">
+                <p14:modId xmlns:p14="http://schemas.microsoft.com/office/powerpoint/2010/main" val="4188036730"/>
+              </p:ext>
+            </p:extLst>
+          </p:nvPr>
+        </p:nvGraphicFramePr>
+        <p:xfrm>
+          <a:off x="448964" y="1808225"/>
+          <a:ext cx="8246072" cy="2364279"/>
+        </p:xfrm>
+        <a:graphic>
+          <a:graphicData uri="http://schemas.openxmlformats.org/drawingml/2006/table">
+            <a:tbl>
+              <a:tblPr firstRow="1" bandRow="1">
+                <a:tableStyleId>{3B4B98B0-60AC-42C2-AFA5-B58CD77FA1E5}</a:tableStyleId>
+              </a:tblPr>
+              <a:tblGrid>
+                <a:gridCol w="2061518">
+                  <a:extLst>
+                    <a:ext uri="{9D8B030D-6E8A-4147-A177-3AD203B41FA5}">
+                      <a16:colId xmlns:a16="http://schemas.microsoft.com/office/drawing/2014/main" val="350918994"/>
+                    </a:ext>
+                  </a:extLst>
+                </a:gridCol>
+                <a:gridCol w="2061518">
+                  <a:extLst>
+                    <a:ext uri="{9D8B030D-6E8A-4147-A177-3AD203B41FA5}">
+                      <a16:colId xmlns:a16="http://schemas.microsoft.com/office/drawing/2014/main" val="554453022"/>
+                    </a:ext>
+                  </a:extLst>
+                </a:gridCol>
+                <a:gridCol w="2061518">
+                  <a:extLst>
+                    <a:ext uri="{9D8B030D-6E8A-4147-A177-3AD203B41FA5}">
+                      <a16:colId xmlns:a16="http://schemas.microsoft.com/office/drawing/2014/main" val="4062502196"/>
+                    </a:ext>
+                  </a:extLst>
+                </a:gridCol>
+                <a:gridCol w="2061518">
+                  <a:extLst>
+                    <a:ext uri="{9D8B030D-6E8A-4147-A177-3AD203B41FA5}">
+                      <a16:colId xmlns:a16="http://schemas.microsoft.com/office/drawing/2014/main" val="2248031875"/>
+                    </a:ext>
+                  </a:extLst>
+                </a:gridCol>
+              </a:tblGrid>
+              <a:tr h="575903">
+                <a:tc>
+                  <a:txBody>
+                    <a:bodyPr/>
+                    <a:lstStyle/>
+                    <a:p>
+                      <a:pPr algn="ctr"/>
+                      <a:r>
+                        <a:rPr lang="pt-PT" sz="1700" dirty="0">
+                          <a:solidFill>
+                            <a:srgbClr val="0070C0"/>
+                          </a:solidFill>
+                          <a:effectLst>
+                            <a:outerShdw blurRad="50800" dist="38100" dir="2700000" algn="tl" rotWithShape="0">
+                              <a:prstClr val="black">
+                                <a:alpha val="40000"/>
+                              </a:prstClr>
+                            </a:outerShdw>
+                          </a:effectLst>
+                        </a:rPr>
+                        <a:t>Modelo</a:t>
+                      </a:r>
+                      <a:endParaRPr lang="en-US" sz="1700" dirty="0"/>
+                    </a:p>
+                  </a:txBody>
+                  <a:tcPr marL="148887" marR="148887" marT="74445" marB="74445">
+                    <a:lnL w="12700" cap="flat" cmpd="sng" algn="ctr">
+                      <a:solidFill>
+                        <a:schemeClr val="accent1"/>
+                      </a:solidFill>
+                      <a:prstDash val="solid"/>
+                      <a:round/>
+                      <a:headEnd type="none" w="med" len="med"/>
+                      <a:tailEnd type="none" w="med" len="med"/>
+                    </a:lnL>
+                    <a:lnR w="12700" cap="flat" cmpd="sng" algn="ctr">
+                      <a:solidFill>
+                        <a:schemeClr val="accent1"/>
+                      </a:solidFill>
+                      <a:prstDash val="solid"/>
+                      <a:round/>
+                      <a:headEnd type="none" w="med" len="med"/>
+                      <a:tailEnd type="none" w="med" len="med"/>
+                    </a:lnR>
+                    <a:lnT w="12700" cap="flat" cmpd="sng" algn="ctr">
+                      <a:solidFill>
+                        <a:schemeClr val="accent1"/>
+                      </a:solidFill>
+                      <a:prstDash val="solid"/>
+                      <a:round/>
+                      <a:headEnd type="none" w="med" len="med"/>
+                      <a:tailEnd type="none" w="med" len="med"/>
+                    </a:lnT>
+                    <a:lnB w="12700" cap="flat" cmpd="sng" algn="ctr">
+                      <a:solidFill>
+                        <a:schemeClr val="accent1"/>
+                      </a:solidFill>
+                      <a:prstDash val="solid"/>
+                      <a:round/>
+                      <a:headEnd type="none" w="med" len="med"/>
+                      <a:tailEnd type="none" w="med" len="med"/>
+                    </a:lnB>
+                    <a:lnTlToBr w="12700" cmpd="sng">
+                      <a:noFill/>
+                      <a:prstDash val="solid"/>
+                    </a:lnTlToBr>
+                    <a:lnBlToTr w="12700" cmpd="sng">
+                      <a:noFill/>
+                      <a:prstDash val="solid"/>
+                    </a:lnBlToTr>
+                  </a:tcPr>
+                </a:tc>
+                <a:tc>
+                  <a:txBody>
+                    <a:bodyPr/>
+                    <a:lstStyle/>
+                    <a:p>
+                      <a:pPr marL="0" marR="0" lvl="0" indent="0" algn="l" defTabSz="914400" rtl="0" eaLnBrk="1" fontAlgn="auto" latinLnBrk="0" hangingPunct="1">
+                        <a:lnSpc>
+                          <a:spcPct val="100000"/>
+                        </a:lnSpc>
+                        <a:spcBef>
+                          <a:spcPts val="0"/>
+                        </a:spcBef>
+                        <a:spcAft>
+                          <a:spcPts val="0"/>
+                        </a:spcAft>
+                        <a:buClrTx/>
+                        <a:buSzTx/>
+                        <a:buFontTx/>
+                        <a:buNone/>
+                        <a:tabLst/>
+                        <a:defRPr/>
+                      </a:pPr>
+                      <a:r>
+                        <a:rPr lang="pt-PT" sz="1700" dirty="0">
+                          <a:solidFill>
+                            <a:srgbClr val="0070C0"/>
+                          </a:solidFill>
+                          <a:effectLst>
+                            <a:outerShdw blurRad="50800" dist="38100" dir="2700000" algn="tl" rotWithShape="0">
+                              <a:prstClr val="black">
+                                <a:alpha val="40000"/>
+                              </a:prstClr>
+                            </a:outerShdw>
+                          </a:effectLst>
+                        </a:rPr>
+                        <a:t>Regressão linear</a:t>
+                      </a:r>
+                      <a:endParaRPr lang="en-US" sz="1700" dirty="0"/>
+                    </a:p>
+                  </a:txBody>
+                  <a:tcPr marL="148887" marR="148887" marT="74445" marB="74445">
+                    <a:lnL w="12700" cap="flat" cmpd="sng" algn="ctr">
+                      <a:solidFill>
+                        <a:schemeClr val="accent1"/>
+                      </a:solidFill>
+                      <a:prstDash val="solid"/>
+                      <a:round/>
+                      <a:headEnd type="none" w="med" len="med"/>
+                      <a:tailEnd type="none" w="med" len="med"/>
+                    </a:lnL>
+                    <a:lnR w="12700" cap="flat" cmpd="sng" algn="ctr">
+                      <a:solidFill>
+                        <a:schemeClr val="accent1"/>
+                      </a:solidFill>
+                      <a:prstDash val="solid"/>
+                      <a:round/>
+                      <a:headEnd type="none" w="med" len="med"/>
+                      <a:tailEnd type="none" w="med" len="med"/>
+                    </a:lnR>
+                    <a:lnT w="12700" cap="flat" cmpd="sng" algn="ctr">
+                      <a:solidFill>
+                        <a:schemeClr val="accent1"/>
+                      </a:solidFill>
+                      <a:prstDash val="solid"/>
+                      <a:round/>
+                      <a:headEnd type="none" w="med" len="med"/>
+                      <a:tailEnd type="none" w="med" len="med"/>
+                    </a:lnT>
+                    <a:lnB w="12700" cap="flat" cmpd="sng" algn="ctr">
+                      <a:solidFill>
+                        <a:schemeClr val="accent1"/>
+                      </a:solidFill>
+                      <a:prstDash val="solid"/>
+                      <a:round/>
+                      <a:headEnd type="none" w="med" len="med"/>
+                      <a:tailEnd type="none" w="med" len="med"/>
+                    </a:lnB>
+                    <a:lnTlToBr w="12700" cmpd="sng">
+                      <a:noFill/>
+                      <a:prstDash val="solid"/>
+                    </a:lnTlToBr>
+                    <a:lnBlToTr w="12700" cmpd="sng">
+                      <a:noFill/>
+                      <a:prstDash val="solid"/>
+                    </a:lnBlToTr>
+                  </a:tcPr>
+                </a:tc>
+                <a:tc>
+                  <a:txBody>
+                    <a:bodyPr/>
+                    <a:lstStyle/>
+                    <a:p>
+                      <a:pPr marL="0" marR="0" lvl="0" indent="0" algn="ctr" defTabSz="914400" rtl="0" eaLnBrk="1" fontAlgn="auto" latinLnBrk="0" hangingPunct="1">
+                        <a:lnSpc>
+                          <a:spcPct val="100000"/>
+                        </a:lnSpc>
+                        <a:spcBef>
+                          <a:spcPts val="0"/>
+                        </a:spcBef>
+                        <a:spcAft>
+                          <a:spcPts val="0"/>
+                        </a:spcAft>
+                        <a:buClrTx/>
+                        <a:buSzTx/>
+                        <a:buFontTx/>
+                        <a:buNone/>
+                        <a:tabLst/>
+                        <a:defRPr/>
+                      </a:pPr>
+                      <a:r>
+                        <a:rPr lang="pt-PT" sz="1600" dirty="0">
+                          <a:solidFill>
+                            <a:srgbClr val="0070C0"/>
+                          </a:solidFill>
+                          <a:effectLst>
+                            <a:outerShdw blurRad="50800" dist="38100" dir="2700000" algn="tl" rotWithShape="0">
+                              <a:prstClr val="black">
+                                <a:alpha val="40000"/>
+                              </a:prstClr>
+                            </a:outerShdw>
+                          </a:effectLst>
+                        </a:rPr>
+                        <a:t>Regressão logística</a:t>
+                      </a:r>
+                      <a:endParaRPr lang="en-US" sz="1600" dirty="0"/>
+                    </a:p>
+                  </a:txBody>
+                  <a:tcPr marL="148887" marR="148887" marT="74445" marB="74445">
+                    <a:lnL w="12700" cap="flat" cmpd="sng" algn="ctr">
+                      <a:solidFill>
+                        <a:schemeClr val="accent1"/>
+                      </a:solidFill>
+                      <a:prstDash val="solid"/>
+                      <a:round/>
+                      <a:headEnd type="none" w="med" len="med"/>
+                      <a:tailEnd type="none" w="med" len="med"/>
+                    </a:lnL>
+                    <a:lnR w="12700" cap="flat" cmpd="sng" algn="ctr">
+                      <a:solidFill>
+                        <a:schemeClr val="accent1"/>
+                      </a:solidFill>
+                      <a:prstDash val="solid"/>
+                      <a:round/>
+                      <a:headEnd type="none" w="med" len="med"/>
+                      <a:tailEnd type="none" w="med" len="med"/>
+                    </a:lnR>
+                    <a:lnT w="12700" cap="flat" cmpd="sng" algn="ctr">
+                      <a:solidFill>
+                        <a:schemeClr val="accent1"/>
+                      </a:solidFill>
+                      <a:prstDash val="solid"/>
+                      <a:round/>
+                      <a:headEnd type="none" w="med" len="med"/>
+                      <a:tailEnd type="none" w="med" len="med"/>
+                    </a:lnT>
+                    <a:lnB w="12700" cap="flat" cmpd="sng" algn="ctr">
+                      <a:solidFill>
+                        <a:schemeClr val="accent1"/>
+                      </a:solidFill>
+                      <a:prstDash val="solid"/>
+                      <a:round/>
+                      <a:headEnd type="none" w="med" len="med"/>
+                      <a:tailEnd type="none" w="med" len="med"/>
+                    </a:lnB>
+                    <a:lnTlToBr w="12700" cmpd="sng">
+                      <a:noFill/>
+                      <a:prstDash val="solid"/>
+                    </a:lnTlToBr>
+                    <a:lnBlToTr w="12700" cmpd="sng">
+                      <a:noFill/>
+                      <a:prstDash val="solid"/>
+                    </a:lnBlToTr>
+                  </a:tcPr>
+                </a:tc>
+                <a:tc>
+                  <a:txBody>
+                    <a:bodyPr/>
+                    <a:lstStyle/>
+                    <a:p>
+                      <a:pPr algn="ctr"/>
+                      <a:r>
+                        <a:rPr lang="pt-PT" sz="1700" dirty="0">
+                          <a:solidFill>
+                            <a:srgbClr val="0070C0"/>
+                          </a:solidFill>
+                          <a:effectLst>
+                            <a:outerShdw blurRad="50800" dist="38100" dir="2700000" algn="tl" rotWithShape="0">
+                              <a:prstClr val="black">
+                                <a:alpha val="40000"/>
+                              </a:prstClr>
+                            </a:outerShdw>
+                          </a:effectLst>
+                        </a:rPr>
+                        <a:t> KNN</a:t>
+                      </a:r>
+                      <a:endParaRPr lang="en-US" sz="1700" dirty="0"/>
+                    </a:p>
+                  </a:txBody>
+                  <a:tcPr marL="148887" marR="148887" marT="74445" marB="74445">
+                    <a:lnL w="12700" cap="flat" cmpd="sng" algn="ctr">
+                      <a:solidFill>
+                        <a:schemeClr val="accent1"/>
+                      </a:solidFill>
+                      <a:prstDash val="solid"/>
+                      <a:round/>
+                      <a:headEnd type="none" w="med" len="med"/>
+                      <a:tailEnd type="none" w="med" len="med"/>
+                    </a:lnL>
+                    <a:lnR w="12700" cap="flat" cmpd="sng" algn="ctr">
+                      <a:solidFill>
+                        <a:schemeClr val="accent1"/>
+                      </a:solidFill>
+                      <a:prstDash val="solid"/>
+                      <a:round/>
+                      <a:headEnd type="none" w="med" len="med"/>
+                      <a:tailEnd type="none" w="med" len="med"/>
+                    </a:lnR>
+                    <a:lnT w="12700" cap="flat" cmpd="sng" algn="ctr">
+                      <a:solidFill>
+                        <a:schemeClr val="accent1"/>
+                      </a:solidFill>
+                      <a:prstDash val="solid"/>
+                      <a:round/>
+                      <a:headEnd type="none" w="med" len="med"/>
+                      <a:tailEnd type="none" w="med" len="med"/>
+                    </a:lnT>
+                    <a:lnB w="12700" cap="flat" cmpd="sng" algn="ctr">
+                      <a:solidFill>
+                        <a:schemeClr val="accent1"/>
+                      </a:solidFill>
+                      <a:prstDash val="solid"/>
+                      <a:round/>
+                      <a:headEnd type="none" w="med" len="med"/>
+                      <a:tailEnd type="none" w="med" len="med"/>
+                    </a:lnB>
+                    <a:lnTlToBr w="12700" cmpd="sng">
+                      <a:noFill/>
+                      <a:prstDash val="solid"/>
+                    </a:lnTlToBr>
+                    <a:lnBlToTr w="12700" cmpd="sng">
+                      <a:noFill/>
+                      <a:prstDash val="solid"/>
+                    </a:lnBlToTr>
+                  </a:tcPr>
+                </a:tc>
+                <a:extLst>
+                  <a:ext uri="{0D108BD9-81ED-4DB2-BD59-A6C34878D82A}">
+                    <a16:rowId xmlns:a16="http://schemas.microsoft.com/office/drawing/2014/main" val="1060528281"/>
+                  </a:ext>
+                </a:extLst>
+              </a:tr>
+              <a:tr h="585070">
+                <a:tc>
+                  <a:txBody>
+                    <a:bodyPr/>
+                    <a:lstStyle/>
+                    <a:p>
+                      <a:pPr marL="0" marR="0" lvl="0" indent="0" algn="ctr" defTabSz="914400" rtl="0" eaLnBrk="1" fontAlgn="auto" latinLnBrk="0" hangingPunct="1">
+                        <a:lnSpc>
+                          <a:spcPct val="100000"/>
+                        </a:lnSpc>
+                        <a:spcBef>
+                          <a:spcPts val="0"/>
+                        </a:spcBef>
+                        <a:spcAft>
+                          <a:spcPts val="0"/>
+                        </a:spcAft>
+                        <a:buClrTx/>
+                        <a:buSzTx/>
+                        <a:buFontTx/>
+                        <a:buNone/>
+                        <a:tabLst/>
+                        <a:defRPr/>
+                      </a:pPr>
+                      <a:r>
+                        <a:rPr lang="pt-PT" sz="1700" dirty="0">
+                          <a:solidFill>
+                            <a:srgbClr val="0070C0"/>
+                          </a:solidFill>
+                          <a:effectLst>
+                            <a:outerShdw blurRad="50800" dist="38100" dir="2700000" algn="tl" rotWithShape="0">
+                              <a:prstClr val="black">
+                                <a:alpha val="40000"/>
+                              </a:prstClr>
+                            </a:outerShdw>
+                          </a:effectLst>
+                        </a:rPr>
+                        <a:t>Fórmula</a:t>
+                      </a:r>
+                      <a:endParaRPr lang="en-US" sz="1700" dirty="0"/>
+                    </a:p>
+                  </a:txBody>
+                  <a:tcPr marL="148887" marR="148887" marT="74445" marB="74445">
+                    <a:lnL w="12700" cap="flat" cmpd="sng" algn="ctr">
+                      <a:solidFill>
+                        <a:schemeClr val="accent1"/>
+                      </a:solidFill>
+                      <a:prstDash val="solid"/>
+                      <a:round/>
+                      <a:headEnd type="none" w="med" len="med"/>
+                      <a:tailEnd type="none" w="med" len="med"/>
+                    </a:lnL>
+                    <a:lnR w="12700" cap="flat" cmpd="sng" algn="ctr">
+                      <a:solidFill>
+                        <a:schemeClr val="accent1"/>
+                      </a:solidFill>
+                      <a:prstDash val="solid"/>
+                      <a:round/>
+                      <a:headEnd type="none" w="med" len="med"/>
+                      <a:tailEnd type="none" w="med" len="med"/>
+                    </a:lnR>
+                    <a:lnT w="12700" cap="flat" cmpd="sng" algn="ctr">
+                      <a:solidFill>
+                        <a:schemeClr val="accent1"/>
+                      </a:solidFill>
+                      <a:prstDash val="solid"/>
+                      <a:round/>
+                      <a:headEnd type="none" w="med" len="med"/>
+                      <a:tailEnd type="none" w="med" len="med"/>
+                    </a:lnT>
+                    <a:lnB w="12700" cap="flat" cmpd="sng" algn="ctr">
+                      <a:solidFill>
+                        <a:schemeClr val="accent1"/>
+                      </a:solidFill>
+                      <a:prstDash val="solid"/>
+                      <a:round/>
+                      <a:headEnd type="none" w="med" len="med"/>
+                      <a:tailEnd type="none" w="med" len="med"/>
+                    </a:lnB>
+                    <a:lnTlToBr w="12700" cmpd="sng">
+                      <a:noFill/>
+                      <a:prstDash val="solid"/>
+                    </a:lnTlToBr>
+                    <a:lnBlToTr w="12700" cmpd="sng">
+                      <a:noFill/>
+                      <a:prstDash val="solid"/>
+                    </a:lnBlToTr>
+                  </a:tcPr>
+                </a:tc>
+                <a:tc>
+                  <a:txBody>
+                    <a:bodyPr/>
+                    <a:lstStyle/>
+                    <a:p>
+                      <a:pPr algn="ctr"/>
+                      <a:r>
+                        <a:rPr lang="pt-PT" sz="1800" dirty="0"/>
+                        <a:t>Stab.glu + age</a:t>
+                      </a:r>
+                      <a:endParaRPr lang="en-US" sz="1800" dirty="0"/>
+                    </a:p>
+                  </a:txBody>
+                  <a:tcPr marL="148887" marR="148887" marT="74445" marB="74445">
+                    <a:lnL w="12700" cap="flat" cmpd="sng" algn="ctr">
+                      <a:solidFill>
+                        <a:schemeClr val="accent1"/>
+                      </a:solidFill>
+                      <a:prstDash val="solid"/>
+                      <a:round/>
+                      <a:headEnd type="none" w="med" len="med"/>
+                      <a:tailEnd type="none" w="med" len="med"/>
+                    </a:lnL>
+                    <a:lnR w="12700" cap="flat" cmpd="sng" algn="ctr">
+                      <a:solidFill>
+                        <a:schemeClr val="accent1"/>
+                      </a:solidFill>
+                      <a:prstDash val="solid"/>
+                      <a:round/>
+                      <a:headEnd type="none" w="med" len="med"/>
+                      <a:tailEnd type="none" w="med" len="med"/>
+                    </a:lnR>
+                    <a:lnT w="12700" cap="flat" cmpd="sng" algn="ctr">
+                      <a:solidFill>
+                        <a:schemeClr val="accent1"/>
+                      </a:solidFill>
+                      <a:prstDash val="solid"/>
+                      <a:round/>
+                      <a:headEnd type="none" w="med" len="med"/>
+                      <a:tailEnd type="none" w="med" len="med"/>
+                    </a:lnT>
+                    <a:lnB w="12700" cap="flat" cmpd="sng" algn="ctr">
+                      <a:solidFill>
+                        <a:schemeClr val="accent1"/>
+                      </a:solidFill>
+                      <a:prstDash val="solid"/>
+                      <a:round/>
+                      <a:headEnd type="none" w="med" len="med"/>
+                      <a:tailEnd type="none" w="med" len="med"/>
+                    </a:lnB>
+                    <a:lnTlToBr w="12700" cmpd="sng">
+                      <a:noFill/>
+                      <a:prstDash val="solid"/>
+                    </a:lnTlToBr>
+                    <a:lnBlToTr w="12700" cmpd="sng">
+                      <a:noFill/>
+                      <a:prstDash val="solid"/>
+                    </a:lnBlToTr>
+                  </a:tcPr>
+                </a:tc>
+                <a:tc>
+                  <a:txBody>
+                    <a:bodyPr/>
+                    <a:lstStyle/>
+                    <a:p>
+                      <a:pPr algn="ctr"/>
+                      <a:r>
+                        <a:rPr lang="pt-PT" sz="1600" dirty="0"/>
+                        <a:t>stab.glu^2</a:t>
+                      </a:r>
+                      <a:endParaRPr lang="en-US" sz="1600" dirty="0"/>
+                    </a:p>
+                  </a:txBody>
+                  <a:tcPr marL="148887" marR="148887" marT="74445" marB="74445">
+                    <a:lnL w="12700" cap="flat" cmpd="sng" algn="ctr">
+                      <a:solidFill>
+                        <a:schemeClr val="accent1"/>
+                      </a:solidFill>
+                      <a:prstDash val="solid"/>
+                      <a:round/>
+                      <a:headEnd type="none" w="med" len="med"/>
+                      <a:tailEnd type="none" w="med" len="med"/>
+                    </a:lnL>
+                    <a:lnR w="12700" cap="flat" cmpd="sng" algn="ctr">
+                      <a:solidFill>
+                        <a:schemeClr val="accent1"/>
+                      </a:solidFill>
+                      <a:prstDash val="solid"/>
+                      <a:round/>
+                      <a:headEnd type="none" w="med" len="med"/>
+                      <a:tailEnd type="none" w="med" len="med"/>
+                    </a:lnR>
+                    <a:lnT w="12700" cap="flat" cmpd="sng" algn="ctr">
+                      <a:solidFill>
+                        <a:schemeClr val="accent1"/>
+                      </a:solidFill>
+                      <a:prstDash val="solid"/>
+                      <a:round/>
+                      <a:headEnd type="none" w="med" len="med"/>
+                      <a:tailEnd type="none" w="med" len="med"/>
+                    </a:lnT>
+                    <a:lnB w="12700" cap="flat" cmpd="sng" algn="ctr">
+                      <a:solidFill>
+                        <a:schemeClr val="accent1"/>
+                      </a:solidFill>
+                      <a:prstDash val="solid"/>
+                      <a:round/>
+                      <a:headEnd type="none" w="med" len="med"/>
+                      <a:tailEnd type="none" w="med" len="med"/>
+                    </a:lnB>
+                    <a:lnTlToBr w="12700" cmpd="sng">
+                      <a:noFill/>
+                      <a:prstDash val="solid"/>
+                    </a:lnTlToBr>
+                    <a:lnBlToTr w="12700" cmpd="sng">
+                      <a:noFill/>
+                      <a:prstDash val="solid"/>
+                    </a:lnBlToTr>
+                  </a:tcPr>
+                </a:tc>
+                <a:tc>
+                  <a:txBody>
+                    <a:bodyPr/>
+                    <a:lstStyle/>
+                    <a:p>
+                      <a:pPr algn="ctr"/>
+                      <a:r>
+                        <a:rPr lang="pt-PT" sz="1600" dirty="0"/>
+                        <a:t>stab.glu + age + bp.1s</a:t>
+                      </a:r>
+                      <a:endParaRPr lang="en-US" sz="1600" dirty="0"/>
+                    </a:p>
+                  </a:txBody>
+                  <a:tcPr marL="148887" marR="148887" marT="74445" marB="74445">
+                    <a:lnL w="12700" cap="flat" cmpd="sng" algn="ctr">
+                      <a:solidFill>
+                        <a:schemeClr val="accent1"/>
+                      </a:solidFill>
+                      <a:prstDash val="solid"/>
+                      <a:round/>
+                      <a:headEnd type="none" w="med" len="med"/>
+                      <a:tailEnd type="none" w="med" len="med"/>
+                    </a:lnL>
+                    <a:lnR w="12700" cap="flat" cmpd="sng" algn="ctr">
+                      <a:solidFill>
+                        <a:schemeClr val="accent1"/>
+                      </a:solidFill>
+                      <a:prstDash val="solid"/>
+                      <a:round/>
+                      <a:headEnd type="none" w="med" len="med"/>
+                      <a:tailEnd type="none" w="med" len="med"/>
+                    </a:lnR>
+                    <a:lnT w="12700" cap="flat" cmpd="sng" algn="ctr">
+                      <a:solidFill>
+                        <a:schemeClr val="accent1"/>
+                      </a:solidFill>
+                      <a:prstDash val="solid"/>
+                      <a:round/>
+                      <a:headEnd type="none" w="med" len="med"/>
+                      <a:tailEnd type="none" w="med" len="med"/>
+                    </a:lnT>
+                    <a:lnB w="12700" cap="flat" cmpd="sng" algn="ctr">
+                      <a:solidFill>
+                        <a:schemeClr val="accent1"/>
+                      </a:solidFill>
+                      <a:prstDash val="solid"/>
+                      <a:round/>
+                      <a:headEnd type="none" w="med" len="med"/>
+                      <a:tailEnd type="none" w="med" len="med"/>
+                    </a:lnB>
+                    <a:lnTlToBr w="12700" cmpd="sng">
+                      <a:noFill/>
+                      <a:prstDash val="solid"/>
+                    </a:lnTlToBr>
+                    <a:lnBlToTr w="12700" cmpd="sng">
+                      <a:noFill/>
+                      <a:prstDash val="solid"/>
+                    </a:lnBlToTr>
+                  </a:tcPr>
+                </a:tc>
+                <a:extLst>
+                  <a:ext uri="{0D108BD9-81ED-4DB2-BD59-A6C34878D82A}">
+                    <a16:rowId xmlns:a16="http://schemas.microsoft.com/office/drawing/2014/main" val="2462183875"/>
+                  </a:ext>
+                </a:extLst>
+              </a:tr>
+              <a:tr h="575903">
+                <a:tc>
+                  <a:txBody>
+                    <a:bodyPr/>
+                    <a:lstStyle/>
+                    <a:p>
+                      <a:pPr marL="0" marR="0" lvl="0" indent="0" algn="ctr" defTabSz="914400" rtl="0" eaLnBrk="1" fontAlgn="auto" latinLnBrk="0" hangingPunct="1">
+                        <a:lnSpc>
+                          <a:spcPct val="100000"/>
+                        </a:lnSpc>
+                        <a:spcBef>
+                          <a:spcPts val="0"/>
+                        </a:spcBef>
+                        <a:spcAft>
+                          <a:spcPts val="0"/>
+                        </a:spcAft>
+                        <a:buClrTx/>
+                        <a:buSzTx/>
+                        <a:buFontTx/>
+                        <a:buNone/>
+                        <a:tabLst/>
+                        <a:defRPr/>
+                      </a:pPr>
+                      <a:r>
+                        <a:rPr kumimoji="0" lang="pt-PT" sz="1700" b="0" i="0" u="none" strike="noStrike" kern="1200" cap="none" spc="0" normalizeH="0" baseline="0" noProof="0" dirty="0">
+                          <a:ln>
+                            <a:noFill/>
+                          </a:ln>
+                          <a:solidFill>
+                            <a:srgbClr val="0070C0"/>
+                          </a:solidFill>
+                          <a:effectLst>
+                            <a:outerShdw blurRad="50800" dist="38100" dir="2700000" algn="tl" rotWithShape="0">
+                              <a:prstClr val="black">
+                                <a:alpha val="40000"/>
+                              </a:prstClr>
+                            </a:outerShdw>
+                          </a:effectLst>
+                          <a:uLnTx/>
+                          <a:uFillTx/>
+                          <a:latin typeface="+mn-lt"/>
+                          <a:ea typeface="+mn-ea"/>
+                          <a:cs typeface="+mn-cs"/>
+                        </a:rPr>
+                        <a:t>Threshold</a:t>
+                      </a:r>
+                      <a:endParaRPr kumimoji="0" lang="en-US" sz="1700" b="0" i="0" u="none" strike="noStrike" kern="1200" cap="none" spc="0" normalizeH="0" baseline="0" noProof="0" dirty="0">
+                        <a:ln>
+                          <a:noFill/>
+                        </a:ln>
+                        <a:solidFill>
+                          <a:prstClr val="black"/>
+                        </a:solidFill>
+                        <a:effectLst/>
+                        <a:uLnTx/>
+                        <a:uFillTx/>
+                        <a:latin typeface="+mn-lt"/>
+                        <a:ea typeface="+mn-ea"/>
+                        <a:cs typeface="+mn-cs"/>
+                      </a:endParaRPr>
+                    </a:p>
+                  </a:txBody>
+                  <a:tcPr marL="148887" marR="148887" marT="74445" marB="74445">
+                    <a:lnL w="12700" cap="flat" cmpd="sng" algn="ctr">
+                      <a:solidFill>
+                        <a:schemeClr val="accent1"/>
+                      </a:solidFill>
+                      <a:prstDash val="solid"/>
+                      <a:round/>
+                      <a:headEnd type="none" w="med" len="med"/>
+                      <a:tailEnd type="none" w="med" len="med"/>
+                    </a:lnL>
+                    <a:lnR w="12700" cap="flat" cmpd="sng" algn="ctr">
+                      <a:solidFill>
+                        <a:schemeClr val="accent1"/>
+                      </a:solidFill>
+                      <a:prstDash val="solid"/>
+                      <a:round/>
+                      <a:headEnd type="none" w="med" len="med"/>
+                      <a:tailEnd type="none" w="med" len="med"/>
+                    </a:lnR>
+                    <a:lnT w="12700" cap="flat" cmpd="sng" algn="ctr">
+                      <a:solidFill>
+                        <a:schemeClr val="accent1"/>
+                      </a:solidFill>
+                      <a:prstDash val="solid"/>
+                      <a:round/>
+                      <a:headEnd type="none" w="med" len="med"/>
+                      <a:tailEnd type="none" w="med" len="med"/>
+                    </a:lnT>
+                    <a:lnB w="12700" cap="flat" cmpd="sng" algn="ctr">
+                      <a:solidFill>
+                        <a:schemeClr val="accent1"/>
+                      </a:solidFill>
+                      <a:prstDash val="solid"/>
+                      <a:round/>
+                      <a:headEnd type="none" w="med" len="med"/>
+                      <a:tailEnd type="none" w="med" len="med"/>
+                    </a:lnB>
+                    <a:lnTlToBr w="12700" cmpd="sng">
+                      <a:noFill/>
+                      <a:prstDash val="solid"/>
+                    </a:lnTlToBr>
+                    <a:lnBlToTr w="12700" cmpd="sng">
+                      <a:noFill/>
+                      <a:prstDash val="solid"/>
+                    </a:lnBlToTr>
+                  </a:tcPr>
+                </a:tc>
+                <a:tc>
+                  <a:txBody>
+                    <a:bodyPr/>
+                    <a:lstStyle/>
+                    <a:p>
+                      <a:pPr algn="ctr"/>
+                      <a:r>
+                        <a:rPr lang="pt-PT" sz="1800" dirty="0"/>
+                        <a:t> &gt;7</a:t>
+                      </a:r>
+                      <a:endParaRPr lang="en-US" sz="1800" dirty="0"/>
+                    </a:p>
+                  </a:txBody>
+                  <a:tcPr marL="148887" marR="148887" marT="74445" marB="74445">
+                    <a:lnL w="12700" cap="flat" cmpd="sng" algn="ctr">
+                      <a:solidFill>
+                        <a:schemeClr val="accent1"/>
+                      </a:solidFill>
+                      <a:prstDash val="solid"/>
+                      <a:round/>
+                      <a:headEnd type="none" w="med" len="med"/>
+                      <a:tailEnd type="none" w="med" len="med"/>
+                    </a:lnL>
+                    <a:lnR w="12700" cap="flat" cmpd="sng" algn="ctr">
+                      <a:solidFill>
+                        <a:schemeClr val="accent1"/>
+                      </a:solidFill>
+                      <a:prstDash val="solid"/>
+                      <a:round/>
+                      <a:headEnd type="none" w="med" len="med"/>
+                      <a:tailEnd type="none" w="med" len="med"/>
+                    </a:lnR>
+                    <a:lnT w="12700" cap="flat" cmpd="sng" algn="ctr">
+                      <a:solidFill>
+                        <a:schemeClr val="accent1"/>
+                      </a:solidFill>
+                      <a:prstDash val="solid"/>
+                      <a:round/>
+                      <a:headEnd type="none" w="med" len="med"/>
+                      <a:tailEnd type="none" w="med" len="med"/>
+                    </a:lnT>
+                    <a:lnB w="12700" cap="flat" cmpd="sng" algn="ctr">
+                      <a:solidFill>
+                        <a:schemeClr val="accent1"/>
+                      </a:solidFill>
+                      <a:prstDash val="solid"/>
+                      <a:round/>
+                      <a:headEnd type="none" w="med" len="med"/>
+                      <a:tailEnd type="none" w="med" len="med"/>
+                    </a:lnB>
+                    <a:lnTlToBr w="12700" cmpd="sng">
+                      <a:noFill/>
+                      <a:prstDash val="solid"/>
+                    </a:lnTlToBr>
+                    <a:lnBlToTr w="12700" cmpd="sng">
+                      <a:noFill/>
+                      <a:prstDash val="solid"/>
+                    </a:lnBlToTr>
+                  </a:tcPr>
+                </a:tc>
+                <a:tc>
+                  <a:txBody>
+                    <a:bodyPr/>
+                    <a:lstStyle/>
+                    <a:p>
+                      <a:pPr algn="ctr"/>
+                      <a:r>
+                        <a:rPr lang="pt-PT" sz="1600" dirty="0"/>
+                        <a:t>0.39</a:t>
+                      </a:r>
+                      <a:endParaRPr lang="en-US" sz="1600" dirty="0"/>
+                    </a:p>
+                  </a:txBody>
+                  <a:tcPr marL="148887" marR="148887" marT="74445" marB="74445">
+                    <a:lnL w="12700" cap="flat" cmpd="sng" algn="ctr">
+                      <a:solidFill>
+                        <a:schemeClr val="accent1"/>
+                      </a:solidFill>
+                      <a:prstDash val="solid"/>
+                      <a:round/>
+                      <a:headEnd type="none" w="med" len="med"/>
+                      <a:tailEnd type="none" w="med" len="med"/>
+                    </a:lnL>
+                    <a:lnR w="12700" cap="flat" cmpd="sng" algn="ctr">
+                      <a:solidFill>
+                        <a:schemeClr val="accent1"/>
+                      </a:solidFill>
+                      <a:prstDash val="solid"/>
+                      <a:round/>
+                      <a:headEnd type="none" w="med" len="med"/>
+                      <a:tailEnd type="none" w="med" len="med"/>
+                    </a:lnR>
+                    <a:lnT w="12700" cap="flat" cmpd="sng" algn="ctr">
+                      <a:solidFill>
+                        <a:schemeClr val="accent1"/>
+                      </a:solidFill>
+                      <a:prstDash val="solid"/>
+                      <a:round/>
+                      <a:headEnd type="none" w="med" len="med"/>
+                      <a:tailEnd type="none" w="med" len="med"/>
+                    </a:lnT>
+                    <a:lnB w="12700" cap="flat" cmpd="sng" algn="ctr">
+                      <a:solidFill>
+                        <a:schemeClr val="accent1"/>
+                      </a:solidFill>
+                      <a:prstDash val="solid"/>
+                      <a:round/>
+                      <a:headEnd type="none" w="med" len="med"/>
+                      <a:tailEnd type="none" w="med" len="med"/>
+                    </a:lnB>
+                    <a:lnTlToBr w="12700" cmpd="sng">
+                      <a:noFill/>
+                      <a:prstDash val="solid"/>
+                    </a:lnTlToBr>
+                    <a:lnBlToTr w="12700" cmpd="sng">
+                      <a:noFill/>
+                      <a:prstDash val="solid"/>
+                    </a:lnBlToTr>
+                  </a:tcPr>
+                </a:tc>
+                <a:tc>
+                  <a:txBody>
+                    <a:bodyPr/>
+                    <a:lstStyle/>
+                    <a:p>
+                      <a:pPr algn="ctr"/>
+                      <a:r>
+                        <a:rPr lang="pt-PT" sz="1600" dirty="0"/>
+                        <a:t>K=10</a:t>
+                      </a:r>
+                      <a:endParaRPr lang="en-US" sz="1600" dirty="0"/>
+                    </a:p>
+                  </a:txBody>
+                  <a:tcPr marL="148887" marR="148887" marT="74445" marB="74445">
+                    <a:lnL w="12700" cap="flat" cmpd="sng" algn="ctr">
+                      <a:solidFill>
+                        <a:schemeClr val="accent1"/>
+                      </a:solidFill>
+                      <a:prstDash val="solid"/>
+                      <a:round/>
+                      <a:headEnd type="none" w="med" len="med"/>
+                      <a:tailEnd type="none" w="med" len="med"/>
+                    </a:lnL>
+                    <a:lnR w="12700" cap="flat" cmpd="sng" algn="ctr">
+                      <a:solidFill>
+                        <a:schemeClr val="accent1"/>
+                      </a:solidFill>
+                      <a:prstDash val="solid"/>
+                      <a:round/>
+                      <a:headEnd type="none" w="med" len="med"/>
+                      <a:tailEnd type="none" w="med" len="med"/>
+                    </a:lnR>
+                    <a:lnT w="12700" cap="flat" cmpd="sng" algn="ctr">
+                      <a:solidFill>
+                        <a:schemeClr val="accent1"/>
+                      </a:solidFill>
+                      <a:prstDash val="solid"/>
+                      <a:round/>
+                      <a:headEnd type="none" w="med" len="med"/>
+                      <a:tailEnd type="none" w="med" len="med"/>
+                    </a:lnT>
+                    <a:lnB w="12700" cap="flat" cmpd="sng" algn="ctr">
+                      <a:solidFill>
+                        <a:schemeClr val="accent1"/>
+                      </a:solidFill>
+                      <a:prstDash val="solid"/>
+                      <a:round/>
+                      <a:headEnd type="none" w="med" len="med"/>
+                      <a:tailEnd type="none" w="med" len="med"/>
+                    </a:lnB>
+                    <a:lnTlToBr w="12700" cmpd="sng">
+                      <a:noFill/>
+                      <a:prstDash val="solid"/>
+                    </a:lnTlToBr>
+                    <a:lnBlToTr w="12700" cmpd="sng">
+                      <a:noFill/>
+                      <a:prstDash val="solid"/>
+                    </a:lnBlToTr>
+                  </a:tcPr>
+                </a:tc>
+                <a:extLst>
+                  <a:ext uri="{0D108BD9-81ED-4DB2-BD59-A6C34878D82A}">
+                    <a16:rowId xmlns:a16="http://schemas.microsoft.com/office/drawing/2014/main" val="732742085"/>
+                  </a:ext>
+                </a:extLst>
+              </a:tr>
+              <a:tr h="575903">
+                <a:tc>
+                  <a:txBody>
+                    <a:bodyPr/>
+                    <a:lstStyle/>
+                    <a:p>
+                      <a:pPr marL="0" marR="0" lvl="0" indent="0" algn="ctr" defTabSz="914400" rtl="0" eaLnBrk="1" fontAlgn="auto" latinLnBrk="0" hangingPunct="1">
+                        <a:lnSpc>
+                          <a:spcPct val="100000"/>
+                        </a:lnSpc>
+                        <a:spcBef>
+                          <a:spcPts val="0"/>
+                        </a:spcBef>
+                        <a:spcAft>
+                          <a:spcPts val="0"/>
+                        </a:spcAft>
+                        <a:buClrTx/>
+                        <a:buSzTx/>
+                        <a:buFontTx/>
+                        <a:buNone/>
+                        <a:tabLst/>
+                        <a:defRPr/>
+                      </a:pPr>
+                      <a:r>
+                        <a:rPr kumimoji="0" lang="pt-PT" sz="1700" b="0" i="0" u="none" strike="noStrike" kern="1200" cap="none" spc="0" normalizeH="0" baseline="0" noProof="0" dirty="0">
+                          <a:ln>
+                            <a:noFill/>
+                          </a:ln>
+                          <a:solidFill>
+                            <a:srgbClr val="0070C0"/>
+                          </a:solidFill>
+                          <a:effectLst>
+                            <a:outerShdw blurRad="50800" dist="38100" dir="2700000" algn="tl" rotWithShape="0">
+                              <a:prstClr val="black">
+                                <a:alpha val="40000"/>
+                              </a:prstClr>
+                            </a:outerShdw>
+                          </a:effectLst>
+                          <a:uLnTx/>
+                          <a:uFillTx/>
+                          <a:latin typeface="+mn-lt"/>
+                          <a:ea typeface="+mn-ea"/>
+                          <a:cs typeface="+mn-cs"/>
+                        </a:rPr>
+                        <a:t>Erro ponderado</a:t>
+                      </a:r>
+                      <a:endParaRPr kumimoji="0" lang="en-US" sz="1700" b="0" i="0" u="none" strike="noStrike" kern="1200" cap="none" spc="0" normalizeH="0" baseline="0" noProof="0" dirty="0">
+                        <a:ln>
+                          <a:noFill/>
+                        </a:ln>
+                        <a:solidFill>
+                          <a:prstClr val="black"/>
+                        </a:solidFill>
+                        <a:effectLst/>
+                        <a:uLnTx/>
+                        <a:uFillTx/>
+                        <a:latin typeface="+mn-lt"/>
+                        <a:ea typeface="+mn-ea"/>
+                        <a:cs typeface="+mn-cs"/>
+                      </a:endParaRPr>
+                    </a:p>
+                  </a:txBody>
+                  <a:tcPr marL="148887" marR="148887" marT="74445" marB="74445">
+                    <a:lnL w="12700" cap="flat" cmpd="sng" algn="ctr">
+                      <a:solidFill>
+                        <a:schemeClr val="accent1"/>
+                      </a:solidFill>
+                      <a:prstDash val="solid"/>
+                      <a:round/>
+                      <a:headEnd type="none" w="med" len="med"/>
+                      <a:tailEnd type="none" w="med" len="med"/>
+                    </a:lnL>
+                    <a:lnR w="12700" cap="flat" cmpd="sng" algn="ctr">
+                      <a:solidFill>
+                        <a:schemeClr val="accent1"/>
+                      </a:solidFill>
+                      <a:prstDash val="solid"/>
+                      <a:round/>
+                      <a:headEnd type="none" w="med" len="med"/>
+                      <a:tailEnd type="none" w="med" len="med"/>
+                    </a:lnR>
+                    <a:lnT w="12700" cap="flat" cmpd="sng" algn="ctr">
+                      <a:solidFill>
+                        <a:schemeClr val="accent1"/>
+                      </a:solidFill>
+                      <a:prstDash val="solid"/>
+                      <a:round/>
+                      <a:headEnd type="none" w="med" len="med"/>
+                      <a:tailEnd type="none" w="med" len="med"/>
+                    </a:lnT>
+                    <a:lnB w="12700" cap="flat" cmpd="sng" algn="ctr">
+                      <a:solidFill>
+                        <a:schemeClr val="accent1"/>
+                      </a:solidFill>
+                      <a:prstDash val="solid"/>
+                      <a:round/>
+                      <a:headEnd type="none" w="med" len="med"/>
+                      <a:tailEnd type="none" w="med" len="med"/>
+                    </a:lnB>
+                    <a:lnTlToBr w="12700" cmpd="sng">
+                      <a:noFill/>
+                      <a:prstDash val="solid"/>
+                    </a:lnTlToBr>
+                    <a:lnBlToTr w="12700" cmpd="sng">
+                      <a:noFill/>
+                      <a:prstDash val="solid"/>
+                    </a:lnBlToTr>
+                  </a:tcPr>
+                </a:tc>
+                <a:tc>
+                  <a:txBody>
+                    <a:bodyPr/>
+                    <a:lstStyle/>
+                    <a:p>
+                      <a:pPr algn="ctr"/>
+                      <a:r>
+                        <a:rPr lang="pt-PT" sz="1800" b="1" dirty="0"/>
+                        <a:t>3.6318</a:t>
+                      </a:r>
+                      <a:endParaRPr lang="en-US" sz="1800" b="1" dirty="0"/>
+                    </a:p>
+                  </a:txBody>
+                  <a:tcPr marL="148887" marR="148887" marT="74445" marB="74445">
+                    <a:lnL w="12700" cap="flat" cmpd="sng" algn="ctr">
+                      <a:solidFill>
+                        <a:schemeClr val="accent1"/>
+                      </a:solidFill>
+                      <a:prstDash val="solid"/>
+                      <a:round/>
+                      <a:headEnd type="none" w="med" len="med"/>
+                      <a:tailEnd type="none" w="med" len="med"/>
+                    </a:lnL>
+                    <a:lnR w="12700" cap="flat" cmpd="sng" algn="ctr">
+                      <a:solidFill>
+                        <a:schemeClr val="accent1"/>
+                      </a:solidFill>
+                      <a:prstDash val="solid"/>
+                      <a:round/>
+                      <a:headEnd type="none" w="med" len="med"/>
+                      <a:tailEnd type="none" w="med" len="med"/>
+                    </a:lnR>
+                    <a:lnT w="12700" cap="flat" cmpd="sng" algn="ctr">
+                      <a:solidFill>
+                        <a:schemeClr val="accent1"/>
+                      </a:solidFill>
+                      <a:prstDash val="solid"/>
+                      <a:round/>
+                      <a:headEnd type="none" w="med" len="med"/>
+                      <a:tailEnd type="none" w="med" len="med"/>
+                    </a:lnT>
+                    <a:lnB w="12700" cap="flat" cmpd="sng" algn="ctr">
+                      <a:solidFill>
+                        <a:schemeClr val="accent1"/>
+                      </a:solidFill>
+                      <a:prstDash val="solid"/>
+                      <a:round/>
+                      <a:headEnd type="none" w="med" len="med"/>
+                      <a:tailEnd type="none" w="med" len="med"/>
+                    </a:lnB>
+                    <a:lnTlToBr w="12700" cmpd="sng">
+                      <a:noFill/>
+                      <a:prstDash val="solid"/>
+                    </a:lnTlToBr>
+                    <a:lnBlToTr w="12700" cmpd="sng">
+                      <a:noFill/>
+                      <a:prstDash val="solid"/>
+                    </a:lnBlToTr>
+                  </a:tcPr>
+                </a:tc>
+                <a:tc>
+                  <a:txBody>
+                    <a:bodyPr/>
+                    <a:lstStyle/>
+                    <a:p>
+                      <a:pPr algn="ctr"/>
+                      <a:r>
+                        <a:rPr lang="pt-PT" sz="1600" b="0" dirty="0"/>
+                        <a:t>3.5991</a:t>
+                      </a:r>
+                      <a:endParaRPr lang="en-US" sz="1600" b="0" dirty="0"/>
+                    </a:p>
+                  </a:txBody>
+                  <a:tcPr marL="148887" marR="148887" marT="74445" marB="74445">
+                    <a:lnL w="12700" cap="flat" cmpd="sng" algn="ctr">
+                      <a:solidFill>
+                        <a:schemeClr val="accent1"/>
+                      </a:solidFill>
+                      <a:prstDash val="solid"/>
+                      <a:round/>
+                      <a:headEnd type="none" w="med" len="med"/>
+                      <a:tailEnd type="none" w="med" len="med"/>
+                    </a:lnL>
+                    <a:lnR w="12700" cap="flat" cmpd="sng" algn="ctr">
+                      <a:solidFill>
+                        <a:schemeClr val="accent1"/>
+                      </a:solidFill>
+                      <a:prstDash val="solid"/>
+                      <a:round/>
+                      <a:headEnd type="none" w="med" len="med"/>
+                      <a:tailEnd type="none" w="med" len="med"/>
+                    </a:lnR>
+                    <a:lnT w="12700" cap="flat" cmpd="sng" algn="ctr">
+                      <a:solidFill>
+                        <a:schemeClr val="accent1"/>
+                      </a:solidFill>
+                      <a:prstDash val="solid"/>
+                      <a:round/>
+                      <a:headEnd type="none" w="med" len="med"/>
+                      <a:tailEnd type="none" w="med" len="med"/>
+                    </a:lnT>
+                    <a:lnB w="12700" cap="flat" cmpd="sng" algn="ctr">
+                      <a:solidFill>
+                        <a:schemeClr val="accent1"/>
+                      </a:solidFill>
+                      <a:prstDash val="solid"/>
+                      <a:round/>
+                      <a:headEnd type="none" w="med" len="med"/>
+                      <a:tailEnd type="none" w="med" len="med"/>
+                    </a:lnB>
+                    <a:lnTlToBr w="12700" cmpd="sng">
+                      <a:noFill/>
+                      <a:prstDash val="solid"/>
+                    </a:lnTlToBr>
+                    <a:lnBlToTr w="12700" cmpd="sng">
+                      <a:noFill/>
+                      <a:prstDash val="solid"/>
+                    </a:lnBlToTr>
+                  </a:tcPr>
+                </a:tc>
+                <a:tc>
+                  <a:txBody>
+                    <a:bodyPr/>
+                    <a:lstStyle/>
+                    <a:p>
+                      <a:pPr algn="ctr"/>
+                      <a:r>
+                        <a:rPr lang="pt-PT" sz="1600" b="0" dirty="0"/>
+                        <a:t>3.5320</a:t>
+                      </a:r>
+                      <a:endParaRPr lang="en-US" sz="1600" b="0" dirty="0"/>
+                    </a:p>
+                  </a:txBody>
+                  <a:tcPr marL="148887" marR="148887" marT="74445" marB="74445">
+                    <a:lnL w="12700" cap="flat" cmpd="sng" algn="ctr">
+                      <a:solidFill>
+                        <a:schemeClr val="accent1"/>
+                      </a:solidFill>
+                      <a:prstDash val="solid"/>
+                      <a:round/>
+                      <a:headEnd type="none" w="med" len="med"/>
+                      <a:tailEnd type="none" w="med" len="med"/>
+                    </a:lnL>
+                    <a:lnR w="12700" cap="flat" cmpd="sng" algn="ctr">
+                      <a:solidFill>
+                        <a:schemeClr val="accent1"/>
+                      </a:solidFill>
+                      <a:prstDash val="solid"/>
+                      <a:round/>
+                      <a:headEnd type="none" w="med" len="med"/>
+                      <a:tailEnd type="none" w="med" len="med"/>
+                    </a:lnR>
+                    <a:lnT w="12700" cap="flat" cmpd="sng" algn="ctr">
+                      <a:solidFill>
+                        <a:schemeClr val="accent1"/>
+                      </a:solidFill>
+                      <a:prstDash val="solid"/>
+                      <a:round/>
+                      <a:headEnd type="none" w="med" len="med"/>
+                      <a:tailEnd type="none" w="med" len="med"/>
+                    </a:lnT>
+                    <a:lnB w="12700" cap="flat" cmpd="sng" algn="ctr">
+                      <a:solidFill>
+                        <a:schemeClr val="accent1"/>
+                      </a:solidFill>
+                      <a:prstDash val="solid"/>
+                      <a:round/>
+                      <a:headEnd type="none" w="med" len="med"/>
+                      <a:tailEnd type="none" w="med" len="med"/>
+                    </a:lnB>
+                    <a:lnTlToBr w="12700" cmpd="sng">
+                      <a:noFill/>
+                      <a:prstDash val="solid"/>
+                    </a:lnTlToBr>
+                    <a:lnBlToTr w="12700" cmpd="sng">
+                      <a:noFill/>
+                      <a:prstDash val="solid"/>
+                    </a:lnBlToTr>
+                  </a:tcPr>
+                </a:tc>
+                <a:extLst>
+                  <a:ext uri="{0D108BD9-81ED-4DB2-BD59-A6C34878D82A}">
+                    <a16:rowId xmlns:a16="http://schemas.microsoft.com/office/drawing/2014/main" val="4116852139"/>
+                  </a:ext>
+                </a:extLst>
+              </a:tr>
+            </a:tbl>
+          </a:graphicData>
+        </a:graphic>
+      </p:graphicFrame>
+    </p:spTree>
+    <p:extLst>
+      <p:ext uri="{BB962C8B-B14F-4D97-AF65-F5344CB8AC3E}">
+        <p14:creationId xmlns:p14="http://schemas.microsoft.com/office/powerpoint/2010/main" val="3333050639"/>
+      </p:ext>
+    </p:extLst>
+  </p:cSld>
+  <p:clrMapOvr>
+    <a:masterClrMapping/>
+  </p:clrMapOvr>
+</p:sld>
+</file>
+
+<file path=ppt/slides/slide15.xml><?xml version="1.0" encoding="utf-8"?>
+<p:sld xmlns:a="http://schemas.openxmlformats.org/drawingml/2006/main" xmlns:r="http://schemas.openxmlformats.org/officeDocument/2006/relationships" xmlns:p="http://schemas.openxmlformats.org/presentationml/2006/main">
+  <p:cSld>
+    <p:spTree>
+      <p:nvGrpSpPr>
+        <p:cNvPr id="1" name=""/>
+        <p:cNvGrpSpPr/>
+        <p:nvPr/>
+      </p:nvGrpSpPr>
+      <p:grpSpPr>
+        <a:xfrm>
+          <a:off x="0" y="0"/>
+          <a:ext cx="0" cy="0"/>
+          <a:chOff x="0" y="0"/>
+          <a:chExt cx="0" cy="0"/>
+        </a:xfrm>
+      </p:grpSpPr>
+      <p:sp>
+        <p:nvSpPr>
+          <p:cNvPr id="2" name="Title 1">
+            <a:extLst>
+              <a:ext uri="{FF2B5EF4-FFF2-40B4-BE49-F238E27FC236}">
+                <a16:creationId xmlns:a16="http://schemas.microsoft.com/office/drawing/2014/main" id="{3746470E-2517-4686-AA14-8B388624990E}"/>
+              </a:ext>
+            </a:extLst>
+          </p:cNvPr>
+          <p:cNvSpPr>
+            <a:spLocks noGrp="1"/>
+          </p:cNvSpPr>
+          <p:nvPr>
+            <p:ph type="title"/>
+          </p:nvPr>
+        </p:nvSpPr>
+        <p:spPr/>
+        <p:txBody>
+          <a:bodyPr>
+            <a:normAutofit fontScale="90000"/>
+          </a:bodyPr>
+          <a:lstStyle/>
+          <a:p>
+            <a:r>
+              <a:rPr lang="pt-PT" dirty="0"/>
+              <a:t>Modelo escolhido</a:t>
+            </a:r>
+            <a:endParaRPr lang="en-US" dirty="0"/>
+          </a:p>
+        </p:txBody>
+      </p:sp>
+      <p:sp>
+        <p:nvSpPr>
+          <p:cNvPr id="3" name="Text Placeholder 2">
+            <a:extLst>
+              <a:ext uri="{FF2B5EF4-FFF2-40B4-BE49-F238E27FC236}">
+                <a16:creationId xmlns:a16="http://schemas.microsoft.com/office/drawing/2014/main" id="{D5B464CF-3826-4A3C-8607-8CACB2C275EA}"/>
+              </a:ext>
+            </a:extLst>
+          </p:cNvPr>
+          <p:cNvSpPr>
+            <a:spLocks noGrp="1"/>
+          </p:cNvSpPr>
+          <p:nvPr>
+            <p:ph type="body" idx="1"/>
+          </p:nvPr>
+        </p:nvSpPr>
+        <p:spPr/>
+        <p:txBody>
+          <a:bodyPr/>
+          <a:lstStyle/>
+          <a:p>
+            <a:endParaRPr lang="en-US"/>
+          </a:p>
+        </p:txBody>
+      </p:sp>
+      <p:sp>
+        <p:nvSpPr>
+          <p:cNvPr id="4" name="Content Placeholder 3">
+            <a:extLst>
+              <a:ext uri="{FF2B5EF4-FFF2-40B4-BE49-F238E27FC236}">
+                <a16:creationId xmlns:a16="http://schemas.microsoft.com/office/drawing/2014/main" id="{3B491605-7030-44BF-A402-90C79AE557F0}"/>
+              </a:ext>
+            </a:extLst>
+          </p:cNvPr>
+          <p:cNvSpPr>
+            <a:spLocks noGrp="1"/>
+          </p:cNvSpPr>
+          <p:nvPr>
+            <p:ph sz="half" idx="2"/>
+          </p:nvPr>
+        </p:nvSpPr>
+        <p:spPr/>
+        <p:txBody>
+          <a:bodyPr/>
+          <a:lstStyle/>
+          <a:p>
+            <a:endParaRPr lang="en-US"/>
+          </a:p>
+        </p:txBody>
+      </p:sp>
+      <p:pic>
+        <p:nvPicPr>
+          <p:cNvPr id="8" name="Graphic 7">
+            <a:extLst>
+              <a:ext uri="{FF2B5EF4-FFF2-40B4-BE49-F238E27FC236}">
+                <a16:creationId xmlns:a16="http://schemas.microsoft.com/office/drawing/2014/main" id="{040BA5E5-6CD6-4489-BE8A-D596871E97DE}"/>
+              </a:ext>
+            </a:extLst>
+          </p:cNvPr>
+          <p:cNvPicPr>
+            <a:picLocks noChangeAspect="1"/>
+          </p:cNvPicPr>
+          <p:nvPr/>
+        </p:nvPicPr>
+        <p:blipFill>
+          <a:blip r:embed="rId2">
+            <a:extLst>
+              <a:ext uri="{96DAC541-7B7A-43D3-8B79-37D633B846F1}">
+                <asvg:svgBlip xmlns:asvg="http://schemas.microsoft.com/office/drawing/2016/SVG/main" r:embed="rId3"/>
+              </a:ext>
+            </a:extLst>
+          </a:blip>
+          <a:stretch>
+            <a:fillRect/>
+          </a:stretch>
+        </p:blipFill>
+        <p:spPr>
+          <a:xfrm>
+            <a:off x="6099050" y="1920020"/>
+            <a:ext cx="2144974" cy="2137872"/>
+          </a:xfrm>
+          <a:prstGeom prst="rect">
+            <a:avLst/>
+          </a:prstGeom>
+        </p:spPr>
+      </p:pic>
+    </p:spTree>
+    <p:extLst>
+      <p:ext uri="{BB962C8B-B14F-4D97-AF65-F5344CB8AC3E}">
+        <p14:creationId xmlns:p14="http://schemas.microsoft.com/office/powerpoint/2010/main" val="440904676"/>
       </p:ext>
     </p:extLst>
   </p:cSld>
@@ -4311,63 +9004,31 @@
           </a:p>
         </p:txBody>
       </p:sp>
-      <p:pic>
-        <p:nvPicPr>
-          <p:cNvPr id="4" name="Picture 3">
+      <p:sp>
+        <p:nvSpPr>
+          <p:cNvPr id="8" name="Content Placeholder 5">
             <a:extLst>
               <a:ext uri="{FF2B5EF4-FFF2-40B4-BE49-F238E27FC236}">
-                <a16:creationId xmlns:a16="http://schemas.microsoft.com/office/drawing/2014/main" id="{144D179F-8C50-4154-8217-20C4C969DF51}"/>
+                <a16:creationId xmlns:a16="http://schemas.microsoft.com/office/drawing/2014/main" id="{5C6FE01A-BD39-4550-9E80-AC7DB6685E00}"/>
               </a:ext>
             </a:extLst>
           </p:cNvPr>
-          <p:cNvPicPr>
-            <a:picLocks noChangeAspect="1"/>
-          </p:cNvPicPr>
+          <p:cNvSpPr txBox="1">
+            <a:spLocks/>
+          </p:cNvSpPr>
           <p:nvPr/>
-        </p:nvPicPr>
-        <p:blipFill>
-          <a:blip r:embed="rId2"/>
-          <a:stretch>
-            <a:fillRect/>
-          </a:stretch>
-        </p:blipFill>
+        </p:nvSpPr>
         <p:spPr>
           <a:xfrm>
-            <a:off x="1059785" y="1154877"/>
-            <a:ext cx="2992226" cy="3793390"/>
+            <a:off x="4724704" y="2419045"/>
+            <a:ext cx="3512215" cy="1679755"/>
           </a:xfrm>
           <a:prstGeom prst="rect">
             <a:avLst/>
           </a:prstGeom>
         </p:spPr>
-      </p:pic>
-      <p:sp>
-        <p:nvSpPr>
-          <p:cNvPr id="7" name="Text Placeholder 4">
-            <a:extLst>
-              <a:ext uri="{FF2B5EF4-FFF2-40B4-BE49-F238E27FC236}">
-                <a16:creationId xmlns:a16="http://schemas.microsoft.com/office/drawing/2014/main" id="{DD68A07E-9BAB-48C6-8B35-0CD7B7A7560C}"/>
-              </a:ext>
-            </a:extLst>
-          </p:cNvPr>
-          <p:cNvSpPr txBox="1">
-            <a:spLocks/>
-          </p:cNvSpPr>
-          <p:nvPr/>
-        </p:nvSpPr>
-        <p:spPr>
-          <a:xfrm>
-            <a:off x="5335525" y="1502815"/>
-            <a:ext cx="4040188" cy="479822"/>
-          </a:xfrm>
-          <a:prstGeom prst="rect">
-            <a:avLst/>
-          </a:prstGeom>
-        </p:spPr>
-        <p:txBody>
-          <a:bodyPr vert="horz" lIns="91440" tIns="45720" rIns="91440" bIns="45720" rtlCol="0">
-            <a:normAutofit lnSpcReduction="10000"/>
-          </a:bodyPr>
+        <p:txBody>
+          <a:bodyPr/>
           <a:lstStyle>
             <a:lvl1pPr marL="342900" indent="-342900" algn="l" defTabSz="914400" rtl="0" eaLnBrk="1" latinLnBrk="0" hangingPunct="1">
               <a:spcBef>
@@ -4375,9 +9036,9 @@
               </a:spcBef>
               <a:buFont typeface="Arial" pitchFamily="34" charset="0"/>
               <a:buChar char="•"/>
-              <a:defRPr sz="2800" kern="1200">
-                <a:solidFill>
-                  <a:srgbClr val="002060"/>
+              <a:defRPr sz="3200" kern="1200">
+                <a:solidFill>
+                  <a:schemeClr val="tx1"/>
                 </a:solidFill>
                 <a:latin typeface="+mn-lt"/>
                 <a:ea typeface="+mn-ea"/>
@@ -4392,7 +9053,7 @@
               <a:buChar char="–"/>
               <a:defRPr sz="2800" kern="1200">
                 <a:solidFill>
-                  <a:srgbClr val="002060"/>
+                  <a:schemeClr val="tx1"/>
                 </a:solidFill>
                 <a:latin typeface="+mn-lt"/>
                 <a:ea typeface="+mn-ea"/>
@@ -4407,7 +9068,7 @@
               <a:buChar char="•"/>
               <a:defRPr sz="2400" kern="1200">
                 <a:solidFill>
-                  <a:srgbClr val="002060"/>
+                  <a:schemeClr val="tx1"/>
                 </a:solidFill>
                 <a:latin typeface="+mn-lt"/>
                 <a:ea typeface="+mn-ea"/>
@@ -4422,7 +9083,7 @@
               <a:buChar char="–"/>
               <a:defRPr sz="2000" kern="1200">
                 <a:solidFill>
-                  <a:srgbClr val="002060"/>
+                  <a:schemeClr val="tx1"/>
                 </a:solidFill>
                 <a:latin typeface="+mn-lt"/>
                 <a:ea typeface="+mn-ea"/>
@@ -4437,7 +9098,7 @@
               <a:buChar char="»"/>
               <a:defRPr sz="2000" kern="1200">
                 <a:solidFill>
-                  <a:srgbClr val="002060"/>
+                  <a:schemeClr val="tx1"/>
                 </a:solidFill>
                 <a:latin typeface="+mn-lt"/>
                 <a:ea typeface="+mn-ea"/>
@@ -4506,212 +9167,270 @@
             </a:lvl9pPr>
           </a:lstStyle>
           <a:p>
-            <a:r>
-              <a:rPr lang="pt-PT" dirty="0"/>
-              <a:t>I</a:t>
-            </a:r>
-            <a:r>
-              <a:rPr lang="en-US" dirty="0" err="1"/>
-              <a:t>nformações</a:t>
-            </a:r>
-            <a:r>
-              <a:rPr lang="en-US" dirty="0"/>
-              <a:t> data set</a:t>
-            </a:r>
-          </a:p>
-        </p:txBody>
-      </p:sp>
-      <p:sp>
-        <p:nvSpPr>
-          <p:cNvPr id="8" name="Content Placeholder 5">
+            <a:pPr>
+              <a:buFont typeface="Wingdings" panose="05000000000000000000" pitchFamily="2" charset="2"/>
+              <a:buChar char="ü"/>
+            </a:pPr>
+            <a:r>
+              <a:rPr lang="pt-PT" sz="1800" dirty="0">
+                <a:solidFill>
+                  <a:srgbClr val="0070C0"/>
+                </a:solidFill>
+                <a:effectLst>
+                  <a:outerShdw blurRad="50800" dist="38100" dir="2700000" algn="tl" rotWithShape="0">
+                    <a:prstClr val="black">
+                      <a:alpha val="40000"/>
+                    </a:prstClr>
+                  </a:outerShdw>
+                </a:effectLst>
+              </a:rPr>
+              <a:t>Nome:            </a:t>
+            </a:r>
+            <a:r>
+              <a:rPr lang="pt-PT" sz="1800" dirty="0">
+                <a:effectLst>
+                  <a:outerShdw blurRad="50800" dist="38100" dir="2700000" algn="tl" rotWithShape="0">
+                    <a:prstClr val="black">
+                      <a:alpha val="40000"/>
+                    </a:prstClr>
+                  </a:outerShdw>
+                </a:effectLst>
+              </a:rPr>
+              <a:t>Diabetes</a:t>
+            </a:r>
+          </a:p>
+          <a:p>
+            <a:pPr>
+              <a:buFont typeface="Wingdings" panose="05000000000000000000" pitchFamily="2" charset="2"/>
+              <a:buChar char="ü"/>
+            </a:pPr>
+            <a:r>
+              <a:rPr lang="pt-PT" sz="1800" dirty="0">
+                <a:solidFill>
+                  <a:srgbClr val="0070C0"/>
+                </a:solidFill>
+                <a:effectLst>
+                  <a:outerShdw blurRad="50800" dist="38100" dir="2700000" algn="tl" rotWithShape="0">
+                    <a:prstClr val="black">
+                      <a:alpha val="40000"/>
+                    </a:prstClr>
+                  </a:outerShdw>
+                </a:effectLst>
+              </a:rPr>
+              <a:t>Origem:          </a:t>
+            </a:r>
+            <a:r>
+              <a:rPr lang="pt-PT" sz="1800" dirty="0">
+                <a:effectLst>
+                  <a:outerShdw blurRad="50800" dist="38100" dir="2700000" algn="tl" rotWithShape="0">
+                    <a:prstClr val="black">
+                      <a:alpha val="40000"/>
+                    </a:prstClr>
+                  </a:outerShdw>
+                </a:effectLst>
+              </a:rPr>
+              <a:t>EUA</a:t>
+            </a:r>
+          </a:p>
+          <a:p>
+            <a:pPr>
+              <a:buFont typeface="Wingdings" panose="05000000000000000000" pitchFamily="2" charset="2"/>
+              <a:buChar char="ü"/>
+            </a:pPr>
+            <a:r>
+              <a:rPr lang="pt-PT" sz="1800" dirty="0">
+                <a:solidFill>
+                  <a:srgbClr val="0070C0"/>
+                </a:solidFill>
+                <a:effectLst>
+                  <a:outerShdw blurRad="50800" dist="38100" dir="2700000" algn="tl" rotWithShape="0">
+                    <a:prstClr val="black">
+                      <a:alpha val="40000"/>
+                    </a:prstClr>
+                  </a:outerShdw>
+                </a:effectLst>
+              </a:rPr>
+              <a:t>Data:               </a:t>
+            </a:r>
+            <a:r>
+              <a:rPr lang="pt-PT" sz="1800" dirty="0">
+                <a:effectLst>
+                  <a:outerShdw blurRad="50800" dist="38100" dir="2700000" algn="tl" rotWithShape="0">
+                    <a:prstClr val="black">
+                      <a:alpha val="40000"/>
+                    </a:prstClr>
+                  </a:outerShdw>
+                </a:effectLst>
+              </a:rPr>
+              <a:t>1997</a:t>
+            </a:r>
+          </a:p>
+          <a:p>
+            <a:pPr>
+              <a:buFont typeface="Wingdings" panose="05000000000000000000" pitchFamily="2" charset="2"/>
+              <a:buChar char="ü"/>
+            </a:pPr>
+            <a:r>
+              <a:rPr lang="pt-PT" sz="1800" dirty="0">
+                <a:solidFill>
+                  <a:srgbClr val="0070C0"/>
+                </a:solidFill>
+                <a:effectLst>
+                  <a:outerShdw blurRad="50800" dist="38100" dir="2700000" algn="tl" rotWithShape="0">
+                    <a:prstClr val="black">
+                      <a:alpha val="40000"/>
+                    </a:prstClr>
+                  </a:outerShdw>
+                </a:effectLst>
+              </a:rPr>
+              <a:t>Quantidade: </a:t>
+            </a:r>
+            <a:r>
+              <a:rPr lang="pt-PT" sz="1800" dirty="0">
+                <a:effectLst>
+                  <a:outerShdw blurRad="50800" dist="38100" dir="2700000" algn="tl" rotWithShape="0">
+                    <a:prstClr val="black">
+                      <a:alpha val="40000"/>
+                    </a:prstClr>
+                  </a:outerShdw>
+                </a:effectLst>
+              </a:rPr>
+              <a:t> 403 obs. e 19 var</a:t>
+            </a:r>
+            <a:endParaRPr lang="pt-PT" sz="1800" dirty="0">
+              <a:solidFill>
+                <a:srgbClr val="0070C0"/>
+              </a:solidFill>
+              <a:effectLst>
+                <a:outerShdw blurRad="50800" dist="38100" dir="2700000" algn="tl" rotWithShape="0">
+                  <a:prstClr val="black">
+                    <a:alpha val="40000"/>
+                  </a:prstClr>
+                </a:outerShdw>
+              </a:effectLst>
+            </a:endParaRPr>
+          </a:p>
+          <a:p>
+            <a:pPr marL="0" indent="0">
+              <a:buNone/>
+            </a:pPr>
+            <a:r>
+              <a:rPr lang="en-US" sz="2200" dirty="0"/>
+              <a:t> </a:t>
+            </a:r>
+          </a:p>
+        </p:txBody>
+      </p:sp>
+      <p:pic>
+        <p:nvPicPr>
+          <p:cNvPr id="5" name="Graphic 4">
             <a:extLst>
               <a:ext uri="{FF2B5EF4-FFF2-40B4-BE49-F238E27FC236}">
-                <a16:creationId xmlns:a16="http://schemas.microsoft.com/office/drawing/2014/main" id="{5C6FE01A-BD39-4550-9E80-AC7DB6685E00}"/>
+                <a16:creationId xmlns:a16="http://schemas.microsoft.com/office/drawing/2014/main" id="{AA92D594-D996-4D96-8C96-D7F60D9842EF}"/>
               </a:ext>
             </a:extLst>
           </p:cNvPr>
-          <p:cNvSpPr txBox="1">
-            <a:spLocks/>
-          </p:cNvSpPr>
+          <p:cNvPicPr>
+            <a:picLocks noChangeAspect="1"/>
+          </p:cNvPicPr>
           <p:nvPr/>
-        </p:nvSpPr>
+        </p:nvPicPr>
+        <p:blipFill>
+          <a:blip r:embed="rId3">
+            <a:extLst>
+              <a:ext uri="{96DAC541-7B7A-43D3-8B79-37D633B846F1}">
+                <asvg:svgBlip xmlns:asvg="http://schemas.microsoft.com/office/drawing/2016/SVG/main" r:embed="rId4"/>
+              </a:ext>
+            </a:extLst>
+          </a:blip>
+          <a:stretch>
+            <a:fillRect/>
+          </a:stretch>
+        </p:blipFill>
         <p:spPr>
           <a:xfrm>
-            <a:off x="5488230" y="1982637"/>
-            <a:ext cx="3359510" cy="2137871"/>
+            <a:off x="1341748" y="1347902"/>
+            <a:ext cx="2466728" cy="3449054"/>
           </a:xfrm>
           <a:prstGeom prst="rect">
             <a:avLst/>
           </a:prstGeom>
         </p:spPr>
-        <p:txBody>
-          <a:bodyPr/>
-          <a:lstStyle>
-            <a:lvl1pPr marL="342900" indent="-342900" algn="l" defTabSz="914400" rtl="0" eaLnBrk="1" latinLnBrk="0" hangingPunct="1">
-              <a:spcBef>
-                <a:spcPct val="20000"/>
-              </a:spcBef>
-              <a:buFont typeface="Arial" pitchFamily="34" charset="0"/>
-              <a:buChar char="•"/>
-              <a:defRPr sz="3200" kern="1200">
-                <a:solidFill>
-                  <a:schemeClr val="tx1"/>
-                </a:solidFill>
-                <a:latin typeface="+mn-lt"/>
-                <a:ea typeface="+mn-ea"/>
-                <a:cs typeface="+mn-cs"/>
-              </a:defRPr>
-            </a:lvl1pPr>
-            <a:lvl2pPr marL="742950" indent="-285750" algn="l" defTabSz="914400" rtl="0" eaLnBrk="1" latinLnBrk="0" hangingPunct="1">
-              <a:spcBef>
-                <a:spcPct val="20000"/>
-              </a:spcBef>
-              <a:buFont typeface="Arial" pitchFamily="34" charset="0"/>
-              <a:buChar char="–"/>
-              <a:defRPr sz="2800" kern="1200">
-                <a:solidFill>
-                  <a:schemeClr val="tx1"/>
-                </a:solidFill>
-                <a:latin typeface="+mn-lt"/>
-                <a:ea typeface="+mn-ea"/>
-                <a:cs typeface="+mn-cs"/>
-              </a:defRPr>
-            </a:lvl2pPr>
-            <a:lvl3pPr marL="1143000" indent="-228600" algn="l" defTabSz="914400" rtl="0" eaLnBrk="1" latinLnBrk="0" hangingPunct="1">
-              <a:spcBef>
-                <a:spcPct val="20000"/>
-              </a:spcBef>
-              <a:buFont typeface="Arial" pitchFamily="34" charset="0"/>
-              <a:buChar char="•"/>
-              <a:defRPr sz="2400" kern="1200">
-                <a:solidFill>
-                  <a:schemeClr val="tx1"/>
-                </a:solidFill>
-                <a:latin typeface="+mn-lt"/>
-                <a:ea typeface="+mn-ea"/>
-                <a:cs typeface="+mn-cs"/>
-              </a:defRPr>
-            </a:lvl3pPr>
-            <a:lvl4pPr marL="1600200" indent="-228600" algn="l" defTabSz="914400" rtl="0" eaLnBrk="1" latinLnBrk="0" hangingPunct="1">
-              <a:spcBef>
-                <a:spcPct val="20000"/>
-              </a:spcBef>
-              <a:buFont typeface="Arial" pitchFamily="34" charset="0"/>
-              <a:buChar char="–"/>
-              <a:defRPr sz="2000" kern="1200">
-                <a:solidFill>
-                  <a:schemeClr val="tx1"/>
-                </a:solidFill>
-                <a:latin typeface="+mn-lt"/>
-                <a:ea typeface="+mn-ea"/>
-                <a:cs typeface="+mn-cs"/>
-              </a:defRPr>
-            </a:lvl4pPr>
-            <a:lvl5pPr marL="2057400" indent="-228600" algn="l" defTabSz="914400" rtl="0" eaLnBrk="1" latinLnBrk="0" hangingPunct="1">
-              <a:spcBef>
-                <a:spcPct val="20000"/>
-              </a:spcBef>
-              <a:buFont typeface="Arial" pitchFamily="34" charset="0"/>
-              <a:buChar char="»"/>
-              <a:defRPr sz="2000" kern="1200">
-                <a:solidFill>
-                  <a:schemeClr val="tx1"/>
-                </a:solidFill>
-                <a:latin typeface="+mn-lt"/>
-                <a:ea typeface="+mn-ea"/>
-                <a:cs typeface="+mn-cs"/>
-              </a:defRPr>
-            </a:lvl5pPr>
-            <a:lvl6pPr marL="2514600" indent="-228600" algn="l" defTabSz="914400" rtl="0" eaLnBrk="1" latinLnBrk="0" hangingPunct="1">
-              <a:spcBef>
-                <a:spcPct val="20000"/>
-              </a:spcBef>
-              <a:buFont typeface="Arial" pitchFamily="34" charset="0"/>
-              <a:buChar char="•"/>
-              <a:defRPr sz="2000" kern="1200">
-                <a:solidFill>
-                  <a:schemeClr val="tx1"/>
-                </a:solidFill>
-                <a:latin typeface="+mn-lt"/>
-                <a:ea typeface="+mn-ea"/>
-                <a:cs typeface="+mn-cs"/>
-              </a:defRPr>
-            </a:lvl6pPr>
-            <a:lvl7pPr marL="2971800" indent="-228600" algn="l" defTabSz="914400" rtl="0" eaLnBrk="1" latinLnBrk="0" hangingPunct="1">
-              <a:spcBef>
-                <a:spcPct val="20000"/>
-              </a:spcBef>
-              <a:buFont typeface="Arial" pitchFamily="34" charset="0"/>
-              <a:buChar char="•"/>
-              <a:defRPr sz="2000" kern="1200">
-                <a:solidFill>
-                  <a:schemeClr val="tx1"/>
-                </a:solidFill>
-                <a:latin typeface="+mn-lt"/>
-                <a:ea typeface="+mn-ea"/>
-                <a:cs typeface="+mn-cs"/>
-              </a:defRPr>
-            </a:lvl7pPr>
-            <a:lvl8pPr marL="3429000" indent="-228600" algn="l" defTabSz="914400" rtl="0" eaLnBrk="1" latinLnBrk="0" hangingPunct="1">
-              <a:spcBef>
-                <a:spcPct val="20000"/>
-              </a:spcBef>
-              <a:buFont typeface="Arial" pitchFamily="34" charset="0"/>
-              <a:buChar char="•"/>
-              <a:defRPr sz="2000" kern="1200">
-                <a:solidFill>
-                  <a:schemeClr val="tx1"/>
-                </a:solidFill>
-                <a:latin typeface="+mn-lt"/>
-                <a:ea typeface="+mn-ea"/>
-                <a:cs typeface="+mn-cs"/>
-              </a:defRPr>
-            </a:lvl8pPr>
-            <a:lvl9pPr marL="3886200" indent="-228600" algn="l" defTabSz="914400" rtl="0" eaLnBrk="1" latinLnBrk="0" hangingPunct="1">
-              <a:spcBef>
-                <a:spcPct val="20000"/>
-              </a:spcBef>
-              <a:buFont typeface="Arial" pitchFamily="34" charset="0"/>
-              <a:buChar char="•"/>
-              <a:defRPr sz="2000" kern="1200">
-                <a:solidFill>
-                  <a:schemeClr val="tx1"/>
-                </a:solidFill>
-                <a:latin typeface="+mn-lt"/>
-                <a:ea typeface="+mn-ea"/>
-                <a:cs typeface="+mn-cs"/>
-              </a:defRPr>
-            </a:lvl9pPr>
-          </a:lstStyle>
-          <a:p>
-            <a:r>
-              <a:rPr lang="en-US" dirty="0" err="1"/>
-              <a:t>nome</a:t>
-            </a:r>
-            <a:r>
-              <a:rPr lang="en-US" dirty="0"/>
-              <a:t> </a:t>
-            </a:r>
-          </a:p>
-          <a:p>
-            <a:r>
-              <a:rPr lang="en-US" dirty="0" err="1"/>
-              <a:t>origem</a:t>
-            </a:r>
-            <a:r>
-              <a:rPr lang="en-US" dirty="0"/>
-              <a:t> </a:t>
-            </a:r>
-          </a:p>
-          <a:p>
-            <a:r>
-              <a:rPr lang="en-US" dirty="0" err="1"/>
-              <a:t>quantidade</a:t>
-            </a:r>
-            <a:r>
-              <a:rPr lang="en-US" dirty="0"/>
-              <a:t> </a:t>
-            </a:r>
+      </p:pic>
+      <p:sp>
+        <p:nvSpPr>
+          <p:cNvPr id="6" name="Rectangle 5">
+            <a:extLst>
+              <a:ext uri="{FF2B5EF4-FFF2-40B4-BE49-F238E27FC236}">
+                <a16:creationId xmlns:a16="http://schemas.microsoft.com/office/drawing/2014/main" id="{BD295580-427C-4482-9948-8953BD8521E7}"/>
+              </a:ext>
+            </a:extLst>
+          </p:cNvPr>
+          <p:cNvSpPr/>
+          <p:nvPr/>
+        </p:nvSpPr>
+        <p:spPr>
+          <a:xfrm>
+            <a:off x="4336499" y="1808225"/>
+            <a:ext cx="3233642" cy="461665"/>
+          </a:xfrm>
+          <a:prstGeom prst="rect">
+            <a:avLst/>
+          </a:prstGeom>
+        </p:spPr>
+        <p:txBody>
+          <a:bodyPr wrap="none">
+            <a:spAutoFit/>
+          </a:bodyPr>
+          <a:lstStyle/>
+          <a:p>
+            <a:pPr algn="ctr"/>
+            <a:r>
+              <a:rPr lang="pt-PT" sz="2400" dirty="0">
+                <a:solidFill>
+                  <a:srgbClr val="0070C0"/>
+                </a:solidFill>
+                <a:effectLst>
+                  <a:outerShdw blurRad="50800" dist="38100" dir="2700000" algn="tl" rotWithShape="0">
+                    <a:prstClr val="black">
+                      <a:alpha val="40000"/>
+                    </a:prstClr>
+                  </a:outerShdw>
+                </a:effectLst>
+              </a:rPr>
+              <a:t>Informações do </a:t>
+            </a:r>
+            <a:r>
+              <a:rPr lang="pt-PT" sz="2400" dirty="0" err="1">
+                <a:solidFill>
+                  <a:srgbClr val="0070C0"/>
+                </a:solidFill>
+                <a:effectLst>
+                  <a:outerShdw blurRad="50800" dist="38100" dir="2700000" algn="tl" rotWithShape="0">
+                    <a:prstClr val="black">
+                      <a:alpha val="40000"/>
+                    </a:prstClr>
+                  </a:outerShdw>
+                </a:effectLst>
+              </a:rPr>
+              <a:t>Dataset</a:t>
+            </a:r>
+            <a:r>
+              <a:rPr lang="pt-PT" sz="2400" dirty="0">
+                <a:solidFill>
+                  <a:srgbClr val="0070C0"/>
+                </a:solidFill>
+                <a:effectLst>
+                  <a:outerShdw blurRad="50800" dist="38100" dir="2700000" algn="tl" rotWithShape="0">
+                    <a:prstClr val="black">
+                      <a:alpha val="40000"/>
+                    </a:prstClr>
+                  </a:outerShdw>
+                </a:effectLst>
+              </a:rPr>
+              <a:t>:</a:t>
+            </a:r>
+            <a:endParaRPr lang="en-US" sz="2400" dirty="0"/>
           </a:p>
         </p:txBody>
       </p:sp>
@@ -4787,51 +9506,305 @@
           </a:xfrm>
         </p:spPr>
         <p:txBody>
-          <a:bodyPr/>
+          <a:bodyPr>
+            <a:normAutofit/>
+          </a:bodyPr>
           <a:lstStyle/>
           <a:p>
-            <a:r>
-              <a:rPr lang="en-US" dirty="0" err="1"/>
+            <a:pPr>
+              <a:buClr>
+                <a:schemeClr val="accent1"/>
+              </a:buClr>
+              <a:buFont typeface="Wingdings" panose="05000000000000000000" pitchFamily="2" charset="2"/>
+              <a:buChar char="ü"/>
+            </a:pPr>
+            <a:r>
+              <a:rPr lang="en-US" sz="2000" dirty="0"/>
               <a:t>Stab.glu</a:t>
             </a:r>
-            <a:endParaRPr lang="en-US" dirty="0"/>
-          </a:p>
-          <a:p>
-            <a:r>
-              <a:rPr lang="en-US" dirty="0"/>
+          </a:p>
+          <a:p>
+            <a:pPr>
+              <a:buClr>
+                <a:schemeClr val="accent1"/>
+              </a:buClr>
+              <a:buFont typeface="Wingdings" panose="05000000000000000000" pitchFamily="2" charset="2"/>
+              <a:buChar char="ü"/>
+            </a:pPr>
+            <a:r>
+              <a:rPr lang="en-US" sz="2000" dirty="0"/>
               <a:t>Chol</a:t>
             </a:r>
           </a:p>
           <a:p>
-            <a:r>
-              <a:rPr lang="pt-PT" dirty="0"/>
+            <a:pPr>
+              <a:buClr>
+                <a:schemeClr val="accent1"/>
+              </a:buClr>
+              <a:buFont typeface="Wingdings" panose="05000000000000000000" pitchFamily="2" charset="2"/>
+              <a:buChar char="ü"/>
+            </a:pPr>
+            <a:r>
+              <a:rPr lang="pt-PT" sz="2000" dirty="0"/>
               <a:t>T</a:t>
             </a:r>
             <a:r>
-              <a:rPr lang="en-US" dirty="0" err="1"/>
-              <a:t>ime.ppn</a:t>
-            </a:r>
-            <a:endParaRPr lang="en-US" dirty="0"/>
-          </a:p>
-          <a:p>
-            <a:r>
-              <a:rPr lang="pt-PT" dirty="0"/>
-              <a:t>E</a:t>
-            </a:r>
-            <a:r>
-              <a:rPr lang="en-US" dirty="0" err="1"/>
-              <a:t>tc</a:t>
-            </a:r>
-            <a:endParaRPr lang="en-US" dirty="0"/>
-          </a:p>
-        </p:txBody>
-      </p:sp>
-      <p:sp>
-        <p:nvSpPr>
-          <p:cNvPr id="6" name="Content Placeholder 4">
+              <a:rPr lang="en-US" sz="2000" dirty="0" err="1"/>
+              <a:t>ime.pp</a:t>
+            </a:r>
+            <a:endParaRPr lang="en-US" sz="2000" dirty="0"/>
+          </a:p>
+          <a:p>
+            <a:pPr>
+              <a:buClr>
+                <a:schemeClr val="accent1"/>
+              </a:buClr>
+              <a:buFont typeface="Wingdings" panose="05000000000000000000" pitchFamily="2" charset="2"/>
+              <a:buChar char="ü"/>
+            </a:pPr>
+            <a:r>
+              <a:rPr lang="pt-PT" sz="2000" dirty="0" err="1"/>
+              <a:t>Hip</a:t>
+            </a:r>
+            <a:endParaRPr lang="pt-PT" sz="2000" dirty="0"/>
+          </a:p>
+          <a:p>
+            <a:pPr>
+              <a:buClr>
+                <a:schemeClr val="accent1"/>
+              </a:buClr>
+              <a:buFont typeface="Wingdings" panose="05000000000000000000" pitchFamily="2" charset="2"/>
+              <a:buChar char="ü"/>
+            </a:pPr>
+            <a:r>
+              <a:rPr lang="pt-PT" sz="2000" dirty="0" err="1"/>
+              <a:t>Weight</a:t>
+            </a:r>
+            <a:endParaRPr lang="pt-PT" sz="2000" dirty="0"/>
+          </a:p>
+          <a:p>
+            <a:pPr>
+              <a:buClr>
+                <a:schemeClr val="accent1"/>
+              </a:buClr>
+              <a:buFont typeface="Wingdings" panose="05000000000000000000" pitchFamily="2" charset="2"/>
+              <a:buChar char="ü"/>
+            </a:pPr>
+            <a:r>
+              <a:rPr lang="pt-PT" sz="2000" dirty="0" err="1"/>
+              <a:t>Height</a:t>
+            </a:r>
+            <a:endParaRPr lang="en-US" sz="2000" dirty="0"/>
+          </a:p>
+        </p:txBody>
+      </p:sp>
+      <p:grpSp>
+        <p:nvGrpSpPr>
+          <p:cNvPr id="12" name="Group 11">
             <a:extLst>
               <a:ext uri="{FF2B5EF4-FFF2-40B4-BE49-F238E27FC236}">
-                <a16:creationId xmlns:a16="http://schemas.microsoft.com/office/drawing/2014/main" id="{E77A5FFD-2DF9-4D9E-8A1B-BB9F8C88595C}"/>
+                <a16:creationId xmlns:a16="http://schemas.microsoft.com/office/drawing/2014/main" id="{82A52391-2A34-4CA3-9A51-5B2D8DB55134}"/>
+              </a:ext>
+            </a:extLst>
+          </p:cNvPr>
+          <p:cNvGrpSpPr/>
+          <p:nvPr/>
+        </p:nvGrpSpPr>
+        <p:grpSpPr>
+          <a:xfrm>
+            <a:off x="2208671" y="3598322"/>
+            <a:ext cx="4726658" cy="955234"/>
+            <a:chOff x="1823310" y="3586202"/>
+            <a:chExt cx="5948297" cy="1202123"/>
+          </a:xfrm>
+        </p:grpSpPr>
+        <p:pic>
+          <p:nvPicPr>
+            <p:cNvPr id="2" name="Graphic 1">
+              <a:extLst>
+                <a:ext uri="{FF2B5EF4-FFF2-40B4-BE49-F238E27FC236}">
+                  <a16:creationId xmlns:a16="http://schemas.microsoft.com/office/drawing/2014/main" id="{68E4C3D1-1034-4342-B9E1-E9E8CD0A51A7}"/>
+                </a:ext>
+              </a:extLst>
+            </p:cNvPr>
+            <p:cNvPicPr>
+              <a:picLocks noChangeAspect="1"/>
+            </p:cNvPicPr>
+            <p:nvPr/>
+          </p:nvPicPr>
+          <p:blipFill>
+            <a:blip r:embed="rId3">
+              <a:extLst>
+                <a:ext uri="{96DAC541-7B7A-43D3-8B79-37D633B846F1}">
+                  <asvg:svgBlip xmlns:asvg="http://schemas.microsoft.com/office/drawing/2016/SVG/main" r:embed="rId4"/>
+                </a:ext>
+              </a:extLst>
+            </a:blip>
+            <a:stretch>
+              <a:fillRect/>
+            </a:stretch>
+          </p:blipFill>
+          <p:spPr>
+            <a:xfrm>
+              <a:off x="1823310" y="3673900"/>
+              <a:ext cx="1114425" cy="1114425"/>
+            </a:xfrm>
+            <a:prstGeom prst="rect">
+              <a:avLst/>
+            </a:prstGeom>
+          </p:spPr>
+        </p:pic>
+        <p:pic>
+          <p:nvPicPr>
+            <p:cNvPr id="8" name="Graphic 7">
+              <a:extLst>
+                <a:ext uri="{FF2B5EF4-FFF2-40B4-BE49-F238E27FC236}">
+                  <a16:creationId xmlns:a16="http://schemas.microsoft.com/office/drawing/2014/main" id="{6CD455E1-AF04-4FEE-92E0-0A93E518F279}"/>
+                </a:ext>
+              </a:extLst>
+            </p:cNvPr>
+            <p:cNvPicPr>
+              <a:picLocks noChangeAspect="1"/>
+            </p:cNvPicPr>
+            <p:nvPr/>
+          </p:nvPicPr>
+          <p:blipFill>
+            <a:blip r:embed="rId5">
+              <a:extLst>
+                <a:ext uri="{96DAC541-7B7A-43D3-8B79-37D633B846F1}">
+                  <asvg:svgBlip xmlns:asvg="http://schemas.microsoft.com/office/drawing/2016/SVG/main" r:embed="rId6"/>
+                </a:ext>
+              </a:extLst>
+            </a:blip>
+            <a:stretch>
+              <a:fillRect/>
+            </a:stretch>
+          </p:blipFill>
+          <p:spPr>
+            <a:xfrm>
+              <a:off x="5453589" y="3595195"/>
+              <a:ext cx="1114425" cy="1114425"/>
+            </a:xfrm>
+            <a:prstGeom prst="rect">
+              <a:avLst/>
+            </a:prstGeom>
+          </p:spPr>
+        </p:pic>
+        <p:pic>
+          <p:nvPicPr>
+            <p:cNvPr id="9" name="Graphic 8">
+              <a:extLst>
+                <a:ext uri="{FF2B5EF4-FFF2-40B4-BE49-F238E27FC236}">
+                  <a16:creationId xmlns:a16="http://schemas.microsoft.com/office/drawing/2014/main" id="{BC04F1E8-A1C0-4668-831B-3D68FD1C92EB}"/>
+                </a:ext>
+              </a:extLst>
+            </p:cNvPr>
+            <p:cNvPicPr>
+              <a:picLocks noChangeAspect="1"/>
+            </p:cNvPicPr>
+            <p:nvPr/>
+          </p:nvPicPr>
+          <p:blipFill>
+            <a:blip r:embed="rId7">
+              <a:extLst>
+                <a:ext uri="{96DAC541-7B7A-43D3-8B79-37D633B846F1}">
+                  <asvg:svgBlip xmlns:asvg="http://schemas.microsoft.com/office/drawing/2016/SVG/main" r:embed="rId8"/>
+                </a:ext>
+              </a:extLst>
+            </a:blip>
+            <a:stretch>
+              <a:fillRect/>
+            </a:stretch>
+          </p:blipFill>
+          <p:spPr>
+            <a:xfrm>
+              <a:off x="3026904" y="3673898"/>
+              <a:ext cx="1114425" cy="1114425"/>
+            </a:xfrm>
+            <a:prstGeom prst="rect">
+              <a:avLst/>
+            </a:prstGeom>
+          </p:spPr>
+        </p:pic>
+        <p:pic>
+          <p:nvPicPr>
+            <p:cNvPr id="10" name="Graphic 9">
+              <a:extLst>
+                <a:ext uri="{FF2B5EF4-FFF2-40B4-BE49-F238E27FC236}">
+                  <a16:creationId xmlns:a16="http://schemas.microsoft.com/office/drawing/2014/main" id="{39324477-EBE0-4500-8191-224BA2A99D4A}"/>
+                </a:ext>
+              </a:extLst>
+            </p:cNvPr>
+            <p:cNvPicPr>
+              <a:picLocks noChangeAspect="1"/>
+            </p:cNvPicPr>
+            <p:nvPr/>
+          </p:nvPicPr>
+          <p:blipFill>
+            <a:blip r:embed="rId9">
+              <a:extLst>
+                <a:ext uri="{96DAC541-7B7A-43D3-8B79-37D633B846F1}">
+                  <asvg:svgBlip xmlns:asvg="http://schemas.microsoft.com/office/drawing/2016/SVG/main" r:embed="rId10"/>
+                </a:ext>
+              </a:extLst>
+            </a:blip>
+            <a:stretch>
+              <a:fillRect/>
+            </a:stretch>
+          </p:blipFill>
+          <p:spPr>
+            <a:xfrm>
+              <a:off x="4240246" y="3647649"/>
+              <a:ext cx="1114425" cy="1114425"/>
+            </a:xfrm>
+            <a:prstGeom prst="rect">
+              <a:avLst/>
+            </a:prstGeom>
+          </p:spPr>
+        </p:pic>
+        <p:pic>
+          <p:nvPicPr>
+            <p:cNvPr id="11" name="Graphic 10">
+              <a:extLst>
+                <a:ext uri="{FF2B5EF4-FFF2-40B4-BE49-F238E27FC236}">
+                  <a16:creationId xmlns:a16="http://schemas.microsoft.com/office/drawing/2014/main" id="{0DF0D595-56B8-4E85-BCDD-FA88755182FD}"/>
+                </a:ext>
+              </a:extLst>
+            </p:cNvPr>
+            <p:cNvPicPr>
+              <a:picLocks noChangeAspect="1"/>
+            </p:cNvPicPr>
+            <p:nvPr/>
+          </p:nvPicPr>
+          <p:blipFill>
+            <a:blip r:embed="rId11">
+              <a:extLst>
+                <a:ext uri="{96DAC541-7B7A-43D3-8B79-37D633B846F1}">
+                  <asvg:svgBlip xmlns:asvg="http://schemas.microsoft.com/office/drawing/2016/SVG/main" r:embed="rId12"/>
+                </a:ext>
+              </a:extLst>
+            </a:blip>
+            <a:stretch>
+              <a:fillRect/>
+            </a:stretch>
+          </p:blipFill>
+          <p:spPr>
+            <a:xfrm>
+              <a:off x="6657182" y="3586202"/>
+              <a:ext cx="1114425" cy="1114425"/>
+            </a:xfrm>
+            <a:prstGeom prst="rect">
+              <a:avLst/>
+            </a:prstGeom>
+          </p:spPr>
+        </p:pic>
+      </p:grpSp>
+      <p:sp>
+        <p:nvSpPr>
+          <p:cNvPr id="13" name="Content Placeholder 4">
+            <a:extLst>
+              <a:ext uri="{FF2B5EF4-FFF2-40B4-BE49-F238E27FC236}">
+                <a16:creationId xmlns:a16="http://schemas.microsoft.com/office/drawing/2014/main" id="{17D016BA-CE40-4518-B34F-54DDDADAE0D2}"/>
               </a:ext>
             </a:extLst>
           </p:cNvPr>
@@ -4842,7 +9815,7 @@
         </p:nvSpPr>
         <p:spPr>
           <a:xfrm>
-            <a:off x="5030115" y="1197406"/>
+            <a:off x="4327602" y="1165670"/>
             <a:ext cx="2290575" cy="3358356"/>
           </a:xfrm>
           <a:prstGeom prst="rect">
@@ -4991,40 +9964,381 @@
             </a:lvl9pPr>
           </a:lstStyle>
           <a:p>
-            <a:r>
-              <a:rPr lang="en-US"/>
-              <a:t>Stab.glu</a:t>
-            </a:r>
-          </a:p>
-          <a:p>
-            <a:r>
-              <a:rPr lang="en-US"/>
-              <a:t>Chol</a:t>
-            </a:r>
-          </a:p>
-          <a:p>
-            <a:r>
-              <a:rPr lang="pt-PT"/>
-              <a:t>T</a:t>
-            </a:r>
-            <a:r>
-              <a:rPr lang="en-US"/>
-              <a:t>ime.ppn</a:t>
-            </a:r>
-          </a:p>
-          <a:p>
-            <a:r>
-              <a:rPr lang="pt-PT"/>
-              <a:t>E</a:t>
-            </a:r>
-            <a:r>
-              <a:rPr lang="en-US"/>
-              <a:t>tc</a:t>
-            </a:r>
-            <a:endParaRPr lang="en-US" dirty="0"/>
-          </a:p>
-        </p:txBody>
-      </p:sp>
+            <a:pPr>
+              <a:buClr>
+                <a:schemeClr val="accent1"/>
+              </a:buClr>
+              <a:buFont typeface="Wingdings" panose="05000000000000000000" pitchFamily="2" charset="2"/>
+              <a:buChar char="ü"/>
+            </a:pPr>
+            <a:r>
+              <a:rPr lang="en-US" sz="2000" dirty="0"/>
+              <a:t>Bp.1s</a:t>
+            </a:r>
+          </a:p>
+          <a:p>
+            <a:pPr>
+              <a:buClr>
+                <a:schemeClr val="accent1"/>
+              </a:buClr>
+              <a:buFont typeface="Wingdings" panose="05000000000000000000" pitchFamily="2" charset="2"/>
+              <a:buChar char="ü"/>
+            </a:pPr>
+            <a:r>
+              <a:rPr lang="pt-PT" sz="2000" dirty="0"/>
+              <a:t>B</a:t>
+            </a:r>
+            <a:r>
+              <a:rPr lang="en-US" sz="2000" dirty="0"/>
+              <a:t>p.1d</a:t>
+            </a:r>
+          </a:p>
+          <a:p>
+            <a:pPr>
+              <a:buClr>
+                <a:schemeClr val="accent1"/>
+              </a:buClr>
+              <a:buFont typeface="Wingdings" panose="05000000000000000000" pitchFamily="2" charset="2"/>
+              <a:buChar char="ü"/>
+            </a:pPr>
+            <a:r>
+              <a:rPr lang="pt-PT" sz="2000" dirty="0"/>
+              <a:t>B</a:t>
+            </a:r>
+            <a:r>
+              <a:rPr lang="en-US" sz="2000" dirty="0"/>
+              <a:t>p.2s</a:t>
+            </a:r>
+          </a:p>
+          <a:p>
+            <a:pPr>
+              <a:buClr>
+                <a:schemeClr val="accent1"/>
+              </a:buClr>
+              <a:buFont typeface="Wingdings" panose="05000000000000000000" pitchFamily="2" charset="2"/>
+              <a:buChar char="ü"/>
+            </a:pPr>
+            <a:r>
+              <a:rPr lang="pt-PT" sz="2000" dirty="0"/>
+              <a:t>Bp.2d</a:t>
+            </a:r>
+            <a:endParaRPr lang="en-US" sz="2000" dirty="0"/>
+          </a:p>
+          <a:p>
+            <a:pPr>
+              <a:buClr>
+                <a:schemeClr val="accent1"/>
+              </a:buClr>
+              <a:buFont typeface="Wingdings" panose="05000000000000000000" pitchFamily="2" charset="2"/>
+              <a:buChar char="ü"/>
+            </a:pPr>
+            <a:r>
+              <a:rPr lang="pt-PT" sz="2000" dirty="0" err="1"/>
+              <a:t>Gly.hb</a:t>
+            </a:r>
+            <a:endParaRPr lang="pt-PT" sz="2000" dirty="0"/>
+          </a:p>
+          <a:p>
+            <a:pPr>
+              <a:buClr>
+                <a:schemeClr val="accent1"/>
+              </a:buClr>
+              <a:buFont typeface="Wingdings" panose="05000000000000000000" pitchFamily="2" charset="2"/>
+              <a:buChar char="ü"/>
+            </a:pPr>
+            <a:r>
+              <a:rPr lang="pt-PT" sz="2000" dirty="0"/>
+              <a:t>Ratio</a:t>
+            </a:r>
+            <a:endParaRPr lang="en-US" sz="2000" dirty="0"/>
+          </a:p>
+        </p:txBody>
+      </p:sp>
+      <p:sp>
+        <p:nvSpPr>
+          <p:cNvPr id="14" name="Content Placeholder 4">
+            <a:extLst>
+              <a:ext uri="{FF2B5EF4-FFF2-40B4-BE49-F238E27FC236}">
+                <a16:creationId xmlns:a16="http://schemas.microsoft.com/office/drawing/2014/main" id="{7CBD3A2D-5FF3-4079-9777-42C7B4898226}"/>
+              </a:ext>
+            </a:extLst>
+          </p:cNvPr>
+          <p:cNvSpPr txBox="1">
+            <a:spLocks/>
+          </p:cNvSpPr>
+          <p:nvPr/>
+        </p:nvSpPr>
+        <p:spPr>
+          <a:xfrm>
+            <a:off x="5916853" y="1163464"/>
+            <a:ext cx="2290575" cy="3358356"/>
+          </a:xfrm>
+          <a:prstGeom prst="rect">
+            <a:avLst/>
+          </a:prstGeom>
+        </p:spPr>
+        <p:txBody>
+          <a:bodyPr vert="horz" lIns="91440" tIns="45720" rIns="91440" bIns="45720" rtlCol="0">
+            <a:normAutofit/>
+          </a:bodyPr>
+          <a:lstStyle>
+            <a:lvl1pPr marL="342900" indent="-342900" algn="l" defTabSz="914400" rtl="0" eaLnBrk="1" latinLnBrk="0" hangingPunct="1">
+              <a:spcBef>
+                <a:spcPct val="20000"/>
+              </a:spcBef>
+              <a:buFont typeface="Arial" pitchFamily="34" charset="0"/>
+              <a:buChar char="•"/>
+              <a:defRPr sz="2800" kern="1200">
+                <a:solidFill>
+                  <a:srgbClr val="002060"/>
+                </a:solidFill>
+                <a:latin typeface="+mn-lt"/>
+                <a:ea typeface="+mn-ea"/>
+                <a:cs typeface="+mn-cs"/>
+              </a:defRPr>
+            </a:lvl1pPr>
+            <a:lvl2pPr marL="742950" indent="-285750" algn="l" defTabSz="914400" rtl="0" eaLnBrk="1" latinLnBrk="0" hangingPunct="1">
+              <a:spcBef>
+                <a:spcPct val="20000"/>
+              </a:spcBef>
+              <a:buFont typeface="Arial" pitchFamily="34" charset="0"/>
+              <a:buChar char="–"/>
+              <a:defRPr sz="2800" kern="1200">
+                <a:solidFill>
+                  <a:srgbClr val="002060"/>
+                </a:solidFill>
+                <a:latin typeface="+mn-lt"/>
+                <a:ea typeface="+mn-ea"/>
+                <a:cs typeface="+mn-cs"/>
+              </a:defRPr>
+            </a:lvl2pPr>
+            <a:lvl3pPr marL="1143000" indent="-228600" algn="l" defTabSz="914400" rtl="0" eaLnBrk="1" latinLnBrk="0" hangingPunct="1">
+              <a:spcBef>
+                <a:spcPct val="20000"/>
+              </a:spcBef>
+              <a:buFont typeface="Arial" pitchFamily="34" charset="0"/>
+              <a:buChar char="•"/>
+              <a:defRPr sz="2400" kern="1200">
+                <a:solidFill>
+                  <a:srgbClr val="002060"/>
+                </a:solidFill>
+                <a:latin typeface="+mn-lt"/>
+                <a:ea typeface="+mn-ea"/>
+                <a:cs typeface="+mn-cs"/>
+              </a:defRPr>
+            </a:lvl3pPr>
+            <a:lvl4pPr marL="1600200" indent="-228600" algn="l" defTabSz="914400" rtl="0" eaLnBrk="1" latinLnBrk="0" hangingPunct="1">
+              <a:spcBef>
+                <a:spcPct val="20000"/>
+              </a:spcBef>
+              <a:buFont typeface="Arial" pitchFamily="34" charset="0"/>
+              <a:buChar char="–"/>
+              <a:defRPr sz="2000" kern="1200">
+                <a:solidFill>
+                  <a:srgbClr val="002060"/>
+                </a:solidFill>
+                <a:latin typeface="+mn-lt"/>
+                <a:ea typeface="+mn-ea"/>
+                <a:cs typeface="+mn-cs"/>
+              </a:defRPr>
+            </a:lvl4pPr>
+            <a:lvl5pPr marL="2057400" indent="-228600" algn="l" defTabSz="914400" rtl="0" eaLnBrk="1" latinLnBrk="0" hangingPunct="1">
+              <a:spcBef>
+                <a:spcPct val="20000"/>
+              </a:spcBef>
+              <a:buFont typeface="Arial" pitchFamily="34" charset="0"/>
+              <a:buChar char="»"/>
+              <a:defRPr sz="2000" kern="1200">
+                <a:solidFill>
+                  <a:srgbClr val="002060"/>
+                </a:solidFill>
+                <a:latin typeface="+mn-lt"/>
+                <a:ea typeface="+mn-ea"/>
+                <a:cs typeface="+mn-cs"/>
+              </a:defRPr>
+            </a:lvl5pPr>
+            <a:lvl6pPr marL="2514600" indent="-228600" algn="l" defTabSz="914400" rtl="0" eaLnBrk="1" latinLnBrk="0" hangingPunct="1">
+              <a:spcBef>
+                <a:spcPct val="20000"/>
+              </a:spcBef>
+              <a:buFont typeface="Arial" pitchFamily="34" charset="0"/>
+              <a:buChar char="•"/>
+              <a:defRPr sz="2000" kern="1200">
+                <a:solidFill>
+                  <a:schemeClr val="tx1"/>
+                </a:solidFill>
+                <a:latin typeface="+mn-lt"/>
+                <a:ea typeface="+mn-ea"/>
+                <a:cs typeface="+mn-cs"/>
+              </a:defRPr>
+            </a:lvl6pPr>
+            <a:lvl7pPr marL="2971800" indent="-228600" algn="l" defTabSz="914400" rtl="0" eaLnBrk="1" latinLnBrk="0" hangingPunct="1">
+              <a:spcBef>
+                <a:spcPct val="20000"/>
+              </a:spcBef>
+              <a:buFont typeface="Arial" pitchFamily="34" charset="0"/>
+              <a:buChar char="•"/>
+              <a:defRPr sz="2000" kern="1200">
+                <a:solidFill>
+                  <a:schemeClr val="tx1"/>
+                </a:solidFill>
+                <a:latin typeface="+mn-lt"/>
+                <a:ea typeface="+mn-ea"/>
+                <a:cs typeface="+mn-cs"/>
+              </a:defRPr>
+            </a:lvl7pPr>
+            <a:lvl8pPr marL="3429000" indent="-228600" algn="l" defTabSz="914400" rtl="0" eaLnBrk="1" latinLnBrk="0" hangingPunct="1">
+              <a:spcBef>
+                <a:spcPct val="20000"/>
+              </a:spcBef>
+              <a:buFont typeface="Arial" pitchFamily="34" charset="0"/>
+              <a:buChar char="•"/>
+              <a:defRPr sz="2000" kern="1200">
+                <a:solidFill>
+                  <a:schemeClr val="tx1"/>
+                </a:solidFill>
+                <a:latin typeface="+mn-lt"/>
+                <a:ea typeface="+mn-ea"/>
+                <a:cs typeface="+mn-cs"/>
+              </a:defRPr>
+            </a:lvl8pPr>
+            <a:lvl9pPr marL="3886200" indent="-228600" algn="l" defTabSz="914400" rtl="0" eaLnBrk="1" latinLnBrk="0" hangingPunct="1">
+              <a:spcBef>
+                <a:spcPct val="20000"/>
+              </a:spcBef>
+              <a:buFont typeface="Arial" pitchFamily="34" charset="0"/>
+              <a:buChar char="•"/>
+              <a:defRPr sz="2000" kern="1200">
+                <a:solidFill>
+                  <a:schemeClr val="tx1"/>
+                </a:solidFill>
+                <a:latin typeface="+mn-lt"/>
+                <a:ea typeface="+mn-ea"/>
+                <a:cs typeface="+mn-cs"/>
+              </a:defRPr>
+            </a:lvl9pPr>
+          </a:lstStyle>
+          <a:p>
+            <a:pPr>
+              <a:buClr>
+                <a:schemeClr val="accent1"/>
+              </a:buClr>
+              <a:buFont typeface="Wingdings" panose="05000000000000000000" pitchFamily="2" charset="2"/>
+              <a:buChar char="ü"/>
+            </a:pPr>
+            <a:r>
+              <a:rPr lang="en-US" sz="2000" dirty="0"/>
+              <a:t>Ratio</a:t>
+            </a:r>
+          </a:p>
+          <a:p>
+            <a:pPr>
+              <a:buClr>
+                <a:schemeClr val="accent1"/>
+              </a:buClr>
+              <a:buFont typeface="Wingdings" panose="05000000000000000000" pitchFamily="2" charset="2"/>
+              <a:buChar char="ü"/>
+            </a:pPr>
+            <a:r>
+              <a:rPr lang="pt-PT" sz="2000" dirty="0"/>
+              <a:t>Frame</a:t>
+            </a:r>
+            <a:endParaRPr lang="en-US" sz="2000" dirty="0"/>
+          </a:p>
+          <a:p>
+            <a:pPr>
+              <a:buClr>
+                <a:schemeClr val="accent1"/>
+              </a:buClr>
+              <a:buFont typeface="Wingdings" panose="05000000000000000000" pitchFamily="2" charset="2"/>
+              <a:buChar char="ü"/>
+            </a:pPr>
+            <a:r>
+              <a:rPr lang="pt-PT" sz="2000" dirty="0"/>
+              <a:t>Location</a:t>
+            </a:r>
+            <a:endParaRPr lang="en-US" sz="2000" dirty="0"/>
+          </a:p>
+          <a:p>
+            <a:pPr>
+              <a:buClr>
+                <a:schemeClr val="accent1"/>
+              </a:buClr>
+              <a:buFont typeface="Wingdings" panose="05000000000000000000" pitchFamily="2" charset="2"/>
+              <a:buChar char="ü"/>
+            </a:pPr>
+            <a:r>
+              <a:rPr lang="pt-PT" sz="2000" dirty="0" err="1"/>
+              <a:t>Hdl</a:t>
+            </a:r>
+            <a:endParaRPr lang="en-US" sz="2000" dirty="0"/>
+          </a:p>
+          <a:p>
+            <a:pPr>
+              <a:buClr>
+                <a:schemeClr val="accent1"/>
+              </a:buClr>
+              <a:buFont typeface="Wingdings" panose="05000000000000000000" pitchFamily="2" charset="2"/>
+              <a:buChar char="ü"/>
+            </a:pPr>
+            <a:r>
+              <a:rPr lang="pt-PT" sz="2000" dirty="0" err="1"/>
+              <a:t>Gender</a:t>
+            </a:r>
+            <a:endParaRPr lang="pt-PT" sz="2000" dirty="0"/>
+          </a:p>
+          <a:p>
+            <a:pPr>
+              <a:buClr>
+                <a:schemeClr val="accent1"/>
+              </a:buClr>
+              <a:buFont typeface="Wingdings" panose="05000000000000000000" pitchFamily="2" charset="2"/>
+              <a:buChar char="ü"/>
+            </a:pPr>
+            <a:r>
+              <a:rPr lang="pt-PT" sz="2000" dirty="0" err="1"/>
+              <a:t>Waist</a:t>
+            </a:r>
+            <a:endParaRPr lang="en-US" sz="2000" dirty="0"/>
+          </a:p>
+        </p:txBody>
+      </p:sp>
+      <p:pic>
+        <p:nvPicPr>
+          <p:cNvPr id="16" name="Graphic 15">
+            <a:extLst>
+              <a:ext uri="{FF2B5EF4-FFF2-40B4-BE49-F238E27FC236}">
+                <a16:creationId xmlns:a16="http://schemas.microsoft.com/office/drawing/2014/main" id="{0CB51168-837F-404A-A8A2-266F229DFF3A}"/>
+              </a:ext>
+            </a:extLst>
+          </p:cNvPr>
+          <p:cNvPicPr>
+            <a:picLocks noChangeAspect="1"/>
+          </p:cNvPicPr>
+          <p:nvPr/>
+        </p:nvPicPr>
+        <p:blipFill>
+          <a:blip r:embed="rId13">
+            <a:extLst>
+              <a:ext uri="{96DAC541-7B7A-43D3-8B79-37D633B846F1}">
+                <asvg:svgBlip xmlns:asvg="http://schemas.microsoft.com/office/drawing/2016/SVG/main" r:embed="rId14"/>
+              </a:ext>
+            </a:extLst>
+          </a:blip>
+          <a:stretch>
+            <a:fillRect/>
+          </a:stretch>
+        </p:blipFill>
+        <p:spPr>
+          <a:xfrm>
+            <a:off x="7006183" y="3592222"/>
+            <a:ext cx="885600" cy="885600"/>
+          </a:xfrm>
+          <a:prstGeom prst="rect">
+            <a:avLst/>
+          </a:prstGeom>
+        </p:spPr>
+      </p:pic>
     </p:spTree>
     <p:extLst>
       <p:ext uri="{BB962C8B-B14F-4D97-AF65-F5344CB8AC3E}">
@@ -5057,174 +10371,50 @@
       </p:grpSpPr>
       <p:sp>
         <p:nvSpPr>
-          <p:cNvPr id="4" name="Subtitle 2">
+          <p:cNvPr id="2" name="Rectangle 1">
             <a:extLst>
               <a:ext uri="{FF2B5EF4-FFF2-40B4-BE49-F238E27FC236}">
-                <a16:creationId xmlns:a16="http://schemas.microsoft.com/office/drawing/2014/main" id="{28219A4E-2B0E-4B01-8904-9E484E829D91}"/>
+                <a16:creationId xmlns:a16="http://schemas.microsoft.com/office/drawing/2014/main" id="{A46695DC-2D58-431E-8BF3-DDD6614F2E9C}"/>
               </a:ext>
             </a:extLst>
           </p:cNvPr>
-          <p:cNvSpPr txBox="1">
-            <a:spLocks/>
-          </p:cNvSpPr>
+          <p:cNvSpPr/>
           <p:nvPr/>
         </p:nvSpPr>
         <p:spPr>
           <a:xfrm>
-            <a:off x="2663187" y="2113635"/>
-            <a:ext cx="3817625" cy="1068935"/>
+            <a:off x="1288842" y="2419045"/>
+            <a:ext cx="6566315" cy="861774"/>
           </a:xfrm>
           <a:prstGeom prst="rect">
             <a:avLst/>
           </a:prstGeom>
         </p:spPr>
         <p:txBody>
-          <a:bodyPr>
-            <a:noAutofit/>
+          <a:bodyPr wrap="square">
+            <a:spAutoFit/>
           </a:bodyPr>
-          <a:lstStyle>
-            <a:lvl1pPr marL="342900" indent="-342900" algn="l" defTabSz="914400" rtl="0" eaLnBrk="1" latinLnBrk="0" hangingPunct="1">
-              <a:spcBef>
-                <a:spcPct val="20000"/>
-              </a:spcBef>
-              <a:buFont typeface="Arial" pitchFamily="34" charset="0"/>
-              <a:buChar char="•"/>
-              <a:defRPr sz="3200" kern="1200">
-                <a:solidFill>
-                  <a:schemeClr val="tx1"/>
-                </a:solidFill>
-                <a:latin typeface="+mn-lt"/>
-                <a:ea typeface="+mn-ea"/>
-                <a:cs typeface="+mn-cs"/>
-              </a:defRPr>
-            </a:lvl1pPr>
-            <a:lvl2pPr marL="742950" indent="-285750" algn="l" defTabSz="914400" rtl="0" eaLnBrk="1" latinLnBrk="0" hangingPunct="1">
-              <a:spcBef>
-                <a:spcPct val="20000"/>
-              </a:spcBef>
-              <a:buFont typeface="Arial" pitchFamily="34" charset="0"/>
-              <a:buChar char="–"/>
-              <a:defRPr sz="2800" kern="1200">
-                <a:solidFill>
-                  <a:schemeClr val="tx1"/>
-                </a:solidFill>
-                <a:latin typeface="+mn-lt"/>
-                <a:ea typeface="+mn-ea"/>
-                <a:cs typeface="+mn-cs"/>
-              </a:defRPr>
-            </a:lvl2pPr>
-            <a:lvl3pPr marL="1143000" indent="-228600" algn="l" defTabSz="914400" rtl="0" eaLnBrk="1" latinLnBrk="0" hangingPunct="1">
-              <a:spcBef>
-                <a:spcPct val="20000"/>
-              </a:spcBef>
-              <a:buFont typeface="Arial" pitchFamily="34" charset="0"/>
-              <a:buChar char="•"/>
-              <a:defRPr sz="2400" kern="1200">
-                <a:solidFill>
-                  <a:schemeClr val="tx1"/>
-                </a:solidFill>
-                <a:latin typeface="+mn-lt"/>
-                <a:ea typeface="+mn-ea"/>
-                <a:cs typeface="+mn-cs"/>
-              </a:defRPr>
-            </a:lvl3pPr>
-            <a:lvl4pPr marL="1600200" indent="-228600" algn="l" defTabSz="914400" rtl="0" eaLnBrk="1" latinLnBrk="0" hangingPunct="1">
-              <a:spcBef>
-                <a:spcPct val="20000"/>
-              </a:spcBef>
-              <a:buFont typeface="Arial" pitchFamily="34" charset="0"/>
-              <a:buChar char="–"/>
-              <a:defRPr sz="2000" kern="1200">
-                <a:solidFill>
-                  <a:schemeClr val="tx1"/>
-                </a:solidFill>
-                <a:latin typeface="+mn-lt"/>
-                <a:ea typeface="+mn-ea"/>
-                <a:cs typeface="+mn-cs"/>
-              </a:defRPr>
-            </a:lvl4pPr>
-            <a:lvl5pPr marL="2057400" indent="-228600" algn="l" defTabSz="914400" rtl="0" eaLnBrk="1" latinLnBrk="0" hangingPunct="1">
-              <a:spcBef>
-                <a:spcPct val="20000"/>
-              </a:spcBef>
-              <a:buFont typeface="Arial" pitchFamily="34" charset="0"/>
-              <a:buChar char="»"/>
-              <a:defRPr sz="2000" kern="1200">
-                <a:solidFill>
-                  <a:schemeClr val="tx1"/>
-                </a:solidFill>
-                <a:latin typeface="+mn-lt"/>
-                <a:ea typeface="+mn-ea"/>
-                <a:cs typeface="+mn-cs"/>
-              </a:defRPr>
-            </a:lvl5pPr>
-            <a:lvl6pPr marL="2514600" indent="-228600" algn="l" defTabSz="914400" rtl="0" eaLnBrk="1" latinLnBrk="0" hangingPunct="1">
-              <a:spcBef>
-                <a:spcPct val="20000"/>
-              </a:spcBef>
-              <a:buFont typeface="Arial" pitchFamily="34" charset="0"/>
-              <a:buChar char="•"/>
-              <a:defRPr sz="2000" kern="1200">
-                <a:solidFill>
-                  <a:schemeClr val="tx1"/>
-                </a:solidFill>
-                <a:latin typeface="+mn-lt"/>
-                <a:ea typeface="+mn-ea"/>
-                <a:cs typeface="+mn-cs"/>
-              </a:defRPr>
-            </a:lvl6pPr>
-            <a:lvl7pPr marL="2971800" indent="-228600" algn="l" defTabSz="914400" rtl="0" eaLnBrk="1" latinLnBrk="0" hangingPunct="1">
-              <a:spcBef>
-                <a:spcPct val="20000"/>
-              </a:spcBef>
-              <a:buFont typeface="Arial" pitchFamily="34" charset="0"/>
-              <a:buChar char="•"/>
-              <a:defRPr sz="2000" kern="1200">
-                <a:solidFill>
-                  <a:schemeClr val="tx1"/>
-                </a:solidFill>
-                <a:latin typeface="+mn-lt"/>
-                <a:ea typeface="+mn-ea"/>
-                <a:cs typeface="+mn-cs"/>
-              </a:defRPr>
-            </a:lvl7pPr>
-            <a:lvl8pPr marL="3429000" indent="-228600" algn="l" defTabSz="914400" rtl="0" eaLnBrk="1" latinLnBrk="0" hangingPunct="1">
-              <a:spcBef>
-                <a:spcPct val="20000"/>
-              </a:spcBef>
-              <a:buFont typeface="Arial" pitchFamily="34" charset="0"/>
-              <a:buChar char="•"/>
-              <a:defRPr sz="2000" kern="1200">
-                <a:solidFill>
-                  <a:schemeClr val="tx1"/>
-                </a:solidFill>
-                <a:latin typeface="+mn-lt"/>
-                <a:ea typeface="+mn-ea"/>
-                <a:cs typeface="+mn-cs"/>
-              </a:defRPr>
-            </a:lvl8pPr>
-            <a:lvl9pPr marL="3886200" indent="-228600" algn="l" defTabSz="914400" rtl="0" eaLnBrk="1" latinLnBrk="0" hangingPunct="1">
-              <a:spcBef>
-                <a:spcPct val="20000"/>
-              </a:spcBef>
-              <a:buFont typeface="Arial" pitchFamily="34" charset="0"/>
-              <a:buChar char="•"/>
-              <a:defRPr sz="2000" kern="1200">
-                <a:solidFill>
-                  <a:schemeClr val="tx1"/>
-                </a:solidFill>
-                <a:latin typeface="+mn-lt"/>
-                <a:ea typeface="+mn-ea"/>
-                <a:cs typeface="+mn-cs"/>
-              </a:defRPr>
-            </a:lvl9pPr>
-          </a:lstStyle>
-          <a:p>
-            <a:r>
-              <a:rPr lang="pt-PT" dirty="0"/>
-              <a:t>Análise exploratória</a:t>
-            </a:r>
-            <a:endParaRPr lang="en-US" dirty="0"/>
+          <a:lstStyle/>
+          <a:p>
+            <a:pPr algn="ctr"/>
+            <a:r>
+              <a:rPr lang="pt-PT" sz="5000" dirty="0">
+                <a:solidFill>
+                  <a:srgbClr val="0070C0"/>
+                </a:solidFill>
+                <a:effectLst>
+                  <a:outerShdw blurRad="50800" dist="38100" dir="2700000" algn="tl" rotWithShape="0">
+                    <a:prstClr val="black">
+                      <a:alpha val="40000"/>
+                    </a:prstClr>
+                  </a:outerShdw>
+                </a:effectLst>
+                <a:ea typeface="+mj-ea"/>
+                <a:cs typeface="+mj-cs"/>
+              </a:rPr>
+              <a:t>Análise exploratória  </a:t>
+            </a:r>
+            <a:endParaRPr lang="en-US" sz="5000" dirty="0"/>
           </a:p>
         </p:txBody>
       </p:sp>
@@ -5672,10 +10862,10 @@
       </p:sp>
       <p:pic>
         <p:nvPicPr>
-          <p:cNvPr id="26" name="Picture 25">
+          <p:cNvPr id="3" name="Picture 2">
             <a:extLst>
               <a:ext uri="{FF2B5EF4-FFF2-40B4-BE49-F238E27FC236}">
-                <a16:creationId xmlns:a16="http://schemas.microsoft.com/office/drawing/2014/main" id="{E3F3FF73-5174-4320-986F-50DA0DFE047D}"/>
+                <a16:creationId xmlns:a16="http://schemas.microsoft.com/office/drawing/2014/main" id="{E164AEDF-7CAD-41F4-BE8A-143CA9042FCC}"/>
               </a:ext>
             </a:extLst>
           </p:cNvPr>
@@ -5692,83 +10882,13 @@
               </a:ext>
             </a:extLst>
           </a:blip>
-          <a:srcRect t="12549"/>
+          <a:srcRect t="10776" b="-402"/>
           <a:stretch/>
         </p:blipFill>
         <p:spPr>
           <a:xfrm>
-            <a:off x="4816419" y="1579167"/>
-            <a:ext cx="1749492" cy="1840423"/>
-          </a:xfrm>
-          <a:prstGeom prst="rect">
-            <a:avLst/>
-          </a:prstGeom>
-        </p:spPr>
-      </p:pic>
-      <p:pic>
-        <p:nvPicPr>
-          <p:cNvPr id="28" name="Picture 27">
-            <a:extLst>
-              <a:ext uri="{FF2B5EF4-FFF2-40B4-BE49-F238E27FC236}">
-                <a16:creationId xmlns:a16="http://schemas.microsoft.com/office/drawing/2014/main" id="{A642A1B7-CEC7-4C5D-8DD0-9A0B738B695F}"/>
-              </a:ext>
-            </a:extLst>
-          </p:cNvPr>
-          <p:cNvPicPr>
-            <a:picLocks noChangeAspect="1"/>
-          </p:cNvPicPr>
-          <p:nvPr/>
-        </p:nvPicPr>
-        <p:blipFill rotWithShape="1">
-          <a:blip r:embed="rId8">
-            <a:extLst>
-              <a:ext uri="{28A0092B-C50C-407E-A947-70E740481C1C}">
-                <a14:useLocalDpi xmlns:a14="http://schemas.microsoft.com/office/drawing/2010/main" val="0"/>
-              </a:ext>
-            </a:extLst>
-          </a:blip>
-          <a:srcRect t="11325" b="1541"/>
-          <a:stretch/>
-        </p:blipFill>
-        <p:spPr>
-          <a:xfrm>
-            <a:off x="6939161" y="1579167"/>
-            <a:ext cx="1755874" cy="1840423"/>
-          </a:xfrm>
-          <a:prstGeom prst="rect">
-            <a:avLst/>
-          </a:prstGeom>
-        </p:spPr>
-      </p:pic>
-      <p:pic>
-        <p:nvPicPr>
-          <p:cNvPr id="30" name="Picture 29">
-            <a:extLst>
-              <a:ext uri="{FF2B5EF4-FFF2-40B4-BE49-F238E27FC236}">
-                <a16:creationId xmlns:a16="http://schemas.microsoft.com/office/drawing/2014/main" id="{48AE9C29-AE7D-4A85-B785-82D8F7272500}"/>
-              </a:ext>
-            </a:extLst>
-          </p:cNvPr>
-          <p:cNvPicPr>
-            <a:picLocks noChangeAspect="1"/>
-          </p:cNvPicPr>
-          <p:nvPr/>
-        </p:nvPicPr>
-        <p:blipFill rotWithShape="1">
-          <a:blip r:embed="rId9" cstate="print">
-            <a:extLst>
-              <a:ext uri="{28A0092B-C50C-407E-A947-70E740481C1C}">
-                <a14:useLocalDpi xmlns:a14="http://schemas.microsoft.com/office/drawing/2010/main" val="0"/>
-              </a:ext>
-            </a:extLst>
-          </a:blip>
-          <a:srcRect t="9239" b="1391"/>
-          <a:stretch/>
-        </p:blipFill>
-        <p:spPr>
-          <a:xfrm>
-            <a:off x="5933354" y="3459127"/>
-            <a:ext cx="1481585" cy="1592784"/>
+            <a:off x="4915563" y="1558478"/>
+            <a:ext cx="3517168" cy="3478106"/>
           </a:xfrm>
           <a:prstGeom prst="rect">
             <a:avLst/>
@@ -5842,56 +10962,189 @@
         </p:nvSpPr>
         <p:spPr>
           <a:xfrm>
-            <a:off x="2434130" y="1197406"/>
-            <a:ext cx="2290575" cy="3358356"/>
+            <a:off x="2133152" y="1782127"/>
+            <a:ext cx="1867389" cy="2927493"/>
           </a:xfrm>
         </p:spPr>
         <p:txBody>
-          <a:bodyPr/>
+          <a:bodyPr>
+            <a:normAutofit fontScale="92500" lnSpcReduction="10000"/>
+          </a:bodyPr>
           <a:lstStyle/>
           <a:p>
-            <a:r>
-              <a:rPr lang="en-US" dirty="0" err="1"/>
+            <a:pPr marL="514350" indent="-514350">
+              <a:buClr>
+                <a:schemeClr val="accent1"/>
+              </a:buClr>
+              <a:buFont typeface="+mj-lt"/>
+              <a:buAutoNum type="arabicPeriod"/>
+            </a:pPr>
+            <a:r>
+              <a:rPr lang="en-US" sz="1800" dirty="0"/>
               <a:t>Stab.glu</a:t>
             </a:r>
-            <a:endParaRPr lang="en-US" dirty="0"/>
-          </a:p>
-          <a:p>
-            <a:r>
-              <a:rPr lang="en-US" dirty="0"/>
+          </a:p>
+          <a:p>
+            <a:pPr marL="514350" indent="-514350">
+              <a:buClr>
+                <a:schemeClr val="accent1"/>
+              </a:buClr>
+              <a:buFont typeface="+mj-lt"/>
+              <a:buAutoNum type="arabicPeriod"/>
+            </a:pPr>
+            <a:r>
+              <a:rPr lang="en-US" sz="1800" dirty="0"/>
+              <a:t>Age</a:t>
+            </a:r>
+          </a:p>
+          <a:p>
+            <a:pPr marL="514350" indent="-514350">
+              <a:buClr>
+                <a:schemeClr val="accent1"/>
+              </a:buClr>
+              <a:buFont typeface="+mj-lt"/>
+              <a:buAutoNum type="arabicPeriod"/>
+            </a:pPr>
+            <a:r>
+              <a:rPr lang="pt-PT" sz="1800" dirty="0"/>
+              <a:t>Bp.1s</a:t>
+            </a:r>
+            <a:endParaRPr lang="en-US" sz="1800" dirty="0"/>
+          </a:p>
+          <a:p>
+            <a:pPr marL="514350" indent="-514350">
+              <a:buClr>
+                <a:schemeClr val="accent1"/>
+              </a:buClr>
+              <a:buFont typeface="+mj-lt"/>
+              <a:buAutoNum type="arabicPeriod"/>
+            </a:pPr>
+            <a:r>
+              <a:rPr lang="pt-PT" sz="1800" dirty="0" err="1"/>
+              <a:t>Racio</a:t>
+            </a:r>
+            <a:endParaRPr lang="en-US" sz="1800" dirty="0"/>
+          </a:p>
+          <a:p>
+            <a:pPr marL="514350" indent="-514350">
+              <a:buClr>
+                <a:schemeClr val="accent1"/>
+              </a:buClr>
+              <a:buFont typeface="+mj-lt"/>
+              <a:buAutoNum type="arabicPeriod"/>
+            </a:pPr>
+            <a:r>
+              <a:rPr lang="pt-PT" sz="1800" dirty="0" err="1"/>
+              <a:t>Waist</a:t>
+            </a:r>
+            <a:endParaRPr lang="pt-PT" sz="1800" dirty="0"/>
+          </a:p>
+          <a:p>
+            <a:pPr marL="514350" indent="-514350">
+              <a:buClr>
+                <a:schemeClr val="accent1"/>
+              </a:buClr>
+              <a:buFont typeface="+mj-lt"/>
+              <a:buAutoNum type="arabicPeriod"/>
+            </a:pPr>
+            <a:r>
+              <a:rPr lang="pt-PT" sz="1800" dirty="0" err="1"/>
+              <a:t>Weight</a:t>
+            </a:r>
+            <a:endParaRPr lang="pt-PT" sz="1800" dirty="0"/>
+          </a:p>
+          <a:p>
+            <a:pPr marL="514350" indent="-514350">
+              <a:buClr>
+                <a:schemeClr val="accent1"/>
+              </a:buClr>
+              <a:buFont typeface="+mj-lt"/>
+              <a:buAutoNum type="arabicPeriod"/>
+            </a:pPr>
+            <a:r>
+              <a:rPr lang="pt-PT" sz="1800" dirty="0" err="1"/>
+              <a:t>Hip</a:t>
+            </a:r>
+            <a:endParaRPr lang="pt-PT" sz="1800" dirty="0"/>
+          </a:p>
+          <a:p>
+            <a:pPr marL="514350" indent="-514350">
+              <a:buClr>
+                <a:schemeClr val="accent1"/>
+              </a:buClr>
+              <a:buFont typeface="+mj-lt"/>
+              <a:buAutoNum type="arabicPeriod"/>
+            </a:pPr>
+            <a:r>
+              <a:rPr lang="pt-PT" sz="1800" dirty="0" err="1"/>
+              <a:t>Hdl</a:t>
+            </a:r>
+            <a:endParaRPr lang="pt-PT" sz="1800" dirty="0"/>
+          </a:p>
+          <a:p>
+            <a:pPr marL="514350" indent="-514350">
+              <a:buClr>
+                <a:schemeClr val="accent1"/>
+              </a:buClr>
+              <a:buFont typeface="+mj-lt"/>
+              <a:buAutoNum type="arabicPeriod"/>
+            </a:pPr>
+            <a:r>
+              <a:rPr lang="pt-PT" sz="1800" dirty="0" err="1"/>
               <a:t>Chol</a:t>
             </a:r>
-          </a:p>
-          <a:p>
-            <a:r>
-              <a:rPr lang="pt-PT" dirty="0"/>
-              <a:t>T</a:t>
-            </a:r>
-            <a:r>
-              <a:rPr lang="en-US" dirty="0" err="1"/>
-              <a:t>ime.ppn</a:t>
-            </a:r>
-            <a:endParaRPr lang="en-US" dirty="0"/>
-          </a:p>
-          <a:p>
-            <a:r>
-              <a:rPr lang="pt-PT" dirty="0"/>
-              <a:t>E</a:t>
-            </a:r>
-            <a:r>
-              <a:rPr lang="en-US" dirty="0" err="1"/>
-              <a:t>tc</a:t>
-            </a:r>
-            <a:endParaRPr lang="en-US" dirty="0"/>
-          </a:p>
-        </p:txBody>
-      </p:sp>
-      <p:sp>
-        <p:nvSpPr>
-          <p:cNvPr id="6" name="Content Placeholder 4">
+            <a:endParaRPr lang="pt-PT" sz="1800" dirty="0"/>
+          </a:p>
+          <a:p>
+            <a:pPr marL="514350" indent="-514350">
+              <a:buClr>
+                <a:schemeClr val="accent1"/>
+              </a:buClr>
+              <a:buFont typeface="+mj-lt"/>
+              <a:buAutoNum type="arabicPeriod"/>
+            </a:pPr>
+            <a:r>
+              <a:rPr lang="pt-PT" sz="1800" dirty="0"/>
+              <a:t>Bp.1d</a:t>
+            </a:r>
+          </a:p>
+          <a:p>
+            <a:pPr marL="514350" indent="-514350">
+              <a:buClr>
+                <a:schemeClr val="accent1"/>
+              </a:buClr>
+              <a:buFont typeface="+mj-lt"/>
+              <a:buAutoNum type="arabicPeriod"/>
+            </a:pPr>
+            <a:endParaRPr lang="pt-PT" sz="1800" dirty="0"/>
+          </a:p>
+          <a:p>
+            <a:pPr marL="0" indent="0">
+              <a:buClr>
+                <a:schemeClr val="accent1"/>
+              </a:buClr>
+              <a:buNone/>
+            </a:pPr>
+            <a:endParaRPr lang="pt-PT" sz="1800" dirty="0"/>
+          </a:p>
+          <a:p>
+            <a:pPr marL="514350" indent="-514350">
+              <a:buClr>
+                <a:schemeClr val="accent1"/>
+              </a:buClr>
+              <a:buFont typeface="+mj-lt"/>
+              <a:buAutoNum type="arabicPeriod"/>
+            </a:pPr>
+            <a:endParaRPr lang="en-US" sz="1800" dirty="0"/>
+          </a:p>
+        </p:txBody>
+      </p:sp>
+      <p:sp>
+        <p:nvSpPr>
+          <p:cNvPr id="7" name="Text Placeholder 4">
             <a:extLst>
               <a:ext uri="{FF2B5EF4-FFF2-40B4-BE49-F238E27FC236}">
-                <a16:creationId xmlns:a16="http://schemas.microsoft.com/office/drawing/2014/main" id="{E77A5FFD-2DF9-4D9E-8A1B-BB9F8C88595C}"/>
+                <a16:creationId xmlns:a16="http://schemas.microsoft.com/office/drawing/2014/main" id="{C5DFC2D9-B16D-4EDC-8DFC-61D9951DC6BB}"/>
               </a:ext>
             </a:extLst>
           </p:cNvPr>
@@ -5902,8 +11155,8 @@
         </p:nvSpPr>
         <p:spPr>
           <a:xfrm>
-            <a:off x="5030115" y="1197406"/>
-            <a:ext cx="2290575" cy="3358356"/>
+            <a:off x="2133152" y="1197405"/>
+            <a:ext cx="1867389" cy="479822"/>
           </a:xfrm>
           <a:prstGeom prst="rect">
             <a:avLst/>
@@ -5911,7 +11164,7 @@
         </p:spPr>
         <p:txBody>
           <a:bodyPr vert="horz" lIns="91440" tIns="45720" rIns="91440" bIns="45720" rtlCol="0">
-            <a:normAutofit/>
+            <a:normAutofit fontScale="77500" lnSpcReduction="20000"/>
           </a:bodyPr>
           <a:lstStyle>
             <a:lvl1pPr marL="342900" indent="-342900" algn="l" defTabSz="914400" rtl="0" eaLnBrk="1" latinLnBrk="0" hangingPunct="1">
@@ -6051,40 +11304,576 @@
             </a:lvl9pPr>
           </a:lstStyle>
           <a:p>
-            <a:r>
-              <a:rPr lang="en-US"/>
+            <a:pPr>
+              <a:buClr>
+                <a:schemeClr val="accent1"/>
+              </a:buClr>
+              <a:buFont typeface="Wingdings" panose="05000000000000000000" pitchFamily="2" charset="2"/>
+              <a:buChar char="ü"/>
+            </a:pPr>
+            <a:r>
+              <a:rPr lang="en-US" b="1" dirty="0"/>
+              <a:t>Var </a:t>
+            </a:r>
+            <a:r>
+              <a:rPr lang="en-US" b="1" dirty="0" err="1"/>
+              <a:t>Binária</a:t>
+            </a:r>
+            <a:endParaRPr lang="en-US" b="1" dirty="0"/>
+          </a:p>
+        </p:txBody>
+      </p:sp>
+      <p:sp>
+        <p:nvSpPr>
+          <p:cNvPr id="10" name="Text Placeholder 4">
+            <a:extLst>
+              <a:ext uri="{FF2B5EF4-FFF2-40B4-BE49-F238E27FC236}">
+                <a16:creationId xmlns:a16="http://schemas.microsoft.com/office/drawing/2014/main" id="{88DB18CB-A784-4BFD-960A-5BA353CD9673}"/>
+              </a:ext>
+            </a:extLst>
+          </p:cNvPr>
+          <p:cNvSpPr txBox="1">
+            <a:spLocks/>
+          </p:cNvSpPr>
+          <p:nvPr/>
+        </p:nvSpPr>
+        <p:spPr>
+          <a:xfrm>
+            <a:off x="4301519" y="1197405"/>
+            <a:ext cx="1492121" cy="479822"/>
+          </a:xfrm>
+          <a:prstGeom prst="rect">
+            <a:avLst/>
+          </a:prstGeom>
+        </p:spPr>
+        <p:txBody>
+          <a:bodyPr vert="horz" lIns="91440" tIns="45720" rIns="91440" bIns="45720" rtlCol="0">
+            <a:normAutofit/>
+          </a:bodyPr>
+          <a:lstStyle>
+            <a:lvl1pPr marL="342900" indent="-342900" algn="l" defTabSz="914400" rtl="0" eaLnBrk="1" latinLnBrk="0" hangingPunct="1">
+              <a:spcBef>
+                <a:spcPct val="20000"/>
+              </a:spcBef>
+              <a:buFont typeface="Arial" pitchFamily="34" charset="0"/>
+              <a:buChar char="•"/>
+              <a:defRPr sz="2800" kern="1200">
+                <a:solidFill>
+                  <a:srgbClr val="002060"/>
+                </a:solidFill>
+                <a:latin typeface="+mn-lt"/>
+                <a:ea typeface="+mn-ea"/>
+                <a:cs typeface="+mn-cs"/>
+              </a:defRPr>
+            </a:lvl1pPr>
+            <a:lvl2pPr marL="742950" indent="-285750" algn="l" defTabSz="914400" rtl="0" eaLnBrk="1" latinLnBrk="0" hangingPunct="1">
+              <a:spcBef>
+                <a:spcPct val="20000"/>
+              </a:spcBef>
+              <a:buFont typeface="Arial" pitchFamily="34" charset="0"/>
+              <a:buChar char="–"/>
+              <a:defRPr sz="2800" kern="1200">
+                <a:solidFill>
+                  <a:srgbClr val="002060"/>
+                </a:solidFill>
+                <a:latin typeface="+mn-lt"/>
+                <a:ea typeface="+mn-ea"/>
+                <a:cs typeface="+mn-cs"/>
+              </a:defRPr>
+            </a:lvl2pPr>
+            <a:lvl3pPr marL="1143000" indent="-228600" algn="l" defTabSz="914400" rtl="0" eaLnBrk="1" latinLnBrk="0" hangingPunct="1">
+              <a:spcBef>
+                <a:spcPct val="20000"/>
+              </a:spcBef>
+              <a:buFont typeface="Arial" pitchFamily="34" charset="0"/>
+              <a:buChar char="•"/>
+              <a:defRPr sz="2400" kern="1200">
+                <a:solidFill>
+                  <a:srgbClr val="002060"/>
+                </a:solidFill>
+                <a:latin typeface="+mn-lt"/>
+                <a:ea typeface="+mn-ea"/>
+                <a:cs typeface="+mn-cs"/>
+              </a:defRPr>
+            </a:lvl3pPr>
+            <a:lvl4pPr marL="1600200" indent="-228600" algn="l" defTabSz="914400" rtl="0" eaLnBrk="1" latinLnBrk="0" hangingPunct="1">
+              <a:spcBef>
+                <a:spcPct val="20000"/>
+              </a:spcBef>
+              <a:buFont typeface="Arial" pitchFamily="34" charset="0"/>
+              <a:buChar char="–"/>
+              <a:defRPr sz="2000" kern="1200">
+                <a:solidFill>
+                  <a:srgbClr val="002060"/>
+                </a:solidFill>
+                <a:latin typeface="+mn-lt"/>
+                <a:ea typeface="+mn-ea"/>
+                <a:cs typeface="+mn-cs"/>
+              </a:defRPr>
+            </a:lvl4pPr>
+            <a:lvl5pPr marL="2057400" indent="-228600" algn="l" defTabSz="914400" rtl="0" eaLnBrk="1" latinLnBrk="0" hangingPunct="1">
+              <a:spcBef>
+                <a:spcPct val="20000"/>
+              </a:spcBef>
+              <a:buFont typeface="Arial" pitchFamily="34" charset="0"/>
+              <a:buChar char="»"/>
+              <a:defRPr sz="2000" kern="1200">
+                <a:solidFill>
+                  <a:srgbClr val="002060"/>
+                </a:solidFill>
+                <a:latin typeface="+mn-lt"/>
+                <a:ea typeface="+mn-ea"/>
+                <a:cs typeface="+mn-cs"/>
+              </a:defRPr>
+            </a:lvl5pPr>
+            <a:lvl6pPr marL="2514600" indent="-228600" algn="l" defTabSz="914400" rtl="0" eaLnBrk="1" latinLnBrk="0" hangingPunct="1">
+              <a:spcBef>
+                <a:spcPct val="20000"/>
+              </a:spcBef>
+              <a:buFont typeface="Arial" pitchFamily="34" charset="0"/>
+              <a:buChar char="•"/>
+              <a:defRPr sz="2000" kern="1200">
+                <a:solidFill>
+                  <a:schemeClr val="tx1"/>
+                </a:solidFill>
+                <a:latin typeface="+mn-lt"/>
+                <a:ea typeface="+mn-ea"/>
+                <a:cs typeface="+mn-cs"/>
+              </a:defRPr>
+            </a:lvl6pPr>
+            <a:lvl7pPr marL="2971800" indent="-228600" algn="l" defTabSz="914400" rtl="0" eaLnBrk="1" latinLnBrk="0" hangingPunct="1">
+              <a:spcBef>
+                <a:spcPct val="20000"/>
+              </a:spcBef>
+              <a:buFont typeface="Arial" pitchFamily="34" charset="0"/>
+              <a:buChar char="•"/>
+              <a:defRPr sz="2000" kern="1200">
+                <a:solidFill>
+                  <a:schemeClr val="tx1"/>
+                </a:solidFill>
+                <a:latin typeface="+mn-lt"/>
+                <a:ea typeface="+mn-ea"/>
+                <a:cs typeface="+mn-cs"/>
+              </a:defRPr>
+            </a:lvl7pPr>
+            <a:lvl8pPr marL="3429000" indent="-228600" algn="l" defTabSz="914400" rtl="0" eaLnBrk="1" latinLnBrk="0" hangingPunct="1">
+              <a:spcBef>
+                <a:spcPct val="20000"/>
+              </a:spcBef>
+              <a:buFont typeface="Arial" pitchFamily="34" charset="0"/>
+              <a:buChar char="•"/>
+              <a:defRPr sz="2000" kern="1200">
+                <a:solidFill>
+                  <a:schemeClr val="tx1"/>
+                </a:solidFill>
+                <a:latin typeface="+mn-lt"/>
+                <a:ea typeface="+mn-ea"/>
+                <a:cs typeface="+mn-cs"/>
+              </a:defRPr>
+            </a:lvl8pPr>
+            <a:lvl9pPr marL="3886200" indent="-228600" algn="l" defTabSz="914400" rtl="0" eaLnBrk="1" latinLnBrk="0" hangingPunct="1">
+              <a:spcBef>
+                <a:spcPct val="20000"/>
+              </a:spcBef>
+              <a:buFont typeface="Arial" pitchFamily="34" charset="0"/>
+              <a:buChar char="•"/>
+              <a:defRPr sz="2000" kern="1200">
+                <a:solidFill>
+                  <a:schemeClr val="tx1"/>
+                </a:solidFill>
+                <a:latin typeface="+mn-lt"/>
+                <a:ea typeface="+mn-ea"/>
+                <a:cs typeface="+mn-cs"/>
+              </a:defRPr>
+            </a:lvl9pPr>
+          </a:lstStyle>
+          <a:p>
+            <a:pPr>
+              <a:buClr>
+                <a:schemeClr val="accent1"/>
+              </a:buClr>
+              <a:buFont typeface="Wingdings" panose="05000000000000000000" pitchFamily="2" charset="2"/>
+              <a:buChar char="ü"/>
+            </a:pPr>
+            <a:r>
+              <a:rPr lang="en-US" sz="2200" b="1" dirty="0" err="1"/>
+              <a:t>Gly.hb</a:t>
+            </a:r>
+            <a:endParaRPr lang="en-US" sz="2200" b="1" dirty="0"/>
+          </a:p>
+        </p:txBody>
+      </p:sp>
+      <p:sp>
+        <p:nvSpPr>
+          <p:cNvPr id="11" name="Content Placeholder 4">
+            <a:extLst>
+              <a:ext uri="{FF2B5EF4-FFF2-40B4-BE49-F238E27FC236}">
+                <a16:creationId xmlns:a16="http://schemas.microsoft.com/office/drawing/2014/main" id="{52859732-9A2D-474B-91E4-D7B43EF3E320}"/>
+              </a:ext>
+            </a:extLst>
+          </p:cNvPr>
+          <p:cNvSpPr txBox="1">
+            <a:spLocks/>
+          </p:cNvSpPr>
+          <p:nvPr/>
+        </p:nvSpPr>
+        <p:spPr>
+          <a:xfrm>
+            <a:off x="4301519" y="1754785"/>
+            <a:ext cx="1867389" cy="2927493"/>
+          </a:xfrm>
+          <a:prstGeom prst="rect">
+            <a:avLst/>
+          </a:prstGeom>
+        </p:spPr>
+        <p:txBody>
+          <a:bodyPr vert="horz" lIns="91440" tIns="45720" rIns="91440" bIns="45720" rtlCol="0">
+            <a:normAutofit fontScale="92500" lnSpcReduction="10000"/>
+          </a:bodyPr>
+          <a:lstStyle>
+            <a:lvl1pPr marL="342900" indent="-342900" algn="l" defTabSz="914400" rtl="0" eaLnBrk="1" latinLnBrk="0" hangingPunct="1">
+              <a:spcBef>
+                <a:spcPct val="20000"/>
+              </a:spcBef>
+              <a:buFont typeface="Arial" pitchFamily="34" charset="0"/>
+              <a:buChar char="•"/>
+              <a:defRPr sz="2800" kern="1200">
+                <a:solidFill>
+                  <a:srgbClr val="002060"/>
+                </a:solidFill>
+                <a:latin typeface="+mn-lt"/>
+                <a:ea typeface="+mn-ea"/>
+                <a:cs typeface="+mn-cs"/>
+              </a:defRPr>
+            </a:lvl1pPr>
+            <a:lvl2pPr marL="742950" indent="-285750" algn="l" defTabSz="914400" rtl="0" eaLnBrk="1" latinLnBrk="0" hangingPunct="1">
+              <a:spcBef>
+                <a:spcPct val="20000"/>
+              </a:spcBef>
+              <a:buFont typeface="Arial" pitchFamily="34" charset="0"/>
+              <a:buChar char="–"/>
+              <a:defRPr sz="2800" kern="1200">
+                <a:solidFill>
+                  <a:srgbClr val="002060"/>
+                </a:solidFill>
+                <a:latin typeface="+mn-lt"/>
+                <a:ea typeface="+mn-ea"/>
+                <a:cs typeface="+mn-cs"/>
+              </a:defRPr>
+            </a:lvl2pPr>
+            <a:lvl3pPr marL="1143000" indent="-228600" algn="l" defTabSz="914400" rtl="0" eaLnBrk="1" latinLnBrk="0" hangingPunct="1">
+              <a:spcBef>
+                <a:spcPct val="20000"/>
+              </a:spcBef>
+              <a:buFont typeface="Arial" pitchFamily="34" charset="0"/>
+              <a:buChar char="•"/>
+              <a:defRPr sz="2400" kern="1200">
+                <a:solidFill>
+                  <a:srgbClr val="002060"/>
+                </a:solidFill>
+                <a:latin typeface="+mn-lt"/>
+                <a:ea typeface="+mn-ea"/>
+                <a:cs typeface="+mn-cs"/>
+              </a:defRPr>
+            </a:lvl3pPr>
+            <a:lvl4pPr marL="1600200" indent="-228600" algn="l" defTabSz="914400" rtl="0" eaLnBrk="1" latinLnBrk="0" hangingPunct="1">
+              <a:spcBef>
+                <a:spcPct val="20000"/>
+              </a:spcBef>
+              <a:buFont typeface="Arial" pitchFamily="34" charset="0"/>
+              <a:buChar char="–"/>
+              <a:defRPr sz="2000" kern="1200">
+                <a:solidFill>
+                  <a:srgbClr val="002060"/>
+                </a:solidFill>
+                <a:latin typeface="+mn-lt"/>
+                <a:ea typeface="+mn-ea"/>
+                <a:cs typeface="+mn-cs"/>
+              </a:defRPr>
+            </a:lvl4pPr>
+            <a:lvl5pPr marL="2057400" indent="-228600" algn="l" defTabSz="914400" rtl="0" eaLnBrk="1" latinLnBrk="0" hangingPunct="1">
+              <a:spcBef>
+                <a:spcPct val="20000"/>
+              </a:spcBef>
+              <a:buFont typeface="Arial" pitchFamily="34" charset="0"/>
+              <a:buChar char="»"/>
+              <a:defRPr sz="2000" kern="1200">
+                <a:solidFill>
+                  <a:srgbClr val="002060"/>
+                </a:solidFill>
+                <a:latin typeface="+mn-lt"/>
+                <a:ea typeface="+mn-ea"/>
+                <a:cs typeface="+mn-cs"/>
+              </a:defRPr>
+            </a:lvl5pPr>
+            <a:lvl6pPr marL="2514600" indent="-228600" algn="l" defTabSz="914400" rtl="0" eaLnBrk="1" latinLnBrk="0" hangingPunct="1">
+              <a:spcBef>
+                <a:spcPct val="20000"/>
+              </a:spcBef>
+              <a:buFont typeface="Arial" pitchFamily="34" charset="0"/>
+              <a:buChar char="•"/>
+              <a:defRPr sz="2000" kern="1200">
+                <a:solidFill>
+                  <a:schemeClr val="tx1"/>
+                </a:solidFill>
+                <a:latin typeface="+mn-lt"/>
+                <a:ea typeface="+mn-ea"/>
+                <a:cs typeface="+mn-cs"/>
+              </a:defRPr>
+            </a:lvl6pPr>
+            <a:lvl7pPr marL="2971800" indent="-228600" algn="l" defTabSz="914400" rtl="0" eaLnBrk="1" latinLnBrk="0" hangingPunct="1">
+              <a:spcBef>
+                <a:spcPct val="20000"/>
+              </a:spcBef>
+              <a:buFont typeface="Arial" pitchFamily="34" charset="0"/>
+              <a:buChar char="•"/>
+              <a:defRPr sz="2000" kern="1200">
+                <a:solidFill>
+                  <a:schemeClr val="tx1"/>
+                </a:solidFill>
+                <a:latin typeface="+mn-lt"/>
+                <a:ea typeface="+mn-ea"/>
+                <a:cs typeface="+mn-cs"/>
+              </a:defRPr>
+            </a:lvl7pPr>
+            <a:lvl8pPr marL="3429000" indent="-228600" algn="l" defTabSz="914400" rtl="0" eaLnBrk="1" latinLnBrk="0" hangingPunct="1">
+              <a:spcBef>
+                <a:spcPct val="20000"/>
+              </a:spcBef>
+              <a:buFont typeface="Arial" pitchFamily="34" charset="0"/>
+              <a:buChar char="•"/>
+              <a:defRPr sz="2000" kern="1200">
+                <a:solidFill>
+                  <a:schemeClr val="tx1"/>
+                </a:solidFill>
+                <a:latin typeface="+mn-lt"/>
+                <a:ea typeface="+mn-ea"/>
+                <a:cs typeface="+mn-cs"/>
+              </a:defRPr>
+            </a:lvl8pPr>
+            <a:lvl9pPr marL="3886200" indent="-228600" algn="l" defTabSz="914400" rtl="0" eaLnBrk="1" latinLnBrk="0" hangingPunct="1">
+              <a:spcBef>
+                <a:spcPct val="20000"/>
+              </a:spcBef>
+              <a:buFont typeface="Arial" pitchFamily="34" charset="0"/>
+              <a:buChar char="•"/>
+              <a:defRPr sz="2000" kern="1200">
+                <a:solidFill>
+                  <a:schemeClr val="tx1"/>
+                </a:solidFill>
+                <a:latin typeface="+mn-lt"/>
+                <a:ea typeface="+mn-ea"/>
+                <a:cs typeface="+mn-cs"/>
+              </a:defRPr>
+            </a:lvl9pPr>
+          </a:lstStyle>
+          <a:p>
+            <a:pPr marL="514350" indent="-514350">
+              <a:buClr>
+                <a:schemeClr val="accent1"/>
+              </a:buClr>
+              <a:buFont typeface="+mj-lt"/>
+              <a:buAutoNum type="arabicPeriod"/>
+            </a:pPr>
+            <a:r>
+              <a:rPr lang="en-US" sz="1800" dirty="0"/>
               <a:t>Stab.glu</a:t>
             </a:r>
           </a:p>
           <a:p>
-            <a:r>
-              <a:rPr lang="en-US"/>
+            <a:pPr marL="514350" indent="-514350">
+              <a:buClr>
+                <a:schemeClr val="accent1"/>
+              </a:buClr>
+              <a:buFont typeface="+mj-lt"/>
+              <a:buAutoNum type="arabicPeriod"/>
+            </a:pPr>
+            <a:r>
+              <a:rPr lang="en-US" sz="1800" dirty="0"/>
+              <a:t>Age</a:t>
+            </a:r>
+          </a:p>
+          <a:p>
+            <a:pPr marL="514350" indent="-514350">
+              <a:buClr>
+                <a:schemeClr val="accent1"/>
+              </a:buClr>
+              <a:buFont typeface="+mj-lt"/>
+              <a:buAutoNum type="arabicPeriod"/>
+            </a:pPr>
+            <a:r>
+              <a:rPr lang="pt-PT" sz="1800" dirty="0"/>
+              <a:t>T</a:t>
+            </a:r>
+            <a:r>
+              <a:rPr lang="en-US" sz="1800" dirty="0"/>
+              <a:t>ime.ppn</a:t>
+            </a:r>
+          </a:p>
+          <a:p>
+            <a:pPr marL="514350" indent="-514350">
+              <a:buClr>
+                <a:schemeClr val="accent1"/>
+              </a:buClr>
+              <a:buFont typeface="+mj-lt"/>
+              <a:buAutoNum type="arabicPeriod"/>
+            </a:pPr>
+            <a:r>
+              <a:rPr lang="pt-PT" sz="1800" dirty="0" err="1"/>
+              <a:t>Hip</a:t>
+            </a:r>
+            <a:endParaRPr lang="en-US" sz="1800" dirty="0"/>
+          </a:p>
+          <a:p>
+            <a:pPr marL="514350" indent="-514350">
+              <a:buClr>
+                <a:schemeClr val="accent1"/>
+              </a:buClr>
+              <a:buFont typeface="+mj-lt"/>
+              <a:buAutoNum type="arabicPeriod"/>
+            </a:pPr>
+            <a:r>
+              <a:rPr lang="pt-PT" sz="1800" dirty="0"/>
+              <a:t>Bp.1s</a:t>
+            </a:r>
+          </a:p>
+          <a:p>
+            <a:pPr marL="514350" indent="-514350">
+              <a:buClr>
+                <a:schemeClr val="accent1"/>
+              </a:buClr>
+              <a:buFont typeface="+mj-lt"/>
+              <a:buAutoNum type="arabicPeriod"/>
+            </a:pPr>
+            <a:r>
+              <a:rPr lang="pt-PT" sz="1800" dirty="0" err="1"/>
+              <a:t>Waist</a:t>
+            </a:r>
+            <a:endParaRPr lang="pt-PT" sz="1800" dirty="0"/>
+          </a:p>
+          <a:p>
+            <a:pPr marL="514350" indent="-514350">
+              <a:buClr>
+                <a:schemeClr val="accent1"/>
+              </a:buClr>
+              <a:buFont typeface="+mj-lt"/>
+              <a:buAutoNum type="arabicPeriod"/>
+            </a:pPr>
+            <a:r>
+              <a:rPr lang="pt-PT" sz="1800" dirty="0"/>
+              <a:t>Bp.1d</a:t>
+            </a:r>
+          </a:p>
+          <a:p>
+            <a:pPr marL="514350" indent="-514350">
+              <a:buClr>
+                <a:schemeClr val="accent1"/>
+              </a:buClr>
+              <a:buFont typeface="+mj-lt"/>
+              <a:buAutoNum type="arabicPeriod"/>
+            </a:pPr>
+            <a:r>
+              <a:rPr lang="pt-PT" sz="1800" dirty="0" err="1"/>
               <a:t>Chol</a:t>
             </a:r>
-          </a:p>
-          <a:p>
-            <a:r>
-              <a:rPr lang="pt-PT"/>
-              <a:t>T</a:t>
-            </a:r>
-            <a:r>
-              <a:rPr lang="en-US"/>
-              <a:t>ime.ppn</a:t>
-            </a:r>
-          </a:p>
-          <a:p>
-            <a:r>
-              <a:rPr lang="pt-PT"/>
-              <a:t>E</a:t>
-            </a:r>
-            <a:r>
-              <a:rPr lang="en-US"/>
-              <a:t>tc</a:t>
-            </a:r>
-            <a:endParaRPr lang="en-US" dirty="0"/>
-          </a:p>
-        </p:txBody>
-      </p:sp>
+            <a:endParaRPr lang="pt-PT" sz="1800" dirty="0"/>
+          </a:p>
+          <a:p>
+            <a:pPr marL="514350" indent="-514350">
+              <a:buClr>
+                <a:schemeClr val="accent1"/>
+              </a:buClr>
+              <a:buFont typeface="+mj-lt"/>
+              <a:buAutoNum type="arabicPeriod"/>
+            </a:pPr>
+            <a:r>
+              <a:rPr lang="pt-PT" sz="1800" dirty="0" err="1"/>
+              <a:t>Height</a:t>
+            </a:r>
+            <a:endParaRPr lang="pt-PT" sz="1800" dirty="0"/>
+          </a:p>
+          <a:p>
+            <a:pPr marL="514350" indent="-514350">
+              <a:buClr>
+                <a:schemeClr val="accent1"/>
+              </a:buClr>
+              <a:buFont typeface="+mj-lt"/>
+              <a:buAutoNum type="arabicPeriod"/>
+            </a:pPr>
+            <a:r>
+              <a:rPr lang="pt-PT" sz="1800" dirty="0" err="1"/>
+              <a:t>Weigth</a:t>
+            </a:r>
+            <a:endParaRPr lang="pt-PT" sz="1800" dirty="0"/>
+          </a:p>
+          <a:p>
+            <a:pPr marL="514350" indent="-514350">
+              <a:buClr>
+                <a:schemeClr val="accent1"/>
+              </a:buClr>
+              <a:buFont typeface="+mj-lt"/>
+              <a:buAutoNum type="arabicPeriod"/>
+            </a:pPr>
+            <a:endParaRPr lang="pt-PT" sz="1800" dirty="0"/>
+          </a:p>
+          <a:p>
+            <a:pPr marL="0" indent="0">
+              <a:buClr>
+                <a:schemeClr val="accent1"/>
+              </a:buClr>
+              <a:buFont typeface="Arial" pitchFamily="34" charset="0"/>
+              <a:buNone/>
+            </a:pPr>
+            <a:endParaRPr lang="pt-PT" sz="1800" dirty="0"/>
+          </a:p>
+          <a:p>
+            <a:pPr marL="514350" indent="-514350">
+              <a:buClr>
+                <a:schemeClr val="accent1"/>
+              </a:buClr>
+              <a:buFont typeface="+mj-lt"/>
+              <a:buAutoNum type="arabicPeriod"/>
+            </a:pPr>
+            <a:endParaRPr lang="en-US" sz="1800" dirty="0"/>
+          </a:p>
+        </p:txBody>
+      </p:sp>
+      <p:pic>
+        <p:nvPicPr>
+          <p:cNvPr id="3" name="Graphic 2">
+            <a:extLst>
+              <a:ext uri="{FF2B5EF4-FFF2-40B4-BE49-F238E27FC236}">
+                <a16:creationId xmlns:a16="http://schemas.microsoft.com/office/drawing/2014/main" id="{A8710AEC-396F-4B8D-A838-635CB830D285}"/>
+              </a:ext>
+            </a:extLst>
+          </p:cNvPr>
+          <p:cNvPicPr>
+            <a:picLocks noChangeAspect="1"/>
+          </p:cNvPicPr>
+          <p:nvPr/>
+        </p:nvPicPr>
+        <p:blipFill>
+          <a:blip r:embed="rId3">
+            <a:extLst>
+              <a:ext uri="{96DAC541-7B7A-43D3-8B79-37D633B846F1}">
+                <asvg:svgBlip xmlns:asvg="http://schemas.microsoft.com/office/drawing/2016/SVG/main" r:embed="rId4"/>
+              </a:ext>
+            </a:extLst>
+          </a:blip>
+          <a:stretch>
+            <a:fillRect/>
+          </a:stretch>
+        </p:blipFill>
+        <p:spPr>
+          <a:xfrm>
+            <a:off x="5793640" y="1718000"/>
+            <a:ext cx="2984479" cy="2234222"/>
+          </a:xfrm>
+          <a:prstGeom prst="rect">
+            <a:avLst/>
+          </a:prstGeom>
+        </p:spPr>
+      </p:pic>
     </p:spTree>
     <p:extLst>
       <p:ext uri="{BB962C8B-B14F-4D97-AF65-F5344CB8AC3E}">
@@ -6148,124 +11937,506 @@
           </a:p>
         </p:txBody>
       </p:sp>
-      <p:sp>
-        <p:nvSpPr>
-          <p:cNvPr id="5" name="Text Placeholder 4"/>
-          <p:cNvSpPr>
-            <a:spLocks noGrp="1"/>
-          </p:cNvSpPr>
-          <p:nvPr>
-            <p:ph type="body" idx="1"/>
-          </p:nvPr>
-        </p:nvSpPr>
-        <p:spPr/>
-        <p:txBody>
-          <a:bodyPr/>
-          <a:lstStyle/>
-          <a:p>
-            <a:r>
-              <a:rPr lang="en-US" dirty="0"/>
-              <a:t>Product A</a:t>
-            </a:r>
-          </a:p>
-        </p:txBody>
-      </p:sp>
-      <p:sp>
-        <p:nvSpPr>
-          <p:cNvPr id="6" name="Content Placeholder 5"/>
-          <p:cNvSpPr>
-            <a:spLocks noGrp="1"/>
-          </p:cNvSpPr>
-          <p:nvPr>
-            <p:ph sz="half" idx="2"/>
-          </p:nvPr>
-        </p:nvSpPr>
-        <p:spPr/>
-        <p:txBody>
-          <a:bodyPr/>
-          <a:lstStyle/>
-          <a:p>
-            <a:r>
-              <a:rPr lang="en-US"/>
-              <a:t>Feature 1</a:t>
-            </a:r>
-          </a:p>
-          <a:p>
-            <a:r>
-              <a:rPr lang="en-US"/>
-              <a:t>Feature 2</a:t>
-            </a:r>
-          </a:p>
-          <a:p>
-            <a:r>
-              <a:rPr lang="en-US"/>
-              <a:t>Feature 3</a:t>
-            </a:r>
-            <a:endParaRPr lang="en-US" dirty="0"/>
-          </a:p>
-        </p:txBody>
-      </p:sp>
-      <p:sp>
-        <p:nvSpPr>
-          <p:cNvPr id="7" name="Text Placeholder 6"/>
-          <p:cNvSpPr>
-            <a:spLocks noGrp="1"/>
-          </p:cNvSpPr>
-          <p:nvPr>
-            <p:ph type="body" sz="quarter" idx="3"/>
-          </p:nvPr>
-        </p:nvSpPr>
-        <p:spPr/>
-        <p:txBody>
-          <a:bodyPr/>
-          <a:lstStyle/>
-          <a:p>
-            <a:r>
-              <a:rPr lang="en-US"/>
-              <a:t>Product B</a:t>
-            </a:r>
-            <a:endParaRPr lang="en-US" dirty="0"/>
-          </a:p>
-        </p:txBody>
-      </p:sp>
-      <p:sp>
-        <p:nvSpPr>
-          <p:cNvPr id="8" name="Content Placeholder 7"/>
-          <p:cNvSpPr>
-            <a:spLocks noGrp="1"/>
-          </p:cNvSpPr>
-          <p:nvPr>
-            <p:ph sz="quarter" idx="4"/>
-          </p:nvPr>
-        </p:nvSpPr>
-        <p:spPr/>
-        <p:txBody>
-          <a:bodyPr/>
-          <a:lstStyle/>
-          <a:p>
-            <a:r>
-              <a:rPr lang="en-US"/>
-              <a:t>Feature 1</a:t>
-            </a:r>
-          </a:p>
-          <a:p>
-            <a:r>
-              <a:rPr lang="en-US"/>
-              <a:t>Feature 2</a:t>
-            </a:r>
-          </a:p>
-          <a:p>
-            <a:r>
-              <a:rPr lang="en-US"/>
-              <a:t>Feature 3</a:t>
-            </a:r>
-          </a:p>
-        </p:txBody>
-      </p:sp>
+      <p:pic>
+        <p:nvPicPr>
+          <p:cNvPr id="15" name="Picture 14">
+            <a:extLst>
+              <a:ext uri="{FF2B5EF4-FFF2-40B4-BE49-F238E27FC236}">
+                <a16:creationId xmlns:a16="http://schemas.microsoft.com/office/drawing/2014/main" id="{7F22E68E-EF5D-4820-850B-F0F53E5EA884}"/>
+              </a:ext>
+            </a:extLst>
+          </p:cNvPr>
+          <p:cNvPicPr/>
+          <p:nvPr/>
+        </p:nvPicPr>
+        <p:blipFill>
+          <a:blip r:embed="rId2" cstate="print">
+            <a:extLst>
+              <a:ext uri="{28A0092B-C50C-407E-A947-70E740481C1C}">
+                <a14:useLocalDpi xmlns:a14="http://schemas.microsoft.com/office/drawing/2010/main" val="0"/>
+              </a:ext>
+            </a:extLst>
+          </a:blip>
+          <a:stretch>
+            <a:fillRect/>
+          </a:stretch>
+        </p:blipFill>
+        <p:spPr>
+          <a:xfrm>
+            <a:off x="296260" y="1197405"/>
+            <a:ext cx="1679755" cy="1985165"/>
+          </a:xfrm>
+          <a:prstGeom prst="rect">
+            <a:avLst/>
+          </a:prstGeom>
+        </p:spPr>
+      </p:pic>
+      <p:pic>
+        <p:nvPicPr>
+          <p:cNvPr id="17" name="Picture 16">
+            <a:extLst>
+              <a:ext uri="{FF2B5EF4-FFF2-40B4-BE49-F238E27FC236}">
+                <a16:creationId xmlns:a16="http://schemas.microsoft.com/office/drawing/2014/main" id="{EE2DD2AF-FDFC-453B-9694-611167DB1599}"/>
+              </a:ext>
+            </a:extLst>
+          </p:cNvPr>
+          <p:cNvPicPr/>
+          <p:nvPr/>
+        </p:nvPicPr>
+        <p:blipFill>
+          <a:blip r:embed="rId3" cstate="print">
+            <a:extLst>
+              <a:ext uri="{28A0092B-C50C-407E-A947-70E740481C1C}">
+                <a14:useLocalDpi xmlns:a14="http://schemas.microsoft.com/office/drawing/2010/main" val="0"/>
+              </a:ext>
+            </a:extLst>
+          </a:blip>
+          <a:stretch>
+            <a:fillRect/>
+          </a:stretch>
+        </p:blipFill>
+        <p:spPr>
+          <a:xfrm>
+            <a:off x="2128720" y="1197405"/>
+            <a:ext cx="1681200" cy="1983600"/>
+          </a:xfrm>
+          <a:prstGeom prst="rect">
+            <a:avLst/>
+          </a:prstGeom>
+        </p:spPr>
+      </p:pic>
     </p:spTree>
     <p:extLst>
       <p:ext uri="{BB962C8B-B14F-4D97-AF65-F5344CB8AC3E}">
         <p14:creationId xmlns:p14="http://schemas.microsoft.com/office/powerpoint/2010/main" val="3774594727"/>
+      </p:ext>
+    </p:extLst>
+  </p:cSld>
+  <p:clrMapOvr>
+    <a:masterClrMapping/>
+  </p:clrMapOvr>
+</p:sld>
+</file>
+
+<file path=ppt/slides/slide8.xml><?xml version="1.0" encoding="utf-8"?>
+<p:sld xmlns:a="http://schemas.openxmlformats.org/drawingml/2006/main" xmlns:r="http://schemas.openxmlformats.org/officeDocument/2006/relationships" xmlns:p="http://schemas.openxmlformats.org/presentationml/2006/main">
+  <p:cSld>
+    <p:spTree>
+      <p:nvGrpSpPr>
+        <p:cNvPr id="1" name=""/>
+        <p:cNvGrpSpPr/>
+        <p:nvPr/>
+      </p:nvGrpSpPr>
+      <p:grpSpPr>
+        <a:xfrm>
+          <a:off x="0" y="0"/>
+          <a:ext cx="0" cy="0"/>
+          <a:chOff x="0" y="0"/>
+          <a:chExt cx="0" cy="0"/>
+        </a:xfrm>
+      </p:grpSpPr>
+      <p:sp>
+        <p:nvSpPr>
+          <p:cNvPr id="4" name="Title 3"/>
+          <p:cNvSpPr>
+            <a:spLocks noGrp="1"/>
+          </p:cNvSpPr>
+          <p:nvPr>
+            <p:ph type="title"/>
+          </p:nvPr>
+        </p:nvSpPr>
+        <p:spPr/>
+        <p:txBody>
+          <a:bodyPr>
+            <a:normAutofit fontScale="90000"/>
+          </a:bodyPr>
+          <a:lstStyle/>
+          <a:p>
+            <a:r>
+              <a:rPr lang="en-US" dirty="0" err="1"/>
+              <a:t>Seleção</a:t>
+            </a:r>
+            <a:r>
+              <a:rPr lang="en-US" dirty="0"/>
+              <a:t> do </a:t>
+            </a:r>
+            <a:r>
+              <a:rPr lang="en-US" dirty="0" err="1"/>
+              <a:t>modelo</a:t>
+            </a:r>
+            <a:endParaRPr lang="en-US" dirty="0"/>
+          </a:p>
+        </p:txBody>
+      </p:sp>
+      <p:sp>
+        <p:nvSpPr>
+          <p:cNvPr id="10" name="Rectangle 9">
+            <a:extLst>
+              <a:ext uri="{FF2B5EF4-FFF2-40B4-BE49-F238E27FC236}">
+                <a16:creationId xmlns:a16="http://schemas.microsoft.com/office/drawing/2014/main" id="{26583479-D0C4-498D-A973-B6E2ED9066EC}"/>
+              </a:ext>
+            </a:extLst>
+          </p:cNvPr>
+          <p:cNvSpPr/>
+          <p:nvPr/>
+        </p:nvSpPr>
+        <p:spPr>
+          <a:xfrm>
+            <a:off x="67201" y="2419045"/>
+            <a:ext cx="9009595" cy="923330"/>
+          </a:xfrm>
+          <a:prstGeom prst="rect">
+            <a:avLst/>
+          </a:prstGeom>
+        </p:spPr>
+        <p:txBody>
+          <a:bodyPr wrap="square">
+            <a:spAutoFit/>
+          </a:bodyPr>
+          <a:lstStyle/>
+          <a:p>
+            <a:pPr algn="ctr"/>
+            <a:r>
+              <a:rPr lang="pt-PT" sz="5000" dirty="0">
+                <a:solidFill>
+                  <a:srgbClr val="0070C0"/>
+                </a:solidFill>
+                <a:effectLst>
+                  <a:outerShdw blurRad="50800" dist="38100" dir="2700000" algn="tl" rotWithShape="0">
+                    <a:prstClr val="black">
+                      <a:alpha val="40000"/>
+                    </a:prstClr>
+                  </a:outerShdw>
+                </a:effectLst>
+                <a:ea typeface="+mj-ea"/>
+                <a:cs typeface="+mj-cs"/>
+              </a:rPr>
+              <a:t>LM </a:t>
+            </a:r>
+            <a:r>
+              <a:rPr lang="pt-PT" sz="3500" dirty="0" err="1">
+                <a:solidFill>
+                  <a:schemeClr val="accent6">
+                    <a:lumMod val="75000"/>
+                  </a:schemeClr>
+                </a:solidFill>
+                <a:effectLst>
+                  <a:outerShdw blurRad="50800" dist="38100" dir="2700000" algn="tl" rotWithShape="0">
+                    <a:prstClr val="black">
+                      <a:alpha val="40000"/>
+                    </a:prstClr>
+                  </a:outerShdw>
+                </a:effectLst>
+                <a:ea typeface="+mj-ea"/>
+                <a:cs typeface="+mj-cs"/>
+              </a:rPr>
+              <a:t>vs</a:t>
+            </a:r>
+            <a:r>
+              <a:rPr lang="pt-PT" sz="5000" dirty="0">
+                <a:solidFill>
+                  <a:srgbClr val="0070C0"/>
+                </a:solidFill>
+                <a:effectLst>
+                  <a:outerShdw blurRad="50800" dist="38100" dir="2700000" algn="tl" rotWithShape="0">
+                    <a:prstClr val="black">
+                      <a:alpha val="40000"/>
+                    </a:prstClr>
+                  </a:outerShdw>
+                </a:effectLst>
+                <a:ea typeface="+mj-ea"/>
+                <a:cs typeface="+mj-cs"/>
+              </a:rPr>
+              <a:t> GLM </a:t>
+            </a:r>
+            <a:r>
+              <a:rPr lang="pt-PT" sz="3500" dirty="0" err="1">
+                <a:solidFill>
+                  <a:schemeClr val="accent6">
+                    <a:lumMod val="75000"/>
+                  </a:schemeClr>
+                </a:solidFill>
+                <a:effectLst>
+                  <a:outerShdw blurRad="50800" dist="38100" dir="2700000" algn="tl" rotWithShape="0">
+                    <a:prstClr val="black">
+                      <a:alpha val="40000"/>
+                    </a:prstClr>
+                  </a:outerShdw>
+                </a:effectLst>
+              </a:rPr>
+              <a:t>vs</a:t>
+            </a:r>
+            <a:r>
+              <a:rPr lang="pt-PT" sz="5400" dirty="0">
+                <a:solidFill>
+                  <a:schemeClr val="accent6">
+                    <a:lumMod val="75000"/>
+                  </a:schemeClr>
+                </a:solidFill>
+                <a:effectLst>
+                  <a:outerShdw blurRad="50800" dist="38100" dir="2700000" algn="tl" rotWithShape="0">
+                    <a:prstClr val="black">
+                      <a:alpha val="40000"/>
+                    </a:prstClr>
+                  </a:outerShdw>
+                </a:effectLst>
+              </a:rPr>
+              <a:t> </a:t>
+            </a:r>
+            <a:r>
+              <a:rPr lang="pt-PT" sz="5000" dirty="0">
+                <a:solidFill>
+                  <a:srgbClr val="0070C0"/>
+                </a:solidFill>
+                <a:effectLst>
+                  <a:outerShdw blurRad="50800" dist="38100" dir="2700000" algn="tl" rotWithShape="0">
+                    <a:prstClr val="black">
+                      <a:alpha val="40000"/>
+                    </a:prstClr>
+                  </a:outerShdw>
+                </a:effectLst>
+                <a:ea typeface="+mj-ea"/>
+                <a:cs typeface="+mj-cs"/>
+              </a:rPr>
+              <a:t>QDA </a:t>
+            </a:r>
+            <a:r>
+              <a:rPr lang="pt-PT" sz="3500" dirty="0" err="1">
+                <a:solidFill>
+                  <a:srgbClr val="F79646">
+                    <a:lumMod val="75000"/>
+                  </a:srgbClr>
+                </a:solidFill>
+                <a:effectLst>
+                  <a:outerShdw blurRad="50800" dist="38100" dir="2700000" algn="tl" rotWithShape="0">
+                    <a:prstClr val="black">
+                      <a:alpha val="40000"/>
+                    </a:prstClr>
+                  </a:outerShdw>
+                </a:effectLst>
+              </a:rPr>
+              <a:t>vs</a:t>
+            </a:r>
+            <a:r>
+              <a:rPr lang="pt-PT" sz="5000" dirty="0">
+                <a:solidFill>
+                  <a:srgbClr val="0070C0"/>
+                </a:solidFill>
+                <a:effectLst>
+                  <a:outerShdw blurRad="50800" dist="38100" dir="2700000" algn="tl" rotWithShape="0">
+                    <a:prstClr val="black">
+                      <a:alpha val="40000"/>
+                    </a:prstClr>
+                  </a:outerShdw>
+                </a:effectLst>
+                <a:ea typeface="+mj-ea"/>
+                <a:cs typeface="+mj-cs"/>
+              </a:rPr>
+              <a:t> KNN </a:t>
+            </a:r>
+            <a:r>
+              <a:rPr lang="pt-PT" sz="3500" dirty="0" err="1">
+                <a:solidFill>
+                  <a:srgbClr val="F79646">
+                    <a:lumMod val="75000"/>
+                  </a:srgbClr>
+                </a:solidFill>
+                <a:effectLst>
+                  <a:outerShdw blurRad="50800" dist="38100" dir="2700000" algn="tl" rotWithShape="0">
+                    <a:prstClr val="black">
+                      <a:alpha val="40000"/>
+                    </a:prstClr>
+                  </a:outerShdw>
+                </a:effectLst>
+              </a:rPr>
+              <a:t>vs</a:t>
+            </a:r>
+            <a:r>
+              <a:rPr lang="pt-PT" sz="5000" dirty="0">
+                <a:solidFill>
+                  <a:srgbClr val="0070C0"/>
+                </a:solidFill>
+                <a:effectLst>
+                  <a:outerShdw blurRad="50800" dist="38100" dir="2700000" algn="tl" rotWithShape="0">
+                    <a:prstClr val="black">
+                      <a:alpha val="40000"/>
+                    </a:prstClr>
+                  </a:outerShdw>
+                </a:effectLst>
+                <a:ea typeface="+mj-ea"/>
+                <a:cs typeface="+mj-cs"/>
+              </a:rPr>
+              <a:t> LDA</a:t>
+            </a:r>
+            <a:endParaRPr lang="en-US" sz="5000" dirty="0"/>
+          </a:p>
+        </p:txBody>
+      </p:sp>
+    </p:spTree>
+    <p:extLst>
+      <p:ext uri="{BB962C8B-B14F-4D97-AF65-F5344CB8AC3E}">
+        <p14:creationId xmlns:p14="http://schemas.microsoft.com/office/powerpoint/2010/main" val="1448635461"/>
+      </p:ext>
+    </p:extLst>
+  </p:cSld>
+  <p:clrMapOvr>
+    <a:masterClrMapping/>
+  </p:clrMapOvr>
+</p:sld>
+</file>
+
+<file path=ppt/slides/slide9.xml><?xml version="1.0" encoding="utf-8"?>
+<p:sld xmlns:a="http://schemas.openxmlformats.org/drawingml/2006/main" xmlns:r="http://schemas.openxmlformats.org/officeDocument/2006/relationships" xmlns:p="http://schemas.openxmlformats.org/presentationml/2006/main">
+  <p:cSld>
+    <p:spTree>
+      <p:nvGrpSpPr>
+        <p:cNvPr id="1" name=""/>
+        <p:cNvGrpSpPr/>
+        <p:nvPr/>
+      </p:nvGrpSpPr>
+      <p:grpSpPr>
+        <a:xfrm>
+          <a:off x="0" y="0"/>
+          <a:ext cx="0" cy="0"/>
+          <a:chOff x="0" y="0"/>
+          <a:chExt cx="0" cy="0"/>
+        </a:xfrm>
+      </p:grpSpPr>
+      <p:sp>
+        <p:nvSpPr>
+          <p:cNvPr id="2" name="Title 1">
+            <a:extLst>
+              <a:ext uri="{FF2B5EF4-FFF2-40B4-BE49-F238E27FC236}">
+                <a16:creationId xmlns:a16="http://schemas.microsoft.com/office/drawing/2014/main" id="{0BBDCD63-B446-4250-88C7-8A37685123D1}"/>
+              </a:ext>
+            </a:extLst>
+          </p:cNvPr>
+          <p:cNvSpPr>
+            <a:spLocks noGrp="1"/>
+          </p:cNvSpPr>
+          <p:nvPr>
+            <p:ph type="title"/>
+          </p:nvPr>
+        </p:nvSpPr>
+        <p:spPr/>
+        <p:txBody>
+          <a:bodyPr>
+            <a:normAutofit fontScale="90000"/>
+          </a:bodyPr>
+          <a:lstStyle/>
+          <a:p>
+            <a:r>
+              <a:rPr lang="pt-PT" dirty="0"/>
+              <a:t>Regressão linear (LM)</a:t>
+            </a:r>
+            <a:endParaRPr lang="en-US" dirty="0"/>
+          </a:p>
+        </p:txBody>
+      </p:sp>
+      <p:sp>
+        <p:nvSpPr>
+          <p:cNvPr id="3" name="Text Placeholder 2">
+            <a:extLst>
+              <a:ext uri="{FF2B5EF4-FFF2-40B4-BE49-F238E27FC236}">
+                <a16:creationId xmlns:a16="http://schemas.microsoft.com/office/drawing/2014/main" id="{A1E81D7F-4762-4193-8CF0-FB6A9034DD95}"/>
+              </a:ext>
+            </a:extLst>
+          </p:cNvPr>
+          <p:cNvSpPr>
+            <a:spLocks noGrp="1"/>
+          </p:cNvSpPr>
+          <p:nvPr>
+            <p:ph type="body" idx="1"/>
+          </p:nvPr>
+        </p:nvSpPr>
+        <p:spPr/>
+        <p:txBody>
+          <a:bodyPr/>
+          <a:lstStyle/>
+          <a:p>
+            <a:endParaRPr lang="en-US"/>
+          </a:p>
+        </p:txBody>
+      </p:sp>
+      <p:sp>
+        <p:nvSpPr>
+          <p:cNvPr id="4" name="Content Placeholder 3">
+            <a:extLst>
+              <a:ext uri="{FF2B5EF4-FFF2-40B4-BE49-F238E27FC236}">
+                <a16:creationId xmlns:a16="http://schemas.microsoft.com/office/drawing/2014/main" id="{16043E7D-3AA2-43B8-A4F4-0DD5322BC81E}"/>
+              </a:ext>
+            </a:extLst>
+          </p:cNvPr>
+          <p:cNvSpPr>
+            <a:spLocks noGrp="1"/>
+          </p:cNvSpPr>
+          <p:nvPr>
+            <p:ph sz="half" idx="2"/>
+          </p:nvPr>
+        </p:nvSpPr>
+        <p:spPr/>
+        <p:txBody>
+          <a:bodyPr/>
+          <a:lstStyle/>
+          <a:p>
+            <a:endParaRPr lang="en-US"/>
+          </a:p>
+        </p:txBody>
+      </p:sp>
+      <p:sp>
+        <p:nvSpPr>
+          <p:cNvPr id="5" name="Text Placeholder 4">
+            <a:extLst>
+              <a:ext uri="{FF2B5EF4-FFF2-40B4-BE49-F238E27FC236}">
+                <a16:creationId xmlns:a16="http://schemas.microsoft.com/office/drawing/2014/main" id="{07D229CB-8A6A-4E39-8E71-89A6BC756760}"/>
+              </a:ext>
+            </a:extLst>
+          </p:cNvPr>
+          <p:cNvSpPr>
+            <a:spLocks noGrp="1"/>
+          </p:cNvSpPr>
+          <p:nvPr>
+            <p:ph type="body" sz="quarter" idx="3"/>
+          </p:nvPr>
+        </p:nvSpPr>
+        <p:spPr/>
+        <p:txBody>
+          <a:bodyPr/>
+          <a:lstStyle/>
+          <a:p>
+            <a:endParaRPr lang="en-US"/>
+          </a:p>
+        </p:txBody>
+      </p:sp>
+      <p:sp>
+        <p:nvSpPr>
+          <p:cNvPr id="6" name="Content Placeholder 5">
+            <a:extLst>
+              <a:ext uri="{FF2B5EF4-FFF2-40B4-BE49-F238E27FC236}">
+                <a16:creationId xmlns:a16="http://schemas.microsoft.com/office/drawing/2014/main" id="{09D9257B-F635-4C59-B215-4242227D3FC4}"/>
+              </a:ext>
+            </a:extLst>
+          </p:cNvPr>
+          <p:cNvSpPr>
+            <a:spLocks noGrp="1"/>
+          </p:cNvSpPr>
+          <p:nvPr>
+            <p:ph sz="quarter" idx="4"/>
+          </p:nvPr>
+        </p:nvSpPr>
+        <p:spPr/>
+        <p:txBody>
+          <a:bodyPr/>
+          <a:lstStyle/>
+          <a:p>
+            <a:endParaRPr lang="en-US"/>
+          </a:p>
+        </p:txBody>
+      </p:sp>
+    </p:spTree>
+    <p:extLst>
+      <p:ext uri="{BB962C8B-B14F-4D97-AF65-F5344CB8AC3E}">
+        <p14:creationId xmlns:p14="http://schemas.microsoft.com/office/powerpoint/2010/main" val="3622150007"/>
       </p:ext>
     </p:extLst>
   </p:cSld>

--- a/apresentacao.pptx
+++ b/apresentacao.pptx
@@ -380,7 +380,7 @@
           <a:p>
             <a:fld id="{C263AF9A-6E76-4CCC-89CF-B04065708FB7}" type="slidenum">
               <a:rPr lang="en-US" smtClean="0"/>
-              <a:t>‹#›</a:t>
+              <a:t>‹nº›</a:t>
             </a:fld>
             <a:endParaRPr lang="en-US"/>
           </a:p>
@@ -621,6 +621,12 @@
               <a:rPr lang="pt-PT" dirty="0"/>
               <a:t>ZE FALA AQUI</a:t>
             </a:r>
+          </a:p>
+          <a:p>
+            <a:r>
+              <a:rPr lang="pt-PT" dirty="0"/>
+              <a:t>Não utilizamos muitos modelos nestes casos visto que não podíamos utilizar o preditor que mais afeta o resultado, por n ser normal, e que os resultados eram sempre baixos.</a:t>
+            </a:r>
             <a:endParaRPr lang="en-US" dirty="0"/>
           </a:p>
         </p:txBody>
@@ -813,22 +819,6 @@
               <a:rPr lang="pt-PT" dirty="0"/>
               <a:t> agora a fazer o modelo é que conseguimos perceber isso através do p valor. </a:t>
             </a:r>
-            <a:r>
-              <a:rPr lang="pt-PT" dirty="0" err="1"/>
-              <a:t>Percebmos</a:t>
-            </a:r>
-            <a:r>
-              <a:rPr lang="pt-PT" dirty="0"/>
-              <a:t> também que houve um </a:t>
-            </a:r>
-            <a:r>
-              <a:rPr lang="pt-PT" dirty="0" err="1"/>
-              <a:t>descréscimo</a:t>
-            </a:r>
-            <a:r>
-              <a:rPr lang="pt-PT" dirty="0"/>
-              <a:t> enorme. Explicar que olhando para o CV o melhor modelo é o LM e para o teste e treino o KNN é o melhor</a:t>
-            </a:r>
             <a:endParaRPr lang="en-US" dirty="0"/>
           </a:p>
         </p:txBody>
@@ -2058,6 +2048,8 @@
               <a:rPr lang="pt-PT" dirty="0"/>
               <a:t>ZE FALA AQUI</a:t>
             </a:r>
+          </a:p>
+          <a:p>
             <a:endParaRPr lang="en-US" dirty="0"/>
           </a:p>
         </p:txBody>
@@ -2360,7 +2352,7 @@
             <a:fld id="{B82CCC60-E8CD-4174-8B1A-7DF615B22EEF}" type="slidenum">
               <a:rPr lang="en-US" smtClean="0"/>
               <a:pPr/>
-              <a:t>‹#›</a:t>
+              <a:t>‹nº›</a:t>
             </a:fld>
             <a:endParaRPr lang="en-US"/>
           </a:p>
@@ -2614,7 +2606,7 @@
             <a:fld id="{B82CCC60-E8CD-4174-8B1A-7DF615B22EEF}" type="slidenum">
               <a:rPr lang="en-US" smtClean="0"/>
               <a:pPr/>
-              <a:t>‹#›</a:t>
+              <a:t>‹nº›</a:t>
             </a:fld>
             <a:endParaRPr lang="en-US"/>
           </a:p>
@@ -2784,7 +2776,7 @@
             <a:fld id="{B82CCC60-E8CD-4174-8B1A-7DF615B22EEF}" type="slidenum">
               <a:rPr lang="en-US" smtClean="0"/>
               <a:pPr/>
-              <a:t>‹#›</a:t>
+              <a:t>‹nº›</a:t>
             </a:fld>
             <a:endParaRPr lang="en-US"/>
           </a:p>
@@ -2964,7 +2956,7 @@
             <a:fld id="{B82CCC60-E8CD-4174-8B1A-7DF615B22EEF}" type="slidenum">
               <a:rPr lang="en-US" smtClean="0"/>
               <a:pPr/>
-              <a:t>‹#›</a:t>
+              <a:t>‹nº›</a:t>
             </a:fld>
             <a:endParaRPr lang="en-US"/>
           </a:p>
@@ -3246,7 +3238,7 @@
             <a:fld id="{B82CCC60-E8CD-4174-8B1A-7DF615B22EEF}" type="slidenum">
               <a:rPr lang="en-US" smtClean="0"/>
               <a:pPr/>
-              <a:t>‹#›</a:t>
+              <a:t>‹nº›</a:t>
             </a:fld>
             <a:endParaRPr lang="en-US"/>
           </a:p>
@@ -3493,7 +3485,7 @@
             <a:fld id="{B82CCC60-E8CD-4174-8B1A-7DF615B22EEF}" type="slidenum">
               <a:rPr lang="en-US" smtClean="0"/>
               <a:pPr/>
-              <a:t>‹#›</a:t>
+              <a:t>‹nº›</a:t>
             </a:fld>
             <a:endParaRPr lang="en-US"/>
           </a:p>
@@ -3740,7 +3732,7 @@
             <a:fld id="{B82CCC60-E8CD-4174-8B1A-7DF615B22EEF}" type="slidenum">
               <a:rPr lang="en-US" smtClean="0"/>
               <a:pPr/>
-              <a:t>‹#›</a:t>
+              <a:t>‹nº›</a:t>
             </a:fld>
             <a:endParaRPr lang="en-US"/>
           </a:p>
@@ -4027,7 +4019,7 @@
             <a:fld id="{B82CCC60-E8CD-4174-8B1A-7DF615B22EEF}" type="slidenum">
               <a:rPr lang="en-US" smtClean="0"/>
               <a:pPr/>
-              <a:t>‹#›</a:t>
+              <a:t>‹nº›</a:t>
             </a:fld>
             <a:endParaRPr lang="en-US"/>
           </a:p>
@@ -4514,7 +4506,7 @@
             <a:fld id="{B82CCC60-E8CD-4174-8B1A-7DF615B22EEF}" type="slidenum">
               <a:rPr lang="en-US" smtClean="0"/>
               <a:pPr/>
-              <a:t>‹#›</a:t>
+              <a:t>‹nº›</a:t>
             </a:fld>
             <a:endParaRPr lang="en-US"/>
           </a:p>
@@ -4633,7 +4625,7 @@
             <a:fld id="{B82CCC60-E8CD-4174-8B1A-7DF615B22EEF}" type="slidenum">
               <a:rPr lang="en-US" smtClean="0"/>
               <a:pPr/>
-              <a:t>‹#›</a:t>
+              <a:t>‹nº›</a:t>
             </a:fld>
             <a:endParaRPr lang="en-US"/>
           </a:p>
@@ -4730,7 +4722,7 @@
             <a:fld id="{B82CCC60-E8CD-4174-8B1A-7DF615B22EEF}" type="slidenum">
               <a:rPr lang="en-US" smtClean="0"/>
               <a:pPr/>
-              <a:t>‹#›</a:t>
+              <a:t>‹nº›</a:t>
             </a:fld>
             <a:endParaRPr lang="en-US"/>
           </a:p>
@@ -5007,7 +4999,7 @@
             <a:fld id="{B82CCC60-E8CD-4174-8B1A-7DF615B22EEF}" type="slidenum">
               <a:rPr lang="en-US" smtClean="0"/>
               <a:pPr/>
-              <a:t>‹#›</a:t>
+              <a:t>‹nº›</a:t>
             </a:fld>
             <a:endParaRPr lang="en-US"/>
           </a:p>
@@ -5265,7 +5257,7 @@
             <a:fld id="{B82CCC60-E8CD-4174-8B1A-7DF615B22EEF}" type="slidenum">
               <a:rPr lang="en-US" smtClean="0"/>
               <a:pPr/>
-              <a:t>‹#›</a:t>
+              <a:t>‹nº›</a:t>
             </a:fld>
             <a:endParaRPr lang="en-US"/>
           </a:p>
@@ -5942,7 +5934,19 @@
           <a:bodyPr/>
           <a:lstStyle/>
           <a:p>
-            <a:endParaRPr lang="en-US"/>
+            <a:r>
+              <a:rPr lang="en-US" dirty="0" err="1"/>
+              <a:t>Nossa</a:t>
+            </a:r>
+            <a:r>
+              <a:rPr lang="en-US" dirty="0"/>
+              <a:t> </a:t>
+            </a:r>
+            <a:r>
+              <a:rPr lang="en-US" dirty="0" err="1"/>
+              <a:t>abordagem</a:t>
+            </a:r>
+            <a:endParaRPr lang="en-US" dirty="0"/>
           </a:p>
         </p:txBody>
       </p:sp>
@@ -5964,10 +5968,52 @@
         </p:nvSpPr>
         <p:spPr/>
         <p:txBody>
-          <a:bodyPr/>
+          <a:bodyPr>
+            <a:normAutofit fontScale="70000" lnSpcReduction="20000"/>
+          </a:bodyPr>
           <a:lstStyle/>
           <a:p>
-            <a:endParaRPr lang="en-US"/>
+            <a:pPr algn="l"/>
+            <a:r>
+              <a:rPr lang="en-US" dirty="0" err="1"/>
+              <a:t>Stab.glu</a:t>
+            </a:r>
+            <a:r>
+              <a:rPr lang="en-US" dirty="0"/>
+              <a:t> -&gt; k=14 -&gt; 3.4825</a:t>
+            </a:r>
+          </a:p>
+          <a:p>
+            <a:pPr algn="l"/>
+            <a:r>
+              <a:rPr lang="en-US" dirty="0" err="1"/>
+              <a:t>Stab.glu+age</a:t>
+            </a:r>
+            <a:r>
+              <a:rPr lang="en-US" dirty="0"/>
+              <a:t> -&gt; k=9 -&gt; 3.4707</a:t>
+            </a:r>
+          </a:p>
+          <a:p>
+            <a:pPr algn="l"/>
+            <a:r>
+              <a:rPr lang="en-US" dirty="0"/>
+              <a:t>Stab.glu+age+bp.1s -&gt; k=10 -&gt; 3.5320</a:t>
+            </a:r>
+          </a:p>
+          <a:p>
+            <a:pPr algn="l"/>
+            <a:r>
+              <a:rPr lang="en-US" dirty="0"/>
+              <a:t>Stab.glu+age+bp.1s+ratio-&gt; k=12 -&gt; 3.5316</a:t>
+            </a:r>
+          </a:p>
+          <a:p>
+            <a:pPr algn="l"/>
+            <a:r>
+              <a:rPr lang="en-US" dirty="0"/>
+              <a:t>Stab.glu+age+bp.1s+ratio+waist -&gt; k=10 -&gt; 3.5307</a:t>
+            </a:r>
           </a:p>
         </p:txBody>
       </p:sp>
@@ -5992,7 +6038,11 @@
           <a:bodyPr/>
           <a:lstStyle/>
           <a:p>
-            <a:endParaRPr lang="en-US"/>
+            <a:r>
+              <a:rPr lang="en-US" dirty="0" err="1"/>
+              <a:t>Regsubsets</a:t>
+            </a:r>
+            <a:endParaRPr lang="en-US" dirty="0"/>
           </a:p>
         </p:txBody>
       </p:sp>
@@ -6014,10 +6064,87 @@
         </p:nvSpPr>
         <p:spPr/>
         <p:txBody>
-          <a:bodyPr/>
+          <a:bodyPr>
+            <a:normAutofit fontScale="70000" lnSpcReduction="20000"/>
+          </a:bodyPr>
           <a:lstStyle/>
           <a:p>
-            <a:endParaRPr lang="en-US"/>
+            <a:pPr algn="l"/>
+            <a:r>
+              <a:rPr lang="en-US" dirty="0" err="1"/>
+              <a:t>Stab.glu+chol</a:t>
+            </a:r>
+            <a:r>
+              <a:rPr lang="en-US" dirty="0"/>
+              <a:t> -&gt; k=9 -&gt; 3.4902</a:t>
+            </a:r>
+          </a:p>
+          <a:p>
+            <a:pPr algn="l"/>
+            <a:r>
+              <a:rPr lang="en-US" dirty="0" err="1"/>
+              <a:t>Stab.glu+ratio+age</a:t>
+            </a:r>
+            <a:r>
+              <a:rPr lang="en-US" dirty="0"/>
+              <a:t> -&gt; k=16 -&gt; 3.4766</a:t>
+            </a:r>
+          </a:p>
+          <a:p>
+            <a:pPr algn="l"/>
+            <a:r>
+              <a:rPr lang="en-US" dirty="0" err="1"/>
+              <a:t>Stab.glu+ratio+age+time.ppn</a:t>
+            </a:r>
+            <a:r>
+              <a:rPr lang="en-US" dirty="0"/>
+              <a:t> -&gt; k=3 -&gt; 3.4286</a:t>
+            </a:r>
+          </a:p>
+          <a:p>
+            <a:pPr algn="l"/>
+            <a:r>
+              <a:rPr lang="en-US" dirty="0"/>
+              <a:t>(F)</a:t>
+            </a:r>
+            <a:r>
+              <a:rPr lang="en-US" dirty="0" err="1"/>
+              <a:t>stab.glu+chol+age</a:t>
+            </a:r>
+            <a:r>
+              <a:rPr lang="en-US" dirty="0"/>
+              <a:t> -&gt; k=8 -&gt; 3.4684</a:t>
+            </a:r>
+          </a:p>
+          <a:p>
+            <a:pPr algn="l"/>
+            <a:r>
+              <a:rPr lang="en-US" dirty="0"/>
+              <a:t>(F)</a:t>
+            </a:r>
+            <a:r>
+              <a:rPr lang="en-US" dirty="0" err="1"/>
+              <a:t>stab.glu+chol+age+time.ppn</a:t>
+            </a:r>
+            <a:r>
+              <a:rPr lang="en-US" dirty="0"/>
+              <a:t> -&gt; k=4-&gt; 3.4014  </a:t>
+            </a:r>
+          </a:p>
+          <a:p>
+            <a:pPr algn="l"/>
+            <a:r>
+              <a:rPr lang="en-US" dirty="0"/>
+              <a:t>(B)</a:t>
+            </a:r>
+            <a:r>
+              <a:rPr lang="en-US" dirty="0" err="1"/>
+              <a:t>stab.glu+ratio</a:t>
+            </a:r>
+            <a:r>
+              <a:rPr lang="en-US" dirty="0"/>
+              <a:t> -&gt; k=15 -&gt; 3.4820</a:t>
+            </a:r>
           </a:p>
         </p:txBody>
       </p:sp>
@@ -6103,7 +6230,10 @@
           <a:bodyPr/>
           <a:lstStyle/>
           <a:p>
-            <a:endParaRPr lang="en-US"/>
+            <a:r>
+              <a:rPr lang="en-US" dirty="0"/>
+              <a:t>QDA</a:t>
+            </a:r>
           </a:p>
         </p:txBody>
       </p:sp>
@@ -6128,7 +6258,46 @@
           <a:bodyPr/>
           <a:lstStyle/>
           <a:p>
-            <a:endParaRPr lang="en-US"/>
+            <a:r>
+              <a:rPr lang="en-US" dirty="0"/>
+              <a:t>Age -&gt; </a:t>
+            </a:r>
+            <a:r>
+              <a:rPr lang="en-US" dirty="0" err="1"/>
+              <a:t>thr</a:t>
+            </a:r>
+            <a:r>
+              <a:rPr lang="en-US" dirty="0"/>
+              <a:t> = 0.22 -&gt; 2.8265</a:t>
+            </a:r>
+          </a:p>
+          <a:p>
+            <a:r>
+              <a:rPr lang="en-US" dirty="0"/>
+              <a:t>Age+bp.1s -&gt; </a:t>
+            </a:r>
+            <a:r>
+              <a:rPr lang="en-US" dirty="0" err="1"/>
+              <a:t>thr</a:t>
+            </a:r>
+            <a:r>
+              <a:rPr lang="en-US" dirty="0"/>
+              <a:t> = 0.24 -&gt; 2.8260</a:t>
+            </a:r>
+          </a:p>
+          <a:p>
+            <a:r>
+              <a:rPr lang="en-US" dirty="0"/>
+              <a:t>Age+bp.1s+waist -&gt; </a:t>
+            </a:r>
+            <a:r>
+              <a:rPr lang="en-US" dirty="0" err="1"/>
+              <a:t>thr</a:t>
+            </a:r>
+            <a:r>
+              <a:rPr lang="en-US" dirty="0"/>
+              <a:t> = 0.18 -&gt; 2.9115</a:t>
+            </a:r>
           </a:p>
         </p:txBody>
       </p:sp>
@@ -6153,7 +6322,10 @@
           <a:bodyPr/>
           <a:lstStyle/>
           <a:p>
-            <a:endParaRPr lang="en-US"/>
+            <a:r>
+              <a:rPr lang="en-US" dirty="0"/>
+              <a:t>LDA</a:t>
+            </a:r>
           </a:p>
         </p:txBody>
       </p:sp>
@@ -6178,7 +6350,54 @@
           <a:bodyPr/>
           <a:lstStyle/>
           <a:p>
-            <a:endParaRPr lang="en-US"/>
+            <a:r>
+              <a:rPr lang="en-US" dirty="0"/>
+              <a:t>Age -&gt; </a:t>
+            </a:r>
+            <a:r>
+              <a:rPr lang="en-US" dirty="0" err="1"/>
+              <a:t>thr</a:t>
+            </a:r>
+            <a:r>
+              <a:rPr lang="en-US" dirty="0"/>
+              <a:t> = 0.18 -&gt; 2.8578</a:t>
+            </a:r>
+          </a:p>
+          <a:p>
+            <a:r>
+              <a:rPr lang="en-US" dirty="0"/>
+              <a:t>Age+bp.1s -&gt; </a:t>
+            </a:r>
+            <a:r>
+              <a:rPr lang="en-US" dirty="0" err="1"/>
+              <a:t>thr</a:t>
+            </a:r>
+            <a:r>
+              <a:rPr lang="en-US" dirty="0"/>
+              <a:t> = 0.26 -&gt; 2.8039</a:t>
+            </a:r>
+          </a:p>
+          <a:p>
+            <a:r>
+              <a:rPr lang="en-US" dirty="0"/>
+              <a:t>Age+bp.1s+waist -&gt; </a:t>
+            </a:r>
+            <a:r>
+              <a:rPr lang="en-US" dirty="0" err="1"/>
+              <a:t>thr</a:t>
+            </a:r>
+            <a:r>
+              <a:rPr lang="en-US" dirty="0"/>
+              <a:t> </a:t>
+            </a:r>
+            <a:r>
+              <a:rPr lang="en-US"/>
+              <a:t>= 0.16 -&gt; 2.9364</a:t>
+            </a:r>
+            <a:endParaRPr lang="en-US" dirty="0"/>
+          </a:p>
+          <a:p>
+            <a:endParaRPr lang="en-US" dirty="0"/>
           </a:p>
         </p:txBody>
       </p:sp>
@@ -7567,7 +7786,7 @@
           <p:nvPr>
             <p:extLst>
               <p:ext uri="{D42A27DB-BD31-4B8C-83A1-F6EECF244321}">
-                <p14:modId xmlns:p14="http://schemas.microsoft.com/office/powerpoint/2010/main" val="4188036730"/>
+                <p14:modId xmlns:p14="http://schemas.microsoft.com/office/powerpoint/2010/main" val="620469384"/>
               </p:ext>
             </p:extLst>
           </p:nvPr>
@@ -8741,7 +8960,7 @@
                       <a:pPr algn="ctr"/>
                       <a:r>
                         <a:rPr lang="pt-PT" sz="1600" b="0" dirty="0"/>
-                        <a:t>3.5320</a:t>
+                        <a:t>3.5665</a:t>
                       </a:r>
                       <a:endParaRPr lang="en-US" sz="1600" b="0" dirty="0"/>
                     </a:p>

--- a/apresentacao.pptx
+++ b/apresentacao.pptx
@@ -5,7 +5,7 @@
     <p:sldMasterId id="2147483648" r:id="rId1"/>
   </p:sldMasterIdLst>
   <p:notesMasterIdLst>
-    <p:notesMasterId r:id="rId17"/>
+    <p:notesMasterId r:id="rId19"/>
   </p:notesMasterIdLst>
   <p:sldIdLst>
     <p:sldId id="256" r:id="rId2"/>
@@ -23,6 +23,8 @@
     <p:sldId id="269" r:id="rId14"/>
     <p:sldId id="270" r:id="rId15"/>
     <p:sldId id="271" r:id="rId16"/>
+    <p:sldId id="272" r:id="rId17"/>
+    <p:sldId id="273" r:id="rId18"/>
   </p:sldIdLst>
   <p:sldSz cx="9144000" cy="5143500" type="screen16x9"/>
   <p:notesSz cx="6858000" cy="9144000"/>
@@ -380,7 +382,7 @@
           <a:p>
             <a:fld id="{C263AF9A-6E76-4CCC-89CF-B04065708FB7}" type="slidenum">
               <a:rPr lang="en-US" smtClean="0"/>
-              <a:t>‹nº›</a:t>
+              <a:t>‹#›</a:t>
             </a:fld>
             <a:endParaRPr lang="en-US"/>
           </a:p>
@@ -1958,8 +1960,10 @@
           <a:p>
             <a:r>
               <a:rPr lang="pt-PT" dirty="0"/>
-              <a:t>CARLOS FALA AQUI </a:t>
-            </a:r>
+              <a:t>CARLOS FALA AQUI  temos de ver aqui melhor</a:t>
+            </a:r>
+          </a:p>
+          <a:p>
             <a:endParaRPr lang="en-US" dirty="0"/>
           </a:p>
         </p:txBody>
@@ -2352,7 +2356,7 @@
             <a:fld id="{B82CCC60-E8CD-4174-8B1A-7DF615B22EEF}" type="slidenum">
               <a:rPr lang="en-US" smtClean="0"/>
               <a:pPr/>
-              <a:t>‹nº›</a:t>
+              <a:t>‹#›</a:t>
             </a:fld>
             <a:endParaRPr lang="en-US"/>
           </a:p>
@@ -2606,7 +2610,7 @@
             <a:fld id="{B82CCC60-E8CD-4174-8B1A-7DF615B22EEF}" type="slidenum">
               <a:rPr lang="en-US" smtClean="0"/>
               <a:pPr/>
-              <a:t>‹nº›</a:t>
+              <a:t>‹#›</a:t>
             </a:fld>
             <a:endParaRPr lang="en-US"/>
           </a:p>
@@ -2776,7 +2780,7 @@
             <a:fld id="{B82CCC60-E8CD-4174-8B1A-7DF615B22EEF}" type="slidenum">
               <a:rPr lang="en-US" smtClean="0"/>
               <a:pPr/>
-              <a:t>‹nº›</a:t>
+              <a:t>‹#›</a:t>
             </a:fld>
             <a:endParaRPr lang="en-US"/>
           </a:p>
@@ -2956,7 +2960,7 @@
             <a:fld id="{B82CCC60-E8CD-4174-8B1A-7DF615B22EEF}" type="slidenum">
               <a:rPr lang="en-US" smtClean="0"/>
               <a:pPr/>
-              <a:t>‹nº›</a:t>
+              <a:t>‹#›</a:t>
             </a:fld>
             <a:endParaRPr lang="en-US"/>
           </a:p>
@@ -3238,7 +3242,7 @@
             <a:fld id="{B82CCC60-E8CD-4174-8B1A-7DF615B22EEF}" type="slidenum">
               <a:rPr lang="en-US" smtClean="0"/>
               <a:pPr/>
-              <a:t>‹nº›</a:t>
+              <a:t>‹#›</a:t>
             </a:fld>
             <a:endParaRPr lang="en-US"/>
           </a:p>
@@ -3485,7 +3489,7 @@
             <a:fld id="{B82CCC60-E8CD-4174-8B1A-7DF615B22EEF}" type="slidenum">
               <a:rPr lang="en-US" smtClean="0"/>
               <a:pPr/>
-              <a:t>‹nº›</a:t>
+              <a:t>‹#›</a:t>
             </a:fld>
             <a:endParaRPr lang="en-US"/>
           </a:p>
@@ -3732,7 +3736,7 @@
             <a:fld id="{B82CCC60-E8CD-4174-8B1A-7DF615B22EEF}" type="slidenum">
               <a:rPr lang="en-US" smtClean="0"/>
               <a:pPr/>
-              <a:t>‹nº›</a:t>
+              <a:t>‹#›</a:t>
             </a:fld>
             <a:endParaRPr lang="en-US"/>
           </a:p>
@@ -4019,7 +4023,7 @@
             <a:fld id="{B82CCC60-E8CD-4174-8B1A-7DF615B22EEF}" type="slidenum">
               <a:rPr lang="en-US" smtClean="0"/>
               <a:pPr/>
-              <a:t>‹nº›</a:t>
+              <a:t>‹#›</a:t>
             </a:fld>
             <a:endParaRPr lang="en-US"/>
           </a:p>
@@ -4506,7 +4510,7 @@
             <a:fld id="{B82CCC60-E8CD-4174-8B1A-7DF615B22EEF}" type="slidenum">
               <a:rPr lang="en-US" smtClean="0"/>
               <a:pPr/>
-              <a:t>‹nº›</a:t>
+              <a:t>‹#›</a:t>
             </a:fld>
             <a:endParaRPr lang="en-US"/>
           </a:p>
@@ -4625,7 +4629,7 @@
             <a:fld id="{B82CCC60-E8CD-4174-8B1A-7DF615B22EEF}" type="slidenum">
               <a:rPr lang="en-US" smtClean="0"/>
               <a:pPr/>
-              <a:t>‹nº›</a:t>
+              <a:t>‹#›</a:t>
             </a:fld>
             <a:endParaRPr lang="en-US"/>
           </a:p>
@@ -4722,7 +4726,7 @@
             <a:fld id="{B82CCC60-E8CD-4174-8B1A-7DF615B22EEF}" type="slidenum">
               <a:rPr lang="en-US" smtClean="0"/>
               <a:pPr/>
-              <a:t>‹nº›</a:t>
+              <a:t>‹#›</a:t>
             </a:fld>
             <a:endParaRPr lang="en-US"/>
           </a:p>
@@ -4999,7 +5003,7 @@
             <a:fld id="{B82CCC60-E8CD-4174-8B1A-7DF615B22EEF}" type="slidenum">
               <a:rPr lang="en-US" smtClean="0"/>
               <a:pPr/>
-              <a:t>‹nº›</a:t>
+              <a:t>‹#›</a:t>
             </a:fld>
             <a:endParaRPr lang="en-US"/>
           </a:p>
@@ -5257,7 +5261,7 @@
             <a:fld id="{B82CCC60-E8CD-4174-8B1A-7DF615B22EEF}" type="slidenum">
               <a:rPr lang="en-US" smtClean="0"/>
               <a:pPr/>
-              <a:t>‹nº›</a:t>
+              <a:t>‹#›</a:t>
             </a:fld>
             <a:endParaRPr lang="en-US"/>
           </a:p>
@@ -5768,37 +5772,21 @@
             <p:ph type="body" idx="1"/>
           </p:nvPr>
         </p:nvSpPr>
-        <p:spPr/>
+        <p:spPr>
+          <a:xfrm>
+            <a:off x="448965" y="1197405"/>
+            <a:ext cx="4040188" cy="484620"/>
+          </a:xfrm>
+        </p:spPr>
         <p:txBody>
           <a:bodyPr/>
           <a:lstStyle/>
           <a:p>
-            <a:endParaRPr lang="en-US"/>
-          </a:p>
-        </p:txBody>
-      </p:sp>
-      <p:sp>
-        <p:nvSpPr>
-          <p:cNvPr id="4" name="Content Placeholder 3">
-            <a:extLst>
-              <a:ext uri="{FF2B5EF4-FFF2-40B4-BE49-F238E27FC236}">
-                <a16:creationId xmlns:a16="http://schemas.microsoft.com/office/drawing/2014/main" id="{BCCDBDD3-5CEA-456F-B4C6-C92E5DDA1C1F}"/>
-              </a:ext>
-            </a:extLst>
-          </p:cNvPr>
-          <p:cNvSpPr>
-            <a:spLocks noGrp="1"/>
-          </p:cNvSpPr>
-          <p:nvPr>
-            <p:ph sz="half" idx="2"/>
-          </p:nvPr>
-        </p:nvSpPr>
-        <p:spPr/>
-        <p:txBody>
-          <a:bodyPr/>
-          <a:lstStyle/>
-          <a:p>
-            <a:endParaRPr lang="en-US"/>
+            <a:r>
+              <a:rPr lang="pt-PT" dirty="0"/>
+              <a:t>Modelos:</a:t>
+            </a:r>
+            <a:endParaRPr lang="en-US" dirty="0"/>
           </a:p>
         </p:txBody>
       </p:sp>
@@ -5818,37 +5806,279 @@
             <p:ph type="body" sz="quarter" idx="3"/>
           </p:nvPr>
         </p:nvSpPr>
-        <p:spPr/>
+        <p:spPr>
+          <a:xfrm>
+            <a:off x="4484086" y="1197405"/>
+            <a:ext cx="4041775" cy="484620"/>
+          </a:xfrm>
+        </p:spPr>
         <p:txBody>
           <a:bodyPr/>
           <a:lstStyle/>
           <a:p>
-            <a:endParaRPr lang="en-US"/>
-          </a:p>
-        </p:txBody>
-      </p:sp>
-      <p:sp>
-        <p:nvSpPr>
-          <p:cNvPr id="6" name="Content Placeholder 5">
+            <a:r>
+              <a:rPr lang="pt-PT" dirty="0"/>
+              <a:t>Gráfico:</a:t>
+            </a:r>
+            <a:endParaRPr lang="en-US" dirty="0"/>
+          </a:p>
+        </p:txBody>
+      </p:sp>
+      <p:pic>
+        <p:nvPicPr>
+          <p:cNvPr id="1026" name="Picture 2" descr="https://scontent.fopo1-1.fna.fbcdn.net/v/t1.15752-9/48379243_264670124205670_3577557240439111680_n.png?_nc_cat=100&amp;_nc_ht=scontent.fopo1-1.fna&amp;oh=cb49a9a5b3ba45f5b7be17c4ba9ff793&amp;oe=5C96A014">
             <a:extLst>
               <a:ext uri="{FF2B5EF4-FFF2-40B4-BE49-F238E27FC236}">
-                <a16:creationId xmlns:a16="http://schemas.microsoft.com/office/drawing/2014/main" id="{19C4EA86-9DFE-43BF-B007-552FCD9905B0}"/>
+                <a16:creationId xmlns:a16="http://schemas.microsoft.com/office/drawing/2014/main" id="{985CB369-9650-4383-8336-9F4347E0DB0F}"/>
               </a:ext>
             </a:extLst>
           </p:cNvPr>
-          <p:cNvSpPr>
-            <a:spLocks noGrp="1"/>
-          </p:cNvSpPr>
+          <p:cNvPicPr>
+            <a:picLocks noGrp="1" noChangeAspect="1" noChangeArrowheads="1"/>
+          </p:cNvPicPr>
           <p:nvPr>
             <p:ph sz="quarter" idx="4"/>
           </p:nvPr>
-        </p:nvSpPr>
-        <p:spPr/>
-        <p:txBody>
-          <a:bodyPr/>
-          <a:lstStyle/>
-          <a:p>
-            <a:endParaRPr lang="en-US"/>
+        </p:nvPicPr>
+        <p:blipFill rotWithShape="1">
+          <a:blip r:embed="rId3">
+            <a:extLst>
+              <a:ext uri="{28A0092B-C50C-407E-A947-70E740481C1C}">
+                <a14:useLocalDpi xmlns:a14="http://schemas.microsoft.com/office/drawing/2010/main" val="0"/>
+              </a:ext>
+            </a:extLst>
+          </a:blip>
+          <a:srcRect t="14467" r="4356" b="4884"/>
+          <a:stretch/>
+        </p:blipFill>
+        <p:spPr bwMode="auto">
+          <a:xfrm>
+            <a:off x="4571999" y="1960930"/>
+            <a:ext cx="4275740" cy="2143081"/>
+          </a:xfrm>
+          <a:prstGeom prst="rect">
+            <a:avLst/>
+          </a:prstGeom>
+          <a:noFill/>
+          <a:extLst>
+            <a:ext uri="{909E8E84-426E-40DD-AFC4-6F175D3DCCD1}">
+              <a14:hiddenFill xmlns:a14="http://schemas.microsoft.com/office/drawing/2010/main">
+                <a:solidFill>
+                  <a:srgbClr val="FFFFFF"/>
+                </a:solidFill>
+              </a14:hiddenFill>
+            </a:ext>
+          </a:extLst>
+        </p:spPr>
+      </p:pic>
+      <p:sp>
+        <p:nvSpPr>
+          <p:cNvPr id="10" name="Content Placeholder 3">
+            <a:extLst>
+              <a:ext uri="{FF2B5EF4-FFF2-40B4-BE49-F238E27FC236}">
+                <a16:creationId xmlns:a16="http://schemas.microsoft.com/office/drawing/2014/main" id="{95AB6C1A-673F-49CC-8662-8D55A10F4F36}"/>
+              </a:ext>
+            </a:extLst>
+          </p:cNvPr>
+          <p:cNvSpPr txBox="1">
+            <a:spLocks/>
+          </p:cNvSpPr>
+          <p:nvPr/>
+        </p:nvSpPr>
+        <p:spPr>
+          <a:xfrm>
+            <a:off x="448965" y="1960930"/>
+            <a:ext cx="4275740" cy="2595985"/>
+          </a:xfrm>
+          <a:prstGeom prst="rect">
+            <a:avLst/>
+          </a:prstGeom>
+        </p:spPr>
+        <p:txBody>
+          <a:bodyPr vert="horz" lIns="91440" tIns="45720" rIns="91440" bIns="45720" rtlCol="0">
+            <a:normAutofit/>
+          </a:bodyPr>
+          <a:lstStyle>
+            <a:lvl1pPr marL="342900" indent="-342900" algn="ctr" defTabSz="914400" rtl="0" eaLnBrk="1" latinLnBrk="0" hangingPunct="1">
+              <a:spcBef>
+                <a:spcPct val="20000"/>
+              </a:spcBef>
+              <a:buFont typeface="Arial" pitchFamily="34" charset="0"/>
+              <a:buChar char="•"/>
+              <a:defRPr sz="2400" kern="1200">
+                <a:solidFill>
+                  <a:srgbClr val="002060"/>
+                </a:solidFill>
+                <a:latin typeface="+mn-lt"/>
+                <a:ea typeface="+mn-ea"/>
+                <a:cs typeface="+mn-cs"/>
+              </a:defRPr>
+            </a:lvl1pPr>
+            <a:lvl2pPr marL="742950" indent="-285750" algn="ctr" defTabSz="914400" rtl="0" eaLnBrk="1" latinLnBrk="0" hangingPunct="1">
+              <a:spcBef>
+                <a:spcPct val="20000"/>
+              </a:spcBef>
+              <a:buFont typeface="Arial" pitchFamily="34" charset="0"/>
+              <a:buChar char="–"/>
+              <a:defRPr sz="2000" kern="1200">
+                <a:solidFill>
+                  <a:srgbClr val="002060"/>
+                </a:solidFill>
+                <a:latin typeface="+mn-lt"/>
+                <a:ea typeface="+mn-ea"/>
+                <a:cs typeface="+mn-cs"/>
+              </a:defRPr>
+            </a:lvl2pPr>
+            <a:lvl3pPr marL="1143000" indent="-228600" algn="ctr" defTabSz="914400" rtl="0" eaLnBrk="1" latinLnBrk="0" hangingPunct="1">
+              <a:spcBef>
+                <a:spcPct val="20000"/>
+              </a:spcBef>
+              <a:buFont typeface="Arial" pitchFamily="34" charset="0"/>
+              <a:buChar char="•"/>
+              <a:defRPr sz="1800" kern="1200">
+                <a:solidFill>
+                  <a:srgbClr val="002060"/>
+                </a:solidFill>
+                <a:latin typeface="+mn-lt"/>
+                <a:ea typeface="+mn-ea"/>
+                <a:cs typeface="+mn-cs"/>
+              </a:defRPr>
+            </a:lvl3pPr>
+            <a:lvl4pPr marL="1600200" indent="-228600" algn="ctr" defTabSz="914400" rtl="0" eaLnBrk="1" latinLnBrk="0" hangingPunct="1">
+              <a:spcBef>
+                <a:spcPct val="20000"/>
+              </a:spcBef>
+              <a:buFont typeface="Arial" pitchFamily="34" charset="0"/>
+              <a:buChar char="–"/>
+              <a:defRPr sz="1600" kern="1200">
+                <a:solidFill>
+                  <a:srgbClr val="002060"/>
+                </a:solidFill>
+                <a:latin typeface="+mn-lt"/>
+                <a:ea typeface="+mn-ea"/>
+                <a:cs typeface="+mn-cs"/>
+              </a:defRPr>
+            </a:lvl4pPr>
+            <a:lvl5pPr marL="2057400" indent="-228600" algn="ctr" defTabSz="914400" rtl="0" eaLnBrk="1" latinLnBrk="0" hangingPunct="1">
+              <a:spcBef>
+                <a:spcPct val="20000"/>
+              </a:spcBef>
+              <a:buFont typeface="Arial" pitchFamily="34" charset="0"/>
+              <a:buChar char="»"/>
+              <a:defRPr sz="1600" kern="1200">
+                <a:solidFill>
+                  <a:srgbClr val="002060"/>
+                </a:solidFill>
+                <a:latin typeface="+mn-lt"/>
+                <a:ea typeface="+mn-ea"/>
+                <a:cs typeface="+mn-cs"/>
+              </a:defRPr>
+            </a:lvl5pPr>
+            <a:lvl6pPr marL="2514600" indent="-228600" algn="l" defTabSz="914400" rtl="0" eaLnBrk="1" latinLnBrk="0" hangingPunct="1">
+              <a:spcBef>
+                <a:spcPct val="20000"/>
+              </a:spcBef>
+              <a:buFont typeface="Arial" pitchFamily="34" charset="0"/>
+              <a:buChar char="•"/>
+              <a:defRPr sz="1600" kern="1200">
+                <a:solidFill>
+                  <a:schemeClr val="tx1"/>
+                </a:solidFill>
+                <a:latin typeface="+mn-lt"/>
+                <a:ea typeface="+mn-ea"/>
+                <a:cs typeface="+mn-cs"/>
+              </a:defRPr>
+            </a:lvl6pPr>
+            <a:lvl7pPr marL="2971800" indent="-228600" algn="l" defTabSz="914400" rtl="0" eaLnBrk="1" latinLnBrk="0" hangingPunct="1">
+              <a:spcBef>
+                <a:spcPct val="20000"/>
+              </a:spcBef>
+              <a:buFont typeface="Arial" pitchFamily="34" charset="0"/>
+              <a:buChar char="•"/>
+              <a:defRPr sz="1600" kern="1200">
+                <a:solidFill>
+                  <a:schemeClr val="tx1"/>
+                </a:solidFill>
+                <a:latin typeface="+mn-lt"/>
+                <a:ea typeface="+mn-ea"/>
+                <a:cs typeface="+mn-cs"/>
+              </a:defRPr>
+            </a:lvl7pPr>
+            <a:lvl8pPr marL="3429000" indent="-228600" algn="l" defTabSz="914400" rtl="0" eaLnBrk="1" latinLnBrk="0" hangingPunct="1">
+              <a:spcBef>
+                <a:spcPct val="20000"/>
+              </a:spcBef>
+              <a:buFont typeface="Arial" pitchFamily="34" charset="0"/>
+              <a:buChar char="•"/>
+              <a:defRPr sz="1600" kern="1200">
+                <a:solidFill>
+                  <a:schemeClr val="tx1"/>
+                </a:solidFill>
+                <a:latin typeface="+mn-lt"/>
+                <a:ea typeface="+mn-ea"/>
+                <a:cs typeface="+mn-cs"/>
+              </a:defRPr>
+            </a:lvl8pPr>
+            <a:lvl9pPr marL="3886200" indent="-228600" algn="l" defTabSz="914400" rtl="0" eaLnBrk="1" latinLnBrk="0" hangingPunct="1">
+              <a:spcBef>
+                <a:spcPct val="20000"/>
+              </a:spcBef>
+              <a:buFont typeface="Arial" pitchFamily="34" charset="0"/>
+              <a:buChar char="•"/>
+              <a:defRPr sz="1600" kern="1200">
+                <a:solidFill>
+                  <a:schemeClr val="tx1"/>
+                </a:solidFill>
+                <a:latin typeface="+mn-lt"/>
+                <a:ea typeface="+mn-ea"/>
+                <a:cs typeface="+mn-cs"/>
+              </a:defRPr>
+            </a:lvl9pPr>
+          </a:lstStyle>
+          <a:p>
+            <a:pPr algn="l"/>
+            <a:r>
+              <a:rPr lang="en-US" dirty="0"/>
+              <a:t>Stab.glu^3-&gt; </a:t>
+            </a:r>
+            <a:r>
+              <a:rPr lang="en-US" dirty="0" err="1"/>
+              <a:t>th</a:t>
+            </a:r>
+            <a:r>
+              <a:rPr lang="en-US" dirty="0"/>
+              <a:t>  0.2 -&gt; 3.5177</a:t>
+            </a:r>
+          </a:p>
+          <a:p>
+            <a:pPr algn="l"/>
+            <a:r>
+              <a:rPr lang="en-US" dirty="0"/>
+              <a:t>Stab.glu^2+ratio+age-&gt; 0.12 -&gt; 3.4707</a:t>
+            </a:r>
+          </a:p>
+          <a:p>
+            <a:pPr algn="l"/>
+            <a:r>
+              <a:rPr lang="en-US" dirty="0"/>
+              <a:t>Stab.glu^2+ratio-&gt; </a:t>
+            </a:r>
+            <a:r>
+              <a:rPr lang="en-US" dirty="0" err="1"/>
+              <a:t>thr</a:t>
+            </a:r>
+            <a:r>
+              <a:rPr lang="en-US" dirty="0"/>
+              <a:t> 0.12 -&gt; 3.5777</a:t>
+            </a:r>
+          </a:p>
+          <a:p>
+            <a:pPr algn="l"/>
+            <a:endParaRPr lang="en-US" dirty="0"/>
+          </a:p>
+          <a:p>
+            <a:pPr algn="l"/>
+            <a:endParaRPr lang="en-US" dirty="0"/>
           </a:p>
         </p:txBody>
       </p:sp>
@@ -9173,6 +9403,482 @@
     <p:extLst>
       <p:ext uri="{BB962C8B-B14F-4D97-AF65-F5344CB8AC3E}">
         <p14:creationId xmlns:p14="http://schemas.microsoft.com/office/powerpoint/2010/main" val="440904676"/>
+      </p:ext>
+    </p:extLst>
+  </p:cSld>
+  <p:clrMapOvr>
+    <a:masterClrMapping/>
+  </p:clrMapOvr>
+</p:sld>
+</file>
+
+<file path=ppt/slides/slide16.xml><?xml version="1.0" encoding="utf-8"?>
+<p:sld xmlns:a="http://schemas.openxmlformats.org/drawingml/2006/main" xmlns:r="http://schemas.openxmlformats.org/officeDocument/2006/relationships" xmlns:p="http://schemas.openxmlformats.org/presentationml/2006/main">
+  <p:cSld>
+    <p:spTree>
+      <p:nvGrpSpPr>
+        <p:cNvPr id="1" name=""/>
+        <p:cNvGrpSpPr/>
+        <p:nvPr/>
+      </p:nvGrpSpPr>
+      <p:grpSpPr>
+        <a:xfrm>
+          <a:off x="0" y="0"/>
+          <a:ext cx="0" cy="0"/>
+          <a:chOff x="0" y="0"/>
+          <a:chExt cx="0" cy="0"/>
+        </a:xfrm>
+      </p:grpSpPr>
+      <p:sp>
+        <p:nvSpPr>
+          <p:cNvPr id="2" name="Title 1">
+            <a:extLst>
+              <a:ext uri="{FF2B5EF4-FFF2-40B4-BE49-F238E27FC236}">
+                <a16:creationId xmlns:a16="http://schemas.microsoft.com/office/drawing/2014/main" id="{175C0B13-D341-41D0-821A-1F0AA51D71F3}"/>
+              </a:ext>
+            </a:extLst>
+          </p:cNvPr>
+          <p:cNvSpPr>
+            <a:spLocks noGrp="1"/>
+          </p:cNvSpPr>
+          <p:nvPr>
+            <p:ph type="title"/>
+          </p:nvPr>
+        </p:nvSpPr>
+        <p:spPr/>
+        <p:txBody>
+          <a:bodyPr>
+            <a:normAutofit fontScale="90000"/>
+          </a:bodyPr>
+          <a:lstStyle/>
+          <a:p>
+            <a:r>
+              <a:rPr lang="pt-PT" dirty="0"/>
+              <a:t>Discussão de resultados</a:t>
+            </a:r>
+            <a:endParaRPr lang="en-US" dirty="0"/>
+          </a:p>
+        </p:txBody>
+      </p:sp>
+      <p:sp>
+        <p:nvSpPr>
+          <p:cNvPr id="3" name="Text Placeholder 2">
+            <a:extLst>
+              <a:ext uri="{FF2B5EF4-FFF2-40B4-BE49-F238E27FC236}">
+                <a16:creationId xmlns:a16="http://schemas.microsoft.com/office/drawing/2014/main" id="{B61E6852-DCCF-480C-89DC-B0F770944498}"/>
+              </a:ext>
+            </a:extLst>
+          </p:cNvPr>
+          <p:cNvSpPr>
+            <a:spLocks noGrp="1"/>
+          </p:cNvSpPr>
+          <p:nvPr>
+            <p:ph type="body" idx="1"/>
+          </p:nvPr>
+        </p:nvSpPr>
+        <p:spPr>
+          <a:xfrm>
+            <a:off x="414766" y="1655520"/>
+            <a:ext cx="8398775" cy="3054099"/>
+          </a:xfrm>
+        </p:spPr>
+        <p:txBody>
+          <a:bodyPr>
+            <a:normAutofit/>
+          </a:bodyPr>
+          <a:lstStyle/>
+          <a:p>
+            <a:pPr marL="342900" indent="-342900" algn="l">
+              <a:buBlip>
+                <a:blip r:embed="rId2"/>
+              </a:buBlip>
+            </a:pPr>
+            <a:r>
+              <a:rPr lang="pt-PT" sz="1500" dirty="0"/>
+              <a:t>Será que o colesterol/pressão arterial/tempo após refeição/fatores corporais afetam os diabetes?</a:t>
+            </a:r>
+          </a:p>
+          <a:p>
+            <a:pPr algn="l"/>
+            <a:endParaRPr lang="pt-PT" sz="1500" dirty="0"/>
+          </a:p>
+          <a:p>
+            <a:pPr marL="342900" indent="-342900" algn="l">
+              <a:buBlip>
+                <a:blip r:embed="rId2"/>
+              </a:buBlip>
+            </a:pPr>
+            <a:r>
+              <a:rPr lang="pt-PT" sz="1500" dirty="0"/>
+              <a:t>Qual fator corporal explica melhor o valor da diabete? </a:t>
+            </a:r>
+          </a:p>
+          <a:p>
+            <a:pPr marL="342900" indent="-342900" algn="l">
+              <a:buBlip>
+                <a:blip r:embed="rId2"/>
+              </a:buBlip>
+            </a:pPr>
+            <a:endParaRPr lang="pt-PT" sz="1500" dirty="0"/>
+          </a:p>
+          <a:p>
+            <a:pPr marL="342900" indent="-342900" algn="l">
+              <a:buBlip>
+                <a:blip r:embed="rId2"/>
+              </a:buBlip>
+            </a:pPr>
+            <a:r>
+              <a:rPr lang="pt-PT" sz="1500" dirty="0"/>
+              <a:t> Quais fatores influenciam mais o resultado final? </a:t>
+            </a:r>
+          </a:p>
+          <a:p>
+            <a:pPr algn="l"/>
+            <a:endParaRPr lang="pt-PT" sz="1500" dirty="0"/>
+          </a:p>
+          <a:p>
+            <a:pPr marL="342900" indent="-342900" algn="l">
+              <a:buBlip>
+                <a:blip r:embed="rId2"/>
+              </a:buBlip>
+            </a:pPr>
+            <a:r>
+              <a:rPr lang="pt-PT" sz="1500" dirty="0"/>
+              <a:t>De que forma os fatores selecionados para a explicação dos resultados o influenciam? (crescentemente, decrescentemente, linearmente) </a:t>
+            </a:r>
+          </a:p>
+          <a:p>
+            <a:pPr algn="l"/>
+            <a:endParaRPr lang="pt-PT" sz="1500" dirty="0"/>
+          </a:p>
+          <a:p>
+            <a:pPr marL="342900" indent="-342900" algn="l">
+              <a:buBlip>
+                <a:blip r:embed="rId2"/>
+              </a:buBlip>
+            </a:pPr>
+            <a:r>
+              <a:rPr lang="pt-PT" sz="1500" dirty="0"/>
+              <a:t> Qual a probabilidade (ou confiança no resultado) de uma pessoa com as caraterísticas X (por exemplo colesterol=180, altura=175, peso=67, etc.) ter diabetes? </a:t>
+            </a:r>
+          </a:p>
+          <a:p>
+            <a:pPr algn="l"/>
+            <a:endParaRPr lang="pt-PT" sz="1500" dirty="0"/>
+          </a:p>
+        </p:txBody>
+      </p:sp>
+    </p:spTree>
+    <p:extLst>
+      <p:ext uri="{BB962C8B-B14F-4D97-AF65-F5344CB8AC3E}">
+        <p14:creationId xmlns:p14="http://schemas.microsoft.com/office/powerpoint/2010/main" val="4214412632"/>
+      </p:ext>
+    </p:extLst>
+  </p:cSld>
+  <p:clrMapOvr>
+    <a:masterClrMapping/>
+  </p:clrMapOvr>
+</p:sld>
+</file>
+
+<file path=ppt/slides/slide17.xml><?xml version="1.0" encoding="utf-8"?>
+<p:sld xmlns:a="http://schemas.openxmlformats.org/drawingml/2006/main" xmlns:r="http://schemas.openxmlformats.org/officeDocument/2006/relationships" xmlns:p="http://schemas.openxmlformats.org/presentationml/2006/main">
+  <p:cSld>
+    <p:spTree>
+      <p:nvGrpSpPr>
+        <p:cNvPr id="1" name=""/>
+        <p:cNvGrpSpPr/>
+        <p:nvPr/>
+      </p:nvGrpSpPr>
+      <p:grpSpPr>
+        <a:xfrm>
+          <a:off x="0" y="0"/>
+          <a:ext cx="0" cy="0"/>
+          <a:chOff x="0" y="0"/>
+          <a:chExt cx="0" cy="0"/>
+        </a:xfrm>
+      </p:grpSpPr>
+      <p:sp>
+        <p:nvSpPr>
+          <p:cNvPr id="2" name="Title 1">
+            <a:extLst>
+              <a:ext uri="{FF2B5EF4-FFF2-40B4-BE49-F238E27FC236}">
+                <a16:creationId xmlns:a16="http://schemas.microsoft.com/office/drawing/2014/main" id="{CF6B1CE9-9EFD-4304-B21B-96D0848AF69A}"/>
+              </a:ext>
+            </a:extLst>
+          </p:cNvPr>
+          <p:cNvSpPr>
+            <a:spLocks noGrp="1"/>
+          </p:cNvSpPr>
+          <p:nvPr>
+            <p:ph type="title"/>
+          </p:nvPr>
+        </p:nvSpPr>
+        <p:spPr/>
+        <p:txBody>
+          <a:bodyPr>
+            <a:normAutofit fontScale="90000"/>
+          </a:bodyPr>
+          <a:lstStyle/>
+          <a:p>
+            <a:r>
+              <a:rPr lang="pt-PT" dirty="0"/>
+              <a:t>Discussão de resultados</a:t>
+            </a:r>
+            <a:endParaRPr lang="en-US" dirty="0"/>
+          </a:p>
+        </p:txBody>
+      </p:sp>
+      <p:sp>
+        <p:nvSpPr>
+          <p:cNvPr id="11" name="Text Placeholder 2">
+            <a:extLst>
+              <a:ext uri="{FF2B5EF4-FFF2-40B4-BE49-F238E27FC236}">
+                <a16:creationId xmlns:a16="http://schemas.microsoft.com/office/drawing/2014/main" id="{0FB595A2-681C-4BC3-9C91-8CEAA8C0AA0A}"/>
+              </a:ext>
+            </a:extLst>
+          </p:cNvPr>
+          <p:cNvSpPr txBox="1">
+            <a:spLocks/>
+          </p:cNvSpPr>
+          <p:nvPr/>
+        </p:nvSpPr>
+        <p:spPr>
+          <a:xfrm>
+            <a:off x="754375" y="1655520"/>
+            <a:ext cx="4040188" cy="479822"/>
+          </a:xfrm>
+          <a:prstGeom prst="rect">
+            <a:avLst/>
+          </a:prstGeom>
+        </p:spPr>
+        <p:txBody>
+          <a:bodyPr vert="horz" lIns="91440" tIns="45720" rIns="91440" bIns="45720" rtlCol="0" anchor="b">
+            <a:normAutofit/>
+          </a:bodyPr>
+          <a:lstStyle>
+            <a:lvl1pPr marL="0" indent="0" algn="ctr" defTabSz="914400" rtl="0" eaLnBrk="1" latinLnBrk="0" hangingPunct="1">
+              <a:spcBef>
+                <a:spcPct val="20000"/>
+              </a:spcBef>
+              <a:buFont typeface="Arial" pitchFamily="34" charset="0"/>
+              <a:buNone/>
+              <a:defRPr sz="2400" b="1" kern="1200">
+                <a:solidFill>
+                  <a:srgbClr val="002060"/>
+                </a:solidFill>
+                <a:latin typeface="+mn-lt"/>
+                <a:ea typeface="+mn-ea"/>
+                <a:cs typeface="+mn-cs"/>
+              </a:defRPr>
+            </a:lvl1pPr>
+            <a:lvl2pPr marL="457200" indent="0" algn="l" defTabSz="914400" rtl="0" eaLnBrk="1" latinLnBrk="0" hangingPunct="1">
+              <a:spcBef>
+                <a:spcPct val="20000"/>
+              </a:spcBef>
+              <a:buFont typeface="Arial" pitchFamily="34" charset="0"/>
+              <a:buNone/>
+              <a:defRPr sz="2000" b="1" kern="1200">
+                <a:solidFill>
+                  <a:schemeClr val="tx1"/>
+                </a:solidFill>
+                <a:latin typeface="+mn-lt"/>
+                <a:ea typeface="+mn-ea"/>
+                <a:cs typeface="+mn-cs"/>
+              </a:defRPr>
+            </a:lvl2pPr>
+            <a:lvl3pPr marL="914400" indent="0" algn="l" defTabSz="914400" rtl="0" eaLnBrk="1" latinLnBrk="0" hangingPunct="1">
+              <a:spcBef>
+                <a:spcPct val="20000"/>
+              </a:spcBef>
+              <a:buFont typeface="Arial" pitchFamily="34" charset="0"/>
+              <a:buNone/>
+              <a:defRPr sz="1800" b="1" kern="1200">
+                <a:solidFill>
+                  <a:schemeClr val="tx1"/>
+                </a:solidFill>
+                <a:latin typeface="+mn-lt"/>
+                <a:ea typeface="+mn-ea"/>
+                <a:cs typeface="+mn-cs"/>
+              </a:defRPr>
+            </a:lvl3pPr>
+            <a:lvl4pPr marL="1371600" indent="0" algn="l" defTabSz="914400" rtl="0" eaLnBrk="1" latinLnBrk="0" hangingPunct="1">
+              <a:spcBef>
+                <a:spcPct val="20000"/>
+              </a:spcBef>
+              <a:buFont typeface="Arial" pitchFamily="34" charset="0"/>
+              <a:buNone/>
+              <a:defRPr sz="1600" b="1" kern="1200">
+                <a:solidFill>
+                  <a:schemeClr val="tx1"/>
+                </a:solidFill>
+                <a:latin typeface="+mn-lt"/>
+                <a:ea typeface="+mn-ea"/>
+                <a:cs typeface="+mn-cs"/>
+              </a:defRPr>
+            </a:lvl4pPr>
+            <a:lvl5pPr marL="1828800" indent="0" algn="l" defTabSz="914400" rtl="0" eaLnBrk="1" latinLnBrk="0" hangingPunct="1">
+              <a:spcBef>
+                <a:spcPct val="20000"/>
+              </a:spcBef>
+              <a:buFont typeface="Arial" pitchFamily="34" charset="0"/>
+              <a:buNone/>
+              <a:defRPr sz="1600" b="1" kern="1200">
+                <a:solidFill>
+                  <a:schemeClr val="tx1"/>
+                </a:solidFill>
+                <a:latin typeface="+mn-lt"/>
+                <a:ea typeface="+mn-ea"/>
+                <a:cs typeface="+mn-cs"/>
+              </a:defRPr>
+            </a:lvl5pPr>
+            <a:lvl6pPr marL="2286000" indent="0" algn="l" defTabSz="914400" rtl="0" eaLnBrk="1" latinLnBrk="0" hangingPunct="1">
+              <a:spcBef>
+                <a:spcPct val="20000"/>
+              </a:spcBef>
+              <a:buFont typeface="Arial" pitchFamily="34" charset="0"/>
+              <a:buNone/>
+              <a:defRPr sz="1600" b="1" kern="1200">
+                <a:solidFill>
+                  <a:schemeClr val="tx1"/>
+                </a:solidFill>
+                <a:latin typeface="+mn-lt"/>
+                <a:ea typeface="+mn-ea"/>
+                <a:cs typeface="+mn-cs"/>
+              </a:defRPr>
+            </a:lvl6pPr>
+            <a:lvl7pPr marL="2743200" indent="0" algn="l" defTabSz="914400" rtl="0" eaLnBrk="1" latinLnBrk="0" hangingPunct="1">
+              <a:spcBef>
+                <a:spcPct val="20000"/>
+              </a:spcBef>
+              <a:buFont typeface="Arial" pitchFamily="34" charset="0"/>
+              <a:buNone/>
+              <a:defRPr sz="1600" b="1" kern="1200">
+                <a:solidFill>
+                  <a:schemeClr val="tx1"/>
+                </a:solidFill>
+                <a:latin typeface="+mn-lt"/>
+                <a:ea typeface="+mn-ea"/>
+                <a:cs typeface="+mn-cs"/>
+              </a:defRPr>
+            </a:lvl7pPr>
+            <a:lvl8pPr marL="3200400" indent="0" algn="l" defTabSz="914400" rtl="0" eaLnBrk="1" latinLnBrk="0" hangingPunct="1">
+              <a:spcBef>
+                <a:spcPct val="20000"/>
+              </a:spcBef>
+              <a:buFont typeface="Arial" pitchFamily="34" charset="0"/>
+              <a:buNone/>
+              <a:defRPr sz="1600" b="1" kern="1200">
+                <a:solidFill>
+                  <a:schemeClr val="tx1"/>
+                </a:solidFill>
+                <a:latin typeface="+mn-lt"/>
+                <a:ea typeface="+mn-ea"/>
+                <a:cs typeface="+mn-cs"/>
+              </a:defRPr>
+            </a:lvl8pPr>
+            <a:lvl9pPr marL="3657600" indent="0" algn="l" defTabSz="914400" rtl="0" eaLnBrk="1" latinLnBrk="0" hangingPunct="1">
+              <a:spcBef>
+                <a:spcPct val="20000"/>
+              </a:spcBef>
+              <a:buFont typeface="Arial" pitchFamily="34" charset="0"/>
+              <a:buNone/>
+              <a:defRPr sz="1600" b="1" kern="1200">
+                <a:solidFill>
+                  <a:schemeClr val="tx1"/>
+                </a:solidFill>
+                <a:latin typeface="+mn-lt"/>
+                <a:ea typeface="+mn-ea"/>
+                <a:cs typeface="+mn-cs"/>
+              </a:defRPr>
+            </a:lvl9pPr>
+          </a:lstStyle>
+          <a:p>
+            <a:endParaRPr lang="en-US" dirty="0"/>
+          </a:p>
+        </p:txBody>
+      </p:sp>
+      <p:sp>
+        <p:nvSpPr>
+          <p:cNvPr id="12" name="Text Placeholder 2">
+            <a:extLst>
+              <a:ext uri="{FF2B5EF4-FFF2-40B4-BE49-F238E27FC236}">
+                <a16:creationId xmlns:a16="http://schemas.microsoft.com/office/drawing/2014/main" id="{2A65C7DC-8944-4818-8CE1-442C8E3D2472}"/>
+              </a:ext>
+            </a:extLst>
+          </p:cNvPr>
+          <p:cNvSpPr>
+            <a:spLocks noGrp="1"/>
+          </p:cNvSpPr>
+          <p:nvPr>
+            <p:ph type="body" idx="1"/>
+          </p:nvPr>
+        </p:nvSpPr>
+        <p:spPr>
+          <a:xfrm>
+            <a:off x="448964" y="1502815"/>
+            <a:ext cx="8398775" cy="2137869"/>
+          </a:xfrm>
+        </p:spPr>
+        <p:txBody>
+          <a:bodyPr>
+            <a:normAutofit/>
+          </a:bodyPr>
+          <a:lstStyle/>
+          <a:p>
+            <a:pPr marL="342900" indent="-342900" algn="l">
+              <a:buBlip>
+                <a:blip r:embed="rId2"/>
+              </a:buBlip>
+            </a:pPr>
+            <a:r>
+              <a:rPr lang="pt-PT" sz="1500" dirty="0"/>
+              <a:t> Qual a taxa de incidência em pessoas com menos e com mais de 50 anos? </a:t>
+            </a:r>
+          </a:p>
+          <a:p>
+            <a:pPr algn="l"/>
+            <a:endParaRPr lang="pt-PT" sz="1500" dirty="0"/>
+          </a:p>
+          <a:p>
+            <a:pPr marL="342900" indent="-342900" algn="l">
+              <a:buBlip>
+                <a:blip r:embed="rId2">
+                  <a:extLst/>
+                </a:blip>
+              </a:buBlip>
+            </a:pPr>
+            <a:r>
+              <a:rPr lang="pt-PT" sz="1500" dirty="0"/>
+              <a:t>Qual país apresenta maior incidência? (visto serem só dois podemos comparar)</a:t>
+            </a:r>
+          </a:p>
+          <a:p>
+            <a:pPr algn="l"/>
+            <a:endParaRPr lang="pt-PT" sz="1500" dirty="0"/>
+          </a:p>
+          <a:p>
+            <a:pPr marL="342900" indent="-342900" algn="l">
+              <a:buBlip>
+                <a:blip r:embed="rId2"/>
+              </a:buBlip>
+            </a:pPr>
+            <a:r>
+              <a:rPr lang="pt-PT" sz="1500" dirty="0"/>
+              <a:t>O resultado é mais exato utilizando um modelo de classificação ou de regressão (e de seguida classificando)?</a:t>
+            </a:r>
+            <a:endParaRPr lang="en-US" sz="1500" dirty="0"/>
+          </a:p>
+          <a:p>
+            <a:pPr algn="l"/>
+            <a:endParaRPr lang="pt-PT" sz="1500" dirty="0"/>
+          </a:p>
+        </p:txBody>
+      </p:sp>
+    </p:spTree>
+    <p:extLst>
+      <p:ext uri="{BB962C8B-B14F-4D97-AF65-F5344CB8AC3E}">
+        <p14:creationId xmlns:p14="http://schemas.microsoft.com/office/powerpoint/2010/main" val="2980354211"/>
       </p:ext>
     </p:extLst>
   </p:cSld>
@@ -12218,6 +12924,114 @@
           <a:xfrm>
             <a:off x="2128720" y="1197405"/>
             <a:ext cx="1681200" cy="1983600"/>
+          </a:xfrm>
+          <a:prstGeom prst="rect">
+            <a:avLst/>
+          </a:prstGeom>
+        </p:spPr>
+      </p:pic>
+      <p:pic>
+        <p:nvPicPr>
+          <p:cNvPr id="3" name="Picture 2">
+            <a:extLst>
+              <a:ext uri="{FF2B5EF4-FFF2-40B4-BE49-F238E27FC236}">
+                <a16:creationId xmlns:a16="http://schemas.microsoft.com/office/drawing/2014/main" id="{F5BCF2A6-6389-4A95-B3BF-42710D3F0092}"/>
+              </a:ext>
+            </a:extLst>
+          </p:cNvPr>
+          <p:cNvPicPr>
+            <a:picLocks noChangeAspect="1"/>
+          </p:cNvPicPr>
+          <p:nvPr/>
+        </p:nvPicPr>
+        <p:blipFill>
+          <a:blip r:embed="rId4" cstate="print">
+            <a:extLst>
+              <a:ext uri="{28A0092B-C50C-407E-A947-70E740481C1C}">
+                <a14:useLocalDpi xmlns:a14="http://schemas.microsoft.com/office/drawing/2010/main" val="0"/>
+              </a:ext>
+            </a:extLst>
+          </a:blip>
+          <a:stretch>
+            <a:fillRect/>
+          </a:stretch>
+        </p:blipFill>
+        <p:spPr>
+          <a:xfrm>
+            <a:off x="448964" y="3442103"/>
+            <a:ext cx="2263813" cy="1420222"/>
+          </a:xfrm>
+          <a:prstGeom prst="rect">
+            <a:avLst/>
+          </a:prstGeom>
+        </p:spPr>
+      </p:pic>
+      <p:pic>
+        <p:nvPicPr>
+          <p:cNvPr id="6" name="Picture 5">
+            <a:extLst>
+              <a:ext uri="{FF2B5EF4-FFF2-40B4-BE49-F238E27FC236}">
+                <a16:creationId xmlns:a16="http://schemas.microsoft.com/office/drawing/2014/main" id="{EC614ED6-59CB-4ECD-BB4D-3B04B619420C}"/>
+              </a:ext>
+            </a:extLst>
+          </p:cNvPr>
+          <p:cNvPicPr>
+            <a:picLocks noChangeAspect="1"/>
+          </p:cNvPicPr>
+          <p:nvPr/>
+        </p:nvPicPr>
+        <p:blipFill>
+          <a:blip r:embed="rId5" cstate="print">
+            <a:extLst>
+              <a:ext uri="{28A0092B-C50C-407E-A947-70E740481C1C}">
+                <a14:useLocalDpi xmlns:a14="http://schemas.microsoft.com/office/drawing/2010/main" val="0"/>
+              </a:ext>
+            </a:extLst>
+          </a:blip>
+          <a:stretch>
+            <a:fillRect/>
+          </a:stretch>
+        </p:blipFill>
+        <p:spPr>
+          <a:xfrm>
+            <a:off x="3197655" y="3323513"/>
+            <a:ext cx="2626498" cy="1657402"/>
+          </a:xfrm>
+          <a:prstGeom prst="rect">
+            <a:avLst/>
+          </a:prstGeom>
+        </p:spPr>
+      </p:pic>
+      <p:pic>
+        <p:nvPicPr>
+          <p:cNvPr id="8" name="Picture 7">
+            <a:extLst>
+              <a:ext uri="{FF2B5EF4-FFF2-40B4-BE49-F238E27FC236}">
+                <a16:creationId xmlns:a16="http://schemas.microsoft.com/office/drawing/2014/main" id="{EF923A8C-50FE-4AAD-AEBF-A5662109815C}"/>
+              </a:ext>
+            </a:extLst>
+          </p:cNvPr>
+          <p:cNvPicPr>
+            <a:picLocks noChangeAspect="1"/>
+          </p:cNvPicPr>
+          <p:nvPr/>
+        </p:nvPicPr>
+        <p:blipFill>
+          <a:blip r:embed="rId6" cstate="print">
+            <a:extLst>
+              <a:ext uri="{28A0092B-C50C-407E-A947-70E740481C1C}">
+                <a14:useLocalDpi xmlns:a14="http://schemas.microsoft.com/office/drawing/2010/main" val="0"/>
+              </a:ext>
+            </a:extLst>
+          </a:blip>
+          <a:stretch>
+            <a:fillRect/>
+          </a:stretch>
+        </p:blipFill>
+        <p:spPr>
+          <a:xfrm>
+            <a:off x="6251755" y="3323513"/>
+            <a:ext cx="2115168" cy="1476884"/>
           </a:xfrm>
           <a:prstGeom prst="rect">
             <a:avLst/>

--- a/apresentacao.pptx
+++ b/apresentacao.pptx
@@ -5,7 +5,7 @@
     <p:sldMasterId id="2147483648" r:id="rId1"/>
   </p:sldMasterIdLst>
   <p:notesMasterIdLst>
-    <p:notesMasterId r:id="rId19"/>
+    <p:notesMasterId r:id="rId21"/>
   </p:notesMasterIdLst>
   <p:sldIdLst>
     <p:sldId id="256" r:id="rId2"/>
@@ -24,7 +24,9 @@
     <p:sldId id="270" r:id="rId15"/>
     <p:sldId id="271" r:id="rId16"/>
     <p:sldId id="272" r:id="rId17"/>
-    <p:sldId id="273" r:id="rId18"/>
+    <p:sldId id="274" r:id="rId18"/>
+    <p:sldId id="273" r:id="rId19"/>
+    <p:sldId id="275" r:id="rId20"/>
   </p:sldIdLst>
   <p:sldSz cx="9144000" cy="5143500" type="screen16x9"/>
   <p:notesSz cx="6858000" cy="9144000"/>
@@ -224,7 +226,7 @@
           <a:p>
             <a:fld id="{A40759B3-20ED-419A-A77D-71AE35F06108}" type="datetimeFigureOut">
               <a:rPr lang="en-US" smtClean="0"/>
-              <a:t>12/12/2018</a:t>
+              <a:t>12/13/2018</a:t>
             </a:fld>
             <a:endParaRPr lang="en-US"/>
           </a:p>
@@ -556,7 +558,7 @@
           <a:p>
             <a:fld id="{C263AF9A-6E76-4CCC-89CF-B04065708FB7}" type="slidenum">
               <a:rPr lang="en-US" smtClean="0"/>
-              <a:t>2</a:t>
+              <a:t>1</a:t>
             </a:fld>
             <a:endParaRPr lang="en-US"/>
           </a:p>
@@ -565,7 +567,7 @@
     </p:spTree>
     <p:extLst>
       <p:ext uri="{BB962C8B-B14F-4D97-AF65-F5344CB8AC3E}">
-        <p14:creationId xmlns:p14="http://schemas.microsoft.com/office/powerpoint/2010/main" val="863646510"/>
+        <p14:creationId xmlns:p14="http://schemas.microsoft.com/office/powerpoint/2010/main" val="1243647691"/>
       </p:ext>
     </p:extLst>
   </p:cSld>
@@ -621,14 +623,112 @@
           <a:p>
             <a:r>
               <a:rPr lang="pt-PT" dirty="0"/>
-              <a:t>ZE FALA AQUI</a:t>
-            </a:r>
+              <a:t>CARLOS FALA AQUI  temos de ver aqui melhor</a:t>
+            </a:r>
+          </a:p>
+          <a:p>
+            <a:endParaRPr lang="pt-PT" dirty="0"/>
           </a:p>
           <a:p>
             <a:r>
               <a:rPr lang="pt-PT" dirty="0"/>
-              <a:t>Não utilizamos muitos modelos nestes casos visto que não podíamos utilizar o preditor que mais afeta o resultado, por n ser normal, e que os resultados eram sempre baixos.</a:t>
-            </a:r>
+              <a:t>V</a:t>
+            </a:r>
+            <a:r>
+              <a:rPr lang="en-US" dirty="0" err="1"/>
+              <a:t>erde</a:t>
+            </a:r>
+            <a:r>
+              <a:rPr lang="en-US" dirty="0"/>
+              <a:t>- </a:t>
+            </a:r>
+            <a:r>
+              <a:rPr lang="en-US" dirty="0" err="1"/>
+              <a:t>acerto</a:t>
+            </a:r>
+            <a:r>
+              <a:rPr lang="en-US" dirty="0"/>
+              <a:t> </a:t>
+            </a:r>
+            <a:r>
+              <a:rPr lang="en-US" dirty="0" err="1"/>
+              <a:t>nos</a:t>
+            </a:r>
+            <a:r>
+              <a:rPr lang="en-US" dirty="0"/>
+              <a:t> </a:t>
+            </a:r>
+            <a:r>
+              <a:rPr lang="en-US" dirty="0" err="1"/>
+              <a:t>positivos</a:t>
+            </a:r>
+            <a:endParaRPr lang="en-US" dirty="0"/>
+          </a:p>
+          <a:p>
+            <a:r>
+              <a:rPr lang="pt-PT" dirty="0"/>
+              <a:t>A</a:t>
+            </a:r>
+            <a:r>
+              <a:rPr lang="en-US" dirty="0" err="1"/>
+              <a:t>zul</a:t>
+            </a:r>
+            <a:r>
+              <a:rPr lang="en-US" dirty="0"/>
+              <a:t> = </a:t>
+            </a:r>
+            <a:r>
+              <a:rPr lang="en-US" dirty="0" err="1"/>
+              <a:t>acerto</a:t>
+            </a:r>
+            <a:r>
+              <a:rPr lang="en-US" dirty="0"/>
+              <a:t> </a:t>
+            </a:r>
+            <a:r>
+              <a:rPr lang="en-US" dirty="0" err="1"/>
+              <a:t>negativos</a:t>
+            </a:r>
+            <a:endParaRPr lang="en-US" dirty="0"/>
+          </a:p>
+          <a:p>
+            <a:r>
+              <a:rPr lang="pt-PT" dirty="0"/>
+              <a:t>V</a:t>
+            </a:r>
+            <a:r>
+              <a:rPr lang="en-US" dirty="0" err="1"/>
+              <a:t>ermelho</a:t>
+            </a:r>
+            <a:r>
+              <a:rPr lang="en-US" dirty="0"/>
+              <a:t> = </a:t>
+            </a:r>
+            <a:r>
+              <a:rPr lang="en-US" dirty="0" err="1"/>
+              <a:t>acerto</a:t>
+            </a:r>
+            <a:r>
+              <a:rPr lang="en-US" dirty="0"/>
+              <a:t> total</a:t>
+            </a:r>
+          </a:p>
+          <a:p>
+            <a:endParaRPr lang="pt-PT" dirty="0"/>
+          </a:p>
+          <a:p>
+            <a:endParaRPr lang="pt-PT" dirty="0"/>
+          </a:p>
+          <a:p>
+            <a:r>
+              <a:rPr lang="pt-PT" dirty="0"/>
+              <a:t>Explicar erro ponderado</a:t>
+            </a:r>
+          </a:p>
+          <a:p>
+            <a:endParaRPr lang="pt-PT" dirty="0"/>
+          </a:p>
+          <a:p>
             <a:endParaRPr lang="en-US" dirty="0"/>
           </a:p>
         </p:txBody>
@@ -650,7 +750,7 @@
           <a:p>
             <a:fld id="{C263AF9A-6E76-4CCC-89CF-B04065708FB7}" type="slidenum">
               <a:rPr lang="en-US" smtClean="0"/>
-              <a:t>12</a:t>
+              <a:t>10</a:t>
             </a:fld>
             <a:endParaRPr lang="en-US"/>
           </a:p>
@@ -659,7 +759,7 @@
     </p:spTree>
     <p:extLst>
       <p:ext uri="{BB962C8B-B14F-4D97-AF65-F5344CB8AC3E}">
-        <p14:creationId xmlns:p14="http://schemas.microsoft.com/office/powerpoint/2010/main" val="290973284"/>
+        <p14:creationId xmlns:p14="http://schemas.microsoft.com/office/powerpoint/2010/main" val="1590782474"/>
       </p:ext>
     </p:extLst>
   </p:cSld>
@@ -715,8 +815,10 @@
           <a:p>
             <a:r>
               <a:rPr lang="pt-PT" dirty="0"/>
-              <a:t>Carlos, mas cada um mete aqui o seu erro</a:t>
-            </a:r>
+              <a:t>ZE FALA AQUI</a:t>
+            </a:r>
+          </a:p>
+          <a:p>
             <a:endParaRPr lang="en-US" dirty="0"/>
           </a:p>
         </p:txBody>
@@ -738,7 +840,7 @@
           <a:p>
             <a:fld id="{C263AF9A-6E76-4CCC-89CF-B04065708FB7}" type="slidenum">
               <a:rPr lang="en-US" smtClean="0"/>
-              <a:t>13</a:t>
+              <a:t>11</a:t>
             </a:fld>
             <a:endParaRPr lang="en-US"/>
           </a:p>
@@ -747,7 +849,7 @@
     </p:spTree>
     <p:extLst>
       <p:ext uri="{BB962C8B-B14F-4D97-AF65-F5344CB8AC3E}">
-        <p14:creationId xmlns:p14="http://schemas.microsoft.com/office/powerpoint/2010/main" val="1137686930"/>
+        <p14:creationId xmlns:p14="http://schemas.microsoft.com/office/powerpoint/2010/main" val="963862012"/>
       </p:ext>
     </p:extLst>
   </p:cSld>
@@ -803,23 +905,13 @@
           <a:p>
             <a:r>
               <a:rPr lang="pt-PT" dirty="0"/>
-              <a:t>Explicar que vimos que sem o ratio deu exatamente igual no </a:t>
-            </a:r>
-            <a:r>
-              <a:rPr lang="pt-PT" dirty="0" err="1"/>
-              <a:t>glm</a:t>
-            </a:r>
+              <a:t>ZE FALA AQUI</a:t>
+            </a:r>
+          </a:p>
+          <a:p>
             <a:r>
               <a:rPr lang="pt-PT" dirty="0"/>
-              <a:t> e por isso retiramos o ratio, Não percebemos isso anteriormente porque no CV o ratio alterava o valor, </a:t>
-            </a:r>
-            <a:r>
-              <a:rPr lang="pt-PT" dirty="0" err="1"/>
-              <a:t>so</a:t>
-            </a:r>
-            <a:r>
-              <a:rPr lang="pt-PT" dirty="0"/>
-              <a:t> agora a fazer o modelo é que conseguimos perceber isso através do p valor. </a:t>
+              <a:t>Não utilizamos muitos modelos nestes casos visto que não podíamos utilizar o preditor que mais afeta o resultado, por n ser normal, e que os resultados eram sempre baixos.</a:t>
             </a:r>
             <a:endParaRPr lang="en-US" dirty="0"/>
           </a:p>
@@ -842,6 +934,254 @@
           <a:p>
             <a:fld id="{C263AF9A-6E76-4CCC-89CF-B04065708FB7}" type="slidenum">
               <a:rPr lang="en-US" smtClean="0"/>
+              <a:t>12</a:t>
+            </a:fld>
+            <a:endParaRPr lang="en-US"/>
+          </a:p>
+        </p:txBody>
+      </p:sp>
+    </p:spTree>
+    <p:extLst>
+      <p:ext uri="{BB962C8B-B14F-4D97-AF65-F5344CB8AC3E}">
+        <p14:creationId xmlns:p14="http://schemas.microsoft.com/office/powerpoint/2010/main" val="290973284"/>
+      </p:ext>
+    </p:extLst>
+  </p:cSld>
+  <p:clrMapOvr>
+    <a:masterClrMapping/>
+  </p:clrMapOvr>
+</p:notes>
+</file>
+
+<file path=ppt/notesSlides/notesSlide13.xml><?xml version="1.0" encoding="utf-8"?>
+<p:notes xmlns:a="http://schemas.openxmlformats.org/drawingml/2006/main" xmlns:r="http://schemas.openxmlformats.org/officeDocument/2006/relationships" xmlns:p="http://schemas.openxmlformats.org/presentationml/2006/main">
+  <p:cSld>
+    <p:spTree>
+      <p:nvGrpSpPr>
+        <p:cNvPr id="1" name=""/>
+        <p:cNvGrpSpPr/>
+        <p:nvPr/>
+      </p:nvGrpSpPr>
+      <p:grpSpPr>
+        <a:xfrm>
+          <a:off x="0" y="0"/>
+          <a:ext cx="0" cy="0"/>
+          <a:chOff x="0" y="0"/>
+          <a:chExt cx="0" cy="0"/>
+        </a:xfrm>
+      </p:grpSpPr>
+      <p:sp>
+        <p:nvSpPr>
+          <p:cNvPr id="2" name="Slide Image Placeholder 1"/>
+          <p:cNvSpPr>
+            <a:spLocks noGrp="1" noRot="1" noChangeAspect="1"/>
+          </p:cNvSpPr>
+          <p:nvPr>
+            <p:ph type="sldImg"/>
+          </p:nvPr>
+        </p:nvSpPr>
+        <p:spPr/>
+      </p:sp>
+      <p:sp>
+        <p:nvSpPr>
+          <p:cNvPr id="3" name="Notes Placeholder 2"/>
+          <p:cNvSpPr>
+            <a:spLocks noGrp="1"/>
+          </p:cNvSpPr>
+          <p:nvPr>
+            <p:ph type="body" idx="1"/>
+          </p:nvPr>
+        </p:nvSpPr>
+        <p:spPr/>
+        <p:txBody>
+          <a:bodyPr/>
+          <a:lstStyle/>
+          <a:p>
+            <a:r>
+              <a:rPr lang="pt-PT" dirty="0"/>
+              <a:t>Carlos, explicar o cross </a:t>
+            </a:r>
+            <a:r>
+              <a:rPr lang="pt-PT" dirty="0" err="1"/>
+              <a:t>validation</a:t>
+            </a:r>
+            <a:endParaRPr lang="pt-PT" dirty="0"/>
+          </a:p>
+          <a:p>
+            <a:endParaRPr lang="pt-PT" dirty="0"/>
+          </a:p>
+          <a:p>
+            <a:endParaRPr lang="en-US" dirty="0"/>
+          </a:p>
+        </p:txBody>
+      </p:sp>
+      <p:sp>
+        <p:nvSpPr>
+          <p:cNvPr id="4" name="Slide Number Placeholder 3"/>
+          <p:cNvSpPr>
+            <a:spLocks noGrp="1"/>
+          </p:cNvSpPr>
+          <p:nvPr>
+            <p:ph type="sldNum" sz="quarter" idx="10"/>
+          </p:nvPr>
+        </p:nvSpPr>
+        <p:spPr/>
+        <p:txBody>
+          <a:bodyPr/>
+          <a:lstStyle/>
+          <a:p>
+            <a:fld id="{C263AF9A-6E76-4CCC-89CF-B04065708FB7}" type="slidenum">
+              <a:rPr lang="en-US" smtClean="0"/>
+              <a:t>13</a:t>
+            </a:fld>
+            <a:endParaRPr lang="en-US"/>
+          </a:p>
+        </p:txBody>
+      </p:sp>
+    </p:spTree>
+    <p:extLst>
+      <p:ext uri="{BB962C8B-B14F-4D97-AF65-F5344CB8AC3E}">
+        <p14:creationId xmlns:p14="http://schemas.microsoft.com/office/powerpoint/2010/main" val="1137686930"/>
+      </p:ext>
+    </p:extLst>
+  </p:cSld>
+  <p:clrMapOvr>
+    <a:masterClrMapping/>
+  </p:clrMapOvr>
+</p:notes>
+</file>
+
+<file path=ppt/notesSlides/notesSlide14.xml><?xml version="1.0" encoding="utf-8"?>
+<p:notes xmlns:a="http://schemas.openxmlformats.org/drawingml/2006/main" xmlns:r="http://schemas.openxmlformats.org/officeDocument/2006/relationships" xmlns:p="http://schemas.openxmlformats.org/presentationml/2006/main">
+  <p:cSld>
+    <p:spTree>
+      <p:nvGrpSpPr>
+        <p:cNvPr id="1" name=""/>
+        <p:cNvGrpSpPr/>
+        <p:nvPr/>
+      </p:nvGrpSpPr>
+      <p:grpSpPr>
+        <a:xfrm>
+          <a:off x="0" y="0"/>
+          <a:ext cx="0" cy="0"/>
+          <a:chOff x="0" y="0"/>
+          <a:chExt cx="0" cy="0"/>
+        </a:xfrm>
+      </p:grpSpPr>
+      <p:sp>
+        <p:nvSpPr>
+          <p:cNvPr id="2" name="Slide Image Placeholder 1"/>
+          <p:cNvSpPr>
+            <a:spLocks noGrp="1" noRot="1" noChangeAspect="1"/>
+          </p:cNvSpPr>
+          <p:nvPr>
+            <p:ph type="sldImg"/>
+          </p:nvPr>
+        </p:nvSpPr>
+        <p:spPr/>
+      </p:sp>
+      <p:sp>
+        <p:nvSpPr>
+          <p:cNvPr id="3" name="Notes Placeholder 2"/>
+          <p:cNvSpPr>
+            <a:spLocks noGrp="1"/>
+          </p:cNvSpPr>
+          <p:nvPr>
+            <p:ph type="body" idx="1"/>
+          </p:nvPr>
+        </p:nvSpPr>
+        <p:spPr/>
+        <p:txBody>
+          <a:bodyPr/>
+          <a:lstStyle/>
+          <a:p>
+            <a:endParaRPr lang="pt-PT" dirty="0"/>
+          </a:p>
+          <a:p>
+            <a:r>
+              <a:rPr lang="pt-PT" dirty="0"/>
+              <a:t>[PEIXOTO]</a:t>
+            </a:r>
+          </a:p>
+          <a:p>
+            <a:endParaRPr lang="pt-PT" dirty="0"/>
+          </a:p>
+          <a:p>
+            <a:r>
+              <a:rPr lang="pt-PT" dirty="0"/>
+              <a:t>-&gt; O porque do teste e treino , dados frescos evitar </a:t>
+            </a:r>
+            <a:r>
+              <a:rPr lang="pt-PT" dirty="0" err="1"/>
+              <a:t>overtfiting</a:t>
+            </a:r>
+            <a:r>
+              <a:rPr lang="pt-PT" dirty="0"/>
+              <a:t> e que até ficamos um pouco impressionados por obtermos um desempenho um erro </a:t>
+            </a:r>
+            <a:r>
+              <a:rPr lang="pt-PT" dirty="0" err="1"/>
+              <a:t>ponderaro</a:t>
+            </a:r>
+            <a:endParaRPr lang="pt-PT" dirty="0"/>
+          </a:p>
+          <a:p>
+            <a:endParaRPr lang="pt-PT" dirty="0"/>
+          </a:p>
+          <a:p>
+            <a:endParaRPr lang="pt-PT" dirty="0"/>
+          </a:p>
+          <a:p>
+            <a:r>
+              <a:rPr lang="pt-PT" dirty="0"/>
+              <a:t>GLM-&gt; </a:t>
+            </a:r>
+          </a:p>
+          <a:p>
+            <a:endParaRPr lang="pt-PT" dirty="0"/>
+          </a:p>
+          <a:p>
+            <a:r>
+              <a:rPr lang="pt-PT" dirty="0"/>
+              <a:t>Explicar que vimos que sem o ratio deu exatamente igual no </a:t>
+            </a:r>
+            <a:r>
+              <a:rPr lang="pt-PT" dirty="0" err="1"/>
+              <a:t>glm</a:t>
+            </a:r>
+            <a:r>
+              <a:rPr lang="pt-PT" dirty="0"/>
+              <a:t> e por isso retiramos o ratio, Não percebemos isso anteriormente porque no CV o ratio alterava o valor, </a:t>
+            </a:r>
+            <a:r>
+              <a:rPr lang="pt-PT" dirty="0" err="1"/>
+              <a:t>so</a:t>
+            </a:r>
+            <a:r>
+              <a:rPr lang="pt-PT" dirty="0"/>
+              <a:t> agora a fazer o modelo é que conseguimos perceber isso através do p valor. </a:t>
+            </a:r>
+            <a:endParaRPr lang="en-US" dirty="0"/>
+          </a:p>
+        </p:txBody>
+      </p:sp>
+      <p:sp>
+        <p:nvSpPr>
+          <p:cNvPr id="4" name="Slide Number Placeholder 3"/>
+          <p:cNvSpPr>
+            <a:spLocks noGrp="1"/>
+          </p:cNvSpPr>
+          <p:nvPr>
+            <p:ph type="sldNum" sz="quarter" idx="10"/>
+          </p:nvPr>
+        </p:nvSpPr>
+        <p:spPr/>
+        <p:txBody>
+          <a:bodyPr/>
+          <a:lstStyle/>
+          <a:p>
+            <a:fld id="{C263AF9A-6E76-4CCC-89CF-B04065708FB7}" type="slidenum">
+              <a:rPr lang="en-US" smtClean="0"/>
               <a:t>14</a:t>
             </a:fld>
             <a:endParaRPr lang="en-US"/>
@@ -852,6 +1192,453 @@
     <p:extLst>
       <p:ext uri="{BB962C8B-B14F-4D97-AF65-F5344CB8AC3E}">
         <p14:creationId xmlns:p14="http://schemas.microsoft.com/office/powerpoint/2010/main" val="1311544651"/>
+      </p:ext>
+    </p:extLst>
+  </p:cSld>
+  <p:clrMapOvr>
+    <a:masterClrMapping/>
+  </p:clrMapOvr>
+</p:notes>
+</file>
+
+<file path=ppt/notesSlides/notesSlide15.xml><?xml version="1.0" encoding="utf-8"?>
+<p:notes xmlns:a="http://schemas.openxmlformats.org/drawingml/2006/main" xmlns:r="http://schemas.openxmlformats.org/officeDocument/2006/relationships" xmlns:p="http://schemas.openxmlformats.org/presentationml/2006/main">
+  <p:cSld>
+    <p:spTree>
+      <p:nvGrpSpPr>
+        <p:cNvPr id="1" name=""/>
+        <p:cNvGrpSpPr/>
+        <p:nvPr/>
+      </p:nvGrpSpPr>
+      <p:grpSpPr>
+        <a:xfrm>
+          <a:off x="0" y="0"/>
+          <a:ext cx="0" cy="0"/>
+          <a:chOff x="0" y="0"/>
+          <a:chExt cx="0" cy="0"/>
+        </a:xfrm>
+      </p:grpSpPr>
+      <p:sp>
+        <p:nvSpPr>
+          <p:cNvPr id="2" name="Slide Image Placeholder 1"/>
+          <p:cNvSpPr>
+            <a:spLocks noGrp="1" noRot="1" noChangeAspect="1"/>
+          </p:cNvSpPr>
+          <p:nvPr>
+            <p:ph type="sldImg"/>
+          </p:nvPr>
+        </p:nvSpPr>
+        <p:spPr/>
+      </p:sp>
+      <p:sp>
+        <p:nvSpPr>
+          <p:cNvPr id="3" name="Notes Placeholder 2"/>
+          <p:cNvSpPr>
+            <a:spLocks noGrp="1"/>
+          </p:cNvSpPr>
+          <p:nvPr>
+            <p:ph type="body" idx="1"/>
+          </p:nvPr>
+        </p:nvSpPr>
+        <p:spPr/>
+        <p:txBody>
+          <a:bodyPr/>
+          <a:lstStyle/>
+          <a:p>
+            <a:r>
+              <a:rPr lang="pt-PT" dirty="0"/>
+              <a:t>Carlos Falar que escolhemos este modelo por ter o melhor erro ponderado, e mais que tudo por ser o mais simples </a:t>
+            </a:r>
+            <a:endParaRPr lang="en-US" dirty="0"/>
+          </a:p>
+        </p:txBody>
+      </p:sp>
+      <p:sp>
+        <p:nvSpPr>
+          <p:cNvPr id="4" name="Slide Number Placeholder 3"/>
+          <p:cNvSpPr>
+            <a:spLocks noGrp="1"/>
+          </p:cNvSpPr>
+          <p:nvPr>
+            <p:ph type="sldNum" sz="quarter" idx="10"/>
+          </p:nvPr>
+        </p:nvSpPr>
+        <p:spPr/>
+        <p:txBody>
+          <a:bodyPr/>
+          <a:lstStyle/>
+          <a:p>
+            <a:fld id="{C263AF9A-6E76-4CCC-89CF-B04065708FB7}" type="slidenum">
+              <a:rPr lang="en-US" smtClean="0"/>
+              <a:t>15</a:t>
+            </a:fld>
+            <a:endParaRPr lang="en-US"/>
+          </a:p>
+        </p:txBody>
+      </p:sp>
+    </p:spTree>
+    <p:extLst>
+      <p:ext uri="{BB962C8B-B14F-4D97-AF65-F5344CB8AC3E}">
+        <p14:creationId xmlns:p14="http://schemas.microsoft.com/office/powerpoint/2010/main" val="624284060"/>
+      </p:ext>
+    </p:extLst>
+  </p:cSld>
+  <p:clrMapOvr>
+    <a:masterClrMapping/>
+  </p:clrMapOvr>
+</p:notes>
+</file>
+
+<file path=ppt/notesSlides/notesSlide16.xml><?xml version="1.0" encoding="utf-8"?>
+<p:notes xmlns:a="http://schemas.openxmlformats.org/drawingml/2006/main" xmlns:r="http://schemas.openxmlformats.org/officeDocument/2006/relationships" xmlns:p="http://schemas.openxmlformats.org/presentationml/2006/main">
+  <p:cSld>
+    <p:spTree>
+      <p:nvGrpSpPr>
+        <p:cNvPr id="1" name=""/>
+        <p:cNvGrpSpPr/>
+        <p:nvPr/>
+      </p:nvGrpSpPr>
+      <p:grpSpPr>
+        <a:xfrm>
+          <a:off x="0" y="0"/>
+          <a:ext cx="0" cy="0"/>
+          <a:chOff x="0" y="0"/>
+          <a:chExt cx="0" cy="0"/>
+        </a:xfrm>
+      </p:grpSpPr>
+      <p:sp>
+        <p:nvSpPr>
+          <p:cNvPr id="2" name="Slide Image Placeholder 1"/>
+          <p:cNvSpPr>
+            <a:spLocks noGrp="1" noRot="1" noChangeAspect="1"/>
+          </p:cNvSpPr>
+          <p:nvPr>
+            <p:ph type="sldImg"/>
+          </p:nvPr>
+        </p:nvSpPr>
+        <p:spPr/>
+      </p:sp>
+      <p:sp>
+        <p:nvSpPr>
+          <p:cNvPr id="3" name="Notes Placeholder 2"/>
+          <p:cNvSpPr>
+            <a:spLocks noGrp="1"/>
+          </p:cNvSpPr>
+          <p:nvPr>
+            <p:ph type="body" idx="1"/>
+          </p:nvPr>
+        </p:nvSpPr>
+        <p:spPr/>
+        <p:txBody>
+          <a:bodyPr/>
+          <a:lstStyle/>
+          <a:p>
+            <a:r>
+              <a:rPr lang="pt-PT" dirty="0"/>
+              <a:t>Peixoto,</a:t>
+            </a:r>
+          </a:p>
+          <a:p>
+            <a:endParaRPr lang="pt-PT" dirty="0"/>
+          </a:p>
+          <a:p>
+            <a:r>
+              <a:rPr lang="pt-PT" dirty="0"/>
+              <a:t>1-&gt;  </a:t>
+            </a:r>
+          </a:p>
+          <a:p>
+            <a:endParaRPr lang="pt-PT" dirty="0"/>
+          </a:p>
+          <a:p>
+            <a:endParaRPr lang="pt-PT" dirty="0"/>
+          </a:p>
+          <a:p>
+            <a:r>
+              <a:rPr lang="pt-PT" dirty="0"/>
+              <a:t>2-&gt;</a:t>
+            </a:r>
+            <a:r>
+              <a:rPr lang="pt-PT" dirty="0" err="1"/>
+              <a:t>Gly-hb</a:t>
+            </a:r>
+            <a:r>
+              <a:rPr lang="pt-PT" dirty="0"/>
+              <a:t> -&gt; </a:t>
+            </a:r>
+            <a:r>
+              <a:rPr lang="pt-PT" dirty="0" err="1"/>
+              <a:t>hip</a:t>
+            </a:r>
+            <a:endParaRPr lang="pt-PT" dirty="0"/>
+          </a:p>
+          <a:p>
+            <a:r>
+              <a:rPr lang="pt-PT" dirty="0"/>
+              <a:t>Binaria. &gt; rácio</a:t>
+            </a:r>
+          </a:p>
+          <a:p>
+            <a:r>
+              <a:rPr lang="pt-PT" dirty="0"/>
+              <a:t>No entanto nenhuma se mostrou importante para o modelo</a:t>
+            </a:r>
+          </a:p>
+          <a:p>
+            <a:endParaRPr lang="pt-PT" dirty="0"/>
+          </a:p>
+          <a:p>
+            <a:endParaRPr lang="pt-PT" dirty="0"/>
+          </a:p>
+          <a:p>
+            <a:endParaRPr lang="pt-PT" dirty="0"/>
+          </a:p>
+          <a:p>
+            <a:r>
+              <a:rPr lang="pt-PT" dirty="0"/>
+              <a:t>3-&gt;</a:t>
+            </a:r>
+            <a:r>
+              <a:rPr lang="pt-PT" dirty="0" err="1"/>
+              <a:t>Time.ppn</a:t>
+            </a:r>
+            <a:r>
+              <a:rPr lang="pt-PT" dirty="0"/>
+              <a:t> parecia ser importante mas na pratica não se mostrou decisiva</a:t>
+            </a:r>
+          </a:p>
+          <a:p>
+            <a:endParaRPr lang="pt-PT" dirty="0"/>
+          </a:p>
+          <a:p>
+            <a:endParaRPr lang="pt-PT" dirty="0"/>
+          </a:p>
+          <a:p>
+            <a:r>
+              <a:rPr lang="pt-PT" dirty="0"/>
+              <a:t>4-&gt; </a:t>
+            </a:r>
+            <a:r>
+              <a:rPr lang="pt-PT" dirty="0" err="1"/>
+              <a:t>Stab.glu</a:t>
+            </a:r>
+            <a:r>
+              <a:rPr lang="pt-PT" dirty="0"/>
+              <a:t> e age explicar a sua relação com os diabetes</a:t>
+            </a:r>
+          </a:p>
+          <a:p>
+            <a:r>
+              <a:rPr lang="pt-PT" dirty="0"/>
+              <a:t> São os 2 crescente, ambos aumentam a probabilidade</a:t>
+            </a:r>
+          </a:p>
+          <a:p>
+            <a:endParaRPr lang="pt-PT" dirty="0"/>
+          </a:p>
+          <a:p>
+            <a:endParaRPr lang="pt-PT" dirty="0"/>
+          </a:p>
+          <a:p>
+            <a:endParaRPr lang="pt-PT" dirty="0"/>
+          </a:p>
+        </p:txBody>
+      </p:sp>
+      <p:sp>
+        <p:nvSpPr>
+          <p:cNvPr id="4" name="Slide Number Placeholder 3"/>
+          <p:cNvSpPr>
+            <a:spLocks noGrp="1"/>
+          </p:cNvSpPr>
+          <p:nvPr>
+            <p:ph type="sldNum" sz="quarter" idx="10"/>
+          </p:nvPr>
+        </p:nvSpPr>
+        <p:spPr/>
+        <p:txBody>
+          <a:bodyPr/>
+          <a:lstStyle/>
+          <a:p>
+            <a:fld id="{C263AF9A-6E76-4CCC-89CF-B04065708FB7}" type="slidenum">
+              <a:rPr lang="en-US" smtClean="0"/>
+              <a:t>16</a:t>
+            </a:fld>
+            <a:endParaRPr lang="en-US"/>
+          </a:p>
+        </p:txBody>
+      </p:sp>
+    </p:spTree>
+    <p:extLst>
+      <p:ext uri="{BB962C8B-B14F-4D97-AF65-F5344CB8AC3E}">
+        <p14:creationId xmlns:p14="http://schemas.microsoft.com/office/powerpoint/2010/main" val="941439236"/>
+      </p:ext>
+    </p:extLst>
+  </p:cSld>
+  <p:clrMapOvr>
+    <a:masterClrMapping/>
+  </p:clrMapOvr>
+</p:notes>
+</file>
+
+<file path=ppt/notesSlides/notesSlide17.xml><?xml version="1.0" encoding="utf-8"?>
+<p:notes xmlns:a="http://schemas.openxmlformats.org/drawingml/2006/main" xmlns:r="http://schemas.openxmlformats.org/officeDocument/2006/relationships" xmlns:p="http://schemas.openxmlformats.org/presentationml/2006/main">
+  <p:cSld>
+    <p:spTree>
+      <p:nvGrpSpPr>
+        <p:cNvPr id="1" name=""/>
+        <p:cNvGrpSpPr/>
+        <p:nvPr/>
+      </p:nvGrpSpPr>
+      <p:grpSpPr>
+        <a:xfrm>
+          <a:off x="0" y="0"/>
+          <a:ext cx="0" cy="0"/>
+          <a:chOff x="0" y="0"/>
+          <a:chExt cx="0" cy="0"/>
+        </a:xfrm>
+      </p:grpSpPr>
+      <p:sp>
+        <p:nvSpPr>
+          <p:cNvPr id="2" name="Slide Image Placeholder 1"/>
+          <p:cNvSpPr>
+            <a:spLocks noGrp="1" noRot="1" noChangeAspect="1"/>
+          </p:cNvSpPr>
+          <p:nvPr>
+            <p:ph type="sldImg"/>
+          </p:nvPr>
+        </p:nvSpPr>
+        <p:spPr/>
+      </p:sp>
+      <p:sp>
+        <p:nvSpPr>
+          <p:cNvPr id="3" name="Notes Placeholder 2"/>
+          <p:cNvSpPr>
+            <a:spLocks noGrp="1"/>
+          </p:cNvSpPr>
+          <p:nvPr>
+            <p:ph type="body" idx="1"/>
+          </p:nvPr>
+        </p:nvSpPr>
+        <p:spPr/>
+        <p:txBody>
+          <a:bodyPr/>
+          <a:lstStyle/>
+          <a:p>
+            <a:endParaRPr lang="en-US" dirty="0"/>
+          </a:p>
+        </p:txBody>
+      </p:sp>
+      <p:sp>
+        <p:nvSpPr>
+          <p:cNvPr id="4" name="Slide Number Placeholder 3"/>
+          <p:cNvSpPr>
+            <a:spLocks noGrp="1"/>
+          </p:cNvSpPr>
+          <p:nvPr>
+            <p:ph type="sldNum" sz="quarter" idx="10"/>
+          </p:nvPr>
+        </p:nvSpPr>
+        <p:spPr/>
+        <p:txBody>
+          <a:bodyPr/>
+          <a:lstStyle/>
+          <a:p>
+            <a:fld id="{C263AF9A-6E76-4CCC-89CF-B04065708FB7}" type="slidenum">
+              <a:rPr lang="en-US" smtClean="0"/>
+              <a:t>17</a:t>
+            </a:fld>
+            <a:endParaRPr lang="en-US"/>
+          </a:p>
+        </p:txBody>
+      </p:sp>
+    </p:spTree>
+    <p:extLst>
+      <p:ext uri="{BB962C8B-B14F-4D97-AF65-F5344CB8AC3E}">
+        <p14:creationId xmlns:p14="http://schemas.microsoft.com/office/powerpoint/2010/main" val="1064797381"/>
+      </p:ext>
+    </p:extLst>
+  </p:cSld>
+  <p:clrMapOvr>
+    <a:masterClrMapping/>
+  </p:clrMapOvr>
+</p:notes>
+</file>
+
+<file path=ppt/notesSlides/notesSlide18.xml><?xml version="1.0" encoding="utf-8"?>
+<p:notes xmlns:a="http://schemas.openxmlformats.org/drawingml/2006/main" xmlns:r="http://schemas.openxmlformats.org/officeDocument/2006/relationships" xmlns:p="http://schemas.openxmlformats.org/presentationml/2006/main">
+  <p:cSld>
+    <p:spTree>
+      <p:nvGrpSpPr>
+        <p:cNvPr id="1" name=""/>
+        <p:cNvGrpSpPr/>
+        <p:nvPr/>
+      </p:nvGrpSpPr>
+      <p:grpSpPr>
+        <a:xfrm>
+          <a:off x="0" y="0"/>
+          <a:ext cx="0" cy="0"/>
+          <a:chOff x="0" y="0"/>
+          <a:chExt cx="0" cy="0"/>
+        </a:xfrm>
+      </p:grpSpPr>
+      <p:sp>
+        <p:nvSpPr>
+          <p:cNvPr id="2" name="Slide Image Placeholder 1"/>
+          <p:cNvSpPr>
+            <a:spLocks noGrp="1" noRot="1" noChangeAspect="1"/>
+          </p:cNvSpPr>
+          <p:nvPr>
+            <p:ph type="sldImg"/>
+          </p:nvPr>
+        </p:nvSpPr>
+        <p:spPr/>
+      </p:sp>
+      <p:sp>
+        <p:nvSpPr>
+          <p:cNvPr id="3" name="Notes Placeholder 2"/>
+          <p:cNvSpPr>
+            <a:spLocks noGrp="1"/>
+          </p:cNvSpPr>
+          <p:nvPr>
+            <p:ph type="body" idx="1"/>
+          </p:nvPr>
+        </p:nvSpPr>
+        <p:spPr/>
+        <p:txBody>
+          <a:bodyPr/>
+          <a:lstStyle/>
+          <a:p>
+            <a:endParaRPr lang="en-US" dirty="0"/>
+          </a:p>
+        </p:txBody>
+      </p:sp>
+      <p:sp>
+        <p:nvSpPr>
+          <p:cNvPr id="4" name="Slide Number Placeholder 3"/>
+          <p:cNvSpPr>
+            <a:spLocks noGrp="1"/>
+          </p:cNvSpPr>
+          <p:nvPr>
+            <p:ph type="sldNum" sz="quarter" idx="10"/>
+          </p:nvPr>
+        </p:nvSpPr>
+        <p:spPr/>
+        <p:txBody>
+          <a:bodyPr/>
+          <a:lstStyle/>
+          <a:p>
+            <a:fld id="{C263AF9A-6E76-4CCC-89CF-B04065708FB7}" type="slidenum">
+              <a:rPr lang="en-US" smtClean="0"/>
+              <a:t>18</a:t>
+            </a:fld>
+            <a:endParaRPr lang="en-US"/>
+          </a:p>
+        </p:txBody>
+      </p:sp>
+    </p:spTree>
+    <p:extLst>
+      <p:ext uri="{BB962C8B-B14F-4D97-AF65-F5344CB8AC3E}">
+        <p14:creationId xmlns:p14="http://schemas.microsoft.com/office/powerpoint/2010/main" val="1307301031"/>
       </p:ext>
     </p:extLst>
   </p:cSld>
@@ -905,6 +1692,10 @@
           <a:bodyPr/>
           <a:lstStyle/>
           <a:p>
+            <a:r>
+              <a:rPr lang="pt-PT" dirty="0" err="1"/>
+              <a:t>peixoto</a:t>
+            </a:r>
             <a:endParaRPr lang="en-US" dirty="0"/>
           </a:p>
         </p:txBody>
@@ -926,7 +1717,7 @@
           <a:p>
             <a:fld id="{C263AF9A-6E76-4CCC-89CF-B04065708FB7}" type="slidenum">
               <a:rPr lang="en-US" smtClean="0"/>
-              <a:t>3</a:t>
+              <a:t>2</a:t>
             </a:fld>
             <a:endParaRPr lang="en-US"/>
           </a:p>
@@ -935,7 +1726,7 @@
     </p:spTree>
     <p:extLst>
       <p:ext uri="{BB962C8B-B14F-4D97-AF65-F5344CB8AC3E}">
-        <p14:creationId xmlns:p14="http://schemas.microsoft.com/office/powerpoint/2010/main" val="1792880847"/>
+        <p14:creationId xmlns:p14="http://schemas.microsoft.com/office/powerpoint/2010/main" val="863646510"/>
       </p:ext>
     </p:extLst>
   </p:cSld>
@@ -990,193 +1781,9 @@
           <a:lstStyle/>
           <a:p>
             <a:r>
-              <a:rPr lang="pt-PT" sz="1200" kern="1200" dirty="0">
-                <a:solidFill>
-                  <a:schemeClr val="tx1"/>
-                </a:solidFill>
-                <a:effectLst/>
-                <a:latin typeface="+mn-lt"/>
-                <a:ea typeface="+mn-ea"/>
-                <a:cs typeface="+mn-cs"/>
-              </a:rPr>
-              <a:t>Realizamos a análise exploratória para perceber logo à partida qual a influência de cada preditor tanto na variável qualitativa, como na variável quantitativa. Isto era importante para tentar eliminar alguns preditores à partida, visto que estávamos a lidar com muitos e era necessário perceber quais os mais importantes.</a:t>
-            </a:r>
-            <a:endParaRPr lang="en-US" sz="1200" kern="1200" dirty="0">
-              <a:solidFill>
-                <a:schemeClr val="tx1"/>
-              </a:solidFill>
-              <a:effectLst/>
-              <a:latin typeface="+mn-lt"/>
-              <a:ea typeface="+mn-ea"/>
-              <a:cs typeface="+mn-cs"/>
-            </a:endParaRPr>
-          </a:p>
-          <a:p>
-            <a:r>
-              <a:rPr lang="pt-PT" sz="1200" kern="1200" dirty="0">
-                <a:solidFill>
-                  <a:schemeClr val="tx1"/>
-                </a:solidFill>
-                <a:effectLst/>
-                <a:latin typeface="+mn-lt"/>
-                <a:ea typeface="+mn-ea"/>
-                <a:cs typeface="+mn-cs"/>
-              </a:rPr>
-              <a:t>Para além disto, verificamos quais preditores nos eliminavam muitos casos, devido aos </a:t>
-            </a:r>
-            <a:r>
-              <a:rPr lang="pt-PT" sz="1200" kern="1200" dirty="0" err="1">
-                <a:solidFill>
-                  <a:schemeClr val="tx1"/>
-                </a:solidFill>
-                <a:effectLst/>
-                <a:latin typeface="+mn-lt"/>
-                <a:ea typeface="+mn-ea"/>
-                <a:cs typeface="+mn-cs"/>
-              </a:rPr>
-              <a:t>NAs</a:t>
-            </a:r>
-            <a:r>
-              <a:rPr lang="pt-PT" sz="1200" kern="1200" dirty="0">
-                <a:solidFill>
-                  <a:schemeClr val="tx1"/>
-                </a:solidFill>
-                <a:effectLst/>
-                <a:latin typeface="+mn-lt"/>
-                <a:ea typeface="+mn-ea"/>
-                <a:cs typeface="+mn-cs"/>
-              </a:rPr>
-              <a:t> (bp.2s e d) e eliminamos esses preditores visto reduzirem o </a:t>
-            </a:r>
-            <a:r>
-              <a:rPr lang="pt-PT" sz="1200" kern="1200" dirty="0" err="1">
-                <a:solidFill>
-                  <a:schemeClr val="tx1"/>
-                </a:solidFill>
-                <a:effectLst/>
-                <a:latin typeface="+mn-lt"/>
-                <a:ea typeface="+mn-ea"/>
-                <a:cs typeface="+mn-cs"/>
-              </a:rPr>
-              <a:t>dataset</a:t>
-            </a:r>
-            <a:r>
-              <a:rPr lang="pt-PT" sz="1200" kern="1200" dirty="0">
-                <a:solidFill>
-                  <a:schemeClr val="tx1"/>
-                </a:solidFill>
-                <a:effectLst/>
-                <a:latin typeface="+mn-lt"/>
-                <a:ea typeface="+mn-ea"/>
-                <a:cs typeface="+mn-cs"/>
-              </a:rPr>
-              <a:t> para perto dos 25%.</a:t>
-            </a:r>
-            <a:endParaRPr lang="en-US" sz="1200" kern="1200" dirty="0">
-              <a:solidFill>
-                <a:schemeClr val="tx1"/>
-              </a:solidFill>
-              <a:effectLst/>
-              <a:latin typeface="+mn-lt"/>
-              <a:ea typeface="+mn-ea"/>
-              <a:cs typeface="+mn-cs"/>
-            </a:endParaRPr>
-          </a:p>
-          <a:p>
-            <a:r>
-              <a:rPr lang="pt-PT" sz="1200" kern="1200" dirty="0">
-                <a:solidFill>
-                  <a:schemeClr val="tx1"/>
-                </a:solidFill>
-                <a:effectLst/>
-                <a:latin typeface="+mn-lt"/>
-                <a:ea typeface="+mn-ea"/>
-                <a:cs typeface="+mn-cs"/>
-              </a:rPr>
-              <a:t>Verificamos também as correlações entre as diferentes variáveis para tentar perceber quais se relacionam. Isto é importante para não se incluir no modelo 2 variáveis que estão altamente relacionadas, pois uma já explica a outra e não traz grande coisa de novo ter mais uma, apenas complexidade.</a:t>
-            </a:r>
-            <a:endParaRPr lang="en-US" sz="1200" kern="1200" dirty="0">
-              <a:solidFill>
-                <a:schemeClr val="tx1"/>
-              </a:solidFill>
-              <a:effectLst/>
-              <a:latin typeface="+mn-lt"/>
-              <a:ea typeface="+mn-ea"/>
-              <a:cs typeface="+mn-cs"/>
-            </a:endParaRPr>
-          </a:p>
-          <a:p>
-            <a:r>
-              <a:rPr lang="pt-PT" sz="1200" kern="1200" dirty="0">
-                <a:solidFill>
-                  <a:schemeClr val="tx1"/>
-                </a:solidFill>
-                <a:effectLst/>
-                <a:latin typeface="+mn-lt"/>
-                <a:ea typeface="+mn-ea"/>
-                <a:cs typeface="+mn-cs"/>
-              </a:rPr>
-              <a:t>Para além disto, e visto que alguns métodos estudados (com </a:t>
-            </a:r>
-            <a:r>
-              <a:rPr lang="pt-PT" sz="1200" kern="1200" dirty="0" err="1">
-                <a:solidFill>
-                  <a:schemeClr val="tx1"/>
-                </a:solidFill>
-                <a:effectLst/>
-                <a:latin typeface="+mn-lt"/>
-                <a:ea typeface="+mn-ea"/>
-                <a:cs typeface="+mn-cs"/>
-              </a:rPr>
-              <a:t>qda</a:t>
-            </a:r>
-            <a:r>
-              <a:rPr lang="pt-PT" sz="1200" kern="1200" dirty="0">
-                <a:solidFill>
-                  <a:schemeClr val="tx1"/>
-                </a:solidFill>
-                <a:effectLst/>
-                <a:latin typeface="+mn-lt"/>
-                <a:ea typeface="+mn-ea"/>
-                <a:cs typeface="+mn-cs"/>
-              </a:rPr>
-              <a:t> e </a:t>
-            </a:r>
-            <a:r>
-              <a:rPr lang="pt-PT" sz="1200" kern="1200" dirty="0" err="1">
-                <a:solidFill>
-                  <a:schemeClr val="tx1"/>
-                </a:solidFill>
-                <a:effectLst/>
-                <a:latin typeface="+mn-lt"/>
-                <a:ea typeface="+mn-ea"/>
-                <a:cs typeface="+mn-cs"/>
-              </a:rPr>
-              <a:t>lda</a:t>
-            </a:r>
-            <a:r>
-              <a:rPr lang="pt-PT" sz="1200" kern="1200" dirty="0">
-                <a:solidFill>
-                  <a:schemeClr val="tx1"/>
-                </a:solidFill>
-                <a:effectLst/>
-                <a:latin typeface="+mn-lt"/>
-                <a:ea typeface="+mn-ea"/>
-                <a:cs typeface="+mn-cs"/>
-              </a:rPr>
-              <a:t>) usam pressupostos da normalidade das variáveis decidimos verificar quais as variáveis que se aproximam de seguir uma distribuição normal, para eliminar logo à partida essas, no uso desses métodos.</a:t>
-            </a:r>
-            <a:endParaRPr lang="en-US" sz="1200" kern="1200" dirty="0">
-              <a:solidFill>
-                <a:schemeClr val="tx1"/>
-              </a:solidFill>
-              <a:effectLst/>
-              <a:latin typeface="+mn-lt"/>
-              <a:ea typeface="+mn-ea"/>
-              <a:cs typeface="+mn-cs"/>
-            </a:endParaRPr>
-          </a:p>
-          <a:p>
+              <a:rPr lang="pt-PT" dirty="0"/>
+              <a:t>carlos</a:t>
+            </a:r>
             <a:endParaRPr lang="en-US" dirty="0"/>
           </a:p>
         </p:txBody>
@@ -1196,9 +1803,9 @@
           <a:bodyPr/>
           <a:lstStyle/>
           <a:p>
-            <a:fld id="{87350B06-B074-48FC-8CFD-53D2CD8FB95F}" type="slidenum">
+            <a:fld id="{C263AF9A-6E76-4CCC-89CF-B04065708FB7}" type="slidenum">
               <a:rPr lang="en-US" smtClean="0"/>
-              <a:t>4</a:t>
+              <a:t>3</a:t>
             </a:fld>
             <a:endParaRPr lang="en-US"/>
           </a:p>
@@ -1207,7 +1814,7 @@
     </p:spTree>
     <p:extLst>
       <p:ext uri="{BB962C8B-B14F-4D97-AF65-F5344CB8AC3E}">
-        <p14:creationId xmlns:p14="http://schemas.microsoft.com/office/powerpoint/2010/main" val="332891721"/>
+        <p14:creationId xmlns:p14="http://schemas.microsoft.com/office/powerpoint/2010/main" val="1792880847"/>
       </p:ext>
     </p:extLst>
   </p:cSld>
@@ -1262,17 +1869,196 @@
           <a:lstStyle/>
           <a:p>
             <a:r>
-              <a:rPr lang="pt-PT" dirty="0"/>
-              <a:t>Binaria: </a:t>
-            </a:r>
-            <a:r>
-              <a:rPr lang="pt-PT" dirty="0" err="1"/>
-              <a:t>stab.glu</a:t>
-            </a:r>
-            <a:r>
-              <a:rPr lang="pt-PT" dirty="0"/>
-              <a:t> binária </a:t>
-            </a:r>
+              <a:rPr lang="pt-PT" sz="1200" kern="1200" dirty="0">
+                <a:solidFill>
+                  <a:schemeClr val="tx1"/>
+                </a:solidFill>
+                <a:effectLst/>
+                <a:latin typeface="+mn-lt"/>
+                <a:ea typeface="+mn-ea"/>
+                <a:cs typeface="+mn-cs"/>
+              </a:rPr>
+              <a:t>ZE Realizamos a análise exploratória para perceber logo à partida qual a influência de cada preditor tanto na variável qualitativa, como na variável quantitativa. Isto era importante para tentar eliminar alguns preditores à partida, visto que estávamos a lidar com muitos e era necessário perceber quais os mais importantes.</a:t>
+            </a:r>
+            <a:endParaRPr lang="en-US" sz="1200" kern="1200" dirty="0">
+              <a:solidFill>
+                <a:schemeClr val="tx1"/>
+              </a:solidFill>
+              <a:effectLst/>
+              <a:latin typeface="+mn-lt"/>
+              <a:ea typeface="+mn-ea"/>
+              <a:cs typeface="+mn-cs"/>
+            </a:endParaRPr>
+          </a:p>
+          <a:p>
+            <a:r>
+              <a:rPr lang="pt-PT" sz="1200" kern="1200" dirty="0">
+                <a:solidFill>
+                  <a:schemeClr val="tx1"/>
+                </a:solidFill>
+                <a:effectLst/>
+                <a:latin typeface="+mn-lt"/>
+                <a:ea typeface="+mn-ea"/>
+                <a:cs typeface="+mn-cs"/>
+              </a:rPr>
+              <a:t>Para além disto, verificamos quais preditores nos eliminavam muitos casos, devido aos </a:t>
+            </a:r>
+            <a:r>
+              <a:rPr lang="pt-PT" sz="1200" kern="1200" dirty="0" err="1">
+                <a:solidFill>
+                  <a:schemeClr val="tx1"/>
+                </a:solidFill>
+                <a:effectLst/>
+                <a:latin typeface="+mn-lt"/>
+                <a:ea typeface="+mn-ea"/>
+                <a:cs typeface="+mn-cs"/>
+              </a:rPr>
+              <a:t>NAs</a:t>
+            </a:r>
+            <a:r>
+              <a:rPr lang="pt-PT" sz="1200" kern="1200" dirty="0">
+                <a:solidFill>
+                  <a:schemeClr val="tx1"/>
+                </a:solidFill>
+                <a:effectLst/>
+                <a:latin typeface="+mn-lt"/>
+                <a:ea typeface="+mn-ea"/>
+                <a:cs typeface="+mn-cs"/>
+              </a:rPr>
+              <a:t> (bp.2s e d) e eliminamos esses preditores visto reduzirem o </a:t>
+            </a:r>
+            <a:r>
+              <a:rPr lang="pt-PT" sz="1200" kern="1200" dirty="0" err="1">
+                <a:solidFill>
+                  <a:schemeClr val="tx1"/>
+                </a:solidFill>
+                <a:effectLst/>
+                <a:latin typeface="+mn-lt"/>
+                <a:ea typeface="+mn-ea"/>
+                <a:cs typeface="+mn-cs"/>
+              </a:rPr>
+              <a:t>dataset</a:t>
+            </a:r>
+            <a:r>
+              <a:rPr lang="pt-PT" sz="1200" kern="1200" dirty="0">
+                <a:solidFill>
+                  <a:schemeClr val="tx1"/>
+                </a:solidFill>
+                <a:effectLst/>
+                <a:latin typeface="+mn-lt"/>
+                <a:ea typeface="+mn-ea"/>
+                <a:cs typeface="+mn-cs"/>
+              </a:rPr>
+              <a:t> para perto dos 25%.</a:t>
+            </a:r>
+            <a:endParaRPr lang="en-US" sz="1200" kern="1200" dirty="0">
+              <a:solidFill>
+                <a:schemeClr val="tx1"/>
+              </a:solidFill>
+              <a:effectLst/>
+              <a:latin typeface="+mn-lt"/>
+              <a:ea typeface="+mn-ea"/>
+              <a:cs typeface="+mn-cs"/>
+            </a:endParaRPr>
+          </a:p>
+          <a:p>
+            <a:r>
+              <a:rPr lang="pt-PT" sz="1200" kern="1200" dirty="0">
+                <a:solidFill>
+                  <a:schemeClr val="tx1"/>
+                </a:solidFill>
+                <a:effectLst/>
+                <a:latin typeface="+mn-lt"/>
+                <a:ea typeface="+mn-ea"/>
+                <a:cs typeface="+mn-cs"/>
+              </a:rPr>
+              <a:t>Verificamos também as correlações entre as diferentes variáveis para tentar perceber quais se relacionam. Isto é importante para não se incluir no modelo 2 variáveis que estão altamente relacionadas, pois uma já explica a outra e não traz grande coisa de novo ter mais uma, apenas complexidade.</a:t>
+            </a:r>
+            <a:endParaRPr lang="en-US" sz="1200" kern="1200" dirty="0">
+              <a:solidFill>
+                <a:schemeClr val="tx1"/>
+              </a:solidFill>
+              <a:effectLst/>
+              <a:latin typeface="+mn-lt"/>
+              <a:ea typeface="+mn-ea"/>
+              <a:cs typeface="+mn-cs"/>
+            </a:endParaRPr>
+          </a:p>
+          <a:p>
+            <a:r>
+              <a:rPr lang="pt-PT" sz="1200" kern="1200" dirty="0">
+                <a:solidFill>
+                  <a:schemeClr val="tx1"/>
+                </a:solidFill>
+                <a:effectLst/>
+                <a:latin typeface="+mn-lt"/>
+                <a:ea typeface="+mn-ea"/>
+                <a:cs typeface="+mn-cs"/>
+              </a:rPr>
+              <a:t>Para além disto, e visto que alguns métodos estudados (com </a:t>
+            </a:r>
+            <a:r>
+              <a:rPr lang="pt-PT" sz="1200" kern="1200" dirty="0" err="1">
+                <a:solidFill>
+                  <a:schemeClr val="tx1"/>
+                </a:solidFill>
+                <a:effectLst/>
+                <a:latin typeface="+mn-lt"/>
+                <a:ea typeface="+mn-ea"/>
+                <a:cs typeface="+mn-cs"/>
+              </a:rPr>
+              <a:t>qda</a:t>
+            </a:r>
+            <a:r>
+              <a:rPr lang="pt-PT" sz="1200" kern="1200" dirty="0">
+                <a:solidFill>
+                  <a:schemeClr val="tx1"/>
+                </a:solidFill>
+                <a:effectLst/>
+                <a:latin typeface="+mn-lt"/>
+                <a:ea typeface="+mn-ea"/>
+                <a:cs typeface="+mn-cs"/>
+              </a:rPr>
+              <a:t> e </a:t>
+            </a:r>
+            <a:r>
+              <a:rPr lang="pt-PT" sz="1200" kern="1200" dirty="0" err="1">
+                <a:solidFill>
+                  <a:schemeClr val="tx1"/>
+                </a:solidFill>
+                <a:effectLst/>
+                <a:latin typeface="+mn-lt"/>
+                <a:ea typeface="+mn-ea"/>
+                <a:cs typeface="+mn-cs"/>
+              </a:rPr>
+              <a:t>lda</a:t>
+            </a:r>
+            <a:r>
+              <a:rPr lang="pt-PT" sz="1200" kern="1200" dirty="0">
+                <a:solidFill>
+                  <a:schemeClr val="tx1"/>
+                </a:solidFill>
+                <a:effectLst/>
+                <a:latin typeface="+mn-lt"/>
+                <a:ea typeface="+mn-ea"/>
+                <a:cs typeface="+mn-cs"/>
+              </a:rPr>
+              <a:t>) usam pressupostos da normalidade das variáveis decidimos verificar quais as variáveis que se aproximam de seguir uma distribuição normal, para eliminar logo à partida essas, no uso desses métodos.</a:t>
+            </a:r>
+            <a:endParaRPr lang="en-US" sz="1200" kern="1200" dirty="0">
+              <a:solidFill>
+                <a:schemeClr val="tx1"/>
+              </a:solidFill>
+              <a:effectLst/>
+              <a:latin typeface="+mn-lt"/>
+              <a:ea typeface="+mn-ea"/>
+              <a:cs typeface="+mn-cs"/>
+            </a:endParaRPr>
+          </a:p>
+          <a:p>
+            <a:endParaRPr lang="pt-PT" dirty="0"/>
+          </a:p>
+          <a:p>
             <a:endParaRPr lang="en-US" dirty="0"/>
           </a:p>
         </p:txBody>
@@ -1292,9 +2078,9 @@
           <a:bodyPr/>
           <a:lstStyle/>
           <a:p>
-            <a:fld id="{C263AF9A-6E76-4CCC-89CF-B04065708FB7}" type="slidenum">
+            <a:fld id="{87350B06-B074-48FC-8CFD-53D2CD8FB95F}" type="slidenum">
               <a:rPr lang="en-US" smtClean="0"/>
-              <a:t>5</a:t>
+              <a:t>4</a:t>
             </a:fld>
             <a:endParaRPr lang="en-US"/>
           </a:p>
@@ -1303,7 +2089,7 @@
     </p:spTree>
     <p:extLst>
       <p:ext uri="{BB962C8B-B14F-4D97-AF65-F5344CB8AC3E}">
-        <p14:creationId xmlns:p14="http://schemas.microsoft.com/office/powerpoint/2010/main" val="1016478080"/>
+        <p14:creationId xmlns:p14="http://schemas.microsoft.com/office/powerpoint/2010/main" val="332891721"/>
       </p:ext>
     </p:extLst>
   </p:cSld>
@@ -1357,6 +2143,24 @@
           <a:bodyPr/>
           <a:lstStyle/>
           <a:p>
+            <a:r>
+              <a:rPr lang="pt-PT" dirty="0"/>
+              <a:t>Carlos ,</a:t>
+            </a:r>
+          </a:p>
+          <a:p>
+            <a:r>
+              <a:rPr lang="pt-PT" dirty="0"/>
+              <a:t>Binaria: </a:t>
+            </a:r>
+            <a:r>
+              <a:rPr lang="pt-PT" dirty="0" err="1"/>
+              <a:t>stab.glu</a:t>
+            </a:r>
+            <a:r>
+              <a:rPr lang="pt-PT" dirty="0"/>
+              <a:t> binária </a:t>
+            </a:r>
             <a:endParaRPr lang="en-US" dirty="0"/>
           </a:p>
         </p:txBody>
@@ -1378,7 +2182,7 @@
           <a:p>
             <a:fld id="{C263AF9A-6E76-4CCC-89CF-B04065708FB7}" type="slidenum">
               <a:rPr lang="en-US" smtClean="0"/>
-              <a:t>6</a:t>
+              <a:t>5</a:t>
             </a:fld>
             <a:endParaRPr lang="en-US"/>
           </a:p>
@@ -1387,7 +2191,7 @@
     </p:spTree>
     <p:extLst>
       <p:ext uri="{BB962C8B-B14F-4D97-AF65-F5344CB8AC3E}">
-        <p14:creationId xmlns:p14="http://schemas.microsoft.com/office/powerpoint/2010/main" val="631042875"/>
+        <p14:creationId xmlns:p14="http://schemas.microsoft.com/office/powerpoint/2010/main" val="1016478080"/>
       </p:ext>
     </p:extLst>
   </p:cSld>
@@ -1442,350 +2246,9 @@
           <a:lstStyle/>
           <a:p>
             <a:r>
-              <a:rPr lang="pt-PT" sz="1200" kern="1200" dirty="0">
-                <a:solidFill>
-                  <a:schemeClr val="tx1"/>
-                </a:solidFill>
-                <a:effectLst/>
-                <a:latin typeface="+mn-lt"/>
-                <a:ea typeface="+mn-ea"/>
-                <a:cs typeface="+mn-cs"/>
-              </a:rPr>
-              <a:t>Explica que dividimos o trabalho pelos 3, ficando:</a:t>
-            </a:r>
-            <a:endParaRPr lang="en-US" sz="1200" kern="1200" dirty="0">
-              <a:solidFill>
-                <a:schemeClr val="tx1"/>
-              </a:solidFill>
-              <a:effectLst/>
-              <a:latin typeface="+mn-lt"/>
-              <a:ea typeface="+mn-ea"/>
-              <a:cs typeface="+mn-cs"/>
-            </a:endParaRPr>
-          </a:p>
-          <a:p>
-            <a:pPr lvl="0"/>
-            <a:r>
-              <a:rPr lang="pt-PT" sz="1200" kern="1200" dirty="0">
-                <a:solidFill>
-                  <a:schemeClr val="tx1"/>
-                </a:solidFill>
-                <a:effectLst/>
-                <a:latin typeface="+mn-lt"/>
-                <a:ea typeface="+mn-ea"/>
-                <a:cs typeface="+mn-cs"/>
-              </a:rPr>
-              <a:t>Ricardo -&gt; regressão linear (variável quantitativa) e posterior classificação</a:t>
-            </a:r>
-            <a:endParaRPr lang="en-US" sz="1200" kern="1200" dirty="0">
-              <a:solidFill>
-                <a:schemeClr val="tx1"/>
-              </a:solidFill>
-              <a:effectLst/>
-              <a:latin typeface="+mn-lt"/>
-              <a:ea typeface="+mn-ea"/>
-              <a:cs typeface="+mn-cs"/>
-            </a:endParaRPr>
-          </a:p>
-          <a:p>
-            <a:pPr lvl="0"/>
-            <a:r>
-              <a:rPr lang="pt-PT" sz="1200" kern="1200" dirty="0">
-                <a:solidFill>
-                  <a:schemeClr val="tx1"/>
-                </a:solidFill>
-                <a:effectLst/>
-                <a:latin typeface="+mn-lt"/>
-                <a:ea typeface="+mn-ea"/>
-                <a:cs typeface="+mn-cs"/>
-              </a:rPr>
-              <a:t>Carlos -&gt; regressão logística</a:t>
-            </a:r>
-            <a:endParaRPr lang="en-US" sz="1200" kern="1200" dirty="0">
-              <a:solidFill>
-                <a:schemeClr val="tx1"/>
-              </a:solidFill>
-              <a:effectLst/>
-              <a:latin typeface="+mn-lt"/>
-              <a:ea typeface="+mn-ea"/>
-              <a:cs typeface="+mn-cs"/>
-            </a:endParaRPr>
-          </a:p>
-          <a:p>
-            <a:pPr lvl="0"/>
-            <a:r>
-              <a:rPr lang="pt-PT" sz="1200" kern="1200" dirty="0">
-                <a:solidFill>
-                  <a:schemeClr val="tx1"/>
-                </a:solidFill>
-                <a:effectLst/>
-                <a:latin typeface="+mn-lt"/>
-                <a:ea typeface="+mn-ea"/>
-                <a:cs typeface="+mn-cs"/>
-              </a:rPr>
-              <a:t>José Pedro -&gt; </a:t>
-            </a:r>
-            <a:r>
-              <a:rPr lang="pt-PT" sz="1200" kern="1200" dirty="0" err="1">
-                <a:solidFill>
-                  <a:schemeClr val="tx1"/>
-                </a:solidFill>
-                <a:effectLst/>
-                <a:latin typeface="+mn-lt"/>
-                <a:ea typeface="+mn-ea"/>
-                <a:cs typeface="+mn-cs"/>
-              </a:rPr>
-              <a:t>lda</a:t>
-            </a:r>
-            <a:r>
-              <a:rPr lang="pt-PT" sz="1200" kern="1200" dirty="0">
-                <a:solidFill>
-                  <a:schemeClr val="tx1"/>
-                </a:solidFill>
-                <a:effectLst/>
-                <a:latin typeface="+mn-lt"/>
-                <a:ea typeface="+mn-ea"/>
-                <a:cs typeface="+mn-cs"/>
-              </a:rPr>
-              <a:t>, </a:t>
-            </a:r>
-            <a:r>
-              <a:rPr lang="pt-PT" sz="1200" kern="1200" dirty="0" err="1">
-                <a:solidFill>
-                  <a:schemeClr val="tx1"/>
-                </a:solidFill>
-                <a:effectLst/>
-                <a:latin typeface="+mn-lt"/>
-                <a:ea typeface="+mn-ea"/>
-                <a:cs typeface="+mn-cs"/>
-              </a:rPr>
-              <a:t>qda</a:t>
-            </a:r>
-            <a:r>
-              <a:rPr lang="pt-PT" sz="1200" kern="1200" dirty="0">
-                <a:solidFill>
-                  <a:schemeClr val="tx1"/>
-                </a:solidFill>
-                <a:effectLst/>
-                <a:latin typeface="+mn-lt"/>
-                <a:ea typeface="+mn-ea"/>
-                <a:cs typeface="+mn-cs"/>
-              </a:rPr>
-              <a:t> e </a:t>
-            </a:r>
-            <a:r>
-              <a:rPr lang="pt-PT" sz="1200" kern="1200" dirty="0" err="1">
-                <a:solidFill>
-                  <a:schemeClr val="tx1"/>
-                </a:solidFill>
-                <a:effectLst/>
-                <a:latin typeface="+mn-lt"/>
-                <a:ea typeface="+mn-ea"/>
-                <a:cs typeface="+mn-cs"/>
-              </a:rPr>
-              <a:t>knn</a:t>
-            </a:r>
-            <a:endParaRPr lang="en-US" sz="1200" kern="1200" dirty="0">
-              <a:solidFill>
-                <a:schemeClr val="tx1"/>
-              </a:solidFill>
-              <a:effectLst/>
-              <a:latin typeface="+mn-lt"/>
-              <a:ea typeface="+mn-ea"/>
-              <a:cs typeface="+mn-cs"/>
-            </a:endParaRPr>
-          </a:p>
-          <a:p>
-            <a:r>
-              <a:rPr lang="pt-PT" sz="1200" kern="1200" dirty="0">
-                <a:solidFill>
-                  <a:schemeClr val="tx1"/>
-                </a:solidFill>
-                <a:effectLst/>
-                <a:latin typeface="+mn-lt"/>
-                <a:ea typeface="+mn-ea"/>
-                <a:cs typeface="+mn-cs"/>
-              </a:rPr>
-              <a:t>Para tentar perceber qual o melhor </a:t>
-            </a:r>
-            <a:r>
-              <a:rPr lang="pt-PT" sz="1200" kern="1200" dirty="0" err="1">
-                <a:solidFill>
-                  <a:schemeClr val="tx1"/>
-                </a:solidFill>
-                <a:effectLst/>
-                <a:latin typeface="+mn-lt"/>
-                <a:ea typeface="+mn-ea"/>
-                <a:cs typeface="+mn-cs"/>
-              </a:rPr>
-              <a:t>threshold</a:t>
-            </a:r>
-            <a:r>
-              <a:rPr lang="pt-PT" sz="1200" kern="1200" dirty="0">
-                <a:solidFill>
-                  <a:schemeClr val="tx1"/>
-                </a:solidFill>
-                <a:effectLst/>
-                <a:latin typeface="+mn-lt"/>
-                <a:ea typeface="+mn-ea"/>
-                <a:cs typeface="+mn-cs"/>
-              </a:rPr>
-              <a:t>, e visto que nem sempre o melhor é 0.5, decidimos criar uma função que vai variando o </a:t>
-            </a:r>
-            <a:r>
-              <a:rPr lang="pt-PT" sz="1200" kern="1200" dirty="0" err="1">
-                <a:solidFill>
-                  <a:schemeClr val="tx1"/>
-                </a:solidFill>
-                <a:effectLst/>
-                <a:latin typeface="+mn-lt"/>
-                <a:ea typeface="+mn-ea"/>
-                <a:cs typeface="+mn-cs"/>
-              </a:rPr>
-              <a:t>threshold</a:t>
-            </a:r>
-            <a:r>
-              <a:rPr lang="pt-PT" sz="1200" kern="1200" dirty="0">
-                <a:solidFill>
-                  <a:schemeClr val="tx1"/>
-                </a:solidFill>
-                <a:effectLst/>
-                <a:latin typeface="+mn-lt"/>
-                <a:ea typeface="+mn-ea"/>
-                <a:cs typeface="+mn-cs"/>
-              </a:rPr>
-              <a:t> (consoante os argumentos passados) e que retorna o acerto para cada </a:t>
-            </a:r>
-            <a:r>
-              <a:rPr lang="pt-PT" sz="1200" kern="1200" dirty="0" err="1">
-                <a:solidFill>
-                  <a:schemeClr val="tx1"/>
-                </a:solidFill>
-                <a:effectLst/>
-                <a:latin typeface="+mn-lt"/>
-                <a:ea typeface="+mn-ea"/>
-                <a:cs typeface="+mn-cs"/>
-              </a:rPr>
-              <a:t>threshold</a:t>
-            </a:r>
-            <a:r>
-              <a:rPr lang="pt-PT" sz="1200" kern="1200" dirty="0">
-                <a:solidFill>
-                  <a:schemeClr val="tx1"/>
-                </a:solidFill>
-                <a:effectLst/>
-                <a:latin typeface="+mn-lt"/>
-                <a:ea typeface="+mn-ea"/>
-                <a:cs typeface="+mn-cs"/>
-              </a:rPr>
-              <a:t>. Os valores de acerto retornados, não são simplesmente o acerto total mas:</a:t>
-            </a:r>
-            <a:endParaRPr lang="en-US" sz="1200" kern="1200" dirty="0">
-              <a:solidFill>
-                <a:schemeClr val="tx1"/>
-              </a:solidFill>
-              <a:effectLst/>
-              <a:latin typeface="+mn-lt"/>
-              <a:ea typeface="+mn-ea"/>
-              <a:cs typeface="+mn-cs"/>
-            </a:endParaRPr>
-          </a:p>
-          <a:p>
-            <a:pPr lvl="0"/>
-            <a:r>
-              <a:rPr lang="pt-PT" sz="1200" kern="1200" dirty="0">
-                <a:solidFill>
-                  <a:schemeClr val="tx1"/>
-                </a:solidFill>
-                <a:effectLst/>
-                <a:latin typeface="+mn-lt"/>
-                <a:ea typeface="+mn-ea"/>
-                <a:cs typeface="+mn-cs"/>
-              </a:rPr>
-              <a:t>Acerto total</a:t>
-            </a:r>
-            <a:endParaRPr lang="en-US" sz="1200" kern="1200" dirty="0">
-              <a:solidFill>
-                <a:schemeClr val="tx1"/>
-              </a:solidFill>
-              <a:effectLst/>
-              <a:latin typeface="+mn-lt"/>
-              <a:ea typeface="+mn-ea"/>
-              <a:cs typeface="+mn-cs"/>
-            </a:endParaRPr>
-          </a:p>
-          <a:p>
-            <a:pPr lvl="0"/>
-            <a:r>
-              <a:rPr lang="pt-PT" sz="1200" kern="1200" dirty="0">
-                <a:solidFill>
-                  <a:schemeClr val="tx1"/>
-                </a:solidFill>
-                <a:effectLst/>
-                <a:latin typeface="+mn-lt"/>
-                <a:ea typeface="+mn-ea"/>
-                <a:cs typeface="+mn-cs"/>
-              </a:rPr>
-              <a:t>Acerto nos casos positivos</a:t>
-            </a:r>
-            <a:endParaRPr lang="en-US" sz="1200" kern="1200" dirty="0">
-              <a:solidFill>
-                <a:schemeClr val="tx1"/>
-              </a:solidFill>
-              <a:effectLst/>
-              <a:latin typeface="+mn-lt"/>
-              <a:ea typeface="+mn-ea"/>
-              <a:cs typeface="+mn-cs"/>
-            </a:endParaRPr>
-          </a:p>
-          <a:p>
-            <a:pPr lvl="0"/>
-            <a:r>
-              <a:rPr lang="pt-PT" sz="1200" kern="1200" dirty="0">
-                <a:solidFill>
-                  <a:schemeClr val="tx1"/>
-                </a:solidFill>
-                <a:effectLst/>
-                <a:latin typeface="+mn-lt"/>
-                <a:ea typeface="+mn-ea"/>
-                <a:cs typeface="+mn-cs"/>
-              </a:rPr>
-              <a:t>Acerto nos casos negativos</a:t>
-            </a:r>
-            <a:endParaRPr lang="en-US" sz="1200" kern="1200" dirty="0">
-              <a:solidFill>
-                <a:schemeClr val="tx1"/>
-              </a:solidFill>
-              <a:effectLst/>
-              <a:latin typeface="+mn-lt"/>
-              <a:ea typeface="+mn-ea"/>
-              <a:cs typeface="+mn-cs"/>
-            </a:endParaRPr>
-          </a:p>
-          <a:p>
-            <a:r>
-              <a:rPr lang="pt-PT" sz="1200" kern="1200" dirty="0">
-                <a:solidFill>
-                  <a:schemeClr val="tx1"/>
-                </a:solidFill>
-                <a:effectLst/>
-                <a:latin typeface="+mn-lt"/>
-                <a:ea typeface="+mn-ea"/>
-                <a:cs typeface="+mn-cs"/>
-              </a:rPr>
-              <a:t>Porque não é só importante o acerto total, mas também não obter muitos falsos positivos, nem negativos.</a:t>
-            </a:r>
-            <a:endParaRPr lang="en-US" sz="1200" kern="1200" dirty="0">
-              <a:solidFill>
-                <a:schemeClr val="tx1"/>
-              </a:solidFill>
-              <a:effectLst/>
-              <a:latin typeface="+mn-lt"/>
-              <a:ea typeface="+mn-ea"/>
-              <a:cs typeface="+mn-cs"/>
-            </a:endParaRPr>
-          </a:p>
-          <a:p>
+              <a:rPr lang="pt-PT" dirty="0"/>
+              <a:t>Carlos</a:t>
+            </a:r>
             <a:endParaRPr lang="en-US" dirty="0"/>
           </a:p>
         </p:txBody>
@@ -1807,7 +2270,7 @@
           <a:p>
             <a:fld id="{C263AF9A-6E76-4CCC-89CF-B04065708FB7}" type="slidenum">
               <a:rPr lang="en-US" smtClean="0"/>
-              <a:t>8</a:t>
+              <a:t>6</a:t>
             </a:fld>
             <a:endParaRPr lang="en-US"/>
           </a:p>
@@ -1816,7 +2279,7 @@
     </p:spTree>
     <p:extLst>
       <p:ext uri="{BB962C8B-B14F-4D97-AF65-F5344CB8AC3E}">
-        <p14:creationId xmlns:p14="http://schemas.microsoft.com/office/powerpoint/2010/main" val="4125804225"/>
+        <p14:creationId xmlns:p14="http://schemas.microsoft.com/office/powerpoint/2010/main" val="631042875"/>
       </p:ext>
     </p:extLst>
   </p:cSld>
@@ -1872,7 +2335,7 @@
           <a:p>
             <a:r>
               <a:rPr lang="pt-PT" dirty="0"/>
-              <a:t>PEIXOTO FALA AQUI</a:t>
+              <a:t>Peixoto</a:t>
             </a:r>
             <a:endParaRPr lang="en-US" dirty="0"/>
           </a:p>
@@ -1895,7 +2358,7 @@
           <a:p>
             <a:fld id="{C263AF9A-6E76-4CCC-89CF-B04065708FB7}" type="slidenum">
               <a:rPr lang="en-US" smtClean="0"/>
-              <a:t>9</a:t>
+              <a:t>7</a:t>
             </a:fld>
             <a:endParaRPr lang="en-US"/>
           </a:p>
@@ -1904,7 +2367,7 @@
     </p:spTree>
     <p:extLst>
       <p:ext uri="{BB962C8B-B14F-4D97-AF65-F5344CB8AC3E}">
-        <p14:creationId xmlns:p14="http://schemas.microsoft.com/office/powerpoint/2010/main" val="1689547392"/>
+        <p14:creationId xmlns:p14="http://schemas.microsoft.com/office/powerpoint/2010/main" val="2642196451"/>
       </p:ext>
     </p:extLst>
   </p:cSld>
@@ -1958,10 +2421,374 @@
           <a:bodyPr/>
           <a:lstStyle/>
           <a:p>
-            <a:r>
-              <a:rPr lang="pt-PT" dirty="0"/>
-              <a:t>CARLOS FALA AQUI  temos de ver aqui melhor</a:t>
-            </a:r>
+            <a:endParaRPr lang="pt-PT" sz="1200" kern="1200" dirty="0">
+              <a:solidFill>
+                <a:schemeClr val="tx1"/>
+              </a:solidFill>
+              <a:effectLst/>
+              <a:latin typeface="+mn-lt"/>
+              <a:ea typeface="+mn-ea"/>
+              <a:cs typeface="+mn-cs"/>
+            </a:endParaRPr>
+          </a:p>
+          <a:p>
+            <a:r>
+              <a:rPr lang="pt-PT" sz="1200" kern="1200" dirty="0">
+                <a:solidFill>
+                  <a:schemeClr val="tx1"/>
+                </a:solidFill>
+                <a:effectLst/>
+                <a:latin typeface="+mn-lt"/>
+                <a:ea typeface="+mn-ea"/>
+                <a:cs typeface="+mn-cs"/>
+              </a:rPr>
+              <a:t>ZE</a:t>
+            </a:r>
+          </a:p>
+          <a:p>
+            <a:r>
+              <a:rPr lang="pt-PT" sz="1200" kern="1200" dirty="0">
+                <a:solidFill>
+                  <a:schemeClr val="tx1"/>
+                </a:solidFill>
+                <a:effectLst/>
+                <a:latin typeface="+mn-lt"/>
+                <a:ea typeface="+mn-ea"/>
+                <a:cs typeface="+mn-cs"/>
+              </a:rPr>
+              <a:t>Explica que dividimos o trabalho pelos 3, ficando:</a:t>
+            </a:r>
+            <a:endParaRPr lang="en-US" sz="1200" kern="1200" dirty="0">
+              <a:solidFill>
+                <a:schemeClr val="tx1"/>
+              </a:solidFill>
+              <a:effectLst/>
+              <a:latin typeface="+mn-lt"/>
+              <a:ea typeface="+mn-ea"/>
+              <a:cs typeface="+mn-cs"/>
+            </a:endParaRPr>
+          </a:p>
+          <a:p>
+            <a:pPr lvl="0"/>
+            <a:r>
+              <a:rPr lang="pt-PT" sz="1200" kern="1200" dirty="0">
+                <a:solidFill>
+                  <a:schemeClr val="tx1"/>
+                </a:solidFill>
+                <a:effectLst/>
+                <a:latin typeface="+mn-lt"/>
+                <a:ea typeface="+mn-ea"/>
+                <a:cs typeface="+mn-cs"/>
+              </a:rPr>
+              <a:t>Ricardo -&gt; regressão linear (variável quantitativa) e posterior classificação</a:t>
+            </a:r>
+            <a:endParaRPr lang="en-US" sz="1200" kern="1200" dirty="0">
+              <a:solidFill>
+                <a:schemeClr val="tx1"/>
+              </a:solidFill>
+              <a:effectLst/>
+              <a:latin typeface="+mn-lt"/>
+              <a:ea typeface="+mn-ea"/>
+              <a:cs typeface="+mn-cs"/>
+            </a:endParaRPr>
+          </a:p>
+          <a:p>
+            <a:pPr lvl="0"/>
+            <a:r>
+              <a:rPr lang="pt-PT" sz="1200" kern="1200" dirty="0">
+                <a:solidFill>
+                  <a:schemeClr val="tx1"/>
+                </a:solidFill>
+                <a:effectLst/>
+                <a:latin typeface="+mn-lt"/>
+                <a:ea typeface="+mn-ea"/>
+                <a:cs typeface="+mn-cs"/>
+              </a:rPr>
+              <a:t>Carlos -&gt; regressão logística</a:t>
+            </a:r>
+            <a:endParaRPr lang="en-US" sz="1200" kern="1200" dirty="0">
+              <a:solidFill>
+                <a:schemeClr val="tx1"/>
+              </a:solidFill>
+              <a:effectLst/>
+              <a:latin typeface="+mn-lt"/>
+              <a:ea typeface="+mn-ea"/>
+              <a:cs typeface="+mn-cs"/>
+            </a:endParaRPr>
+          </a:p>
+          <a:p>
+            <a:pPr lvl="0"/>
+            <a:r>
+              <a:rPr lang="pt-PT" sz="1200" kern="1200" dirty="0">
+                <a:solidFill>
+                  <a:schemeClr val="tx1"/>
+                </a:solidFill>
+                <a:effectLst/>
+                <a:latin typeface="+mn-lt"/>
+                <a:ea typeface="+mn-ea"/>
+                <a:cs typeface="+mn-cs"/>
+              </a:rPr>
+              <a:t>José Pedro -&gt; </a:t>
+            </a:r>
+            <a:r>
+              <a:rPr lang="pt-PT" sz="1200" kern="1200" dirty="0" err="1">
+                <a:solidFill>
+                  <a:schemeClr val="tx1"/>
+                </a:solidFill>
+                <a:effectLst/>
+                <a:latin typeface="+mn-lt"/>
+                <a:ea typeface="+mn-ea"/>
+                <a:cs typeface="+mn-cs"/>
+              </a:rPr>
+              <a:t>lda</a:t>
+            </a:r>
+            <a:r>
+              <a:rPr lang="pt-PT" sz="1200" kern="1200" dirty="0">
+                <a:solidFill>
+                  <a:schemeClr val="tx1"/>
+                </a:solidFill>
+                <a:effectLst/>
+                <a:latin typeface="+mn-lt"/>
+                <a:ea typeface="+mn-ea"/>
+                <a:cs typeface="+mn-cs"/>
+              </a:rPr>
+              <a:t>, </a:t>
+            </a:r>
+            <a:r>
+              <a:rPr lang="pt-PT" sz="1200" kern="1200" dirty="0" err="1">
+                <a:solidFill>
+                  <a:schemeClr val="tx1"/>
+                </a:solidFill>
+                <a:effectLst/>
+                <a:latin typeface="+mn-lt"/>
+                <a:ea typeface="+mn-ea"/>
+                <a:cs typeface="+mn-cs"/>
+              </a:rPr>
+              <a:t>qda</a:t>
+            </a:r>
+            <a:r>
+              <a:rPr lang="pt-PT" sz="1200" kern="1200" dirty="0">
+                <a:solidFill>
+                  <a:schemeClr val="tx1"/>
+                </a:solidFill>
+                <a:effectLst/>
+                <a:latin typeface="+mn-lt"/>
+                <a:ea typeface="+mn-ea"/>
+                <a:cs typeface="+mn-cs"/>
+              </a:rPr>
+              <a:t> e </a:t>
+            </a:r>
+            <a:r>
+              <a:rPr lang="pt-PT" sz="1200" kern="1200" dirty="0" err="1">
+                <a:solidFill>
+                  <a:schemeClr val="tx1"/>
+                </a:solidFill>
+                <a:effectLst/>
+                <a:latin typeface="+mn-lt"/>
+                <a:ea typeface="+mn-ea"/>
+                <a:cs typeface="+mn-cs"/>
+              </a:rPr>
+              <a:t>knn</a:t>
+            </a:r>
+            <a:endParaRPr lang="en-US" sz="1200" kern="1200" dirty="0">
+              <a:solidFill>
+                <a:schemeClr val="tx1"/>
+              </a:solidFill>
+              <a:effectLst/>
+              <a:latin typeface="+mn-lt"/>
+              <a:ea typeface="+mn-ea"/>
+              <a:cs typeface="+mn-cs"/>
+            </a:endParaRPr>
+          </a:p>
+          <a:p>
+            <a:r>
+              <a:rPr lang="pt-PT" sz="1200" kern="1200" dirty="0">
+                <a:solidFill>
+                  <a:schemeClr val="tx1"/>
+                </a:solidFill>
+                <a:effectLst/>
+                <a:latin typeface="+mn-lt"/>
+                <a:ea typeface="+mn-ea"/>
+                <a:cs typeface="+mn-cs"/>
+              </a:rPr>
+              <a:t>Para tentar perceber qual o melhor </a:t>
+            </a:r>
+            <a:r>
+              <a:rPr lang="pt-PT" sz="1200" kern="1200" dirty="0" err="1">
+                <a:solidFill>
+                  <a:schemeClr val="tx1"/>
+                </a:solidFill>
+                <a:effectLst/>
+                <a:latin typeface="+mn-lt"/>
+                <a:ea typeface="+mn-ea"/>
+                <a:cs typeface="+mn-cs"/>
+              </a:rPr>
+              <a:t>threshold</a:t>
+            </a:r>
+            <a:r>
+              <a:rPr lang="pt-PT" sz="1200" kern="1200" dirty="0">
+                <a:solidFill>
+                  <a:schemeClr val="tx1"/>
+                </a:solidFill>
+                <a:effectLst/>
+                <a:latin typeface="+mn-lt"/>
+                <a:ea typeface="+mn-ea"/>
+                <a:cs typeface="+mn-cs"/>
+              </a:rPr>
+              <a:t>, e visto que nem sempre o melhor é 0.5, decidimos criar uma função que vai variando o </a:t>
+            </a:r>
+            <a:r>
+              <a:rPr lang="pt-PT" sz="1200" kern="1200" dirty="0" err="1">
+                <a:solidFill>
+                  <a:schemeClr val="tx1"/>
+                </a:solidFill>
+                <a:effectLst/>
+                <a:latin typeface="+mn-lt"/>
+                <a:ea typeface="+mn-ea"/>
+                <a:cs typeface="+mn-cs"/>
+              </a:rPr>
+              <a:t>threshold</a:t>
+            </a:r>
+            <a:r>
+              <a:rPr lang="pt-PT" sz="1200" kern="1200" dirty="0">
+                <a:solidFill>
+                  <a:schemeClr val="tx1"/>
+                </a:solidFill>
+                <a:effectLst/>
+                <a:latin typeface="+mn-lt"/>
+                <a:ea typeface="+mn-ea"/>
+                <a:cs typeface="+mn-cs"/>
+              </a:rPr>
+              <a:t> (consoante os argumentos passados) e que retorna o acerto para cada </a:t>
+            </a:r>
+            <a:r>
+              <a:rPr lang="pt-PT" sz="1200" kern="1200" dirty="0" err="1">
+                <a:solidFill>
+                  <a:schemeClr val="tx1"/>
+                </a:solidFill>
+                <a:effectLst/>
+                <a:latin typeface="+mn-lt"/>
+                <a:ea typeface="+mn-ea"/>
+                <a:cs typeface="+mn-cs"/>
+              </a:rPr>
+              <a:t>threshold</a:t>
+            </a:r>
+            <a:r>
+              <a:rPr lang="pt-PT" sz="1200" kern="1200" dirty="0">
+                <a:solidFill>
+                  <a:schemeClr val="tx1"/>
+                </a:solidFill>
+                <a:effectLst/>
+                <a:latin typeface="+mn-lt"/>
+                <a:ea typeface="+mn-ea"/>
+                <a:cs typeface="+mn-cs"/>
+              </a:rPr>
+              <a:t>. Os valores de acerto retornados, não são simplesmente o acerto total mas:</a:t>
+            </a:r>
+            <a:endParaRPr lang="en-US" sz="1200" kern="1200" dirty="0">
+              <a:solidFill>
+                <a:schemeClr val="tx1"/>
+              </a:solidFill>
+              <a:effectLst/>
+              <a:latin typeface="+mn-lt"/>
+              <a:ea typeface="+mn-ea"/>
+              <a:cs typeface="+mn-cs"/>
+            </a:endParaRPr>
+          </a:p>
+          <a:p>
+            <a:pPr lvl="0"/>
+            <a:r>
+              <a:rPr lang="pt-PT" sz="1200" kern="1200" dirty="0">
+                <a:solidFill>
+                  <a:schemeClr val="tx1"/>
+                </a:solidFill>
+                <a:effectLst/>
+                <a:latin typeface="+mn-lt"/>
+                <a:ea typeface="+mn-ea"/>
+                <a:cs typeface="+mn-cs"/>
+              </a:rPr>
+              <a:t>Acerto total</a:t>
+            </a:r>
+            <a:endParaRPr lang="en-US" sz="1200" kern="1200" dirty="0">
+              <a:solidFill>
+                <a:schemeClr val="tx1"/>
+              </a:solidFill>
+              <a:effectLst/>
+              <a:latin typeface="+mn-lt"/>
+              <a:ea typeface="+mn-ea"/>
+              <a:cs typeface="+mn-cs"/>
+            </a:endParaRPr>
+          </a:p>
+          <a:p>
+            <a:pPr lvl="0"/>
+            <a:r>
+              <a:rPr lang="pt-PT" sz="1200" kern="1200" dirty="0">
+                <a:solidFill>
+                  <a:schemeClr val="tx1"/>
+                </a:solidFill>
+                <a:effectLst/>
+                <a:latin typeface="+mn-lt"/>
+                <a:ea typeface="+mn-ea"/>
+                <a:cs typeface="+mn-cs"/>
+              </a:rPr>
+              <a:t>Acerto nos casos positivos</a:t>
+            </a:r>
+            <a:endParaRPr lang="en-US" sz="1200" kern="1200" dirty="0">
+              <a:solidFill>
+                <a:schemeClr val="tx1"/>
+              </a:solidFill>
+              <a:effectLst/>
+              <a:latin typeface="+mn-lt"/>
+              <a:ea typeface="+mn-ea"/>
+              <a:cs typeface="+mn-cs"/>
+            </a:endParaRPr>
+          </a:p>
+          <a:p>
+            <a:pPr lvl="0"/>
+            <a:r>
+              <a:rPr lang="pt-PT" sz="1200" kern="1200" dirty="0">
+                <a:solidFill>
+                  <a:schemeClr val="tx1"/>
+                </a:solidFill>
+                <a:effectLst/>
+                <a:latin typeface="+mn-lt"/>
+                <a:ea typeface="+mn-ea"/>
+                <a:cs typeface="+mn-cs"/>
+              </a:rPr>
+              <a:t>Acerto nos casos negativos</a:t>
+            </a:r>
+            <a:endParaRPr lang="en-US" sz="1200" kern="1200" dirty="0">
+              <a:solidFill>
+                <a:schemeClr val="tx1"/>
+              </a:solidFill>
+              <a:effectLst/>
+              <a:latin typeface="+mn-lt"/>
+              <a:ea typeface="+mn-ea"/>
+              <a:cs typeface="+mn-cs"/>
+            </a:endParaRPr>
+          </a:p>
+          <a:p>
+            <a:r>
+              <a:rPr lang="pt-PT" sz="1200" kern="1200" dirty="0">
+                <a:solidFill>
+                  <a:schemeClr val="tx1"/>
+                </a:solidFill>
+                <a:effectLst/>
+                <a:latin typeface="+mn-lt"/>
+                <a:ea typeface="+mn-ea"/>
+                <a:cs typeface="+mn-cs"/>
+              </a:rPr>
+              <a:t>Porque não é só importante o acerto total, mas também não obter muitos falsos positivos, nem negativos.</a:t>
+            </a:r>
+            <a:endParaRPr lang="en-US" sz="1200" kern="1200" dirty="0">
+              <a:solidFill>
+                <a:schemeClr val="tx1"/>
+              </a:solidFill>
+              <a:effectLst/>
+              <a:latin typeface="+mn-lt"/>
+              <a:ea typeface="+mn-ea"/>
+              <a:cs typeface="+mn-cs"/>
+            </a:endParaRPr>
           </a:p>
           <a:p>
             <a:endParaRPr lang="en-US" dirty="0"/>
@@ -1985,7 +2812,7 @@
           <a:p>
             <a:fld id="{C263AF9A-6E76-4CCC-89CF-B04065708FB7}" type="slidenum">
               <a:rPr lang="en-US" smtClean="0"/>
-              <a:t>10</a:t>
+              <a:t>8</a:t>
             </a:fld>
             <a:endParaRPr lang="en-US"/>
           </a:p>
@@ -1994,7 +2821,7 @@
     </p:spTree>
     <p:extLst>
       <p:ext uri="{BB962C8B-B14F-4D97-AF65-F5344CB8AC3E}">
-        <p14:creationId xmlns:p14="http://schemas.microsoft.com/office/powerpoint/2010/main" val="1590782474"/>
+        <p14:creationId xmlns:p14="http://schemas.microsoft.com/office/powerpoint/2010/main" val="4125804225"/>
       </p:ext>
     </p:extLst>
   </p:cSld>
@@ -2050,10 +2877,8 @@
           <a:p>
             <a:r>
               <a:rPr lang="pt-PT" dirty="0"/>
-              <a:t>ZE FALA AQUI</a:t>
-            </a:r>
-          </a:p>
-          <a:p>
+              <a:t>PEIXOTO FALA AQUI</a:t>
+            </a:r>
             <a:endParaRPr lang="en-US" dirty="0"/>
           </a:p>
         </p:txBody>
@@ -2075,7 +2900,7 @@
           <a:p>
             <a:fld id="{C263AF9A-6E76-4CCC-89CF-B04065708FB7}" type="slidenum">
               <a:rPr lang="en-US" smtClean="0"/>
-              <a:t>11</a:t>
+              <a:t>9</a:t>
             </a:fld>
             <a:endParaRPr lang="en-US"/>
           </a:p>
@@ -2084,7 +2909,7 @@
     </p:spTree>
     <p:extLst>
       <p:ext uri="{BB962C8B-B14F-4D97-AF65-F5344CB8AC3E}">
-        <p14:creationId xmlns:p14="http://schemas.microsoft.com/office/powerpoint/2010/main" val="963862012"/>
+        <p14:creationId xmlns:p14="http://schemas.microsoft.com/office/powerpoint/2010/main" val="1689547392"/>
       </p:ext>
     </p:extLst>
   </p:cSld>
@@ -2313,7 +3138,7 @@
             <a:fld id="{53074F12-AA26-4AC8-9962-C36BB8F32554}" type="datetimeFigureOut">
               <a:rPr lang="en-US" smtClean="0"/>
               <a:pPr/>
-              <a:t>12/12/2018</a:t>
+              <a:t>12/13/2018</a:t>
             </a:fld>
             <a:endParaRPr lang="en-US"/>
           </a:p>
@@ -2567,7 +3392,7 @@
             <a:fld id="{53074F12-AA26-4AC8-9962-C36BB8F32554}" type="datetimeFigureOut">
               <a:rPr lang="en-US" smtClean="0"/>
               <a:pPr/>
-              <a:t>12/12/2018</a:t>
+              <a:t>12/13/2018</a:t>
             </a:fld>
             <a:endParaRPr lang="en-US"/>
           </a:p>
@@ -2737,7 +3562,7 @@
             <a:fld id="{53074F12-AA26-4AC8-9962-C36BB8F32554}" type="datetimeFigureOut">
               <a:rPr lang="en-US" smtClean="0"/>
               <a:pPr/>
-              <a:t>12/12/2018</a:t>
+              <a:t>12/13/2018</a:t>
             </a:fld>
             <a:endParaRPr lang="en-US"/>
           </a:p>
@@ -2917,7 +3742,7 @@
             <a:fld id="{53074F12-AA26-4AC8-9962-C36BB8F32554}" type="datetimeFigureOut">
               <a:rPr lang="en-US" smtClean="0"/>
               <a:pPr/>
-              <a:t>12/12/2018</a:t>
+              <a:t>12/13/2018</a:t>
             </a:fld>
             <a:endParaRPr lang="en-US"/>
           </a:p>
@@ -3199,7 +4024,7 @@
             <a:fld id="{53074F12-AA26-4AC8-9962-C36BB8F32554}" type="datetimeFigureOut">
               <a:rPr lang="en-US" smtClean="0"/>
               <a:pPr/>
-              <a:t>12/12/2018</a:t>
+              <a:t>12/13/2018</a:t>
             </a:fld>
             <a:endParaRPr lang="en-US"/>
           </a:p>
@@ -3446,7 +4271,7 @@
             <a:fld id="{53074F12-AA26-4AC8-9962-C36BB8F32554}" type="datetimeFigureOut">
               <a:rPr lang="en-US" smtClean="0"/>
               <a:pPr/>
-              <a:t>12/12/2018</a:t>
+              <a:t>12/13/2018</a:t>
             </a:fld>
             <a:endParaRPr lang="en-US"/>
           </a:p>
@@ -3693,7 +4518,7 @@
             <a:fld id="{53074F12-AA26-4AC8-9962-C36BB8F32554}" type="datetimeFigureOut">
               <a:rPr lang="en-US" smtClean="0"/>
               <a:pPr/>
-              <a:t>12/12/2018</a:t>
+              <a:t>12/13/2018</a:t>
             </a:fld>
             <a:endParaRPr lang="en-US"/>
           </a:p>
@@ -3980,7 +4805,7 @@
             <a:fld id="{53074F12-AA26-4AC8-9962-C36BB8F32554}" type="datetimeFigureOut">
               <a:rPr lang="en-US" smtClean="0"/>
               <a:pPr/>
-              <a:t>12/12/2018</a:t>
+              <a:t>12/13/2018</a:t>
             </a:fld>
             <a:endParaRPr lang="en-US"/>
           </a:p>
@@ -4467,7 +5292,7 @@
             <a:fld id="{53074F12-AA26-4AC8-9962-C36BB8F32554}" type="datetimeFigureOut">
               <a:rPr lang="en-US" smtClean="0"/>
               <a:pPr/>
-              <a:t>12/12/2018</a:t>
+              <a:t>12/13/2018</a:t>
             </a:fld>
             <a:endParaRPr lang="en-US"/>
           </a:p>
@@ -4586,7 +5411,7 @@
             <a:fld id="{53074F12-AA26-4AC8-9962-C36BB8F32554}" type="datetimeFigureOut">
               <a:rPr lang="en-US" smtClean="0"/>
               <a:pPr/>
-              <a:t>12/12/2018</a:t>
+              <a:t>12/13/2018</a:t>
             </a:fld>
             <a:endParaRPr lang="en-US"/>
           </a:p>
@@ -4683,7 +5508,7 @@
             <a:fld id="{53074F12-AA26-4AC8-9962-C36BB8F32554}" type="datetimeFigureOut">
               <a:rPr lang="en-US" smtClean="0"/>
               <a:pPr/>
-              <a:t>12/12/2018</a:t>
+              <a:t>12/13/2018</a:t>
             </a:fld>
             <a:endParaRPr lang="en-US"/>
           </a:p>
@@ -4960,7 +5785,7 @@
             <a:fld id="{53074F12-AA26-4AC8-9962-C36BB8F32554}" type="datetimeFigureOut">
               <a:rPr lang="en-US" smtClean="0"/>
               <a:pPr/>
-              <a:t>12/12/2018</a:t>
+              <a:t>12/13/2018</a:t>
             </a:fld>
             <a:endParaRPr lang="en-US"/>
           </a:p>
@@ -5182,7 +6007,7 @@
             <a:fld id="{53074F12-AA26-4AC8-9962-C36BB8F32554}" type="datetimeFigureOut">
               <a:rPr lang="en-US" smtClean="0"/>
               <a:pPr/>
-              <a:t>12/12/2018</a:t>
+              <a:t>12/13/2018</a:t>
             </a:fld>
             <a:endParaRPr lang="en-US"/>
           </a:p>
@@ -5818,7 +6643,7 @@
           <a:p>
             <a:r>
               <a:rPr lang="pt-PT" dirty="0"/>
-              <a:t>Gráfico:</a:t>
+              <a:t>Gráfico Threshold:</a:t>
             </a:r>
             <a:endParaRPr lang="en-US" dirty="0"/>
           </a:p>
@@ -5826,7 +6651,7 @@
       </p:sp>
       <p:pic>
         <p:nvPicPr>
-          <p:cNvPr id="1026" name="Picture 2" descr="https://scontent.fopo1-1.fna.fbcdn.net/v/t1.15752-9/48379243_264670124205670_3577557240439111680_n.png?_nc_cat=100&amp;_nc_ht=scontent.fopo1-1.fna&amp;oh=cb49a9a5b3ba45f5b7be17c4ba9ff793&amp;oe=5C96A014">
+          <p:cNvPr id="1026" name="Picture 2">
             <a:extLst>
               <a:ext uri="{FF2B5EF4-FFF2-40B4-BE49-F238E27FC236}">
                 <a16:creationId xmlns:a16="http://schemas.microsoft.com/office/drawing/2014/main" id="{985CB369-9650-4383-8336-9F4347E0DB0F}"/>
@@ -5840,7 +6665,7 @@
             <p:ph sz="quarter" idx="4"/>
           </p:nvPr>
         </p:nvPicPr>
-        <p:blipFill rotWithShape="1">
+        <p:blipFill>
           <a:blip r:embed="rId3">
             <a:extLst>
               <a:ext uri="{28A0092B-C50C-407E-A947-70E740481C1C}">
@@ -5848,13 +6673,14 @@
               </a:ext>
             </a:extLst>
           </a:blip>
-          <a:srcRect t="14467" r="4356" b="4884"/>
-          <a:stretch/>
+          <a:stretch>
+            <a:fillRect/>
+          </a:stretch>
         </p:blipFill>
         <p:spPr bwMode="auto">
           <a:xfrm>
-            <a:off x="4571999" y="1960930"/>
-            <a:ext cx="4275740" cy="2143081"/>
+            <a:off x="4439386" y="1960930"/>
+            <a:ext cx="4583970" cy="2724791"/>
           </a:xfrm>
           <a:prstGeom prst="rect">
             <a:avLst/>
@@ -6039,7 +6865,7 @@
             <a:pPr algn="l"/>
             <a:r>
               <a:rPr lang="en-US" dirty="0"/>
-              <a:t>Stab.glu^3-&gt; </a:t>
+              <a:t>Stab.glu^2-&gt; </a:t>
             </a:r>
             <a:r>
               <a:rPr lang="en-US" dirty="0" err="1"/>
@@ -6047,21 +6873,33 @@
             </a:r>
             <a:r>
               <a:rPr lang="en-US" dirty="0"/>
-              <a:t>  0.2 -&gt; 3.5177</a:t>
+              <a:t>  0.39 -&gt; 3.5714</a:t>
             </a:r>
           </a:p>
           <a:p>
             <a:pPr algn="l"/>
             <a:r>
               <a:rPr lang="en-US" dirty="0"/>
-              <a:t>Stab.glu^2+ratio+age-&gt; 0.12 -&gt; 3.4707</a:t>
+              <a:t>Stab.glu^2+ratio&gt; 0.39 -&gt; 3.5714</a:t>
             </a:r>
           </a:p>
           <a:p>
             <a:pPr algn="l"/>
             <a:r>
+              <a:rPr lang="en-US" dirty="0" err="1"/>
+              <a:t>Stab.glu+ratio</a:t>
+            </a:r>
+            <a:r>
               <a:rPr lang="en-US" dirty="0"/>
-              <a:t>Stab.glu^2+ratio-&gt; </a:t>
+              <a:t> + </a:t>
+            </a:r>
+            <a:r>
+              <a:rPr lang="en-US" dirty="0" err="1"/>
+              <a:t>stab.glu</a:t>
+            </a:r>
+            <a:r>
+              <a:rPr lang="en-US" dirty="0"/>
+              <a:t> x ratio-&gt; </a:t>
             </a:r>
             <a:r>
               <a:rPr lang="en-US" dirty="0" err="1"/>
@@ -6069,7 +6907,7 @@
             </a:r>
             <a:r>
               <a:rPr lang="en-US" dirty="0"/>
-              <a:t> 0.12 -&gt; 3.5777</a:t>
+              <a:t>  -&gt; 3.5520</a:t>
             </a:r>
           </a:p>
           <a:p>
@@ -6697,1242 +7535,2548 @@
           </a:p>
         </p:txBody>
       </p:sp>
-      <p:graphicFrame>
-        <p:nvGraphicFramePr>
-          <p:cNvPr id="14" name="Table 13">
-            <a:extLst>
-              <a:ext uri="{FF2B5EF4-FFF2-40B4-BE49-F238E27FC236}">
-                <a16:creationId xmlns:a16="http://schemas.microsoft.com/office/drawing/2014/main" id="{DCEE190F-81DC-4AEB-9C40-C23098F2CD40}"/>
-              </a:ext>
-            </a:extLst>
-          </p:cNvPr>
-          <p:cNvGraphicFramePr>
-            <a:graphicFrameLocks noGrp="1"/>
-          </p:cNvGraphicFramePr>
-          <p:nvPr>
-            <p:extLst>
-              <p:ext uri="{D42A27DB-BD31-4B8C-83A1-F6EECF244321}">
-                <p14:modId xmlns:p14="http://schemas.microsoft.com/office/powerpoint/2010/main" val="1310298213"/>
-              </p:ext>
-            </p:extLst>
-          </p:nvPr>
-        </p:nvGraphicFramePr>
-        <p:xfrm>
-          <a:off x="448964" y="1808225"/>
-          <a:ext cx="8246072" cy="2394173"/>
-        </p:xfrm>
-        <a:graphic>
-          <a:graphicData uri="http://schemas.openxmlformats.org/drawingml/2006/table">
-            <a:tbl>
-              <a:tblPr firstRow="1" bandRow="1">
-                <a:tableStyleId>{3B4B98B0-60AC-42C2-AFA5-B58CD77FA1E5}</a:tableStyleId>
-              </a:tblPr>
-              <a:tblGrid>
-                <a:gridCol w="2061518">
-                  <a:extLst>
-                    <a:ext uri="{9D8B030D-6E8A-4147-A177-3AD203B41FA5}">
-                      <a16:colId xmlns:a16="http://schemas.microsoft.com/office/drawing/2014/main" val="350918994"/>
-                    </a:ext>
-                  </a:extLst>
-                </a:gridCol>
-                <a:gridCol w="2061518">
-                  <a:extLst>
-                    <a:ext uri="{9D8B030D-6E8A-4147-A177-3AD203B41FA5}">
-                      <a16:colId xmlns:a16="http://schemas.microsoft.com/office/drawing/2014/main" val="554453022"/>
-                    </a:ext>
-                  </a:extLst>
-                </a:gridCol>
-                <a:gridCol w="2061518">
-                  <a:extLst>
-                    <a:ext uri="{9D8B030D-6E8A-4147-A177-3AD203B41FA5}">
-                      <a16:colId xmlns:a16="http://schemas.microsoft.com/office/drawing/2014/main" val="4062502196"/>
-                    </a:ext>
-                  </a:extLst>
-                </a:gridCol>
-                <a:gridCol w="2061518">
-                  <a:extLst>
-                    <a:ext uri="{9D8B030D-6E8A-4147-A177-3AD203B41FA5}">
-                      <a16:colId xmlns:a16="http://schemas.microsoft.com/office/drawing/2014/main" val="2248031875"/>
-                    </a:ext>
-                  </a:extLst>
-                </a:gridCol>
-              </a:tblGrid>
-              <a:tr h="575903">
-                <a:tc>
-                  <a:txBody>
-                    <a:bodyPr/>
-                    <a:lstStyle/>
-                    <a:p>
-                      <a:pPr algn="ctr"/>
-                      <a:r>
-                        <a:rPr lang="pt-PT" sz="1700" dirty="0">
-                          <a:solidFill>
-                            <a:srgbClr val="0070C0"/>
-                          </a:solidFill>
-                          <a:effectLst>
-                            <a:outerShdw blurRad="50800" dist="38100" dir="2700000" algn="tl" rotWithShape="0">
-                              <a:prstClr val="black">
-                                <a:alpha val="40000"/>
-                              </a:prstClr>
-                            </a:outerShdw>
-                          </a:effectLst>
-                        </a:rPr>
-                        <a:t>Modelo</a:t>
-                      </a:r>
-                      <a:endParaRPr lang="en-US" sz="1700" dirty="0"/>
-                    </a:p>
-                  </a:txBody>
-                  <a:tcPr marL="148887" marR="148887" marT="74445" marB="74445">
-                    <a:lnL w="12700" cap="flat" cmpd="sng" algn="ctr">
-                      <a:solidFill>
-                        <a:schemeClr val="accent1"/>
-                      </a:solidFill>
-                      <a:prstDash val="solid"/>
-                      <a:round/>
-                      <a:headEnd type="none" w="med" len="med"/>
-                      <a:tailEnd type="none" w="med" len="med"/>
-                    </a:lnL>
-                    <a:lnR w="12700" cap="flat" cmpd="sng" algn="ctr">
-                      <a:solidFill>
-                        <a:schemeClr val="accent1"/>
-                      </a:solidFill>
-                      <a:prstDash val="solid"/>
-                      <a:round/>
-                      <a:headEnd type="none" w="med" len="med"/>
-                      <a:tailEnd type="none" w="med" len="med"/>
-                    </a:lnR>
-                    <a:lnT w="12700" cap="flat" cmpd="sng" algn="ctr">
-                      <a:solidFill>
-                        <a:schemeClr val="accent1"/>
-                      </a:solidFill>
-                      <a:prstDash val="solid"/>
-                      <a:round/>
-                      <a:headEnd type="none" w="med" len="med"/>
-                      <a:tailEnd type="none" w="med" len="med"/>
-                    </a:lnT>
-                    <a:lnB w="12700" cap="flat" cmpd="sng" algn="ctr">
-                      <a:solidFill>
-                        <a:schemeClr val="accent1"/>
-                      </a:solidFill>
-                      <a:prstDash val="solid"/>
-                      <a:round/>
-                      <a:headEnd type="none" w="med" len="med"/>
-                      <a:tailEnd type="none" w="med" len="med"/>
-                    </a:lnB>
-                    <a:lnTlToBr w="12700" cmpd="sng">
-                      <a:noFill/>
-                      <a:prstDash val="solid"/>
-                    </a:lnTlToBr>
-                    <a:lnBlToTr w="12700" cmpd="sng">
-                      <a:noFill/>
-                      <a:prstDash val="solid"/>
-                    </a:lnBlToTr>
-                  </a:tcPr>
-                </a:tc>
-                <a:tc>
-                  <a:txBody>
-                    <a:bodyPr/>
-                    <a:lstStyle/>
-                    <a:p>
-                      <a:pPr marL="0" marR="0" lvl="0" indent="0" algn="l" defTabSz="914400" rtl="0" eaLnBrk="1" fontAlgn="auto" latinLnBrk="0" hangingPunct="1">
-                        <a:lnSpc>
-                          <a:spcPct val="100000"/>
-                        </a:lnSpc>
-                        <a:spcBef>
-                          <a:spcPts val="0"/>
-                        </a:spcBef>
-                        <a:spcAft>
-                          <a:spcPts val="0"/>
-                        </a:spcAft>
-                        <a:buClrTx/>
-                        <a:buSzTx/>
-                        <a:buFontTx/>
-                        <a:buNone/>
-                        <a:tabLst/>
-                        <a:defRPr/>
-                      </a:pPr>
-                      <a:r>
-                        <a:rPr lang="pt-PT" sz="1700" dirty="0">
-                          <a:solidFill>
-                            <a:srgbClr val="0070C0"/>
-                          </a:solidFill>
-                          <a:effectLst>
-                            <a:outerShdw blurRad="50800" dist="38100" dir="2700000" algn="tl" rotWithShape="0">
-                              <a:prstClr val="black">
-                                <a:alpha val="40000"/>
-                              </a:prstClr>
-                            </a:outerShdw>
-                          </a:effectLst>
-                        </a:rPr>
-                        <a:t>Regressão linear</a:t>
-                      </a:r>
-                      <a:endParaRPr lang="en-US" sz="1700" dirty="0"/>
-                    </a:p>
-                  </a:txBody>
-                  <a:tcPr marL="148887" marR="148887" marT="74445" marB="74445">
-                    <a:lnL w="12700" cap="flat" cmpd="sng" algn="ctr">
-                      <a:solidFill>
-                        <a:schemeClr val="accent1"/>
-                      </a:solidFill>
-                      <a:prstDash val="solid"/>
-                      <a:round/>
-                      <a:headEnd type="none" w="med" len="med"/>
-                      <a:tailEnd type="none" w="med" len="med"/>
-                    </a:lnL>
-                    <a:lnR w="12700" cap="flat" cmpd="sng" algn="ctr">
-                      <a:solidFill>
-                        <a:schemeClr val="accent1"/>
-                      </a:solidFill>
-                      <a:prstDash val="solid"/>
-                      <a:round/>
-                      <a:headEnd type="none" w="med" len="med"/>
-                      <a:tailEnd type="none" w="med" len="med"/>
-                    </a:lnR>
-                    <a:lnT w="12700" cap="flat" cmpd="sng" algn="ctr">
-                      <a:solidFill>
-                        <a:schemeClr val="accent1"/>
-                      </a:solidFill>
-                      <a:prstDash val="solid"/>
-                      <a:round/>
-                      <a:headEnd type="none" w="med" len="med"/>
-                      <a:tailEnd type="none" w="med" len="med"/>
-                    </a:lnT>
-                    <a:lnB w="12700" cap="flat" cmpd="sng" algn="ctr">
-                      <a:solidFill>
-                        <a:schemeClr val="accent1"/>
-                      </a:solidFill>
-                      <a:prstDash val="solid"/>
-                      <a:round/>
-                      <a:headEnd type="none" w="med" len="med"/>
-                      <a:tailEnd type="none" w="med" len="med"/>
-                    </a:lnB>
-                    <a:lnTlToBr w="12700" cmpd="sng">
-                      <a:noFill/>
-                      <a:prstDash val="solid"/>
-                    </a:lnTlToBr>
-                    <a:lnBlToTr w="12700" cmpd="sng">
-                      <a:noFill/>
-                      <a:prstDash val="solid"/>
-                    </a:lnBlToTr>
-                  </a:tcPr>
-                </a:tc>
-                <a:tc>
-                  <a:txBody>
-                    <a:bodyPr/>
-                    <a:lstStyle/>
-                    <a:p>
-                      <a:pPr marL="0" marR="0" lvl="0" indent="0" algn="ctr" defTabSz="914400" rtl="0" eaLnBrk="1" fontAlgn="auto" latinLnBrk="0" hangingPunct="1">
-                        <a:lnSpc>
-                          <a:spcPct val="100000"/>
-                        </a:lnSpc>
-                        <a:spcBef>
-                          <a:spcPts val="0"/>
-                        </a:spcBef>
-                        <a:spcAft>
-                          <a:spcPts val="0"/>
-                        </a:spcAft>
-                        <a:buClrTx/>
-                        <a:buSzTx/>
-                        <a:buFontTx/>
-                        <a:buNone/>
-                        <a:tabLst/>
-                        <a:defRPr/>
-                      </a:pPr>
-                      <a:r>
-                        <a:rPr lang="pt-PT" sz="1600" dirty="0">
-                          <a:solidFill>
-                            <a:srgbClr val="0070C0"/>
-                          </a:solidFill>
-                          <a:effectLst>
-                            <a:outerShdw blurRad="50800" dist="38100" dir="2700000" algn="tl" rotWithShape="0">
-                              <a:prstClr val="black">
-                                <a:alpha val="40000"/>
-                              </a:prstClr>
-                            </a:outerShdw>
-                          </a:effectLst>
-                        </a:rPr>
-                        <a:t>Regressão logística</a:t>
-                      </a:r>
-                      <a:endParaRPr lang="en-US" sz="1600" dirty="0"/>
-                    </a:p>
-                  </a:txBody>
-                  <a:tcPr marL="148887" marR="148887" marT="74445" marB="74445">
-                    <a:lnL w="12700" cap="flat" cmpd="sng" algn="ctr">
-                      <a:solidFill>
-                        <a:schemeClr val="accent1"/>
-                      </a:solidFill>
-                      <a:prstDash val="solid"/>
-                      <a:round/>
-                      <a:headEnd type="none" w="med" len="med"/>
-                      <a:tailEnd type="none" w="med" len="med"/>
-                    </a:lnL>
-                    <a:lnR w="12700" cap="flat" cmpd="sng" algn="ctr">
-                      <a:solidFill>
-                        <a:schemeClr val="accent1"/>
-                      </a:solidFill>
-                      <a:prstDash val="solid"/>
-                      <a:round/>
-                      <a:headEnd type="none" w="med" len="med"/>
-                      <a:tailEnd type="none" w="med" len="med"/>
-                    </a:lnR>
-                    <a:lnT w="12700" cap="flat" cmpd="sng" algn="ctr">
-                      <a:solidFill>
-                        <a:schemeClr val="accent1"/>
-                      </a:solidFill>
-                      <a:prstDash val="solid"/>
-                      <a:round/>
-                      <a:headEnd type="none" w="med" len="med"/>
-                      <a:tailEnd type="none" w="med" len="med"/>
-                    </a:lnT>
-                    <a:lnB w="12700" cap="flat" cmpd="sng" algn="ctr">
-                      <a:solidFill>
-                        <a:schemeClr val="accent1"/>
-                      </a:solidFill>
-                      <a:prstDash val="solid"/>
-                      <a:round/>
-                      <a:headEnd type="none" w="med" len="med"/>
-                      <a:tailEnd type="none" w="med" len="med"/>
-                    </a:lnB>
-                    <a:lnTlToBr w="12700" cmpd="sng">
-                      <a:noFill/>
-                      <a:prstDash val="solid"/>
-                    </a:lnTlToBr>
-                    <a:lnBlToTr w="12700" cmpd="sng">
-                      <a:noFill/>
-                      <a:prstDash val="solid"/>
-                    </a:lnBlToTr>
-                  </a:tcPr>
-                </a:tc>
-                <a:tc>
-                  <a:txBody>
-                    <a:bodyPr/>
-                    <a:lstStyle/>
-                    <a:p>
-                      <a:pPr algn="ctr"/>
-                      <a:r>
-                        <a:rPr lang="pt-PT" sz="1700" dirty="0">
-                          <a:solidFill>
-                            <a:srgbClr val="0070C0"/>
-                          </a:solidFill>
-                          <a:effectLst>
-                            <a:outerShdw blurRad="50800" dist="38100" dir="2700000" algn="tl" rotWithShape="0">
-                              <a:prstClr val="black">
-                                <a:alpha val="40000"/>
-                              </a:prstClr>
-                            </a:outerShdw>
-                          </a:effectLst>
-                        </a:rPr>
-                        <a:t> KNN</a:t>
-                      </a:r>
-                      <a:endParaRPr lang="en-US" sz="1700" dirty="0"/>
-                    </a:p>
-                  </a:txBody>
-                  <a:tcPr marL="148887" marR="148887" marT="74445" marB="74445">
-                    <a:lnL w="12700" cap="flat" cmpd="sng" algn="ctr">
-                      <a:solidFill>
-                        <a:schemeClr val="accent1"/>
-                      </a:solidFill>
-                      <a:prstDash val="solid"/>
-                      <a:round/>
-                      <a:headEnd type="none" w="med" len="med"/>
-                      <a:tailEnd type="none" w="med" len="med"/>
-                    </a:lnL>
-                    <a:lnR w="12700" cap="flat" cmpd="sng" algn="ctr">
-                      <a:solidFill>
-                        <a:schemeClr val="accent1"/>
-                      </a:solidFill>
-                      <a:prstDash val="solid"/>
-                      <a:round/>
-                      <a:headEnd type="none" w="med" len="med"/>
-                      <a:tailEnd type="none" w="med" len="med"/>
-                    </a:lnR>
-                    <a:lnT w="12700" cap="flat" cmpd="sng" algn="ctr">
-                      <a:solidFill>
-                        <a:schemeClr val="accent1"/>
-                      </a:solidFill>
-                      <a:prstDash val="solid"/>
-                      <a:round/>
-                      <a:headEnd type="none" w="med" len="med"/>
-                      <a:tailEnd type="none" w="med" len="med"/>
-                    </a:lnT>
-                    <a:lnB w="12700" cap="flat" cmpd="sng" algn="ctr">
-                      <a:solidFill>
-                        <a:schemeClr val="accent1"/>
-                      </a:solidFill>
-                      <a:prstDash val="solid"/>
-                      <a:round/>
-                      <a:headEnd type="none" w="med" len="med"/>
-                      <a:tailEnd type="none" w="med" len="med"/>
-                    </a:lnB>
-                    <a:lnTlToBr w="12700" cmpd="sng">
-                      <a:noFill/>
-                      <a:prstDash val="solid"/>
-                    </a:lnTlToBr>
-                    <a:lnBlToTr w="12700" cmpd="sng">
-                      <a:noFill/>
-                      <a:prstDash val="solid"/>
-                    </a:lnBlToTr>
-                  </a:tcPr>
-                </a:tc>
+      <mc:AlternateContent xmlns:mc="http://schemas.openxmlformats.org/markup-compatibility/2006">
+        <mc:Choice xmlns:a14="http://schemas.microsoft.com/office/drawing/2010/main" Requires="a14">
+          <p:graphicFrame>
+            <p:nvGraphicFramePr>
+              <p:cNvPr id="14" name="Table 13">
                 <a:extLst>
-                  <a:ext uri="{0D108BD9-81ED-4DB2-BD59-A6C34878D82A}">
-                    <a16:rowId xmlns:a16="http://schemas.microsoft.com/office/drawing/2014/main" val="1060528281"/>
+                  <a:ext uri="{FF2B5EF4-FFF2-40B4-BE49-F238E27FC236}">
+                    <a16:creationId xmlns:a16="http://schemas.microsoft.com/office/drawing/2014/main" id="{DCEE190F-81DC-4AEB-9C40-C23098F2CD40}"/>
                   </a:ext>
                 </a:extLst>
-              </a:tr>
-              <a:tr h="575903">
-                <a:tc>
-                  <a:txBody>
-                    <a:bodyPr/>
-                    <a:lstStyle/>
-                    <a:p>
-                      <a:pPr marL="0" marR="0" lvl="0" indent="0" algn="ctr" defTabSz="914400" rtl="0" eaLnBrk="1" fontAlgn="auto" latinLnBrk="0" hangingPunct="1">
-                        <a:lnSpc>
-                          <a:spcPct val="100000"/>
-                        </a:lnSpc>
-                        <a:spcBef>
-                          <a:spcPts val="0"/>
-                        </a:spcBef>
-                        <a:spcAft>
-                          <a:spcPts val="0"/>
-                        </a:spcAft>
-                        <a:buClrTx/>
-                        <a:buSzTx/>
-                        <a:buFontTx/>
-                        <a:buNone/>
-                        <a:tabLst/>
-                        <a:defRPr/>
-                      </a:pPr>
-                      <a:r>
-                        <a:rPr lang="pt-PT" sz="1700" dirty="0">
+              </p:cNvPr>
+              <p:cNvGraphicFramePr>
+                <a:graphicFrameLocks noGrp="1"/>
+              </p:cNvGraphicFramePr>
+              <p:nvPr>
+                <p:extLst>
+                  <p:ext uri="{D42A27DB-BD31-4B8C-83A1-F6EECF244321}">
+                    <p14:modId xmlns:p14="http://schemas.microsoft.com/office/powerpoint/2010/main" val="1945203097"/>
+                  </p:ext>
+                </p:extLst>
+              </p:nvPr>
+            </p:nvGraphicFramePr>
+            <p:xfrm>
+              <a:off x="448964" y="1808225"/>
+              <a:ext cx="8246072" cy="2379226"/>
+            </p:xfrm>
+            <a:graphic>
+              <a:graphicData uri="http://schemas.openxmlformats.org/drawingml/2006/table">
+                <a:tbl>
+                  <a:tblPr firstRow="1" bandRow="1">
+                    <a:tableStyleId>{3B4B98B0-60AC-42C2-AFA5-B58CD77FA1E5}</a:tableStyleId>
+                  </a:tblPr>
+                  <a:tblGrid>
+                    <a:gridCol w="2061518">
+                      <a:extLst>
+                        <a:ext uri="{9D8B030D-6E8A-4147-A177-3AD203B41FA5}">
+                          <a16:colId xmlns:a16="http://schemas.microsoft.com/office/drawing/2014/main" val="350918994"/>
+                        </a:ext>
+                      </a:extLst>
+                    </a:gridCol>
+                    <a:gridCol w="2061518">
+                      <a:extLst>
+                        <a:ext uri="{9D8B030D-6E8A-4147-A177-3AD203B41FA5}">
+                          <a16:colId xmlns:a16="http://schemas.microsoft.com/office/drawing/2014/main" val="554453022"/>
+                        </a:ext>
+                      </a:extLst>
+                    </a:gridCol>
+                    <a:gridCol w="2061518">
+                      <a:extLst>
+                        <a:ext uri="{9D8B030D-6E8A-4147-A177-3AD203B41FA5}">
+                          <a16:colId xmlns:a16="http://schemas.microsoft.com/office/drawing/2014/main" val="4062502196"/>
+                        </a:ext>
+                      </a:extLst>
+                    </a:gridCol>
+                    <a:gridCol w="2061518">
+                      <a:extLst>
+                        <a:ext uri="{9D8B030D-6E8A-4147-A177-3AD203B41FA5}">
+                          <a16:colId xmlns:a16="http://schemas.microsoft.com/office/drawing/2014/main" val="2248031875"/>
+                        </a:ext>
+                      </a:extLst>
+                    </a:gridCol>
+                  </a:tblGrid>
+                  <a:tr h="575903">
+                    <a:tc>
+                      <a:txBody>
+                        <a:bodyPr/>
+                        <a:lstStyle/>
+                        <a:p>
+                          <a:pPr algn="ctr"/>
+                          <a:r>
+                            <a:rPr lang="pt-PT" sz="1700" dirty="0">
+                              <a:solidFill>
+                                <a:srgbClr val="0070C0"/>
+                              </a:solidFill>
+                              <a:effectLst>
+                                <a:outerShdw blurRad="50800" dist="38100" dir="2700000" algn="tl" rotWithShape="0">
+                                  <a:prstClr val="black">
+                                    <a:alpha val="40000"/>
+                                  </a:prstClr>
+                                </a:outerShdw>
+                              </a:effectLst>
+                            </a:rPr>
+                            <a:t>Modelo</a:t>
+                          </a:r>
+                          <a:endParaRPr lang="en-US" sz="1700" dirty="0"/>
+                        </a:p>
+                      </a:txBody>
+                      <a:tcPr marL="148887" marR="148887" marT="74445" marB="74445">
+                        <a:lnL w="12700" cap="flat" cmpd="sng" algn="ctr">
                           <a:solidFill>
-                            <a:srgbClr val="0070C0"/>
+                            <a:schemeClr val="accent1"/>
                           </a:solidFill>
-                          <a:effectLst>
-                            <a:outerShdw blurRad="50800" dist="38100" dir="2700000" algn="tl" rotWithShape="0">
-                              <a:prstClr val="black">
-                                <a:alpha val="40000"/>
-                              </a:prstClr>
-                            </a:outerShdw>
-                          </a:effectLst>
-                        </a:rPr>
-                        <a:t>Fórmula</a:t>
-                      </a:r>
-                      <a:endParaRPr lang="en-US" sz="1700" dirty="0"/>
-                    </a:p>
-                  </a:txBody>
-                  <a:tcPr marL="148887" marR="148887" marT="74445" marB="74445">
-                    <a:lnL w="12700" cap="flat" cmpd="sng" algn="ctr">
-                      <a:solidFill>
-                        <a:schemeClr val="accent1"/>
-                      </a:solidFill>
-                      <a:prstDash val="solid"/>
-                      <a:round/>
-                      <a:headEnd type="none" w="med" len="med"/>
-                      <a:tailEnd type="none" w="med" len="med"/>
-                    </a:lnL>
-                    <a:lnR w="12700" cap="flat" cmpd="sng" algn="ctr">
-                      <a:solidFill>
-                        <a:schemeClr val="accent1"/>
-                      </a:solidFill>
-                      <a:prstDash val="solid"/>
-                      <a:round/>
-                      <a:headEnd type="none" w="med" len="med"/>
-                      <a:tailEnd type="none" w="med" len="med"/>
-                    </a:lnR>
-                    <a:lnT w="12700" cap="flat" cmpd="sng" algn="ctr">
-                      <a:solidFill>
-                        <a:schemeClr val="accent1"/>
-                      </a:solidFill>
-                      <a:prstDash val="solid"/>
-                      <a:round/>
-                      <a:headEnd type="none" w="med" len="med"/>
-                      <a:tailEnd type="none" w="med" len="med"/>
-                    </a:lnT>
-                    <a:lnB w="12700" cap="flat" cmpd="sng" algn="ctr">
-                      <a:solidFill>
-                        <a:schemeClr val="accent1"/>
-                      </a:solidFill>
-                      <a:prstDash val="solid"/>
-                      <a:round/>
-                      <a:headEnd type="none" w="med" len="med"/>
-                      <a:tailEnd type="none" w="med" len="med"/>
-                    </a:lnB>
-                    <a:lnTlToBr w="12700" cmpd="sng">
-                      <a:noFill/>
-                      <a:prstDash val="solid"/>
-                    </a:lnTlToBr>
-                    <a:lnBlToTr w="12700" cmpd="sng">
-                      <a:noFill/>
-                      <a:prstDash val="solid"/>
-                    </a:lnBlToTr>
-                  </a:tcPr>
-                </a:tc>
-                <a:tc>
-                  <a:txBody>
-                    <a:bodyPr/>
-                    <a:lstStyle/>
-                    <a:p>
-                      <a:endParaRPr lang="en-US" sz="2900" dirty="0"/>
-                    </a:p>
-                  </a:txBody>
-                  <a:tcPr marL="148887" marR="148887" marT="74445" marB="74445">
-                    <a:lnL w="12700" cap="flat" cmpd="sng" algn="ctr">
-                      <a:solidFill>
-                        <a:schemeClr val="accent1"/>
-                      </a:solidFill>
-                      <a:prstDash val="solid"/>
-                      <a:round/>
-                      <a:headEnd type="none" w="med" len="med"/>
-                      <a:tailEnd type="none" w="med" len="med"/>
-                    </a:lnL>
-                    <a:lnR w="12700" cap="flat" cmpd="sng" algn="ctr">
-                      <a:solidFill>
-                        <a:schemeClr val="accent1"/>
-                      </a:solidFill>
-                      <a:prstDash val="solid"/>
-                      <a:round/>
-                      <a:headEnd type="none" w="med" len="med"/>
-                      <a:tailEnd type="none" w="med" len="med"/>
-                    </a:lnR>
-                    <a:lnT w="12700" cap="flat" cmpd="sng" algn="ctr">
-                      <a:solidFill>
-                        <a:schemeClr val="accent1"/>
-                      </a:solidFill>
-                      <a:prstDash val="solid"/>
-                      <a:round/>
-                      <a:headEnd type="none" w="med" len="med"/>
-                      <a:tailEnd type="none" w="med" len="med"/>
-                    </a:lnT>
-                    <a:lnB w="12700" cap="flat" cmpd="sng" algn="ctr">
-                      <a:solidFill>
-                        <a:schemeClr val="accent1"/>
-                      </a:solidFill>
-                      <a:prstDash val="solid"/>
-                      <a:round/>
-                      <a:headEnd type="none" w="med" len="med"/>
-                      <a:tailEnd type="none" w="med" len="med"/>
-                    </a:lnB>
-                    <a:lnTlToBr w="12700" cmpd="sng">
-                      <a:noFill/>
-                      <a:prstDash val="solid"/>
-                    </a:lnTlToBr>
-                    <a:lnBlToTr w="12700" cmpd="sng">
-                      <a:noFill/>
-                      <a:prstDash val="solid"/>
-                    </a:lnBlToTr>
-                  </a:tcPr>
-                </a:tc>
-                <a:tc>
-                  <a:txBody>
-                    <a:bodyPr/>
-                    <a:lstStyle/>
-                    <a:p>
-                      <a:pPr algn="ctr"/>
-                      <a:r>
-                        <a:rPr lang="pt-PT" sz="1600" dirty="0"/>
-                        <a:t>stab.glu^2 + ratio</a:t>
-                      </a:r>
-                      <a:endParaRPr lang="en-US" sz="1600" dirty="0"/>
-                    </a:p>
-                  </a:txBody>
-                  <a:tcPr marL="148887" marR="148887" marT="74445" marB="74445">
-                    <a:lnL w="12700" cap="flat" cmpd="sng" algn="ctr">
-                      <a:solidFill>
-                        <a:schemeClr val="accent1"/>
-                      </a:solidFill>
-                      <a:prstDash val="solid"/>
-                      <a:round/>
-                      <a:headEnd type="none" w="med" len="med"/>
-                      <a:tailEnd type="none" w="med" len="med"/>
-                    </a:lnL>
-                    <a:lnR w="12700" cap="flat" cmpd="sng" algn="ctr">
-                      <a:solidFill>
-                        <a:schemeClr val="accent1"/>
-                      </a:solidFill>
-                      <a:prstDash val="solid"/>
-                      <a:round/>
-                      <a:headEnd type="none" w="med" len="med"/>
-                      <a:tailEnd type="none" w="med" len="med"/>
-                    </a:lnR>
-                    <a:lnT w="12700" cap="flat" cmpd="sng" algn="ctr">
-                      <a:solidFill>
-                        <a:schemeClr val="accent1"/>
-                      </a:solidFill>
-                      <a:prstDash val="solid"/>
-                      <a:round/>
-                      <a:headEnd type="none" w="med" len="med"/>
-                      <a:tailEnd type="none" w="med" len="med"/>
-                    </a:lnT>
-                    <a:lnB w="12700" cap="flat" cmpd="sng" algn="ctr">
-                      <a:solidFill>
-                        <a:schemeClr val="accent1"/>
-                      </a:solidFill>
-                      <a:prstDash val="solid"/>
-                      <a:round/>
-                      <a:headEnd type="none" w="med" len="med"/>
-                      <a:tailEnd type="none" w="med" len="med"/>
-                    </a:lnB>
-                    <a:lnTlToBr w="12700" cmpd="sng">
-                      <a:noFill/>
-                      <a:prstDash val="solid"/>
-                    </a:lnTlToBr>
-                    <a:lnBlToTr w="12700" cmpd="sng">
-                      <a:noFill/>
-                      <a:prstDash val="solid"/>
-                    </a:lnBlToTr>
-                  </a:tcPr>
-                </a:tc>
-                <a:tc>
-                  <a:txBody>
-                    <a:bodyPr/>
-                    <a:lstStyle/>
-                    <a:p>
-                      <a:pPr algn="ctr"/>
-                      <a:r>
-                        <a:rPr lang="pt-PT" sz="1600" dirty="0"/>
-                        <a:t>stab.glu + age + bp.1s</a:t>
-                      </a:r>
-                      <a:endParaRPr lang="en-US" sz="1600" dirty="0"/>
-                    </a:p>
-                  </a:txBody>
-                  <a:tcPr marL="148887" marR="148887" marT="74445" marB="74445">
-                    <a:lnL w="12700" cap="flat" cmpd="sng" algn="ctr">
-                      <a:solidFill>
-                        <a:schemeClr val="accent1"/>
-                      </a:solidFill>
-                      <a:prstDash val="solid"/>
-                      <a:round/>
-                      <a:headEnd type="none" w="med" len="med"/>
-                      <a:tailEnd type="none" w="med" len="med"/>
-                    </a:lnL>
-                    <a:lnR w="12700" cap="flat" cmpd="sng" algn="ctr">
-                      <a:solidFill>
-                        <a:schemeClr val="accent1"/>
-                      </a:solidFill>
-                      <a:prstDash val="solid"/>
-                      <a:round/>
-                      <a:headEnd type="none" w="med" len="med"/>
-                      <a:tailEnd type="none" w="med" len="med"/>
-                    </a:lnR>
-                    <a:lnT w="12700" cap="flat" cmpd="sng" algn="ctr">
-                      <a:solidFill>
-                        <a:schemeClr val="accent1"/>
-                      </a:solidFill>
-                      <a:prstDash val="solid"/>
-                      <a:round/>
-                      <a:headEnd type="none" w="med" len="med"/>
-                      <a:tailEnd type="none" w="med" len="med"/>
-                    </a:lnT>
-                    <a:lnB w="12700" cap="flat" cmpd="sng" algn="ctr">
-                      <a:solidFill>
-                        <a:schemeClr val="accent1"/>
-                      </a:solidFill>
-                      <a:prstDash val="solid"/>
-                      <a:round/>
-                      <a:headEnd type="none" w="med" len="med"/>
-                      <a:tailEnd type="none" w="med" len="med"/>
-                    </a:lnB>
-                    <a:lnTlToBr w="12700" cmpd="sng">
-                      <a:noFill/>
-                      <a:prstDash val="solid"/>
-                    </a:lnTlToBr>
-                    <a:lnBlToTr w="12700" cmpd="sng">
-                      <a:noFill/>
-                      <a:prstDash val="solid"/>
-                    </a:lnBlToTr>
-                  </a:tcPr>
-                </a:tc>
+                          <a:prstDash val="solid"/>
+                          <a:round/>
+                          <a:headEnd type="none" w="med" len="med"/>
+                          <a:tailEnd type="none" w="med" len="med"/>
+                        </a:lnL>
+                        <a:lnR w="12700" cap="flat" cmpd="sng" algn="ctr">
+                          <a:solidFill>
+                            <a:schemeClr val="accent1"/>
+                          </a:solidFill>
+                          <a:prstDash val="solid"/>
+                          <a:round/>
+                          <a:headEnd type="none" w="med" len="med"/>
+                          <a:tailEnd type="none" w="med" len="med"/>
+                        </a:lnR>
+                        <a:lnT w="12700" cap="flat" cmpd="sng" algn="ctr">
+                          <a:solidFill>
+                            <a:schemeClr val="accent1"/>
+                          </a:solidFill>
+                          <a:prstDash val="solid"/>
+                          <a:round/>
+                          <a:headEnd type="none" w="med" len="med"/>
+                          <a:tailEnd type="none" w="med" len="med"/>
+                        </a:lnT>
+                        <a:lnB w="12700" cap="flat" cmpd="sng" algn="ctr">
+                          <a:solidFill>
+                            <a:schemeClr val="accent1"/>
+                          </a:solidFill>
+                          <a:prstDash val="solid"/>
+                          <a:round/>
+                          <a:headEnd type="none" w="med" len="med"/>
+                          <a:tailEnd type="none" w="med" len="med"/>
+                        </a:lnB>
+                        <a:lnTlToBr w="12700" cmpd="sng">
+                          <a:noFill/>
+                          <a:prstDash val="solid"/>
+                        </a:lnTlToBr>
+                        <a:lnBlToTr w="12700" cmpd="sng">
+                          <a:noFill/>
+                          <a:prstDash val="solid"/>
+                        </a:lnBlToTr>
+                      </a:tcPr>
+                    </a:tc>
+                    <a:tc>
+                      <a:txBody>
+                        <a:bodyPr/>
+                        <a:lstStyle/>
+                        <a:p>
+                          <a:pPr marL="0" marR="0" lvl="0" indent="0" algn="l" defTabSz="914400" rtl="0" eaLnBrk="1" fontAlgn="auto" latinLnBrk="0" hangingPunct="1">
+                            <a:lnSpc>
+                              <a:spcPct val="100000"/>
+                            </a:lnSpc>
+                            <a:spcBef>
+                              <a:spcPts val="0"/>
+                            </a:spcBef>
+                            <a:spcAft>
+                              <a:spcPts val="0"/>
+                            </a:spcAft>
+                            <a:buClrTx/>
+                            <a:buSzTx/>
+                            <a:buFontTx/>
+                            <a:buNone/>
+                            <a:tabLst/>
+                            <a:defRPr/>
+                          </a:pPr>
+                          <a:r>
+                            <a:rPr lang="pt-PT" sz="1700" dirty="0">
+                              <a:solidFill>
+                                <a:srgbClr val="0070C0"/>
+                              </a:solidFill>
+                              <a:effectLst>
+                                <a:outerShdw blurRad="50800" dist="38100" dir="2700000" algn="tl" rotWithShape="0">
+                                  <a:prstClr val="black">
+                                    <a:alpha val="40000"/>
+                                  </a:prstClr>
+                                </a:outerShdw>
+                              </a:effectLst>
+                            </a:rPr>
+                            <a:t>Regressão linear</a:t>
+                          </a:r>
+                          <a:endParaRPr lang="en-US" sz="1700" dirty="0"/>
+                        </a:p>
+                      </a:txBody>
+                      <a:tcPr marL="148887" marR="148887" marT="74445" marB="74445">
+                        <a:lnL w="12700" cap="flat" cmpd="sng" algn="ctr">
+                          <a:solidFill>
+                            <a:schemeClr val="accent1"/>
+                          </a:solidFill>
+                          <a:prstDash val="solid"/>
+                          <a:round/>
+                          <a:headEnd type="none" w="med" len="med"/>
+                          <a:tailEnd type="none" w="med" len="med"/>
+                        </a:lnL>
+                        <a:lnR w="12700" cap="flat" cmpd="sng" algn="ctr">
+                          <a:solidFill>
+                            <a:schemeClr val="accent1"/>
+                          </a:solidFill>
+                          <a:prstDash val="solid"/>
+                          <a:round/>
+                          <a:headEnd type="none" w="med" len="med"/>
+                          <a:tailEnd type="none" w="med" len="med"/>
+                        </a:lnR>
+                        <a:lnT w="12700" cap="flat" cmpd="sng" algn="ctr">
+                          <a:solidFill>
+                            <a:schemeClr val="accent1"/>
+                          </a:solidFill>
+                          <a:prstDash val="solid"/>
+                          <a:round/>
+                          <a:headEnd type="none" w="med" len="med"/>
+                          <a:tailEnd type="none" w="med" len="med"/>
+                        </a:lnT>
+                        <a:lnB w="12700" cap="flat" cmpd="sng" algn="ctr">
+                          <a:solidFill>
+                            <a:schemeClr val="accent1"/>
+                          </a:solidFill>
+                          <a:prstDash val="solid"/>
+                          <a:round/>
+                          <a:headEnd type="none" w="med" len="med"/>
+                          <a:tailEnd type="none" w="med" len="med"/>
+                        </a:lnB>
+                        <a:lnTlToBr w="12700" cmpd="sng">
+                          <a:noFill/>
+                          <a:prstDash val="solid"/>
+                        </a:lnTlToBr>
+                        <a:lnBlToTr w="12700" cmpd="sng">
+                          <a:noFill/>
+                          <a:prstDash val="solid"/>
+                        </a:lnBlToTr>
+                      </a:tcPr>
+                    </a:tc>
+                    <a:tc>
+                      <a:txBody>
+                        <a:bodyPr/>
+                        <a:lstStyle/>
+                        <a:p>
+                          <a:pPr marL="0" marR="0" lvl="0" indent="0" algn="ctr" defTabSz="914400" rtl="0" eaLnBrk="1" fontAlgn="auto" latinLnBrk="0" hangingPunct="1">
+                            <a:lnSpc>
+                              <a:spcPct val="100000"/>
+                            </a:lnSpc>
+                            <a:spcBef>
+                              <a:spcPts val="0"/>
+                            </a:spcBef>
+                            <a:spcAft>
+                              <a:spcPts val="0"/>
+                            </a:spcAft>
+                            <a:buClrTx/>
+                            <a:buSzTx/>
+                            <a:buFontTx/>
+                            <a:buNone/>
+                            <a:tabLst/>
+                            <a:defRPr/>
+                          </a:pPr>
+                          <a:r>
+                            <a:rPr lang="pt-PT" sz="1600" dirty="0">
+                              <a:solidFill>
+                                <a:srgbClr val="0070C0"/>
+                              </a:solidFill>
+                              <a:effectLst>
+                                <a:outerShdw blurRad="50800" dist="38100" dir="2700000" algn="tl" rotWithShape="0">
+                                  <a:prstClr val="black">
+                                    <a:alpha val="40000"/>
+                                  </a:prstClr>
+                                </a:outerShdw>
+                              </a:effectLst>
+                            </a:rPr>
+                            <a:t>Regressão logística</a:t>
+                          </a:r>
+                          <a:endParaRPr lang="en-US" sz="1600" dirty="0"/>
+                        </a:p>
+                      </a:txBody>
+                      <a:tcPr marL="148887" marR="148887" marT="74445" marB="74445">
+                        <a:lnL w="12700" cap="flat" cmpd="sng" algn="ctr">
+                          <a:solidFill>
+                            <a:schemeClr val="accent1"/>
+                          </a:solidFill>
+                          <a:prstDash val="solid"/>
+                          <a:round/>
+                          <a:headEnd type="none" w="med" len="med"/>
+                          <a:tailEnd type="none" w="med" len="med"/>
+                        </a:lnL>
+                        <a:lnR w="12700" cap="flat" cmpd="sng" algn="ctr">
+                          <a:solidFill>
+                            <a:schemeClr val="accent1"/>
+                          </a:solidFill>
+                          <a:prstDash val="solid"/>
+                          <a:round/>
+                          <a:headEnd type="none" w="med" len="med"/>
+                          <a:tailEnd type="none" w="med" len="med"/>
+                        </a:lnR>
+                        <a:lnT w="12700" cap="flat" cmpd="sng" algn="ctr">
+                          <a:solidFill>
+                            <a:schemeClr val="accent1"/>
+                          </a:solidFill>
+                          <a:prstDash val="solid"/>
+                          <a:round/>
+                          <a:headEnd type="none" w="med" len="med"/>
+                          <a:tailEnd type="none" w="med" len="med"/>
+                        </a:lnT>
+                        <a:lnB w="12700" cap="flat" cmpd="sng" algn="ctr">
+                          <a:solidFill>
+                            <a:schemeClr val="accent1"/>
+                          </a:solidFill>
+                          <a:prstDash val="solid"/>
+                          <a:round/>
+                          <a:headEnd type="none" w="med" len="med"/>
+                          <a:tailEnd type="none" w="med" len="med"/>
+                        </a:lnB>
+                        <a:lnTlToBr w="12700" cmpd="sng">
+                          <a:noFill/>
+                          <a:prstDash val="solid"/>
+                        </a:lnTlToBr>
+                        <a:lnBlToTr w="12700" cmpd="sng">
+                          <a:noFill/>
+                          <a:prstDash val="solid"/>
+                        </a:lnBlToTr>
+                      </a:tcPr>
+                    </a:tc>
+                    <a:tc>
+                      <a:txBody>
+                        <a:bodyPr/>
+                        <a:lstStyle/>
+                        <a:p>
+                          <a:pPr algn="ctr"/>
+                          <a:r>
+                            <a:rPr lang="pt-PT" sz="1700" dirty="0">
+                              <a:solidFill>
+                                <a:srgbClr val="0070C0"/>
+                              </a:solidFill>
+                              <a:effectLst>
+                                <a:outerShdw blurRad="50800" dist="38100" dir="2700000" algn="tl" rotWithShape="0">
+                                  <a:prstClr val="black">
+                                    <a:alpha val="40000"/>
+                                  </a:prstClr>
+                                </a:outerShdw>
+                              </a:effectLst>
+                            </a:rPr>
+                            <a:t> KNN</a:t>
+                          </a:r>
+                          <a:endParaRPr lang="en-US" sz="1700" dirty="0"/>
+                        </a:p>
+                      </a:txBody>
+                      <a:tcPr marL="148887" marR="148887" marT="74445" marB="74445">
+                        <a:lnL w="12700" cap="flat" cmpd="sng" algn="ctr">
+                          <a:solidFill>
+                            <a:schemeClr val="accent1"/>
+                          </a:solidFill>
+                          <a:prstDash val="solid"/>
+                          <a:round/>
+                          <a:headEnd type="none" w="med" len="med"/>
+                          <a:tailEnd type="none" w="med" len="med"/>
+                        </a:lnL>
+                        <a:lnR w="12700" cap="flat" cmpd="sng" algn="ctr">
+                          <a:solidFill>
+                            <a:schemeClr val="accent1"/>
+                          </a:solidFill>
+                          <a:prstDash val="solid"/>
+                          <a:round/>
+                          <a:headEnd type="none" w="med" len="med"/>
+                          <a:tailEnd type="none" w="med" len="med"/>
+                        </a:lnR>
+                        <a:lnT w="12700" cap="flat" cmpd="sng" algn="ctr">
+                          <a:solidFill>
+                            <a:schemeClr val="accent1"/>
+                          </a:solidFill>
+                          <a:prstDash val="solid"/>
+                          <a:round/>
+                          <a:headEnd type="none" w="med" len="med"/>
+                          <a:tailEnd type="none" w="med" len="med"/>
+                        </a:lnT>
+                        <a:lnB w="12700" cap="flat" cmpd="sng" algn="ctr">
+                          <a:solidFill>
+                            <a:schemeClr val="accent1"/>
+                          </a:solidFill>
+                          <a:prstDash val="solid"/>
+                          <a:round/>
+                          <a:headEnd type="none" w="med" len="med"/>
+                          <a:tailEnd type="none" w="med" len="med"/>
+                        </a:lnB>
+                        <a:lnTlToBr w="12700" cmpd="sng">
+                          <a:noFill/>
+                          <a:prstDash val="solid"/>
+                        </a:lnTlToBr>
+                        <a:lnBlToTr w="12700" cmpd="sng">
+                          <a:noFill/>
+                          <a:prstDash val="solid"/>
+                        </a:lnBlToTr>
+                      </a:tcPr>
+                    </a:tc>
+                    <a:extLst>
+                      <a:ext uri="{0D108BD9-81ED-4DB2-BD59-A6C34878D82A}">
+                        <a16:rowId xmlns:a16="http://schemas.microsoft.com/office/drawing/2014/main" val="1060528281"/>
+                      </a:ext>
+                    </a:extLst>
+                  </a:tr>
+                  <a:tr h="575903">
+                    <a:tc>
+                      <a:txBody>
+                        <a:bodyPr/>
+                        <a:lstStyle/>
+                        <a:p>
+                          <a:pPr marL="0" marR="0" lvl="0" indent="0" algn="ctr" defTabSz="914400" rtl="0" eaLnBrk="1" fontAlgn="auto" latinLnBrk="0" hangingPunct="1">
+                            <a:lnSpc>
+                              <a:spcPct val="100000"/>
+                            </a:lnSpc>
+                            <a:spcBef>
+                              <a:spcPts val="0"/>
+                            </a:spcBef>
+                            <a:spcAft>
+                              <a:spcPts val="0"/>
+                            </a:spcAft>
+                            <a:buClrTx/>
+                            <a:buSzTx/>
+                            <a:buFontTx/>
+                            <a:buNone/>
+                            <a:tabLst/>
+                            <a:defRPr/>
+                          </a:pPr>
+                          <a:r>
+                            <a:rPr lang="pt-PT" sz="1700" dirty="0">
+                              <a:solidFill>
+                                <a:srgbClr val="0070C0"/>
+                              </a:solidFill>
+                              <a:effectLst>
+                                <a:outerShdw blurRad="50800" dist="38100" dir="2700000" algn="tl" rotWithShape="0">
+                                  <a:prstClr val="black">
+                                    <a:alpha val="40000"/>
+                                  </a:prstClr>
+                                </a:outerShdw>
+                              </a:effectLst>
+                            </a:rPr>
+                            <a:t>Fórmula</a:t>
+                          </a:r>
+                          <a:endParaRPr lang="en-US" sz="1700" dirty="0"/>
+                        </a:p>
+                      </a:txBody>
+                      <a:tcPr marL="148887" marR="148887" marT="74445" marB="74445">
+                        <a:lnL w="12700" cap="flat" cmpd="sng" algn="ctr">
+                          <a:solidFill>
+                            <a:schemeClr val="accent1"/>
+                          </a:solidFill>
+                          <a:prstDash val="solid"/>
+                          <a:round/>
+                          <a:headEnd type="none" w="med" len="med"/>
+                          <a:tailEnd type="none" w="med" len="med"/>
+                        </a:lnL>
+                        <a:lnR w="12700" cap="flat" cmpd="sng" algn="ctr">
+                          <a:solidFill>
+                            <a:schemeClr val="accent1"/>
+                          </a:solidFill>
+                          <a:prstDash val="solid"/>
+                          <a:round/>
+                          <a:headEnd type="none" w="med" len="med"/>
+                          <a:tailEnd type="none" w="med" len="med"/>
+                        </a:lnR>
+                        <a:lnT w="12700" cap="flat" cmpd="sng" algn="ctr">
+                          <a:solidFill>
+                            <a:schemeClr val="accent1"/>
+                          </a:solidFill>
+                          <a:prstDash val="solid"/>
+                          <a:round/>
+                          <a:headEnd type="none" w="med" len="med"/>
+                          <a:tailEnd type="none" w="med" len="med"/>
+                        </a:lnT>
+                        <a:lnB w="12700" cap="flat" cmpd="sng" algn="ctr">
+                          <a:solidFill>
+                            <a:schemeClr val="accent1"/>
+                          </a:solidFill>
+                          <a:prstDash val="solid"/>
+                          <a:round/>
+                          <a:headEnd type="none" w="med" len="med"/>
+                          <a:tailEnd type="none" w="med" len="med"/>
+                        </a:lnB>
+                        <a:lnTlToBr w="12700" cmpd="sng">
+                          <a:noFill/>
+                          <a:prstDash val="solid"/>
+                        </a:lnTlToBr>
+                        <a:lnBlToTr w="12700" cmpd="sng">
+                          <a:noFill/>
+                          <a:prstDash val="solid"/>
+                        </a:lnBlToTr>
+                      </a:tcPr>
+                    </a:tc>
+                    <a:tc>
+                      <a:txBody>
+                        <a:bodyPr/>
+                        <a:lstStyle/>
+                        <a:p>
+                          <a:endParaRPr lang="en-US" sz="1600" dirty="0"/>
+                        </a:p>
+                      </a:txBody>
+                      <a:tcPr marL="148887" marR="148887" marT="74445" marB="74445">
+                        <a:lnL w="12700" cap="flat" cmpd="sng" algn="ctr">
+                          <a:solidFill>
+                            <a:schemeClr val="accent1"/>
+                          </a:solidFill>
+                          <a:prstDash val="solid"/>
+                          <a:round/>
+                          <a:headEnd type="none" w="med" len="med"/>
+                          <a:tailEnd type="none" w="med" len="med"/>
+                        </a:lnL>
+                        <a:lnR w="12700" cap="flat" cmpd="sng" algn="ctr">
+                          <a:solidFill>
+                            <a:schemeClr val="accent1"/>
+                          </a:solidFill>
+                          <a:prstDash val="solid"/>
+                          <a:round/>
+                          <a:headEnd type="none" w="med" len="med"/>
+                          <a:tailEnd type="none" w="med" len="med"/>
+                        </a:lnR>
+                        <a:lnT w="12700" cap="flat" cmpd="sng" algn="ctr">
+                          <a:solidFill>
+                            <a:schemeClr val="accent1"/>
+                          </a:solidFill>
+                          <a:prstDash val="solid"/>
+                          <a:round/>
+                          <a:headEnd type="none" w="med" len="med"/>
+                          <a:tailEnd type="none" w="med" len="med"/>
+                        </a:lnT>
+                        <a:lnB w="12700" cap="flat" cmpd="sng" algn="ctr">
+                          <a:solidFill>
+                            <a:schemeClr val="accent1"/>
+                          </a:solidFill>
+                          <a:prstDash val="solid"/>
+                          <a:round/>
+                          <a:headEnd type="none" w="med" len="med"/>
+                          <a:tailEnd type="none" w="med" len="med"/>
+                        </a:lnB>
+                        <a:lnTlToBr w="12700" cmpd="sng">
+                          <a:noFill/>
+                          <a:prstDash val="solid"/>
+                        </a:lnTlToBr>
+                        <a:lnBlToTr w="12700" cmpd="sng">
+                          <a:noFill/>
+                          <a:prstDash val="solid"/>
+                        </a:lnBlToTr>
+                      </a:tcPr>
+                    </a:tc>
+                    <a:tc>
+                      <a:txBody>
+                        <a:bodyPr/>
+                        <a:lstStyle/>
+                        <a:p>
+                          <a:pPr algn="ctr"/>
+                          <a:r>
+                            <a:rPr lang="pt-PT" sz="1600" dirty="0"/>
+                            <a:t>stab.glu^2</a:t>
+                          </a:r>
+                          <a:endParaRPr lang="en-US" sz="1600" dirty="0"/>
+                        </a:p>
+                      </a:txBody>
+                      <a:tcPr marL="148887" marR="148887" marT="74445" marB="74445">
+                        <a:lnL w="12700" cap="flat" cmpd="sng" algn="ctr">
+                          <a:solidFill>
+                            <a:schemeClr val="accent1"/>
+                          </a:solidFill>
+                          <a:prstDash val="solid"/>
+                          <a:round/>
+                          <a:headEnd type="none" w="med" len="med"/>
+                          <a:tailEnd type="none" w="med" len="med"/>
+                        </a:lnL>
+                        <a:lnR w="12700" cap="flat" cmpd="sng" algn="ctr">
+                          <a:solidFill>
+                            <a:schemeClr val="accent1"/>
+                          </a:solidFill>
+                          <a:prstDash val="solid"/>
+                          <a:round/>
+                          <a:headEnd type="none" w="med" len="med"/>
+                          <a:tailEnd type="none" w="med" len="med"/>
+                        </a:lnR>
+                        <a:lnT w="12700" cap="flat" cmpd="sng" algn="ctr">
+                          <a:solidFill>
+                            <a:schemeClr val="accent1"/>
+                          </a:solidFill>
+                          <a:prstDash val="solid"/>
+                          <a:round/>
+                          <a:headEnd type="none" w="med" len="med"/>
+                          <a:tailEnd type="none" w="med" len="med"/>
+                        </a:lnT>
+                        <a:lnB w="12700" cap="flat" cmpd="sng" algn="ctr">
+                          <a:solidFill>
+                            <a:schemeClr val="accent1"/>
+                          </a:solidFill>
+                          <a:prstDash val="solid"/>
+                          <a:round/>
+                          <a:headEnd type="none" w="med" len="med"/>
+                          <a:tailEnd type="none" w="med" len="med"/>
+                        </a:lnB>
+                        <a:lnTlToBr w="12700" cmpd="sng">
+                          <a:noFill/>
+                          <a:prstDash val="solid"/>
+                        </a:lnTlToBr>
+                        <a:lnBlToTr w="12700" cmpd="sng">
+                          <a:noFill/>
+                          <a:prstDash val="solid"/>
+                        </a:lnBlToTr>
+                      </a:tcPr>
+                    </a:tc>
+                    <a:tc>
+                      <a:txBody>
+                        <a:bodyPr/>
+                        <a:lstStyle/>
+                        <a:p>
+                          <a:pPr algn="ctr"/>
+                          <a:r>
+                            <a:rPr lang="pt-PT" sz="1600" dirty="0"/>
+                            <a:t>stab.glu + age + bp.1s</a:t>
+                          </a:r>
+                          <a:endParaRPr lang="en-US" sz="1600" dirty="0"/>
+                        </a:p>
+                      </a:txBody>
+                      <a:tcPr marL="148887" marR="148887" marT="74445" marB="74445">
+                        <a:lnL w="12700" cap="flat" cmpd="sng" algn="ctr">
+                          <a:solidFill>
+                            <a:schemeClr val="accent1"/>
+                          </a:solidFill>
+                          <a:prstDash val="solid"/>
+                          <a:round/>
+                          <a:headEnd type="none" w="med" len="med"/>
+                          <a:tailEnd type="none" w="med" len="med"/>
+                        </a:lnL>
+                        <a:lnR w="12700" cap="flat" cmpd="sng" algn="ctr">
+                          <a:solidFill>
+                            <a:schemeClr val="accent1"/>
+                          </a:solidFill>
+                          <a:prstDash val="solid"/>
+                          <a:round/>
+                          <a:headEnd type="none" w="med" len="med"/>
+                          <a:tailEnd type="none" w="med" len="med"/>
+                        </a:lnR>
+                        <a:lnT w="12700" cap="flat" cmpd="sng" algn="ctr">
+                          <a:solidFill>
+                            <a:schemeClr val="accent1"/>
+                          </a:solidFill>
+                          <a:prstDash val="solid"/>
+                          <a:round/>
+                          <a:headEnd type="none" w="med" len="med"/>
+                          <a:tailEnd type="none" w="med" len="med"/>
+                        </a:lnT>
+                        <a:lnB w="12700" cap="flat" cmpd="sng" algn="ctr">
+                          <a:solidFill>
+                            <a:schemeClr val="accent1"/>
+                          </a:solidFill>
+                          <a:prstDash val="solid"/>
+                          <a:round/>
+                          <a:headEnd type="none" w="med" len="med"/>
+                          <a:tailEnd type="none" w="med" len="med"/>
+                        </a:lnB>
+                        <a:lnTlToBr w="12700" cmpd="sng">
+                          <a:noFill/>
+                          <a:prstDash val="solid"/>
+                        </a:lnTlToBr>
+                        <a:lnBlToTr w="12700" cmpd="sng">
+                          <a:noFill/>
+                          <a:prstDash val="solid"/>
+                        </a:lnBlToTr>
+                      </a:tcPr>
+                    </a:tc>
+                    <a:extLst>
+                      <a:ext uri="{0D108BD9-81ED-4DB2-BD59-A6C34878D82A}">
+                        <a16:rowId xmlns:a16="http://schemas.microsoft.com/office/drawing/2014/main" val="2462183875"/>
+                      </a:ext>
+                    </a:extLst>
+                  </a:tr>
+                  <a:tr h="575903">
+                    <a:tc>
+                      <a:txBody>
+                        <a:bodyPr/>
+                        <a:lstStyle/>
+                        <a:p>
+                          <a:pPr marL="0" marR="0" lvl="0" indent="0" algn="ctr" defTabSz="914400" rtl="0" eaLnBrk="1" fontAlgn="auto" latinLnBrk="0" hangingPunct="1">
+                            <a:lnSpc>
+                              <a:spcPct val="100000"/>
+                            </a:lnSpc>
+                            <a:spcBef>
+                              <a:spcPts val="0"/>
+                            </a:spcBef>
+                            <a:spcAft>
+                              <a:spcPts val="0"/>
+                            </a:spcAft>
+                            <a:buClrTx/>
+                            <a:buSzTx/>
+                            <a:buFontTx/>
+                            <a:buNone/>
+                            <a:tabLst/>
+                            <a:defRPr/>
+                          </a:pPr>
+                          <a:r>
+                            <a:rPr kumimoji="0" lang="pt-PT" sz="1700" b="0" i="0" u="none" strike="noStrike" kern="1200" cap="none" spc="0" normalizeH="0" baseline="0" noProof="0" dirty="0">
+                              <a:ln>
+                                <a:noFill/>
+                              </a:ln>
+                              <a:solidFill>
+                                <a:srgbClr val="0070C0"/>
+                              </a:solidFill>
+                              <a:effectLst>
+                                <a:outerShdw blurRad="50800" dist="38100" dir="2700000" algn="tl" rotWithShape="0">
+                                  <a:prstClr val="black">
+                                    <a:alpha val="40000"/>
+                                  </a:prstClr>
+                                </a:outerShdw>
+                              </a:effectLst>
+                              <a:uLnTx/>
+                              <a:uFillTx/>
+                              <a:latin typeface="+mn-lt"/>
+                              <a:ea typeface="+mn-ea"/>
+                              <a:cs typeface="+mn-cs"/>
+                            </a:rPr>
+                            <a:t>Threshold</a:t>
+                          </a:r>
+                          <a:endParaRPr kumimoji="0" lang="en-US" sz="1700" b="0" i="0" u="none" strike="noStrike" kern="1200" cap="none" spc="0" normalizeH="0" baseline="0" noProof="0" dirty="0">
+                            <a:ln>
+                              <a:noFill/>
+                            </a:ln>
+                            <a:solidFill>
+                              <a:prstClr val="black"/>
+                            </a:solidFill>
+                            <a:effectLst/>
+                            <a:uLnTx/>
+                            <a:uFillTx/>
+                            <a:latin typeface="+mn-lt"/>
+                            <a:ea typeface="+mn-ea"/>
+                            <a:cs typeface="+mn-cs"/>
+                          </a:endParaRPr>
+                        </a:p>
+                      </a:txBody>
+                      <a:tcPr marL="148887" marR="148887" marT="74445" marB="74445">
+                        <a:lnL w="12700" cap="flat" cmpd="sng" algn="ctr">
+                          <a:solidFill>
+                            <a:schemeClr val="accent1"/>
+                          </a:solidFill>
+                          <a:prstDash val="solid"/>
+                          <a:round/>
+                          <a:headEnd type="none" w="med" len="med"/>
+                          <a:tailEnd type="none" w="med" len="med"/>
+                        </a:lnL>
+                        <a:lnR w="12700" cap="flat" cmpd="sng" algn="ctr">
+                          <a:solidFill>
+                            <a:schemeClr val="accent1"/>
+                          </a:solidFill>
+                          <a:prstDash val="solid"/>
+                          <a:round/>
+                          <a:headEnd type="none" w="med" len="med"/>
+                          <a:tailEnd type="none" w="med" len="med"/>
+                        </a:lnR>
+                        <a:lnT w="12700" cap="flat" cmpd="sng" algn="ctr">
+                          <a:solidFill>
+                            <a:schemeClr val="accent1"/>
+                          </a:solidFill>
+                          <a:prstDash val="solid"/>
+                          <a:round/>
+                          <a:headEnd type="none" w="med" len="med"/>
+                          <a:tailEnd type="none" w="med" len="med"/>
+                        </a:lnT>
+                        <a:lnB w="12700" cap="flat" cmpd="sng" algn="ctr">
+                          <a:solidFill>
+                            <a:schemeClr val="accent1"/>
+                          </a:solidFill>
+                          <a:prstDash val="solid"/>
+                          <a:round/>
+                          <a:headEnd type="none" w="med" len="med"/>
+                          <a:tailEnd type="none" w="med" len="med"/>
+                        </a:lnB>
+                        <a:lnTlToBr w="12700" cmpd="sng">
+                          <a:noFill/>
+                          <a:prstDash val="solid"/>
+                        </a:lnTlToBr>
+                        <a:lnBlToTr w="12700" cmpd="sng">
+                          <a:noFill/>
+                          <a:prstDash val="solid"/>
+                        </a:lnBlToTr>
+                      </a:tcPr>
+                    </a:tc>
+                    <a:tc>
+                      <a:txBody>
+                        <a:bodyPr/>
+                        <a:lstStyle/>
+                        <a:p>
+                          <a:pPr algn="ctr"/>
+                          <a:r>
+                            <a:rPr lang="pt-PT" sz="2900" dirty="0"/>
+                            <a:t> </a:t>
+                          </a:r>
+                          <a:r>
+                            <a:rPr lang="pt-PT" sz="1600" dirty="0"/>
+                            <a:t>&gt;7</a:t>
+                          </a:r>
+                          <a:endParaRPr lang="en-US" sz="2900" dirty="0"/>
+                        </a:p>
+                      </a:txBody>
+                      <a:tcPr marL="148887" marR="148887" marT="74445" marB="74445" anchor="ctr">
+                        <a:lnL w="12700" cap="flat" cmpd="sng" algn="ctr">
+                          <a:solidFill>
+                            <a:schemeClr val="accent1"/>
+                          </a:solidFill>
+                          <a:prstDash val="solid"/>
+                          <a:round/>
+                          <a:headEnd type="none" w="med" len="med"/>
+                          <a:tailEnd type="none" w="med" len="med"/>
+                        </a:lnL>
+                        <a:lnR w="12700" cap="flat" cmpd="sng" algn="ctr">
+                          <a:solidFill>
+                            <a:schemeClr val="accent1"/>
+                          </a:solidFill>
+                          <a:prstDash val="solid"/>
+                          <a:round/>
+                          <a:headEnd type="none" w="med" len="med"/>
+                          <a:tailEnd type="none" w="med" len="med"/>
+                        </a:lnR>
+                        <a:lnT w="12700" cap="flat" cmpd="sng" algn="ctr">
+                          <a:solidFill>
+                            <a:schemeClr val="accent1"/>
+                          </a:solidFill>
+                          <a:prstDash val="solid"/>
+                          <a:round/>
+                          <a:headEnd type="none" w="med" len="med"/>
+                          <a:tailEnd type="none" w="med" len="med"/>
+                        </a:lnT>
+                        <a:lnB w="12700" cap="flat" cmpd="sng" algn="ctr">
+                          <a:solidFill>
+                            <a:schemeClr val="accent1"/>
+                          </a:solidFill>
+                          <a:prstDash val="solid"/>
+                          <a:round/>
+                          <a:headEnd type="none" w="med" len="med"/>
+                          <a:tailEnd type="none" w="med" len="med"/>
+                        </a:lnB>
+                        <a:lnTlToBr w="12700" cmpd="sng">
+                          <a:noFill/>
+                          <a:prstDash val="solid"/>
+                        </a:lnTlToBr>
+                        <a:lnBlToTr w="12700" cmpd="sng">
+                          <a:noFill/>
+                          <a:prstDash val="solid"/>
+                        </a:lnBlToTr>
+                      </a:tcPr>
+                    </a:tc>
+                    <a:tc>
+                      <a:txBody>
+                        <a:bodyPr/>
+                        <a:lstStyle/>
+                        <a:p>
+                          <a:pPr algn="ctr"/>
+                          <a:r>
+                            <a:rPr lang="pt-PT" sz="1600" dirty="0"/>
+                            <a:t>0.39</a:t>
+                          </a:r>
+                          <a:endParaRPr lang="en-US" sz="1600" dirty="0"/>
+                        </a:p>
+                      </a:txBody>
+                      <a:tcPr marL="148887" marR="148887" marT="74445" marB="74445">
+                        <a:lnL w="12700" cap="flat" cmpd="sng" algn="ctr">
+                          <a:solidFill>
+                            <a:schemeClr val="accent1"/>
+                          </a:solidFill>
+                          <a:prstDash val="solid"/>
+                          <a:round/>
+                          <a:headEnd type="none" w="med" len="med"/>
+                          <a:tailEnd type="none" w="med" len="med"/>
+                        </a:lnL>
+                        <a:lnR w="12700" cap="flat" cmpd="sng" algn="ctr">
+                          <a:solidFill>
+                            <a:schemeClr val="accent1"/>
+                          </a:solidFill>
+                          <a:prstDash val="solid"/>
+                          <a:round/>
+                          <a:headEnd type="none" w="med" len="med"/>
+                          <a:tailEnd type="none" w="med" len="med"/>
+                        </a:lnR>
+                        <a:lnT w="12700" cap="flat" cmpd="sng" algn="ctr">
+                          <a:solidFill>
+                            <a:schemeClr val="accent1"/>
+                          </a:solidFill>
+                          <a:prstDash val="solid"/>
+                          <a:round/>
+                          <a:headEnd type="none" w="med" len="med"/>
+                          <a:tailEnd type="none" w="med" len="med"/>
+                        </a:lnT>
+                        <a:lnB w="12700" cap="flat" cmpd="sng" algn="ctr">
+                          <a:solidFill>
+                            <a:schemeClr val="accent1"/>
+                          </a:solidFill>
+                          <a:prstDash val="solid"/>
+                          <a:round/>
+                          <a:headEnd type="none" w="med" len="med"/>
+                          <a:tailEnd type="none" w="med" len="med"/>
+                        </a:lnB>
+                        <a:lnTlToBr w="12700" cmpd="sng">
+                          <a:noFill/>
+                          <a:prstDash val="solid"/>
+                        </a:lnTlToBr>
+                        <a:lnBlToTr w="12700" cmpd="sng">
+                          <a:noFill/>
+                          <a:prstDash val="solid"/>
+                        </a:lnBlToTr>
+                      </a:tcPr>
+                    </a:tc>
+                    <a:tc>
+                      <a:txBody>
+                        <a:bodyPr/>
+                        <a:lstStyle/>
+                        <a:p>
+                          <a:pPr algn="ctr"/>
+                          <a:r>
+                            <a:rPr lang="pt-PT" sz="1600" dirty="0"/>
+                            <a:t>K=10</a:t>
+                          </a:r>
+                          <a:endParaRPr lang="en-US" sz="1600" dirty="0"/>
+                        </a:p>
+                      </a:txBody>
+                      <a:tcPr marL="148887" marR="148887" marT="74445" marB="74445">
+                        <a:lnL w="12700" cap="flat" cmpd="sng" algn="ctr">
+                          <a:solidFill>
+                            <a:schemeClr val="accent1"/>
+                          </a:solidFill>
+                          <a:prstDash val="solid"/>
+                          <a:round/>
+                          <a:headEnd type="none" w="med" len="med"/>
+                          <a:tailEnd type="none" w="med" len="med"/>
+                        </a:lnL>
+                        <a:lnR w="12700" cap="flat" cmpd="sng" algn="ctr">
+                          <a:solidFill>
+                            <a:schemeClr val="accent1"/>
+                          </a:solidFill>
+                          <a:prstDash val="solid"/>
+                          <a:round/>
+                          <a:headEnd type="none" w="med" len="med"/>
+                          <a:tailEnd type="none" w="med" len="med"/>
+                        </a:lnR>
+                        <a:lnT w="12700" cap="flat" cmpd="sng" algn="ctr">
+                          <a:solidFill>
+                            <a:schemeClr val="accent1"/>
+                          </a:solidFill>
+                          <a:prstDash val="solid"/>
+                          <a:round/>
+                          <a:headEnd type="none" w="med" len="med"/>
+                          <a:tailEnd type="none" w="med" len="med"/>
+                        </a:lnT>
+                        <a:lnB w="12700" cap="flat" cmpd="sng" algn="ctr">
+                          <a:solidFill>
+                            <a:schemeClr val="accent1"/>
+                          </a:solidFill>
+                          <a:prstDash val="solid"/>
+                          <a:round/>
+                          <a:headEnd type="none" w="med" len="med"/>
+                          <a:tailEnd type="none" w="med" len="med"/>
+                        </a:lnB>
+                        <a:lnTlToBr w="12700" cmpd="sng">
+                          <a:noFill/>
+                          <a:prstDash val="solid"/>
+                        </a:lnTlToBr>
+                        <a:lnBlToTr w="12700" cmpd="sng">
+                          <a:noFill/>
+                          <a:prstDash val="solid"/>
+                        </a:lnBlToTr>
+                      </a:tcPr>
+                    </a:tc>
+                    <a:extLst>
+                      <a:ext uri="{0D108BD9-81ED-4DB2-BD59-A6C34878D82A}">
+                        <a16:rowId xmlns:a16="http://schemas.microsoft.com/office/drawing/2014/main" val="732742085"/>
+                      </a:ext>
+                    </a:extLst>
+                  </a:tr>
+                  <a:tr h="575903">
+                    <a:tc>
+                      <a:txBody>
+                        <a:bodyPr/>
+                        <a:lstStyle/>
+                        <a:p>
+                          <a:pPr marL="0" marR="0" lvl="0" indent="0" algn="ctr" defTabSz="914400" rtl="0" eaLnBrk="1" fontAlgn="auto" latinLnBrk="0" hangingPunct="1">
+                            <a:lnSpc>
+                              <a:spcPct val="100000"/>
+                            </a:lnSpc>
+                            <a:spcBef>
+                              <a:spcPts val="0"/>
+                            </a:spcBef>
+                            <a:spcAft>
+                              <a:spcPts val="0"/>
+                            </a:spcAft>
+                            <a:buClrTx/>
+                            <a:buSzTx/>
+                            <a:buFontTx/>
+                            <a:buNone/>
+                            <a:tabLst/>
+                            <a:defRPr/>
+                          </a:pPr>
+                          <a:r>
+                            <a:rPr kumimoji="0" lang="pt-PT" sz="1700" b="0" i="0" u="none" strike="noStrike" kern="1200" cap="none" spc="0" normalizeH="0" baseline="0" noProof="0" dirty="0">
+                              <a:ln>
+                                <a:noFill/>
+                              </a:ln>
+                              <a:solidFill>
+                                <a:srgbClr val="0070C0"/>
+                              </a:solidFill>
+                              <a:effectLst>
+                                <a:outerShdw blurRad="50800" dist="38100" dir="2700000" algn="tl" rotWithShape="0">
+                                  <a:prstClr val="black">
+                                    <a:alpha val="40000"/>
+                                  </a:prstClr>
+                                </a:outerShdw>
+                              </a:effectLst>
+                              <a:uLnTx/>
+                              <a:uFillTx/>
+                              <a:latin typeface="+mn-lt"/>
+                              <a:ea typeface="+mn-ea"/>
+                              <a:cs typeface="+mn-cs"/>
+                            </a:rPr>
+                            <a:t>Erro ponderado</a:t>
+                          </a:r>
+                          <a:endParaRPr kumimoji="0" lang="en-US" sz="1700" b="0" i="0" u="none" strike="noStrike" kern="1200" cap="none" spc="0" normalizeH="0" baseline="0" noProof="0" dirty="0">
+                            <a:ln>
+                              <a:noFill/>
+                            </a:ln>
+                            <a:solidFill>
+                              <a:prstClr val="black"/>
+                            </a:solidFill>
+                            <a:effectLst/>
+                            <a:uLnTx/>
+                            <a:uFillTx/>
+                            <a:latin typeface="+mn-lt"/>
+                            <a:ea typeface="+mn-ea"/>
+                            <a:cs typeface="+mn-cs"/>
+                          </a:endParaRPr>
+                        </a:p>
+                      </a:txBody>
+                      <a:tcPr marL="148887" marR="148887" marT="74445" marB="74445">
+                        <a:lnL w="12700" cap="flat" cmpd="sng" algn="ctr">
+                          <a:solidFill>
+                            <a:schemeClr val="accent1"/>
+                          </a:solidFill>
+                          <a:prstDash val="solid"/>
+                          <a:round/>
+                          <a:headEnd type="none" w="med" len="med"/>
+                          <a:tailEnd type="none" w="med" len="med"/>
+                        </a:lnL>
+                        <a:lnR w="12700" cap="flat" cmpd="sng" algn="ctr">
+                          <a:solidFill>
+                            <a:schemeClr val="accent1"/>
+                          </a:solidFill>
+                          <a:prstDash val="solid"/>
+                          <a:round/>
+                          <a:headEnd type="none" w="med" len="med"/>
+                          <a:tailEnd type="none" w="med" len="med"/>
+                        </a:lnR>
+                        <a:lnT w="12700" cap="flat" cmpd="sng" algn="ctr">
+                          <a:solidFill>
+                            <a:schemeClr val="accent1"/>
+                          </a:solidFill>
+                          <a:prstDash val="solid"/>
+                          <a:round/>
+                          <a:headEnd type="none" w="med" len="med"/>
+                          <a:tailEnd type="none" w="med" len="med"/>
+                        </a:lnT>
+                        <a:lnB w="12700" cap="flat" cmpd="sng" algn="ctr">
+                          <a:solidFill>
+                            <a:schemeClr val="accent1"/>
+                          </a:solidFill>
+                          <a:prstDash val="solid"/>
+                          <a:round/>
+                          <a:headEnd type="none" w="med" len="med"/>
+                          <a:tailEnd type="none" w="med" len="med"/>
+                        </a:lnB>
+                        <a:lnTlToBr w="12700" cmpd="sng">
+                          <a:noFill/>
+                          <a:prstDash val="solid"/>
+                        </a:lnTlToBr>
+                        <a:lnBlToTr w="12700" cmpd="sng">
+                          <a:noFill/>
+                          <a:prstDash val="solid"/>
+                        </a:lnBlToTr>
+                      </a:tcPr>
+                    </a:tc>
+                    <a:tc>
+                      <a:txBody>
+                        <a:bodyPr/>
+                        <a:lstStyle/>
+                        <a:p>
+                          <a14:m>
+                            <m:oMathPara xmlns:m="http://schemas.openxmlformats.org/officeDocument/2006/math">
+                              <m:oMathParaPr>
+                                <m:jc m:val="centerGroup"/>
+                              </m:oMathParaPr>
+                              <m:oMath xmlns:m="http://schemas.openxmlformats.org/officeDocument/2006/math">
+                                <m:sSup>
+                                  <m:sSupPr>
+                                    <m:ctrlPr>
+                                      <a:rPr lang="pt-PT" sz="1600" i="1" smtClean="0">
+                                        <a:latin typeface="Cambria Math" panose="02040503050406030204" pitchFamily="18" charset="0"/>
+                                      </a:rPr>
+                                    </m:ctrlPr>
+                                  </m:sSupPr>
+                                  <m:e>
+                                    <m:r>
+                                      <a:rPr lang="pt-PT" sz="1600" i="1" smtClean="0">
+                                        <a:latin typeface="Cambria Math" panose="02040503050406030204" pitchFamily="18" charset="0"/>
+                                      </a:rPr>
+                                      <m:t>𝑟</m:t>
+                                    </m:r>
+                                  </m:e>
+                                  <m:sup>
+                                    <m:r>
+                                      <a:rPr lang="pt-PT" sz="1600" i="1" smtClean="0">
+                                        <a:latin typeface="Cambria Math" panose="02040503050406030204" pitchFamily="18" charset="0"/>
+                                      </a:rPr>
+                                      <m:t>2</m:t>
+                                    </m:r>
+                                  </m:sup>
+                                </m:sSup>
+                                <m:r>
+                                  <a:rPr lang="pt-PT" sz="1600" b="0" i="1" smtClean="0">
+                                    <a:latin typeface="Cambria Math" panose="02040503050406030204" pitchFamily="18" charset="0"/>
+                                  </a:rPr>
+                                  <m:t>= </m:t>
+                                </m:r>
+                              </m:oMath>
+                            </m:oMathPara>
+                          </a14:m>
+                          <a:endParaRPr lang="en-US" sz="1600" dirty="0"/>
+                        </a:p>
+                      </a:txBody>
+                      <a:tcPr marL="148887" marR="148887" marT="74445" marB="74445">
+                        <a:lnL w="12700" cap="flat" cmpd="sng" algn="ctr">
+                          <a:solidFill>
+                            <a:schemeClr val="accent1"/>
+                          </a:solidFill>
+                          <a:prstDash val="solid"/>
+                          <a:round/>
+                          <a:headEnd type="none" w="med" len="med"/>
+                          <a:tailEnd type="none" w="med" len="med"/>
+                        </a:lnL>
+                        <a:lnR w="12700" cap="flat" cmpd="sng" algn="ctr">
+                          <a:solidFill>
+                            <a:schemeClr val="accent1"/>
+                          </a:solidFill>
+                          <a:prstDash val="solid"/>
+                          <a:round/>
+                          <a:headEnd type="none" w="med" len="med"/>
+                          <a:tailEnd type="none" w="med" len="med"/>
+                        </a:lnR>
+                        <a:lnT w="12700" cap="flat" cmpd="sng" algn="ctr">
+                          <a:solidFill>
+                            <a:schemeClr val="accent1"/>
+                          </a:solidFill>
+                          <a:prstDash val="solid"/>
+                          <a:round/>
+                          <a:headEnd type="none" w="med" len="med"/>
+                          <a:tailEnd type="none" w="med" len="med"/>
+                        </a:lnT>
+                        <a:lnB w="12700" cap="flat" cmpd="sng" algn="ctr">
+                          <a:solidFill>
+                            <a:schemeClr val="accent1"/>
+                          </a:solidFill>
+                          <a:prstDash val="solid"/>
+                          <a:round/>
+                          <a:headEnd type="none" w="med" len="med"/>
+                          <a:tailEnd type="none" w="med" len="med"/>
+                        </a:lnB>
+                        <a:lnTlToBr w="12700" cmpd="sng">
+                          <a:noFill/>
+                          <a:prstDash val="solid"/>
+                        </a:lnTlToBr>
+                        <a:lnBlToTr w="12700" cmpd="sng">
+                          <a:noFill/>
+                          <a:prstDash val="solid"/>
+                        </a:lnBlToTr>
+                      </a:tcPr>
+                    </a:tc>
+                    <a:tc>
+                      <a:txBody>
+                        <a:bodyPr/>
+                        <a:lstStyle/>
+                        <a:p>
+                          <a:pPr algn="ctr"/>
+                          <a:r>
+                            <a:rPr lang="pt-PT" sz="1600" b="1" dirty="0"/>
+                            <a:t>3.5714</a:t>
+                          </a:r>
+                          <a:endParaRPr lang="en-US" sz="1600" b="1" dirty="0"/>
+                        </a:p>
+                      </a:txBody>
+                      <a:tcPr marL="148887" marR="148887" marT="74445" marB="74445">
+                        <a:lnL w="12700" cap="flat" cmpd="sng" algn="ctr">
+                          <a:solidFill>
+                            <a:schemeClr val="accent1"/>
+                          </a:solidFill>
+                          <a:prstDash val="solid"/>
+                          <a:round/>
+                          <a:headEnd type="none" w="med" len="med"/>
+                          <a:tailEnd type="none" w="med" len="med"/>
+                        </a:lnL>
+                        <a:lnR w="12700" cap="flat" cmpd="sng" algn="ctr">
+                          <a:solidFill>
+                            <a:schemeClr val="accent1"/>
+                          </a:solidFill>
+                          <a:prstDash val="solid"/>
+                          <a:round/>
+                          <a:headEnd type="none" w="med" len="med"/>
+                          <a:tailEnd type="none" w="med" len="med"/>
+                        </a:lnR>
+                        <a:lnT w="12700" cap="flat" cmpd="sng" algn="ctr">
+                          <a:solidFill>
+                            <a:schemeClr val="accent1"/>
+                          </a:solidFill>
+                          <a:prstDash val="solid"/>
+                          <a:round/>
+                          <a:headEnd type="none" w="med" len="med"/>
+                          <a:tailEnd type="none" w="med" len="med"/>
+                        </a:lnT>
+                        <a:lnB w="12700" cap="flat" cmpd="sng" algn="ctr">
+                          <a:solidFill>
+                            <a:schemeClr val="accent1"/>
+                          </a:solidFill>
+                          <a:prstDash val="solid"/>
+                          <a:round/>
+                          <a:headEnd type="none" w="med" len="med"/>
+                          <a:tailEnd type="none" w="med" len="med"/>
+                        </a:lnB>
+                        <a:lnTlToBr w="12700" cmpd="sng">
+                          <a:noFill/>
+                          <a:prstDash val="solid"/>
+                        </a:lnTlToBr>
+                        <a:lnBlToTr w="12700" cmpd="sng">
+                          <a:noFill/>
+                          <a:prstDash val="solid"/>
+                        </a:lnBlToTr>
+                      </a:tcPr>
+                    </a:tc>
+                    <a:tc>
+                      <a:txBody>
+                        <a:bodyPr/>
+                        <a:lstStyle/>
+                        <a:p>
+                          <a:pPr algn="ctr"/>
+                          <a:r>
+                            <a:rPr lang="pt-PT" sz="1600" dirty="0"/>
+                            <a:t>3.5320</a:t>
+                          </a:r>
+                          <a:endParaRPr lang="en-US" sz="1600" dirty="0"/>
+                        </a:p>
+                      </a:txBody>
+                      <a:tcPr marL="148887" marR="148887" marT="74445" marB="74445">
+                        <a:lnL w="12700" cap="flat" cmpd="sng" algn="ctr">
+                          <a:solidFill>
+                            <a:schemeClr val="accent1"/>
+                          </a:solidFill>
+                          <a:prstDash val="solid"/>
+                          <a:round/>
+                          <a:headEnd type="none" w="med" len="med"/>
+                          <a:tailEnd type="none" w="med" len="med"/>
+                        </a:lnL>
+                        <a:lnR w="12700" cap="flat" cmpd="sng" algn="ctr">
+                          <a:solidFill>
+                            <a:schemeClr val="accent1"/>
+                          </a:solidFill>
+                          <a:prstDash val="solid"/>
+                          <a:round/>
+                          <a:headEnd type="none" w="med" len="med"/>
+                          <a:tailEnd type="none" w="med" len="med"/>
+                        </a:lnR>
+                        <a:lnT w="12700" cap="flat" cmpd="sng" algn="ctr">
+                          <a:solidFill>
+                            <a:schemeClr val="accent1"/>
+                          </a:solidFill>
+                          <a:prstDash val="solid"/>
+                          <a:round/>
+                          <a:headEnd type="none" w="med" len="med"/>
+                          <a:tailEnd type="none" w="med" len="med"/>
+                        </a:lnT>
+                        <a:lnB w="12700" cap="flat" cmpd="sng" algn="ctr">
+                          <a:solidFill>
+                            <a:schemeClr val="accent1"/>
+                          </a:solidFill>
+                          <a:prstDash val="solid"/>
+                          <a:round/>
+                          <a:headEnd type="none" w="med" len="med"/>
+                          <a:tailEnd type="none" w="med" len="med"/>
+                        </a:lnB>
+                        <a:lnTlToBr w="12700" cmpd="sng">
+                          <a:noFill/>
+                          <a:prstDash val="solid"/>
+                        </a:lnTlToBr>
+                        <a:lnBlToTr w="12700" cmpd="sng">
+                          <a:noFill/>
+                          <a:prstDash val="solid"/>
+                        </a:lnBlToTr>
+                      </a:tcPr>
+                    </a:tc>
+                    <a:extLst>
+                      <a:ext uri="{0D108BD9-81ED-4DB2-BD59-A6C34878D82A}">
+                        <a16:rowId xmlns:a16="http://schemas.microsoft.com/office/drawing/2014/main" val="4116852139"/>
+                      </a:ext>
+                    </a:extLst>
+                  </a:tr>
+                </a:tbl>
+              </a:graphicData>
+            </a:graphic>
+          </p:graphicFrame>
+        </mc:Choice>
+        <mc:Fallback>
+          <p:graphicFrame>
+            <p:nvGraphicFramePr>
+              <p:cNvPr id="14" name="Table 13">
                 <a:extLst>
-                  <a:ext uri="{0D108BD9-81ED-4DB2-BD59-A6C34878D82A}">
-                    <a16:rowId xmlns:a16="http://schemas.microsoft.com/office/drawing/2014/main" val="2462183875"/>
+                  <a:ext uri="{FF2B5EF4-FFF2-40B4-BE49-F238E27FC236}">
+                    <a16:creationId xmlns:a16="http://schemas.microsoft.com/office/drawing/2014/main" id="{DCEE190F-81DC-4AEB-9C40-C23098F2CD40}"/>
                   </a:ext>
                 </a:extLst>
-              </a:tr>
-              <a:tr h="575903">
-                <a:tc>
-                  <a:txBody>
-                    <a:bodyPr/>
-                    <a:lstStyle/>
-                    <a:p>
-                      <a:pPr marL="0" marR="0" lvl="0" indent="0" algn="ctr" defTabSz="914400" rtl="0" eaLnBrk="1" fontAlgn="auto" latinLnBrk="0" hangingPunct="1">
-                        <a:lnSpc>
-                          <a:spcPct val="100000"/>
-                        </a:lnSpc>
-                        <a:spcBef>
-                          <a:spcPts val="0"/>
-                        </a:spcBef>
-                        <a:spcAft>
-                          <a:spcPts val="0"/>
-                        </a:spcAft>
-                        <a:buClrTx/>
-                        <a:buSzTx/>
-                        <a:buFontTx/>
-                        <a:buNone/>
-                        <a:tabLst/>
-                        <a:defRPr/>
-                      </a:pPr>
-                      <a:r>
-                        <a:rPr kumimoji="0" lang="pt-PT" sz="1700" b="0" i="0" u="none" strike="noStrike" kern="1200" cap="none" spc="0" normalizeH="0" baseline="0" noProof="0" dirty="0">
-                          <a:ln>
-                            <a:noFill/>
-                          </a:ln>
+              </p:cNvPr>
+              <p:cNvGraphicFramePr>
+                <a:graphicFrameLocks noGrp="1"/>
+              </p:cNvGraphicFramePr>
+              <p:nvPr>
+                <p:extLst>
+                  <p:ext uri="{D42A27DB-BD31-4B8C-83A1-F6EECF244321}">
+                    <p14:modId xmlns:p14="http://schemas.microsoft.com/office/powerpoint/2010/main" val="1945203097"/>
+                  </p:ext>
+                </p:extLst>
+              </p:nvPr>
+            </p:nvGraphicFramePr>
+            <p:xfrm>
+              <a:off x="448964" y="1808225"/>
+              <a:ext cx="8246072" cy="2379226"/>
+            </p:xfrm>
+            <a:graphic>
+              <a:graphicData uri="http://schemas.openxmlformats.org/drawingml/2006/table">
+                <a:tbl>
+                  <a:tblPr firstRow="1" bandRow="1">
+                    <a:tableStyleId>{3B4B98B0-60AC-42C2-AFA5-B58CD77FA1E5}</a:tableStyleId>
+                  </a:tblPr>
+                  <a:tblGrid>
+                    <a:gridCol w="2061518">
+                      <a:extLst>
+                        <a:ext uri="{9D8B030D-6E8A-4147-A177-3AD203B41FA5}">
+                          <a16:colId xmlns:a16="http://schemas.microsoft.com/office/drawing/2014/main" val="350918994"/>
+                        </a:ext>
+                      </a:extLst>
+                    </a:gridCol>
+                    <a:gridCol w="2061518">
+                      <a:extLst>
+                        <a:ext uri="{9D8B030D-6E8A-4147-A177-3AD203B41FA5}">
+                          <a16:colId xmlns:a16="http://schemas.microsoft.com/office/drawing/2014/main" val="554453022"/>
+                        </a:ext>
+                      </a:extLst>
+                    </a:gridCol>
+                    <a:gridCol w="2061518">
+                      <a:extLst>
+                        <a:ext uri="{9D8B030D-6E8A-4147-A177-3AD203B41FA5}">
+                          <a16:colId xmlns:a16="http://schemas.microsoft.com/office/drawing/2014/main" val="4062502196"/>
+                        </a:ext>
+                      </a:extLst>
+                    </a:gridCol>
+                    <a:gridCol w="2061518">
+                      <a:extLst>
+                        <a:ext uri="{9D8B030D-6E8A-4147-A177-3AD203B41FA5}">
+                          <a16:colId xmlns:a16="http://schemas.microsoft.com/office/drawing/2014/main" val="2248031875"/>
+                        </a:ext>
+                      </a:extLst>
+                    </a:gridCol>
+                  </a:tblGrid>
+                  <a:tr h="575903">
+                    <a:tc>
+                      <a:txBody>
+                        <a:bodyPr/>
+                        <a:lstStyle/>
+                        <a:p>
+                          <a:pPr algn="ctr"/>
+                          <a:r>
+                            <a:rPr lang="pt-PT" sz="1700" dirty="0">
+                              <a:solidFill>
+                                <a:srgbClr val="0070C0"/>
+                              </a:solidFill>
+                              <a:effectLst>
+                                <a:outerShdw blurRad="50800" dist="38100" dir="2700000" algn="tl" rotWithShape="0">
+                                  <a:prstClr val="black">
+                                    <a:alpha val="40000"/>
+                                  </a:prstClr>
+                                </a:outerShdw>
+                              </a:effectLst>
+                            </a:rPr>
+                            <a:t>Modelo</a:t>
+                          </a:r>
+                          <a:endParaRPr lang="en-US" sz="1700" dirty="0"/>
+                        </a:p>
+                      </a:txBody>
+                      <a:tcPr marL="148887" marR="148887" marT="74445" marB="74445">
+                        <a:lnL w="12700" cap="flat" cmpd="sng" algn="ctr">
                           <a:solidFill>
-                            <a:srgbClr val="0070C0"/>
+                            <a:schemeClr val="accent1"/>
                           </a:solidFill>
-                          <a:effectLst>
-                            <a:outerShdw blurRad="50800" dist="38100" dir="2700000" algn="tl" rotWithShape="0">
-                              <a:prstClr val="black">
-                                <a:alpha val="40000"/>
-                              </a:prstClr>
-                            </a:outerShdw>
-                          </a:effectLst>
-                          <a:uLnTx/>
-                          <a:uFillTx/>
-                          <a:latin typeface="+mn-lt"/>
-                          <a:ea typeface="+mn-ea"/>
-                          <a:cs typeface="+mn-cs"/>
-                        </a:rPr>
-                        <a:t>Threshold</a:t>
-                      </a:r>
-                      <a:endParaRPr kumimoji="0" lang="en-US" sz="1700" b="0" i="0" u="none" strike="noStrike" kern="1200" cap="none" spc="0" normalizeH="0" baseline="0" noProof="0" dirty="0">
-                        <a:ln>
+                          <a:prstDash val="solid"/>
+                          <a:round/>
+                          <a:headEnd type="none" w="med" len="med"/>
+                          <a:tailEnd type="none" w="med" len="med"/>
+                        </a:lnL>
+                        <a:lnR w="12700" cap="flat" cmpd="sng" algn="ctr">
+                          <a:solidFill>
+                            <a:schemeClr val="accent1"/>
+                          </a:solidFill>
+                          <a:prstDash val="solid"/>
+                          <a:round/>
+                          <a:headEnd type="none" w="med" len="med"/>
+                          <a:tailEnd type="none" w="med" len="med"/>
+                        </a:lnR>
+                        <a:lnT w="12700" cap="flat" cmpd="sng" algn="ctr">
+                          <a:solidFill>
+                            <a:schemeClr val="accent1"/>
+                          </a:solidFill>
+                          <a:prstDash val="solid"/>
+                          <a:round/>
+                          <a:headEnd type="none" w="med" len="med"/>
+                          <a:tailEnd type="none" w="med" len="med"/>
+                        </a:lnT>
+                        <a:lnB w="12700" cap="flat" cmpd="sng" algn="ctr">
+                          <a:solidFill>
+                            <a:schemeClr val="accent1"/>
+                          </a:solidFill>
+                          <a:prstDash val="solid"/>
+                          <a:round/>
+                          <a:headEnd type="none" w="med" len="med"/>
+                          <a:tailEnd type="none" w="med" len="med"/>
+                        </a:lnB>
+                        <a:lnTlToBr w="12700" cmpd="sng">
                           <a:noFill/>
-                        </a:ln>
-                        <a:solidFill>
-                          <a:prstClr val="black"/>
-                        </a:solidFill>
-                        <a:effectLst/>
-                        <a:uLnTx/>
-                        <a:uFillTx/>
-                        <a:latin typeface="+mn-lt"/>
-                        <a:ea typeface="+mn-ea"/>
-                        <a:cs typeface="+mn-cs"/>
-                      </a:endParaRPr>
-                    </a:p>
-                  </a:txBody>
-                  <a:tcPr marL="148887" marR="148887" marT="74445" marB="74445">
-                    <a:lnL w="12700" cap="flat" cmpd="sng" algn="ctr">
-                      <a:solidFill>
-                        <a:schemeClr val="accent1"/>
-                      </a:solidFill>
-                      <a:prstDash val="solid"/>
-                      <a:round/>
-                      <a:headEnd type="none" w="med" len="med"/>
-                      <a:tailEnd type="none" w="med" len="med"/>
-                    </a:lnL>
-                    <a:lnR w="12700" cap="flat" cmpd="sng" algn="ctr">
-                      <a:solidFill>
-                        <a:schemeClr val="accent1"/>
-                      </a:solidFill>
-                      <a:prstDash val="solid"/>
-                      <a:round/>
-                      <a:headEnd type="none" w="med" len="med"/>
-                      <a:tailEnd type="none" w="med" len="med"/>
-                    </a:lnR>
-                    <a:lnT w="12700" cap="flat" cmpd="sng" algn="ctr">
-                      <a:solidFill>
-                        <a:schemeClr val="accent1"/>
-                      </a:solidFill>
-                      <a:prstDash val="solid"/>
-                      <a:round/>
-                      <a:headEnd type="none" w="med" len="med"/>
-                      <a:tailEnd type="none" w="med" len="med"/>
-                    </a:lnT>
-                    <a:lnB w="12700" cap="flat" cmpd="sng" algn="ctr">
-                      <a:solidFill>
-                        <a:schemeClr val="accent1"/>
-                      </a:solidFill>
-                      <a:prstDash val="solid"/>
-                      <a:round/>
-                      <a:headEnd type="none" w="med" len="med"/>
-                      <a:tailEnd type="none" w="med" len="med"/>
-                    </a:lnB>
-                    <a:lnTlToBr w="12700" cmpd="sng">
-                      <a:noFill/>
-                      <a:prstDash val="solid"/>
-                    </a:lnTlToBr>
-                    <a:lnBlToTr w="12700" cmpd="sng">
-                      <a:noFill/>
-                      <a:prstDash val="solid"/>
-                    </a:lnBlToTr>
-                  </a:tcPr>
-                </a:tc>
-                <a:tc>
-                  <a:txBody>
-                    <a:bodyPr/>
-                    <a:lstStyle/>
-                    <a:p>
-                      <a:endParaRPr lang="en-US" sz="2900" dirty="0"/>
-                    </a:p>
-                  </a:txBody>
-                  <a:tcPr marL="148887" marR="148887" marT="74445" marB="74445">
-                    <a:lnL w="12700" cap="flat" cmpd="sng" algn="ctr">
-                      <a:solidFill>
-                        <a:schemeClr val="accent1"/>
-                      </a:solidFill>
-                      <a:prstDash val="solid"/>
-                      <a:round/>
-                      <a:headEnd type="none" w="med" len="med"/>
-                      <a:tailEnd type="none" w="med" len="med"/>
-                    </a:lnL>
-                    <a:lnR w="12700" cap="flat" cmpd="sng" algn="ctr">
-                      <a:solidFill>
-                        <a:schemeClr val="accent1"/>
-                      </a:solidFill>
-                      <a:prstDash val="solid"/>
-                      <a:round/>
-                      <a:headEnd type="none" w="med" len="med"/>
-                      <a:tailEnd type="none" w="med" len="med"/>
-                    </a:lnR>
-                    <a:lnT w="12700" cap="flat" cmpd="sng" algn="ctr">
-                      <a:solidFill>
-                        <a:schemeClr val="accent1"/>
-                      </a:solidFill>
-                      <a:prstDash val="solid"/>
-                      <a:round/>
-                      <a:headEnd type="none" w="med" len="med"/>
-                      <a:tailEnd type="none" w="med" len="med"/>
-                    </a:lnT>
-                    <a:lnB w="12700" cap="flat" cmpd="sng" algn="ctr">
-                      <a:solidFill>
-                        <a:schemeClr val="accent1"/>
-                      </a:solidFill>
-                      <a:prstDash val="solid"/>
-                      <a:round/>
-                      <a:headEnd type="none" w="med" len="med"/>
-                      <a:tailEnd type="none" w="med" len="med"/>
-                    </a:lnB>
-                    <a:lnTlToBr w="12700" cmpd="sng">
-                      <a:noFill/>
-                      <a:prstDash val="solid"/>
-                    </a:lnTlToBr>
-                    <a:lnBlToTr w="12700" cmpd="sng">
-                      <a:noFill/>
-                      <a:prstDash val="solid"/>
-                    </a:lnBlToTr>
-                  </a:tcPr>
-                </a:tc>
-                <a:tc>
-                  <a:txBody>
-                    <a:bodyPr/>
-                    <a:lstStyle/>
-                    <a:p>
-                      <a:pPr algn="ctr"/>
-                      <a:r>
-                        <a:rPr lang="pt-PT" sz="1600" dirty="0"/>
-                        <a:t>0.39</a:t>
-                      </a:r>
-                      <a:endParaRPr lang="en-US" sz="1600" dirty="0"/>
-                    </a:p>
-                  </a:txBody>
-                  <a:tcPr marL="148887" marR="148887" marT="74445" marB="74445">
-                    <a:lnL w="12700" cap="flat" cmpd="sng" algn="ctr">
-                      <a:solidFill>
-                        <a:schemeClr val="accent1"/>
-                      </a:solidFill>
-                      <a:prstDash val="solid"/>
-                      <a:round/>
-                      <a:headEnd type="none" w="med" len="med"/>
-                      <a:tailEnd type="none" w="med" len="med"/>
-                    </a:lnL>
-                    <a:lnR w="12700" cap="flat" cmpd="sng" algn="ctr">
-                      <a:solidFill>
-                        <a:schemeClr val="accent1"/>
-                      </a:solidFill>
-                      <a:prstDash val="solid"/>
-                      <a:round/>
-                      <a:headEnd type="none" w="med" len="med"/>
-                      <a:tailEnd type="none" w="med" len="med"/>
-                    </a:lnR>
-                    <a:lnT w="12700" cap="flat" cmpd="sng" algn="ctr">
-                      <a:solidFill>
-                        <a:schemeClr val="accent1"/>
-                      </a:solidFill>
-                      <a:prstDash val="solid"/>
-                      <a:round/>
-                      <a:headEnd type="none" w="med" len="med"/>
-                      <a:tailEnd type="none" w="med" len="med"/>
-                    </a:lnT>
-                    <a:lnB w="12700" cap="flat" cmpd="sng" algn="ctr">
-                      <a:solidFill>
-                        <a:schemeClr val="accent1"/>
-                      </a:solidFill>
-                      <a:prstDash val="solid"/>
-                      <a:round/>
-                      <a:headEnd type="none" w="med" len="med"/>
-                      <a:tailEnd type="none" w="med" len="med"/>
-                    </a:lnB>
-                    <a:lnTlToBr w="12700" cmpd="sng">
-                      <a:noFill/>
-                      <a:prstDash val="solid"/>
-                    </a:lnTlToBr>
-                    <a:lnBlToTr w="12700" cmpd="sng">
-                      <a:noFill/>
-                      <a:prstDash val="solid"/>
-                    </a:lnBlToTr>
-                  </a:tcPr>
-                </a:tc>
-                <a:tc>
-                  <a:txBody>
-                    <a:bodyPr/>
-                    <a:lstStyle/>
-                    <a:p>
-                      <a:pPr algn="ctr"/>
-                      <a:r>
-                        <a:rPr lang="pt-PT" sz="1600" dirty="0"/>
-                        <a:t>K=10</a:t>
-                      </a:r>
-                      <a:endParaRPr lang="en-US" sz="1600" dirty="0"/>
-                    </a:p>
-                  </a:txBody>
-                  <a:tcPr marL="148887" marR="148887" marT="74445" marB="74445">
-                    <a:lnL w="12700" cap="flat" cmpd="sng" algn="ctr">
-                      <a:solidFill>
-                        <a:schemeClr val="accent1"/>
-                      </a:solidFill>
-                      <a:prstDash val="solid"/>
-                      <a:round/>
-                      <a:headEnd type="none" w="med" len="med"/>
-                      <a:tailEnd type="none" w="med" len="med"/>
-                    </a:lnL>
-                    <a:lnR w="12700" cap="flat" cmpd="sng" algn="ctr">
-                      <a:solidFill>
-                        <a:schemeClr val="accent1"/>
-                      </a:solidFill>
-                      <a:prstDash val="solid"/>
-                      <a:round/>
-                      <a:headEnd type="none" w="med" len="med"/>
-                      <a:tailEnd type="none" w="med" len="med"/>
-                    </a:lnR>
-                    <a:lnT w="12700" cap="flat" cmpd="sng" algn="ctr">
-                      <a:solidFill>
-                        <a:schemeClr val="accent1"/>
-                      </a:solidFill>
-                      <a:prstDash val="solid"/>
-                      <a:round/>
-                      <a:headEnd type="none" w="med" len="med"/>
-                      <a:tailEnd type="none" w="med" len="med"/>
-                    </a:lnT>
-                    <a:lnB w="12700" cap="flat" cmpd="sng" algn="ctr">
-                      <a:solidFill>
-                        <a:schemeClr val="accent1"/>
-                      </a:solidFill>
-                      <a:prstDash val="solid"/>
-                      <a:round/>
-                      <a:headEnd type="none" w="med" len="med"/>
-                      <a:tailEnd type="none" w="med" len="med"/>
-                    </a:lnB>
-                    <a:lnTlToBr w="12700" cmpd="sng">
-                      <a:noFill/>
-                      <a:prstDash val="solid"/>
-                    </a:lnTlToBr>
-                    <a:lnBlToTr w="12700" cmpd="sng">
-                      <a:noFill/>
-                      <a:prstDash val="solid"/>
-                    </a:lnBlToTr>
-                  </a:tcPr>
-                </a:tc>
-                <a:extLst>
-                  <a:ext uri="{0D108BD9-81ED-4DB2-BD59-A6C34878D82A}">
-                    <a16:rowId xmlns:a16="http://schemas.microsoft.com/office/drawing/2014/main" val="732742085"/>
-                  </a:ext>
-                </a:extLst>
-              </a:tr>
-              <a:tr h="575903">
-                <a:tc>
-                  <a:txBody>
-                    <a:bodyPr/>
-                    <a:lstStyle/>
-                    <a:p>
-                      <a:pPr marL="0" marR="0" lvl="0" indent="0" algn="ctr" defTabSz="914400" rtl="0" eaLnBrk="1" fontAlgn="auto" latinLnBrk="0" hangingPunct="1">
-                        <a:lnSpc>
-                          <a:spcPct val="100000"/>
-                        </a:lnSpc>
-                        <a:spcBef>
-                          <a:spcPts val="0"/>
-                        </a:spcBef>
-                        <a:spcAft>
-                          <a:spcPts val="0"/>
-                        </a:spcAft>
-                        <a:buClrTx/>
-                        <a:buSzTx/>
-                        <a:buFontTx/>
-                        <a:buNone/>
-                        <a:tabLst/>
-                        <a:defRPr/>
-                      </a:pPr>
-                      <a:r>
-                        <a:rPr kumimoji="0" lang="pt-PT" sz="1700" b="0" i="0" u="none" strike="noStrike" kern="1200" cap="none" spc="0" normalizeH="0" baseline="0" noProof="0" dirty="0">
-                          <a:ln>
-                            <a:noFill/>
-                          </a:ln>
+                          <a:prstDash val="solid"/>
+                        </a:lnTlToBr>
+                        <a:lnBlToTr w="12700" cmpd="sng">
+                          <a:noFill/>
+                          <a:prstDash val="solid"/>
+                        </a:lnBlToTr>
+                      </a:tcPr>
+                    </a:tc>
+                    <a:tc>
+                      <a:txBody>
+                        <a:bodyPr/>
+                        <a:lstStyle/>
+                        <a:p>
+                          <a:pPr marL="0" marR="0" lvl="0" indent="0" algn="l" defTabSz="914400" rtl="0" eaLnBrk="1" fontAlgn="auto" latinLnBrk="0" hangingPunct="1">
+                            <a:lnSpc>
+                              <a:spcPct val="100000"/>
+                            </a:lnSpc>
+                            <a:spcBef>
+                              <a:spcPts val="0"/>
+                            </a:spcBef>
+                            <a:spcAft>
+                              <a:spcPts val="0"/>
+                            </a:spcAft>
+                            <a:buClrTx/>
+                            <a:buSzTx/>
+                            <a:buFontTx/>
+                            <a:buNone/>
+                            <a:tabLst/>
+                            <a:defRPr/>
+                          </a:pPr>
+                          <a:r>
+                            <a:rPr lang="pt-PT" sz="1700" dirty="0">
+                              <a:solidFill>
+                                <a:srgbClr val="0070C0"/>
+                              </a:solidFill>
+                              <a:effectLst>
+                                <a:outerShdw blurRad="50800" dist="38100" dir="2700000" algn="tl" rotWithShape="0">
+                                  <a:prstClr val="black">
+                                    <a:alpha val="40000"/>
+                                  </a:prstClr>
+                                </a:outerShdw>
+                              </a:effectLst>
+                            </a:rPr>
+                            <a:t>Regressão linear</a:t>
+                          </a:r>
+                          <a:endParaRPr lang="en-US" sz="1700" dirty="0"/>
+                        </a:p>
+                      </a:txBody>
+                      <a:tcPr marL="148887" marR="148887" marT="74445" marB="74445">
+                        <a:lnL w="12700" cap="flat" cmpd="sng" algn="ctr">
                           <a:solidFill>
-                            <a:srgbClr val="0070C0"/>
+                            <a:schemeClr val="accent1"/>
                           </a:solidFill>
-                          <a:effectLst>
-                            <a:outerShdw blurRad="50800" dist="38100" dir="2700000" algn="tl" rotWithShape="0">
-                              <a:prstClr val="black">
-                                <a:alpha val="40000"/>
-                              </a:prstClr>
-                            </a:outerShdw>
-                          </a:effectLst>
-                          <a:uLnTx/>
-                          <a:uFillTx/>
-                          <a:latin typeface="+mn-lt"/>
-                          <a:ea typeface="+mn-ea"/>
-                          <a:cs typeface="+mn-cs"/>
-                        </a:rPr>
-                        <a:t>Erro ponderado</a:t>
-                      </a:r>
-                      <a:endParaRPr kumimoji="0" lang="en-US" sz="1700" b="0" i="0" u="none" strike="noStrike" kern="1200" cap="none" spc="0" normalizeH="0" baseline="0" noProof="0" dirty="0">
-                        <a:ln>
+                          <a:prstDash val="solid"/>
+                          <a:round/>
+                          <a:headEnd type="none" w="med" len="med"/>
+                          <a:tailEnd type="none" w="med" len="med"/>
+                        </a:lnL>
+                        <a:lnR w="12700" cap="flat" cmpd="sng" algn="ctr">
+                          <a:solidFill>
+                            <a:schemeClr val="accent1"/>
+                          </a:solidFill>
+                          <a:prstDash val="solid"/>
+                          <a:round/>
+                          <a:headEnd type="none" w="med" len="med"/>
+                          <a:tailEnd type="none" w="med" len="med"/>
+                        </a:lnR>
+                        <a:lnT w="12700" cap="flat" cmpd="sng" algn="ctr">
+                          <a:solidFill>
+                            <a:schemeClr val="accent1"/>
+                          </a:solidFill>
+                          <a:prstDash val="solid"/>
+                          <a:round/>
+                          <a:headEnd type="none" w="med" len="med"/>
+                          <a:tailEnd type="none" w="med" len="med"/>
+                        </a:lnT>
+                        <a:lnB w="12700" cap="flat" cmpd="sng" algn="ctr">
+                          <a:solidFill>
+                            <a:schemeClr val="accent1"/>
+                          </a:solidFill>
+                          <a:prstDash val="solid"/>
+                          <a:round/>
+                          <a:headEnd type="none" w="med" len="med"/>
+                          <a:tailEnd type="none" w="med" len="med"/>
+                        </a:lnB>
+                        <a:lnTlToBr w="12700" cmpd="sng">
                           <a:noFill/>
-                        </a:ln>
-                        <a:solidFill>
-                          <a:prstClr val="black"/>
-                        </a:solidFill>
-                        <a:effectLst/>
-                        <a:uLnTx/>
-                        <a:uFillTx/>
-                        <a:latin typeface="+mn-lt"/>
-                        <a:ea typeface="+mn-ea"/>
-                        <a:cs typeface="+mn-cs"/>
-                      </a:endParaRPr>
-                    </a:p>
-                  </a:txBody>
-                  <a:tcPr marL="148887" marR="148887" marT="74445" marB="74445">
-                    <a:lnL w="12700" cap="flat" cmpd="sng" algn="ctr">
-                      <a:solidFill>
-                        <a:schemeClr val="accent1"/>
-                      </a:solidFill>
-                      <a:prstDash val="solid"/>
-                      <a:round/>
-                      <a:headEnd type="none" w="med" len="med"/>
-                      <a:tailEnd type="none" w="med" len="med"/>
-                    </a:lnL>
-                    <a:lnR w="12700" cap="flat" cmpd="sng" algn="ctr">
-                      <a:solidFill>
-                        <a:schemeClr val="accent1"/>
-                      </a:solidFill>
-                      <a:prstDash val="solid"/>
-                      <a:round/>
-                      <a:headEnd type="none" w="med" len="med"/>
-                      <a:tailEnd type="none" w="med" len="med"/>
-                    </a:lnR>
-                    <a:lnT w="12700" cap="flat" cmpd="sng" algn="ctr">
-                      <a:solidFill>
-                        <a:schemeClr val="accent1"/>
-                      </a:solidFill>
-                      <a:prstDash val="solid"/>
-                      <a:round/>
-                      <a:headEnd type="none" w="med" len="med"/>
-                      <a:tailEnd type="none" w="med" len="med"/>
-                    </a:lnT>
-                    <a:lnB w="12700" cap="flat" cmpd="sng" algn="ctr">
-                      <a:solidFill>
-                        <a:schemeClr val="accent1"/>
-                      </a:solidFill>
-                      <a:prstDash val="solid"/>
-                      <a:round/>
-                      <a:headEnd type="none" w="med" len="med"/>
-                      <a:tailEnd type="none" w="med" len="med"/>
-                    </a:lnB>
-                    <a:lnTlToBr w="12700" cmpd="sng">
-                      <a:noFill/>
-                      <a:prstDash val="solid"/>
-                    </a:lnTlToBr>
-                    <a:lnBlToTr w="12700" cmpd="sng">
-                      <a:noFill/>
-                      <a:prstDash val="solid"/>
-                    </a:lnBlToTr>
-                  </a:tcPr>
-                </a:tc>
-                <a:tc>
-                  <a:txBody>
-                    <a:bodyPr/>
-                    <a:lstStyle/>
-                    <a:p>
-                      <a:endParaRPr lang="en-US" sz="2900"/>
-                    </a:p>
-                  </a:txBody>
-                  <a:tcPr marL="148887" marR="148887" marT="74445" marB="74445">
-                    <a:lnL w="12700" cap="flat" cmpd="sng" algn="ctr">
-                      <a:solidFill>
-                        <a:schemeClr val="accent1"/>
-                      </a:solidFill>
-                      <a:prstDash val="solid"/>
-                      <a:round/>
-                      <a:headEnd type="none" w="med" len="med"/>
-                      <a:tailEnd type="none" w="med" len="med"/>
-                    </a:lnL>
-                    <a:lnR w="12700" cap="flat" cmpd="sng" algn="ctr">
-                      <a:solidFill>
-                        <a:schemeClr val="accent1"/>
-                      </a:solidFill>
-                      <a:prstDash val="solid"/>
-                      <a:round/>
-                      <a:headEnd type="none" w="med" len="med"/>
-                      <a:tailEnd type="none" w="med" len="med"/>
-                    </a:lnR>
-                    <a:lnT w="12700" cap="flat" cmpd="sng" algn="ctr">
-                      <a:solidFill>
-                        <a:schemeClr val="accent1"/>
-                      </a:solidFill>
-                      <a:prstDash val="solid"/>
-                      <a:round/>
-                      <a:headEnd type="none" w="med" len="med"/>
-                      <a:tailEnd type="none" w="med" len="med"/>
-                    </a:lnT>
-                    <a:lnB w="12700" cap="flat" cmpd="sng" algn="ctr">
-                      <a:solidFill>
-                        <a:schemeClr val="accent1"/>
-                      </a:solidFill>
-                      <a:prstDash val="solid"/>
-                      <a:round/>
-                      <a:headEnd type="none" w="med" len="med"/>
-                      <a:tailEnd type="none" w="med" len="med"/>
-                    </a:lnB>
-                    <a:lnTlToBr w="12700" cmpd="sng">
-                      <a:noFill/>
-                      <a:prstDash val="solid"/>
-                    </a:lnTlToBr>
-                    <a:lnBlToTr w="12700" cmpd="sng">
-                      <a:noFill/>
-                      <a:prstDash val="solid"/>
-                    </a:lnBlToTr>
-                  </a:tcPr>
-                </a:tc>
-                <a:tc>
-                  <a:txBody>
-                    <a:bodyPr/>
-                    <a:lstStyle/>
-                    <a:p>
-                      <a:pPr algn="ctr"/>
-                      <a:r>
-                        <a:rPr lang="pt-PT" sz="1600" b="1" dirty="0"/>
-                        <a:t>3.5714</a:t>
-                      </a:r>
-                      <a:endParaRPr lang="en-US" sz="1600" b="1" dirty="0"/>
-                    </a:p>
-                  </a:txBody>
-                  <a:tcPr marL="148887" marR="148887" marT="74445" marB="74445">
-                    <a:lnL w="12700" cap="flat" cmpd="sng" algn="ctr">
-                      <a:solidFill>
-                        <a:schemeClr val="accent1"/>
-                      </a:solidFill>
-                      <a:prstDash val="solid"/>
-                      <a:round/>
-                      <a:headEnd type="none" w="med" len="med"/>
-                      <a:tailEnd type="none" w="med" len="med"/>
-                    </a:lnL>
-                    <a:lnR w="12700" cap="flat" cmpd="sng" algn="ctr">
-                      <a:solidFill>
-                        <a:schemeClr val="accent1"/>
-                      </a:solidFill>
-                      <a:prstDash val="solid"/>
-                      <a:round/>
-                      <a:headEnd type="none" w="med" len="med"/>
-                      <a:tailEnd type="none" w="med" len="med"/>
-                    </a:lnR>
-                    <a:lnT w="12700" cap="flat" cmpd="sng" algn="ctr">
-                      <a:solidFill>
-                        <a:schemeClr val="accent1"/>
-                      </a:solidFill>
-                      <a:prstDash val="solid"/>
-                      <a:round/>
-                      <a:headEnd type="none" w="med" len="med"/>
-                      <a:tailEnd type="none" w="med" len="med"/>
-                    </a:lnT>
-                    <a:lnB w="12700" cap="flat" cmpd="sng" algn="ctr">
-                      <a:solidFill>
-                        <a:schemeClr val="accent1"/>
-                      </a:solidFill>
-                      <a:prstDash val="solid"/>
-                      <a:round/>
-                      <a:headEnd type="none" w="med" len="med"/>
-                      <a:tailEnd type="none" w="med" len="med"/>
-                    </a:lnB>
-                    <a:lnTlToBr w="12700" cmpd="sng">
-                      <a:noFill/>
-                      <a:prstDash val="solid"/>
-                    </a:lnTlToBr>
-                    <a:lnBlToTr w="12700" cmpd="sng">
-                      <a:noFill/>
-                      <a:prstDash val="solid"/>
-                    </a:lnBlToTr>
-                  </a:tcPr>
-                </a:tc>
-                <a:tc>
-                  <a:txBody>
-                    <a:bodyPr/>
-                    <a:lstStyle/>
-                    <a:p>
-                      <a:pPr algn="ctr"/>
-                      <a:r>
-                        <a:rPr lang="pt-PT" sz="1600" dirty="0"/>
-                        <a:t>3.5320</a:t>
-                      </a:r>
-                      <a:endParaRPr lang="en-US" sz="1600" dirty="0"/>
-                    </a:p>
-                  </a:txBody>
-                  <a:tcPr marL="148887" marR="148887" marT="74445" marB="74445">
-                    <a:lnL w="12700" cap="flat" cmpd="sng" algn="ctr">
-                      <a:solidFill>
-                        <a:schemeClr val="accent1"/>
-                      </a:solidFill>
-                      <a:prstDash val="solid"/>
-                      <a:round/>
-                      <a:headEnd type="none" w="med" len="med"/>
-                      <a:tailEnd type="none" w="med" len="med"/>
-                    </a:lnL>
-                    <a:lnR w="12700" cap="flat" cmpd="sng" algn="ctr">
-                      <a:solidFill>
-                        <a:schemeClr val="accent1"/>
-                      </a:solidFill>
-                      <a:prstDash val="solid"/>
-                      <a:round/>
-                      <a:headEnd type="none" w="med" len="med"/>
-                      <a:tailEnd type="none" w="med" len="med"/>
-                    </a:lnR>
-                    <a:lnT w="12700" cap="flat" cmpd="sng" algn="ctr">
-                      <a:solidFill>
-                        <a:schemeClr val="accent1"/>
-                      </a:solidFill>
-                      <a:prstDash val="solid"/>
-                      <a:round/>
-                      <a:headEnd type="none" w="med" len="med"/>
-                      <a:tailEnd type="none" w="med" len="med"/>
-                    </a:lnT>
-                    <a:lnB w="12700" cap="flat" cmpd="sng" algn="ctr">
-                      <a:solidFill>
-                        <a:schemeClr val="accent1"/>
-                      </a:solidFill>
-                      <a:prstDash val="solid"/>
-                      <a:round/>
-                      <a:headEnd type="none" w="med" len="med"/>
-                      <a:tailEnd type="none" w="med" len="med"/>
-                    </a:lnB>
-                    <a:lnTlToBr w="12700" cmpd="sng">
-                      <a:noFill/>
-                      <a:prstDash val="solid"/>
-                    </a:lnTlToBr>
-                    <a:lnBlToTr w="12700" cmpd="sng">
-                      <a:noFill/>
-                      <a:prstDash val="solid"/>
-                    </a:lnBlToTr>
-                  </a:tcPr>
-                </a:tc>
-                <a:extLst>
-                  <a:ext uri="{0D108BD9-81ED-4DB2-BD59-A6C34878D82A}">
-                    <a16:rowId xmlns:a16="http://schemas.microsoft.com/office/drawing/2014/main" val="4116852139"/>
-                  </a:ext>
-                </a:extLst>
-              </a:tr>
-            </a:tbl>
-          </a:graphicData>
-        </a:graphic>
-      </p:graphicFrame>
+                          <a:prstDash val="solid"/>
+                        </a:lnTlToBr>
+                        <a:lnBlToTr w="12700" cmpd="sng">
+                          <a:noFill/>
+                          <a:prstDash val="solid"/>
+                        </a:lnBlToTr>
+                      </a:tcPr>
+                    </a:tc>
+                    <a:tc>
+                      <a:txBody>
+                        <a:bodyPr/>
+                        <a:lstStyle/>
+                        <a:p>
+                          <a:pPr marL="0" marR="0" lvl="0" indent="0" algn="ctr" defTabSz="914400" rtl="0" eaLnBrk="1" fontAlgn="auto" latinLnBrk="0" hangingPunct="1">
+                            <a:lnSpc>
+                              <a:spcPct val="100000"/>
+                            </a:lnSpc>
+                            <a:spcBef>
+                              <a:spcPts val="0"/>
+                            </a:spcBef>
+                            <a:spcAft>
+                              <a:spcPts val="0"/>
+                            </a:spcAft>
+                            <a:buClrTx/>
+                            <a:buSzTx/>
+                            <a:buFontTx/>
+                            <a:buNone/>
+                            <a:tabLst/>
+                            <a:defRPr/>
+                          </a:pPr>
+                          <a:r>
+                            <a:rPr lang="pt-PT" sz="1600" dirty="0">
+                              <a:solidFill>
+                                <a:srgbClr val="0070C0"/>
+                              </a:solidFill>
+                              <a:effectLst>
+                                <a:outerShdw blurRad="50800" dist="38100" dir="2700000" algn="tl" rotWithShape="0">
+                                  <a:prstClr val="black">
+                                    <a:alpha val="40000"/>
+                                  </a:prstClr>
+                                </a:outerShdw>
+                              </a:effectLst>
+                            </a:rPr>
+                            <a:t>Regressão logística</a:t>
+                          </a:r>
+                          <a:endParaRPr lang="en-US" sz="1600" dirty="0"/>
+                        </a:p>
+                      </a:txBody>
+                      <a:tcPr marL="148887" marR="148887" marT="74445" marB="74445">
+                        <a:lnL w="12700" cap="flat" cmpd="sng" algn="ctr">
+                          <a:solidFill>
+                            <a:schemeClr val="accent1"/>
+                          </a:solidFill>
+                          <a:prstDash val="solid"/>
+                          <a:round/>
+                          <a:headEnd type="none" w="med" len="med"/>
+                          <a:tailEnd type="none" w="med" len="med"/>
+                        </a:lnL>
+                        <a:lnR w="12700" cap="flat" cmpd="sng" algn="ctr">
+                          <a:solidFill>
+                            <a:schemeClr val="accent1"/>
+                          </a:solidFill>
+                          <a:prstDash val="solid"/>
+                          <a:round/>
+                          <a:headEnd type="none" w="med" len="med"/>
+                          <a:tailEnd type="none" w="med" len="med"/>
+                        </a:lnR>
+                        <a:lnT w="12700" cap="flat" cmpd="sng" algn="ctr">
+                          <a:solidFill>
+                            <a:schemeClr val="accent1"/>
+                          </a:solidFill>
+                          <a:prstDash val="solid"/>
+                          <a:round/>
+                          <a:headEnd type="none" w="med" len="med"/>
+                          <a:tailEnd type="none" w="med" len="med"/>
+                        </a:lnT>
+                        <a:lnB w="12700" cap="flat" cmpd="sng" algn="ctr">
+                          <a:solidFill>
+                            <a:schemeClr val="accent1"/>
+                          </a:solidFill>
+                          <a:prstDash val="solid"/>
+                          <a:round/>
+                          <a:headEnd type="none" w="med" len="med"/>
+                          <a:tailEnd type="none" w="med" len="med"/>
+                        </a:lnB>
+                        <a:lnTlToBr w="12700" cmpd="sng">
+                          <a:noFill/>
+                          <a:prstDash val="solid"/>
+                        </a:lnTlToBr>
+                        <a:lnBlToTr w="12700" cmpd="sng">
+                          <a:noFill/>
+                          <a:prstDash val="solid"/>
+                        </a:lnBlToTr>
+                      </a:tcPr>
+                    </a:tc>
+                    <a:tc>
+                      <a:txBody>
+                        <a:bodyPr/>
+                        <a:lstStyle/>
+                        <a:p>
+                          <a:pPr algn="ctr"/>
+                          <a:r>
+                            <a:rPr lang="pt-PT" sz="1700" dirty="0">
+                              <a:solidFill>
+                                <a:srgbClr val="0070C0"/>
+                              </a:solidFill>
+                              <a:effectLst>
+                                <a:outerShdw blurRad="50800" dist="38100" dir="2700000" algn="tl" rotWithShape="0">
+                                  <a:prstClr val="black">
+                                    <a:alpha val="40000"/>
+                                  </a:prstClr>
+                                </a:outerShdw>
+                              </a:effectLst>
+                            </a:rPr>
+                            <a:t> KNN</a:t>
+                          </a:r>
+                          <a:endParaRPr lang="en-US" sz="1700" dirty="0"/>
+                        </a:p>
+                      </a:txBody>
+                      <a:tcPr marL="148887" marR="148887" marT="74445" marB="74445">
+                        <a:lnL w="12700" cap="flat" cmpd="sng" algn="ctr">
+                          <a:solidFill>
+                            <a:schemeClr val="accent1"/>
+                          </a:solidFill>
+                          <a:prstDash val="solid"/>
+                          <a:round/>
+                          <a:headEnd type="none" w="med" len="med"/>
+                          <a:tailEnd type="none" w="med" len="med"/>
+                        </a:lnL>
+                        <a:lnR w="12700" cap="flat" cmpd="sng" algn="ctr">
+                          <a:solidFill>
+                            <a:schemeClr val="accent1"/>
+                          </a:solidFill>
+                          <a:prstDash val="solid"/>
+                          <a:round/>
+                          <a:headEnd type="none" w="med" len="med"/>
+                          <a:tailEnd type="none" w="med" len="med"/>
+                        </a:lnR>
+                        <a:lnT w="12700" cap="flat" cmpd="sng" algn="ctr">
+                          <a:solidFill>
+                            <a:schemeClr val="accent1"/>
+                          </a:solidFill>
+                          <a:prstDash val="solid"/>
+                          <a:round/>
+                          <a:headEnd type="none" w="med" len="med"/>
+                          <a:tailEnd type="none" w="med" len="med"/>
+                        </a:lnT>
+                        <a:lnB w="12700" cap="flat" cmpd="sng" algn="ctr">
+                          <a:solidFill>
+                            <a:schemeClr val="accent1"/>
+                          </a:solidFill>
+                          <a:prstDash val="solid"/>
+                          <a:round/>
+                          <a:headEnd type="none" w="med" len="med"/>
+                          <a:tailEnd type="none" w="med" len="med"/>
+                        </a:lnB>
+                        <a:lnTlToBr w="12700" cmpd="sng">
+                          <a:noFill/>
+                          <a:prstDash val="solid"/>
+                        </a:lnTlToBr>
+                        <a:lnBlToTr w="12700" cmpd="sng">
+                          <a:noFill/>
+                          <a:prstDash val="solid"/>
+                        </a:lnBlToTr>
+                      </a:tcPr>
+                    </a:tc>
+                    <a:extLst>
+                      <a:ext uri="{0D108BD9-81ED-4DB2-BD59-A6C34878D82A}">
+                        <a16:rowId xmlns:a16="http://schemas.microsoft.com/office/drawing/2014/main" val="1060528281"/>
+                      </a:ext>
+                    </a:extLst>
+                  </a:tr>
+                  <a:tr h="636570">
+                    <a:tc>
+                      <a:txBody>
+                        <a:bodyPr/>
+                        <a:lstStyle/>
+                        <a:p>
+                          <a:pPr marL="0" marR="0" lvl="0" indent="0" algn="ctr" defTabSz="914400" rtl="0" eaLnBrk="1" fontAlgn="auto" latinLnBrk="0" hangingPunct="1">
+                            <a:lnSpc>
+                              <a:spcPct val="100000"/>
+                            </a:lnSpc>
+                            <a:spcBef>
+                              <a:spcPts val="0"/>
+                            </a:spcBef>
+                            <a:spcAft>
+                              <a:spcPts val="0"/>
+                            </a:spcAft>
+                            <a:buClrTx/>
+                            <a:buSzTx/>
+                            <a:buFontTx/>
+                            <a:buNone/>
+                            <a:tabLst/>
+                            <a:defRPr/>
+                          </a:pPr>
+                          <a:r>
+                            <a:rPr lang="pt-PT" sz="1700" dirty="0">
+                              <a:solidFill>
+                                <a:srgbClr val="0070C0"/>
+                              </a:solidFill>
+                              <a:effectLst>
+                                <a:outerShdw blurRad="50800" dist="38100" dir="2700000" algn="tl" rotWithShape="0">
+                                  <a:prstClr val="black">
+                                    <a:alpha val="40000"/>
+                                  </a:prstClr>
+                                </a:outerShdw>
+                              </a:effectLst>
+                            </a:rPr>
+                            <a:t>Fórmula</a:t>
+                          </a:r>
+                          <a:endParaRPr lang="en-US" sz="1700" dirty="0"/>
+                        </a:p>
+                      </a:txBody>
+                      <a:tcPr marL="148887" marR="148887" marT="74445" marB="74445">
+                        <a:lnL w="12700" cap="flat" cmpd="sng" algn="ctr">
+                          <a:solidFill>
+                            <a:schemeClr val="accent1"/>
+                          </a:solidFill>
+                          <a:prstDash val="solid"/>
+                          <a:round/>
+                          <a:headEnd type="none" w="med" len="med"/>
+                          <a:tailEnd type="none" w="med" len="med"/>
+                        </a:lnL>
+                        <a:lnR w="12700" cap="flat" cmpd="sng" algn="ctr">
+                          <a:solidFill>
+                            <a:schemeClr val="accent1"/>
+                          </a:solidFill>
+                          <a:prstDash val="solid"/>
+                          <a:round/>
+                          <a:headEnd type="none" w="med" len="med"/>
+                          <a:tailEnd type="none" w="med" len="med"/>
+                        </a:lnR>
+                        <a:lnT w="12700" cap="flat" cmpd="sng" algn="ctr">
+                          <a:solidFill>
+                            <a:schemeClr val="accent1"/>
+                          </a:solidFill>
+                          <a:prstDash val="solid"/>
+                          <a:round/>
+                          <a:headEnd type="none" w="med" len="med"/>
+                          <a:tailEnd type="none" w="med" len="med"/>
+                        </a:lnT>
+                        <a:lnB w="12700" cap="flat" cmpd="sng" algn="ctr">
+                          <a:solidFill>
+                            <a:schemeClr val="accent1"/>
+                          </a:solidFill>
+                          <a:prstDash val="solid"/>
+                          <a:round/>
+                          <a:headEnd type="none" w="med" len="med"/>
+                          <a:tailEnd type="none" w="med" len="med"/>
+                        </a:lnB>
+                        <a:lnTlToBr w="12700" cmpd="sng">
+                          <a:noFill/>
+                          <a:prstDash val="solid"/>
+                        </a:lnTlToBr>
+                        <a:lnBlToTr w="12700" cmpd="sng">
+                          <a:noFill/>
+                          <a:prstDash val="solid"/>
+                        </a:lnBlToTr>
+                      </a:tcPr>
+                    </a:tc>
+                    <a:tc>
+                      <a:txBody>
+                        <a:bodyPr/>
+                        <a:lstStyle/>
+                        <a:p>
+                          <a:endParaRPr lang="en-US" sz="1600" dirty="0"/>
+                        </a:p>
+                      </a:txBody>
+                      <a:tcPr marL="148887" marR="148887" marT="74445" marB="74445">
+                        <a:lnL w="12700" cap="flat" cmpd="sng" algn="ctr">
+                          <a:solidFill>
+                            <a:schemeClr val="accent1"/>
+                          </a:solidFill>
+                          <a:prstDash val="solid"/>
+                          <a:round/>
+                          <a:headEnd type="none" w="med" len="med"/>
+                          <a:tailEnd type="none" w="med" len="med"/>
+                        </a:lnL>
+                        <a:lnR w="12700" cap="flat" cmpd="sng" algn="ctr">
+                          <a:solidFill>
+                            <a:schemeClr val="accent1"/>
+                          </a:solidFill>
+                          <a:prstDash val="solid"/>
+                          <a:round/>
+                          <a:headEnd type="none" w="med" len="med"/>
+                          <a:tailEnd type="none" w="med" len="med"/>
+                        </a:lnR>
+                        <a:lnT w="12700" cap="flat" cmpd="sng" algn="ctr">
+                          <a:solidFill>
+                            <a:schemeClr val="accent1"/>
+                          </a:solidFill>
+                          <a:prstDash val="solid"/>
+                          <a:round/>
+                          <a:headEnd type="none" w="med" len="med"/>
+                          <a:tailEnd type="none" w="med" len="med"/>
+                        </a:lnT>
+                        <a:lnB w="12700" cap="flat" cmpd="sng" algn="ctr">
+                          <a:solidFill>
+                            <a:schemeClr val="accent1"/>
+                          </a:solidFill>
+                          <a:prstDash val="solid"/>
+                          <a:round/>
+                          <a:headEnd type="none" w="med" len="med"/>
+                          <a:tailEnd type="none" w="med" len="med"/>
+                        </a:lnB>
+                        <a:lnTlToBr w="12700" cmpd="sng">
+                          <a:noFill/>
+                          <a:prstDash val="solid"/>
+                        </a:lnTlToBr>
+                        <a:lnBlToTr w="12700" cmpd="sng">
+                          <a:noFill/>
+                          <a:prstDash val="solid"/>
+                        </a:lnBlToTr>
+                      </a:tcPr>
+                    </a:tc>
+                    <a:tc>
+                      <a:txBody>
+                        <a:bodyPr/>
+                        <a:lstStyle/>
+                        <a:p>
+                          <a:pPr algn="ctr"/>
+                          <a:r>
+                            <a:rPr lang="pt-PT" sz="1600" dirty="0"/>
+                            <a:t>stab.glu^2</a:t>
+                          </a:r>
+                          <a:endParaRPr lang="en-US" sz="1600" dirty="0"/>
+                        </a:p>
+                      </a:txBody>
+                      <a:tcPr marL="148887" marR="148887" marT="74445" marB="74445">
+                        <a:lnL w="12700" cap="flat" cmpd="sng" algn="ctr">
+                          <a:solidFill>
+                            <a:schemeClr val="accent1"/>
+                          </a:solidFill>
+                          <a:prstDash val="solid"/>
+                          <a:round/>
+                          <a:headEnd type="none" w="med" len="med"/>
+                          <a:tailEnd type="none" w="med" len="med"/>
+                        </a:lnL>
+                        <a:lnR w="12700" cap="flat" cmpd="sng" algn="ctr">
+                          <a:solidFill>
+                            <a:schemeClr val="accent1"/>
+                          </a:solidFill>
+                          <a:prstDash val="solid"/>
+                          <a:round/>
+                          <a:headEnd type="none" w="med" len="med"/>
+                          <a:tailEnd type="none" w="med" len="med"/>
+                        </a:lnR>
+                        <a:lnT w="12700" cap="flat" cmpd="sng" algn="ctr">
+                          <a:solidFill>
+                            <a:schemeClr val="accent1"/>
+                          </a:solidFill>
+                          <a:prstDash val="solid"/>
+                          <a:round/>
+                          <a:headEnd type="none" w="med" len="med"/>
+                          <a:tailEnd type="none" w="med" len="med"/>
+                        </a:lnT>
+                        <a:lnB w="12700" cap="flat" cmpd="sng" algn="ctr">
+                          <a:solidFill>
+                            <a:schemeClr val="accent1"/>
+                          </a:solidFill>
+                          <a:prstDash val="solid"/>
+                          <a:round/>
+                          <a:headEnd type="none" w="med" len="med"/>
+                          <a:tailEnd type="none" w="med" len="med"/>
+                        </a:lnB>
+                        <a:lnTlToBr w="12700" cmpd="sng">
+                          <a:noFill/>
+                          <a:prstDash val="solid"/>
+                        </a:lnTlToBr>
+                        <a:lnBlToTr w="12700" cmpd="sng">
+                          <a:noFill/>
+                          <a:prstDash val="solid"/>
+                        </a:lnBlToTr>
+                      </a:tcPr>
+                    </a:tc>
+                    <a:tc>
+                      <a:txBody>
+                        <a:bodyPr/>
+                        <a:lstStyle/>
+                        <a:p>
+                          <a:pPr algn="ctr"/>
+                          <a:r>
+                            <a:rPr lang="pt-PT" sz="1600" dirty="0"/>
+                            <a:t>stab.glu + age + bp.1s</a:t>
+                          </a:r>
+                          <a:endParaRPr lang="en-US" sz="1600" dirty="0"/>
+                        </a:p>
+                      </a:txBody>
+                      <a:tcPr marL="148887" marR="148887" marT="74445" marB="74445">
+                        <a:lnL w="12700" cap="flat" cmpd="sng" algn="ctr">
+                          <a:solidFill>
+                            <a:schemeClr val="accent1"/>
+                          </a:solidFill>
+                          <a:prstDash val="solid"/>
+                          <a:round/>
+                          <a:headEnd type="none" w="med" len="med"/>
+                          <a:tailEnd type="none" w="med" len="med"/>
+                        </a:lnL>
+                        <a:lnR w="12700" cap="flat" cmpd="sng" algn="ctr">
+                          <a:solidFill>
+                            <a:schemeClr val="accent1"/>
+                          </a:solidFill>
+                          <a:prstDash val="solid"/>
+                          <a:round/>
+                          <a:headEnd type="none" w="med" len="med"/>
+                          <a:tailEnd type="none" w="med" len="med"/>
+                        </a:lnR>
+                        <a:lnT w="12700" cap="flat" cmpd="sng" algn="ctr">
+                          <a:solidFill>
+                            <a:schemeClr val="accent1"/>
+                          </a:solidFill>
+                          <a:prstDash val="solid"/>
+                          <a:round/>
+                          <a:headEnd type="none" w="med" len="med"/>
+                          <a:tailEnd type="none" w="med" len="med"/>
+                        </a:lnT>
+                        <a:lnB w="12700" cap="flat" cmpd="sng" algn="ctr">
+                          <a:solidFill>
+                            <a:schemeClr val="accent1"/>
+                          </a:solidFill>
+                          <a:prstDash val="solid"/>
+                          <a:round/>
+                          <a:headEnd type="none" w="med" len="med"/>
+                          <a:tailEnd type="none" w="med" len="med"/>
+                        </a:lnB>
+                        <a:lnTlToBr w="12700" cmpd="sng">
+                          <a:noFill/>
+                          <a:prstDash val="solid"/>
+                        </a:lnTlToBr>
+                        <a:lnBlToTr w="12700" cmpd="sng">
+                          <a:noFill/>
+                          <a:prstDash val="solid"/>
+                        </a:lnBlToTr>
+                      </a:tcPr>
+                    </a:tc>
+                    <a:extLst>
+                      <a:ext uri="{0D108BD9-81ED-4DB2-BD59-A6C34878D82A}">
+                        <a16:rowId xmlns:a16="http://schemas.microsoft.com/office/drawing/2014/main" val="2462183875"/>
+                      </a:ext>
+                    </a:extLst>
+                  </a:tr>
+                  <a:tr h="590850">
+                    <a:tc>
+                      <a:txBody>
+                        <a:bodyPr/>
+                        <a:lstStyle/>
+                        <a:p>
+                          <a:pPr marL="0" marR="0" lvl="0" indent="0" algn="ctr" defTabSz="914400" rtl="0" eaLnBrk="1" fontAlgn="auto" latinLnBrk="0" hangingPunct="1">
+                            <a:lnSpc>
+                              <a:spcPct val="100000"/>
+                            </a:lnSpc>
+                            <a:spcBef>
+                              <a:spcPts val="0"/>
+                            </a:spcBef>
+                            <a:spcAft>
+                              <a:spcPts val="0"/>
+                            </a:spcAft>
+                            <a:buClrTx/>
+                            <a:buSzTx/>
+                            <a:buFontTx/>
+                            <a:buNone/>
+                            <a:tabLst/>
+                            <a:defRPr/>
+                          </a:pPr>
+                          <a:r>
+                            <a:rPr kumimoji="0" lang="pt-PT" sz="1700" b="0" i="0" u="none" strike="noStrike" kern="1200" cap="none" spc="0" normalizeH="0" baseline="0" noProof="0" dirty="0">
+                              <a:ln>
+                                <a:noFill/>
+                              </a:ln>
+                              <a:solidFill>
+                                <a:srgbClr val="0070C0"/>
+                              </a:solidFill>
+                              <a:effectLst>
+                                <a:outerShdw blurRad="50800" dist="38100" dir="2700000" algn="tl" rotWithShape="0">
+                                  <a:prstClr val="black">
+                                    <a:alpha val="40000"/>
+                                  </a:prstClr>
+                                </a:outerShdw>
+                              </a:effectLst>
+                              <a:uLnTx/>
+                              <a:uFillTx/>
+                              <a:latin typeface="+mn-lt"/>
+                              <a:ea typeface="+mn-ea"/>
+                              <a:cs typeface="+mn-cs"/>
+                            </a:rPr>
+                            <a:t>Threshold</a:t>
+                          </a:r>
+                          <a:endParaRPr kumimoji="0" lang="en-US" sz="1700" b="0" i="0" u="none" strike="noStrike" kern="1200" cap="none" spc="0" normalizeH="0" baseline="0" noProof="0" dirty="0">
+                            <a:ln>
+                              <a:noFill/>
+                            </a:ln>
+                            <a:solidFill>
+                              <a:prstClr val="black"/>
+                            </a:solidFill>
+                            <a:effectLst/>
+                            <a:uLnTx/>
+                            <a:uFillTx/>
+                            <a:latin typeface="+mn-lt"/>
+                            <a:ea typeface="+mn-ea"/>
+                            <a:cs typeface="+mn-cs"/>
+                          </a:endParaRPr>
+                        </a:p>
+                      </a:txBody>
+                      <a:tcPr marL="148887" marR="148887" marT="74445" marB="74445">
+                        <a:lnL w="12700" cap="flat" cmpd="sng" algn="ctr">
+                          <a:solidFill>
+                            <a:schemeClr val="accent1"/>
+                          </a:solidFill>
+                          <a:prstDash val="solid"/>
+                          <a:round/>
+                          <a:headEnd type="none" w="med" len="med"/>
+                          <a:tailEnd type="none" w="med" len="med"/>
+                        </a:lnL>
+                        <a:lnR w="12700" cap="flat" cmpd="sng" algn="ctr">
+                          <a:solidFill>
+                            <a:schemeClr val="accent1"/>
+                          </a:solidFill>
+                          <a:prstDash val="solid"/>
+                          <a:round/>
+                          <a:headEnd type="none" w="med" len="med"/>
+                          <a:tailEnd type="none" w="med" len="med"/>
+                        </a:lnR>
+                        <a:lnT w="12700" cap="flat" cmpd="sng" algn="ctr">
+                          <a:solidFill>
+                            <a:schemeClr val="accent1"/>
+                          </a:solidFill>
+                          <a:prstDash val="solid"/>
+                          <a:round/>
+                          <a:headEnd type="none" w="med" len="med"/>
+                          <a:tailEnd type="none" w="med" len="med"/>
+                        </a:lnT>
+                        <a:lnB w="12700" cap="flat" cmpd="sng" algn="ctr">
+                          <a:solidFill>
+                            <a:schemeClr val="accent1"/>
+                          </a:solidFill>
+                          <a:prstDash val="solid"/>
+                          <a:round/>
+                          <a:headEnd type="none" w="med" len="med"/>
+                          <a:tailEnd type="none" w="med" len="med"/>
+                        </a:lnB>
+                        <a:lnTlToBr w="12700" cmpd="sng">
+                          <a:noFill/>
+                          <a:prstDash val="solid"/>
+                        </a:lnTlToBr>
+                        <a:lnBlToTr w="12700" cmpd="sng">
+                          <a:noFill/>
+                          <a:prstDash val="solid"/>
+                        </a:lnBlToTr>
+                      </a:tcPr>
+                    </a:tc>
+                    <a:tc>
+                      <a:txBody>
+                        <a:bodyPr/>
+                        <a:lstStyle/>
+                        <a:p>
+                          <a:pPr algn="ctr"/>
+                          <a:r>
+                            <a:rPr lang="pt-PT" sz="2900" dirty="0"/>
+                            <a:t> </a:t>
+                          </a:r>
+                          <a:r>
+                            <a:rPr lang="pt-PT" sz="1600" dirty="0"/>
+                            <a:t>&gt;7</a:t>
+                          </a:r>
+                          <a:endParaRPr lang="en-US" sz="2900" dirty="0"/>
+                        </a:p>
+                      </a:txBody>
+                      <a:tcPr marL="148887" marR="148887" marT="74445" marB="74445" anchor="ctr">
+                        <a:lnL w="12700" cap="flat" cmpd="sng" algn="ctr">
+                          <a:solidFill>
+                            <a:schemeClr val="accent1"/>
+                          </a:solidFill>
+                          <a:prstDash val="solid"/>
+                          <a:round/>
+                          <a:headEnd type="none" w="med" len="med"/>
+                          <a:tailEnd type="none" w="med" len="med"/>
+                        </a:lnL>
+                        <a:lnR w="12700" cap="flat" cmpd="sng" algn="ctr">
+                          <a:solidFill>
+                            <a:schemeClr val="accent1"/>
+                          </a:solidFill>
+                          <a:prstDash val="solid"/>
+                          <a:round/>
+                          <a:headEnd type="none" w="med" len="med"/>
+                          <a:tailEnd type="none" w="med" len="med"/>
+                        </a:lnR>
+                        <a:lnT w="12700" cap="flat" cmpd="sng" algn="ctr">
+                          <a:solidFill>
+                            <a:schemeClr val="accent1"/>
+                          </a:solidFill>
+                          <a:prstDash val="solid"/>
+                          <a:round/>
+                          <a:headEnd type="none" w="med" len="med"/>
+                          <a:tailEnd type="none" w="med" len="med"/>
+                        </a:lnT>
+                        <a:lnB w="12700" cap="flat" cmpd="sng" algn="ctr">
+                          <a:solidFill>
+                            <a:schemeClr val="accent1"/>
+                          </a:solidFill>
+                          <a:prstDash val="solid"/>
+                          <a:round/>
+                          <a:headEnd type="none" w="med" len="med"/>
+                          <a:tailEnd type="none" w="med" len="med"/>
+                        </a:lnB>
+                        <a:lnTlToBr w="12700" cmpd="sng">
+                          <a:noFill/>
+                          <a:prstDash val="solid"/>
+                        </a:lnTlToBr>
+                        <a:lnBlToTr w="12700" cmpd="sng">
+                          <a:noFill/>
+                          <a:prstDash val="solid"/>
+                        </a:lnBlToTr>
+                      </a:tcPr>
+                    </a:tc>
+                    <a:tc>
+                      <a:txBody>
+                        <a:bodyPr/>
+                        <a:lstStyle/>
+                        <a:p>
+                          <a:pPr algn="ctr"/>
+                          <a:r>
+                            <a:rPr lang="pt-PT" sz="1600" dirty="0"/>
+                            <a:t>0.39</a:t>
+                          </a:r>
+                          <a:endParaRPr lang="en-US" sz="1600" dirty="0"/>
+                        </a:p>
+                      </a:txBody>
+                      <a:tcPr marL="148887" marR="148887" marT="74445" marB="74445">
+                        <a:lnL w="12700" cap="flat" cmpd="sng" algn="ctr">
+                          <a:solidFill>
+                            <a:schemeClr val="accent1"/>
+                          </a:solidFill>
+                          <a:prstDash val="solid"/>
+                          <a:round/>
+                          <a:headEnd type="none" w="med" len="med"/>
+                          <a:tailEnd type="none" w="med" len="med"/>
+                        </a:lnL>
+                        <a:lnR w="12700" cap="flat" cmpd="sng" algn="ctr">
+                          <a:solidFill>
+                            <a:schemeClr val="accent1"/>
+                          </a:solidFill>
+                          <a:prstDash val="solid"/>
+                          <a:round/>
+                          <a:headEnd type="none" w="med" len="med"/>
+                          <a:tailEnd type="none" w="med" len="med"/>
+                        </a:lnR>
+                        <a:lnT w="12700" cap="flat" cmpd="sng" algn="ctr">
+                          <a:solidFill>
+                            <a:schemeClr val="accent1"/>
+                          </a:solidFill>
+                          <a:prstDash val="solid"/>
+                          <a:round/>
+                          <a:headEnd type="none" w="med" len="med"/>
+                          <a:tailEnd type="none" w="med" len="med"/>
+                        </a:lnT>
+                        <a:lnB w="12700" cap="flat" cmpd="sng" algn="ctr">
+                          <a:solidFill>
+                            <a:schemeClr val="accent1"/>
+                          </a:solidFill>
+                          <a:prstDash val="solid"/>
+                          <a:round/>
+                          <a:headEnd type="none" w="med" len="med"/>
+                          <a:tailEnd type="none" w="med" len="med"/>
+                        </a:lnB>
+                        <a:lnTlToBr w="12700" cmpd="sng">
+                          <a:noFill/>
+                          <a:prstDash val="solid"/>
+                        </a:lnTlToBr>
+                        <a:lnBlToTr w="12700" cmpd="sng">
+                          <a:noFill/>
+                          <a:prstDash val="solid"/>
+                        </a:lnBlToTr>
+                      </a:tcPr>
+                    </a:tc>
+                    <a:tc>
+                      <a:txBody>
+                        <a:bodyPr/>
+                        <a:lstStyle/>
+                        <a:p>
+                          <a:pPr algn="ctr"/>
+                          <a:r>
+                            <a:rPr lang="pt-PT" sz="1600" dirty="0"/>
+                            <a:t>K=10</a:t>
+                          </a:r>
+                          <a:endParaRPr lang="en-US" sz="1600" dirty="0"/>
+                        </a:p>
+                      </a:txBody>
+                      <a:tcPr marL="148887" marR="148887" marT="74445" marB="74445">
+                        <a:lnL w="12700" cap="flat" cmpd="sng" algn="ctr">
+                          <a:solidFill>
+                            <a:schemeClr val="accent1"/>
+                          </a:solidFill>
+                          <a:prstDash val="solid"/>
+                          <a:round/>
+                          <a:headEnd type="none" w="med" len="med"/>
+                          <a:tailEnd type="none" w="med" len="med"/>
+                        </a:lnL>
+                        <a:lnR w="12700" cap="flat" cmpd="sng" algn="ctr">
+                          <a:solidFill>
+                            <a:schemeClr val="accent1"/>
+                          </a:solidFill>
+                          <a:prstDash val="solid"/>
+                          <a:round/>
+                          <a:headEnd type="none" w="med" len="med"/>
+                          <a:tailEnd type="none" w="med" len="med"/>
+                        </a:lnR>
+                        <a:lnT w="12700" cap="flat" cmpd="sng" algn="ctr">
+                          <a:solidFill>
+                            <a:schemeClr val="accent1"/>
+                          </a:solidFill>
+                          <a:prstDash val="solid"/>
+                          <a:round/>
+                          <a:headEnd type="none" w="med" len="med"/>
+                          <a:tailEnd type="none" w="med" len="med"/>
+                        </a:lnT>
+                        <a:lnB w="12700" cap="flat" cmpd="sng" algn="ctr">
+                          <a:solidFill>
+                            <a:schemeClr val="accent1"/>
+                          </a:solidFill>
+                          <a:prstDash val="solid"/>
+                          <a:round/>
+                          <a:headEnd type="none" w="med" len="med"/>
+                          <a:tailEnd type="none" w="med" len="med"/>
+                        </a:lnB>
+                        <a:lnTlToBr w="12700" cmpd="sng">
+                          <a:noFill/>
+                          <a:prstDash val="solid"/>
+                        </a:lnTlToBr>
+                        <a:lnBlToTr w="12700" cmpd="sng">
+                          <a:noFill/>
+                          <a:prstDash val="solid"/>
+                        </a:lnBlToTr>
+                      </a:tcPr>
+                    </a:tc>
+                    <a:extLst>
+                      <a:ext uri="{0D108BD9-81ED-4DB2-BD59-A6C34878D82A}">
+                        <a16:rowId xmlns:a16="http://schemas.microsoft.com/office/drawing/2014/main" val="732742085"/>
+                      </a:ext>
+                    </a:extLst>
+                  </a:tr>
+                  <a:tr h="575903">
+                    <a:tc>
+                      <a:txBody>
+                        <a:bodyPr/>
+                        <a:lstStyle/>
+                        <a:p>
+                          <a:pPr marL="0" marR="0" lvl="0" indent="0" algn="ctr" defTabSz="914400" rtl="0" eaLnBrk="1" fontAlgn="auto" latinLnBrk="0" hangingPunct="1">
+                            <a:lnSpc>
+                              <a:spcPct val="100000"/>
+                            </a:lnSpc>
+                            <a:spcBef>
+                              <a:spcPts val="0"/>
+                            </a:spcBef>
+                            <a:spcAft>
+                              <a:spcPts val="0"/>
+                            </a:spcAft>
+                            <a:buClrTx/>
+                            <a:buSzTx/>
+                            <a:buFontTx/>
+                            <a:buNone/>
+                            <a:tabLst/>
+                            <a:defRPr/>
+                          </a:pPr>
+                          <a:r>
+                            <a:rPr kumimoji="0" lang="pt-PT" sz="1700" b="0" i="0" u="none" strike="noStrike" kern="1200" cap="none" spc="0" normalizeH="0" baseline="0" noProof="0" dirty="0">
+                              <a:ln>
+                                <a:noFill/>
+                              </a:ln>
+                              <a:solidFill>
+                                <a:srgbClr val="0070C0"/>
+                              </a:solidFill>
+                              <a:effectLst>
+                                <a:outerShdw blurRad="50800" dist="38100" dir="2700000" algn="tl" rotWithShape="0">
+                                  <a:prstClr val="black">
+                                    <a:alpha val="40000"/>
+                                  </a:prstClr>
+                                </a:outerShdw>
+                              </a:effectLst>
+                              <a:uLnTx/>
+                              <a:uFillTx/>
+                              <a:latin typeface="+mn-lt"/>
+                              <a:ea typeface="+mn-ea"/>
+                              <a:cs typeface="+mn-cs"/>
+                            </a:rPr>
+                            <a:t>Erro ponderado</a:t>
+                          </a:r>
+                          <a:endParaRPr kumimoji="0" lang="en-US" sz="1700" b="0" i="0" u="none" strike="noStrike" kern="1200" cap="none" spc="0" normalizeH="0" baseline="0" noProof="0" dirty="0">
+                            <a:ln>
+                              <a:noFill/>
+                            </a:ln>
+                            <a:solidFill>
+                              <a:prstClr val="black"/>
+                            </a:solidFill>
+                            <a:effectLst/>
+                            <a:uLnTx/>
+                            <a:uFillTx/>
+                            <a:latin typeface="+mn-lt"/>
+                            <a:ea typeface="+mn-ea"/>
+                            <a:cs typeface="+mn-cs"/>
+                          </a:endParaRPr>
+                        </a:p>
+                      </a:txBody>
+                      <a:tcPr marL="148887" marR="148887" marT="74445" marB="74445">
+                        <a:lnL w="12700" cap="flat" cmpd="sng" algn="ctr">
+                          <a:solidFill>
+                            <a:schemeClr val="accent1"/>
+                          </a:solidFill>
+                          <a:prstDash val="solid"/>
+                          <a:round/>
+                          <a:headEnd type="none" w="med" len="med"/>
+                          <a:tailEnd type="none" w="med" len="med"/>
+                        </a:lnL>
+                        <a:lnR w="12700" cap="flat" cmpd="sng" algn="ctr">
+                          <a:solidFill>
+                            <a:schemeClr val="accent1"/>
+                          </a:solidFill>
+                          <a:prstDash val="solid"/>
+                          <a:round/>
+                          <a:headEnd type="none" w="med" len="med"/>
+                          <a:tailEnd type="none" w="med" len="med"/>
+                        </a:lnR>
+                        <a:lnT w="12700" cap="flat" cmpd="sng" algn="ctr">
+                          <a:solidFill>
+                            <a:schemeClr val="accent1"/>
+                          </a:solidFill>
+                          <a:prstDash val="solid"/>
+                          <a:round/>
+                          <a:headEnd type="none" w="med" len="med"/>
+                          <a:tailEnd type="none" w="med" len="med"/>
+                        </a:lnT>
+                        <a:lnB w="12700" cap="flat" cmpd="sng" algn="ctr">
+                          <a:solidFill>
+                            <a:schemeClr val="accent1"/>
+                          </a:solidFill>
+                          <a:prstDash val="solid"/>
+                          <a:round/>
+                          <a:headEnd type="none" w="med" len="med"/>
+                          <a:tailEnd type="none" w="med" len="med"/>
+                        </a:lnB>
+                        <a:lnTlToBr w="12700" cmpd="sng">
+                          <a:noFill/>
+                          <a:prstDash val="solid"/>
+                        </a:lnTlToBr>
+                        <a:lnBlToTr w="12700" cmpd="sng">
+                          <a:noFill/>
+                          <a:prstDash val="solid"/>
+                        </a:lnBlToTr>
+                      </a:tcPr>
+                    </a:tc>
+                    <a:tc>
+                      <a:txBody>
+                        <a:bodyPr/>
+                        <a:lstStyle/>
+                        <a:p>
+                          <a:endParaRPr lang="en-US"/>
+                        </a:p>
+                      </a:txBody>
+                      <a:tcPr marL="148887" marR="148887" marT="74445" marB="74445">
+                        <a:lnL w="12700" cap="flat" cmpd="sng" algn="ctr">
+                          <a:solidFill>
+                            <a:schemeClr val="accent1"/>
+                          </a:solidFill>
+                          <a:prstDash val="solid"/>
+                          <a:round/>
+                          <a:headEnd type="none" w="med" len="med"/>
+                          <a:tailEnd type="none" w="med" len="med"/>
+                        </a:lnL>
+                        <a:lnR w="12700" cap="flat" cmpd="sng" algn="ctr">
+                          <a:solidFill>
+                            <a:schemeClr val="accent1"/>
+                          </a:solidFill>
+                          <a:prstDash val="solid"/>
+                          <a:round/>
+                          <a:headEnd type="none" w="med" len="med"/>
+                          <a:tailEnd type="none" w="med" len="med"/>
+                        </a:lnR>
+                        <a:lnT w="12700" cap="flat" cmpd="sng" algn="ctr">
+                          <a:solidFill>
+                            <a:schemeClr val="accent1"/>
+                          </a:solidFill>
+                          <a:prstDash val="solid"/>
+                          <a:round/>
+                          <a:headEnd type="none" w="med" len="med"/>
+                          <a:tailEnd type="none" w="med" len="med"/>
+                        </a:lnT>
+                        <a:lnB w="12700" cap="flat" cmpd="sng" algn="ctr">
+                          <a:solidFill>
+                            <a:schemeClr val="accent1"/>
+                          </a:solidFill>
+                          <a:prstDash val="solid"/>
+                          <a:round/>
+                          <a:headEnd type="none" w="med" len="med"/>
+                          <a:tailEnd type="none" w="med" len="med"/>
+                        </a:lnB>
+                        <a:lnTlToBr w="12700" cmpd="sng">
+                          <a:noFill/>
+                          <a:prstDash val="solid"/>
+                        </a:lnTlToBr>
+                        <a:lnBlToTr w="12700" cmpd="sng">
+                          <a:noFill/>
+                          <a:prstDash val="solid"/>
+                        </a:lnBlToTr>
+                        <a:blipFill>
+                          <a:blip r:embed="rId3"/>
+                          <a:stretch>
+                            <a:fillRect l="-100592" t="-312632" r="-200888" b="-3158"/>
+                          </a:stretch>
+                        </a:blipFill>
+                      </a:tcPr>
+                    </a:tc>
+                    <a:tc>
+                      <a:txBody>
+                        <a:bodyPr/>
+                        <a:lstStyle/>
+                        <a:p>
+                          <a:pPr algn="ctr"/>
+                          <a:r>
+                            <a:rPr lang="pt-PT" sz="1600" b="1" dirty="0"/>
+                            <a:t>3.5714</a:t>
+                          </a:r>
+                          <a:endParaRPr lang="en-US" sz="1600" b="1" dirty="0"/>
+                        </a:p>
+                      </a:txBody>
+                      <a:tcPr marL="148887" marR="148887" marT="74445" marB="74445">
+                        <a:lnL w="12700" cap="flat" cmpd="sng" algn="ctr">
+                          <a:solidFill>
+                            <a:schemeClr val="accent1"/>
+                          </a:solidFill>
+                          <a:prstDash val="solid"/>
+                          <a:round/>
+                          <a:headEnd type="none" w="med" len="med"/>
+                          <a:tailEnd type="none" w="med" len="med"/>
+                        </a:lnL>
+                        <a:lnR w="12700" cap="flat" cmpd="sng" algn="ctr">
+                          <a:solidFill>
+                            <a:schemeClr val="accent1"/>
+                          </a:solidFill>
+                          <a:prstDash val="solid"/>
+                          <a:round/>
+                          <a:headEnd type="none" w="med" len="med"/>
+                          <a:tailEnd type="none" w="med" len="med"/>
+                        </a:lnR>
+                        <a:lnT w="12700" cap="flat" cmpd="sng" algn="ctr">
+                          <a:solidFill>
+                            <a:schemeClr val="accent1"/>
+                          </a:solidFill>
+                          <a:prstDash val="solid"/>
+                          <a:round/>
+                          <a:headEnd type="none" w="med" len="med"/>
+                          <a:tailEnd type="none" w="med" len="med"/>
+                        </a:lnT>
+                        <a:lnB w="12700" cap="flat" cmpd="sng" algn="ctr">
+                          <a:solidFill>
+                            <a:schemeClr val="accent1"/>
+                          </a:solidFill>
+                          <a:prstDash val="solid"/>
+                          <a:round/>
+                          <a:headEnd type="none" w="med" len="med"/>
+                          <a:tailEnd type="none" w="med" len="med"/>
+                        </a:lnB>
+                        <a:lnTlToBr w="12700" cmpd="sng">
+                          <a:noFill/>
+                          <a:prstDash val="solid"/>
+                        </a:lnTlToBr>
+                        <a:lnBlToTr w="12700" cmpd="sng">
+                          <a:noFill/>
+                          <a:prstDash val="solid"/>
+                        </a:lnBlToTr>
+                      </a:tcPr>
+                    </a:tc>
+                    <a:tc>
+                      <a:txBody>
+                        <a:bodyPr/>
+                        <a:lstStyle/>
+                        <a:p>
+                          <a:pPr algn="ctr"/>
+                          <a:r>
+                            <a:rPr lang="pt-PT" sz="1600" dirty="0"/>
+                            <a:t>3.5320</a:t>
+                          </a:r>
+                          <a:endParaRPr lang="en-US" sz="1600" dirty="0"/>
+                        </a:p>
+                      </a:txBody>
+                      <a:tcPr marL="148887" marR="148887" marT="74445" marB="74445">
+                        <a:lnL w="12700" cap="flat" cmpd="sng" algn="ctr">
+                          <a:solidFill>
+                            <a:schemeClr val="accent1"/>
+                          </a:solidFill>
+                          <a:prstDash val="solid"/>
+                          <a:round/>
+                          <a:headEnd type="none" w="med" len="med"/>
+                          <a:tailEnd type="none" w="med" len="med"/>
+                        </a:lnL>
+                        <a:lnR w="12700" cap="flat" cmpd="sng" algn="ctr">
+                          <a:solidFill>
+                            <a:schemeClr val="accent1"/>
+                          </a:solidFill>
+                          <a:prstDash val="solid"/>
+                          <a:round/>
+                          <a:headEnd type="none" w="med" len="med"/>
+                          <a:tailEnd type="none" w="med" len="med"/>
+                        </a:lnR>
+                        <a:lnT w="12700" cap="flat" cmpd="sng" algn="ctr">
+                          <a:solidFill>
+                            <a:schemeClr val="accent1"/>
+                          </a:solidFill>
+                          <a:prstDash val="solid"/>
+                          <a:round/>
+                          <a:headEnd type="none" w="med" len="med"/>
+                          <a:tailEnd type="none" w="med" len="med"/>
+                        </a:lnT>
+                        <a:lnB w="12700" cap="flat" cmpd="sng" algn="ctr">
+                          <a:solidFill>
+                            <a:schemeClr val="accent1"/>
+                          </a:solidFill>
+                          <a:prstDash val="solid"/>
+                          <a:round/>
+                          <a:headEnd type="none" w="med" len="med"/>
+                          <a:tailEnd type="none" w="med" len="med"/>
+                        </a:lnB>
+                        <a:lnTlToBr w="12700" cmpd="sng">
+                          <a:noFill/>
+                          <a:prstDash val="solid"/>
+                        </a:lnTlToBr>
+                        <a:lnBlToTr w="12700" cmpd="sng">
+                          <a:noFill/>
+                          <a:prstDash val="solid"/>
+                        </a:lnBlToTr>
+                      </a:tcPr>
+                    </a:tc>
+                    <a:extLst>
+                      <a:ext uri="{0D108BD9-81ED-4DB2-BD59-A6C34878D82A}">
+                        <a16:rowId xmlns:a16="http://schemas.microsoft.com/office/drawing/2014/main" val="4116852139"/>
+                      </a:ext>
+                    </a:extLst>
+                  </a:tr>
+                </a:tbl>
+              </a:graphicData>
+            </a:graphic>
+          </p:graphicFrame>
+        </mc:Fallback>
+      </mc:AlternateContent>
     </p:spTree>
     <p:extLst>
       <p:ext uri="{BB962C8B-B14F-4D97-AF65-F5344CB8AC3E}">
@@ -8016,7 +10160,7 @@
           <p:nvPr>
             <p:extLst>
               <p:ext uri="{D42A27DB-BD31-4B8C-83A1-F6EECF244321}">
-                <p14:modId xmlns:p14="http://schemas.microsoft.com/office/powerpoint/2010/main" val="620469384"/>
+                <p14:modId xmlns:p14="http://schemas.microsoft.com/office/powerpoint/2010/main" val="58212799"/>
               </p:ext>
             </p:extLst>
           </p:nvPr>
@@ -9070,7 +11214,7 @@
                       <a:pPr algn="ctr"/>
                       <a:r>
                         <a:rPr lang="pt-PT" sz="1800" b="1" dirty="0"/>
-                        <a:t>3.6318</a:t>
+                        <a:t>3.6318 </a:t>
                       </a:r>
                       <a:endParaRPr lang="en-US" sz="1800" b="1" dirty="0"/>
                     </a:p>
@@ -9334,35 +11478,217 @@
           <a:bodyPr/>
           <a:lstStyle/>
           <a:p>
-            <a:endParaRPr lang="en-US"/>
+            <a:r>
+              <a:rPr lang="pt-PT" dirty="0">
+                <a:solidFill>
+                  <a:schemeClr val="accent1"/>
+                </a:solidFill>
+              </a:rPr>
+              <a:t>Modelo:</a:t>
+            </a:r>
+            <a:r>
+              <a:rPr lang="pt-PT" dirty="0"/>
+              <a:t> </a:t>
+            </a:r>
+            <a:r>
+              <a:rPr lang="pt-PT" b="0" dirty="0"/>
+              <a:t>Regressão linear</a:t>
+            </a:r>
+            <a:endParaRPr lang="en-US" b="0" dirty="0"/>
           </a:p>
         </p:txBody>
       </p:sp>
-      <p:sp>
-        <p:nvSpPr>
-          <p:cNvPr id="4" name="Content Placeholder 3">
-            <a:extLst>
-              <a:ext uri="{FF2B5EF4-FFF2-40B4-BE49-F238E27FC236}">
-                <a16:creationId xmlns:a16="http://schemas.microsoft.com/office/drawing/2014/main" id="{3B491605-7030-44BF-A402-90C79AE557F0}"/>
-              </a:ext>
-            </a:extLst>
-          </p:cNvPr>
-          <p:cNvSpPr>
-            <a:spLocks noGrp="1"/>
-          </p:cNvSpPr>
-          <p:nvPr>
-            <p:ph sz="half" idx="2"/>
-          </p:nvPr>
-        </p:nvSpPr>
-        <p:spPr/>
-        <p:txBody>
-          <a:bodyPr/>
-          <a:lstStyle/>
-          <a:p>
-            <a:endParaRPr lang="en-US"/>
-          </a:p>
-        </p:txBody>
-      </p:sp>
+      <mc:AlternateContent xmlns:mc="http://schemas.openxmlformats.org/markup-compatibility/2006">
+        <mc:Choice xmlns:a14="http://schemas.microsoft.com/office/drawing/2010/main" Requires="a14">
+          <p:sp>
+            <p:nvSpPr>
+              <p:cNvPr id="4" name="Content Placeholder 3">
+                <a:extLst>
+                  <a:ext uri="{FF2B5EF4-FFF2-40B4-BE49-F238E27FC236}">
+                    <a16:creationId xmlns:a16="http://schemas.microsoft.com/office/drawing/2014/main" id="{3B491605-7030-44BF-A402-90C79AE557F0}"/>
+                  </a:ext>
+                </a:extLst>
+              </p:cNvPr>
+              <p:cNvSpPr>
+                <a:spLocks noGrp="1"/>
+              </p:cNvSpPr>
+              <p:nvPr>
+                <p:ph sz="half" idx="2"/>
+              </p:nvPr>
+            </p:nvSpPr>
+            <p:spPr>
+              <a:xfrm>
+                <a:off x="899976" y="2266340"/>
+                <a:ext cx="5344676" cy="2137871"/>
+              </a:xfrm>
+            </p:spPr>
+            <p:txBody>
+              <a:bodyPr>
+                <a:normAutofit/>
+              </a:bodyPr>
+              <a:lstStyle/>
+              <a:p>
+                <a:pPr algn="l">
+                  <a:buFont typeface="Wingdings" panose="05000000000000000000" pitchFamily="2" charset="2"/>
+                  <a:buChar char="ü"/>
+                </a:pPr>
+                <a:r>
+                  <a:rPr lang="pt-PT" sz="1600" b="1" dirty="0">
+                    <a:solidFill>
+                      <a:schemeClr val="accent1"/>
+                    </a:solidFill>
+                  </a:rPr>
+                  <a:t>Fórmula</a:t>
+                </a:r>
+                <a:r>
+                  <a:rPr lang="pt-PT" sz="1600" b="1" dirty="0"/>
+                  <a:t>:  </a:t>
+                </a:r>
+                <a:r>
+                  <a:rPr lang="pt-PT" sz="1600" b="1" dirty="0" err="1"/>
+                  <a:t>glyhb</a:t>
+                </a:r>
+                <a:r>
+                  <a:rPr lang="pt-PT" sz="1600" b="1" dirty="0"/>
+                  <a:t> = 1.693 + 0.027*</a:t>
+                </a:r>
+                <a:r>
+                  <a:rPr lang="pt-PT" sz="1600" b="1" dirty="0" err="1"/>
+                  <a:t>stab.glu</a:t>
+                </a:r>
+                <a:r>
+                  <a:rPr lang="pt-PT" sz="1600" b="1" dirty="0"/>
+                  <a:t> + 0.020*age</a:t>
+                </a:r>
+              </a:p>
+              <a:p>
+                <a:pPr algn="l">
+                  <a:buFont typeface="Wingdings" panose="05000000000000000000" pitchFamily="2" charset="2"/>
+                  <a:buChar char="ü"/>
+                </a:pPr>
+                <a:r>
+                  <a:rPr lang="pt-PT" sz="1600" b="1" dirty="0" err="1">
+                    <a:solidFill>
+                      <a:schemeClr val="accent1"/>
+                    </a:solidFill>
+                  </a:rPr>
+                  <a:t>Adjusted</a:t>
+                </a:r>
+                <a:r>
+                  <a:rPr lang="pt-PT" sz="1600" b="1" dirty="0">
+                    <a:solidFill>
+                      <a:schemeClr val="accent1"/>
+                    </a:solidFill>
+                  </a:rPr>
+                  <a:t> R</a:t>
+                </a:r>
+                <a:r>
+                  <a:rPr lang="pt-PT" sz="1600" b="1" baseline="30000" dirty="0">
+                    <a:solidFill>
+                      <a:schemeClr val="accent1"/>
+                    </a:solidFill>
+                  </a:rPr>
+                  <a:t>2</a:t>
+                </a:r>
+                <a14:m>
+                  <m:oMath xmlns:m="http://schemas.openxmlformats.org/officeDocument/2006/math">
+                    <m:r>
+                      <a:rPr lang="pt-PT" sz="1600" i="1">
+                        <a:latin typeface="Cambria Math" panose="02040503050406030204" pitchFamily="18" charset="0"/>
+                      </a:rPr>
+                      <m:t> </m:t>
+                    </m:r>
+                  </m:oMath>
+                </a14:m>
+                <a:r>
+                  <a:rPr lang="pt-PT" sz="1600" b="1" dirty="0">
+                    <a:solidFill>
+                      <a:schemeClr val="accent1"/>
+                    </a:solidFill>
+                  </a:rPr>
+                  <a:t>: </a:t>
+                </a:r>
+                <a:r>
+                  <a:rPr lang="pt-PT" sz="1600" b="1" dirty="0"/>
+                  <a:t>56.23%</a:t>
+                </a:r>
+              </a:p>
+              <a:p>
+                <a:pPr algn="l">
+                  <a:buFont typeface="Wingdings" panose="05000000000000000000" pitchFamily="2" charset="2"/>
+                  <a:buChar char="ü"/>
+                </a:pPr>
+                <a:r>
+                  <a:rPr lang="pt-PT" sz="1600" b="1" dirty="0">
+                    <a:solidFill>
+                      <a:schemeClr val="accent1"/>
+                    </a:solidFill>
+                  </a:rPr>
+                  <a:t>Erro ponderado: </a:t>
+                </a:r>
+                <a:r>
+                  <a:rPr lang="pt-PT" sz="1600" b="1" dirty="0"/>
+                  <a:t>3.63</a:t>
+                </a:r>
+              </a:p>
+              <a:p>
+                <a:pPr algn="l">
+                  <a:buFont typeface="Wingdings" panose="05000000000000000000" pitchFamily="2" charset="2"/>
+                  <a:buChar char="ü"/>
+                </a:pPr>
+                <a:endParaRPr lang="en-US" sz="1600" b="1" dirty="0">
+                  <a:solidFill>
+                    <a:schemeClr val="accent1"/>
+                  </a:solidFill>
+                </a:endParaRPr>
+              </a:p>
+            </p:txBody>
+          </p:sp>
+        </mc:Choice>
+        <mc:Fallback>
+          <p:sp>
+            <p:nvSpPr>
+              <p:cNvPr id="4" name="Content Placeholder 3">
+                <a:extLst>
+                  <a:ext uri="{FF2B5EF4-FFF2-40B4-BE49-F238E27FC236}">
+                    <a16:creationId xmlns:a16="http://schemas.microsoft.com/office/drawing/2014/main" id="{3B491605-7030-44BF-A402-90C79AE557F0}"/>
+                  </a:ext>
+                </a:extLst>
+              </p:cNvPr>
+              <p:cNvSpPr>
+                <a:spLocks noGrp="1" noRot="1" noChangeAspect="1" noMove="1" noResize="1" noEditPoints="1" noAdjustHandles="1" noChangeArrowheads="1" noChangeShapeType="1" noTextEdit="1"/>
+              </p:cNvSpPr>
+              <p:nvPr>
+                <p:ph sz="half" idx="2"/>
+              </p:nvPr>
+            </p:nvSpPr>
+            <p:spPr>
+              <a:xfrm>
+                <a:off x="899976" y="2266340"/>
+                <a:ext cx="5344676" cy="2137871"/>
+              </a:xfrm>
+              <a:blipFill>
+                <a:blip r:embed="rId3"/>
+                <a:stretch>
+                  <a:fillRect l="-457" t="-857"/>
+                </a:stretch>
+              </a:blipFill>
+            </p:spPr>
+            <p:txBody>
+              <a:bodyPr/>
+              <a:lstStyle/>
+              <a:p>
+                <a:r>
+                  <a:rPr lang="en-US">
+                    <a:noFill/>
+                  </a:rPr>
+                  <a:t> </a:t>
+                </a:r>
+              </a:p>
+            </p:txBody>
+          </p:sp>
+        </mc:Fallback>
+      </mc:AlternateContent>
       <p:pic>
         <p:nvPicPr>
           <p:cNvPr id="8" name="Graphic 7">
@@ -9378,10 +11704,10 @@
           <p:nvPr/>
         </p:nvPicPr>
         <p:blipFill>
-          <a:blip r:embed="rId2">
+          <a:blip r:embed="rId4">
             <a:extLst>
               <a:ext uri="{96DAC541-7B7A-43D3-8B79-37D633B846F1}">
-                <asvg:svgBlip xmlns:asvg="http://schemas.microsoft.com/office/drawing/2016/SVG/main" r:embed="rId3"/>
+                <asvg:svgBlip xmlns:asvg="http://schemas.microsoft.com/office/drawing/2016/SVG/main" r:embed="rId5"/>
               </a:ext>
             </a:extLst>
           </a:blip>
@@ -9490,7 +11816,7 @@
           <a:p>
             <a:pPr marL="342900" indent="-342900" algn="l">
               <a:buBlip>
-                <a:blip r:embed="rId2"/>
+                <a:blip r:embed="rId3"/>
               </a:buBlip>
             </a:pPr>
             <a:r>
@@ -9505,7 +11831,7 @@
           <a:p>
             <a:pPr marL="342900" indent="-342900" algn="l">
               <a:buBlip>
-                <a:blip r:embed="rId2"/>
+                <a:blip r:embed="rId3"/>
               </a:buBlip>
             </a:pPr>
             <a:r>
@@ -9516,7 +11842,7 @@
           <a:p>
             <a:pPr marL="342900" indent="-342900" algn="l">
               <a:buBlip>
-                <a:blip r:embed="rId2"/>
+                <a:blip r:embed="rId3"/>
               </a:buBlip>
             </a:pPr>
             <a:endParaRPr lang="pt-PT" sz="1500" dirty="0"/>
@@ -9524,7 +11850,7 @@
           <a:p>
             <a:pPr marL="342900" indent="-342900" algn="l">
               <a:buBlip>
-                <a:blip r:embed="rId2"/>
+                <a:blip r:embed="rId3"/>
               </a:buBlip>
             </a:pPr>
             <a:r>
@@ -9539,7 +11865,7 @@
           <a:p>
             <a:pPr marL="342900" indent="-342900" algn="l">
               <a:buBlip>
-                <a:blip r:embed="rId2"/>
+                <a:blip r:embed="rId3"/>
               </a:buBlip>
             </a:pPr>
             <a:r>
@@ -9550,17 +11876,6 @@
           <a:p>
             <a:pPr algn="l"/>
             <a:endParaRPr lang="pt-PT" sz="1500" dirty="0"/>
-          </a:p>
-          <a:p>
-            <a:pPr marL="342900" indent="-342900" algn="l">
-              <a:buBlip>
-                <a:blip r:embed="rId2"/>
-              </a:buBlip>
-            </a:pPr>
-            <a:r>
-              <a:rPr lang="pt-PT" sz="1500" dirty="0"/>
-              <a:t> Qual a probabilidade (ou confiança no resultado) de uma pessoa com as caraterísticas X (por exemplo colesterol=180, altura=175, peso=67, etc.) ter diabetes? </a:t>
-            </a:r>
           </a:p>
           <a:p>
             <a:pPr algn="l"/>
@@ -9600,6 +11915,1266 @@
       </p:grpSpPr>
       <p:sp>
         <p:nvSpPr>
+          <p:cNvPr id="9" name="Rectangle 8">
+            <a:extLst>
+              <a:ext uri="{FF2B5EF4-FFF2-40B4-BE49-F238E27FC236}">
+                <a16:creationId xmlns:a16="http://schemas.microsoft.com/office/drawing/2014/main" id="{AAD4979B-DE0B-436D-B32B-B0D47FFAAEE6}"/>
+              </a:ext>
+            </a:extLst>
+          </p:cNvPr>
+          <p:cNvSpPr/>
+          <p:nvPr/>
+        </p:nvSpPr>
+        <p:spPr>
+          <a:xfrm>
+            <a:off x="296260" y="1350110"/>
+            <a:ext cx="9009595" cy="553998"/>
+          </a:xfrm>
+          <a:prstGeom prst="rect">
+            <a:avLst/>
+          </a:prstGeom>
+        </p:spPr>
+        <p:txBody>
+          <a:bodyPr wrap="square">
+            <a:spAutoFit/>
+          </a:bodyPr>
+          <a:lstStyle/>
+          <a:p>
+            <a:pPr marL="342900" lvl="0" indent="-342900">
+              <a:spcBef>
+                <a:spcPct val="20000"/>
+              </a:spcBef>
+              <a:buBlip>
+                <a:blip r:embed="rId3"/>
+              </a:buBlip>
+            </a:pPr>
+            <a:r>
+              <a:rPr lang="pt-PT" sz="1500" b="1" dirty="0">
+                <a:solidFill>
+                  <a:srgbClr val="002060"/>
+                </a:solidFill>
+              </a:rPr>
+              <a:t> Qual a probabilidade (ou confiança no resultado) de uma pessoa com as caraterísticas X (por exemplo colesterol=180, altura=175, peso=67, etc.) ter diabetes? </a:t>
+            </a:r>
+          </a:p>
+        </p:txBody>
+      </p:sp>
+      <p:graphicFrame>
+        <p:nvGraphicFramePr>
+          <p:cNvPr id="12" name="Table 11">
+            <a:extLst>
+              <a:ext uri="{FF2B5EF4-FFF2-40B4-BE49-F238E27FC236}">
+                <a16:creationId xmlns:a16="http://schemas.microsoft.com/office/drawing/2014/main" id="{C89A30DC-B167-4BEE-8E20-7C5BB42AA3B0}"/>
+              </a:ext>
+            </a:extLst>
+          </p:cNvPr>
+          <p:cNvGraphicFramePr>
+            <a:graphicFrameLocks noGrp="1"/>
+          </p:cNvGraphicFramePr>
+          <p:nvPr>
+            <p:extLst>
+              <p:ext uri="{D42A27DB-BD31-4B8C-83A1-F6EECF244321}">
+                <p14:modId xmlns:p14="http://schemas.microsoft.com/office/powerpoint/2010/main" val="1640840389"/>
+              </p:ext>
+            </p:extLst>
+          </p:nvPr>
+        </p:nvGraphicFramePr>
+        <p:xfrm>
+          <a:off x="754374" y="2113635"/>
+          <a:ext cx="7482545" cy="1028700"/>
+        </p:xfrm>
+        <a:graphic>
+          <a:graphicData uri="http://schemas.openxmlformats.org/drawingml/2006/table">
+            <a:tbl>
+              <a:tblPr firstRow="1" firstCol="1" bandRow="1">
+                <a:tableStyleId>{5C22544A-7EE6-4342-B048-85BDC9FD1C3A}</a:tableStyleId>
+              </a:tblPr>
+              <a:tblGrid>
+                <a:gridCol w="2493888">
+                  <a:extLst>
+                    <a:ext uri="{9D8B030D-6E8A-4147-A177-3AD203B41FA5}">
+                      <a16:colId xmlns:a16="http://schemas.microsoft.com/office/drawing/2014/main" val="2840921503"/>
+                    </a:ext>
+                  </a:extLst>
+                </a:gridCol>
+                <a:gridCol w="2493888">
+                  <a:extLst>
+                    <a:ext uri="{9D8B030D-6E8A-4147-A177-3AD203B41FA5}">
+                      <a16:colId xmlns:a16="http://schemas.microsoft.com/office/drawing/2014/main" val="1793255086"/>
+                    </a:ext>
+                  </a:extLst>
+                </a:gridCol>
+                <a:gridCol w="2494769">
+                  <a:extLst>
+                    <a:ext uri="{9D8B030D-6E8A-4147-A177-3AD203B41FA5}">
+                      <a16:colId xmlns:a16="http://schemas.microsoft.com/office/drawing/2014/main" val="4197123218"/>
+                    </a:ext>
+                  </a:extLst>
+                </a:gridCol>
+              </a:tblGrid>
+              <a:tr h="0">
+                <a:tc>
+                  <a:txBody>
+                    <a:bodyPr/>
+                    <a:lstStyle/>
+                    <a:p>
+                      <a:pPr>
+                        <a:lnSpc>
+                          <a:spcPct val="107000"/>
+                        </a:lnSpc>
+                        <a:spcAft>
+                          <a:spcPts val="0"/>
+                        </a:spcAft>
+                      </a:pPr>
+                      <a:r>
+                        <a:rPr lang="pt-PT" sz="1100">
+                          <a:effectLst/>
+                        </a:rPr>
+                        <a:t>Stab.glu</a:t>
+                      </a:r>
+                      <a:endParaRPr lang="en-US" sz="1100">
+                        <a:effectLst/>
+                        <a:latin typeface="Calibri" panose="020F0502020204030204" pitchFamily="34" charset="0"/>
+                        <a:ea typeface="Calibri" panose="020F0502020204030204" pitchFamily="34" charset="0"/>
+                        <a:cs typeface="Times New Roman" panose="02020603050405020304" pitchFamily="18" charset="0"/>
+                      </a:endParaRPr>
+                    </a:p>
+                  </a:txBody>
+                  <a:tcPr marL="68580" marR="68580" marT="0" marB="0"/>
+                </a:tc>
+                <a:tc>
+                  <a:txBody>
+                    <a:bodyPr/>
+                    <a:lstStyle/>
+                    <a:p>
+                      <a:pPr>
+                        <a:lnSpc>
+                          <a:spcPct val="107000"/>
+                        </a:lnSpc>
+                        <a:spcAft>
+                          <a:spcPts val="0"/>
+                        </a:spcAft>
+                      </a:pPr>
+                      <a:r>
+                        <a:rPr lang="pt-PT" sz="1100">
+                          <a:effectLst/>
+                        </a:rPr>
+                        <a:t>Age</a:t>
+                      </a:r>
+                      <a:endParaRPr lang="en-US" sz="1100">
+                        <a:effectLst/>
+                        <a:latin typeface="Calibri" panose="020F0502020204030204" pitchFamily="34" charset="0"/>
+                        <a:ea typeface="Calibri" panose="020F0502020204030204" pitchFamily="34" charset="0"/>
+                        <a:cs typeface="Times New Roman" panose="02020603050405020304" pitchFamily="18" charset="0"/>
+                      </a:endParaRPr>
+                    </a:p>
+                  </a:txBody>
+                  <a:tcPr marL="68580" marR="68580" marT="0" marB="0"/>
+                </a:tc>
+                <a:tc>
+                  <a:txBody>
+                    <a:bodyPr/>
+                    <a:lstStyle/>
+                    <a:p>
+                      <a:pPr>
+                        <a:lnSpc>
+                          <a:spcPct val="107000"/>
+                        </a:lnSpc>
+                        <a:spcAft>
+                          <a:spcPts val="0"/>
+                        </a:spcAft>
+                      </a:pPr>
+                      <a:r>
+                        <a:rPr lang="pt-PT" sz="1100">
+                          <a:effectLst/>
+                        </a:rPr>
+                        <a:t>Confiança</a:t>
+                      </a:r>
+                      <a:endParaRPr lang="en-US" sz="1100">
+                        <a:effectLst/>
+                        <a:latin typeface="Calibri" panose="020F0502020204030204" pitchFamily="34" charset="0"/>
+                        <a:ea typeface="Calibri" panose="020F0502020204030204" pitchFamily="34" charset="0"/>
+                        <a:cs typeface="Times New Roman" panose="02020603050405020304" pitchFamily="18" charset="0"/>
+                      </a:endParaRPr>
+                    </a:p>
+                  </a:txBody>
+                  <a:tcPr marL="68580" marR="68580" marT="0" marB="0"/>
+                </a:tc>
+                <a:extLst>
+                  <a:ext uri="{0D108BD9-81ED-4DB2-BD59-A6C34878D82A}">
+                    <a16:rowId xmlns:a16="http://schemas.microsoft.com/office/drawing/2014/main" val="4262291444"/>
+                  </a:ext>
+                </a:extLst>
+              </a:tr>
+              <a:tr h="0">
+                <a:tc>
+                  <a:txBody>
+                    <a:bodyPr/>
+                    <a:lstStyle/>
+                    <a:p>
+                      <a:pPr>
+                        <a:lnSpc>
+                          <a:spcPct val="107000"/>
+                        </a:lnSpc>
+                        <a:spcAft>
+                          <a:spcPts val="0"/>
+                        </a:spcAft>
+                      </a:pPr>
+                      <a:r>
+                        <a:rPr lang="pt-PT" sz="1100">
+                          <a:effectLst/>
+                        </a:rPr>
+                        <a:t>151</a:t>
+                      </a:r>
+                      <a:endParaRPr lang="en-US" sz="1100">
+                        <a:effectLst/>
+                        <a:latin typeface="Calibri" panose="020F0502020204030204" pitchFamily="34" charset="0"/>
+                        <a:ea typeface="Calibri" panose="020F0502020204030204" pitchFamily="34" charset="0"/>
+                        <a:cs typeface="Times New Roman" panose="02020603050405020304" pitchFamily="18" charset="0"/>
+                      </a:endParaRPr>
+                    </a:p>
+                  </a:txBody>
+                  <a:tcPr marL="68580" marR="68580" marT="0" marB="0"/>
+                </a:tc>
+                <a:tc>
+                  <a:txBody>
+                    <a:bodyPr/>
+                    <a:lstStyle/>
+                    <a:p>
+                      <a:pPr>
+                        <a:lnSpc>
+                          <a:spcPct val="107000"/>
+                        </a:lnSpc>
+                        <a:spcAft>
+                          <a:spcPts val="0"/>
+                        </a:spcAft>
+                      </a:pPr>
+                      <a:r>
+                        <a:rPr lang="pt-PT" sz="1100">
+                          <a:effectLst/>
+                        </a:rPr>
+                        <a:t>60</a:t>
+                      </a:r>
+                      <a:endParaRPr lang="en-US" sz="1100">
+                        <a:effectLst/>
+                        <a:latin typeface="Calibri" panose="020F0502020204030204" pitchFamily="34" charset="0"/>
+                        <a:ea typeface="Calibri" panose="020F0502020204030204" pitchFamily="34" charset="0"/>
+                        <a:cs typeface="Times New Roman" panose="02020603050405020304" pitchFamily="18" charset="0"/>
+                      </a:endParaRPr>
+                    </a:p>
+                  </a:txBody>
+                  <a:tcPr marL="68580" marR="68580" marT="0" marB="0"/>
+                </a:tc>
+                <a:tc>
+                  <a:txBody>
+                    <a:bodyPr/>
+                    <a:lstStyle/>
+                    <a:p>
+                      <a:pPr>
+                        <a:lnSpc>
+                          <a:spcPct val="107000"/>
+                        </a:lnSpc>
+                        <a:spcAft>
+                          <a:spcPts val="0"/>
+                        </a:spcAft>
+                      </a:pPr>
+                      <a:r>
+                        <a:rPr lang="pt-PT" sz="1100">
+                          <a:effectLst/>
+                        </a:rPr>
+                        <a:t>0.5%</a:t>
+                      </a:r>
+                      <a:endParaRPr lang="en-US" sz="1100">
+                        <a:effectLst/>
+                        <a:latin typeface="Calibri" panose="020F0502020204030204" pitchFamily="34" charset="0"/>
+                        <a:ea typeface="Calibri" panose="020F0502020204030204" pitchFamily="34" charset="0"/>
+                        <a:cs typeface="Times New Roman" panose="02020603050405020304" pitchFamily="18" charset="0"/>
+                      </a:endParaRPr>
+                    </a:p>
+                  </a:txBody>
+                  <a:tcPr marL="68580" marR="68580" marT="0" marB="0"/>
+                </a:tc>
+                <a:extLst>
+                  <a:ext uri="{0D108BD9-81ED-4DB2-BD59-A6C34878D82A}">
+                    <a16:rowId xmlns:a16="http://schemas.microsoft.com/office/drawing/2014/main" val="670133060"/>
+                  </a:ext>
+                </a:extLst>
+              </a:tr>
+              <a:tr h="0">
+                <a:tc>
+                  <a:txBody>
+                    <a:bodyPr/>
+                    <a:lstStyle/>
+                    <a:p>
+                      <a:pPr>
+                        <a:lnSpc>
+                          <a:spcPct val="107000"/>
+                        </a:lnSpc>
+                        <a:spcAft>
+                          <a:spcPts val="0"/>
+                        </a:spcAft>
+                      </a:pPr>
+                      <a:r>
+                        <a:rPr lang="pt-PT" sz="1100">
+                          <a:effectLst/>
+                        </a:rPr>
+                        <a:t>171</a:t>
+                      </a:r>
+                      <a:endParaRPr lang="en-US" sz="1100">
+                        <a:effectLst/>
+                        <a:latin typeface="Calibri" panose="020F0502020204030204" pitchFamily="34" charset="0"/>
+                        <a:ea typeface="Calibri" panose="020F0502020204030204" pitchFamily="34" charset="0"/>
+                        <a:cs typeface="Times New Roman" panose="02020603050405020304" pitchFamily="18" charset="0"/>
+                      </a:endParaRPr>
+                    </a:p>
+                  </a:txBody>
+                  <a:tcPr marL="68580" marR="68580" marT="0" marB="0"/>
+                </a:tc>
+                <a:tc>
+                  <a:txBody>
+                    <a:bodyPr/>
+                    <a:lstStyle/>
+                    <a:p>
+                      <a:pPr>
+                        <a:lnSpc>
+                          <a:spcPct val="107000"/>
+                        </a:lnSpc>
+                        <a:spcAft>
+                          <a:spcPts val="0"/>
+                        </a:spcAft>
+                      </a:pPr>
+                      <a:r>
+                        <a:rPr lang="pt-PT" sz="1100">
+                          <a:effectLst/>
+                        </a:rPr>
+                        <a:t>60</a:t>
+                      </a:r>
+                      <a:endParaRPr lang="en-US" sz="1100">
+                        <a:effectLst/>
+                        <a:latin typeface="Calibri" panose="020F0502020204030204" pitchFamily="34" charset="0"/>
+                        <a:ea typeface="Calibri" panose="020F0502020204030204" pitchFamily="34" charset="0"/>
+                        <a:cs typeface="Times New Roman" panose="02020603050405020304" pitchFamily="18" charset="0"/>
+                      </a:endParaRPr>
+                    </a:p>
+                  </a:txBody>
+                  <a:tcPr marL="68580" marR="68580" marT="0" marB="0"/>
+                </a:tc>
+                <a:tc>
+                  <a:txBody>
+                    <a:bodyPr/>
+                    <a:lstStyle/>
+                    <a:p>
+                      <a:pPr>
+                        <a:lnSpc>
+                          <a:spcPct val="107000"/>
+                        </a:lnSpc>
+                        <a:spcAft>
+                          <a:spcPts val="0"/>
+                        </a:spcAft>
+                      </a:pPr>
+                      <a:r>
+                        <a:rPr lang="pt-PT" sz="1100">
+                          <a:effectLst/>
+                        </a:rPr>
+                        <a:t>29.9%</a:t>
+                      </a:r>
+                      <a:endParaRPr lang="en-US" sz="1100">
+                        <a:effectLst/>
+                        <a:latin typeface="Calibri" panose="020F0502020204030204" pitchFamily="34" charset="0"/>
+                        <a:ea typeface="Calibri" panose="020F0502020204030204" pitchFamily="34" charset="0"/>
+                        <a:cs typeface="Times New Roman" panose="02020603050405020304" pitchFamily="18" charset="0"/>
+                      </a:endParaRPr>
+                    </a:p>
+                  </a:txBody>
+                  <a:tcPr marL="68580" marR="68580" marT="0" marB="0"/>
+                </a:tc>
+                <a:extLst>
+                  <a:ext uri="{0D108BD9-81ED-4DB2-BD59-A6C34878D82A}">
+                    <a16:rowId xmlns:a16="http://schemas.microsoft.com/office/drawing/2014/main" val="1359933600"/>
+                  </a:ext>
+                </a:extLst>
+              </a:tr>
+              <a:tr h="0">
+                <a:tc>
+                  <a:txBody>
+                    <a:bodyPr/>
+                    <a:lstStyle/>
+                    <a:p>
+                      <a:pPr>
+                        <a:lnSpc>
+                          <a:spcPct val="107000"/>
+                        </a:lnSpc>
+                        <a:spcAft>
+                          <a:spcPts val="0"/>
+                        </a:spcAft>
+                      </a:pPr>
+                      <a:r>
+                        <a:rPr lang="pt-PT" sz="1100">
+                          <a:effectLst/>
+                        </a:rPr>
+                        <a:t>191</a:t>
+                      </a:r>
+                      <a:endParaRPr lang="en-US" sz="1100">
+                        <a:effectLst/>
+                        <a:latin typeface="Calibri" panose="020F0502020204030204" pitchFamily="34" charset="0"/>
+                        <a:ea typeface="Calibri" panose="020F0502020204030204" pitchFamily="34" charset="0"/>
+                        <a:cs typeface="Times New Roman" panose="02020603050405020304" pitchFamily="18" charset="0"/>
+                      </a:endParaRPr>
+                    </a:p>
+                  </a:txBody>
+                  <a:tcPr marL="68580" marR="68580" marT="0" marB="0"/>
+                </a:tc>
+                <a:tc>
+                  <a:txBody>
+                    <a:bodyPr/>
+                    <a:lstStyle/>
+                    <a:p>
+                      <a:pPr>
+                        <a:lnSpc>
+                          <a:spcPct val="107000"/>
+                        </a:lnSpc>
+                        <a:spcAft>
+                          <a:spcPts val="0"/>
+                        </a:spcAft>
+                      </a:pPr>
+                      <a:r>
+                        <a:rPr lang="pt-PT" sz="1100">
+                          <a:effectLst/>
+                        </a:rPr>
+                        <a:t>60</a:t>
+                      </a:r>
+                      <a:endParaRPr lang="en-US" sz="1100">
+                        <a:effectLst/>
+                        <a:latin typeface="Calibri" panose="020F0502020204030204" pitchFamily="34" charset="0"/>
+                        <a:ea typeface="Calibri" panose="020F0502020204030204" pitchFamily="34" charset="0"/>
+                        <a:cs typeface="Times New Roman" panose="02020603050405020304" pitchFamily="18" charset="0"/>
+                      </a:endParaRPr>
+                    </a:p>
+                  </a:txBody>
+                  <a:tcPr marL="68580" marR="68580" marT="0" marB="0"/>
+                </a:tc>
+                <a:tc>
+                  <a:txBody>
+                    <a:bodyPr/>
+                    <a:lstStyle/>
+                    <a:p>
+                      <a:pPr>
+                        <a:lnSpc>
+                          <a:spcPct val="107000"/>
+                        </a:lnSpc>
+                        <a:spcAft>
+                          <a:spcPts val="0"/>
+                        </a:spcAft>
+                      </a:pPr>
+                      <a:r>
+                        <a:rPr lang="pt-PT" sz="1100">
+                          <a:effectLst/>
+                        </a:rPr>
+                        <a:t>54.7%</a:t>
+                      </a:r>
+                      <a:endParaRPr lang="en-US" sz="1100">
+                        <a:effectLst/>
+                        <a:latin typeface="Calibri" panose="020F0502020204030204" pitchFamily="34" charset="0"/>
+                        <a:ea typeface="Calibri" panose="020F0502020204030204" pitchFamily="34" charset="0"/>
+                        <a:cs typeface="Times New Roman" panose="02020603050405020304" pitchFamily="18" charset="0"/>
+                      </a:endParaRPr>
+                    </a:p>
+                  </a:txBody>
+                  <a:tcPr marL="68580" marR="68580" marT="0" marB="0"/>
+                </a:tc>
+                <a:extLst>
+                  <a:ext uri="{0D108BD9-81ED-4DB2-BD59-A6C34878D82A}">
+                    <a16:rowId xmlns:a16="http://schemas.microsoft.com/office/drawing/2014/main" val="2941785910"/>
+                  </a:ext>
+                </a:extLst>
+              </a:tr>
+              <a:tr h="0">
+                <a:tc>
+                  <a:txBody>
+                    <a:bodyPr/>
+                    <a:lstStyle/>
+                    <a:p>
+                      <a:pPr>
+                        <a:lnSpc>
+                          <a:spcPct val="107000"/>
+                        </a:lnSpc>
+                        <a:spcAft>
+                          <a:spcPts val="0"/>
+                        </a:spcAft>
+                      </a:pPr>
+                      <a:r>
+                        <a:rPr lang="pt-PT" sz="1100">
+                          <a:effectLst/>
+                        </a:rPr>
+                        <a:t>211</a:t>
+                      </a:r>
+                      <a:endParaRPr lang="en-US" sz="1100">
+                        <a:effectLst/>
+                        <a:latin typeface="Calibri" panose="020F0502020204030204" pitchFamily="34" charset="0"/>
+                        <a:ea typeface="Calibri" panose="020F0502020204030204" pitchFamily="34" charset="0"/>
+                        <a:cs typeface="Times New Roman" panose="02020603050405020304" pitchFamily="18" charset="0"/>
+                      </a:endParaRPr>
+                    </a:p>
+                  </a:txBody>
+                  <a:tcPr marL="68580" marR="68580" marT="0" marB="0"/>
+                </a:tc>
+                <a:tc>
+                  <a:txBody>
+                    <a:bodyPr/>
+                    <a:lstStyle/>
+                    <a:p>
+                      <a:pPr>
+                        <a:lnSpc>
+                          <a:spcPct val="107000"/>
+                        </a:lnSpc>
+                        <a:spcAft>
+                          <a:spcPts val="0"/>
+                        </a:spcAft>
+                      </a:pPr>
+                      <a:r>
+                        <a:rPr lang="pt-PT" sz="1100">
+                          <a:effectLst/>
+                        </a:rPr>
+                        <a:t>60</a:t>
+                      </a:r>
+                      <a:endParaRPr lang="en-US" sz="1100">
+                        <a:effectLst/>
+                        <a:latin typeface="Calibri" panose="020F0502020204030204" pitchFamily="34" charset="0"/>
+                        <a:ea typeface="Calibri" panose="020F0502020204030204" pitchFamily="34" charset="0"/>
+                        <a:cs typeface="Times New Roman" panose="02020603050405020304" pitchFamily="18" charset="0"/>
+                      </a:endParaRPr>
+                    </a:p>
+                  </a:txBody>
+                  <a:tcPr marL="68580" marR="68580" marT="0" marB="0"/>
+                </a:tc>
+                <a:tc>
+                  <a:txBody>
+                    <a:bodyPr/>
+                    <a:lstStyle/>
+                    <a:p>
+                      <a:pPr>
+                        <a:lnSpc>
+                          <a:spcPct val="107000"/>
+                        </a:lnSpc>
+                        <a:spcAft>
+                          <a:spcPts val="0"/>
+                        </a:spcAft>
+                      </a:pPr>
+                      <a:r>
+                        <a:rPr lang="pt-PT" sz="1100">
+                          <a:effectLst/>
+                        </a:rPr>
+                        <a:t>73.8%</a:t>
+                      </a:r>
+                      <a:endParaRPr lang="en-US" sz="1100">
+                        <a:effectLst/>
+                        <a:latin typeface="Calibri" panose="020F0502020204030204" pitchFamily="34" charset="0"/>
+                        <a:ea typeface="Calibri" panose="020F0502020204030204" pitchFamily="34" charset="0"/>
+                        <a:cs typeface="Times New Roman" panose="02020603050405020304" pitchFamily="18" charset="0"/>
+                      </a:endParaRPr>
+                    </a:p>
+                  </a:txBody>
+                  <a:tcPr marL="68580" marR="68580" marT="0" marB="0"/>
+                </a:tc>
+                <a:extLst>
+                  <a:ext uri="{0D108BD9-81ED-4DB2-BD59-A6C34878D82A}">
+                    <a16:rowId xmlns:a16="http://schemas.microsoft.com/office/drawing/2014/main" val="2083462406"/>
+                  </a:ext>
+                </a:extLst>
+              </a:tr>
+              <a:tr h="0">
+                <a:tc>
+                  <a:txBody>
+                    <a:bodyPr/>
+                    <a:lstStyle/>
+                    <a:p>
+                      <a:pPr>
+                        <a:lnSpc>
+                          <a:spcPct val="107000"/>
+                        </a:lnSpc>
+                        <a:spcAft>
+                          <a:spcPts val="0"/>
+                        </a:spcAft>
+                      </a:pPr>
+                      <a:r>
+                        <a:rPr lang="pt-PT" sz="1100">
+                          <a:effectLst/>
+                        </a:rPr>
+                        <a:t>231</a:t>
+                      </a:r>
+                      <a:endParaRPr lang="en-US" sz="1100">
+                        <a:effectLst/>
+                        <a:latin typeface="Calibri" panose="020F0502020204030204" pitchFamily="34" charset="0"/>
+                        <a:ea typeface="Calibri" panose="020F0502020204030204" pitchFamily="34" charset="0"/>
+                        <a:cs typeface="Times New Roman" panose="02020603050405020304" pitchFamily="18" charset="0"/>
+                      </a:endParaRPr>
+                    </a:p>
+                  </a:txBody>
+                  <a:tcPr marL="68580" marR="68580" marT="0" marB="0"/>
+                </a:tc>
+                <a:tc>
+                  <a:txBody>
+                    <a:bodyPr/>
+                    <a:lstStyle/>
+                    <a:p>
+                      <a:pPr>
+                        <a:lnSpc>
+                          <a:spcPct val="107000"/>
+                        </a:lnSpc>
+                        <a:spcAft>
+                          <a:spcPts val="0"/>
+                        </a:spcAft>
+                      </a:pPr>
+                      <a:r>
+                        <a:rPr lang="pt-PT" sz="1100">
+                          <a:effectLst/>
+                        </a:rPr>
+                        <a:t>60</a:t>
+                      </a:r>
+                      <a:endParaRPr lang="en-US" sz="1100">
+                        <a:effectLst/>
+                        <a:latin typeface="Calibri" panose="020F0502020204030204" pitchFamily="34" charset="0"/>
+                        <a:ea typeface="Calibri" panose="020F0502020204030204" pitchFamily="34" charset="0"/>
+                        <a:cs typeface="Times New Roman" panose="02020603050405020304" pitchFamily="18" charset="0"/>
+                      </a:endParaRPr>
+                    </a:p>
+                  </a:txBody>
+                  <a:tcPr marL="68580" marR="68580" marT="0" marB="0"/>
+                </a:tc>
+                <a:tc>
+                  <a:txBody>
+                    <a:bodyPr/>
+                    <a:lstStyle/>
+                    <a:p>
+                      <a:pPr>
+                        <a:lnSpc>
+                          <a:spcPct val="107000"/>
+                        </a:lnSpc>
+                        <a:spcAft>
+                          <a:spcPts val="0"/>
+                        </a:spcAft>
+                      </a:pPr>
+                      <a:r>
+                        <a:rPr lang="pt-PT" sz="1100" dirty="0">
+                          <a:effectLst/>
+                        </a:rPr>
+                        <a:t>86.3%</a:t>
+                      </a:r>
+                      <a:endParaRPr lang="en-US" sz="1100" dirty="0">
+                        <a:effectLst/>
+                        <a:latin typeface="Calibri" panose="020F0502020204030204" pitchFamily="34" charset="0"/>
+                        <a:ea typeface="Calibri" panose="020F0502020204030204" pitchFamily="34" charset="0"/>
+                        <a:cs typeface="Times New Roman" panose="02020603050405020304" pitchFamily="18" charset="0"/>
+                      </a:endParaRPr>
+                    </a:p>
+                  </a:txBody>
+                  <a:tcPr marL="68580" marR="68580" marT="0" marB="0"/>
+                </a:tc>
+                <a:extLst>
+                  <a:ext uri="{0D108BD9-81ED-4DB2-BD59-A6C34878D82A}">
+                    <a16:rowId xmlns:a16="http://schemas.microsoft.com/office/drawing/2014/main" val="3917591366"/>
+                  </a:ext>
+                </a:extLst>
+              </a:tr>
+            </a:tbl>
+          </a:graphicData>
+        </a:graphic>
+      </p:graphicFrame>
+      <p:graphicFrame>
+        <p:nvGraphicFramePr>
+          <p:cNvPr id="13" name="Table 12">
+            <a:extLst>
+              <a:ext uri="{FF2B5EF4-FFF2-40B4-BE49-F238E27FC236}">
+                <a16:creationId xmlns:a16="http://schemas.microsoft.com/office/drawing/2014/main" id="{724FE12D-8F28-4792-A0C1-94F23AB2E8BA}"/>
+              </a:ext>
+            </a:extLst>
+          </p:cNvPr>
+          <p:cNvGraphicFramePr>
+            <a:graphicFrameLocks noGrp="1"/>
+          </p:cNvGraphicFramePr>
+          <p:nvPr>
+            <p:extLst>
+              <p:ext uri="{D42A27DB-BD31-4B8C-83A1-F6EECF244321}">
+                <p14:modId xmlns:p14="http://schemas.microsoft.com/office/powerpoint/2010/main" val="857961202"/>
+              </p:ext>
+            </p:extLst>
+          </p:nvPr>
+        </p:nvGraphicFramePr>
+        <p:xfrm>
+          <a:off x="754375" y="3239393"/>
+          <a:ext cx="7482545" cy="857250"/>
+        </p:xfrm>
+        <a:graphic>
+          <a:graphicData uri="http://schemas.openxmlformats.org/drawingml/2006/table">
+            <a:tbl>
+              <a:tblPr firstRow="1" firstCol="1" bandRow="1">
+                <a:tableStyleId>{5C22544A-7EE6-4342-B048-85BDC9FD1C3A}</a:tableStyleId>
+              </a:tblPr>
+              <a:tblGrid>
+                <a:gridCol w="2493888">
+                  <a:extLst>
+                    <a:ext uri="{9D8B030D-6E8A-4147-A177-3AD203B41FA5}">
+                      <a16:colId xmlns:a16="http://schemas.microsoft.com/office/drawing/2014/main" val="1199771801"/>
+                    </a:ext>
+                  </a:extLst>
+                </a:gridCol>
+                <a:gridCol w="2493888">
+                  <a:extLst>
+                    <a:ext uri="{9D8B030D-6E8A-4147-A177-3AD203B41FA5}">
+                      <a16:colId xmlns:a16="http://schemas.microsoft.com/office/drawing/2014/main" val="3937307625"/>
+                    </a:ext>
+                  </a:extLst>
+                </a:gridCol>
+                <a:gridCol w="2494769">
+                  <a:extLst>
+                    <a:ext uri="{9D8B030D-6E8A-4147-A177-3AD203B41FA5}">
+                      <a16:colId xmlns:a16="http://schemas.microsoft.com/office/drawing/2014/main" val="4227634732"/>
+                    </a:ext>
+                  </a:extLst>
+                </a:gridCol>
+              </a:tblGrid>
+              <a:tr h="0">
+                <a:tc>
+                  <a:txBody>
+                    <a:bodyPr/>
+                    <a:lstStyle/>
+                    <a:p>
+                      <a:pPr>
+                        <a:lnSpc>
+                          <a:spcPct val="107000"/>
+                        </a:lnSpc>
+                        <a:spcAft>
+                          <a:spcPts val="0"/>
+                        </a:spcAft>
+                      </a:pPr>
+                      <a:r>
+                        <a:rPr lang="pt-PT" sz="1100">
+                          <a:effectLst/>
+                        </a:rPr>
+                        <a:t>Stab.glu</a:t>
+                      </a:r>
+                      <a:endParaRPr lang="en-US" sz="1100">
+                        <a:effectLst/>
+                        <a:latin typeface="Calibri" panose="020F0502020204030204" pitchFamily="34" charset="0"/>
+                        <a:ea typeface="Calibri" panose="020F0502020204030204" pitchFamily="34" charset="0"/>
+                        <a:cs typeface="Times New Roman" panose="02020603050405020304" pitchFamily="18" charset="0"/>
+                      </a:endParaRPr>
+                    </a:p>
+                  </a:txBody>
+                  <a:tcPr marL="68580" marR="68580" marT="0" marB="0"/>
+                </a:tc>
+                <a:tc>
+                  <a:txBody>
+                    <a:bodyPr/>
+                    <a:lstStyle/>
+                    <a:p>
+                      <a:pPr>
+                        <a:lnSpc>
+                          <a:spcPct val="107000"/>
+                        </a:lnSpc>
+                        <a:spcAft>
+                          <a:spcPts val="0"/>
+                        </a:spcAft>
+                      </a:pPr>
+                      <a:r>
+                        <a:rPr lang="pt-PT" sz="1100">
+                          <a:effectLst/>
+                        </a:rPr>
+                        <a:t>Age</a:t>
+                      </a:r>
+                      <a:endParaRPr lang="en-US" sz="1100">
+                        <a:effectLst/>
+                        <a:latin typeface="Calibri" panose="020F0502020204030204" pitchFamily="34" charset="0"/>
+                        <a:ea typeface="Calibri" panose="020F0502020204030204" pitchFamily="34" charset="0"/>
+                        <a:cs typeface="Times New Roman" panose="02020603050405020304" pitchFamily="18" charset="0"/>
+                      </a:endParaRPr>
+                    </a:p>
+                  </a:txBody>
+                  <a:tcPr marL="68580" marR="68580" marT="0" marB="0"/>
+                </a:tc>
+                <a:tc>
+                  <a:txBody>
+                    <a:bodyPr/>
+                    <a:lstStyle/>
+                    <a:p>
+                      <a:pPr>
+                        <a:lnSpc>
+                          <a:spcPct val="107000"/>
+                        </a:lnSpc>
+                        <a:spcAft>
+                          <a:spcPts val="0"/>
+                        </a:spcAft>
+                      </a:pPr>
+                      <a:r>
+                        <a:rPr lang="pt-PT" sz="1100">
+                          <a:effectLst/>
+                        </a:rPr>
+                        <a:t>Confiança</a:t>
+                      </a:r>
+                      <a:endParaRPr lang="en-US" sz="1100">
+                        <a:effectLst/>
+                        <a:latin typeface="Calibri" panose="020F0502020204030204" pitchFamily="34" charset="0"/>
+                        <a:ea typeface="Calibri" panose="020F0502020204030204" pitchFamily="34" charset="0"/>
+                        <a:cs typeface="Times New Roman" panose="02020603050405020304" pitchFamily="18" charset="0"/>
+                      </a:endParaRPr>
+                    </a:p>
+                  </a:txBody>
+                  <a:tcPr marL="68580" marR="68580" marT="0" marB="0"/>
+                </a:tc>
+                <a:extLst>
+                  <a:ext uri="{0D108BD9-81ED-4DB2-BD59-A6C34878D82A}">
+                    <a16:rowId xmlns:a16="http://schemas.microsoft.com/office/drawing/2014/main" val="925549851"/>
+                  </a:ext>
+                </a:extLst>
+              </a:tr>
+              <a:tr h="0">
+                <a:tc>
+                  <a:txBody>
+                    <a:bodyPr/>
+                    <a:lstStyle/>
+                    <a:p>
+                      <a:pPr>
+                        <a:lnSpc>
+                          <a:spcPct val="107000"/>
+                        </a:lnSpc>
+                        <a:spcAft>
+                          <a:spcPts val="0"/>
+                        </a:spcAft>
+                      </a:pPr>
+                      <a:r>
+                        <a:rPr lang="pt-PT" sz="1100">
+                          <a:effectLst/>
+                        </a:rPr>
+                        <a:t>191</a:t>
+                      </a:r>
+                      <a:endParaRPr lang="en-US" sz="1100">
+                        <a:effectLst/>
+                        <a:latin typeface="Calibri" panose="020F0502020204030204" pitchFamily="34" charset="0"/>
+                        <a:ea typeface="Calibri" panose="020F0502020204030204" pitchFamily="34" charset="0"/>
+                        <a:cs typeface="Times New Roman" panose="02020603050405020304" pitchFamily="18" charset="0"/>
+                      </a:endParaRPr>
+                    </a:p>
+                  </a:txBody>
+                  <a:tcPr marL="68580" marR="68580" marT="0" marB="0"/>
+                </a:tc>
+                <a:tc>
+                  <a:txBody>
+                    <a:bodyPr/>
+                    <a:lstStyle/>
+                    <a:p>
+                      <a:pPr>
+                        <a:lnSpc>
+                          <a:spcPct val="107000"/>
+                        </a:lnSpc>
+                        <a:spcAft>
+                          <a:spcPts val="0"/>
+                        </a:spcAft>
+                      </a:pPr>
+                      <a:r>
+                        <a:rPr lang="pt-PT" sz="1100">
+                          <a:effectLst/>
+                        </a:rPr>
+                        <a:t>20</a:t>
+                      </a:r>
+                      <a:endParaRPr lang="en-US" sz="1100">
+                        <a:effectLst/>
+                        <a:latin typeface="Calibri" panose="020F0502020204030204" pitchFamily="34" charset="0"/>
+                        <a:ea typeface="Calibri" panose="020F0502020204030204" pitchFamily="34" charset="0"/>
+                        <a:cs typeface="Times New Roman" panose="02020603050405020304" pitchFamily="18" charset="0"/>
+                      </a:endParaRPr>
+                    </a:p>
+                  </a:txBody>
+                  <a:tcPr marL="68580" marR="68580" marT="0" marB="0"/>
+                </a:tc>
+                <a:tc>
+                  <a:txBody>
+                    <a:bodyPr/>
+                    <a:lstStyle/>
+                    <a:p>
+                      <a:pPr>
+                        <a:lnSpc>
+                          <a:spcPct val="107000"/>
+                        </a:lnSpc>
+                        <a:spcAft>
+                          <a:spcPts val="0"/>
+                        </a:spcAft>
+                      </a:pPr>
+                      <a:r>
+                        <a:rPr lang="pt-PT" sz="1100">
+                          <a:effectLst/>
+                        </a:rPr>
+                        <a:t>16.7%</a:t>
+                      </a:r>
+                      <a:endParaRPr lang="en-US" sz="1100">
+                        <a:effectLst/>
+                        <a:latin typeface="Calibri" panose="020F0502020204030204" pitchFamily="34" charset="0"/>
+                        <a:ea typeface="Calibri" panose="020F0502020204030204" pitchFamily="34" charset="0"/>
+                        <a:cs typeface="Times New Roman" panose="02020603050405020304" pitchFamily="18" charset="0"/>
+                      </a:endParaRPr>
+                    </a:p>
+                  </a:txBody>
+                  <a:tcPr marL="68580" marR="68580" marT="0" marB="0"/>
+                </a:tc>
+                <a:extLst>
+                  <a:ext uri="{0D108BD9-81ED-4DB2-BD59-A6C34878D82A}">
+                    <a16:rowId xmlns:a16="http://schemas.microsoft.com/office/drawing/2014/main" val="3210626984"/>
+                  </a:ext>
+                </a:extLst>
+              </a:tr>
+              <a:tr h="0">
+                <a:tc>
+                  <a:txBody>
+                    <a:bodyPr/>
+                    <a:lstStyle/>
+                    <a:p>
+                      <a:pPr>
+                        <a:lnSpc>
+                          <a:spcPct val="107000"/>
+                        </a:lnSpc>
+                        <a:spcAft>
+                          <a:spcPts val="0"/>
+                        </a:spcAft>
+                      </a:pPr>
+                      <a:r>
+                        <a:rPr lang="pt-PT" sz="1100">
+                          <a:effectLst/>
+                        </a:rPr>
+                        <a:t>191</a:t>
+                      </a:r>
+                      <a:endParaRPr lang="en-US" sz="1100">
+                        <a:effectLst/>
+                        <a:latin typeface="Calibri" panose="020F0502020204030204" pitchFamily="34" charset="0"/>
+                        <a:ea typeface="Calibri" panose="020F0502020204030204" pitchFamily="34" charset="0"/>
+                        <a:cs typeface="Times New Roman" panose="02020603050405020304" pitchFamily="18" charset="0"/>
+                      </a:endParaRPr>
+                    </a:p>
+                  </a:txBody>
+                  <a:tcPr marL="68580" marR="68580" marT="0" marB="0"/>
+                </a:tc>
+                <a:tc>
+                  <a:txBody>
+                    <a:bodyPr/>
+                    <a:lstStyle/>
+                    <a:p>
+                      <a:pPr>
+                        <a:lnSpc>
+                          <a:spcPct val="107000"/>
+                        </a:lnSpc>
+                        <a:spcAft>
+                          <a:spcPts val="0"/>
+                        </a:spcAft>
+                      </a:pPr>
+                      <a:r>
+                        <a:rPr lang="pt-PT" sz="1100">
+                          <a:effectLst/>
+                        </a:rPr>
+                        <a:t>40</a:t>
+                      </a:r>
+                      <a:endParaRPr lang="en-US" sz="1100">
+                        <a:effectLst/>
+                        <a:latin typeface="Calibri" panose="020F0502020204030204" pitchFamily="34" charset="0"/>
+                        <a:ea typeface="Calibri" panose="020F0502020204030204" pitchFamily="34" charset="0"/>
+                        <a:cs typeface="Times New Roman" panose="02020603050405020304" pitchFamily="18" charset="0"/>
+                      </a:endParaRPr>
+                    </a:p>
+                  </a:txBody>
+                  <a:tcPr marL="68580" marR="68580" marT="0" marB="0"/>
+                </a:tc>
+                <a:tc>
+                  <a:txBody>
+                    <a:bodyPr/>
+                    <a:lstStyle/>
+                    <a:p>
+                      <a:pPr>
+                        <a:lnSpc>
+                          <a:spcPct val="107000"/>
+                        </a:lnSpc>
+                        <a:spcAft>
+                          <a:spcPts val="0"/>
+                        </a:spcAft>
+                      </a:pPr>
+                      <a:r>
+                        <a:rPr lang="pt-PT" sz="1100">
+                          <a:effectLst/>
+                        </a:rPr>
+                        <a:t>37%</a:t>
+                      </a:r>
+                      <a:endParaRPr lang="en-US" sz="1100">
+                        <a:effectLst/>
+                        <a:latin typeface="Calibri" panose="020F0502020204030204" pitchFamily="34" charset="0"/>
+                        <a:ea typeface="Calibri" panose="020F0502020204030204" pitchFamily="34" charset="0"/>
+                        <a:cs typeface="Times New Roman" panose="02020603050405020304" pitchFamily="18" charset="0"/>
+                      </a:endParaRPr>
+                    </a:p>
+                  </a:txBody>
+                  <a:tcPr marL="68580" marR="68580" marT="0" marB="0"/>
+                </a:tc>
+                <a:extLst>
+                  <a:ext uri="{0D108BD9-81ED-4DB2-BD59-A6C34878D82A}">
+                    <a16:rowId xmlns:a16="http://schemas.microsoft.com/office/drawing/2014/main" val="3351422299"/>
+                  </a:ext>
+                </a:extLst>
+              </a:tr>
+              <a:tr h="0">
+                <a:tc>
+                  <a:txBody>
+                    <a:bodyPr/>
+                    <a:lstStyle/>
+                    <a:p>
+                      <a:pPr>
+                        <a:lnSpc>
+                          <a:spcPct val="107000"/>
+                        </a:lnSpc>
+                        <a:spcAft>
+                          <a:spcPts val="0"/>
+                        </a:spcAft>
+                      </a:pPr>
+                      <a:r>
+                        <a:rPr lang="pt-PT" sz="1100">
+                          <a:effectLst/>
+                        </a:rPr>
+                        <a:t>191</a:t>
+                      </a:r>
+                      <a:endParaRPr lang="en-US" sz="1100">
+                        <a:effectLst/>
+                        <a:latin typeface="Calibri" panose="020F0502020204030204" pitchFamily="34" charset="0"/>
+                        <a:ea typeface="Calibri" panose="020F0502020204030204" pitchFamily="34" charset="0"/>
+                        <a:cs typeface="Times New Roman" panose="02020603050405020304" pitchFamily="18" charset="0"/>
+                      </a:endParaRPr>
+                    </a:p>
+                  </a:txBody>
+                  <a:tcPr marL="68580" marR="68580" marT="0" marB="0"/>
+                </a:tc>
+                <a:tc>
+                  <a:txBody>
+                    <a:bodyPr/>
+                    <a:lstStyle/>
+                    <a:p>
+                      <a:pPr>
+                        <a:lnSpc>
+                          <a:spcPct val="107000"/>
+                        </a:lnSpc>
+                        <a:spcAft>
+                          <a:spcPts val="0"/>
+                        </a:spcAft>
+                      </a:pPr>
+                      <a:r>
+                        <a:rPr lang="pt-PT" sz="1100">
+                          <a:effectLst/>
+                        </a:rPr>
+                        <a:t>60</a:t>
+                      </a:r>
+                      <a:endParaRPr lang="en-US" sz="1100">
+                        <a:effectLst/>
+                        <a:latin typeface="Calibri" panose="020F0502020204030204" pitchFamily="34" charset="0"/>
+                        <a:ea typeface="Calibri" panose="020F0502020204030204" pitchFamily="34" charset="0"/>
+                        <a:cs typeface="Times New Roman" panose="02020603050405020304" pitchFamily="18" charset="0"/>
+                      </a:endParaRPr>
+                    </a:p>
+                  </a:txBody>
+                  <a:tcPr marL="68580" marR="68580" marT="0" marB="0"/>
+                </a:tc>
+                <a:tc>
+                  <a:txBody>
+                    <a:bodyPr/>
+                    <a:lstStyle/>
+                    <a:p>
+                      <a:pPr>
+                        <a:lnSpc>
+                          <a:spcPct val="107000"/>
+                        </a:lnSpc>
+                        <a:spcAft>
+                          <a:spcPts val="0"/>
+                        </a:spcAft>
+                      </a:pPr>
+                      <a:r>
+                        <a:rPr lang="pt-PT" sz="1100">
+                          <a:effectLst/>
+                        </a:rPr>
+                        <a:t>54.7%</a:t>
+                      </a:r>
+                      <a:endParaRPr lang="en-US" sz="1100">
+                        <a:effectLst/>
+                        <a:latin typeface="Calibri" panose="020F0502020204030204" pitchFamily="34" charset="0"/>
+                        <a:ea typeface="Calibri" panose="020F0502020204030204" pitchFamily="34" charset="0"/>
+                        <a:cs typeface="Times New Roman" panose="02020603050405020304" pitchFamily="18" charset="0"/>
+                      </a:endParaRPr>
+                    </a:p>
+                  </a:txBody>
+                  <a:tcPr marL="68580" marR="68580" marT="0" marB="0"/>
+                </a:tc>
+                <a:extLst>
+                  <a:ext uri="{0D108BD9-81ED-4DB2-BD59-A6C34878D82A}">
+                    <a16:rowId xmlns:a16="http://schemas.microsoft.com/office/drawing/2014/main" val="2984146542"/>
+                  </a:ext>
+                </a:extLst>
+              </a:tr>
+              <a:tr h="0">
+                <a:tc>
+                  <a:txBody>
+                    <a:bodyPr/>
+                    <a:lstStyle/>
+                    <a:p>
+                      <a:pPr>
+                        <a:lnSpc>
+                          <a:spcPct val="107000"/>
+                        </a:lnSpc>
+                        <a:spcAft>
+                          <a:spcPts val="0"/>
+                        </a:spcAft>
+                      </a:pPr>
+                      <a:r>
+                        <a:rPr lang="pt-PT" sz="1100">
+                          <a:effectLst/>
+                        </a:rPr>
+                        <a:t>191</a:t>
+                      </a:r>
+                      <a:endParaRPr lang="en-US" sz="1100">
+                        <a:effectLst/>
+                        <a:latin typeface="Calibri" panose="020F0502020204030204" pitchFamily="34" charset="0"/>
+                        <a:ea typeface="Calibri" panose="020F0502020204030204" pitchFamily="34" charset="0"/>
+                        <a:cs typeface="Times New Roman" panose="02020603050405020304" pitchFamily="18" charset="0"/>
+                      </a:endParaRPr>
+                    </a:p>
+                  </a:txBody>
+                  <a:tcPr marL="68580" marR="68580" marT="0" marB="0"/>
+                </a:tc>
+                <a:tc>
+                  <a:txBody>
+                    <a:bodyPr/>
+                    <a:lstStyle/>
+                    <a:p>
+                      <a:pPr>
+                        <a:lnSpc>
+                          <a:spcPct val="107000"/>
+                        </a:lnSpc>
+                        <a:spcAft>
+                          <a:spcPts val="0"/>
+                        </a:spcAft>
+                      </a:pPr>
+                      <a:r>
+                        <a:rPr lang="pt-PT" sz="1100">
+                          <a:effectLst/>
+                        </a:rPr>
+                        <a:t>75</a:t>
+                      </a:r>
+                      <a:endParaRPr lang="en-US" sz="1100">
+                        <a:effectLst/>
+                        <a:latin typeface="Calibri" panose="020F0502020204030204" pitchFamily="34" charset="0"/>
+                        <a:ea typeface="Calibri" panose="020F0502020204030204" pitchFamily="34" charset="0"/>
+                        <a:cs typeface="Times New Roman" panose="02020603050405020304" pitchFamily="18" charset="0"/>
+                      </a:endParaRPr>
+                    </a:p>
+                  </a:txBody>
+                  <a:tcPr marL="68580" marR="68580" marT="0" marB="0"/>
+                </a:tc>
+                <a:tc>
+                  <a:txBody>
+                    <a:bodyPr/>
+                    <a:lstStyle/>
+                    <a:p>
+                      <a:pPr>
+                        <a:lnSpc>
+                          <a:spcPct val="107000"/>
+                        </a:lnSpc>
+                        <a:spcAft>
+                          <a:spcPts val="0"/>
+                        </a:spcAft>
+                      </a:pPr>
+                      <a:r>
+                        <a:rPr lang="pt-PT" sz="1100" dirty="0">
+                          <a:effectLst/>
+                        </a:rPr>
+                        <a:t>66%</a:t>
+                      </a:r>
+                      <a:endParaRPr lang="en-US" sz="1100" dirty="0">
+                        <a:effectLst/>
+                        <a:latin typeface="Calibri" panose="020F0502020204030204" pitchFamily="34" charset="0"/>
+                        <a:ea typeface="Calibri" panose="020F0502020204030204" pitchFamily="34" charset="0"/>
+                        <a:cs typeface="Times New Roman" panose="02020603050405020304" pitchFamily="18" charset="0"/>
+                      </a:endParaRPr>
+                    </a:p>
+                  </a:txBody>
+                  <a:tcPr marL="68580" marR="68580" marT="0" marB="0"/>
+                </a:tc>
+                <a:extLst>
+                  <a:ext uri="{0D108BD9-81ED-4DB2-BD59-A6C34878D82A}">
+                    <a16:rowId xmlns:a16="http://schemas.microsoft.com/office/drawing/2014/main" val="4043993594"/>
+                  </a:ext>
+                </a:extLst>
+              </a:tr>
+            </a:tbl>
+          </a:graphicData>
+        </a:graphic>
+      </p:graphicFrame>
+      <p:sp>
+        <p:nvSpPr>
+          <p:cNvPr id="14" name="Title 1">
+            <a:extLst>
+              <a:ext uri="{FF2B5EF4-FFF2-40B4-BE49-F238E27FC236}">
+                <a16:creationId xmlns:a16="http://schemas.microsoft.com/office/drawing/2014/main" id="{98AC1746-92DB-4474-9AA7-A993D2D143E7}"/>
+              </a:ext>
+            </a:extLst>
+          </p:cNvPr>
+          <p:cNvSpPr>
+            <a:spLocks noGrp="1"/>
+          </p:cNvSpPr>
+          <p:nvPr>
+            <p:ph type="title"/>
+          </p:nvPr>
+        </p:nvSpPr>
+        <p:spPr>
+          <a:xfrm>
+            <a:off x="448964" y="281175"/>
+            <a:ext cx="8246071" cy="610820"/>
+          </a:xfrm>
+        </p:spPr>
+        <p:txBody>
+          <a:bodyPr>
+            <a:normAutofit fontScale="90000"/>
+          </a:bodyPr>
+          <a:lstStyle/>
+          <a:p>
+            <a:r>
+              <a:rPr lang="pt-PT" dirty="0"/>
+              <a:t>Discussão de resultados</a:t>
+            </a:r>
+            <a:endParaRPr lang="en-US" dirty="0"/>
+          </a:p>
+        </p:txBody>
+      </p:sp>
+    </p:spTree>
+    <p:extLst>
+      <p:ext uri="{BB962C8B-B14F-4D97-AF65-F5344CB8AC3E}">
+        <p14:creationId xmlns:p14="http://schemas.microsoft.com/office/powerpoint/2010/main" val="2136752233"/>
+      </p:ext>
+    </p:extLst>
+  </p:cSld>
+  <p:clrMapOvr>
+    <a:masterClrMapping/>
+  </p:clrMapOvr>
+</p:sld>
+</file>
+
+<file path=ppt/slides/slide18.xml><?xml version="1.0" encoding="utf-8"?>
+<p:sld xmlns:a="http://schemas.openxmlformats.org/drawingml/2006/main" xmlns:r="http://schemas.openxmlformats.org/officeDocument/2006/relationships" xmlns:p="http://schemas.openxmlformats.org/presentationml/2006/main">
+  <p:cSld>
+    <p:spTree>
+      <p:nvGrpSpPr>
+        <p:cNvPr id="1" name=""/>
+        <p:cNvGrpSpPr/>
+        <p:nvPr/>
+      </p:nvGrpSpPr>
+      <p:grpSpPr>
+        <a:xfrm>
+          <a:off x="0" y="0"/>
+          <a:ext cx="0" cy="0"/>
+          <a:chOff x="0" y="0"/>
+          <a:chExt cx="0" cy="0"/>
+        </a:xfrm>
+      </p:grpSpPr>
+      <p:sp>
+        <p:nvSpPr>
           <p:cNvPr id="2" name="Title 1">
             <a:extLst>
               <a:ext uri="{FF2B5EF4-FFF2-40B4-BE49-F238E27FC236}">
@@ -9816,19 +13391,19 @@
         </p:nvSpPr>
         <p:spPr>
           <a:xfrm>
-            <a:off x="448964" y="1502815"/>
-            <a:ext cx="8398775" cy="2137869"/>
+            <a:off x="448964" y="1350110"/>
+            <a:ext cx="8398775" cy="1374345"/>
           </a:xfrm>
         </p:spPr>
         <p:txBody>
           <a:bodyPr>
-            <a:normAutofit/>
+            <a:normAutofit fontScale="92500" lnSpcReduction="20000"/>
           </a:bodyPr>
           <a:lstStyle/>
           <a:p>
             <a:pPr marL="342900" indent="-342900" algn="l">
               <a:buBlip>
-                <a:blip r:embed="rId2"/>
+                <a:blip r:embed="rId3"/>
               </a:buBlip>
             </a:pPr>
             <a:r>
@@ -9843,14 +13418,14 @@
           <a:p>
             <a:pPr marL="342900" indent="-342900" algn="l">
               <a:buBlip>
-                <a:blip r:embed="rId2">
+                <a:blip r:embed="rId3">
                   <a:extLst/>
                 </a:blip>
               </a:buBlip>
             </a:pPr>
             <a:r>
               <a:rPr lang="pt-PT" sz="1500" dirty="0"/>
-              <a:t>Qual país apresenta maior incidência? (visto serem só dois podemos comparar)</a:t>
+              <a:t>Qual a cidade apresenta maior incidência? (visto serem só dois podemos comparar)</a:t>
             </a:r>
           </a:p>
           <a:p>
@@ -9860,7 +13435,7 @@
           <a:p>
             <a:pPr marL="342900" indent="-342900" algn="l">
               <a:buBlip>
-                <a:blip r:embed="rId2"/>
+                <a:blip r:embed="rId3"/>
               </a:buBlip>
             </a:pPr>
             <a:r>
@@ -9872,6 +13447,215 @@
           <a:p>
             <a:pPr algn="l"/>
             <a:endParaRPr lang="pt-PT" sz="1500" dirty="0"/>
+          </a:p>
+        </p:txBody>
+      </p:sp>
+      <p:pic>
+        <p:nvPicPr>
+          <p:cNvPr id="2050" name="Picture 2" descr="https://scontent.fopo1-1.fna.fbcdn.net/v/t1.15752-9/48277351_329235637908992_6174549030312345600_n.png?_nc_cat=108&amp;_nc_ht=scontent.fopo1-1.fna&amp;oh=1c043f919072149135165d93c264ab9b&amp;oe=5C923BFB">
+            <a:extLst>
+              <a:ext uri="{FF2B5EF4-FFF2-40B4-BE49-F238E27FC236}">
+                <a16:creationId xmlns:a16="http://schemas.microsoft.com/office/drawing/2014/main" id="{4BF49BF8-9E44-4721-B2FF-7ADC6B02B6FB}"/>
+              </a:ext>
+            </a:extLst>
+          </p:cNvPr>
+          <p:cNvPicPr>
+            <a:picLocks noChangeAspect="1" noChangeArrowheads="1"/>
+          </p:cNvPicPr>
+          <p:nvPr/>
+        </p:nvPicPr>
+        <p:blipFill>
+          <a:blip r:embed="rId4">
+            <a:extLst>
+              <a:ext uri="{28A0092B-C50C-407E-A947-70E740481C1C}">
+                <a14:useLocalDpi xmlns:a14="http://schemas.microsoft.com/office/drawing/2010/main" val="0"/>
+              </a:ext>
+            </a:extLst>
+          </a:blip>
+          <a:srcRect/>
+          <a:stretch>
+            <a:fillRect/>
+          </a:stretch>
+        </p:blipFill>
+        <p:spPr bwMode="auto">
+          <a:xfrm>
+            <a:off x="448964" y="2556054"/>
+            <a:ext cx="4015713" cy="2387007"/>
+          </a:xfrm>
+          <a:prstGeom prst="rect">
+            <a:avLst/>
+          </a:prstGeom>
+          <a:noFill/>
+          <a:extLst>
+            <a:ext uri="{909E8E84-426E-40DD-AFC4-6F175D3DCCD1}">
+              <a14:hiddenFill xmlns:a14="http://schemas.microsoft.com/office/drawing/2010/main">
+                <a:solidFill>
+                  <a:srgbClr val="FFFFFF"/>
+                </a:solidFill>
+              </a14:hiddenFill>
+            </a:ext>
+          </a:extLst>
+        </p:spPr>
+      </p:pic>
+      <p:sp>
+        <p:nvSpPr>
+          <p:cNvPr id="3" name="Rectangle 2">
+            <a:extLst>
+              <a:ext uri="{FF2B5EF4-FFF2-40B4-BE49-F238E27FC236}">
+                <a16:creationId xmlns:a16="http://schemas.microsoft.com/office/drawing/2014/main" id="{2FE4AD43-839F-4F64-81BA-FB3C4BAE1032}"/>
+              </a:ext>
+            </a:extLst>
+          </p:cNvPr>
+          <p:cNvSpPr/>
+          <p:nvPr/>
+        </p:nvSpPr>
+        <p:spPr>
+          <a:xfrm>
+            <a:off x="4648351" y="2968585"/>
+            <a:ext cx="4205882" cy="1730345"/>
+          </a:xfrm>
+          <a:prstGeom prst="rect">
+            <a:avLst/>
+          </a:prstGeom>
+        </p:spPr>
+        <p:txBody>
+          <a:bodyPr wrap="square">
+            <a:spAutoFit/>
+          </a:bodyPr>
+          <a:lstStyle/>
+          <a:p>
+            <a:pPr>
+              <a:lnSpc>
+                <a:spcPct val="107000"/>
+              </a:lnSpc>
+              <a:spcBef>
+                <a:spcPts val="1200"/>
+              </a:spcBef>
+              <a:spcAft>
+                <a:spcPts val="0"/>
+              </a:spcAft>
+              <a:buClr>
+                <a:schemeClr val="accent1"/>
+              </a:buClr>
+            </a:pPr>
+            <a:r>
+              <a:rPr lang="pt-PT" sz="1400" b="1" kern="0" dirty="0">
+                <a:solidFill>
+                  <a:srgbClr val="2F5496"/>
+                </a:solidFill>
+                <a:ea typeface="Times New Roman" panose="02020603050405020304" pitchFamily="18" charset="0"/>
+                <a:cs typeface="Times New Roman" panose="02020603050405020304" pitchFamily="18" charset="0"/>
+              </a:rPr>
+              <a:t>Incidência em pessoas com mais/menos do que 50 anos</a:t>
+            </a:r>
+            <a:endParaRPr lang="en-US" sz="1400" dirty="0">
+              <a:ea typeface="Calibri" panose="020F0502020204030204" pitchFamily="34" charset="0"/>
+              <a:cs typeface="Times New Roman" panose="02020603050405020304" pitchFamily="18" charset="0"/>
+            </a:endParaRPr>
+          </a:p>
+          <a:p>
+            <a:pPr marL="342900" lvl="0" indent="-342900">
+              <a:lnSpc>
+                <a:spcPct val="107000"/>
+              </a:lnSpc>
+              <a:spcAft>
+                <a:spcPts val="0"/>
+              </a:spcAft>
+              <a:buClr>
+                <a:schemeClr val="accent1"/>
+              </a:buClr>
+              <a:buFont typeface="Wingdings" panose="05000000000000000000" pitchFamily="2" charset="2"/>
+              <a:buChar char="ü"/>
+            </a:pPr>
+            <a:r>
+              <a:rPr lang="pt-PT" sz="1200" dirty="0">
+                <a:ea typeface="Calibri" panose="020F0502020204030204" pitchFamily="34" charset="0"/>
+                <a:cs typeface="Times New Roman" panose="02020603050405020304" pitchFamily="18" charset="0"/>
+              </a:rPr>
+              <a:t>94.22% das pessoas que têm menos de 50 anos não têm diabetes</a:t>
+            </a:r>
+            <a:endParaRPr lang="en-US" sz="1200" dirty="0">
+              <a:ea typeface="Calibri" panose="020F0502020204030204" pitchFamily="34" charset="0"/>
+              <a:cs typeface="Times New Roman" panose="02020603050405020304" pitchFamily="18" charset="0"/>
+            </a:endParaRPr>
+          </a:p>
+          <a:p>
+            <a:pPr marL="342900" lvl="0" indent="-342900">
+              <a:lnSpc>
+                <a:spcPct val="107000"/>
+              </a:lnSpc>
+              <a:spcAft>
+                <a:spcPts val="0"/>
+              </a:spcAft>
+              <a:buClr>
+                <a:schemeClr val="accent1"/>
+              </a:buClr>
+              <a:buFont typeface="Wingdings" panose="05000000000000000000" pitchFamily="2" charset="2"/>
+              <a:buChar char="ü"/>
+            </a:pPr>
+            <a:r>
+              <a:rPr lang="pt-PT" sz="1200" dirty="0">
+                <a:ea typeface="Calibri" panose="020F0502020204030204" pitchFamily="34" charset="0"/>
+                <a:cs typeface="Times New Roman" panose="02020603050405020304" pitchFamily="18" charset="0"/>
+              </a:rPr>
+              <a:t>70,4% das pessoas que têm mais de 50 anos não têm diabetes</a:t>
+            </a:r>
+            <a:endParaRPr lang="en-US" sz="1200" dirty="0">
+              <a:ea typeface="Calibri" panose="020F0502020204030204" pitchFamily="34" charset="0"/>
+              <a:cs typeface="Times New Roman" panose="02020603050405020304" pitchFamily="18" charset="0"/>
+            </a:endParaRPr>
+          </a:p>
+          <a:p>
+            <a:pPr marL="342900" lvl="0" indent="-342900">
+              <a:lnSpc>
+                <a:spcPct val="107000"/>
+              </a:lnSpc>
+              <a:spcAft>
+                <a:spcPts val="0"/>
+              </a:spcAft>
+              <a:buClr>
+                <a:schemeClr val="accent1"/>
+              </a:buClr>
+              <a:buFont typeface="Wingdings" panose="05000000000000000000" pitchFamily="2" charset="2"/>
+              <a:buChar char="ü"/>
+            </a:pPr>
+            <a:r>
+              <a:rPr lang="pt-PT" sz="1200" dirty="0">
+                <a:ea typeface="Calibri" panose="020F0502020204030204" pitchFamily="34" charset="0"/>
+                <a:cs typeface="Times New Roman" panose="02020603050405020304" pitchFamily="18" charset="0"/>
+              </a:rPr>
+              <a:t>42.55% dos que não têm diabetes têm mais de 50 anos</a:t>
+            </a:r>
+            <a:endParaRPr lang="en-US" sz="1200" dirty="0">
+              <a:ea typeface="Calibri" panose="020F0502020204030204" pitchFamily="34" charset="0"/>
+              <a:cs typeface="Times New Roman" panose="02020603050405020304" pitchFamily="18" charset="0"/>
+            </a:endParaRPr>
+          </a:p>
+          <a:p>
+            <a:pPr marL="342900" lvl="0" indent="-342900">
+              <a:lnSpc>
+                <a:spcPct val="107000"/>
+              </a:lnSpc>
+              <a:spcAft>
+                <a:spcPts val="800"/>
+              </a:spcAft>
+              <a:buClr>
+                <a:schemeClr val="accent1"/>
+              </a:buClr>
+              <a:buFont typeface="Wingdings" panose="05000000000000000000" pitchFamily="2" charset="2"/>
+              <a:buChar char="ü"/>
+            </a:pPr>
+            <a:r>
+              <a:rPr lang="pt-PT" sz="1200" dirty="0">
+                <a:ea typeface="Calibri" panose="020F0502020204030204" pitchFamily="34" charset="0"/>
+                <a:cs typeface="Times New Roman" panose="02020603050405020304" pitchFamily="18" charset="0"/>
+              </a:rPr>
+              <a:t>83.54% dos que têm diabetes têm mais de 50 anos</a:t>
+            </a:r>
+            <a:endParaRPr lang="en-US" sz="1200" dirty="0">
+              <a:ea typeface="Calibri" panose="020F0502020204030204" pitchFamily="34" charset="0"/>
+              <a:cs typeface="Times New Roman" panose="02020603050405020304" pitchFamily="18" charset="0"/>
+            </a:endParaRPr>
           </a:p>
         </p:txBody>
       </p:sp>
@@ -9879,6 +13663,67 @@
     <p:extLst>
       <p:ext uri="{BB962C8B-B14F-4D97-AF65-F5344CB8AC3E}">
         <p14:creationId xmlns:p14="http://schemas.microsoft.com/office/powerpoint/2010/main" val="2980354211"/>
+      </p:ext>
+    </p:extLst>
+  </p:cSld>
+  <p:clrMapOvr>
+    <a:masterClrMapping/>
+  </p:clrMapOvr>
+</p:sld>
+</file>
+
+<file path=ppt/slides/slide19.xml><?xml version="1.0" encoding="utf-8"?>
+<p:sld xmlns:a="http://schemas.openxmlformats.org/drawingml/2006/main" xmlns:r="http://schemas.openxmlformats.org/officeDocument/2006/relationships" xmlns:p="http://schemas.openxmlformats.org/presentationml/2006/main">
+  <p:cSld>
+    <p:spTree>
+      <p:nvGrpSpPr>
+        <p:cNvPr id="1" name=""/>
+        <p:cNvGrpSpPr/>
+        <p:nvPr/>
+      </p:nvGrpSpPr>
+      <p:grpSpPr>
+        <a:xfrm>
+          <a:off x="0" y="0"/>
+          <a:ext cx="0" cy="0"/>
+          <a:chOff x="0" y="0"/>
+          <a:chExt cx="0" cy="0"/>
+        </a:xfrm>
+      </p:grpSpPr>
+      <p:sp>
+        <p:nvSpPr>
+          <p:cNvPr id="2" name="Title 1">
+            <a:extLst>
+              <a:ext uri="{FF2B5EF4-FFF2-40B4-BE49-F238E27FC236}">
+                <a16:creationId xmlns:a16="http://schemas.microsoft.com/office/drawing/2014/main" id="{4B8B9C69-3DB0-454C-AEF0-8191DB41CBD7}"/>
+              </a:ext>
+            </a:extLst>
+          </p:cNvPr>
+          <p:cNvSpPr>
+            <a:spLocks noGrp="1"/>
+          </p:cNvSpPr>
+          <p:nvPr>
+            <p:ph type="title"/>
+          </p:nvPr>
+        </p:nvSpPr>
+        <p:spPr/>
+        <p:txBody>
+          <a:bodyPr>
+            <a:normAutofit fontScale="90000"/>
+          </a:bodyPr>
+          <a:lstStyle/>
+          <a:p>
+            <a:r>
+              <a:rPr lang="pt-PT" dirty="0"/>
+              <a:t>Fim</a:t>
+            </a:r>
+            <a:endParaRPr lang="en-US" dirty="0"/>
+          </a:p>
+        </p:txBody>
+      </p:sp>
+    </p:spTree>
+    <p:extLst>
+      <p:ext uri="{BB962C8B-B14F-4D97-AF65-F5344CB8AC3E}">
+        <p14:creationId xmlns:p14="http://schemas.microsoft.com/office/powerpoint/2010/main" val="407729028"/>
       </p:ext>
     </p:extLst>
   </p:cSld>
@@ -12875,7 +16720,7 @@
           <p:nvPr/>
         </p:nvPicPr>
         <p:blipFill>
-          <a:blip r:embed="rId2" cstate="print">
+          <a:blip r:embed="rId3" cstate="print">
             <a:extLst>
               <a:ext uri="{28A0092B-C50C-407E-A947-70E740481C1C}">
                 <a14:useLocalDpi xmlns:a14="http://schemas.microsoft.com/office/drawing/2010/main" val="0"/>
@@ -12888,7 +16733,7 @@
         </p:blipFill>
         <p:spPr>
           <a:xfrm>
-            <a:off x="296260" y="1197405"/>
+            <a:off x="102912" y="1044700"/>
             <a:ext cx="1679755" cy="1985165"/>
           </a:xfrm>
           <a:prstGeom prst="rect">
@@ -12909,7 +16754,7 @@
           <p:nvPr/>
         </p:nvPicPr>
         <p:blipFill>
-          <a:blip r:embed="rId3" cstate="print">
+          <a:blip r:embed="rId4" cstate="print">
             <a:extLst>
               <a:ext uri="{28A0092B-C50C-407E-A947-70E740481C1C}">
                 <a14:useLocalDpi xmlns:a14="http://schemas.microsoft.com/office/drawing/2010/main" val="0"/>
@@ -12922,7 +16767,7 @@
         </p:blipFill>
         <p:spPr>
           <a:xfrm>
-            <a:off x="2128720" y="1197405"/>
+            <a:off x="1872177" y="1196083"/>
             <a:ext cx="1681200" cy="1983600"/>
           </a:xfrm>
           <a:prstGeom prst="rect">
@@ -12945,7 +16790,7 @@
           <p:nvPr/>
         </p:nvPicPr>
         <p:blipFill>
-          <a:blip r:embed="rId4" cstate="print">
+          <a:blip r:embed="rId5" cstate="print">
             <a:extLst>
               <a:ext uri="{28A0092B-C50C-407E-A947-70E740481C1C}">
                 <a14:useLocalDpi xmlns:a14="http://schemas.microsoft.com/office/drawing/2010/main" val="0"/>
@@ -12981,7 +16826,7 @@
           <p:nvPr/>
         </p:nvPicPr>
         <p:blipFill>
-          <a:blip r:embed="rId5" cstate="print">
+          <a:blip r:embed="rId6" cstate="print">
             <a:extLst>
               <a:ext uri="{28A0092B-C50C-407E-A947-70E740481C1C}">
                 <a14:useLocalDpi xmlns:a14="http://schemas.microsoft.com/office/drawing/2010/main" val="0"/>
@@ -13017,7 +16862,7 @@
           <p:nvPr/>
         </p:nvPicPr>
         <p:blipFill>
-          <a:blip r:embed="rId6" cstate="print">
+          <a:blip r:embed="rId7" cstate="print">
             <a:extLst>
               <a:ext uri="{28A0092B-C50C-407E-A947-70E740481C1C}">
                 <a14:useLocalDpi xmlns:a14="http://schemas.microsoft.com/office/drawing/2010/main" val="0"/>
@@ -13038,6 +16883,114 @@
           </a:prstGeom>
         </p:spPr>
       </p:pic>
+      <p:pic>
+        <p:nvPicPr>
+          <p:cNvPr id="9" name="Picture 8">
+            <a:extLst>
+              <a:ext uri="{FF2B5EF4-FFF2-40B4-BE49-F238E27FC236}">
+                <a16:creationId xmlns:a16="http://schemas.microsoft.com/office/drawing/2014/main" id="{BF69A70F-6E90-4234-89FC-94D343141506}"/>
+              </a:ext>
+            </a:extLst>
+          </p:cNvPr>
+          <p:cNvPicPr>
+            <a:picLocks noChangeAspect="1"/>
+          </p:cNvPicPr>
+          <p:nvPr/>
+        </p:nvPicPr>
+        <p:blipFill>
+          <a:blip r:embed="rId8">
+            <a:extLst>
+              <a:ext uri="{28A0092B-C50C-407E-A947-70E740481C1C}">
+                <a14:useLocalDpi xmlns:a14="http://schemas.microsoft.com/office/drawing/2010/main" val="0"/>
+              </a:ext>
+            </a:extLst>
+          </a:blip>
+          <a:stretch>
+            <a:fillRect/>
+          </a:stretch>
+        </p:blipFill>
+        <p:spPr>
+          <a:xfrm>
+            <a:off x="3677609" y="1196083"/>
+            <a:ext cx="2574146" cy="1917368"/>
+          </a:xfrm>
+          <a:prstGeom prst="rect">
+            <a:avLst/>
+          </a:prstGeom>
+        </p:spPr>
+      </p:pic>
+      <p:pic>
+        <p:nvPicPr>
+          <p:cNvPr id="11" name="Picture 10">
+            <a:extLst>
+              <a:ext uri="{FF2B5EF4-FFF2-40B4-BE49-F238E27FC236}">
+                <a16:creationId xmlns:a16="http://schemas.microsoft.com/office/drawing/2014/main" id="{C2A047B5-6E36-4555-95A2-0A00FF1496AB}"/>
+              </a:ext>
+            </a:extLst>
+          </p:cNvPr>
+          <p:cNvPicPr>
+            <a:picLocks noChangeAspect="1"/>
+          </p:cNvPicPr>
+          <p:nvPr/>
+        </p:nvPicPr>
+        <p:blipFill>
+          <a:blip r:embed="rId9">
+            <a:extLst>
+              <a:ext uri="{28A0092B-C50C-407E-A947-70E740481C1C}">
+                <a14:useLocalDpi xmlns:a14="http://schemas.microsoft.com/office/drawing/2010/main" val="0"/>
+              </a:ext>
+            </a:extLst>
+          </a:blip>
+          <a:stretch>
+            <a:fillRect/>
+          </a:stretch>
+        </p:blipFill>
+        <p:spPr>
+          <a:xfrm>
+            <a:off x="6419077" y="1237803"/>
+            <a:ext cx="2724923" cy="2029675"/>
+          </a:xfrm>
+          <a:prstGeom prst="rect">
+            <a:avLst/>
+          </a:prstGeom>
+        </p:spPr>
+      </p:pic>
+      <p:pic>
+        <p:nvPicPr>
+          <p:cNvPr id="5" name="Picture 4">
+            <a:extLst>
+              <a:ext uri="{FF2B5EF4-FFF2-40B4-BE49-F238E27FC236}">
+                <a16:creationId xmlns:a16="http://schemas.microsoft.com/office/drawing/2014/main" id="{D428602C-4232-48A4-9BEE-CC386DDB1FBB}"/>
+              </a:ext>
+            </a:extLst>
+          </p:cNvPr>
+          <p:cNvPicPr>
+            <a:picLocks noChangeAspect="1"/>
+          </p:cNvPicPr>
+          <p:nvPr/>
+        </p:nvPicPr>
+        <p:blipFill>
+          <a:blip r:embed="rId10">
+            <a:extLst>
+              <a:ext uri="{28A0092B-C50C-407E-A947-70E740481C1C}">
+                <a14:useLocalDpi xmlns:a14="http://schemas.microsoft.com/office/drawing/2010/main" val="0"/>
+              </a:ext>
+            </a:extLst>
+          </a:blip>
+          <a:stretch>
+            <a:fillRect/>
+          </a:stretch>
+        </p:blipFill>
+        <p:spPr>
+          <a:xfrm>
+            <a:off x="2500914" y="1796922"/>
+            <a:ext cx="3667180" cy="2731521"/>
+          </a:xfrm>
+          <a:prstGeom prst="rect">
+            <a:avLst/>
+          </a:prstGeom>
+        </p:spPr>
+      </p:pic>
     </p:spTree>
     <p:extLst>
       <p:ext uri="{BB962C8B-B14F-4D97-AF65-F5344CB8AC3E}">
@@ -13048,6 +17001,81 @@
   <p:clrMapOvr>
     <a:masterClrMapping/>
   </p:clrMapOvr>
+  <p:timing>
+    <p:tnLst>
+      <p:par>
+        <p:cTn id="1" dur="indefinite" restart="never" nodeType="tmRoot">
+          <p:childTnLst>
+            <p:seq concurrent="1" nextAc="seek">
+              <p:cTn id="2" dur="indefinite" nodeType="mainSeq">
+                <p:childTnLst>
+                  <p:par>
+                    <p:cTn id="3" fill="hold">
+                      <p:stCondLst>
+                        <p:cond delay="indefinite"/>
+                      </p:stCondLst>
+                      <p:childTnLst>
+                        <p:par>
+                          <p:cTn id="4" fill="hold">
+                            <p:stCondLst>
+                              <p:cond delay="0"/>
+                            </p:stCondLst>
+                            <p:childTnLst>
+                              <p:par>
+                                <p:cTn id="5" presetID="1" presetClass="entr" presetSubtype="0" fill="hold" nodeType="clickEffect">
+                                  <p:stCondLst>
+                                    <p:cond delay="0"/>
+                                  </p:stCondLst>
+                                  <p:childTnLst>
+                                    <p:set>
+                                      <p:cBhvr>
+                                        <p:cTn id="6" dur="1" fill="hold">
+                                          <p:stCondLst>
+                                            <p:cond delay="0"/>
+                                          </p:stCondLst>
+                                        </p:cTn>
+                                        <p:tgtEl>
+                                          <p:spTgt spid="5"/>
+                                        </p:tgtEl>
+                                        <p:attrNameLst>
+                                          <p:attrName>style.visibility</p:attrName>
+                                        </p:attrNameLst>
+                                      </p:cBhvr>
+                                      <p:to>
+                                        <p:strVal val="visible"/>
+                                      </p:to>
+                                    </p:set>
+                                  </p:childTnLst>
+                                </p:cTn>
+                              </p:par>
+                            </p:childTnLst>
+                          </p:cTn>
+                        </p:par>
+                      </p:childTnLst>
+                    </p:cTn>
+                  </p:par>
+                </p:childTnLst>
+              </p:cTn>
+              <p:prevCondLst>
+                <p:cond evt="onPrev" delay="0">
+                  <p:tgtEl>
+                    <p:sldTgt/>
+                  </p:tgtEl>
+                </p:cond>
+              </p:prevCondLst>
+              <p:nextCondLst>
+                <p:cond evt="onNext" delay="0">
+                  <p:tgtEl>
+                    <p:sldTgt/>
+                  </p:tgtEl>
+                </p:cond>
+              </p:nextCondLst>
+            </p:seq>
+          </p:childTnLst>
+        </p:cTn>
+      </p:par>
+    </p:tnLst>
+  </p:timing>
 </p:sld>
 </file>
 

--- a/apresentacao.pptx
+++ b/apresentacao.pptx
@@ -384,7 +384,7 @@
           <a:p>
             <a:fld id="{C263AF9A-6E76-4CCC-89CF-B04065708FB7}" type="slidenum">
               <a:rPr lang="en-US" smtClean="0"/>
-              <a:t>‹#›</a:t>
+              <a:t>‹nº›</a:t>
             </a:fld>
             <a:endParaRPr lang="en-US"/>
           </a:p>
@@ -3181,7 +3181,7 @@
             <a:fld id="{B82CCC60-E8CD-4174-8B1A-7DF615B22EEF}" type="slidenum">
               <a:rPr lang="en-US" smtClean="0"/>
               <a:pPr/>
-              <a:t>‹#›</a:t>
+              <a:t>‹nº›</a:t>
             </a:fld>
             <a:endParaRPr lang="en-US"/>
           </a:p>
@@ -3435,7 +3435,7 @@
             <a:fld id="{B82CCC60-E8CD-4174-8B1A-7DF615B22EEF}" type="slidenum">
               <a:rPr lang="en-US" smtClean="0"/>
               <a:pPr/>
-              <a:t>‹#›</a:t>
+              <a:t>‹nº›</a:t>
             </a:fld>
             <a:endParaRPr lang="en-US"/>
           </a:p>
@@ -3605,7 +3605,7 @@
             <a:fld id="{B82CCC60-E8CD-4174-8B1A-7DF615B22EEF}" type="slidenum">
               <a:rPr lang="en-US" smtClean="0"/>
               <a:pPr/>
-              <a:t>‹#›</a:t>
+              <a:t>‹nº›</a:t>
             </a:fld>
             <a:endParaRPr lang="en-US"/>
           </a:p>
@@ -3785,7 +3785,7 @@
             <a:fld id="{B82CCC60-E8CD-4174-8B1A-7DF615B22EEF}" type="slidenum">
               <a:rPr lang="en-US" smtClean="0"/>
               <a:pPr/>
-              <a:t>‹#›</a:t>
+              <a:t>‹nº›</a:t>
             </a:fld>
             <a:endParaRPr lang="en-US"/>
           </a:p>
@@ -4067,7 +4067,7 @@
             <a:fld id="{B82CCC60-E8CD-4174-8B1A-7DF615B22EEF}" type="slidenum">
               <a:rPr lang="en-US" smtClean="0"/>
               <a:pPr/>
-              <a:t>‹#›</a:t>
+              <a:t>‹nº›</a:t>
             </a:fld>
             <a:endParaRPr lang="en-US"/>
           </a:p>
@@ -4314,7 +4314,7 @@
             <a:fld id="{B82CCC60-E8CD-4174-8B1A-7DF615B22EEF}" type="slidenum">
               <a:rPr lang="en-US" smtClean="0"/>
               <a:pPr/>
-              <a:t>‹#›</a:t>
+              <a:t>‹nº›</a:t>
             </a:fld>
             <a:endParaRPr lang="en-US"/>
           </a:p>
@@ -4561,7 +4561,7 @@
             <a:fld id="{B82CCC60-E8CD-4174-8B1A-7DF615B22EEF}" type="slidenum">
               <a:rPr lang="en-US" smtClean="0"/>
               <a:pPr/>
-              <a:t>‹#›</a:t>
+              <a:t>‹nº›</a:t>
             </a:fld>
             <a:endParaRPr lang="en-US"/>
           </a:p>
@@ -4848,7 +4848,7 @@
             <a:fld id="{B82CCC60-E8CD-4174-8B1A-7DF615B22EEF}" type="slidenum">
               <a:rPr lang="en-US" smtClean="0"/>
               <a:pPr/>
-              <a:t>‹#›</a:t>
+              <a:t>‹nº›</a:t>
             </a:fld>
             <a:endParaRPr lang="en-US"/>
           </a:p>
@@ -5335,7 +5335,7 @@
             <a:fld id="{B82CCC60-E8CD-4174-8B1A-7DF615B22EEF}" type="slidenum">
               <a:rPr lang="en-US" smtClean="0"/>
               <a:pPr/>
-              <a:t>‹#›</a:t>
+              <a:t>‹nº›</a:t>
             </a:fld>
             <a:endParaRPr lang="en-US"/>
           </a:p>
@@ -5454,7 +5454,7 @@
             <a:fld id="{B82CCC60-E8CD-4174-8B1A-7DF615B22EEF}" type="slidenum">
               <a:rPr lang="en-US" smtClean="0"/>
               <a:pPr/>
-              <a:t>‹#›</a:t>
+              <a:t>‹nº›</a:t>
             </a:fld>
             <a:endParaRPr lang="en-US"/>
           </a:p>
@@ -5551,7 +5551,7 @@
             <a:fld id="{B82CCC60-E8CD-4174-8B1A-7DF615B22EEF}" type="slidenum">
               <a:rPr lang="en-US" smtClean="0"/>
               <a:pPr/>
-              <a:t>‹#›</a:t>
+              <a:t>‹nº›</a:t>
             </a:fld>
             <a:endParaRPr lang="en-US"/>
           </a:p>
@@ -5828,7 +5828,7 @@
             <a:fld id="{B82CCC60-E8CD-4174-8B1A-7DF615B22EEF}" type="slidenum">
               <a:rPr lang="en-US" smtClean="0"/>
               <a:pPr/>
-              <a:t>‹#›</a:t>
+              <a:t>‹nº›</a:t>
             </a:fld>
             <a:endParaRPr lang="en-US"/>
           </a:p>
@@ -6086,7 +6086,7 @@
             <a:fld id="{B82CCC60-E8CD-4174-8B1A-7DF615B22EEF}" type="slidenum">
               <a:rPr lang="en-US" smtClean="0"/>
               <a:pPr/>
-              <a:t>‹#›</a:t>
+              <a:t>‹nº›</a:t>
             </a:fld>
             <a:endParaRPr lang="en-US"/>
           </a:p>
@@ -6997,7 +6997,12 @@
             <p:ph type="body" idx="1"/>
           </p:nvPr>
         </p:nvSpPr>
-        <p:spPr/>
+        <p:spPr>
+          <a:xfrm>
+            <a:off x="531811" y="1284611"/>
+            <a:ext cx="4040188" cy="479822"/>
+          </a:xfrm>
+        </p:spPr>
         <p:txBody>
           <a:bodyPr/>
           <a:lstStyle/>
@@ -7015,73 +7020,6 @@
               <a:t>abordagem</a:t>
             </a:r>
             <a:endParaRPr lang="en-US" dirty="0"/>
-          </a:p>
-        </p:txBody>
-      </p:sp>
-      <p:sp>
-        <p:nvSpPr>
-          <p:cNvPr id="4" name="Content Placeholder 3">
-            <a:extLst>
-              <a:ext uri="{FF2B5EF4-FFF2-40B4-BE49-F238E27FC236}">
-                <a16:creationId xmlns:a16="http://schemas.microsoft.com/office/drawing/2014/main" id="{9C303CBD-5940-4312-B54C-CB2786B3F58C}"/>
-              </a:ext>
-            </a:extLst>
-          </p:cNvPr>
-          <p:cNvSpPr>
-            <a:spLocks noGrp="1"/>
-          </p:cNvSpPr>
-          <p:nvPr>
-            <p:ph sz="half" idx="2"/>
-          </p:nvPr>
-        </p:nvSpPr>
-        <p:spPr/>
-        <p:txBody>
-          <a:bodyPr>
-            <a:normAutofit fontScale="70000" lnSpcReduction="20000"/>
-          </a:bodyPr>
-          <a:lstStyle/>
-          <a:p>
-            <a:pPr algn="l"/>
-            <a:r>
-              <a:rPr lang="en-US" dirty="0" err="1"/>
-              <a:t>Stab.glu</a:t>
-            </a:r>
-            <a:r>
-              <a:rPr lang="en-US" dirty="0"/>
-              <a:t> -&gt; k=14 -&gt; 3.4825</a:t>
-            </a:r>
-          </a:p>
-          <a:p>
-            <a:pPr algn="l"/>
-            <a:r>
-              <a:rPr lang="en-US" dirty="0" err="1"/>
-              <a:t>Stab.glu+age</a:t>
-            </a:r>
-            <a:r>
-              <a:rPr lang="en-US" dirty="0"/>
-              <a:t> -&gt; k=9 -&gt; 3.4707</a:t>
-            </a:r>
-          </a:p>
-          <a:p>
-            <a:pPr algn="l"/>
-            <a:r>
-              <a:rPr lang="en-US" dirty="0"/>
-              <a:t>Stab.glu+age+bp.1s -&gt; k=10 -&gt; 3.5320</a:t>
-            </a:r>
-          </a:p>
-          <a:p>
-            <a:pPr algn="l"/>
-            <a:r>
-              <a:rPr lang="en-US" dirty="0"/>
-              <a:t>Stab.glu+age+bp.1s+ratio-&gt; k=12 -&gt; 3.5316</a:t>
-            </a:r>
-          </a:p>
-          <a:p>
-            <a:pPr algn="l"/>
-            <a:r>
-              <a:rPr lang="en-US" dirty="0"/>
-              <a:t>Stab.glu+age+bp.1s+ratio+waist -&gt; k=10 -&gt; 3.5307</a:t>
-            </a:r>
           </a:p>
         </p:txBody>
       </p:sp>
@@ -7101,7 +7039,12 @@
             <p:ph type="body" sz="quarter" idx="3"/>
           </p:nvPr>
         </p:nvSpPr>
-        <p:spPr/>
+        <p:spPr>
+          <a:xfrm>
+            <a:off x="4569287" y="1262904"/>
+            <a:ext cx="4041775" cy="479822"/>
+          </a:xfrm>
+        </p:spPr>
         <p:txBody>
           <a:bodyPr/>
           <a:lstStyle/>
@@ -7114,108 +7057,866 @@
           </a:p>
         </p:txBody>
       </p:sp>
-      <p:sp>
-        <p:nvSpPr>
-          <p:cNvPr id="6" name="Content Placeholder 5">
+      <p:graphicFrame>
+        <p:nvGraphicFramePr>
+          <p:cNvPr id="7" name="Tabela 6">
             <a:extLst>
               <a:ext uri="{FF2B5EF4-FFF2-40B4-BE49-F238E27FC236}">
-                <a16:creationId xmlns:a16="http://schemas.microsoft.com/office/drawing/2014/main" id="{4C427853-41E0-42F7-9C36-78B734E25FB0}"/>
+                <a16:creationId xmlns:a16="http://schemas.microsoft.com/office/drawing/2014/main" id="{32A32792-0298-4F4A-A1DB-732042A36161}"/>
               </a:ext>
             </a:extLst>
           </p:cNvPr>
-          <p:cNvSpPr>
-            <a:spLocks noGrp="1"/>
-          </p:cNvSpPr>
+          <p:cNvGraphicFramePr>
+            <a:graphicFrameLocks noGrp="1"/>
+          </p:cNvGraphicFramePr>
           <p:nvPr>
-            <p:ph sz="quarter" idx="4"/>
+            <p:extLst>
+              <p:ext uri="{D42A27DB-BD31-4B8C-83A1-F6EECF244321}">
+                <p14:modId xmlns:p14="http://schemas.microsoft.com/office/powerpoint/2010/main" val="182032246"/>
+              </p:ext>
+            </p:extLst>
           </p:nvPr>
-        </p:nvSpPr>
-        <p:spPr/>
-        <p:txBody>
-          <a:bodyPr>
-            <a:normAutofit fontScale="70000" lnSpcReduction="20000"/>
-          </a:bodyPr>
-          <a:lstStyle/>
-          <a:p>
-            <a:pPr algn="l"/>
-            <a:r>
-              <a:rPr lang="en-US" dirty="0" err="1"/>
-              <a:t>Stab.glu+chol</a:t>
-            </a:r>
-            <a:r>
-              <a:rPr lang="en-US" dirty="0"/>
-              <a:t> -&gt; k=9 -&gt; 3.4902</a:t>
-            </a:r>
-          </a:p>
-          <a:p>
-            <a:pPr algn="l"/>
-            <a:r>
-              <a:rPr lang="en-US" dirty="0" err="1"/>
-              <a:t>Stab.glu+ratio+age</a:t>
-            </a:r>
-            <a:r>
-              <a:rPr lang="en-US" dirty="0"/>
-              <a:t> -&gt; k=16 -&gt; 3.4766</a:t>
-            </a:r>
-          </a:p>
-          <a:p>
-            <a:pPr algn="l"/>
-            <a:r>
-              <a:rPr lang="en-US" dirty="0" err="1"/>
-              <a:t>Stab.glu+ratio+age+time.ppn</a:t>
-            </a:r>
-            <a:r>
-              <a:rPr lang="en-US" dirty="0"/>
-              <a:t> -&gt; k=3 -&gt; 3.4286</a:t>
-            </a:r>
-          </a:p>
-          <a:p>
-            <a:pPr algn="l"/>
-            <a:r>
-              <a:rPr lang="en-US" dirty="0"/>
-              <a:t>(F)</a:t>
-            </a:r>
-            <a:r>
-              <a:rPr lang="en-US" dirty="0" err="1"/>
-              <a:t>stab.glu+chol+age</a:t>
-            </a:r>
-            <a:r>
-              <a:rPr lang="en-US" dirty="0"/>
-              <a:t> -&gt; k=8 -&gt; 3.4684</a:t>
-            </a:r>
-          </a:p>
-          <a:p>
-            <a:pPr algn="l"/>
-            <a:r>
-              <a:rPr lang="en-US" dirty="0"/>
-              <a:t>(F)</a:t>
-            </a:r>
-            <a:r>
-              <a:rPr lang="en-US" dirty="0" err="1"/>
-              <a:t>stab.glu+chol+age+time.ppn</a:t>
-            </a:r>
-            <a:r>
-              <a:rPr lang="en-US" dirty="0"/>
-              <a:t> -&gt; k=4-&gt; 3.4014  </a:t>
-            </a:r>
-          </a:p>
-          <a:p>
-            <a:pPr algn="l"/>
-            <a:r>
-              <a:rPr lang="en-US" dirty="0"/>
-              <a:t>(B)</a:t>
-            </a:r>
-            <a:r>
-              <a:rPr lang="en-US" dirty="0" err="1"/>
-              <a:t>stab.glu+ratio</a:t>
-            </a:r>
-            <a:r>
-              <a:rPr lang="en-US" dirty="0"/>
-              <a:t> -&gt; k=15 -&gt; 3.4820</a:t>
-            </a:r>
-          </a:p>
-        </p:txBody>
-      </p:sp>
+        </p:nvGraphicFramePr>
+        <p:xfrm>
+          <a:off x="140843" y="1869031"/>
+          <a:ext cx="4428444" cy="2883555"/>
+        </p:xfrm>
+        <a:graphic>
+          <a:graphicData uri="http://schemas.openxmlformats.org/drawingml/2006/table">
+            <a:tbl>
+              <a:tblPr firstRow="1" bandRow="1">
+                <a:tableStyleId>{5C22544A-7EE6-4342-B048-85BDC9FD1C3A}</a:tableStyleId>
+              </a:tblPr>
+              <a:tblGrid>
+                <a:gridCol w="2598697">
+                  <a:extLst>
+                    <a:ext uri="{9D8B030D-6E8A-4147-A177-3AD203B41FA5}">
+                      <a16:colId xmlns:a16="http://schemas.microsoft.com/office/drawing/2014/main" val="4034497256"/>
+                    </a:ext>
+                  </a:extLst>
+                </a:gridCol>
+                <a:gridCol w="458115">
+                  <a:extLst>
+                    <a:ext uri="{9D8B030D-6E8A-4147-A177-3AD203B41FA5}">
+                      <a16:colId xmlns:a16="http://schemas.microsoft.com/office/drawing/2014/main" val="2023022809"/>
+                    </a:ext>
+                  </a:extLst>
+                </a:gridCol>
+                <a:gridCol w="1371632">
+                  <a:extLst>
+                    <a:ext uri="{9D8B030D-6E8A-4147-A177-3AD203B41FA5}">
+                      <a16:colId xmlns:a16="http://schemas.microsoft.com/office/drawing/2014/main" val="1060835024"/>
+                    </a:ext>
+                  </a:extLst>
+                </a:gridCol>
+              </a:tblGrid>
+              <a:tr h="361589">
+                <a:tc>
+                  <a:txBody>
+                    <a:bodyPr/>
+                    <a:lstStyle/>
+                    <a:p>
+                      <a:r>
+                        <a:rPr lang="pt-PT" sz="1400" dirty="0"/>
+                        <a:t>Variáveis</a:t>
+                      </a:r>
+                    </a:p>
+                  </a:txBody>
+                  <a:tcPr/>
+                </a:tc>
+                <a:tc>
+                  <a:txBody>
+                    <a:bodyPr/>
+                    <a:lstStyle/>
+                    <a:p>
+                      <a:r>
+                        <a:rPr lang="pt-PT" sz="1400" dirty="0"/>
+                        <a:t>K</a:t>
+                      </a:r>
+                    </a:p>
+                  </a:txBody>
+                  <a:tcPr/>
+                </a:tc>
+                <a:tc>
+                  <a:txBody>
+                    <a:bodyPr/>
+                    <a:lstStyle/>
+                    <a:p>
+                      <a:r>
+                        <a:rPr lang="pt-PT" sz="1400" dirty="0"/>
+                        <a:t>Acerto ponderado</a:t>
+                      </a:r>
+                    </a:p>
+                  </a:txBody>
+                  <a:tcPr/>
+                </a:tc>
+                <a:extLst>
+                  <a:ext uri="{0D108BD9-81ED-4DB2-BD59-A6C34878D82A}">
+                    <a16:rowId xmlns:a16="http://schemas.microsoft.com/office/drawing/2014/main" val="1777098362"/>
+                  </a:ext>
+                </a:extLst>
+              </a:tr>
+              <a:tr h="366611">
+                <a:tc>
+                  <a:txBody>
+                    <a:bodyPr/>
+                    <a:lstStyle/>
+                    <a:p>
+                      <a:pPr marL="0" marR="0" lvl="0" indent="0" algn="l" defTabSz="914400" rtl="0" eaLnBrk="1" fontAlgn="auto" latinLnBrk="0" hangingPunct="1">
+                        <a:lnSpc>
+                          <a:spcPct val="100000"/>
+                        </a:lnSpc>
+                        <a:spcBef>
+                          <a:spcPts val="0"/>
+                        </a:spcBef>
+                        <a:spcAft>
+                          <a:spcPts val="0"/>
+                        </a:spcAft>
+                        <a:buClrTx/>
+                        <a:buSzTx/>
+                        <a:buFontTx/>
+                        <a:buNone/>
+                        <a:tabLst/>
+                        <a:defRPr/>
+                      </a:pPr>
+                      <a:r>
+                        <a:rPr lang="en-US" sz="1400" dirty="0" err="1"/>
+                        <a:t>Stab.glu</a:t>
+                      </a:r>
+                      <a:endParaRPr lang="en-US" sz="1400" dirty="0"/>
+                    </a:p>
+                  </a:txBody>
+                  <a:tcPr/>
+                </a:tc>
+                <a:tc>
+                  <a:txBody>
+                    <a:bodyPr/>
+                    <a:lstStyle/>
+                    <a:p>
+                      <a:r>
+                        <a:rPr lang="pt-PT" sz="1400" dirty="0"/>
+                        <a:t>14</a:t>
+                      </a:r>
+                    </a:p>
+                  </a:txBody>
+                  <a:tcPr/>
+                </a:tc>
+                <a:tc>
+                  <a:txBody>
+                    <a:bodyPr/>
+                    <a:lstStyle/>
+                    <a:p>
+                      <a:r>
+                        <a:rPr lang="en-US" sz="1400" dirty="0"/>
+                        <a:t>3.4825</a:t>
+                      </a:r>
+                      <a:endParaRPr lang="pt-PT" sz="1400" dirty="0"/>
+                    </a:p>
+                  </a:txBody>
+                  <a:tcPr/>
+                </a:tc>
+                <a:extLst>
+                  <a:ext uri="{0D108BD9-81ED-4DB2-BD59-A6C34878D82A}">
+                    <a16:rowId xmlns:a16="http://schemas.microsoft.com/office/drawing/2014/main" val="397759104"/>
+                  </a:ext>
+                </a:extLst>
+              </a:tr>
+              <a:tr h="366611">
+                <a:tc>
+                  <a:txBody>
+                    <a:bodyPr/>
+                    <a:lstStyle/>
+                    <a:p>
+                      <a:r>
+                        <a:rPr lang="en-US" sz="1400" dirty="0" err="1"/>
+                        <a:t>Stab.glu+age</a:t>
+                      </a:r>
+                      <a:r>
+                        <a:rPr lang="en-US" sz="1400" dirty="0"/>
+                        <a:t> </a:t>
+                      </a:r>
+                      <a:endParaRPr lang="pt-PT" sz="1400" dirty="0"/>
+                    </a:p>
+                  </a:txBody>
+                  <a:tcPr/>
+                </a:tc>
+                <a:tc>
+                  <a:txBody>
+                    <a:bodyPr/>
+                    <a:lstStyle/>
+                    <a:p>
+                      <a:r>
+                        <a:rPr lang="pt-PT" sz="1400" dirty="0"/>
+                        <a:t>9</a:t>
+                      </a:r>
+                    </a:p>
+                  </a:txBody>
+                  <a:tcPr/>
+                </a:tc>
+                <a:tc>
+                  <a:txBody>
+                    <a:bodyPr/>
+                    <a:lstStyle/>
+                    <a:p>
+                      <a:pPr marL="0" marR="0" lvl="0" indent="0" algn="l" defTabSz="914400" rtl="0" eaLnBrk="1" fontAlgn="auto" latinLnBrk="0" hangingPunct="1">
+                        <a:lnSpc>
+                          <a:spcPct val="100000"/>
+                        </a:lnSpc>
+                        <a:spcBef>
+                          <a:spcPts val="0"/>
+                        </a:spcBef>
+                        <a:spcAft>
+                          <a:spcPts val="0"/>
+                        </a:spcAft>
+                        <a:buClrTx/>
+                        <a:buSzTx/>
+                        <a:buFontTx/>
+                        <a:buNone/>
+                        <a:tabLst/>
+                        <a:defRPr/>
+                      </a:pPr>
+                      <a:r>
+                        <a:rPr lang="en-US" sz="1400" dirty="0"/>
+                        <a:t>3.4707</a:t>
+                      </a:r>
+                    </a:p>
+                  </a:txBody>
+                  <a:tcPr/>
+                </a:tc>
+                <a:extLst>
+                  <a:ext uri="{0D108BD9-81ED-4DB2-BD59-A6C34878D82A}">
+                    <a16:rowId xmlns:a16="http://schemas.microsoft.com/office/drawing/2014/main" val="175708913"/>
+                  </a:ext>
+                </a:extLst>
+              </a:tr>
+              <a:tr h="366611">
+                <a:tc>
+                  <a:txBody>
+                    <a:bodyPr/>
+                    <a:lstStyle/>
+                    <a:p>
+                      <a:r>
+                        <a:rPr lang="en-US" sz="1400" dirty="0"/>
+                        <a:t>Stab.glu+age+bp.1s </a:t>
+                      </a:r>
+                      <a:endParaRPr lang="pt-PT" sz="1400" dirty="0"/>
+                    </a:p>
+                  </a:txBody>
+                  <a:tcPr/>
+                </a:tc>
+                <a:tc>
+                  <a:txBody>
+                    <a:bodyPr/>
+                    <a:lstStyle/>
+                    <a:p>
+                      <a:r>
+                        <a:rPr lang="pt-PT" sz="1400" dirty="0"/>
+                        <a:t>10</a:t>
+                      </a:r>
+                    </a:p>
+                  </a:txBody>
+                  <a:tcPr/>
+                </a:tc>
+                <a:tc>
+                  <a:txBody>
+                    <a:bodyPr/>
+                    <a:lstStyle/>
+                    <a:p>
+                      <a:r>
+                        <a:rPr lang="en-US" sz="1400" dirty="0"/>
+                        <a:t>3.5320</a:t>
+                      </a:r>
+                      <a:endParaRPr lang="pt-PT" sz="1400" dirty="0"/>
+                    </a:p>
+                  </a:txBody>
+                  <a:tcPr/>
+                </a:tc>
+                <a:extLst>
+                  <a:ext uri="{0D108BD9-81ED-4DB2-BD59-A6C34878D82A}">
+                    <a16:rowId xmlns:a16="http://schemas.microsoft.com/office/drawing/2014/main" val="3289159937"/>
+                  </a:ext>
+                </a:extLst>
+              </a:tr>
+              <a:tr h="632781">
+                <a:tc>
+                  <a:txBody>
+                    <a:bodyPr/>
+                    <a:lstStyle/>
+                    <a:p>
+                      <a:r>
+                        <a:rPr lang="en-US" sz="1400" dirty="0"/>
+                        <a:t>Stab.glu+age+bp.1s+ratio</a:t>
+                      </a:r>
+                      <a:endParaRPr lang="pt-PT" sz="1400" dirty="0"/>
+                    </a:p>
+                  </a:txBody>
+                  <a:tcPr/>
+                </a:tc>
+                <a:tc>
+                  <a:txBody>
+                    <a:bodyPr/>
+                    <a:lstStyle/>
+                    <a:p>
+                      <a:r>
+                        <a:rPr lang="pt-PT" sz="1400" dirty="0"/>
+                        <a:t>12</a:t>
+                      </a:r>
+                    </a:p>
+                  </a:txBody>
+                  <a:tcPr/>
+                </a:tc>
+                <a:tc>
+                  <a:txBody>
+                    <a:bodyPr/>
+                    <a:lstStyle/>
+                    <a:p>
+                      <a:r>
+                        <a:rPr lang="en-US" sz="1400" dirty="0"/>
+                        <a:t>3.5316</a:t>
+                      </a:r>
+                      <a:endParaRPr lang="pt-PT" sz="1400" dirty="0"/>
+                    </a:p>
+                  </a:txBody>
+                  <a:tcPr/>
+                </a:tc>
+                <a:extLst>
+                  <a:ext uri="{0D108BD9-81ED-4DB2-BD59-A6C34878D82A}">
+                    <a16:rowId xmlns:a16="http://schemas.microsoft.com/office/drawing/2014/main" val="4225151346"/>
+                  </a:ext>
+                </a:extLst>
+              </a:tr>
+              <a:tr h="632781">
+                <a:tc>
+                  <a:txBody>
+                    <a:bodyPr/>
+                    <a:lstStyle/>
+                    <a:p>
+                      <a:r>
+                        <a:rPr lang="en-US" sz="1400" dirty="0"/>
+                        <a:t>Stab.glu+age+bp.1s+ratio+waist</a:t>
+                      </a:r>
+                      <a:endParaRPr lang="pt-PT" sz="1400" dirty="0"/>
+                    </a:p>
+                  </a:txBody>
+                  <a:tcPr/>
+                </a:tc>
+                <a:tc>
+                  <a:txBody>
+                    <a:bodyPr/>
+                    <a:lstStyle/>
+                    <a:p>
+                      <a:r>
+                        <a:rPr lang="pt-PT" sz="1400" dirty="0"/>
+                        <a:t>10</a:t>
+                      </a:r>
+                    </a:p>
+                  </a:txBody>
+                  <a:tcPr/>
+                </a:tc>
+                <a:tc>
+                  <a:txBody>
+                    <a:bodyPr/>
+                    <a:lstStyle/>
+                    <a:p>
+                      <a:r>
+                        <a:rPr lang="en-US" sz="1400" dirty="0"/>
+                        <a:t>3.5307</a:t>
+                      </a:r>
+                      <a:endParaRPr lang="pt-PT" sz="1400" dirty="0"/>
+                    </a:p>
+                  </a:txBody>
+                  <a:tcPr/>
+                </a:tc>
+                <a:extLst>
+                  <a:ext uri="{0D108BD9-81ED-4DB2-BD59-A6C34878D82A}">
+                    <a16:rowId xmlns:a16="http://schemas.microsoft.com/office/drawing/2014/main" val="3895383918"/>
+                  </a:ext>
+                </a:extLst>
+              </a:tr>
+            </a:tbl>
+          </a:graphicData>
+        </a:graphic>
+      </p:graphicFrame>
+      <p:graphicFrame>
+        <p:nvGraphicFramePr>
+          <p:cNvPr id="8" name="Tabela 7">
+            <a:extLst>
+              <a:ext uri="{FF2B5EF4-FFF2-40B4-BE49-F238E27FC236}">
+                <a16:creationId xmlns:a16="http://schemas.microsoft.com/office/drawing/2014/main" id="{9A60B42B-582D-4B15-818A-23C13C0CDDEB}"/>
+              </a:ext>
+            </a:extLst>
+          </p:cNvPr>
+          <p:cNvGraphicFramePr>
+            <a:graphicFrameLocks noGrp="1"/>
+          </p:cNvGraphicFramePr>
+          <p:nvPr>
+            <p:extLst>
+              <p:ext uri="{D42A27DB-BD31-4B8C-83A1-F6EECF244321}">
+                <p14:modId xmlns:p14="http://schemas.microsoft.com/office/powerpoint/2010/main" val="3021515459"/>
+              </p:ext>
+            </p:extLst>
+          </p:nvPr>
+        </p:nvGraphicFramePr>
+        <p:xfrm>
+          <a:off x="4878604" y="1720768"/>
+          <a:ext cx="4124553" cy="3309300"/>
+        </p:xfrm>
+        <a:graphic>
+          <a:graphicData uri="http://schemas.openxmlformats.org/drawingml/2006/table">
+            <a:tbl>
+              <a:tblPr firstRow="1" bandRow="1">
+                <a:tableStyleId>{5C22544A-7EE6-4342-B048-85BDC9FD1C3A}</a:tableStyleId>
+              </a:tblPr>
+              <a:tblGrid>
+                <a:gridCol w="2442087">
+                  <a:extLst>
+                    <a:ext uri="{9D8B030D-6E8A-4147-A177-3AD203B41FA5}">
+                      <a16:colId xmlns:a16="http://schemas.microsoft.com/office/drawing/2014/main" val="4034497256"/>
+                    </a:ext>
+                  </a:extLst>
+                </a:gridCol>
+                <a:gridCol w="458115">
+                  <a:extLst>
+                    <a:ext uri="{9D8B030D-6E8A-4147-A177-3AD203B41FA5}">
+                      <a16:colId xmlns:a16="http://schemas.microsoft.com/office/drawing/2014/main" val="2023022809"/>
+                    </a:ext>
+                  </a:extLst>
+                </a:gridCol>
+                <a:gridCol w="1224351">
+                  <a:extLst>
+                    <a:ext uri="{9D8B030D-6E8A-4147-A177-3AD203B41FA5}">
+                      <a16:colId xmlns:a16="http://schemas.microsoft.com/office/drawing/2014/main" val="1060835024"/>
+                    </a:ext>
+                  </a:extLst>
+                </a:gridCol>
+              </a:tblGrid>
+              <a:tr h="482379">
+                <a:tc>
+                  <a:txBody>
+                    <a:bodyPr/>
+                    <a:lstStyle/>
+                    <a:p>
+                      <a:r>
+                        <a:rPr lang="pt-PT" sz="1400" dirty="0"/>
+                        <a:t>Variáveis</a:t>
+                      </a:r>
+                    </a:p>
+                  </a:txBody>
+                  <a:tcPr/>
+                </a:tc>
+                <a:tc>
+                  <a:txBody>
+                    <a:bodyPr/>
+                    <a:lstStyle/>
+                    <a:p>
+                      <a:r>
+                        <a:rPr lang="pt-PT" sz="1400" dirty="0"/>
+                        <a:t>K</a:t>
+                      </a:r>
+                    </a:p>
+                  </a:txBody>
+                  <a:tcPr/>
+                </a:tc>
+                <a:tc>
+                  <a:txBody>
+                    <a:bodyPr/>
+                    <a:lstStyle/>
+                    <a:p>
+                      <a:r>
+                        <a:rPr lang="pt-PT" sz="1400" dirty="0"/>
+                        <a:t>Acerto ponderado</a:t>
+                      </a:r>
+                    </a:p>
+                  </a:txBody>
+                  <a:tcPr/>
+                </a:tc>
+                <a:extLst>
+                  <a:ext uri="{0D108BD9-81ED-4DB2-BD59-A6C34878D82A}">
+                    <a16:rowId xmlns:a16="http://schemas.microsoft.com/office/drawing/2014/main" val="1777098362"/>
+                  </a:ext>
+                </a:extLst>
+              </a:tr>
+              <a:tr h="341295">
+                <a:tc>
+                  <a:txBody>
+                    <a:bodyPr/>
+                    <a:lstStyle/>
+                    <a:p>
+                      <a:pPr marL="0" marR="0" lvl="0" indent="0" algn="l" defTabSz="914400" rtl="0" eaLnBrk="1" fontAlgn="auto" latinLnBrk="0" hangingPunct="1">
+                        <a:lnSpc>
+                          <a:spcPct val="100000"/>
+                        </a:lnSpc>
+                        <a:spcBef>
+                          <a:spcPts val="0"/>
+                        </a:spcBef>
+                        <a:spcAft>
+                          <a:spcPts val="0"/>
+                        </a:spcAft>
+                        <a:buClrTx/>
+                        <a:buSzTx/>
+                        <a:buFontTx/>
+                        <a:buNone/>
+                        <a:tabLst/>
+                        <a:defRPr/>
+                      </a:pPr>
+                      <a:r>
+                        <a:rPr lang="en-US" sz="1400" dirty="0" err="1"/>
+                        <a:t>Stab.glu+chol</a:t>
+                      </a:r>
+                      <a:endParaRPr lang="en-US" sz="1400" dirty="0"/>
+                    </a:p>
+                  </a:txBody>
+                  <a:tcPr/>
+                </a:tc>
+                <a:tc>
+                  <a:txBody>
+                    <a:bodyPr/>
+                    <a:lstStyle/>
+                    <a:p>
+                      <a:r>
+                        <a:rPr lang="pt-PT" sz="1400" dirty="0"/>
+                        <a:t>9</a:t>
+                      </a:r>
+                    </a:p>
+                  </a:txBody>
+                  <a:tcPr/>
+                </a:tc>
+                <a:tc>
+                  <a:txBody>
+                    <a:bodyPr/>
+                    <a:lstStyle/>
+                    <a:p>
+                      <a:r>
+                        <a:rPr lang="en-US" sz="1400" dirty="0"/>
+                        <a:t>3.4902</a:t>
+                      </a:r>
+                      <a:endParaRPr lang="pt-PT" sz="1400" dirty="0"/>
+                    </a:p>
+                  </a:txBody>
+                  <a:tcPr/>
+                </a:tc>
+                <a:extLst>
+                  <a:ext uri="{0D108BD9-81ED-4DB2-BD59-A6C34878D82A}">
+                    <a16:rowId xmlns:a16="http://schemas.microsoft.com/office/drawing/2014/main" val="397759104"/>
+                  </a:ext>
+                </a:extLst>
+              </a:tr>
+              <a:tr h="341295">
+                <a:tc>
+                  <a:txBody>
+                    <a:bodyPr/>
+                    <a:lstStyle/>
+                    <a:p>
+                      <a:r>
+                        <a:rPr lang="en-US" sz="1400" dirty="0" err="1"/>
+                        <a:t>Stab.glu+ratio+age</a:t>
+                      </a:r>
+                      <a:endParaRPr lang="pt-PT" sz="1400" dirty="0"/>
+                    </a:p>
+                  </a:txBody>
+                  <a:tcPr/>
+                </a:tc>
+                <a:tc>
+                  <a:txBody>
+                    <a:bodyPr/>
+                    <a:lstStyle/>
+                    <a:p>
+                      <a:r>
+                        <a:rPr lang="pt-PT" sz="1400" dirty="0"/>
+                        <a:t>16</a:t>
+                      </a:r>
+                    </a:p>
+                  </a:txBody>
+                  <a:tcPr/>
+                </a:tc>
+                <a:tc>
+                  <a:txBody>
+                    <a:bodyPr/>
+                    <a:lstStyle/>
+                    <a:p>
+                      <a:pPr marL="0" marR="0" lvl="0" indent="0" algn="l" defTabSz="914400" rtl="0" eaLnBrk="1" fontAlgn="auto" latinLnBrk="0" hangingPunct="1">
+                        <a:lnSpc>
+                          <a:spcPct val="100000"/>
+                        </a:lnSpc>
+                        <a:spcBef>
+                          <a:spcPts val="0"/>
+                        </a:spcBef>
+                        <a:spcAft>
+                          <a:spcPts val="0"/>
+                        </a:spcAft>
+                        <a:buClrTx/>
+                        <a:buSzTx/>
+                        <a:buFontTx/>
+                        <a:buNone/>
+                        <a:tabLst/>
+                        <a:defRPr/>
+                      </a:pPr>
+                      <a:r>
+                        <a:rPr lang="en-US" sz="1400" dirty="0"/>
+                        <a:t>3.4766</a:t>
+                      </a:r>
+                    </a:p>
+                  </a:txBody>
+                  <a:tcPr/>
+                </a:tc>
+                <a:extLst>
+                  <a:ext uri="{0D108BD9-81ED-4DB2-BD59-A6C34878D82A}">
+                    <a16:rowId xmlns:a16="http://schemas.microsoft.com/office/drawing/2014/main" val="175708913"/>
+                  </a:ext>
+                </a:extLst>
+              </a:tr>
+              <a:tr h="341295">
+                <a:tc>
+                  <a:txBody>
+                    <a:bodyPr/>
+                    <a:lstStyle/>
+                    <a:p>
+                      <a:r>
+                        <a:rPr lang="en-US" sz="1400" dirty="0" err="1"/>
+                        <a:t>Stab.glu+ratio+age+time.ppn</a:t>
+                      </a:r>
+                      <a:endParaRPr lang="pt-PT" sz="1400" dirty="0"/>
+                    </a:p>
+                  </a:txBody>
+                  <a:tcPr/>
+                </a:tc>
+                <a:tc>
+                  <a:txBody>
+                    <a:bodyPr/>
+                    <a:lstStyle/>
+                    <a:p>
+                      <a:r>
+                        <a:rPr lang="pt-PT" sz="1400" dirty="0"/>
+                        <a:t>3</a:t>
+                      </a:r>
+                    </a:p>
+                  </a:txBody>
+                  <a:tcPr/>
+                </a:tc>
+                <a:tc>
+                  <a:txBody>
+                    <a:bodyPr/>
+                    <a:lstStyle/>
+                    <a:p>
+                      <a:pPr marL="0" marR="0" lvl="0" indent="0" algn="l" defTabSz="914400" rtl="0" eaLnBrk="1" fontAlgn="auto" latinLnBrk="0" hangingPunct="1">
+                        <a:lnSpc>
+                          <a:spcPct val="100000"/>
+                        </a:lnSpc>
+                        <a:spcBef>
+                          <a:spcPts val="0"/>
+                        </a:spcBef>
+                        <a:spcAft>
+                          <a:spcPts val="0"/>
+                        </a:spcAft>
+                        <a:buClrTx/>
+                        <a:buSzTx/>
+                        <a:buFontTx/>
+                        <a:buNone/>
+                        <a:tabLst/>
+                        <a:defRPr/>
+                      </a:pPr>
+                      <a:r>
+                        <a:rPr lang="en-US" sz="1400" dirty="0"/>
+                        <a:t>3.4286</a:t>
+                      </a:r>
+                    </a:p>
+                  </a:txBody>
+                  <a:tcPr/>
+                </a:tc>
+                <a:extLst>
+                  <a:ext uri="{0D108BD9-81ED-4DB2-BD59-A6C34878D82A}">
+                    <a16:rowId xmlns:a16="http://schemas.microsoft.com/office/drawing/2014/main" val="3289159937"/>
+                  </a:ext>
+                </a:extLst>
+              </a:tr>
+              <a:tr h="589085">
+                <a:tc>
+                  <a:txBody>
+                    <a:bodyPr/>
+                    <a:lstStyle/>
+                    <a:p>
+                      <a:r>
+                        <a:rPr lang="en-US" sz="1400" dirty="0"/>
+                        <a:t>(F)</a:t>
+                      </a:r>
+                      <a:r>
+                        <a:rPr lang="en-US" sz="1400" dirty="0" err="1"/>
+                        <a:t>stab.glu+chol+age</a:t>
+                      </a:r>
+                      <a:r>
+                        <a:rPr lang="en-US" sz="1400" dirty="0"/>
+                        <a:t> </a:t>
+                      </a:r>
+                      <a:endParaRPr lang="pt-PT" sz="1400" dirty="0"/>
+                    </a:p>
+                  </a:txBody>
+                  <a:tcPr/>
+                </a:tc>
+                <a:tc>
+                  <a:txBody>
+                    <a:bodyPr/>
+                    <a:lstStyle/>
+                    <a:p>
+                      <a:r>
+                        <a:rPr lang="pt-PT" sz="1400" dirty="0"/>
+                        <a:t>8</a:t>
+                      </a:r>
+                    </a:p>
+                  </a:txBody>
+                  <a:tcPr/>
+                </a:tc>
+                <a:tc>
+                  <a:txBody>
+                    <a:bodyPr/>
+                    <a:lstStyle/>
+                    <a:p>
+                      <a:r>
+                        <a:rPr lang="en-US" sz="1400" dirty="0"/>
+                        <a:t>3.4684</a:t>
+                      </a:r>
+                      <a:endParaRPr lang="pt-PT" sz="1400" dirty="0"/>
+                    </a:p>
+                  </a:txBody>
+                  <a:tcPr/>
+                </a:tc>
+                <a:extLst>
+                  <a:ext uri="{0D108BD9-81ED-4DB2-BD59-A6C34878D82A}">
+                    <a16:rowId xmlns:a16="http://schemas.microsoft.com/office/drawing/2014/main" val="4225151346"/>
+                  </a:ext>
+                </a:extLst>
+              </a:tr>
+              <a:tr h="589085">
+                <a:tc>
+                  <a:txBody>
+                    <a:bodyPr/>
+                    <a:lstStyle/>
+                    <a:p>
+                      <a:r>
+                        <a:rPr lang="en-US" sz="1400" dirty="0"/>
+                        <a:t>(F)</a:t>
+                      </a:r>
+                      <a:r>
+                        <a:rPr lang="en-US" sz="1400" dirty="0" err="1"/>
+                        <a:t>stab.glu+chol+age+time.ppn</a:t>
+                      </a:r>
+                      <a:r>
+                        <a:rPr lang="en-US" sz="1400" dirty="0"/>
+                        <a:t> </a:t>
+                      </a:r>
+                      <a:endParaRPr lang="pt-PT" sz="1400" dirty="0"/>
+                    </a:p>
+                  </a:txBody>
+                  <a:tcPr/>
+                </a:tc>
+                <a:tc>
+                  <a:txBody>
+                    <a:bodyPr/>
+                    <a:lstStyle/>
+                    <a:p>
+                      <a:r>
+                        <a:rPr lang="pt-PT" sz="1400" dirty="0"/>
+                        <a:t>4</a:t>
+                      </a:r>
+                    </a:p>
+                  </a:txBody>
+                  <a:tcPr/>
+                </a:tc>
+                <a:tc>
+                  <a:txBody>
+                    <a:bodyPr/>
+                    <a:lstStyle/>
+                    <a:p>
+                      <a:pPr marL="0" marR="0" lvl="0" indent="0" algn="l" defTabSz="914400" rtl="0" eaLnBrk="1" fontAlgn="auto" latinLnBrk="0" hangingPunct="1">
+                        <a:lnSpc>
+                          <a:spcPct val="100000"/>
+                        </a:lnSpc>
+                        <a:spcBef>
+                          <a:spcPts val="0"/>
+                        </a:spcBef>
+                        <a:spcAft>
+                          <a:spcPts val="0"/>
+                        </a:spcAft>
+                        <a:buClrTx/>
+                        <a:buSzTx/>
+                        <a:buFontTx/>
+                        <a:buNone/>
+                        <a:tabLst/>
+                        <a:defRPr/>
+                      </a:pPr>
+                      <a:r>
+                        <a:rPr lang="en-US" sz="1400" dirty="0"/>
+                        <a:t>3.4014  </a:t>
+                      </a:r>
+                    </a:p>
+                  </a:txBody>
+                  <a:tcPr/>
+                </a:tc>
+                <a:extLst>
+                  <a:ext uri="{0D108BD9-81ED-4DB2-BD59-A6C34878D82A}">
+                    <a16:rowId xmlns:a16="http://schemas.microsoft.com/office/drawing/2014/main" val="3895383918"/>
+                  </a:ext>
+                </a:extLst>
+              </a:tr>
+              <a:tr h="589085">
+                <a:tc>
+                  <a:txBody>
+                    <a:bodyPr/>
+                    <a:lstStyle/>
+                    <a:p>
+                      <a:r>
+                        <a:rPr lang="en-US" sz="1400" dirty="0"/>
+                        <a:t>(B)</a:t>
+                      </a:r>
+                      <a:r>
+                        <a:rPr lang="en-US" sz="1400" dirty="0" err="1"/>
+                        <a:t>stab.glu+ratio</a:t>
+                      </a:r>
+                      <a:r>
+                        <a:rPr lang="en-US" sz="1400" dirty="0"/>
+                        <a:t> </a:t>
+                      </a:r>
+                      <a:endParaRPr lang="pt-PT" sz="1400" dirty="0"/>
+                    </a:p>
+                  </a:txBody>
+                  <a:tcPr/>
+                </a:tc>
+                <a:tc>
+                  <a:txBody>
+                    <a:bodyPr/>
+                    <a:lstStyle/>
+                    <a:p>
+                      <a:r>
+                        <a:rPr lang="pt-PT" sz="1400" dirty="0"/>
+                        <a:t>15</a:t>
+                      </a:r>
+                    </a:p>
+                  </a:txBody>
+                  <a:tcPr/>
+                </a:tc>
+                <a:tc>
+                  <a:txBody>
+                    <a:bodyPr/>
+                    <a:lstStyle/>
+                    <a:p>
+                      <a:r>
+                        <a:rPr lang="en-US" sz="1400" dirty="0"/>
+                        <a:t>3.4820</a:t>
+                      </a:r>
+                      <a:endParaRPr lang="pt-PT" sz="1400" dirty="0"/>
+                    </a:p>
+                  </a:txBody>
+                  <a:tcPr/>
+                </a:tc>
+                <a:extLst>
+                  <a:ext uri="{0D108BD9-81ED-4DB2-BD59-A6C34878D82A}">
+                    <a16:rowId xmlns:a16="http://schemas.microsoft.com/office/drawing/2014/main" val="3541392456"/>
+                  </a:ext>
+                </a:extLst>
+              </a:tr>
+            </a:tbl>
+          </a:graphicData>
+        </a:graphic>
+      </p:graphicFrame>
     </p:spTree>
     <p:extLst>
       <p:ext uri="{BB962C8B-B14F-4D97-AF65-F5344CB8AC3E}">
@@ -7307,70 +8008,6 @@
       </p:sp>
       <p:sp>
         <p:nvSpPr>
-          <p:cNvPr id="4" name="Content Placeholder 3">
-            <a:extLst>
-              <a:ext uri="{FF2B5EF4-FFF2-40B4-BE49-F238E27FC236}">
-                <a16:creationId xmlns:a16="http://schemas.microsoft.com/office/drawing/2014/main" id="{D89E5098-DFCE-4756-9B3A-A7F5436BC428}"/>
-              </a:ext>
-            </a:extLst>
-          </p:cNvPr>
-          <p:cNvSpPr>
-            <a:spLocks noGrp="1"/>
-          </p:cNvSpPr>
-          <p:nvPr>
-            <p:ph sz="half" idx="2"/>
-          </p:nvPr>
-        </p:nvSpPr>
-        <p:spPr/>
-        <p:txBody>
-          <a:bodyPr/>
-          <a:lstStyle/>
-          <a:p>
-            <a:r>
-              <a:rPr lang="en-US" dirty="0"/>
-              <a:t>Age -&gt; </a:t>
-            </a:r>
-            <a:r>
-              <a:rPr lang="en-US" dirty="0" err="1"/>
-              <a:t>thr</a:t>
-            </a:r>
-            <a:r>
-              <a:rPr lang="en-US" dirty="0"/>
-              <a:t> = 0.22 -&gt; 2.8265</a:t>
-            </a:r>
-          </a:p>
-          <a:p>
-            <a:r>
-              <a:rPr lang="en-US" dirty="0"/>
-              <a:t>Age+bp.1s -&gt; </a:t>
-            </a:r>
-            <a:r>
-              <a:rPr lang="en-US" dirty="0" err="1"/>
-              <a:t>thr</a:t>
-            </a:r>
-            <a:r>
-              <a:rPr lang="en-US" dirty="0"/>
-              <a:t> = 0.24 -&gt; 2.8260</a:t>
-            </a:r>
-          </a:p>
-          <a:p>
-            <a:r>
-              <a:rPr lang="en-US" dirty="0"/>
-              <a:t>Age+bp.1s+waist -&gt; </a:t>
-            </a:r>
-            <a:r>
-              <a:rPr lang="en-US" dirty="0" err="1"/>
-              <a:t>thr</a:t>
-            </a:r>
-            <a:r>
-              <a:rPr lang="en-US" dirty="0"/>
-              <a:t> = 0.18 -&gt; 2.9115</a:t>
-            </a:r>
-          </a:p>
-        </p:txBody>
-      </p:sp>
-      <p:sp>
-        <p:nvSpPr>
           <p:cNvPr id="5" name="Text Placeholder 4">
             <a:extLst>
               <a:ext uri="{FF2B5EF4-FFF2-40B4-BE49-F238E27FC236}">
@@ -7397,78 +8034,490 @@
           </a:p>
         </p:txBody>
       </p:sp>
-      <p:sp>
-        <p:nvSpPr>
-          <p:cNvPr id="6" name="Content Placeholder 5">
+      <p:graphicFrame>
+        <p:nvGraphicFramePr>
+          <p:cNvPr id="7" name="Tabela 6">
             <a:extLst>
               <a:ext uri="{FF2B5EF4-FFF2-40B4-BE49-F238E27FC236}">
-                <a16:creationId xmlns:a16="http://schemas.microsoft.com/office/drawing/2014/main" id="{13DCD30E-1D0B-4D79-ACC0-3F0574E0056F}"/>
+                <a16:creationId xmlns:a16="http://schemas.microsoft.com/office/drawing/2014/main" id="{389B3118-A871-4D9D-9383-A4C60B30208B}"/>
               </a:ext>
             </a:extLst>
           </p:cNvPr>
-          <p:cNvSpPr>
-            <a:spLocks noGrp="1"/>
-          </p:cNvSpPr>
+          <p:cNvGraphicFramePr>
+            <a:graphicFrameLocks noGrp="1"/>
+          </p:cNvGraphicFramePr>
           <p:nvPr>
-            <p:ph sz="quarter" idx="4"/>
+            <p:extLst>
+              <p:ext uri="{D42A27DB-BD31-4B8C-83A1-F6EECF244321}">
+                <p14:modId xmlns:p14="http://schemas.microsoft.com/office/powerpoint/2010/main" val="2765966218"/>
+              </p:ext>
+            </p:extLst>
           </p:nvPr>
-        </p:nvSpPr>
-        <p:spPr/>
-        <p:txBody>
-          <a:bodyPr/>
-          <a:lstStyle/>
-          <a:p>
-            <a:r>
-              <a:rPr lang="en-US" dirty="0"/>
-              <a:t>Age -&gt; </a:t>
-            </a:r>
-            <a:r>
-              <a:rPr lang="en-US" dirty="0" err="1"/>
-              <a:t>thr</a:t>
-            </a:r>
-            <a:r>
-              <a:rPr lang="en-US" dirty="0"/>
-              <a:t> = 0.18 -&gt; 2.8578</a:t>
-            </a:r>
-          </a:p>
-          <a:p>
-            <a:r>
-              <a:rPr lang="en-US" dirty="0"/>
-              <a:t>Age+bp.1s -&gt; </a:t>
-            </a:r>
-            <a:r>
-              <a:rPr lang="en-US" dirty="0" err="1"/>
-              <a:t>thr</a:t>
-            </a:r>
-            <a:r>
-              <a:rPr lang="en-US" dirty="0"/>
-              <a:t> = 0.26 -&gt; 2.8039</a:t>
-            </a:r>
-          </a:p>
-          <a:p>
-            <a:r>
-              <a:rPr lang="en-US" dirty="0"/>
-              <a:t>Age+bp.1s+waist -&gt; </a:t>
-            </a:r>
-            <a:r>
-              <a:rPr lang="en-US" dirty="0" err="1"/>
-              <a:t>thr</a:t>
-            </a:r>
-            <a:r>
-              <a:rPr lang="en-US" dirty="0"/>
-              <a:t> </a:t>
-            </a:r>
-            <a:r>
-              <a:rPr lang="en-US"/>
-              <a:t>= 0.16 -&gt; 2.9364</a:t>
-            </a:r>
-            <a:endParaRPr lang="en-US" dirty="0"/>
-          </a:p>
-          <a:p>
-            <a:endParaRPr lang="en-US" dirty="0"/>
-          </a:p>
-        </p:txBody>
-      </p:sp>
+        </p:nvGraphicFramePr>
+        <p:xfrm>
+          <a:off x="448966" y="2274595"/>
+          <a:ext cx="3858930" cy="2137870"/>
+        </p:xfrm>
+        <a:graphic>
+          <a:graphicData uri="http://schemas.openxmlformats.org/drawingml/2006/table">
+            <a:tbl>
+              <a:tblPr firstRow="1" bandRow="1">
+                <a:tableStyleId>{5C22544A-7EE6-4342-B048-85BDC9FD1C3A}</a:tableStyleId>
+              </a:tblPr>
+              <a:tblGrid>
+                <a:gridCol w="1286310">
+                  <a:extLst>
+                    <a:ext uri="{9D8B030D-6E8A-4147-A177-3AD203B41FA5}">
+                      <a16:colId xmlns:a16="http://schemas.microsoft.com/office/drawing/2014/main" val="1191845396"/>
+                    </a:ext>
+                  </a:extLst>
+                </a:gridCol>
+                <a:gridCol w="1286310">
+                  <a:extLst>
+                    <a:ext uri="{9D8B030D-6E8A-4147-A177-3AD203B41FA5}">
+                      <a16:colId xmlns:a16="http://schemas.microsoft.com/office/drawing/2014/main" val="3683160750"/>
+                    </a:ext>
+                  </a:extLst>
+                </a:gridCol>
+                <a:gridCol w="1286310">
+                  <a:extLst>
+                    <a:ext uri="{9D8B030D-6E8A-4147-A177-3AD203B41FA5}">
+                      <a16:colId xmlns:a16="http://schemas.microsoft.com/office/drawing/2014/main" val="1891413670"/>
+                    </a:ext>
+                  </a:extLst>
+                </a:gridCol>
+              </a:tblGrid>
+              <a:tr h="676813">
+                <a:tc>
+                  <a:txBody>
+                    <a:bodyPr/>
+                    <a:lstStyle/>
+                    <a:p>
+                      <a:r>
+                        <a:rPr lang="pt-PT" sz="1800" dirty="0"/>
+                        <a:t>Variáveis</a:t>
+                      </a:r>
+                    </a:p>
+                  </a:txBody>
+                  <a:tcPr/>
+                </a:tc>
+                <a:tc>
+                  <a:txBody>
+                    <a:bodyPr/>
+                    <a:lstStyle/>
+                    <a:p>
+                      <a:r>
+                        <a:rPr lang="pt-PT" sz="1800" dirty="0" err="1"/>
+                        <a:t>Threshold</a:t>
+                      </a:r>
+                      <a:endParaRPr lang="pt-PT" sz="1800" dirty="0"/>
+                    </a:p>
+                  </a:txBody>
+                  <a:tcPr/>
+                </a:tc>
+                <a:tc>
+                  <a:txBody>
+                    <a:bodyPr/>
+                    <a:lstStyle/>
+                    <a:p>
+                      <a:r>
+                        <a:rPr lang="pt-PT" sz="1800" dirty="0"/>
+                        <a:t>Acerto Ponderado</a:t>
+                      </a:r>
+                    </a:p>
+                  </a:txBody>
+                  <a:tcPr/>
+                </a:tc>
+                <a:extLst>
+                  <a:ext uri="{0D108BD9-81ED-4DB2-BD59-A6C34878D82A}">
+                    <a16:rowId xmlns:a16="http://schemas.microsoft.com/office/drawing/2014/main" val="3774522803"/>
+                  </a:ext>
+                </a:extLst>
+              </a:tr>
+              <a:tr h="392122">
+                <a:tc>
+                  <a:txBody>
+                    <a:bodyPr/>
+                    <a:lstStyle/>
+                    <a:p>
+                      <a:r>
+                        <a:rPr lang="pt-PT" sz="1800" dirty="0"/>
+                        <a:t>Age</a:t>
+                      </a:r>
+                    </a:p>
+                  </a:txBody>
+                  <a:tcPr/>
+                </a:tc>
+                <a:tc>
+                  <a:txBody>
+                    <a:bodyPr/>
+                    <a:lstStyle/>
+                    <a:p>
+                      <a:r>
+                        <a:rPr lang="pt-PT" sz="1800" dirty="0"/>
+                        <a:t>0.22</a:t>
+                      </a:r>
+                    </a:p>
+                  </a:txBody>
+                  <a:tcPr/>
+                </a:tc>
+                <a:tc>
+                  <a:txBody>
+                    <a:bodyPr/>
+                    <a:lstStyle/>
+                    <a:p>
+                      <a:r>
+                        <a:rPr lang="pt-PT" sz="1800" dirty="0"/>
+                        <a:t>2.8265</a:t>
+                      </a:r>
+                    </a:p>
+                  </a:txBody>
+                  <a:tcPr/>
+                </a:tc>
+                <a:extLst>
+                  <a:ext uri="{0D108BD9-81ED-4DB2-BD59-A6C34878D82A}">
+                    <a16:rowId xmlns:a16="http://schemas.microsoft.com/office/drawing/2014/main" val="1112787191"/>
+                  </a:ext>
+                </a:extLst>
+              </a:tr>
+              <a:tr h="392122">
+                <a:tc>
+                  <a:txBody>
+                    <a:bodyPr/>
+                    <a:lstStyle/>
+                    <a:p>
+                      <a:r>
+                        <a:rPr lang="pt-PT" sz="1800" dirty="0"/>
+                        <a:t>Age+bp.1s</a:t>
+                      </a:r>
+                    </a:p>
+                  </a:txBody>
+                  <a:tcPr/>
+                </a:tc>
+                <a:tc>
+                  <a:txBody>
+                    <a:bodyPr/>
+                    <a:lstStyle/>
+                    <a:p>
+                      <a:r>
+                        <a:rPr lang="pt-PT" sz="1800" dirty="0"/>
+                        <a:t>0.24</a:t>
+                      </a:r>
+                    </a:p>
+                  </a:txBody>
+                  <a:tcPr/>
+                </a:tc>
+                <a:tc>
+                  <a:txBody>
+                    <a:bodyPr/>
+                    <a:lstStyle/>
+                    <a:p>
+                      <a:r>
+                        <a:rPr lang="pt-PT" sz="1800" dirty="0"/>
+                        <a:t>2.8260</a:t>
+                      </a:r>
+                    </a:p>
+                  </a:txBody>
+                  <a:tcPr/>
+                </a:tc>
+                <a:extLst>
+                  <a:ext uri="{0D108BD9-81ED-4DB2-BD59-A6C34878D82A}">
+                    <a16:rowId xmlns:a16="http://schemas.microsoft.com/office/drawing/2014/main" val="1021407425"/>
+                  </a:ext>
+                </a:extLst>
+              </a:tr>
+              <a:tr h="676813">
+                <a:tc>
+                  <a:txBody>
+                    <a:bodyPr/>
+                    <a:lstStyle/>
+                    <a:p>
+                      <a:r>
+                        <a:rPr lang="pt-PT" sz="1800" dirty="0"/>
+                        <a:t>Age+bp.1s+waist</a:t>
+                      </a:r>
+                    </a:p>
+                  </a:txBody>
+                  <a:tcPr/>
+                </a:tc>
+                <a:tc>
+                  <a:txBody>
+                    <a:bodyPr/>
+                    <a:lstStyle/>
+                    <a:p>
+                      <a:r>
+                        <a:rPr lang="pt-PT" sz="1800" dirty="0"/>
+                        <a:t>0.18</a:t>
+                      </a:r>
+                    </a:p>
+                  </a:txBody>
+                  <a:tcPr/>
+                </a:tc>
+                <a:tc>
+                  <a:txBody>
+                    <a:bodyPr/>
+                    <a:lstStyle/>
+                    <a:p>
+                      <a:r>
+                        <a:rPr lang="pt-PT" sz="1800" dirty="0"/>
+                        <a:t>2.9115</a:t>
+                      </a:r>
+                    </a:p>
+                  </a:txBody>
+                  <a:tcPr/>
+                </a:tc>
+                <a:extLst>
+                  <a:ext uri="{0D108BD9-81ED-4DB2-BD59-A6C34878D82A}">
+                    <a16:rowId xmlns:a16="http://schemas.microsoft.com/office/drawing/2014/main" val="1208673922"/>
+                  </a:ext>
+                </a:extLst>
+              </a:tr>
+            </a:tbl>
+          </a:graphicData>
+        </a:graphic>
+      </p:graphicFrame>
+      <p:graphicFrame>
+        <p:nvGraphicFramePr>
+          <p:cNvPr id="10" name="Tabela 9">
+            <a:extLst>
+              <a:ext uri="{FF2B5EF4-FFF2-40B4-BE49-F238E27FC236}">
+                <a16:creationId xmlns:a16="http://schemas.microsoft.com/office/drawing/2014/main" id="{58EC755C-8481-4F2D-90B0-EFC94D751C75}"/>
+              </a:ext>
+            </a:extLst>
+          </p:cNvPr>
+          <p:cNvGraphicFramePr>
+            <a:graphicFrameLocks noGrp="1"/>
+          </p:cNvGraphicFramePr>
+          <p:nvPr>
+            <p:extLst>
+              <p:ext uri="{D42A27DB-BD31-4B8C-83A1-F6EECF244321}">
+                <p14:modId xmlns:p14="http://schemas.microsoft.com/office/powerpoint/2010/main" val="1834191494"/>
+              </p:ext>
+            </p:extLst>
+          </p:nvPr>
+        </p:nvGraphicFramePr>
+        <p:xfrm>
+          <a:off x="4836105" y="2273574"/>
+          <a:ext cx="3858930" cy="2137870"/>
+        </p:xfrm>
+        <a:graphic>
+          <a:graphicData uri="http://schemas.openxmlformats.org/drawingml/2006/table">
+            <a:tbl>
+              <a:tblPr firstRow="1" bandRow="1">
+                <a:tableStyleId>{5C22544A-7EE6-4342-B048-85BDC9FD1C3A}</a:tableStyleId>
+              </a:tblPr>
+              <a:tblGrid>
+                <a:gridCol w="1286310">
+                  <a:extLst>
+                    <a:ext uri="{9D8B030D-6E8A-4147-A177-3AD203B41FA5}">
+                      <a16:colId xmlns:a16="http://schemas.microsoft.com/office/drawing/2014/main" val="1191845396"/>
+                    </a:ext>
+                  </a:extLst>
+                </a:gridCol>
+                <a:gridCol w="1286310">
+                  <a:extLst>
+                    <a:ext uri="{9D8B030D-6E8A-4147-A177-3AD203B41FA5}">
+                      <a16:colId xmlns:a16="http://schemas.microsoft.com/office/drawing/2014/main" val="3683160750"/>
+                    </a:ext>
+                  </a:extLst>
+                </a:gridCol>
+                <a:gridCol w="1286310">
+                  <a:extLst>
+                    <a:ext uri="{9D8B030D-6E8A-4147-A177-3AD203B41FA5}">
+                      <a16:colId xmlns:a16="http://schemas.microsoft.com/office/drawing/2014/main" val="1891413670"/>
+                    </a:ext>
+                  </a:extLst>
+                </a:gridCol>
+              </a:tblGrid>
+              <a:tr h="676813">
+                <a:tc>
+                  <a:txBody>
+                    <a:bodyPr/>
+                    <a:lstStyle/>
+                    <a:p>
+                      <a:r>
+                        <a:rPr lang="pt-PT" sz="1800" dirty="0"/>
+                        <a:t>Variáveis</a:t>
+                      </a:r>
+                    </a:p>
+                  </a:txBody>
+                  <a:tcPr/>
+                </a:tc>
+                <a:tc>
+                  <a:txBody>
+                    <a:bodyPr/>
+                    <a:lstStyle/>
+                    <a:p>
+                      <a:r>
+                        <a:rPr lang="pt-PT" sz="1800" dirty="0" err="1"/>
+                        <a:t>Threshold</a:t>
+                      </a:r>
+                      <a:endParaRPr lang="pt-PT" sz="1800" dirty="0"/>
+                    </a:p>
+                  </a:txBody>
+                  <a:tcPr/>
+                </a:tc>
+                <a:tc>
+                  <a:txBody>
+                    <a:bodyPr/>
+                    <a:lstStyle/>
+                    <a:p>
+                      <a:r>
+                        <a:rPr lang="pt-PT" sz="1800" dirty="0"/>
+                        <a:t>Acerto Ponderado</a:t>
+                      </a:r>
+                    </a:p>
+                  </a:txBody>
+                  <a:tcPr/>
+                </a:tc>
+                <a:extLst>
+                  <a:ext uri="{0D108BD9-81ED-4DB2-BD59-A6C34878D82A}">
+                    <a16:rowId xmlns:a16="http://schemas.microsoft.com/office/drawing/2014/main" val="3774522803"/>
+                  </a:ext>
+                </a:extLst>
+              </a:tr>
+              <a:tr h="392122">
+                <a:tc>
+                  <a:txBody>
+                    <a:bodyPr/>
+                    <a:lstStyle/>
+                    <a:p>
+                      <a:r>
+                        <a:rPr lang="pt-PT" sz="1800" dirty="0"/>
+                        <a:t>Age</a:t>
+                      </a:r>
+                    </a:p>
+                  </a:txBody>
+                  <a:tcPr/>
+                </a:tc>
+                <a:tc>
+                  <a:txBody>
+                    <a:bodyPr/>
+                    <a:lstStyle/>
+                    <a:p>
+                      <a:r>
+                        <a:rPr lang="pt-PT" sz="1800" dirty="0"/>
+                        <a:t>0.18</a:t>
+                      </a:r>
+                    </a:p>
+                  </a:txBody>
+                  <a:tcPr/>
+                </a:tc>
+                <a:tc>
+                  <a:txBody>
+                    <a:bodyPr/>
+                    <a:lstStyle/>
+                    <a:p>
+                      <a:r>
+                        <a:rPr lang="pt-PT" sz="1800" dirty="0"/>
+                        <a:t>2.8578</a:t>
+                      </a:r>
+                    </a:p>
+                  </a:txBody>
+                  <a:tcPr/>
+                </a:tc>
+                <a:extLst>
+                  <a:ext uri="{0D108BD9-81ED-4DB2-BD59-A6C34878D82A}">
+                    <a16:rowId xmlns:a16="http://schemas.microsoft.com/office/drawing/2014/main" val="1112787191"/>
+                  </a:ext>
+                </a:extLst>
+              </a:tr>
+              <a:tr h="392122">
+                <a:tc>
+                  <a:txBody>
+                    <a:bodyPr/>
+                    <a:lstStyle/>
+                    <a:p>
+                      <a:r>
+                        <a:rPr lang="pt-PT" sz="1800" dirty="0"/>
+                        <a:t>Age+bp.1s</a:t>
+                      </a:r>
+                    </a:p>
+                  </a:txBody>
+                  <a:tcPr/>
+                </a:tc>
+                <a:tc>
+                  <a:txBody>
+                    <a:bodyPr/>
+                    <a:lstStyle/>
+                    <a:p>
+                      <a:r>
+                        <a:rPr lang="pt-PT" sz="1800" dirty="0"/>
+                        <a:t>0.26</a:t>
+                      </a:r>
+                    </a:p>
+                  </a:txBody>
+                  <a:tcPr/>
+                </a:tc>
+                <a:tc>
+                  <a:txBody>
+                    <a:bodyPr/>
+                    <a:lstStyle/>
+                    <a:p>
+                      <a:r>
+                        <a:rPr lang="pt-PT" sz="1800" dirty="0"/>
+                        <a:t>2.8039</a:t>
+                      </a:r>
+                    </a:p>
+                  </a:txBody>
+                  <a:tcPr/>
+                </a:tc>
+                <a:extLst>
+                  <a:ext uri="{0D108BD9-81ED-4DB2-BD59-A6C34878D82A}">
+                    <a16:rowId xmlns:a16="http://schemas.microsoft.com/office/drawing/2014/main" val="1021407425"/>
+                  </a:ext>
+                </a:extLst>
+              </a:tr>
+              <a:tr h="676813">
+                <a:tc>
+                  <a:txBody>
+                    <a:bodyPr/>
+                    <a:lstStyle/>
+                    <a:p>
+                      <a:r>
+                        <a:rPr lang="pt-PT" sz="1800" dirty="0"/>
+                        <a:t>Age+bp.1s+waist</a:t>
+                      </a:r>
+                    </a:p>
+                  </a:txBody>
+                  <a:tcPr/>
+                </a:tc>
+                <a:tc>
+                  <a:txBody>
+                    <a:bodyPr/>
+                    <a:lstStyle/>
+                    <a:p>
+                      <a:r>
+                        <a:rPr lang="pt-PT" sz="1800" dirty="0"/>
+                        <a:t>0.16</a:t>
+                      </a:r>
+                    </a:p>
+                  </a:txBody>
+                  <a:tcPr/>
+                </a:tc>
+                <a:tc>
+                  <a:txBody>
+                    <a:bodyPr/>
+                    <a:lstStyle/>
+                    <a:p>
+                      <a:r>
+                        <a:rPr lang="pt-PT" sz="1800" dirty="0"/>
+                        <a:t>2.9364</a:t>
+                      </a:r>
+                    </a:p>
+                  </a:txBody>
+                  <a:tcPr/>
+                </a:tc>
+                <a:extLst>
+                  <a:ext uri="{0D108BD9-81ED-4DB2-BD59-A6C34878D82A}">
+                    <a16:rowId xmlns:a16="http://schemas.microsoft.com/office/drawing/2014/main" val="1208673922"/>
+                  </a:ext>
+                </a:extLst>
+              </a:tr>
+            </a:tbl>
+          </a:graphicData>
+        </a:graphic>
+      </p:graphicFrame>
     </p:spTree>
     <p:extLst>
       <p:ext uri="{BB962C8B-B14F-4D97-AF65-F5344CB8AC3E}">
@@ -7552,7 +8601,7 @@
               <p:nvPr>
                 <p:extLst>
                   <p:ext uri="{D42A27DB-BD31-4B8C-83A1-F6EECF244321}">
-                    <p14:modId xmlns:p14="http://schemas.microsoft.com/office/powerpoint/2010/main" val="1945203097"/>
+                    <p14:modId xmlns:p14="http://schemas.microsoft.com/office/powerpoint/2010/main" val="325358141"/>
                   </p:ext>
                 </p:extLst>
               </p:nvPr>
@@ -8532,7 +9581,7 @@
                               <a:ea typeface="+mn-ea"/>
                               <a:cs typeface="+mn-cs"/>
                             </a:rPr>
-                            <a:t>Erro ponderado</a:t>
+                            <a:t>Acerto ponderado</a:t>
                           </a:r>
                           <a:endParaRPr kumimoji="0" lang="en-US" sz="1700" b="0" i="0" u="none" strike="noStrike" kern="1200" cap="none" spc="0" normalizeH="0" baseline="0" noProof="0" dirty="0">
                             <a:ln>
@@ -8602,6 +9651,7 @@
                         <a:bodyPr/>
                         <a:lstStyle/>
                         <a:p>
+                          <a:pPr/>
                           <a14:m>
                             <m:oMathPara xmlns:m="http://schemas.openxmlformats.org/officeDocument/2006/math">
                               <m:oMathParaPr>
@@ -8839,7 +9889,7 @@
               <p:nvPr>
                 <p:extLst>
                   <p:ext uri="{D42A27DB-BD31-4B8C-83A1-F6EECF244321}">
-                    <p14:modId xmlns:p14="http://schemas.microsoft.com/office/powerpoint/2010/main" val="1945203097"/>
+                    <p14:modId xmlns:p14="http://schemas.microsoft.com/office/powerpoint/2010/main" val="325358141"/>
                   </p:ext>
                 </p:extLst>
               </p:nvPr>
@@ -9819,7 +10869,7 @@
                               <a:ea typeface="+mn-ea"/>
                               <a:cs typeface="+mn-cs"/>
                             </a:rPr>
-                            <a:t>Erro ponderado</a:t>
+                            <a:t>Acerto ponderado</a:t>
                           </a:r>
                           <a:endParaRPr kumimoji="0" lang="en-US" sz="1700" b="0" i="0" u="none" strike="noStrike" kern="1200" cap="none" spc="0" normalizeH="0" baseline="0" noProof="0" dirty="0">
                             <a:ln>
@@ -9889,7 +10939,7 @@
                         <a:bodyPr/>
                         <a:lstStyle/>
                         <a:p>
-                          <a:endParaRPr lang="en-US"/>
+                          <a:endParaRPr lang="pt-PT"/>
                         </a:p>
                       </a:txBody>
                       <a:tcPr marL="148887" marR="148887" marT="74445" marB="74445">
@@ -10160,7 +11210,7 @@
           <p:nvPr>
             <p:extLst>
               <p:ext uri="{D42A27DB-BD31-4B8C-83A1-F6EECF244321}">
-                <p14:modId xmlns:p14="http://schemas.microsoft.com/office/powerpoint/2010/main" val="58212799"/>
+                <p14:modId xmlns:p14="http://schemas.microsoft.com/office/powerpoint/2010/main" val="2086059702"/>
               </p:ext>
             </p:extLst>
           </p:nvPr>
@@ -11141,7 +12191,7 @@
                           <a:ea typeface="+mn-ea"/>
                           <a:cs typeface="+mn-cs"/>
                         </a:rPr>
-                        <a:t>Erro ponderado</a:t>
+                        <a:t>Acerto ponderado</a:t>
                       </a:r>
                       <a:endParaRPr kumimoji="0" lang="en-US" sz="1700" b="0" i="0" u="none" strike="noStrike" kern="1200" cap="none" spc="0" normalizeH="0" baseline="0" noProof="0" dirty="0">
                         <a:ln>
@@ -11624,11 +12674,77 @@
                       <a:schemeClr val="accent1"/>
                     </a:solidFill>
                   </a:rPr>
-                  <a:t>Erro ponderado: </a:t>
+                  <a:t>Acerto ponderado: </a:t>
                 </a:r>
                 <a:r>
                   <a:rPr lang="pt-PT" sz="1600" b="1" dirty="0"/>
                   <a:t>3.63</a:t>
+                </a:r>
+              </a:p>
+              <a:p>
+                <a:pPr algn="l">
+                  <a:buFont typeface="Wingdings" panose="05000000000000000000" pitchFamily="2" charset="2"/>
+                  <a:buChar char="ü"/>
+                </a:pPr>
+                <a:r>
+                  <a:rPr lang="pt-PT" sz="1600" b="1" dirty="0">
+                    <a:solidFill>
+                      <a:schemeClr val="accent1"/>
+                    </a:solidFill>
+                  </a:rPr>
+                  <a:t>Acerto total: </a:t>
+                </a:r>
+                <a:r>
+                  <a:rPr lang="pt-PT" sz="1600" b="1" dirty="0">
+                    <a:solidFill>
+                      <a:schemeClr val="tx1"/>
+                    </a:solidFill>
+                  </a:rPr>
+                  <a:t>95.88%</a:t>
+                </a:r>
+              </a:p>
+              <a:p>
+                <a:pPr algn="l">
+                  <a:buFont typeface="Wingdings" panose="05000000000000000000" pitchFamily="2" charset="2"/>
+                  <a:buChar char="ü"/>
+                </a:pPr>
+                <a:r>
+                  <a:rPr lang="pt-PT" sz="1600" b="1" dirty="0">
+                    <a:solidFill>
+                      <a:schemeClr val="accent1"/>
+                    </a:solidFill>
+                  </a:rPr>
+                  <a:t>Acerto positivos: </a:t>
+                </a:r>
+                <a:r>
+                  <a:rPr lang="pt-PT" sz="1600" b="1" dirty="0">
+                    <a:solidFill>
+                      <a:schemeClr val="tx1"/>
+                    </a:solidFill>
+                  </a:rPr>
+                  <a:t>71.43%</a:t>
+                </a:r>
+              </a:p>
+              <a:p>
+                <a:pPr algn="l">
+                  <a:buFont typeface="Wingdings" panose="05000000000000000000" pitchFamily="2" charset="2"/>
+                  <a:buChar char="ü"/>
+                </a:pPr>
+                <a:r>
+                  <a:rPr lang="pt-PT" sz="1600" b="1" dirty="0">
+                    <a:solidFill>
+                      <a:schemeClr val="accent1"/>
+                    </a:solidFill>
+                  </a:rPr>
+                  <a:t>Acerto negativos: </a:t>
+                </a:r>
+                <a:r>
+                  <a:rPr lang="pt-PT" sz="1600" b="1" dirty="0">
+                    <a:solidFill>
+                      <a:schemeClr val="tx1"/>
+                    </a:solidFill>
+                  </a:rPr>
+                  <a:t>100%</a:t>
                 </a:r>
               </a:p>
               <a:p>
@@ -11679,7 +12795,7 @@
               <a:lstStyle/>
               <a:p>
                 <a:r>
-                  <a:rPr lang="en-US">
+                  <a:rPr lang="pt-PT">
                     <a:noFill/>
                   </a:rPr>
                   <a:t> </a:t>
@@ -14320,7 +15436,7 @@
             </a:r>
             <a:r>
               <a:rPr lang="en-US" sz="2000" dirty="0" err="1"/>
-              <a:t>ime.pp</a:t>
+              <a:t>ime.ppn</a:t>
             </a:r>
             <a:endParaRPr lang="en-US" sz="2000" dirty="0"/>
           </a:p>

--- a/apresentacao.pptx
+++ b/apresentacao.pptx
@@ -384,7 +384,7 @@
           <a:p>
             <a:fld id="{C263AF9A-6E76-4CCC-89CF-B04065708FB7}" type="slidenum">
               <a:rPr lang="en-US" smtClean="0"/>
-              <a:t>‹nº›</a:t>
+              <a:t>‹#›</a:t>
             </a:fld>
             <a:endParaRPr lang="en-US"/>
           </a:p>
@@ -3181,7 +3181,7 @@
             <a:fld id="{B82CCC60-E8CD-4174-8B1A-7DF615B22EEF}" type="slidenum">
               <a:rPr lang="en-US" smtClean="0"/>
               <a:pPr/>
-              <a:t>‹nº›</a:t>
+              <a:t>‹#›</a:t>
             </a:fld>
             <a:endParaRPr lang="en-US"/>
           </a:p>
@@ -3435,7 +3435,7 @@
             <a:fld id="{B82CCC60-E8CD-4174-8B1A-7DF615B22EEF}" type="slidenum">
               <a:rPr lang="en-US" smtClean="0"/>
               <a:pPr/>
-              <a:t>‹nº›</a:t>
+              <a:t>‹#›</a:t>
             </a:fld>
             <a:endParaRPr lang="en-US"/>
           </a:p>
@@ -3605,7 +3605,7 @@
             <a:fld id="{B82CCC60-E8CD-4174-8B1A-7DF615B22EEF}" type="slidenum">
               <a:rPr lang="en-US" smtClean="0"/>
               <a:pPr/>
-              <a:t>‹nº›</a:t>
+              <a:t>‹#›</a:t>
             </a:fld>
             <a:endParaRPr lang="en-US"/>
           </a:p>
@@ -3785,7 +3785,7 @@
             <a:fld id="{B82CCC60-E8CD-4174-8B1A-7DF615B22EEF}" type="slidenum">
               <a:rPr lang="en-US" smtClean="0"/>
               <a:pPr/>
-              <a:t>‹nº›</a:t>
+              <a:t>‹#›</a:t>
             </a:fld>
             <a:endParaRPr lang="en-US"/>
           </a:p>
@@ -4067,7 +4067,7 @@
             <a:fld id="{B82CCC60-E8CD-4174-8B1A-7DF615B22EEF}" type="slidenum">
               <a:rPr lang="en-US" smtClean="0"/>
               <a:pPr/>
-              <a:t>‹nº›</a:t>
+              <a:t>‹#›</a:t>
             </a:fld>
             <a:endParaRPr lang="en-US"/>
           </a:p>
@@ -4314,7 +4314,7 @@
             <a:fld id="{B82CCC60-E8CD-4174-8B1A-7DF615B22EEF}" type="slidenum">
               <a:rPr lang="en-US" smtClean="0"/>
               <a:pPr/>
-              <a:t>‹nº›</a:t>
+              <a:t>‹#›</a:t>
             </a:fld>
             <a:endParaRPr lang="en-US"/>
           </a:p>
@@ -4561,7 +4561,7 @@
             <a:fld id="{B82CCC60-E8CD-4174-8B1A-7DF615B22EEF}" type="slidenum">
               <a:rPr lang="en-US" smtClean="0"/>
               <a:pPr/>
-              <a:t>‹nº›</a:t>
+              <a:t>‹#›</a:t>
             </a:fld>
             <a:endParaRPr lang="en-US"/>
           </a:p>
@@ -4848,7 +4848,7 @@
             <a:fld id="{B82CCC60-E8CD-4174-8B1A-7DF615B22EEF}" type="slidenum">
               <a:rPr lang="en-US" smtClean="0"/>
               <a:pPr/>
-              <a:t>‹nº›</a:t>
+              <a:t>‹#›</a:t>
             </a:fld>
             <a:endParaRPr lang="en-US"/>
           </a:p>
@@ -5335,7 +5335,7 @@
             <a:fld id="{B82CCC60-E8CD-4174-8B1A-7DF615B22EEF}" type="slidenum">
               <a:rPr lang="en-US" smtClean="0"/>
               <a:pPr/>
-              <a:t>‹nº›</a:t>
+              <a:t>‹#›</a:t>
             </a:fld>
             <a:endParaRPr lang="en-US"/>
           </a:p>
@@ -5454,7 +5454,7 @@
             <a:fld id="{B82CCC60-E8CD-4174-8B1A-7DF615B22EEF}" type="slidenum">
               <a:rPr lang="en-US" smtClean="0"/>
               <a:pPr/>
-              <a:t>‹nº›</a:t>
+              <a:t>‹#›</a:t>
             </a:fld>
             <a:endParaRPr lang="en-US"/>
           </a:p>
@@ -5551,7 +5551,7 @@
             <a:fld id="{B82CCC60-E8CD-4174-8B1A-7DF615B22EEF}" type="slidenum">
               <a:rPr lang="en-US" smtClean="0"/>
               <a:pPr/>
-              <a:t>‹nº›</a:t>
+              <a:t>‹#›</a:t>
             </a:fld>
             <a:endParaRPr lang="en-US"/>
           </a:p>
@@ -5828,7 +5828,7 @@
             <a:fld id="{B82CCC60-E8CD-4174-8B1A-7DF615B22EEF}" type="slidenum">
               <a:rPr lang="en-US" smtClean="0"/>
               <a:pPr/>
-              <a:t>‹nº›</a:t>
+              <a:t>‹#›</a:t>
             </a:fld>
             <a:endParaRPr lang="en-US"/>
           </a:p>
@@ -6086,7 +6086,7 @@
             <a:fld id="{B82CCC60-E8CD-4174-8B1A-7DF615B22EEF}" type="slidenum">
               <a:rPr lang="en-US" smtClean="0"/>
               <a:pPr/>
-              <a:t>‹nº›</a:t>
+              <a:t>‹#›</a:t>
             </a:fld>
             <a:endParaRPr lang="en-US"/>
           </a:p>
@@ -6679,7 +6679,7 @@
         </p:blipFill>
         <p:spPr bwMode="auto">
           <a:xfrm>
-            <a:off x="4439386" y="1960930"/>
+            <a:off x="4521430" y="1808225"/>
             <a:ext cx="4583970" cy="2724791"/>
           </a:xfrm>
           <a:prstGeom prst="rect">
@@ -6697,229 +6697,920 @@
           </a:extLst>
         </p:spPr>
       </p:pic>
-      <p:sp>
-        <p:nvSpPr>
-          <p:cNvPr id="10" name="Content Placeholder 3">
+      <p:graphicFrame>
+        <p:nvGraphicFramePr>
+          <p:cNvPr id="4" name="Table 3">
             <a:extLst>
               <a:ext uri="{FF2B5EF4-FFF2-40B4-BE49-F238E27FC236}">
-                <a16:creationId xmlns:a16="http://schemas.microsoft.com/office/drawing/2014/main" id="{95AB6C1A-673F-49CC-8662-8D55A10F4F36}"/>
+                <a16:creationId xmlns:a16="http://schemas.microsoft.com/office/drawing/2014/main" id="{5E44DE3F-B303-4BCC-9C07-CF1D285B0DF5}"/>
               </a:ext>
             </a:extLst>
           </p:cNvPr>
-          <p:cNvSpPr txBox="1">
-            <a:spLocks/>
-          </p:cNvSpPr>
-          <p:nvPr/>
-        </p:nvSpPr>
-        <p:spPr>
-          <a:xfrm>
-            <a:off x="448965" y="1960930"/>
-            <a:ext cx="4275740" cy="2595985"/>
-          </a:xfrm>
-          <a:prstGeom prst="rect">
-            <a:avLst/>
-          </a:prstGeom>
-        </p:spPr>
-        <p:txBody>
-          <a:bodyPr vert="horz" lIns="91440" tIns="45720" rIns="91440" bIns="45720" rtlCol="0">
-            <a:normAutofit/>
-          </a:bodyPr>
-          <a:lstStyle>
-            <a:lvl1pPr marL="342900" indent="-342900" algn="ctr" defTabSz="914400" rtl="0" eaLnBrk="1" latinLnBrk="0" hangingPunct="1">
-              <a:spcBef>
-                <a:spcPct val="20000"/>
-              </a:spcBef>
-              <a:buFont typeface="Arial" pitchFamily="34" charset="0"/>
-              <a:buChar char="•"/>
-              <a:defRPr sz="2400" kern="1200">
-                <a:solidFill>
-                  <a:srgbClr val="002060"/>
-                </a:solidFill>
-                <a:latin typeface="+mn-lt"/>
-                <a:ea typeface="+mn-ea"/>
-                <a:cs typeface="+mn-cs"/>
-              </a:defRPr>
-            </a:lvl1pPr>
-            <a:lvl2pPr marL="742950" indent="-285750" algn="ctr" defTabSz="914400" rtl="0" eaLnBrk="1" latinLnBrk="0" hangingPunct="1">
-              <a:spcBef>
-                <a:spcPct val="20000"/>
-              </a:spcBef>
-              <a:buFont typeface="Arial" pitchFamily="34" charset="0"/>
-              <a:buChar char="–"/>
-              <a:defRPr sz="2000" kern="1200">
-                <a:solidFill>
-                  <a:srgbClr val="002060"/>
-                </a:solidFill>
-                <a:latin typeface="+mn-lt"/>
-                <a:ea typeface="+mn-ea"/>
-                <a:cs typeface="+mn-cs"/>
-              </a:defRPr>
-            </a:lvl2pPr>
-            <a:lvl3pPr marL="1143000" indent="-228600" algn="ctr" defTabSz="914400" rtl="0" eaLnBrk="1" latinLnBrk="0" hangingPunct="1">
-              <a:spcBef>
-                <a:spcPct val="20000"/>
-              </a:spcBef>
-              <a:buFont typeface="Arial" pitchFamily="34" charset="0"/>
-              <a:buChar char="•"/>
-              <a:defRPr sz="1800" kern="1200">
-                <a:solidFill>
-                  <a:srgbClr val="002060"/>
-                </a:solidFill>
-                <a:latin typeface="+mn-lt"/>
-                <a:ea typeface="+mn-ea"/>
-                <a:cs typeface="+mn-cs"/>
-              </a:defRPr>
-            </a:lvl3pPr>
-            <a:lvl4pPr marL="1600200" indent="-228600" algn="ctr" defTabSz="914400" rtl="0" eaLnBrk="1" latinLnBrk="0" hangingPunct="1">
-              <a:spcBef>
-                <a:spcPct val="20000"/>
-              </a:spcBef>
-              <a:buFont typeface="Arial" pitchFamily="34" charset="0"/>
-              <a:buChar char="–"/>
-              <a:defRPr sz="1600" kern="1200">
-                <a:solidFill>
-                  <a:srgbClr val="002060"/>
-                </a:solidFill>
-                <a:latin typeface="+mn-lt"/>
-                <a:ea typeface="+mn-ea"/>
-                <a:cs typeface="+mn-cs"/>
-              </a:defRPr>
-            </a:lvl4pPr>
-            <a:lvl5pPr marL="2057400" indent="-228600" algn="ctr" defTabSz="914400" rtl="0" eaLnBrk="1" latinLnBrk="0" hangingPunct="1">
-              <a:spcBef>
-                <a:spcPct val="20000"/>
-              </a:spcBef>
-              <a:buFont typeface="Arial" pitchFamily="34" charset="0"/>
-              <a:buChar char="»"/>
-              <a:defRPr sz="1600" kern="1200">
-                <a:solidFill>
-                  <a:srgbClr val="002060"/>
-                </a:solidFill>
-                <a:latin typeface="+mn-lt"/>
-                <a:ea typeface="+mn-ea"/>
-                <a:cs typeface="+mn-cs"/>
-              </a:defRPr>
-            </a:lvl5pPr>
-            <a:lvl6pPr marL="2514600" indent="-228600" algn="l" defTabSz="914400" rtl="0" eaLnBrk="1" latinLnBrk="0" hangingPunct="1">
-              <a:spcBef>
-                <a:spcPct val="20000"/>
-              </a:spcBef>
-              <a:buFont typeface="Arial" pitchFamily="34" charset="0"/>
-              <a:buChar char="•"/>
-              <a:defRPr sz="1600" kern="1200">
-                <a:solidFill>
-                  <a:schemeClr val="tx1"/>
-                </a:solidFill>
-                <a:latin typeface="+mn-lt"/>
-                <a:ea typeface="+mn-ea"/>
-                <a:cs typeface="+mn-cs"/>
-              </a:defRPr>
-            </a:lvl6pPr>
-            <a:lvl7pPr marL="2971800" indent="-228600" algn="l" defTabSz="914400" rtl="0" eaLnBrk="1" latinLnBrk="0" hangingPunct="1">
-              <a:spcBef>
-                <a:spcPct val="20000"/>
-              </a:spcBef>
-              <a:buFont typeface="Arial" pitchFamily="34" charset="0"/>
-              <a:buChar char="•"/>
-              <a:defRPr sz="1600" kern="1200">
-                <a:solidFill>
-                  <a:schemeClr val="tx1"/>
-                </a:solidFill>
-                <a:latin typeface="+mn-lt"/>
-                <a:ea typeface="+mn-ea"/>
-                <a:cs typeface="+mn-cs"/>
-              </a:defRPr>
-            </a:lvl7pPr>
-            <a:lvl8pPr marL="3429000" indent="-228600" algn="l" defTabSz="914400" rtl="0" eaLnBrk="1" latinLnBrk="0" hangingPunct="1">
-              <a:spcBef>
-                <a:spcPct val="20000"/>
-              </a:spcBef>
-              <a:buFont typeface="Arial" pitchFamily="34" charset="0"/>
-              <a:buChar char="•"/>
-              <a:defRPr sz="1600" kern="1200">
-                <a:solidFill>
-                  <a:schemeClr val="tx1"/>
-                </a:solidFill>
-                <a:latin typeface="+mn-lt"/>
-                <a:ea typeface="+mn-ea"/>
-                <a:cs typeface="+mn-cs"/>
-              </a:defRPr>
-            </a:lvl8pPr>
-            <a:lvl9pPr marL="3886200" indent="-228600" algn="l" defTabSz="914400" rtl="0" eaLnBrk="1" latinLnBrk="0" hangingPunct="1">
-              <a:spcBef>
-                <a:spcPct val="20000"/>
-              </a:spcBef>
-              <a:buFont typeface="Arial" pitchFamily="34" charset="0"/>
-              <a:buChar char="•"/>
-              <a:defRPr sz="1600" kern="1200">
-                <a:solidFill>
-                  <a:schemeClr val="tx1"/>
-                </a:solidFill>
-                <a:latin typeface="+mn-lt"/>
-                <a:ea typeface="+mn-ea"/>
-                <a:cs typeface="+mn-cs"/>
-              </a:defRPr>
-            </a:lvl9pPr>
-          </a:lstStyle>
-          <a:p>
-            <a:pPr algn="l"/>
-            <a:r>
-              <a:rPr lang="en-US" dirty="0"/>
-              <a:t>Stab.glu^2-&gt; </a:t>
-            </a:r>
-            <a:r>
-              <a:rPr lang="en-US" dirty="0" err="1"/>
-              <a:t>th</a:t>
-            </a:r>
-            <a:r>
-              <a:rPr lang="en-US" dirty="0"/>
-              <a:t>  0.39 -&gt; 3.5714</a:t>
-            </a:r>
-          </a:p>
-          <a:p>
-            <a:pPr algn="l"/>
-            <a:r>
-              <a:rPr lang="en-US" dirty="0"/>
-              <a:t>Stab.glu^2+ratio&gt; 0.39 -&gt; 3.5714</a:t>
-            </a:r>
-          </a:p>
-          <a:p>
-            <a:pPr algn="l"/>
-            <a:r>
-              <a:rPr lang="en-US" dirty="0" err="1"/>
-              <a:t>Stab.glu+ratio</a:t>
-            </a:r>
-            <a:r>
-              <a:rPr lang="en-US" dirty="0"/>
-              <a:t> + </a:t>
-            </a:r>
-            <a:r>
-              <a:rPr lang="en-US" dirty="0" err="1"/>
-              <a:t>stab.glu</a:t>
-            </a:r>
-            <a:r>
-              <a:rPr lang="en-US" dirty="0"/>
-              <a:t> x ratio-&gt; </a:t>
-            </a:r>
-            <a:r>
-              <a:rPr lang="en-US" dirty="0" err="1"/>
-              <a:t>thr</a:t>
-            </a:r>
-            <a:r>
-              <a:rPr lang="en-US" dirty="0"/>
-              <a:t>  -&gt; 3.5520</a:t>
-            </a:r>
-          </a:p>
-          <a:p>
-            <a:pPr algn="l"/>
-            <a:endParaRPr lang="en-US" dirty="0"/>
-          </a:p>
-          <a:p>
-            <a:pPr algn="l"/>
-            <a:endParaRPr lang="en-US" dirty="0"/>
-          </a:p>
-        </p:txBody>
-      </p:sp>
+          <p:cNvGraphicFramePr>
+            <a:graphicFrameLocks noGrp="1"/>
+          </p:cNvGraphicFramePr>
+          <p:nvPr>
+            <p:extLst>
+              <p:ext uri="{D42A27DB-BD31-4B8C-83A1-F6EECF244321}">
+                <p14:modId xmlns:p14="http://schemas.microsoft.com/office/powerpoint/2010/main" val="440336998"/>
+              </p:ext>
+            </p:extLst>
+          </p:nvPr>
+        </p:nvGraphicFramePr>
+        <p:xfrm>
+          <a:off x="460101" y="2487365"/>
+          <a:ext cx="3959193" cy="1366509"/>
+        </p:xfrm>
+        <a:graphic>
+          <a:graphicData uri="http://schemas.openxmlformats.org/drawingml/2006/table">
+            <a:tbl>
+              <a:tblPr firstRow="1" bandRow="1">
+                <a:tableStyleId>{3B4B98B0-60AC-42C2-AFA5-B58CD77FA1E5}</a:tableStyleId>
+              </a:tblPr>
+              <a:tblGrid>
+                <a:gridCol w="2584849">
+                  <a:extLst>
+                    <a:ext uri="{9D8B030D-6E8A-4147-A177-3AD203B41FA5}">
+                      <a16:colId xmlns:a16="http://schemas.microsoft.com/office/drawing/2014/main" val="1146227716"/>
+                    </a:ext>
+                  </a:extLst>
+                </a:gridCol>
+                <a:gridCol w="610820">
+                  <a:extLst>
+                    <a:ext uri="{9D8B030D-6E8A-4147-A177-3AD203B41FA5}">
+                      <a16:colId xmlns:a16="http://schemas.microsoft.com/office/drawing/2014/main" val="1437805710"/>
+                    </a:ext>
+                  </a:extLst>
+                </a:gridCol>
+                <a:gridCol w="763524">
+                  <a:extLst>
+                    <a:ext uri="{9D8B030D-6E8A-4147-A177-3AD203B41FA5}">
+                      <a16:colId xmlns:a16="http://schemas.microsoft.com/office/drawing/2014/main" val="2554019625"/>
+                    </a:ext>
+                  </a:extLst>
+                </a:gridCol>
+              </a:tblGrid>
+              <a:tr h="301038">
+                <a:tc>
+                  <a:txBody>
+                    <a:bodyPr/>
+                    <a:lstStyle/>
+                    <a:p>
+                      <a:r>
+                        <a:rPr lang="pt-PT" sz="1500" dirty="0">
+                          <a:ln>
+                            <a:solidFill>
+                              <a:schemeClr val="accent1"/>
+                            </a:solidFill>
+                          </a:ln>
+                          <a:solidFill>
+                            <a:schemeClr val="accent1"/>
+                          </a:solidFill>
+                        </a:rPr>
+                        <a:t>F</a:t>
+                      </a:r>
+                      <a:r>
+                        <a:rPr lang="en-US" sz="1500" dirty="0">
+                          <a:ln>
+                            <a:solidFill>
+                              <a:schemeClr val="accent1"/>
+                            </a:solidFill>
+                          </a:ln>
+                          <a:solidFill>
+                            <a:schemeClr val="accent1"/>
+                          </a:solidFill>
+                        </a:rPr>
+                        <a:t>órmula</a:t>
+                      </a:r>
+                    </a:p>
+                  </a:txBody>
+                  <a:tcPr>
+                    <a:lnL w="12700" cap="flat" cmpd="sng" algn="ctr">
+                      <a:solidFill>
+                        <a:schemeClr val="accent1"/>
+                      </a:solidFill>
+                      <a:prstDash val="solid"/>
+                      <a:round/>
+                      <a:headEnd type="none" w="med" len="med"/>
+                      <a:tailEnd type="none" w="med" len="med"/>
+                    </a:lnL>
+                    <a:lnR w="12700" cap="flat" cmpd="sng" algn="ctr">
+                      <a:solidFill>
+                        <a:schemeClr val="accent1"/>
+                      </a:solidFill>
+                      <a:prstDash val="solid"/>
+                      <a:round/>
+                      <a:headEnd type="none" w="med" len="med"/>
+                      <a:tailEnd type="none" w="med" len="med"/>
+                    </a:lnR>
+                    <a:lnT w="12700" cap="flat" cmpd="sng" algn="ctr">
+                      <a:solidFill>
+                        <a:schemeClr val="accent1"/>
+                      </a:solidFill>
+                      <a:prstDash val="solid"/>
+                      <a:round/>
+                      <a:headEnd type="none" w="med" len="med"/>
+                      <a:tailEnd type="none" w="med" len="med"/>
+                    </a:lnT>
+                    <a:lnB w="12700" cap="flat" cmpd="sng" algn="ctr">
+                      <a:solidFill>
+                        <a:schemeClr val="accent1"/>
+                      </a:solidFill>
+                      <a:prstDash val="solid"/>
+                      <a:round/>
+                      <a:headEnd type="none" w="med" len="med"/>
+                      <a:tailEnd type="none" w="med" len="med"/>
+                    </a:lnB>
+                  </a:tcPr>
+                </a:tc>
+                <a:tc>
+                  <a:txBody>
+                    <a:bodyPr/>
+                    <a:lstStyle/>
+                    <a:p>
+                      <a:r>
+                        <a:rPr lang="pt-PT" sz="1500" dirty="0" err="1">
+                          <a:ln>
+                            <a:solidFill>
+                              <a:schemeClr val="accent1"/>
+                            </a:solidFill>
+                          </a:ln>
+                          <a:solidFill>
+                            <a:schemeClr val="accent1"/>
+                          </a:solidFill>
+                        </a:rPr>
+                        <a:t>Thr</a:t>
+                      </a:r>
+                      <a:endParaRPr lang="en-US" sz="1500" dirty="0">
+                        <a:ln>
+                          <a:solidFill>
+                            <a:schemeClr val="accent1"/>
+                          </a:solidFill>
+                        </a:ln>
+                        <a:solidFill>
+                          <a:schemeClr val="accent1"/>
+                        </a:solidFill>
+                      </a:endParaRPr>
+                    </a:p>
+                  </a:txBody>
+                  <a:tcPr>
+                    <a:lnL w="12700" cap="flat" cmpd="sng" algn="ctr">
+                      <a:solidFill>
+                        <a:schemeClr val="accent1"/>
+                      </a:solidFill>
+                      <a:prstDash val="solid"/>
+                      <a:round/>
+                      <a:headEnd type="none" w="med" len="med"/>
+                      <a:tailEnd type="none" w="med" len="med"/>
+                    </a:lnL>
+                    <a:lnR w="12700" cap="flat" cmpd="sng" algn="ctr">
+                      <a:solidFill>
+                        <a:schemeClr val="accent1"/>
+                      </a:solidFill>
+                      <a:prstDash val="solid"/>
+                      <a:round/>
+                      <a:headEnd type="none" w="med" len="med"/>
+                      <a:tailEnd type="none" w="med" len="med"/>
+                    </a:lnR>
+                    <a:lnT w="12700" cap="flat" cmpd="sng" algn="ctr">
+                      <a:solidFill>
+                        <a:schemeClr val="accent1"/>
+                      </a:solidFill>
+                      <a:prstDash val="solid"/>
+                      <a:round/>
+                      <a:headEnd type="none" w="med" len="med"/>
+                      <a:tailEnd type="none" w="med" len="med"/>
+                    </a:lnT>
+                    <a:lnB w="12700" cap="flat" cmpd="sng" algn="ctr">
+                      <a:solidFill>
+                        <a:schemeClr val="accent1"/>
+                      </a:solidFill>
+                      <a:prstDash val="solid"/>
+                      <a:round/>
+                      <a:headEnd type="none" w="med" len="med"/>
+                      <a:tailEnd type="none" w="med" len="med"/>
+                    </a:lnB>
+                  </a:tcPr>
+                </a:tc>
+                <a:tc>
+                  <a:txBody>
+                    <a:bodyPr/>
+                    <a:lstStyle/>
+                    <a:p>
+                      <a:r>
+                        <a:rPr lang="pt-PT" sz="1500" dirty="0">
+                          <a:ln>
+                            <a:solidFill>
+                              <a:schemeClr val="accent1"/>
+                            </a:solidFill>
+                          </a:ln>
+                          <a:solidFill>
+                            <a:schemeClr val="accent1"/>
+                          </a:solidFill>
+                        </a:rPr>
+                        <a:t>Erro</a:t>
+                      </a:r>
+                      <a:endParaRPr lang="en-US" sz="1500" dirty="0">
+                        <a:ln>
+                          <a:solidFill>
+                            <a:schemeClr val="accent1"/>
+                          </a:solidFill>
+                        </a:ln>
+                        <a:solidFill>
+                          <a:schemeClr val="accent1"/>
+                        </a:solidFill>
+                      </a:endParaRPr>
+                    </a:p>
+                  </a:txBody>
+                  <a:tcPr>
+                    <a:lnL w="12700" cap="flat" cmpd="sng" algn="ctr">
+                      <a:solidFill>
+                        <a:schemeClr val="accent1"/>
+                      </a:solidFill>
+                      <a:prstDash val="solid"/>
+                      <a:round/>
+                      <a:headEnd type="none" w="med" len="med"/>
+                      <a:tailEnd type="none" w="med" len="med"/>
+                    </a:lnL>
+                    <a:lnR w="12700" cap="flat" cmpd="sng" algn="ctr">
+                      <a:solidFill>
+                        <a:schemeClr val="accent1"/>
+                      </a:solidFill>
+                      <a:prstDash val="solid"/>
+                      <a:round/>
+                      <a:headEnd type="none" w="med" len="med"/>
+                      <a:tailEnd type="none" w="med" len="med"/>
+                    </a:lnR>
+                    <a:lnT w="12700" cap="flat" cmpd="sng" algn="ctr">
+                      <a:solidFill>
+                        <a:schemeClr val="accent1"/>
+                      </a:solidFill>
+                      <a:prstDash val="solid"/>
+                      <a:round/>
+                      <a:headEnd type="none" w="med" len="med"/>
+                      <a:tailEnd type="none" w="med" len="med"/>
+                    </a:lnT>
+                    <a:lnB w="12700" cap="flat" cmpd="sng" algn="ctr">
+                      <a:solidFill>
+                        <a:schemeClr val="accent1"/>
+                      </a:solidFill>
+                      <a:prstDash val="solid"/>
+                      <a:round/>
+                      <a:headEnd type="none" w="med" len="med"/>
+                      <a:tailEnd type="none" w="med" len="med"/>
+                    </a:lnB>
+                  </a:tcPr>
+                </a:tc>
+                <a:extLst>
+                  <a:ext uri="{0D108BD9-81ED-4DB2-BD59-A6C34878D82A}">
+                    <a16:rowId xmlns:a16="http://schemas.microsoft.com/office/drawing/2014/main" val="3347678393"/>
+                  </a:ext>
+                </a:extLst>
+              </a:tr>
+              <a:tr h="348823">
+                <a:tc>
+                  <a:txBody>
+                    <a:bodyPr/>
+                    <a:lstStyle/>
+                    <a:p>
+                      <a:r>
+                        <a:rPr kumimoji="0" lang="en-US" sz="1500" b="0" i="0" u="none" strike="noStrike" kern="1200" cap="none" spc="0" normalizeH="0" baseline="0" noProof="0" dirty="0">
+                          <a:ln>
+                            <a:noFill/>
+                          </a:ln>
+                          <a:solidFill>
+                            <a:schemeClr val="tx2"/>
+                          </a:solidFill>
+                          <a:effectLst/>
+                          <a:uLnTx/>
+                          <a:uFillTx/>
+                          <a:latin typeface="+mn-lt"/>
+                          <a:ea typeface="+mn-ea"/>
+                          <a:cs typeface="+mn-cs"/>
+                        </a:rPr>
+                        <a:t>Stab.glu^2</a:t>
+                      </a:r>
+                      <a:endParaRPr lang="en-US" sz="1500" dirty="0">
+                        <a:ln>
+                          <a:solidFill>
+                            <a:schemeClr val="accent1"/>
+                          </a:solidFill>
+                        </a:ln>
+                        <a:solidFill>
+                          <a:schemeClr val="tx2"/>
+                        </a:solidFill>
+                      </a:endParaRPr>
+                    </a:p>
+                  </a:txBody>
+                  <a:tcPr>
+                    <a:lnL w="12700" cap="flat" cmpd="sng" algn="ctr">
+                      <a:solidFill>
+                        <a:schemeClr val="accent1"/>
+                      </a:solidFill>
+                      <a:prstDash val="solid"/>
+                      <a:round/>
+                      <a:headEnd type="none" w="med" len="med"/>
+                      <a:tailEnd type="none" w="med" len="med"/>
+                    </a:lnL>
+                    <a:lnR w="12700" cap="flat" cmpd="sng" algn="ctr">
+                      <a:solidFill>
+                        <a:schemeClr val="accent1"/>
+                      </a:solidFill>
+                      <a:prstDash val="solid"/>
+                      <a:round/>
+                      <a:headEnd type="none" w="med" len="med"/>
+                      <a:tailEnd type="none" w="med" len="med"/>
+                    </a:lnR>
+                    <a:lnT w="12700" cap="flat" cmpd="sng" algn="ctr">
+                      <a:solidFill>
+                        <a:schemeClr val="accent1"/>
+                      </a:solidFill>
+                      <a:prstDash val="solid"/>
+                      <a:round/>
+                      <a:headEnd type="none" w="med" len="med"/>
+                      <a:tailEnd type="none" w="med" len="med"/>
+                    </a:lnT>
+                    <a:lnB w="12700" cap="flat" cmpd="sng" algn="ctr">
+                      <a:solidFill>
+                        <a:schemeClr val="accent1"/>
+                      </a:solidFill>
+                      <a:prstDash val="solid"/>
+                      <a:round/>
+                      <a:headEnd type="none" w="med" len="med"/>
+                      <a:tailEnd type="none" w="med" len="med"/>
+                    </a:lnB>
+                  </a:tcPr>
+                </a:tc>
+                <a:tc>
+                  <a:txBody>
+                    <a:bodyPr/>
+                    <a:lstStyle/>
+                    <a:p>
+                      <a:r>
+                        <a:rPr lang="en-US" sz="1600" dirty="0"/>
+                        <a:t>0.39</a:t>
+                      </a:r>
+                      <a:endParaRPr lang="en-US" sz="1500" dirty="0">
+                        <a:ln>
+                          <a:solidFill>
+                            <a:schemeClr val="accent1"/>
+                          </a:solidFill>
+                        </a:ln>
+                        <a:solidFill>
+                          <a:schemeClr val="tx1"/>
+                        </a:solidFill>
+                      </a:endParaRPr>
+                    </a:p>
+                  </a:txBody>
+                  <a:tcPr>
+                    <a:lnL w="12700" cap="flat" cmpd="sng" algn="ctr">
+                      <a:solidFill>
+                        <a:schemeClr val="accent1"/>
+                      </a:solidFill>
+                      <a:prstDash val="solid"/>
+                      <a:round/>
+                      <a:headEnd type="none" w="med" len="med"/>
+                      <a:tailEnd type="none" w="med" len="med"/>
+                    </a:lnL>
+                    <a:lnR w="12700" cap="flat" cmpd="sng" algn="ctr">
+                      <a:solidFill>
+                        <a:schemeClr val="accent1"/>
+                      </a:solidFill>
+                      <a:prstDash val="solid"/>
+                      <a:round/>
+                      <a:headEnd type="none" w="med" len="med"/>
+                      <a:tailEnd type="none" w="med" len="med"/>
+                    </a:lnR>
+                    <a:lnT w="12700" cap="flat" cmpd="sng" algn="ctr">
+                      <a:solidFill>
+                        <a:schemeClr val="accent1"/>
+                      </a:solidFill>
+                      <a:prstDash val="solid"/>
+                      <a:round/>
+                      <a:headEnd type="none" w="med" len="med"/>
+                      <a:tailEnd type="none" w="med" len="med"/>
+                    </a:lnT>
+                    <a:lnB w="12700" cap="flat" cmpd="sng" algn="ctr">
+                      <a:solidFill>
+                        <a:schemeClr val="accent1"/>
+                      </a:solidFill>
+                      <a:prstDash val="solid"/>
+                      <a:round/>
+                      <a:headEnd type="none" w="med" len="med"/>
+                      <a:tailEnd type="none" w="med" len="med"/>
+                    </a:lnB>
+                  </a:tcPr>
+                </a:tc>
+                <a:tc>
+                  <a:txBody>
+                    <a:bodyPr/>
+                    <a:lstStyle/>
+                    <a:p>
+                      <a:r>
+                        <a:rPr lang="en-US" sz="1600" dirty="0"/>
+                        <a:t>3.5714</a:t>
+                      </a:r>
+                      <a:endParaRPr lang="en-US" sz="1500" dirty="0">
+                        <a:ln>
+                          <a:solidFill>
+                            <a:schemeClr val="accent1"/>
+                          </a:solidFill>
+                        </a:ln>
+                        <a:solidFill>
+                          <a:schemeClr val="accent1"/>
+                        </a:solidFill>
+                      </a:endParaRPr>
+                    </a:p>
+                  </a:txBody>
+                  <a:tcPr>
+                    <a:lnL w="12700" cap="flat" cmpd="sng" algn="ctr">
+                      <a:solidFill>
+                        <a:schemeClr val="accent1"/>
+                      </a:solidFill>
+                      <a:prstDash val="solid"/>
+                      <a:round/>
+                      <a:headEnd type="none" w="med" len="med"/>
+                      <a:tailEnd type="none" w="med" len="med"/>
+                    </a:lnL>
+                    <a:lnR w="12700" cap="flat" cmpd="sng" algn="ctr">
+                      <a:solidFill>
+                        <a:schemeClr val="accent1"/>
+                      </a:solidFill>
+                      <a:prstDash val="solid"/>
+                      <a:round/>
+                      <a:headEnd type="none" w="med" len="med"/>
+                      <a:tailEnd type="none" w="med" len="med"/>
+                    </a:lnR>
+                    <a:lnT w="12700" cap="flat" cmpd="sng" algn="ctr">
+                      <a:solidFill>
+                        <a:schemeClr val="accent1"/>
+                      </a:solidFill>
+                      <a:prstDash val="solid"/>
+                      <a:round/>
+                      <a:headEnd type="none" w="med" len="med"/>
+                      <a:tailEnd type="none" w="med" len="med"/>
+                    </a:lnT>
+                    <a:lnB w="12700" cap="flat" cmpd="sng" algn="ctr">
+                      <a:solidFill>
+                        <a:schemeClr val="accent1"/>
+                      </a:solidFill>
+                      <a:prstDash val="solid"/>
+                      <a:round/>
+                      <a:headEnd type="none" w="med" len="med"/>
+                      <a:tailEnd type="none" w="med" len="med"/>
+                    </a:lnB>
+                  </a:tcPr>
+                </a:tc>
+                <a:extLst>
+                  <a:ext uri="{0D108BD9-81ED-4DB2-BD59-A6C34878D82A}">
+                    <a16:rowId xmlns:a16="http://schemas.microsoft.com/office/drawing/2014/main" val="1320604627"/>
+                  </a:ext>
+                </a:extLst>
+              </a:tr>
+              <a:tr h="348823">
+                <a:tc>
+                  <a:txBody>
+                    <a:bodyPr/>
+                    <a:lstStyle/>
+                    <a:p>
+                      <a:r>
+                        <a:rPr lang="en-US" sz="1500" dirty="0">
+                          <a:solidFill>
+                            <a:schemeClr val="tx2"/>
+                          </a:solidFill>
+                        </a:rPr>
+                        <a:t>Stab.glu^2+ratio</a:t>
+                      </a:r>
+                      <a:endParaRPr lang="en-US" sz="1500" dirty="0">
+                        <a:ln>
+                          <a:solidFill>
+                            <a:schemeClr val="accent1"/>
+                          </a:solidFill>
+                        </a:ln>
+                        <a:solidFill>
+                          <a:schemeClr val="tx2"/>
+                        </a:solidFill>
+                      </a:endParaRPr>
+                    </a:p>
+                  </a:txBody>
+                  <a:tcPr>
+                    <a:lnL w="12700" cap="flat" cmpd="sng" algn="ctr">
+                      <a:solidFill>
+                        <a:schemeClr val="accent1"/>
+                      </a:solidFill>
+                      <a:prstDash val="solid"/>
+                      <a:round/>
+                      <a:headEnd type="none" w="med" len="med"/>
+                      <a:tailEnd type="none" w="med" len="med"/>
+                    </a:lnL>
+                    <a:lnR w="12700" cap="flat" cmpd="sng" algn="ctr">
+                      <a:solidFill>
+                        <a:schemeClr val="accent1"/>
+                      </a:solidFill>
+                      <a:prstDash val="solid"/>
+                      <a:round/>
+                      <a:headEnd type="none" w="med" len="med"/>
+                      <a:tailEnd type="none" w="med" len="med"/>
+                    </a:lnR>
+                    <a:lnT w="12700" cap="flat" cmpd="sng" algn="ctr">
+                      <a:solidFill>
+                        <a:schemeClr val="accent1"/>
+                      </a:solidFill>
+                      <a:prstDash val="solid"/>
+                      <a:round/>
+                      <a:headEnd type="none" w="med" len="med"/>
+                      <a:tailEnd type="none" w="med" len="med"/>
+                    </a:lnT>
+                    <a:lnB w="12700" cap="flat" cmpd="sng" algn="ctr">
+                      <a:solidFill>
+                        <a:schemeClr val="accent1"/>
+                      </a:solidFill>
+                      <a:prstDash val="solid"/>
+                      <a:round/>
+                      <a:headEnd type="none" w="med" len="med"/>
+                      <a:tailEnd type="none" w="med" len="med"/>
+                    </a:lnB>
+                  </a:tcPr>
+                </a:tc>
+                <a:tc>
+                  <a:txBody>
+                    <a:bodyPr/>
+                    <a:lstStyle/>
+                    <a:p>
+                      <a:pPr marL="0" marR="0" lvl="0" indent="0" algn="l" defTabSz="914400" rtl="0" eaLnBrk="1" fontAlgn="auto" latinLnBrk="0" hangingPunct="1">
+                        <a:lnSpc>
+                          <a:spcPct val="100000"/>
+                        </a:lnSpc>
+                        <a:spcBef>
+                          <a:spcPts val="0"/>
+                        </a:spcBef>
+                        <a:spcAft>
+                          <a:spcPts val="0"/>
+                        </a:spcAft>
+                        <a:buClrTx/>
+                        <a:buSzTx/>
+                        <a:buFontTx/>
+                        <a:buNone/>
+                        <a:tabLst/>
+                        <a:defRPr/>
+                      </a:pPr>
+                      <a:r>
+                        <a:rPr lang="en-US" sz="1600" dirty="0"/>
+                        <a:t>0.39</a:t>
+                      </a:r>
+                      <a:endParaRPr lang="en-US" sz="1500" dirty="0">
+                        <a:ln>
+                          <a:solidFill>
+                            <a:schemeClr val="accent1"/>
+                          </a:solidFill>
+                        </a:ln>
+                        <a:solidFill>
+                          <a:schemeClr val="tx1"/>
+                        </a:solidFill>
+                      </a:endParaRPr>
+                    </a:p>
+                  </a:txBody>
+                  <a:tcPr>
+                    <a:lnL w="12700" cap="flat" cmpd="sng" algn="ctr">
+                      <a:solidFill>
+                        <a:schemeClr val="accent1"/>
+                      </a:solidFill>
+                      <a:prstDash val="solid"/>
+                      <a:round/>
+                      <a:headEnd type="none" w="med" len="med"/>
+                      <a:tailEnd type="none" w="med" len="med"/>
+                    </a:lnL>
+                    <a:lnR w="12700" cap="flat" cmpd="sng" algn="ctr">
+                      <a:solidFill>
+                        <a:schemeClr val="accent1"/>
+                      </a:solidFill>
+                      <a:prstDash val="solid"/>
+                      <a:round/>
+                      <a:headEnd type="none" w="med" len="med"/>
+                      <a:tailEnd type="none" w="med" len="med"/>
+                    </a:lnR>
+                    <a:lnT w="12700" cap="flat" cmpd="sng" algn="ctr">
+                      <a:solidFill>
+                        <a:schemeClr val="accent1"/>
+                      </a:solidFill>
+                      <a:prstDash val="solid"/>
+                      <a:round/>
+                      <a:headEnd type="none" w="med" len="med"/>
+                      <a:tailEnd type="none" w="med" len="med"/>
+                    </a:lnT>
+                    <a:lnB w="12700" cap="flat" cmpd="sng" algn="ctr">
+                      <a:solidFill>
+                        <a:schemeClr val="accent1"/>
+                      </a:solidFill>
+                      <a:prstDash val="solid"/>
+                      <a:round/>
+                      <a:headEnd type="none" w="med" len="med"/>
+                      <a:tailEnd type="none" w="med" len="med"/>
+                    </a:lnB>
+                  </a:tcPr>
+                </a:tc>
+                <a:tc>
+                  <a:txBody>
+                    <a:bodyPr/>
+                    <a:lstStyle/>
+                    <a:p>
+                      <a:r>
+                        <a:rPr lang="en-US" sz="1600" dirty="0"/>
+                        <a:t>3.5714</a:t>
+                      </a:r>
+                      <a:endParaRPr lang="en-US" sz="1500" dirty="0">
+                        <a:ln>
+                          <a:solidFill>
+                            <a:schemeClr val="accent1"/>
+                          </a:solidFill>
+                        </a:ln>
+                        <a:solidFill>
+                          <a:schemeClr val="accent1"/>
+                        </a:solidFill>
+                      </a:endParaRPr>
+                    </a:p>
+                  </a:txBody>
+                  <a:tcPr>
+                    <a:lnL w="12700" cap="flat" cmpd="sng" algn="ctr">
+                      <a:solidFill>
+                        <a:schemeClr val="accent1"/>
+                      </a:solidFill>
+                      <a:prstDash val="solid"/>
+                      <a:round/>
+                      <a:headEnd type="none" w="med" len="med"/>
+                      <a:tailEnd type="none" w="med" len="med"/>
+                    </a:lnL>
+                    <a:lnR w="12700" cap="flat" cmpd="sng" algn="ctr">
+                      <a:solidFill>
+                        <a:schemeClr val="accent1"/>
+                      </a:solidFill>
+                      <a:prstDash val="solid"/>
+                      <a:round/>
+                      <a:headEnd type="none" w="med" len="med"/>
+                      <a:tailEnd type="none" w="med" len="med"/>
+                    </a:lnR>
+                    <a:lnT w="12700" cap="flat" cmpd="sng" algn="ctr">
+                      <a:solidFill>
+                        <a:schemeClr val="accent1"/>
+                      </a:solidFill>
+                      <a:prstDash val="solid"/>
+                      <a:round/>
+                      <a:headEnd type="none" w="med" len="med"/>
+                      <a:tailEnd type="none" w="med" len="med"/>
+                    </a:lnT>
+                    <a:lnB w="12700" cap="flat" cmpd="sng" algn="ctr">
+                      <a:solidFill>
+                        <a:schemeClr val="accent1"/>
+                      </a:solidFill>
+                      <a:prstDash val="solid"/>
+                      <a:round/>
+                      <a:headEnd type="none" w="med" len="med"/>
+                      <a:tailEnd type="none" w="med" len="med"/>
+                    </a:lnB>
+                  </a:tcPr>
+                </a:tc>
+                <a:extLst>
+                  <a:ext uri="{0D108BD9-81ED-4DB2-BD59-A6C34878D82A}">
+                    <a16:rowId xmlns:a16="http://schemas.microsoft.com/office/drawing/2014/main" val="117988857"/>
+                  </a:ext>
+                </a:extLst>
+              </a:tr>
+              <a:tr h="348823">
+                <a:tc>
+                  <a:txBody>
+                    <a:bodyPr/>
+                    <a:lstStyle/>
+                    <a:p>
+                      <a:r>
+                        <a:rPr lang="en-US" sz="1500" dirty="0" err="1">
+                          <a:solidFill>
+                            <a:schemeClr val="tx2"/>
+                          </a:solidFill>
+                        </a:rPr>
+                        <a:t>Stab.glu+ratio</a:t>
+                      </a:r>
+                      <a:r>
+                        <a:rPr lang="en-US" sz="1500" dirty="0">
+                          <a:solidFill>
+                            <a:schemeClr val="tx2"/>
+                          </a:solidFill>
+                        </a:rPr>
+                        <a:t> + </a:t>
+                      </a:r>
+                      <a:r>
+                        <a:rPr lang="en-US" sz="1500" dirty="0" err="1">
+                          <a:solidFill>
+                            <a:schemeClr val="tx2"/>
+                          </a:solidFill>
+                        </a:rPr>
+                        <a:t>stab.glu</a:t>
+                      </a:r>
+                      <a:r>
+                        <a:rPr lang="en-US" sz="1500" dirty="0">
+                          <a:solidFill>
+                            <a:schemeClr val="tx2"/>
+                          </a:solidFill>
+                        </a:rPr>
+                        <a:t> x ratio</a:t>
+                      </a:r>
+                      <a:endParaRPr lang="en-US" sz="1500" dirty="0">
+                        <a:ln>
+                          <a:solidFill>
+                            <a:schemeClr val="accent1"/>
+                          </a:solidFill>
+                        </a:ln>
+                        <a:solidFill>
+                          <a:schemeClr val="tx2"/>
+                        </a:solidFill>
+                      </a:endParaRPr>
+                    </a:p>
+                  </a:txBody>
+                  <a:tcPr>
+                    <a:lnL w="12700" cap="flat" cmpd="sng" algn="ctr">
+                      <a:solidFill>
+                        <a:schemeClr val="accent1"/>
+                      </a:solidFill>
+                      <a:prstDash val="solid"/>
+                      <a:round/>
+                      <a:headEnd type="none" w="med" len="med"/>
+                      <a:tailEnd type="none" w="med" len="med"/>
+                    </a:lnL>
+                    <a:lnR w="12700" cap="flat" cmpd="sng" algn="ctr">
+                      <a:solidFill>
+                        <a:schemeClr val="accent1"/>
+                      </a:solidFill>
+                      <a:prstDash val="solid"/>
+                      <a:round/>
+                      <a:headEnd type="none" w="med" len="med"/>
+                      <a:tailEnd type="none" w="med" len="med"/>
+                    </a:lnR>
+                    <a:lnT w="12700" cap="flat" cmpd="sng" algn="ctr">
+                      <a:solidFill>
+                        <a:schemeClr val="accent1"/>
+                      </a:solidFill>
+                      <a:prstDash val="solid"/>
+                      <a:round/>
+                      <a:headEnd type="none" w="med" len="med"/>
+                      <a:tailEnd type="none" w="med" len="med"/>
+                    </a:lnT>
+                    <a:lnB w="12700" cap="flat" cmpd="sng" algn="ctr">
+                      <a:solidFill>
+                        <a:schemeClr val="accent1"/>
+                      </a:solidFill>
+                      <a:prstDash val="solid"/>
+                      <a:round/>
+                      <a:headEnd type="none" w="med" len="med"/>
+                      <a:tailEnd type="none" w="med" len="med"/>
+                    </a:lnB>
+                  </a:tcPr>
+                </a:tc>
+                <a:tc>
+                  <a:txBody>
+                    <a:bodyPr/>
+                    <a:lstStyle/>
+                    <a:p>
+                      <a:pPr marL="0" marR="0" lvl="0" indent="0" algn="l" defTabSz="914400" rtl="0" eaLnBrk="1" fontAlgn="auto" latinLnBrk="0" hangingPunct="1">
+                        <a:lnSpc>
+                          <a:spcPct val="100000"/>
+                        </a:lnSpc>
+                        <a:spcBef>
+                          <a:spcPts val="0"/>
+                        </a:spcBef>
+                        <a:spcAft>
+                          <a:spcPts val="0"/>
+                        </a:spcAft>
+                        <a:buClrTx/>
+                        <a:buSzTx/>
+                        <a:buFontTx/>
+                        <a:buNone/>
+                        <a:tabLst/>
+                        <a:defRPr/>
+                      </a:pPr>
+                      <a:r>
+                        <a:rPr lang="en-US" sz="1600" dirty="0"/>
+                        <a:t>0.39</a:t>
+                      </a:r>
+                      <a:endParaRPr lang="en-US" sz="1500" dirty="0">
+                        <a:ln>
+                          <a:solidFill>
+                            <a:schemeClr val="accent1"/>
+                          </a:solidFill>
+                        </a:ln>
+                        <a:solidFill>
+                          <a:schemeClr val="tx1"/>
+                        </a:solidFill>
+                      </a:endParaRPr>
+                    </a:p>
+                  </a:txBody>
+                  <a:tcPr>
+                    <a:lnL w="12700" cap="flat" cmpd="sng" algn="ctr">
+                      <a:solidFill>
+                        <a:schemeClr val="accent1"/>
+                      </a:solidFill>
+                      <a:prstDash val="solid"/>
+                      <a:round/>
+                      <a:headEnd type="none" w="med" len="med"/>
+                      <a:tailEnd type="none" w="med" len="med"/>
+                    </a:lnL>
+                    <a:lnR w="12700" cap="flat" cmpd="sng" algn="ctr">
+                      <a:solidFill>
+                        <a:schemeClr val="accent1"/>
+                      </a:solidFill>
+                      <a:prstDash val="solid"/>
+                      <a:round/>
+                      <a:headEnd type="none" w="med" len="med"/>
+                      <a:tailEnd type="none" w="med" len="med"/>
+                    </a:lnR>
+                    <a:lnT w="12700" cap="flat" cmpd="sng" algn="ctr">
+                      <a:solidFill>
+                        <a:schemeClr val="accent1"/>
+                      </a:solidFill>
+                      <a:prstDash val="solid"/>
+                      <a:round/>
+                      <a:headEnd type="none" w="med" len="med"/>
+                      <a:tailEnd type="none" w="med" len="med"/>
+                    </a:lnT>
+                    <a:lnB w="12700" cap="flat" cmpd="sng" algn="ctr">
+                      <a:solidFill>
+                        <a:schemeClr val="accent1"/>
+                      </a:solidFill>
+                      <a:prstDash val="solid"/>
+                      <a:round/>
+                      <a:headEnd type="none" w="med" len="med"/>
+                      <a:tailEnd type="none" w="med" len="med"/>
+                    </a:lnB>
+                  </a:tcPr>
+                </a:tc>
+                <a:tc>
+                  <a:txBody>
+                    <a:bodyPr/>
+                    <a:lstStyle/>
+                    <a:p>
+                      <a:r>
+                        <a:rPr lang="en-US" sz="1600" dirty="0"/>
+                        <a:t>3.5520</a:t>
+                      </a:r>
+                      <a:endParaRPr lang="en-US" sz="1500" dirty="0">
+                        <a:ln>
+                          <a:solidFill>
+                            <a:schemeClr val="accent1"/>
+                          </a:solidFill>
+                        </a:ln>
+                        <a:solidFill>
+                          <a:schemeClr val="accent1"/>
+                        </a:solidFill>
+                      </a:endParaRPr>
+                    </a:p>
+                  </a:txBody>
+                  <a:tcPr>
+                    <a:lnL w="12700" cap="flat" cmpd="sng" algn="ctr">
+                      <a:solidFill>
+                        <a:schemeClr val="accent1"/>
+                      </a:solidFill>
+                      <a:prstDash val="solid"/>
+                      <a:round/>
+                      <a:headEnd type="none" w="med" len="med"/>
+                      <a:tailEnd type="none" w="med" len="med"/>
+                    </a:lnL>
+                    <a:lnR w="12700" cap="flat" cmpd="sng" algn="ctr">
+                      <a:solidFill>
+                        <a:schemeClr val="accent1"/>
+                      </a:solidFill>
+                      <a:prstDash val="solid"/>
+                      <a:round/>
+                      <a:headEnd type="none" w="med" len="med"/>
+                      <a:tailEnd type="none" w="med" len="med"/>
+                    </a:lnR>
+                    <a:lnT w="12700" cap="flat" cmpd="sng" algn="ctr">
+                      <a:solidFill>
+                        <a:schemeClr val="accent1"/>
+                      </a:solidFill>
+                      <a:prstDash val="solid"/>
+                      <a:round/>
+                      <a:headEnd type="none" w="med" len="med"/>
+                      <a:tailEnd type="none" w="med" len="med"/>
+                    </a:lnT>
+                    <a:lnB w="12700" cap="flat" cmpd="sng" algn="ctr">
+                      <a:solidFill>
+                        <a:schemeClr val="accent1"/>
+                      </a:solidFill>
+                      <a:prstDash val="solid"/>
+                      <a:round/>
+                      <a:headEnd type="none" w="med" len="med"/>
+                      <a:tailEnd type="none" w="med" len="med"/>
+                    </a:lnB>
+                  </a:tcPr>
+                </a:tc>
+                <a:extLst>
+                  <a:ext uri="{0D108BD9-81ED-4DB2-BD59-A6C34878D82A}">
+                    <a16:rowId xmlns:a16="http://schemas.microsoft.com/office/drawing/2014/main" val="3361061823"/>
+                  </a:ext>
+                </a:extLst>
+              </a:tr>
+            </a:tbl>
+          </a:graphicData>
+        </a:graphic>
+      </p:graphicFrame>
     </p:spTree>
     <p:extLst>
       <p:ext uri="{BB962C8B-B14F-4D97-AF65-F5344CB8AC3E}">
@@ -8107,10 +8798,9 @@
                     <a:lstStyle/>
                     <a:p>
                       <a:r>
-                        <a:rPr lang="pt-PT" sz="1800" dirty="0" err="1"/>
+                        <a:rPr lang="pt-PT" sz="1800" dirty="0"/>
                         <a:t>Threshold</a:t>
                       </a:r>
-                      <a:endParaRPr lang="pt-PT" sz="1800" dirty="0"/>
                     </a:p>
                   </a:txBody>
                   <a:tcPr/>
@@ -8349,10 +9039,9 @@
                     <a:lstStyle/>
                     <a:p>
                       <a:r>
-                        <a:rPr lang="pt-PT" sz="1800" dirty="0" err="1"/>
+                        <a:rPr lang="pt-PT" sz="1800" dirty="0"/>
                         <a:t>Threshold</a:t>
                       </a:r>
-                      <a:endParaRPr lang="pt-PT" sz="1800" dirty="0"/>
                     </a:p>
                   </a:txBody>
                   <a:tcPr/>
@@ -8584,8 +9273,8 @@
           </a:p>
         </p:txBody>
       </p:sp>
-      <mc:AlternateContent xmlns:mc="http://schemas.openxmlformats.org/markup-compatibility/2006">
-        <mc:Choice xmlns:a14="http://schemas.microsoft.com/office/drawing/2010/main" Requires="a14">
+      <mc:AlternateContent xmlns:mc="http://schemas.openxmlformats.org/markup-compatibility/2006" xmlns:a14="http://schemas.microsoft.com/office/drawing/2010/main">
+        <mc:Choice Requires="a14">
           <p:graphicFrame>
             <p:nvGraphicFramePr>
               <p:cNvPr id="14" name="Table 13">
@@ -9873,7 +10562,7 @@
             </a:graphic>
           </p:graphicFrame>
         </mc:Choice>
-        <mc:Fallback>
+        <mc:Fallback xmlns="">
           <p:graphicFrame>
             <p:nvGraphicFramePr>
               <p:cNvPr id="14" name="Table 13">
@@ -12548,8 +13237,8 @@
           </a:p>
         </p:txBody>
       </p:sp>
-      <mc:AlternateContent xmlns:mc="http://schemas.openxmlformats.org/markup-compatibility/2006">
-        <mc:Choice xmlns:a14="http://schemas.microsoft.com/office/drawing/2010/main" Requires="a14">
+      <mc:AlternateContent xmlns:mc="http://schemas.openxmlformats.org/markup-compatibility/2006" xmlns:a14="http://schemas.microsoft.com/office/drawing/2010/main">
+        <mc:Choice Requires="a14">
           <p:sp>
             <p:nvSpPr>
               <p:cNvPr id="4" name="Content Placeholder 3">
@@ -12761,7 +13450,7 @@
             </p:txBody>
           </p:sp>
         </mc:Choice>
-        <mc:Fallback>
+        <mc:Fallback xmlns="">
           <p:sp>
             <p:nvSpPr>
               <p:cNvPr id="4" name="Content Placeholder 3">
@@ -14836,6 +15525,55 @@
           </a:p>
         </p:txBody>
       </p:sp>
+      <p:sp>
+        <p:nvSpPr>
+          <p:cNvPr id="3" name="Rectangle 2">
+            <a:extLst>
+              <a:ext uri="{FF2B5EF4-FFF2-40B4-BE49-F238E27FC236}">
+                <a16:creationId xmlns:a16="http://schemas.microsoft.com/office/drawing/2014/main" id="{1B5E0925-C825-47D9-BA05-877AC709D3FF}"/>
+              </a:ext>
+            </a:extLst>
+          </p:cNvPr>
+          <p:cNvSpPr/>
+          <p:nvPr/>
+        </p:nvSpPr>
+        <p:spPr>
+          <a:xfrm>
+            <a:off x="1288841" y="2113635"/>
+            <a:ext cx="6566315" cy="1323439"/>
+          </a:xfrm>
+          <a:prstGeom prst="rect">
+            <a:avLst/>
+          </a:prstGeom>
+        </p:spPr>
+        <p:txBody>
+          <a:bodyPr wrap="square">
+            <a:spAutoFit/>
+          </a:bodyPr>
+          <a:lstStyle/>
+          <a:p>
+            <a:pPr algn="ctr"/>
+            <a:r>
+              <a:rPr lang="pt-PT" sz="8000" dirty="0">
+                <a:solidFill>
+                  <a:srgbClr val="0070C0"/>
+                </a:solidFill>
+                <a:effectLst>
+                  <a:outerShdw blurRad="50800" dist="38100" dir="2700000" algn="tl" rotWithShape="0">
+                    <a:prstClr val="black">
+                      <a:alpha val="40000"/>
+                    </a:prstClr>
+                  </a:outerShdw>
+                </a:effectLst>
+                <a:ea typeface="+mj-ea"/>
+                <a:cs typeface="+mj-cs"/>
+              </a:rPr>
+              <a:t>Q &amp; A</a:t>
+            </a:r>
+            <a:endParaRPr lang="en-US" sz="8000" dirty="0"/>
+          </a:p>
+        </p:txBody>
+      </p:sp>
     </p:spTree>
     <p:extLst>
       <p:ext uri="{BB962C8B-B14F-4D97-AF65-F5344CB8AC3E}">

--- a/apresentacao.pptx
+++ b/apresentacao.pptx
@@ -384,7 +384,7 @@
           <a:p>
             <a:fld id="{C263AF9A-6E76-4CCC-89CF-B04065708FB7}" type="slidenum">
               <a:rPr lang="en-US" smtClean="0"/>
-              <a:t>‹#›</a:t>
+              <a:t>‹nº›</a:t>
             </a:fld>
             <a:endParaRPr lang="en-US"/>
           </a:p>
@@ -1095,73 +1095,41 @@
           <a:bodyPr/>
           <a:lstStyle/>
           <a:p>
-            <a:endParaRPr lang="pt-PT" dirty="0"/>
-          </a:p>
-          <a:p>
             <a:r>
               <a:rPr lang="pt-PT" dirty="0"/>
               <a:t>[PEIXOTO]</a:t>
             </a:r>
           </a:p>
           <a:p>
-            <a:endParaRPr lang="pt-PT" dirty="0"/>
-          </a:p>
-          <a:p>
+            <a:pPr marL="0" marR="0" lvl="0" indent="0" algn="l" defTabSz="914400" rtl="0" eaLnBrk="1" fontAlgn="auto" latinLnBrk="0" hangingPunct="1">
+              <a:lnSpc>
+                <a:spcPct val="100000"/>
+              </a:lnSpc>
+              <a:spcBef>
+                <a:spcPts val="0"/>
+              </a:spcBef>
+              <a:spcAft>
+                <a:spcPts val="0"/>
+              </a:spcAft>
+              <a:buClrTx/>
+              <a:buSzTx/>
+              <a:buFontTx/>
+              <a:buNone/>
+              <a:tabLst/>
+              <a:defRPr/>
+            </a:pPr>
             <a:r>
               <a:rPr lang="pt-PT" dirty="0"/>
-              <a:t>-&gt; O porque do teste e treino , dados frescos evitar </a:t>
+              <a:t>Inicialmente começamos por usar toda a base de dados para treinar o nosso modelo. Em grande parte dos casos esta metodologia leva a problemas de </a:t>
             </a:r>
             <a:r>
               <a:rPr lang="pt-PT" dirty="0" err="1"/>
-              <a:t>overtfiting</a:t>
+              <a:t>overfitting</a:t>
             </a:r>
             <a:r>
               <a:rPr lang="pt-PT" dirty="0"/>
-              <a:t> e que até ficamos um pouco impressionados por obtermos um desempenho um erro </a:t>
-            </a:r>
-            <a:r>
-              <a:rPr lang="pt-PT" dirty="0" err="1"/>
-              <a:t>ponderaro</a:t>
-            </a:r>
-            <a:endParaRPr lang="pt-PT" dirty="0"/>
-          </a:p>
-          <a:p>
-            <a:endParaRPr lang="pt-PT" dirty="0"/>
-          </a:p>
-          <a:p>
-            <a:endParaRPr lang="pt-PT" dirty="0"/>
-          </a:p>
-          <a:p>
-            <a:r>
-              <a:rPr lang="pt-PT" dirty="0"/>
-              <a:t>GLM-&gt; </a:t>
-            </a:r>
-          </a:p>
-          <a:p>
-            <a:endParaRPr lang="pt-PT" dirty="0"/>
-          </a:p>
-          <a:p>
-            <a:r>
-              <a:rPr lang="pt-PT" dirty="0"/>
-              <a:t>Explicar que vimos que sem o ratio deu exatamente igual no </a:t>
-            </a:r>
-            <a:r>
-              <a:rPr lang="pt-PT" dirty="0" err="1"/>
-              <a:t>glm</a:t>
-            </a:r>
-            <a:r>
-              <a:rPr lang="pt-PT" dirty="0"/>
-              <a:t> e por isso retiramos o ratio, Não percebemos isso anteriormente porque no CV o ratio alterava o valor, </a:t>
-            </a:r>
-            <a:r>
-              <a:rPr lang="pt-PT" dirty="0" err="1"/>
-              <a:t>so</a:t>
-            </a:r>
-            <a:r>
-              <a:rPr lang="pt-PT" dirty="0"/>
-              <a:t> agora a fazer o modelo é que conseguimos perceber isso através do p valor. </a:t>
-            </a:r>
-            <a:endParaRPr lang="en-US" dirty="0"/>
+              <a:t> onde o modelo explica muito bem os dados armazenados mas face a novos dados a qualidade da sua resposta decai consideravelmente. Por esta razão decidimos dividir a nossa base de dados em dados de treino e dados de teste. Deste modo, o melhor modelo é então aquele que melhor responder aos dados de teste. Analisando os resultados obtidos podemos verificar que o modelo de regressão linear foi o que obteve um melhor erro ponderado. Este resultado surpreendeu-nos porque não estávamos à espera que fosse o modelo de regressão linear a obter o melhor erro ponderado.</a:t>
+            </a:r>
           </a:p>
         </p:txBody>
       </p:sp>
@@ -1333,108 +1301,59 @@
           <a:bodyPr/>
           <a:lstStyle/>
           <a:p>
+            <a:pPr marL="0" marR="0" lvl="0" indent="0" algn="l" defTabSz="914400" rtl="0" eaLnBrk="1" fontAlgn="auto" latinLnBrk="0" hangingPunct="1">
+              <a:lnSpc>
+                <a:spcPct val="100000"/>
+              </a:lnSpc>
+              <a:spcBef>
+                <a:spcPts val="0"/>
+              </a:spcBef>
+              <a:spcAft>
+                <a:spcPts val="0"/>
+              </a:spcAft>
+              <a:buClrTx/>
+              <a:buSzTx/>
+              <a:buFontTx/>
+              <a:buNone/>
+              <a:tabLst/>
+              <a:defRPr/>
+            </a:pPr>
+            <a:r>
+              <a:rPr lang="pt-PT" dirty="0" err="1"/>
+              <a:t>peixoto</a:t>
+            </a:r>
+            <a:endParaRPr lang="pt-PT" dirty="0"/>
+          </a:p>
+          <a:p>
+            <a:pPr marL="0" marR="0" lvl="0" indent="0" algn="l" defTabSz="914400" rtl="0" eaLnBrk="1" fontAlgn="auto" latinLnBrk="0" hangingPunct="1">
+              <a:lnSpc>
+                <a:spcPct val="100000"/>
+              </a:lnSpc>
+              <a:spcBef>
+                <a:spcPts val="0"/>
+              </a:spcBef>
+              <a:spcAft>
+                <a:spcPts val="0"/>
+              </a:spcAft>
+              <a:buClrTx/>
+              <a:buSzTx/>
+              <a:buFontTx/>
+              <a:buNone/>
+              <a:tabLst/>
+              <a:defRPr/>
+            </a:pPr>
             <a:r>
               <a:rPr lang="pt-PT" dirty="0"/>
-              <a:t>Peixoto,</a:t>
-            </a:r>
-          </a:p>
-          <a:p>
-            <a:endParaRPr lang="pt-PT" dirty="0"/>
-          </a:p>
-          <a:p>
+              <a:t>Quanto a fatores corporais, nenhum deles parece afetar os diabetes. Contudo, relativamente à variável binária, o fator corporal que explica melhor o valor da diabete é o rácio entre o perímetro do pulso e a altura. Relativamente à hemoglobina </a:t>
+            </a:r>
+            <a:r>
+              <a:rPr lang="pt-PT" dirty="0" err="1"/>
+              <a:t>glicada</a:t>
+            </a:r>
             <a:r>
               <a:rPr lang="pt-PT" dirty="0"/>
-              <a:t>1-&gt;  </a:t>
-            </a:r>
-          </a:p>
-          <a:p>
-            <a:endParaRPr lang="pt-PT" dirty="0"/>
-          </a:p>
-          <a:p>
-            <a:endParaRPr lang="pt-PT" dirty="0"/>
-          </a:p>
-          <a:p>
-            <a:r>
-              <a:rPr lang="pt-PT" dirty="0"/>
-              <a:t>2-&gt;</a:t>
-            </a:r>
-            <a:r>
-              <a:rPr lang="pt-PT" dirty="0" err="1"/>
-              <a:t>Gly-hb</a:t>
-            </a:r>
-            <a:r>
-              <a:rPr lang="pt-PT" dirty="0"/>
-              <a:t> -&gt; </a:t>
-            </a:r>
-            <a:r>
-              <a:rPr lang="pt-PT" dirty="0" err="1"/>
-              <a:t>hip</a:t>
-            </a:r>
-            <a:endParaRPr lang="pt-PT" dirty="0"/>
-          </a:p>
-          <a:p>
-            <a:r>
-              <a:rPr lang="pt-PT" dirty="0"/>
-              <a:t>Binaria. &gt; rácio</a:t>
-            </a:r>
-          </a:p>
-          <a:p>
-            <a:r>
-              <a:rPr lang="pt-PT" dirty="0"/>
-              <a:t>No entanto nenhuma se mostrou importante para o modelo</a:t>
-            </a:r>
-          </a:p>
-          <a:p>
-            <a:endParaRPr lang="pt-PT" dirty="0"/>
-          </a:p>
-          <a:p>
-            <a:endParaRPr lang="pt-PT" dirty="0"/>
-          </a:p>
-          <a:p>
-            <a:endParaRPr lang="pt-PT" dirty="0"/>
-          </a:p>
-          <a:p>
-            <a:r>
-              <a:rPr lang="pt-PT" dirty="0"/>
-              <a:t>3-&gt;</a:t>
-            </a:r>
-            <a:r>
-              <a:rPr lang="pt-PT" dirty="0" err="1"/>
-              <a:t>Time.ppn</a:t>
-            </a:r>
-            <a:r>
-              <a:rPr lang="pt-PT" dirty="0"/>
-              <a:t> parecia ser importante mas na pratica não se mostrou decisiva</a:t>
-            </a:r>
-          </a:p>
-          <a:p>
-            <a:endParaRPr lang="pt-PT" dirty="0"/>
-          </a:p>
-          <a:p>
-            <a:endParaRPr lang="pt-PT" dirty="0"/>
-          </a:p>
-          <a:p>
-            <a:r>
-              <a:rPr lang="pt-PT" dirty="0"/>
-              <a:t>4-&gt; </a:t>
-            </a:r>
-            <a:r>
-              <a:rPr lang="pt-PT" dirty="0" err="1"/>
-              <a:t>Stab.glu</a:t>
-            </a:r>
-            <a:r>
-              <a:rPr lang="pt-PT" dirty="0"/>
-              <a:t> e age explicar a sua relação com os diabetes</a:t>
-            </a:r>
-          </a:p>
-          <a:p>
-            <a:r>
-              <a:rPr lang="pt-PT" dirty="0"/>
-              <a:t> São os 2 crescente, ambos aumentam a probabilidade</a:t>
-            </a:r>
-          </a:p>
-          <a:p>
-            <a:endParaRPr lang="pt-PT" dirty="0"/>
+              <a:t>, o fator corporal que explica melhor é o perímetro da anca.</a:t>
+            </a:r>
           </a:p>
           <a:p>
             <a:endParaRPr lang="pt-PT" dirty="0"/>
@@ -1693,8 +1612,171 @@
           <a:lstStyle/>
           <a:p>
             <a:r>
+              <a:rPr lang="pt-PT" dirty="0"/>
+              <a:t>Peixoto</a:t>
+            </a:r>
+          </a:p>
+          <a:p>
+            <a:pPr marL="0" marR="0" lvl="0" indent="0" algn="l" defTabSz="914400" rtl="0" eaLnBrk="1" fontAlgn="auto" latinLnBrk="0" hangingPunct="1">
+              <a:lnSpc>
+                <a:spcPct val="100000"/>
+              </a:lnSpc>
+              <a:spcBef>
+                <a:spcPts val="0"/>
+              </a:spcBef>
+              <a:spcAft>
+                <a:spcPts val="0"/>
+              </a:spcAft>
+              <a:buClrTx/>
+              <a:buSzTx/>
+              <a:buFontTx/>
+              <a:buNone/>
+              <a:tabLst/>
+              <a:defRPr/>
+            </a:pPr>
+            <a:r>
+              <a:rPr lang="en-US" dirty="0"/>
+              <a:t>Neste </a:t>
+            </a:r>
+            <a:r>
+              <a:rPr lang="en-US" dirty="0" err="1"/>
+              <a:t>projeto</a:t>
+            </a:r>
+            <a:r>
+              <a:rPr lang="en-US" dirty="0"/>
+              <a:t> </a:t>
+            </a:r>
+            <a:r>
+              <a:rPr lang="en-US" dirty="0" err="1"/>
+              <a:t>decidimos</a:t>
+            </a:r>
+            <a:r>
+              <a:rPr lang="en-US" dirty="0"/>
+              <a:t> </a:t>
+            </a:r>
+            <a:r>
+              <a:rPr lang="en-US" dirty="0" err="1"/>
+              <a:t>analisar</a:t>
+            </a:r>
+            <a:r>
+              <a:rPr lang="en-US" dirty="0"/>
+              <a:t> o dataset diabetes da library </a:t>
+            </a:r>
+            <a:r>
+              <a:rPr lang="pt-PT" sz="1200" b="0" i="0" kern="1200" dirty="0" err="1">
+                <a:solidFill>
+                  <a:schemeClr val="tx1"/>
+                </a:solidFill>
+                <a:effectLst/>
+                <a:latin typeface="+mn-lt"/>
+                <a:ea typeface="+mn-ea"/>
+                <a:cs typeface="+mn-cs"/>
+              </a:rPr>
+              <a:t>faraway</a:t>
+            </a:r>
+            <a:r>
+              <a:rPr lang="en-US" dirty="0"/>
+              <a:t>. Este dataset </a:t>
+            </a:r>
+            <a:r>
+              <a:rPr lang="en-US" dirty="0" err="1"/>
+              <a:t>foi</a:t>
+            </a:r>
+            <a:r>
+              <a:rPr lang="en-US" dirty="0"/>
+              <a:t> </a:t>
+            </a:r>
+            <a:r>
+              <a:rPr lang="en-US" dirty="0" err="1"/>
+              <a:t>criado</a:t>
+            </a:r>
+            <a:r>
+              <a:rPr lang="en-US" dirty="0"/>
+              <a:t> </a:t>
+            </a:r>
+            <a:r>
+              <a:rPr lang="en-US" dirty="0" err="1"/>
+              <a:t>nos</a:t>
+            </a:r>
+            <a:r>
+              <a:rPr lang="en-US" dirty="0"/>
+              <a:t> </a:t>
+            </a:r>
+            <a:r>
+              <a:rPr lang="en-US" dirty="0" err="1"/>
+              <a:t>Estados</a:t>
+            </a:r>
+            <a:r>
+              <a:rPr lang="en-US" dirty="0"/>
+              <a:t> </a:t>
+            </a:r>
+            <a:r>
+              <a:rPr lang="en-US" dirty="0" err="1"/>
+              <a:t>Unidos</a:t>
+            </a:r>
+            <a:r>
+              <a:rPr lang="en-US" dirty="0"/>
+              <a:t> da América </a:t>
+            </a:r>
+            <a:r>
+              <a:rPr lang="en-US" dirty="0" err="1"/>
+              <a:t>em</a:t>
+            </a:r>
+            <a:r>
+              <a:rPr lang="en-US" dirty="0"/>
+              <a:t> 1997 e </a:t>
+            </a:r>
+            <a:r>
+              <a:rPr lang="en-US" dirty="0" err="1"/>
+              <a:t>incide</a:t>
+            </a:r>
+            <a:r>
+              <a:rPr lang="en-US" dirty="0"/>
+              <a:t> </a:t>
+            </a:r>
+            <a:r>
+              <a:rPr lang="en-US" dirty="0" err="1"/>
+              <a:t>sobre</a:t>
+            </a:r>
+            <a:r>
+              <a:rPr lang="en-US" dirty="0"/>
+              <a:t> </a:t>
+            </a:r>
+            <a:r>
+              <a:rPr lang="en-US" dirty="0" err="1"/>
+              <a:t>duas</a:t>
+            </a:r>
+            <a:r>
+              <a:rPr lang="en-US" dirty="0"/>
+              <a:t> </a:t>
+            </a:r>
+            <a:r>
+              <a:rPr lang="en-US" dirty="0" err="1"/>
+              <a:t>cidades</a:t>
+            </a:r>
+            <a:r>
+              <a:rPr lang="en-US" dirty="0"/>
+              <a:t>, </a:t>
+            </a:r>
+            <a:r>
+              <a:rPr lang="pt-PT" dirty="0"/>
+              <a:t>Buckingham e </a:t>
+            </a:r>
+            <a:r>
               <a:rPr lang="pt-PT" dirty="0" err="1"/>
-              <a:t>peixoto</a:t>
+              <a:t>Louisa</a:t>
+            </a:r>
+            <a:r>
+              <a:rPr lang="pt-PT" dirty="0"/>
+              <a:t>. Apresenta 19 variáveis e 403 observações e o seu objetivo é prever se um indivíduo possui diabetes tendo em conta uma série de </a:t>
+            </a:r>
+            <a:r>
+              <a:rPr lang="pt-PT" dirty="0" err="1"/>
+              <a:t>carateristicas</a:t>
+            </a:r>
+            <a:r>
+              <a:rPr lang="pt-PT" dirty="0"/>
+              <a:t> do indivíduo.</a:t>
             </a:r>
             <a:endParaRPr lang="en-US" dirty="0"/>
           </a:p>
@@ -2337,6 +2419,37 @@
               <a:rPr lang="pt-PT" dirty="0"/>
               <a:t>Peixoto</a:t>
             </a:r>
+          </a:p>
+          <a:p>
+            <a:pPr marL="0" marR="0" lvl="0" indent="0" algn="l" defTabSz="914400" rtl="0" eaLnBrk="1" fontAlgn="auto" latinLnBrk="0" hangingPunct="1">
+              <a:lnSpc>
+                <a:spcPct val="100000"/>
+              </a:lnSpc>
+              <a:spcBef>
+                <a:spcPts val="0"/>
+              </a:spcBef>
+              <a:spcAft>
+                <a:spcPts val="0"/>
+              </a:spcAft>
+              <a:buClrTx/>
+              <a:buSzTx/>
+              <a:buFontTx/>
+              <a:buNone/>
+              <a:tabLst/>
+              <a:defRPr/>
+            </a:pPr>
+            <a:r>
+              <a:rPr lang="pt-PT" dirty="0"/>
+              <a:t>Para analisar a normalidade recorremos aos histogramas da distribuição das várias variáveis apresentadas no slide anterior. Aqui podemos ver os histogramas que apresentaram uma distribuição próxima da distribuição normal. Salientar só que a variável </a:t>
+            </a:r>
+            <a:r>
+              <a:rPr lang="pt-PT" dirty="0" err="1"/>
+              <a:t>stab.glu</a:t>
+            </a:r>
+            <a:r>
+              <a:rPr lang="pt-PT" dirty="0"/>
+              <a:t> não apresentou semelhanças à distribuição normal.</a:t>
+            </a:r>
             <a:endParaRPr lang="en-US" dirty="0"/>
           </a:p>
         </p:txBody>
@@ -2879,6 +2992,80 @@
               <a:rPr lang="pt-PT" dirty="0"/>
               <a:t>PEIXOTO FALA AQUI</a:t>
             </a:r>
+          </a:p>
+          <a:p>
+            <a:pPr marL="0" marR="0" lvl="0" indent="0" algn="l" defTabSz="914400" rtl="0" eaLnBrk="1" fontAlgn="auto" latinLnBrk="0" hangingPunct="1">
+              <a:lnSpc>
+                <a:spcPct val="100000"/>
+              </a:lnSpc>
+              <a:spcBef>
+                <a:spcPts val="0"/>
+              </a:spcBef>
+              <a:spcAft>
+                <a:spcPts val="0"/>
+              </a:spcAft>
+              <a:buClrTx/>
+              <a:buSzTx/>
+              <a:buFontTx/>
+              <a:buNone/>
+              <a:tabLst/>
+              <a:defRPr/>
+            </a:pPr>
+            <a:r>
+              <a:rPr lang="pt-PT" dirty="0"/>
+              <a:t>Para entender de que forma estas variáveis afetavam a variável de resposta e consequentemente definir melhores modelos de regressão linear, realizamos uma análise dos resíduos e das distribuições de probabilidade. Apesar de todos os preditores aparentarem ter uma relação linear com a variável de resposta, decidimos testar também de que forma relações quadráticas e cúbicas afetavam esta variável e verificamos que apesar de melhorar a resposta aos dados de treino, a complexidade adicional não justificava o ganho obtido. Aqui temos os resultados obtidos apenas para o preditor </a:t>
+            </a:r>
+            <a:r>
+              <a:rPr lang="pt-PT" dirty="0" err="1"/>
+              <a:t>stab.glu</a:t>
+            </a:r>
+            <a:r>
+              <a:rPr lang="pt-PT" dirty="0"/>
+              <a:t> mas os resultados para os restantes preditores foram muito semelhantes. Em adição, recorremos também ao k-</a:t>
+            </a:r>
+            <a:r>
+              <a:rPr lang="pt-PT" dirty="0" err="1"/>
+              <a:t>fold</a:t>
+            </a:r>
+            <a:r>
+              <a:rPr lang="pt-PT" dirty="0"/>
+              <a:t> cross </a:t>
+            </a:r>
+            <a:r>
+              <a:rPr lang="pt-PT" dirty="0" err="1"/>
+              <a:t>validation</a:t>
+            </a:r>
+            <a:r>
+              <a:rPr lang="pt-PT" dirty="0"/>
+              <a:t> para evitar problemas de </a:t>
+            </a:r>
+            <a:r>
+              <a:rPr lang="pt-PT" dirty="0" err="1"/>
+              <a:t>overfitting</a:t>
+            </a:r>
+            <a:r>
+              <a:rPr lang="pt-PT" dirty="0"/>
+              <a:t> pois destes três modelos, o modelo que explicava melhor os dados era o polinómio de grau 3 da </a:t>
+            </a:r>
+            <a:r>
+              <a:rPr lang="pt-PT" dirty="0" err="1"/>
+              <a:t>stab.glu</a:t>
+            </a:r>
+            <a:r>
+              <a:rPr lang="pt-PT" dirty="0"/>
+              <a:t> enquanto que nos resultados da validação cruzada esse modelo foi o que obteve piores resultados devido a </a:t>
+            </a:r>
+            <a:r>
+              <a:rPr lang="pt-PT" dirty="0" err="1"/>
+              <a:t>overfitting</a:t>
+            </a:r>
+            <a:r>
+              <a:rPr lang="pt-PT" dirty="0"/>
+              <a:t>. Em alguns casos na validação cruzada obtivemos melhor resposta em modelos mais complexos mas o ganho foi tão reduzido que não compensava aumentar a complexidade.</a:t>
+            </a:r>
+            <a:endParaRPr lang="en-US" dirty="0"/>
+          </a:p>
+          <a:p>
             <a:endParaRPr lang="en-US" dirty="0"/>
           </a:p>
         </p:txBody>
@@ -3181,7 +3368,7 @@
             <a:fld id="{B82CCC60-E8CD-4174-8B1A-7DF615B22EEF}" type="slidenum">
               <a:rPr lang="en-US" smtClean="0"/>
               <a:pPr/>
-              <a:t>‹#›</a:t>
+              <a:t>‹nº›</a:t>
             </a:fld>
             <a:endParaRPr lang="en-US"/>
           </a:p>
@@ -3435,7 +3622,7 @@
             <a:fld id="{B82CCC60-E8CD-4174-8B1A-7DF615B22EEF}" type="slidenum">
               <a:rPr lang="en-US" smtClean="0"/>
               <a:pPr/>
-              <a:t>‹#›</a:t>
+              <a:t>‹nº›</a:t>
             </a:fld>
             <a:endParaRPr lang="en-US"/>
           </a:p>
@@ -3605,7 +3792,7 @@
             <a:fld id="{B82CCC60-E8CD-4174-8B1A-7DF615B22EEF}" type="slidenum">
               <a:rPr lang="en-US" smtClean="0"/>
               <a:pPr/>
-              <a:t>‹#›</a:t>
+              <a:t>‹nº›</a:t>
             </a:fld>
             <a:endParaRPr lang="en-US"/>
           </a:p>
@@ -3785,7 +3972,7 @@
             <a:fld id="{B82CCC60-E8CD-4174-8B1A-7DF615B22EEF}" type="slidenum">
               <a:rPr lang="en-US" smtClean="0"/>
               <a:pPr/>
-              <a:t>‹#›</a:t>
+              <a:t>‹nº›</a:t>
             </a:fld>
             <a:endParaRPr lang="en-US"/>
           </a:p>
@@ -4067,7 +4254,7 @@
             <a:fld id="{B82CCC60-E8CD-4174-8B1A-7DF615B22EEF}" type="slidenum">
               <a:rPr lang="en-US" smtClean="0"/>
               <a:pPr/>
-              <a:t>‹#›</a:t>
+              <a:t>‹nº›</a:t>
             </a:fld>
             <a:endParaRPr lang="en-US"/>
           </a:p>
@@ -4314,7 +4501,7 @@
             <a:fld id="{B82CCC60-E8CD-4174-8B1A-7DF615B22EEF}" type="slidenum">
               <a:rPr lang="en-US" smtClean="0"/>
               <a:pPr/>
-              <a:t>‹#›</a:t>
+              <a:t>‹nº›</a:t>
             </a:fld>
             <a:endParaRPr lang="en-US"/>
           </a:p>
@@ -4561,7 +4748,7 @@
             <a:fld id="{B82CCC60-E8CD-4174-8B1A-7DF615B22EEF}" type="slidenum">
               <a:rPr lang="en-US" smtClean="0"/>
               <a:pPr/>
-              <a:t>‹#›</a:t>
+              <a:t>‹nº›</a:t>
             </a:fld>
             <a:endParaRPr lang="en-US"/>
           </a:p>
@@ -4848,7 +5035,7 @@
             <a:fld id="{B82CCC60-E8CD-4174-8B1A-7DF615B22EEF}" type="slidenum">
               <a:rPr lang="en-US" smtClean="0"/>
               <a:pPr/>
-              <a:t>‹#›</a:t>
+              <a:t>‹nº›</a:t>
             </a:fld>
             <a:endParaRPr lang="en-US"/>
           </a:p>
@@ -5335,7 +5522,7 @@
             <a:fld id="{B82CCC60-E8CD-4174-8B1A-7DF615B22EEF}" type="slidenum">
               <a:rPr lang="en-US" smtClean="0"/>
               <a:pPr/>
-              <a:t>‹#›</a:t>
+              <a:t>‹nº›</a:t>
             </a:fld>
             <a:endParaRPr lang="en-US"/>
           </a:p>
@@ -5454,7 +5641,7 @@
             <a:fld id="{B82CCC60-E8CD-4174-8B1A-7DF615B22EEF}" type="slidenum">
               <a:rPr lang="en-US" smtClean="0"/>
               <a:pPr/>
-              <a:t>‹#›</a:t>
+              <a:t>‹nº›</a:t>
             </a:fld>
             <a:endParaRPr lang="en-US"/>
           </a:p>
@@ -5551,7 +5738,7 @@
             <a:fld id="{B82CCC60-E8CD-4174-8B1A-7DF615B22EEF}" type="slidenum">
               <a:rPr lang="en-US" smtClean="0"/>
               <a:pPr/>
-              <a:t>‹#›</a:t>
+              <a:t>‹nº›</a:t>
             </a:fld>
             <a:endParaRPr lang="en-US"/>
           </a:p>
@@ -5828,7 +6015,7 @@
             <a:fld id="{B82CCC60-E8CD-4174-8B1A-7DF615B22EEF}" type="slidenum">
               <a:rPr lang="en-US" smtClean="0"/>
               <a:pPr/>
-              <a:t>‹#›</a:t>
+              <a:t>‹nº›</a:t>
             </a:fld>
             <a:endParaRPr lang="en-US"/>
           </a:p>
@@ -6086,7 +6273,7 @@
             <a:fld id="{B82CCC60-E8CD-4174-8B1A-7DF615B22EEF}" type="slidenum">
               <a:rPr lang="en-US" smtClean="0"/>
               <a:pPr/>
-              <a:t>‹#›</a:t>
+              <a:t>‹nº›</a:t>
             </a:fld>
             <a:endParaRPr lang="en-US"/>
           </a:p>
@@ -9273,8 +9460,8 @@
           </a:p>
         </p:txBody>
       </p:sp>
-      <mc:AlternateContent xmlns:mc="http://schemas.openxmlformats.org/markup-compatibility/2006" xmlns:a14="http://schemas.microsoft.com/office/drawing/2010/main">
-        <mc:Choice Requires="a14">
+      <mc:AlternateContent xmlns:mc="http://schemas.openxmlformats.org/markup-compatibility/2006">
+        <mc:Choice xmlns:a14="http://schemas.microsoft.com/office/drawing/2010/main" Requires="a14">
           <p:graphicFrame>
             <p:nvGraphicFramePr>
               <p:cNvPr id="14" name="Table 13">
@@ -9290,14 +9477,14 @@
               <p:nvPr>
                 <p:extLst>
                   <p:ext uri="{D42A27DB-BD31-4B8C-83A1-F6EECF244321}">
-                    <p14:modId xmlns:p14="http://schemas.microsoft.com/office/powerpoint/2010/main" val="325358141"/>
+                    <p14:modId xmlns:p14="http://schemas.microsoft.com/office/powerpoint/2010/main" val="2118621381"/>
                   </p:ext>
                 </p:extLst>
               </p:nvPr>
             </p:nvGraphicFramePr>
             <p:xfrm>
               <a:off x="448964" y="1808225"/>
-              <a:ext cx="8246072" cy="2379226"/>
+              <a:ext cx="8246072" cy="2364279"/>
             </p:xfrm>
             <a:graphic>
               <a:graphicData uri="http://schemas.openxmlformats.org/drawingml/2006/table">
@@ -9360,7 +9547,7 @@
                           <a:endParaRPr lang="en-US" sz="1700" dirty="0"/>
                         </a:p>
                       </a:txBody>
-                      <a:tcPr marL="148887" marR="148887" marT="74445" marB="74445">
+                      <a:tcPr marL="148887" marR="148887" marT="74445" marB="74445" anchor="ctr">
                         <a:lnL w="12700" cap="flat" cmpd="sng" algn="ctr">
                           <a:solidFill>
                             <a:schemeClr val="accent1"/>
@@ -9412,7 +9599,7 @@
                         <a:bodyPr/>
                         <a:lstStyle/>
                         <a:p>
-                          <a:pPr marL="0" marR="0" lvl="0" indent="0" algn="l" defTabSz="914400" rtl="0" eaLnBrk="1" fontAlgn="auto" latinLnBrk="0" hangingPunct="1">
+                          <a:pPr marL="0" marR="0" lvl="0" indent="0" algn="ctr" defTabSz="914400" rtl="0" eaLnBrk="1" fontAlgn="auto" latinLnBrk="0" hangingPunct="1">
                             <a:lnSpc>
                               <a:spcPct val="100000"/>
                             </a:lnSpc>
@@ -9447,7 +9634,7 @@
                           <a:endParaRPr lang="en-US" sz="1700" dirty="0"/>
                         </a:p>
                       </a:txBody>
-                      <a:tcPr marL="148887" marR="148887" marT="74445" marB="74445">
+                      <a:tcPr marL="148887" marR="148887" marT="74445" marB="74445" anchor="ctr">
                         <a:lnL w="12700" cap="flat" cmpd="sng" algn="ctr">
                           <a:solidFill>
                             <a:schemeClr val="accent1"/>
@@ -9534,7 +9721,7 @@
                           <a:endParaRPr lang="en-US" sz="1600" dirty="0"/>
                         </a:p>
                       </a:txBody>
-                      <a:tcPr marL="148887" marR="148887" marT="74445" marB="74445">
+                      <a:tcPr marL="148887" marR="148887" marT="74445" marB="74445" anchor="ctr">
                         <a:lnL w="12700" cap="flat" cmpd="sng" algn="ctr">
                           <a:solidFill>
                             <a:schemeClr val="accent1"/>
@@ -9605,7 +9792,7 @@
                           <a:endParaRPr lang="en-US" sz="1700" dirty="0"/>
                         </a:p>
                       </a:txBody>
-                      <a:tcPr marL="148887" marR="148887" marT="74445" marB="74445">
+                      <a:tcPr marL="148887" marR="148887" marT="74445" marB="74445" anchor="ctr">
                         <a:lnL w="12700" cap="flat" cmpd="sng" algn="ctr">
                           <a:solidFill>
                             <a:schemeClr val="accent1"/>
@@ -9699,7 +9886,7 @@
                           <a:endParaRPr lang="en-US" sz="1700" dirty="0"/>
                         </a:p>
                       </a:txBody>
-                      <a:tcPr marL="148887" marR="148887" marT="74445" marB="74445">
+                      <a:tcPr marL="148887" marR="148887" marT="74445" marB="74445" anchor="ctr">
                         <a:lnL w="12700" cap="flat" cmpd="sng" algn="ctr">
                           <a:solidFill>
                             <a:schemeClr val="accent1"/>
@@ -9751,10 +9938,18 @@
                         <a:bodyPr/>
                         <a:lstStyle/>
                         <a:p>
-                          <a:endParaRPr lang="en-US" sz="1600" dirty="0"/>
+                          <a:pPr algn="ctr"/>
+                          <a:r>
+                            <a:rPr lang="en-US" sz="1600" dirty="0" err="1"/>
+                            <a:t>Stab.glu</a:t>
+                          </a:r>
+                          <a:r>
+                            <a:rPr lang="en-US" sz="1600" dirty="0"/>
+                            <a:t> + age</a:t>
+                          </a:r>
                         </a:p>
                       </a:txBody>
-                      <a:tcPr marL="148887" marR="148887" marT="74445" marB="74445">
+                      <a:tcPr marL="148887" marR="148887" marT="74445" marB="74445" anchor="ctr">
                         <a:lnL w="12700" cap="flat" cmpd="sng" algn="ctr">
                           <a:solidFill>
                             <a:schemeClr val="accent1"/>
@@ -9814,7 +10009,7 @@
                           <a:endParaRPr lang="en-US" sz="1600" dirty="0"/>
                         </a:p>
                       </a:txBody>
-                      <a:tcPr marL="148887" marR="148887" marT="74445" marB="74445">
+                      <a:tcPr marL="148887" marR="148887" marT="74445" marB="74445" anchor="ctr">
                         <a:lnL w="12700" cap="flat" cmpd="sng" algn="ctr">
                           <a:solidFill>
                             <a:schemeClr val="accent1"/>
@@ -9874,7 +10069,7 @@
                           <a:endParaRPr lang="en-US" sz="1600" dirty="0"/>
                         </a:p>
                       </a:txBody>
-                      <a:tcPr marL="148887" marR="148887" marT="74445" marB="74445">
+                      <a:tcPr marL="148887" marR="148887" marT="74445" marB="74445" anchor="ctr">
                         <a:lnL w="12700" cap="flat" cmpd="sng" algn="ctr">
                           <a:solidFill>
                             <a:schemeClr val="accent1"/>
@@ -9989,7 +10184,7 @@
                           </a:endParaRPr>
                         </a:p>
                       </a:txBody>
-                      <a:tcPr marL="148887" marR="148887" marT="74445" marB="74445">
+                      <a:tcPr marL="148887" marR="148887" marT="74445" marB="74445" anchor="ctr">
                         <a:lnL w="12700" cap="flat" cmpd="sng" algn="ctr">
                           <a:solidFill>
                             <a:schemeClr val="accent1"/>
@@ -10042,10 +10237,6 @@
                         <a:lstStyle/>
                         <a:p>
                           <a:pPr algn="ctr"/>
-                          <a:r>
-                            <a:rPr lang="pt-PT" sz="2900" dirty="0"/>
-                            <a:t> </a:t>
-                          </a:r>
                           <a:r>
                             <a:rPr lang="pt-PT" sz="1600" dirty="0"/>
                             <a:t>&gt;7</a:t>
@@ -10113,7 +10304,7 @@
                           <a:endParaRPr lang="en-US" sz="1600" dirty="0"/>
                         </a:p>
                       </a:txBody>
-                      <a:tcPr marL="148887" marR="148887" marT="74445" marB="74445">
+                      <a:tcPr marL="148887" marR="148887" marT="74445" marB="74445" anchor="ctr">
                         <a:lnL w="12700" cap="flat" cmpd="sng" algn="ctr">
                           <a:solidFill>
                             <a:schemeClr val="accent1"/>
@@ -10173,7 +10364,7 @@
                           <a:endParaRPr lang="en-US" sz="1600" dirty="0"/>
                         </a:p>
                       </a:txBody>
-                      <a:tcPr marL="148887" marR="148887" marT="74445" marB="74445">
+                      <a:tcPr marL="148887" marR="148887" marT="74445" marB="74445" anchor="ctr">
                         <a:lnL w="12700" cap="flat" cmpd="sng" algn="ctr">
                           <a:solidFill>
                             <a:schemeClr val="accent1"/>
@@ -10270,7 +10461,7 @@
                               <a:ea typeface="+mn-ea"/>
                               <a:cs typeface="+mn-cs"/>
                             </a:rPr>
-                            <a:t>Acerto ponderado</a:t>
+                            <a:t>Erro ponderado</a:t>
                           </a:r>
                           <a:endParaRPr kumimoji="0" lang="en-US" sz="1700" b="0" i="0" u="none" strike="noStrike" kern="1200" cap="none" spc="0" normalizeH="0" baseline="0" noProof="0" dirty="0">
                             <a:ln>
@@ -10288,7 +10479,7 @@
                           </a:endParaRPr>
                         </a:p>
                       </a:txBody>
-                      <a:tcPr marL="148887" marR="148887" marT="74445" marB="74445">
+                      <a:tcPr marL="148887" marR="148887" marT="74445" marB="74445" anchor="ctr">
                         <a:lnL w="12700" cap="flat" cmpd="sng" algn="ctr">
                           <a:solidFill>
                             <a:schemeClr val="accent1"/>
@@ -10340,51 +10531,98 @@
                         <a:bodyPr/>
                         <a:lstStyle/>
                         <a:p>
-                          <a:pPr/>
+                          <a:pPr algn="ctr"/>
                           <a14:m>
-                            <m:oMathPara xmlns:m="http://schemas.openxmlformats.org/officeDocument/2006/math">
-                              <m:oMathParaPr>
-                                <m:jc m:val="centerGroup"/>
-                              </m:oMathParaPr>
-                              <m:oMath xmlns:m="http://schemas.openxmlformats.org/officeDocument/2006/math">
-                                <m:sSup>
-                                  <m:sSupPr>
-                                    <m:ctrlPr>
-                                      <a:rPr lang="pt-PT" sz="1600" i="1" smtClean="0">
-                                        <a:latin typeface="Cambria Math" panose="02040503050406030204" pitchFamily="18" charset="0"/>
-                                      </a:rPr>
-                                    </m:ctrlPr>
-                                  </m:sSupPr>
-                                  <m:e>
-                                    <m:r>
-                                      <a:rPr lang="pt-PT" sz="1600" i="1" smtClean="0">
-                                        <a:latin typeface="Cambria Math" panose="02040503050406030204" pitchFamily="18" charset="0"/>
-                                      </a:rPr>
-                                      <m:t>𝑟</m:t>
-                                    </m:r>
-                                  </m:e>
-                                  <m:sup>
-                                    <m:r>
-                                      <a:rPr lang="pt-PT" sz="1600" i="1" smtClean="0">
-                                        <a:latin typeface="Cambria Math" panose="02040503050406030204" pitchFamily="18" charset="0"/>
-                                      </a:rPr>
-                                      <m:t>2</m:t>
-                                    </m:r>
-                                  </m:sup>
-                                </m:sSup>
-                                <m:r>
-                                  <a:rPr lang="pt-PT" sz="1600" b="0" i="1" smtClean="0">
-                                    <a:latin typeface="Cambria Math" panose="02040503050406030204" pitchFamily="18" charset="0"/>
-                                  </a:rPr>
-                                  <m:t>= </m:t>
-                                </m:r>
-                              </m:oMath>
-                            </m:oMathPara>
+                            <m:oMath xmlns:m="http://schemas.openxmlformats.org/officeDocument/2006/math">
+                              <m:r>
+                                <a:rPr lang="pt-PT" sz="1600" b="0" i="1" kern="1200" smtClean="0">
+                                  <a:solidFill>
+                                    <a:schemeClr val="tx1"/>
+                                  </a:solidFill>
+                                  <a:latin typeface="Cambria Math" panose="02040503050406030204" pitchFamily="18" charset="0"/>
+                                  <a:ea typeface="+mn-ea"/>
+                                  <a:cs typeface="+mn-cs"/>
+                                </a:rPr>
+                                <m:t>𝑎𝑑𝑗</m:t>
+                              </m:r>
+                              <m:r>
+                                <a:rPr lang="pt-PT" sz="1600" b="0" i="1" kern="1200" smtClean="0">
+                                  <a:solidFill>
+                                    <a:schemeClr val="tx1"/>
+                                  </a:solidFill>
+                                  <a:latin typeface="Cambria Math" panose="02040503050406030204" pitchFamily="18" charset="0"/>
+                                  <a:ea typeface="+mn-ea"/>
+                                  <a:cs typeface="+mn-cs"/>
+                                </a:rPr>
+                                <m:t>. </m:t>
+                              </m:r>
+                              <m:sSup>
+                                <m:sSupPr>
+                                  <m:ctrlPr>
+                                    <a:rPr lang="pt-PT" sz="1600" b="0" i="1" kern="1200" smtClean="0">
+                                      <a:solidFill>
+                                        <a:schemeClr val="tx1"/>
+                                      </a:solidFill>
+                                      <a:latin typeface="Cambria Math" panose="02040503050406030204" pitchFamily="18" charset="0"/>
+                                      <a:ea typeface="+mn-ea"/>
+                                      <a:cs typeface="+mn-cs"/>
+                                    </a:rPr>
+                                  </m:ctrlPr>
+                                </m:sSupPr>
+                                <m:e>
+                                  <m:r>
+                                    <a:rPr lang="pt-PT" sz="1600" b="0" i="1" kern="1200" smtClean="0">
+                                      <a:solidFill>
+                                        <a:schemeClr val="tx1"/>
+                                      </a:solidFill>
+                                      <a:latin typeface="Cambria Math" panose="02040503050406030204" pitchFamily="18" charset="0"/>
+                                      <a:ea typeface="+mn-ea"/>
+                                      <a:cs typeface="+mn-cs"/>
+                                    </a:rPr>
+                                    <m:t>𝑟</m:t>
+                                  </m:r>
+                                </m:e>
+                                <m:sup>
+                                  <m:r>
+                                    <a:rPr lang="pt-PT" sz="1600" b="0" i="1" kern="1200" smtClean="0">
+                                      <a:solidFill>
+                                        <a:schemeClr val="tx1"/>
+                                      </a:solidFill>
+                                      <a:latin typeface="Cambria Math" panose="02040503050406030204" pitchFamily="18" charset="0"/>
+                                      <a:ea typeface="+mn-ea"/>
+                                      <a:cs typeface="+mn-cs"/>
+                                    </a:rPr>
+                                    <m:t>2</m:t>
+                                  </m:r>
+                                </m:sup>
+                              </m:sSup>
+                              <m:r>
+                                <a:rPr lang="pt-PT" sz="1600" b="0" i="1" kern="1200" smtClean="0">
+                                  <a:solidFill>
+                                    <a:schemeClr val="tx1"/>
+                                  </a:solidFill>
+                                  <a:latin typeface="Cambria Math" panose="02040503050406030204" pitchFamily="18" charset="0"/>
+                                  <a:ea typeface="+mn-ea"/>
+                                  <a:cs typeface="+mn-cs"/>
+                                </a:rPr>
+                                <m:t>= </m:t>
+                              </m:r>
+                            </m:oMath>
                           </a14:m>
-                          <a:endParaRPr lang="en-US" sz="1600" dirty="0"/>
+                          <a:r>
+                            <a:rPr lang="en-US" sz="1600" b="0" i="1" kern="1200" dirty="0">
+                              <a:solidFill>
+                                <a:schemeClr val="tx1"/>
+                              </a:solidFill>
+                              <a:latin typeface="Cambria Math" panose="02040503050406030204" pitchFamily="18" charset="0"/>
+                              <a:ea typeface="+mn-ea"/>
+                              <a:cs typeface="+mn-cs"/>
+                            </a:rPr>
+                            <a:t>56.23%</a:t>
+                          </a:r>
                         </a:p>
                       </a:txBody>
-                      <a:tcPr marL="148887" marR="148887" marT="74445" marB="74445">
+                      <a:tcPr marL="148887" marR="148887" marT="74445" marB="74445" anchor="ctr">
                         <a:lnL w="12700" cap="flat" cmpd="sng" algn="ctr">
                           <a:solidFill>
                             <a:schemeClr val="accent1"/>
@@ -10444,7 +10682,7 @@
                           <a:endParaRPr lang="en-US" sz="1600" b="1" dirty="0"/>
                         </a:p>
                       </a:txBody>
-                      <a:tcPr marL="148887" marR="148887" marT="74445" marB="74445">
+                      <a:tcPr marL="148887" marR="148887" marT="74445" marB="74445" anchor="ctr">
                         <a:lnL w="12700" cap="flat" cmpd="sng" algn="ctr">
                           <a:solidFill>
                             <a:schemeClr val="accent1"/>
@@ -10504,7 +10742,7 @@
                           <a:endParaRPr lang="en-US" sz="1600" dirty="0"/>
                         </a:p>
                       </a:txBody>
-                      <a:tcPr marL="148887" marR="148887" marT="74445" marB="74445">
+                      <a:tcPr marL="148887" marR="148887" marT="74445" marB="74445" anchor="ctr">
                         <a:lnL w="12700" cap="flat" cmpd="sng" algn="ctr">
                           <a:solidFill>
                             <a:schemeClr val="accent1"/>
@@ -10562,7 +10800,7 @@
             </a:graphic>
           </p:graphicFrame>
         </mc:Choice>
-        <mc:Fallback xmlns="">
+        <mc:Fallback>
           <p:graphicFrame>
             <p:nvGraphicFramePr>
               <p:cNvPr id="14" name="Table 13">
@@ -10578,14 +10816,14 @@
               <p:nvPr>
                 <p:extLst>
                   <p:ext uri="{D42A27DB-BD31-4B8C-83A1-F6EECF244321}">
-                    <p14:modId xmlns:p14="http://schemas.microsoft.com/office/powerpoint/2010/main" val="325358141"/>
+                    <p14:modId xmlns:p14="http://schemas.microsoft.com/office/powerpoint/2010/main" val="2118621381"/>
                   </p:ext>
                 </p:extLst>
               </p:nvPr>
             </p:nvGraphicFramePr>
             <p:xfrm>
               <a:off x="448964" y="1808225"/>
-              <a:ext cx="8246072" cy="2379226"/>
+              <a:ext cx="8246072" cy="2364279"/>
             </p:xfrm>
             <a:graphic>
               <a:graphicData uri="http://schemas.openxmlformats.org/drawingml/2006/table">
@@ -10648,7 +10886,7 @@
                           <a:endParaRPr lang="en-US" sz="1700" dirty="0"/>
                         </a:p>
                       </a:txBody>
-                      <a:tcPr marL="148887" marR="148887" marT="74445" marB="74445">
+                      <a:tcPr marL="148887" marR="148887" marT="74445" marB="74445" anchor="ctr">
                         <a:lnL w="12700" cap="flat" cmpd="sng" algn="ctr">
                           <a:solidFill>
                             <a:schemeClr val="accent1"/>
@@ -10700,7 +10938,7 @@
                         <a:bodyPr/>
                         <a:lstStyle/>
                         <a:p>
-                          <a:pPr marL="0" marR="0" lvl="0" indent="0" algn="l" defTabSz="914400" rtl="0" eaLnBrk="1" fontAlgn="auto" latinLnBrk="0" hangingPunct="1">
+                          <a:pPr marL="0" marR="0" lvl="0" indent="0" algn="ctr" defTabSz="914400" rtl="0" eaLnBrk="1" fontAlgn="auto" latinLnBrk="0" hangingPunct="1">
                             <a:lnSpc>
                               <a:spcPct val="100000"/>
                             </a:lnSpc>
@@ -10735,7 +10973,7 @@
                           <a:endParaRPr lang="en-US" sz="1700" dirty="0"/>
                         </a:p>
                       </a:txBody>
-                      <a:tcPr marL="148887" marR="148887" marT="74445" marB="74445">
+                      <a:tcPr marL="148887" marR="148887" marT="74445" marB="74445" anchor="ctr">
                         <a:lnL w="12700" cap="flat" cmpd="sng" algn="ctr">
                           <a:solidFill>
                             <a:schemeClr val="accent1"/>
@@ -10822,7 +11060,7 @@
                           <a:endParaRPr lang="en-US" sz="1600" dirty="0"/>
                         </a:p>
                       </a:txBody>
-                      <a:tcPr marL="148887" marR="148887" marT="74445" marB="74445">
+                      <a:tcPr marL="148887" marR="148887" marT="74445" marB="74445" anchor="ctr">
                         <a:lnL w="12700" cap="flat" cmpd="sng" algn="ctr">
                           <a:solidFill>
                             <a:schemeClr val="accent1"/>
@@ -10893,7 +11131,7 @@
                           <a:endParaRPr lang="en-US" sz="1700" dirty="0"/>
                         </a:p>
                       </a:txBody>
-                      <a:tcPr marL="148887" marR="148887" marT="74445" marB="74445">
+                      <a:tcPr marL="148887" marR="148887" marT="74445" marB="74445" anchor="ctr">
                         <a:lnL w="12700" cap="flat" cmpd="sng" algn="ctr">
                           <a:solidFill>
                             <a:schemeClr val="accent1"/>
@@ -10987,7 +11225,7 @@
                           <a:endParaRPr lang="en-US" sz="1700" dirty="0"/>
                         </a:p>
                       </a:txBody>
-                      <a:tcPr marL="148887" marR="148887" marT="74445" marB="74445">
+                      <a:tcPr marL="148887" marR="148887" marT="74445" marB="74445" anchor="ctr">
                         <a:lnL w="12700" cap="flat" cmpd="sng" algn="ctr">
                           <a:solidFill>
                             <a:schemeClr val="accent1"/>
@@ -11039,10 +11277,18 @@
                         <a:bodyPr/>
                         <a:lstStyle/>
                         <a:p>
-                          <a:endParaRPr lang="en-US" sz="1600" dirty="0"/>
+                          <a:pPr algn="ctr"/>
+                          <a:r>
+                            <a:rPr lang="en-US" sz="1600" dirty="0" err="1"/>
+                            <a:t>Stab.glu</a:t>
+                          </a:r>
+                          <a:r>
+                            <a:rPr lang="en-US" sz="1600" dirty="0"/>
+                            <a:t> + age</a:t>
+                          </a:r>
                         </a:p>
                       </a:txBody>
-                      <a:tcPr marL="148887" marR="148887" marT="74445" marB="74445">
+                      <a:tcPr marL="148887" marR="148887" marT="74445" marB="74445" anchor="ctr">
                         <a:lnL w="12700" cap="flat" cmpd="sng" algn="ctr">
                           <a:solidFill>
                             <a:schemeClr val="accent1"/>
@@ -11102,7 +11348,7 @@
                           <a:endParaRPr lang="en-US" sz="1600" dirty="0"/>
                         </a:p>
                       </a:txBody>
-                      <a:tcPr marL="148887" marR="148887" marT="74445" marB="74445">
+                      <a:tcPr marL="148887" marR="148887" marT="74445" marB="74445" anchor="ctr">
                         <a:lnL w="12700" cap="flat" cmpd="sng" algn="ctr">
                           <a:solidFill>
                             <a:schemeClr val="accent1"/>
@@ -11162,7 +11408,7 @@
                           <a:endParaRPr lang="en-US" sz="1600" dirty="0"/>
                         </a:p>
                       </a:txBody>
-                      <a:tcPr marL="148887" marR="148887" marT="74445" marB="74445">
+                      <a:tcPr marL="148887" marR="148887" marT="74445" marB="74445" anchor="ctr">
                         <a:lnL w="12700" cap="flat" cmpd="sng" algn="ctr">
                           <a:solidFill>
                             <a:schemeClr val="accent1"/>
@@ -11215,7 +11461,7 @@
                       </a:ext>
                     </a:extLst>
                   </a:tr>
-                  <a:tr h="590850">
+                  <a:tr h="575903">
                     <a:tc>
                       <a:txBody>
                         <a:bodyPr/>
@@ -11277,7 +11523,7 @@
                           </a:endParaRPr>
                         </a:p>
                       </a:txBody>
-                      <a:tcPr marL="148887" marR="148887" marT="74445" marB="74445">
+                      <a:tcPr marL="148887" marR="148887" marT="74445" marB="74445" anchor="ctr">
                         <a:lnL w="12700" cap="flat" cmpd="sng" algn="ctr">
                           <a:solidFill>
                             <a:schemeClr val="accent1"/>
@@ -11330,10 +11576,6 @@
                         <a:lstStyle/>
                         <a:p>
                           <a:pPr algn="ctr"/>
-                          <a:r>
-                            <a:rPr lang="pt-PT" sz="2900" dirty="0"/>
-                            <a:t> </a:t>
-                          </a:r>
                           <a:r>
                             <a:rPr lang="pt-PT" sz="1600" dirty="0"/>
                             <a:t>&gt;7</a:t>
@@ -11401,7 +11643,7 @@
                           <a:endParaRPr lang="en-US" sz="1600" dirty="0"/>
                         </a:p>
                       </a:txBody>
-                      <a:tcPr marL="148887" marR="148887" marT="74445" marB="74445">
+                      <a:tcPr marL="148887" marR="148887" marT="74445" marB="74445" anchor="ctr">
                         <a:lnL w="12700" cap="flat" cmpd="sng" algn="ctr">
                           <a:solidFill>
                             <a:schemeClr val="accent1"/>
@@ -11461,7 +11703,7 @@
                           <a:endParaRPr lang="en-US" sz="1600" dirty="0"/>
                         </a:p>
                       </a:txBody>
-                      <a:tcPr marL="148887" marR="148887" marT="74445" marB="74445">
+                      <a:tcPr marL="148887" marR="148887" marT="74445" marB="74445" anchor="ctr">
                         <a:lnL w="12700" cap="flat" cmpd="sng" algn="ctr">
                           <a:solidFill>
                             <a:schemeClr val="accent1"/>
@@ -11558,7 +11800,7 @@
                               <a:ea typeface="+mn-ea"/>
                               <a:cs typeface="+mn-cs"/>
                             </a:rPr>
-                            <a:t>Acerto ponderado</a:t>
+                            <a:t>Erro ponderado</a:t>
                           </a:r>
                           <a:endParaRPr kumimoji="0" lang="en-US" sz="1700" b="0" i="0" u="none" strike="noStrike" kern="1200" cap="none" spc="0" normalizeH="0" baseline="0" noProof="0" dirty="0">
                             <a:ln>
@@ -11576,7 +11818,7 @@
                           </a:endParaRPr>
                         </a:p>
                       </a:txBody>
-                      <a:tcPr marL="148887" marR="148887" marT="74445" marB="74445">
+                      <a:tcPr marL="148887" marR="148887" marT="74445" marB="74445" anchor="ctr">
                         <a:lnL w="12700" cap="flat" cmpd="sng" algn="ctr">
                           <a:solidFill>
                             <a:schemeClr val="accent1"/>
@@ -11631,7 +11873,7 @@
                           <a:endParaRPr lang="pt-PT"/>
                         </a:p>
                       </a:txBody>
-                      <a:tcPr marL="148887" marR="148887" marT="74445" marB="74445">
+                      <a:tcPr marL="148887" marR="148887" marT="74445" marB="74445" anchor="ctr">
                         <a:lnL w="12700" cap="flat" cmpd="sng" algn="ctr">
                           <a:solidFill>
                             <a:schemeClr val="accent1"/>
@@ -11679,7 +11921,7 @@
                         <a:blipFill>
                           <a:blip r:embed="rId3"/>
                           <a:stretch>
-                            <a:fillRect l="-100592" t="-312632" r="-200888" b="-3158"/>
+                            <a:fillRect l="-100592" t="-310526" r="-200888" b="-2105"/>
                           </a:stretch>
                         </a:blipFill>
                       </a:tcPr>
@@ -11697,7 +11939,7 @@
                           <a:endParaRPr lang="en-US" sz="1600" b="1" dirty="0"/>
                         </a:p>
                       </a:txBody>
-                      <a:tcPr marL="148887" marR="148887" marT="74445" marB="74445">
+                      <a:tcPr marL="148887" marR="148887" marT="74445" marB="74445" anchor="ctr">
                         <a:lnL w="12700" cap="flat" cmpd="sng" algn="ctr">
                           <a:solidFill>
                             <a:schemeClr val="accent1"/>
@@ -11757,7 +11999,7 @@
                           <a:endParaRPr lang="en-US" sz="1600" dirty="0"/>
                         </a:p>
                       </a:txBody>
-                      <a:tcPr marL="148887" marR="148887" marT="74445" marB="74445">
+                      <a:tcPr marL="148887" marR="148887" marT="74445" marB="74445" anchor="ctr">
                         <a:lnL w="12700" cap="flat" cmpd="sng" algn="ctr">
                           <a:solidFill>
                             <a:schemeClr val="accent1"/>
@@ -11899,7 +12141,7 @@
           <p:nvPr>
             <p:extLst>
               <p:ext uri="{D42A27DB-BD31-4B8C-83A1-F6EECF244321}">
-                <p14:modId xmlns:p14="http://schemas.microsoft.com/office/powerpoint/2010/main" val="2086059702"/>
+                <p14:modId xmlns:p14="http://schemas.microsoft.com/office/powerpoint/2010/main" val="3986693458"/>
               </p:ext>
             </p:extLst>
           </p:nvPr>
@@ -11969,7 +12211,7 @@
                       <a:endParaRPr lang="en-US" sz="1700" dirty="0"/>
                     </a:p>
                   </a:txBody>
-                  <a:tcPr marL="148887" marR="148887" marT="74445" marB="74445">
+                  <a:tcPr marL="148887" marR="148887" marT="74445" marB="74445" anchor="ctr">
                     <a:lnL w="12700" cap="flat" cmpd="sng" algn="ctr">
                       <a:solidFill>
                         <a:schemeClr val="accent1"/>
@@ -12021,7 +12263,7 @@
                     <a:bodyPr/>
                     <a:lstStyle/>
                     <a:p>
-                      <a:pPr marL="0" marR="0" lvl="0" indent="0" algn="l" defTabSz="914400" rtl="0" eaLnBrk="1" fontAlgn="auto" latinLnBrk="0" hangingPunct="1">
+                      <a:pPr marL="0" marR="0" lvl="0" indent="0" algn="ctr" defTabSz="914400" rtl="0" eaLnBrk="1" fontAlgn="auto" latinLnBrk="0" hangingPunct="1">
                         <a:lnSpc>
                           <a:spcPct val="100000"/>
                         </a:lnSpc>
@@ -12056,7 +12298,7 @@
                       <a:endParaRPr lang="en-US" sz="1700" dirty="0"/>
                     </a:p>
                   </a:txBody>
-                  <a:tcPr marL="148887" marR="148887" marT="74445" marB="74445">
+                  <a:tcPr marL="148887" marR="148887" marT="74445" marB="74445" anchor="ctr">
                     <a:lnL w="12700" cap="flat" cmpd="sng" algn="ctr">
                       <a:solidFill>
                         <a:schemeClr val="accent1"/>
@@ -12143,7 +12385,7 @@
                       <a:endParaRPr lang="en-US" sz="1600" dirty="0"/>
                     </a:p>
                   </a:txBody>
-                  <a:tcPr marL="148887" marR="148887" marT="74445" marB="74445">
+                  <a:tcPr marL="148887" marR="148887" marT="74445" marB="74445" anchor="ctr">
                     <a:lnL w="12700" cap="flat" cmpd="sng" algn="ctr">
                       <a:solidFill>
                         <a:schemeClr val="accent1"/>
@@ -12214,7 +12456,7 @@
                       <a:endParaRPr lang="en-US" sz="1700" dirty="0"/>
                     </a:p>
                   </a:txBody>
-                  <a:tcPr marL="148887" marR="148887" marT="74445" marB="74445">
+                  <a:tcPr marL="148887" marR="148887" marT="74445" marB="74445" anchor="ctr">
                     <a:lnL w="12700" cap="flat" cmpd="sng" algn="ctr">
                       <a:solidFill>
                         <a:schemeClr val="accent1"/>
@@ -12308,7 +12550,7 @@
                       <a:endParaRPr lang="en-US" sz="1700" dirty="0"/>
                     </a:p>
                   </a:txBody>
-                  <a:tcPr marL="148887" marR="148887" marT="74445" marB="74445">
+                  <a:tcPr marL="148887" marR="148887" marT="74445" marB="74445" anchor="ctr">
                     <a:lnL w="12700" cap="flat" cmpd="sng" algn="ctr">
                       <a:solidFill>
                         <a:schemeClr val="accent1"/>
@@ -12362,13 +12604,27 @@
                     <a:p>
                       <a:pPr algn="ctr"/>
                       <a:r>
-                        <a:rPr lang="pt-PT" sz="1800" dirty="0"/>
+                        <a:rPr lang="pt-PT" sz="1600" kern="1200" dirty="0">
+                          <a:solidFill>
+                            <a:schemeClr val="tx1"/>
+                          </a:solidFill>
+                          <a:latin typeface="+mn-lt"/>
+                          <a:ea typeface="+mn-ea"/>
+                          <a:cs typeface="+mn-cs"/>
+                        </a:rPr>
                         <a:t>Stab.glu + age</a:t>
                       </a:r>
-                      <a:endParaRPr lang="en-US" sz="1800" dirty="0"/>
+                      <a:endParaRPr lang="en-US" sz="1600" kern="1200" dirty="0">
+                        <a:solidFill>
+                          <a:schemeClr val="tx1"/>
+                        </a:solidFill>
+                        <a:latin typeface="+mn-lt"/>
+                        <a:ea typeface="+mn-ea"/>
+                        <a:cs typeface="+mn-cs"/>
+                      </a:endParaRPr>
                     </a:p>
                   </a:txBody>
-                  <a:tcPr marL="148887" marR="148887" marT="74445" marB="74445">
+                  <a:tcPr marL="148887" marR="148887" marT="74445" marB="74445" anchor="ctr">
                     <a:lnL w="12700" cap="flat" cmpd="sng" algn="ctr">
                       <a:solidFill>
                         <a:schemeClr val="accent1"/>
@@ -12428,7 +12684,7 @@
                       <a:endParaRPr lang="en-US" sz="1600" dirty="0"/>
                     </a:p>
                   </a:txBody>
-                  <a:tcPr marL="148887" marR="148887" marT="74445" marB="74445">
+                  <a:tcPr marL="148887" marR="148887" marT="74445" marB="74445" anchor="ctr">
                     <a:lnL w="12700" cap="flat" cmpd="sng" algn="ctr">
                       <a:solidFill>
                         <a:schemeClr val="accent1"/>
@@ -12488,7 +12744,7 @@
                       <a:endParaRPr lang="en-US" sz="1600" dirty="0"/>
                     </a:p>
                   </a:txBody>
-                  <a:tcPr marL="148887" marR="148887" marT="74445" marB="74445">
+                  <a:tcPr marL="148887" marR="148887" marT="74445" marB="74445" anchor="ctr">
                     <a:lnL w="12700" cap="flat" cmpd="sng" algn="ctr">
                       <a:solidFill>
                         <a:schemeClr val="accent1"/>
@@ -12603,7 +12859,7 @@
                       </a:endParaRPr>
                     </a:p>
                   </a:txBody>
-                  <a:tcPr marL="148887" marR="148887" marT="74445" marB="74445">
+                  <a:tcPr marL="148887" marR="148887" marT="74445" marB="74445" anchor="ctr">
                     <a:lnL w="12700" cap="flat" cmpd="sng" algn="ctr">
                       <a:solidFill>
                         <a:schemeClr val="accent1"/>
@@ -12657,13 +12913,27 @@
                     <a:p>
                       <a:pPr algn="ctr"/>
                       <a:r>
-                        <a:rPr lang="pt-PT" sz="1800" dirty="0"/>
-                        <a:t> &gt;7</a:t>
+                        <a:rPr lang="pt-PT" sz="1600" kern="1200" dirty="0">
+                          <a:solidFill>
+                            <a:schemeClr val="tx1"/>
+                          </a:solidFill>
+                          <a:latin typeface="+mn-lt"/>
+                          <a:ea typeface="+mn-ea"/>
+                          <a:cs typeface="+mn-cs"/>
+                        </a:rPr>
+                        <a:t>&gt;7</a:t>
                       </a:r>
-                      <a:endParaRPr lang="en-US" sz="1800" dirty="0"/>
+                      <a:endParaRPr lang="en-US" sz="1600" kern="1200" dirty="0">
+                        <a:solidFill>
+                          <a:schemeClr val="tx1"/>
+                        </a:solidFill>
+                        <a:latin typeface="+mn-lt"/>
+                        <a:ea typeface="+mn-ea"/>
+                        <a:cs typeface="+mn-cs"/>
+                      </a:endParaRPr>
                     </a:p>
                   </a:txBody>
-                  <a:tcPr marL="148887" marR="148887" marT="74445" marB="74445">
+                  <a:tcPr marL="148887" marR="148887" marT="74445" marB="74445" anchor="ctr">
                     <a:lnL w="12700" cap="flat" cmpd="sng" algn="ctr">
                       <a:solidFill>
                         <a:schemeClr val="accent1"/>
@@ -12723,7 +12993,7 @@
                       <a:endParaRPr lang="en-US" sz="1600" dirty="0"/>
                     </a:p>
                   </a:txBody>
-                  <a:tcPr marL="148887" marR="148887" marT="74445" marB="74445">
+                  <a:tcPr marL="148887" marR="148887" marT="74445" marB="74445" anchor="ctr">
                     <a:lnL w="12700" cap="flat" cmpd="sng" algn="ctr">
                       <a:solidFill>
                         <a:schemeClr val="accent1"/>
@@ -12783,7 +13053,7 @@
                       <a:endParaRPr lang="en-US" sz="1600" dirty="0"/>
                     </a:p>
                   </a:txBody>
-                  <a:tcPr marL="148887" marR="148887" marT="74445" marB="74445">
+                  <a:tcPr marL="148887" marR="148887" marT="74445" marB="74445" anchor="ctr">
                     <a:lnL w="12700" cap="flat" cmpd="sng" algn="ctr">
                       <a:solidFill>
                         <a:schemeClr val="accent1"/>
@@ -12880,7 +13150,7 @@
                           <a:ea typeface="+mn-ea"/>
                           <a:cs typeface="+mn-cs"/>
                         </a:rPr>
-                        <a:t>Acerto ponderado</a:t>
+                        <a:t>Erro ponderado</a:t>
                       </a:r>
                       <a:endParaRPr kumimoji="0" lang="en-US" sz="1700" b="0" i="0" u="none" strike="noStrike" kern="1200" cap="none" spc="0" normalizeH="0" baseline="0" noProof="0" dirty="0">
                         <a:ln>
@@ -12898,7 +13168,7 @@
                       </a:endParaRPr>
                     </a:p>
                   </a:txBody>
-                  <a:tcPr marL="148887" marR="148887" marT="74445" marB="74445">
+                  <a:tcPr marL="148887" marR="148887" marT="74445" marB="74445" anchor="ctr">
                     <a:lnL w="12700" cap="flat" cmpd="sng" algn="ctr">
                       <a:solidFill>
                         <a:schemeClr val="accent1"/>
@@ -12958,7 +13228,7 @@
                       <a:endParaRPr lang="en-US" sz="1800" b="1" dirty="0"/>
                     </a:p>
                   </a:txBody>
-                  <a:tcPr marL="148887" marR="148887" marT="74445" marB="74445">
+                  <a:tcPr marL="148887" marR="148887" marT="74445" marB="74445" anchor="ctr">
                     <a:lnL w="12700" cap="flat" cmpd="sng" algn="ctr">
                       <a:solidFill>
                         <a:schemeClr val="accent1"/>
@@ -13018,7 +13288,7 @@
                       <a:endParaRPr lang="en-US" sz="1600" b="0" dirty="0"/>
                     </a:p>
                   </a:txBody>
-                  <a:tcPr marL="148887" marR="148887" marT="74445" marB="74445">
+                  <a:tcPr marL="148887" marR="148887" marT="74445" marB="74445" anchor="ctr">
                     <a:lnL w="12700" cap="flat" cmpd="sng" algn="ctr">
                       <a:solidFill>
                         <a:schemeClr val="accent1"/>
@@ -13078,7 +13348,7 @@
                       <a:endParaRPr lang="en-US" sz="1600" b="0" dirty="0"/>
                     </a:p>
                   </a:txBody>
-                  <a:tcPr marL="148887" marR="148887" marT="74445" marB="74445">
+                  <a:tcPr marL="148887" marR="148887" marT="74445" marB="74445" anchor="ctr">
                     <a:lnL w="12700" cap="flat" cmpd="sng" algn="ctr">
                       <a:solidFill>
                         <a:schemeClr val="accent1"/>
@@ -19250,10 +19520,10 @@
       </p:sp>
       <p:sp>
         <p:nvSpPr>
-          <p:cNvPr id="3" name="Text Placeholder 2">
+          <p:cNvPr id="7" name="Text Placeholder 2">
             <a:extLst>
               <a:ext uri="{FF2B5EF4-FFF2-40B4-BE49-F238E27FC236}">
-                <a16:creationId xmlns:a16="http://schemas.microsoft.com/office/drawing/2014/main" id="{A1E81D7F-4762-4193-8CF0-FB6A9034DD95}"/>
+                <a16:creationId xmlns:a16="http://schemas.microsoft.com/office/drawing/2014/main" id="{9884FF25-CAD8-400F-9772-197FC1559F15}"/>
               </a:ext>
             </a:extLst>
           </p:cNvPr>
@@ -19264,87 +19534,615 @@
             <p:ph type="body" idx="1"/>
           </p:nvPr>
         </p:nvSpPr>
-        <p:spPr/>
+        <p:spPr>
+          <a:xfrm>
+            <a:off x="859152" y="1444252"/>
+            <a:ext cx="4040188" cy="484620"/>
+          </a:xfrm>
+        </p:spPr>
         <p:txBody>
           <a:bodyPr/>
           <a:lstStyle/>
           <a:p>
-            <a:endParaRPr lang="en-US"/>
+            <a:r>
+              <a:rPr lang="pt-PT" dirty="0"/>
+              <a:t>Modelos:</a:t>
+            </a:r>
+            <a:endParaRPr lang="en-US" dirty="0"/>
           </a:p>
         </p:txBody>
       </p:sp>
       <p:sp>
         <p:nvSpPr>
-          <p:cNvPr id="4" name="Content Placeholder 3">
+          <p:cNvPr id="8" name="Content Placeholder 3">
             <a:extLst>
               <a:ext uri="{FF2B5EF4-FFF2-40B4-BE49-F238E27FC236}">
-                <a16:creationId xmlns:a16="http://schemas.microsoft.com/office/drawing/2014/main" id="{16043E7D-3AA2-43B8-A4F4-0DD5322BC81E}"/>
+                <a16:creationId xmlns:a16="http://schemas.microsoft.com/office/drawing/2014/main" id="{255D4032-E380-4053-96AF-E5A4ECA5A6DE}"/>
               </a:ext>
             </a:extLst>
           </p:cNvPr>
-          <p:cNvSpPr>
-            <a:spLocks noGrp="1"/>
+          <p:cNvSpPr txBox="1">
+            <a:spLocks/>
           </p:cNvSpPr>
-          <p:nvPr>
-            <p:ph sz="half" idx="2"/>
-          </p:nvPr>
+          <p:nvPr/>
         </p:nvSpPr>
-        <p:spPr/>
+        <p:spPr>
+          <a:xfrm>
+            <a:off x="296260" y="2575455"/>
+            <a:ext cx="2443280" cy="1985165"/>
+          </a:xfrm>
+          <a:prstGeom prst="rect">
+            <a:avLst/>
+          </a:prstGeom>
+        </p:spPr>
         <p:txBody>
-          <a:bodyPr/>
-          <a:lstStyle/>
-          <a:p>
-            <a:endParaRPr lang="en-US"/>
+          <a:bodyPr vert="horz" lIns="91440" tIns="45720" rIns="91440" bIns="45720" rtlCol="0">
+            <a:normAutofit/>
+          </a:bodyPr>
+          <a:lstStyle>
+            <a:lvl1pPr marL="342900" indent="-342900" algn="ctr" defTabSz="914400" rtl="0" eaLnBrk="1" latinLnBrk="0" hangingPunct="1">
+              <a:spcBef>
+                <a:spcPct val="20000"/>
+              </a:spcBef>
+              <a:buFont typeface="Arial" pitchFamily="34" charset="0"/>
+              <a:buChar char="•"/>
+              <a:defRPr sz="2400" kern="1200">
+                <a:solidFill>
+                  <a:srgbClr val="002060"/>
+                </a:solidFill>
+                <a:latin typeface="+mn-lt"/>
+                <a:ea typeface="+mn-ea"/>
+                <a:cs typeface="+mn-cs"/>
+              </a:defRPr>
+            </a:lvl1pPr>
+            <a:lvl2pPr marL="742950" indent="-285750" algn="ctr" defTabSz="914400" rtl="0" eaLnBrk="1" latinLnBrk="0" hangingPunct="1">
+              <a:spcBef>
+                <a:spcPct val="20000"/>
+              </a:spcBef>
+              <a:buFont typeface="Arial" pitchFamily="34" charset="0"/>
+              <a:buChar char="–"/>
+              <a:defRPr sz="2000" kern="1200">
+                <a:solidFill>
+                  <a:srgbClr val="002060"/>
+                </a:solidFill>
+                <a:latin typeface="+mn-lt"/>
+                <a:ea typeface="+mn-ea"/>
+                <a:cs typeface="+mn-cs"/>
+              </a:defRPr>
+            </a:lvl2pPr>
+            <a:lvl3pPr marL="1143000" indent="-228600" algn="ctr" defTabSz="914400" rtl="0" eaLnBrk="1" latinLnBrk="0" hangingPunct="1">
+              <a:spcBef>
+                <a:spcPct val="20000"/>
+              </a:spcBef>
+              <a:buFont typeface="Arial" pitchFamily="34" charset="0"/>
+              <a:buChar char="•"/>
+              <a:defRPr sz="1800" kern="1200">
+                <a:solidFill>
+                  <a:srgbClr val="002060"/>
+                </a:solidFill>
+                <a:latin typeface="+mn-lt"/>
+                <a:ea typeface="+mn-ea"/>
+                <a:cs typeface="+mn-cs"/>
+              </a:defRPr>
+            </a:lvl3pPr>
+            <a:lvl4pPr marL="1600200" indent="-228600" algn="ctr" defTabSz="914400" rtl="0" eaLnBrk="1" latinLnBrk="0" hangingPunct="1">
+              <a:spcBef>
+                <a:spcPct val="20000"/>
+              </a:spcBef>
+              <a:buFont typeface="Arial" pitchFamily="34" charset="0"/>
+              <a:buChar char="–"/>
+              <a:defRPr sz="1600" kern="1200">
+                <a:solidFill>
+                  <a:srgbClr val="002060"/>
+                </a:solidFill>
+                <a:latin typeface="+mn-lt"/>
+                <a:ea typeface="+mn-ea"/>
+                <a:cs typeface="+mn-cs"/>
+              </a:defRPr>
+            </a:lvl4pPr>
+            <a:lvl5pPr marL="2057400" indent="-228600" algn="ctr" defTabSz="914400" rtl="0" eaLnBrk="1" latinLnBrk="0" hangingPunct="1">
+              <a:spcBef>
+                <a:spcPct val="20000"/>
+              </a:spcBef>
+              <a:buFont typeface="Arial" pitchFamily="34" charset="0"/>
+              <a:buChar char="»"/>
+              <a:defRPr sz="1600" kern="1200">
+                <a:solidFill>
+                  <a:srgbClr val="002060"/>
+                </a:solidFill>
+                <a:latin typeface="+mn-lt"/>
+                <a:ea typeface="+mn-ea"/>
+                <a:cs typeface="+mn-cs"/>
+              </a:defRPr>
+            </a:lvl5pPr>
+            <a:lvl6pPr marL="2514600" indent="-228600" algn="l" defTabSz="914400" rtl="0" eaLnBrk="1" latinLnBrk="0" hangingPunct="1">
+              <a:spcBef>
+                <a:spcPct val="20000"/>
+              </a:spcBef>
+              <a:buFont typeface="Arial" pitchFamily="34" charset="0"/>
+              <a:buChar char="•"/>
+              <a:defRPr sz="1600" kern="1200">
+                <a:solidFill>
+                  <a:schemeClr val="tx1"/>
+                </a:solidFill>
+                <a:latin typeface="+mn-lt"/>
+                <a:ea typeface="+mn-ea"/>
+                <a:cs typeface="+mn-cs"/>
+              </a:defRPr>
+            </a:lvl6pPr>
+            <a:lvl7pPr marL="2971800" indent="-228600" algn="l" defTabSz="914400" rtl="0" eaLnBrk="1" latinLnBrk="0" hangingPunct="1">
+              <a:spcBef>
+                <a:spcPct val="20000"/>
+              </a:spcBef>
+              <a:buFont typeface="Arial" pitchFamily="34" charset="0"/>
+              <a:buChar char="•"/>
+              <a:defRPr sz="1600" kern="1200">
+                <a:solidFill>
+                  <a:schemeClr val="tx1"/>
+                </a:solidFill>
+                <a:latin typeface="+mn-lt"/>
+                <a:ea typeface="+mn-ea"/>
+                <a:cs typeface="+mn-cs"/>
+              </a:defRPr>
+            </a:lvl7pPr>
+            <a:lvl8pPr marL="3429000" indent="-228600" algn="l" defTabSz="914400" rtl="0" eaLnBrk="1" latinLnBrk="0" hangingPunct="1">
+              <a:spcBef>
+                <a:spcPct val="20000"/>
+              </a:spcBef>
+              <a:buFont typeface="Arial" pitchFamily="34" charset="0"/>
+              <a:buChar char="•"/>
+              <a:defRPr sz="1600" kern="1200">
+                <a:solidFill>
+                  <a:schemeClr val="tx1"/>
+                </a:solidFill>
+                <a:latin typeface="+mn-lt"/>
+                <a:ea typeface="+mn-ea"/>
+                <a:cs typeface="+mn-cs"/>
+              </a:defRPr>
+            </a:lvl8pPr>
+            <a:lvl9pPr marL="3886200" indent="-228600" algn="l" defTabSz="914400" rtl="0" eaLnBrk="1" latinLnBrk="0" hangingPunct="1">
+              <a:spcBef>
+                <a:spcPct val="20000"/>
+              </a:spcBef>
+              <a:buFont typeface="Arial" pitchFamily="34" charset="0"/>
+              <a:buChar char="•"/>
+              <a:defRPr sz="1600" kern="1200">
+                <a:solidFill>
+                  <a:schemeClr val="tx1"/>
+                </a:solidFill>
+                <a:latin typeface="+mn-lt"/>
+                <a:ea typeface="+mn-ea"/>
+                <a:cs typeface="+mn-cs"/>
+              </a:defRPr>
+            </a:lvl9pPr>
+          </a:lstStyle>
+          <a:p>
+            <a:pPr algn="l"/>
+            <a:r>
+              <a:rPr lang="en-US" sz="2000" dirty="0" err="1"/>
+              <a:t>stab.glu</a:t>
+            </a:r>
+            <a:endParaRPr lang="en-US" sz="2000" dirty="0"/>
+          </a:p>
+          <a:p>
+            <a:pPr marL="400050" lvl="1" indent="0" algn="l">
+              <a:buNone/>
+            </a:pPr>
+            <a:r>
+              <a:rPr lang="en-US" sz="1400" dirty="0"/>
+              <a:t>Adj. R-squared: 0.5602</a:t>
+            </a:r>
+          </a:p>
+          <a:p>
+            <a:pPr algn="l"/>
+            <a:r>
+              <a:rPr lang="en-US" sz="2000" dirty="0"/>
+              <a:t>stab.glu^2</a:t>
+            </a:r>
+          </a:p>
+          <a:p>
+            <a:pPr marL="400050" lvl="1" indent="0" algn="l">
+              <a:buNone/>
+            </a:pPr>
+            <a:r>
+              <a:rPr lang="en-US" sz="1400" dirty="0"/>
+              <a:t>Adj. R-squared: 0.5678</a:t>
+            </a:r>
+          </a:p>
+          <a:p>
+            <a:pPr algn="l"/>
+            <a:r>
+              <a:rPr lang="en-US" sz="2000" dirty="0"/>
+              <a:t>stab.glu^3</a:t>
+            </a:r>
+          </a:p>
+          <a:p>
+            <a:pPr marL="400050" lvl="1" indent="0" algn="l">
+              <a:buNone/>
+            </a:pPr>
+            <a:r>
+              <a:rPr lang="en-US" sz="1400" dirty="0"/>
+              <a:t>Adj. R-squared: 0.5877</a:t>
+            </a:r>
+          </a:p>
+          <a:p>
+            <a:pPr algn="l"/>
+            <a:endParaRPr lang="en-US" dirty="0"/>
+          </a:p>
+          <a:p>
+            <a:pPr algn="l"/>
+            <a:endParaRPr lang="en-US" dirty="0"/>
+          </a:p>
+        </p:txBody>
+      </p:sp>
+      <p:pic>
+        <p:nvPicPr>
+          <p:cNvPr id="9" name="Imagem 8">
+            <a:extLst>
+              <a:ext uri="{FF2B5EF4-FFF2-40B4-BE49-F238E27FC236}">
+                <a16:creationId xmlns:a16="http://schemas.microsoft.com/office/drawing/2014/main" id="{9F6D8518-D646-4C4E-803D-0FC179471892}"/>
+              </a:ext>
+            </a:extLst>
+          </p:cNvPr>
+          <p:cNvPicPr>
+            <a:picLocks noChangeAspect="1"/>
+          </p:cNvPicPr>
+          <p:nvPr/>
+        </p:nvPicPr>
+        <p:blipFill>
+          <a:blip r:embed="rId3"/>
+          <a:stretch>
+            <a:fillRect/>
+          </a:stretch>
+        </p:blipFill>
+        <p:spPr>
+          <a:xfrm>
+            <a:off x="5535874" y="3106217"/>
+            <a:ext cx="3421458" cy="1918700"/>
+          </a:xfrm>
+          <a:prstGeom prst="rect">
+            <a:avLst/>
+          </a:prstGeom>
+        </p:spPr>
+      </p:pic>
+      <p:pic>
+        <p:nvPicPr>
+          <p:cNvPr id="10" name="Imagem 9">
+            <a:extLst>
+              <a:ext uri="{FF2B5EF4-FFF2-40B4-BE49-F238E27FC236}">
+                <a16:creationId xmlns:a16="http://schemas.microsoft.com/office/drawing/2014/main" id="{54322705-2593-448F-9DD4-C001DFDC3C8F}"/>
+              </a:ext>
+            </a:extLst>
+          </p:cNvPr>
+          <p:cNvPicPr>
+            <a:picLocks noChangeAspect="1"/>
+          </p:cNvPicPr>
+          <p:nvPr/>
+        </p:nvPicPr>
+        <p:blipFill>
+          <a:blip r:embed="rId4"/>
+          <a:stretch>
+            <a:fillRect/>
+          </a:stretch>
+        </p:blipFill>
+        <p:spPr>
+          <a:xfrm>
+            <a:off x="5512144" y="1147264"/>
+            <a:ext cx="3421458" cy="1958953"/>
+          </a:xfrm>
+          <a:prstGeom prst="rect">
+            <a:avLst/>
+          </a:prstGeom>
+        </p:spPr>
+      </p:pic>
+      <p:sp>
+        <p:nvSpPr>
+          <p:cNvPr id="11" name="Content Placeholder 3">
+            <a:extLst>
+              <a:ext uri="{FF2B5EF4-FFF2-40B4-BE49-F238E27FC236}">
+                <a16:creationId xmlns:a16="http://schemas.microsoft.com/office/drawing/2014/main" id="{B05BB0BB-43FD-4F9C-ABA0-D68615C2EC34}"/>
+              </a:ext>
+            </a:extLst>
+          </p:cNvPr>
+          <p:cNvSpPr txBox="1">
+            <a:spLocks/>
+          </p:cNvSpPr>
+          <p:nvPr/>
+        </p:nvSpPr>
+        <p:spPr>
+          <a:xfrm>
+            <a:off x="2879246" y="2575454"/>
+            <a:ext cx="2443280" cy="1985165"/>
+          </a:xfrm>
+          <a:prstGeom prst="rect">
+            <a:avLst/>
+          </a:prstGeom>
+        </p:spPr>
+        <p:txBody>
+          <a:bodyPr vert="horz" lIns="91440" tIns="45720" rIns="91440" bIns="45720" rtlCol="0">
+            <a:normAutofit/>
+          </a:bodyPr>
+          <a:lstStyle>
+            <a:lvl1pPr marL="342900" indent="-342900" algn="ctr" defTabSz="914400" rtl="0" eaLnBrk="1" latinLnBrk="0" hangingPunct="1">
+              <a:spcBef>
+                <a:spcPct val="20000"/>
+              </a:spcBef>
+              <a:buFont typeface="Arial" pitchFamily="34" charset="0"/>
+              <a:buChar char="•"/>
+              <a:defRPr sz="2400" kern="1200">
+                <a:solidFill>
+                  <a:srgbClr val="002060"/>
+                </a:solidFill>
+                <a:latin typeface="+mn-lt"/>
+                <a:ea typeface="+mn-ea"/>
+                <a:cs typeface="+mn-cs"/>
+              </a:defRPr>
+            </a:lvl1pPr>
+            <a:lvl2pPr marL="742950" indent="-285750" algn="ctr" defTabSz="914400" rtl="0" eaLnBrk="1" latinLnBrk="0" hangingPunct="1">
+              <a:spcBef>
+                <a:spcPct val="20000"/>
+              </a:spcBef>
+              <a:buFont typeface="Arial" pitchFamily="34" charset="0"/>
+              <a:buChar char="–"/>
+              <a:defRPr sz="2000" kern="1200">
+                <a:solidFill>
+                  <a:srgbClr val="002060"/>
+                </a:solidFill>
+                <a:latin typeface="+mn-lt"/>
+                <a:ea typeface="+mn-ea"/>
+                <a:cs typeface="+mn-cs"/>
+              </a:defRPr>
+            </a:lvl2pPr>
+            <a:lvl3pPr marL="1143000" indent="-228600" algn="ctr" defTabSz="914400" rtl="0" eaLnBrk="1" latinLnBrk="0" hangingPunct="1">
+              <a:spcBef>
+                <a:spcPct val="20000"/>
+              </a:spcBef>
+              <a:buFont typeface="Arial" pitchFamily="34" charset="0"/>
+              <a:buChar char="•"/>
+              <a:defRPr sz="1800" kern="1200">
+                <a:solidFill>
+                  <a:srgbClr val="002060"/>
+                </a:solidFill>
+                <a:latin typeface="+mn-lt"/>
+                <a:ea typeface="+mn-ea"/>
+                <a:cs typeface="+mn-cs"/>
+              </a:defRPr>
+            </a:lvl3pPr>
+            <a:lvl4pPr marL="1600200" indent="-228600" algn="ctr" defTabSz="914400" rtl="0" eaLnBrk="1" latinLnBrk="0" hangingPunct="1">
+              <a:spcBef>
+                <a:spcPct val="20000"/>
+              </a:spcBef>
+              <a:buFont typeface="Arial" pitchFamily="34" charset="0"/>
+              <a:buChar char="–"/>
+              <a:defRPr sz="1600" kern="1200">
+                <a:solidFill>
+                  <a:srgbClr val="002060"/>
+                </a:solidFill>
+                <a:latin typeface="+mn-lt"/>
+                <a:ea typeface="+mn-ea"/>
+                <a:cs typeface="+mn-cs"/>
+              </a:defRPr>
+            </a:lvl4pPr>
+            <a:lvl5pPr marL="2057400" indent="-228600" algn="ctr" defTabSz="914400" rtl="0" eaLnBrk="1" latinLnBrk="0" hangingPunct="1">
+              <a:spcBef>
+                <a:spcPct val="20000"/>
+              </a:spcBef>
+              <a:buFont typeface="Arial" pitchFamily="34" charset="0"/>
+              <a:buChar char="»"/>
+              <a:defRPr sz="1600" kern="1200">
+                <a:solidFill>
+                  <a:srgbClr val="002060"/>
+                </a:solidFill>
+                <a:latin typeface="+mn-lt"/>
+                <a:ea typeface="+mn-ea"/>
+                <a:cs typeface="+mn-cs"/>
+              </a:defRPr>
+            </a:lvl5pPr>
+            <a:lvl6pPr marL="2514600" indent="-228600" algn="l" defTabSz="914400" rtl="0" eaLnBrk="1" latinLnBrk="0" hangingPunct="1">
+              <a:spcBef>
+                <a:spcPct val="20000"/>
+              </a:spcBef>
+              <a:buFont typeface="Arial" pitchFamily="34" charset="0"/>
+              <a:buChar char="•"/>
+              <a:defRPr sz="1600" kern="1200">
+                <a:solidFill>
+                  <a:schemeClr val="tx1"/>
+                </a:solidFill>
+                <a:latin typeface="+mn-lt"/>
+                <a:ea typeface="+mn-ea"/>
+                <a:cs typeface="+mn-cs"/>
+              </a:defRPr>
+            </a:lvl6pPr>
+            <a:lvl7pPr marL="2971800" indent="-228600" algn="l" defTabSz="914400" rtl="0" eaLnBrk="1" latinLnBrk="0" hangingPunct="1">
+              <a:spcBef>
+                <a:spcPct val="20000"/>
+              </a:spcBef>
+              <a:buFont typeface="Arial" pitchFamily="34" charset="0"/>
+              <a:buChar char="•"/>
+              <a:defRPr sz="1600" kern="1200">
+                <a:solidFill>
+                  <a:schemeClr val="tx1"/>
+                </a:solidFill>
+                <a:latin typeface="+mn-lt"/>
+                <a:ea typeface="+mn-ea"/>
+                <a:cs typeface="+mn-cs"/>
+              </a:defRPr>
+            </a:lvl7pPr>
+            <a:lvl8pPr marL="3429000" indent="-228600" algn="l" defTabSz="914400" rtl="0" eaLnBrk="1" latinLnBrk="0" hangingPunct="1">
+              <a:spcBef>
+                <a:spcPct val="20000"/>
+              </a:spcBef>
+              <a:buFont typeface="Arial" pitchFamily="34" charset="0"/>
+              <a:buChar char="•"/>
+              <a:defRPr sz="1600" kern="1200">
+                <a:solidFill>
+                  <a:schemeClr val="tx1"/>
+                </a:solidFill>
+                <a:latin typeface="+mn-lt"/>
+                <a:ea typeface="+mn-ea"/>
+                <a:cs typeface="+mn-cs"/>
+              </a:defRPr>
+            </a:lvl8pPr>
+            <a:lvl9pPr marL="3886200" indent="-228600" algn="l" defTabSz="914400" rtl="0" eaLnBrk="1" latinLnBrk="0" hangingPunct="1">
+              <a:spcBef>
+                <a:spcPct val="20000"/>
+              </a:spcBef>
+              <a:buFont typeface="Arial" pitchFamily="34" charset="0"/>
+              <a:buChar char="•"/>
+              <a:defRPr sz="1600" kern="1200">
+                <a:solidFill>
+                  <a:schemeClr val="tx1"/>
+                </a:solidFill>
+                <a:latin typeface="+mn-lt"/>
+                <a:ea typeface="+mn-ea"/>
+                <a:cs typeface="+mn-cs"/>
+              </a:defRPr>
+            </a:lvl9pPr>
+          </a:lstStyle>
+          <a:p>
+            <a:pPr algn="l"/>
+            <a:r>
+              <a:rPr lang="en-US" sz="2000" dirty="0" err="1"/>
+              <a:t>stab.glu</a:t>
+            </a:r>
+            <a:endParaRPr lang="en-US" sz="2000" dirty="0"/>
+          </a:p>
+          <a:p>
+            <a:pPr marL="400050" lvl="1" indent="0" algn="l">
+              <a:buNone/>
+            </a:pPr>
+            <a:r>
+              <a:rPr lang="en-US" sz="1400" dirty="0"/>
+              <a:t>Adj. R-squared: 0.5678</a:t>
+            </a:r>
+          </a:p>
+          <a:p>
+            <a:pPr algn="l"/>
+            <a:r>
+              <a:rPr lang="en-US" sz="2000" dirty="0"/>
+              <a:t>stab.glu^2</a:t>
+            </a:r>
+          </a:p>
+          <a:p>
+            <a:pPr marL="400050" lvl="1" indent="0" algn="l">
+              <a:buNone/>
+            </a:pPr>
+            <a:r>
+              <a:rPr lang="en-US" sz="1400" dirty="0"/>
+              <a:t>Adj. R-squared: 0.5621</a:t>
+            </a:r>
+          </a:p>
+          <a:p>
+            <a:pPr algn="l"/>
+            <a:r>
+              <a:rPr lang="en-US" sz="2000" dirty="0"/>
+              <a:t>stab.glu^3</a:t>
+            </a:r>
+          </a:p>
+          <a:p>
+            <a:pPr marL="400050" lvl="1" indent="0" algn="l">
+              <a:buNone/>
+            </a:pPr>
+            <a:r>
+              <a:rPr lang="en-US" sz="1400" dirty="0"/>
+              <a:t>Adj. R-squared: 0.5581</a:t>
+            </a:r>
+          </a:p>
+          <a:p>
+            <a:pPr algn="l"/>
+            <a:endParaRPr lang="en-US" dirty="0"/>
+          </a:p>
+          <a:p>
+            <a:pPr algn="l"/>
+            <a:endParaRPr lang="en-US" dirty="0"/>
           </a:p>
         </p:txBody>
       </p:sp>
       <p:sp>
         <p:nvSpPr>
-          <p:cNvPr id="5" name="Text Placeholder 4">
+          <p:cNvPr id="12" name="CaixaDeTexto 11">
             <a:extLst>
               <a:ext uri="{FF2B5EF4-FFF2-40B4-BE49-F238E27FC236}">
-                <a16:creationId xmlns:a16="http://schemas.microsoft.com/office/drawing/2014/main" id="{07D229CB-8A6A-4E39-8E71-89A6BC756760}"/>
+                <a16:creationId xmlns:a16="http://schemas.microsoft.com/office/drawing/2014/main" id="{3F5895EA-6229-4B5B-B0DE-FFF8EB5A537A}"/>
               </a:ext>
             </a:extLst>
           </p:cNvPr>
-          <p:cNvSpPr>
-            <a:spLocks noGrp="1"/>
-          </p:cNvSpPr>
-          <p:nvPr>
-            <p:ph type="body" sz="quarter" idx="3"/>
-          </p:nvPr>
+          <p:cNvSpPr txBox="1"/>
+          <p:nvPr/>
         </p:nvSpPr>
-        <p:spPr/>
+        <p:spPr>
+          <a:xfrm>
+            <a:off x="296260" y="2107032"/>
+            <a:ext cx="2137871" cy="369332"/>
+          </a:xfrm>
+          <a:prstGeom prst="rect">
+            <a:avLst/>
+          </a:prstGeom>
+          <a:noFill/>
+        </p:spPr>
         <p:txBody>
-          <a:bodyPr/>
+          <a:bodyPr wrap="square" rtlCol="0">
+            <a:spAutoFit/>
+          </a:bodyPr>
           <a:lstStyle/>
           <a:p>
-            <a:endParaRPr lang="en-US"/>
+            <a:pPr algn="ctr">
+              <a:spcBef>
+                <a:spcPct val="20000"/>
+              </a:spcBef>
+            </a:pPr>
+            <a:r>
+              <a:rPr lang="pt-PT" b="1" dirty="0">
+                <a:solidFill>
+                  <a:srgbClr val="002060"/>
+                </a:solidFill>
+              </a:rPr>
+              <a:t>Dados de treino:</a:t>
+            </a:r>
           </a:p>
         </p:txBody>
       </p:sp>
       <p:sp>
         <p:nvSpPr>
-          <p:cNvPr id="6" name="Content Placeholder 5">
+          <p:cNvPr id="13" name="CaixaDeTexto 12">
             <a:extLst>
               <a:ext uri="{FF2B5EF4-FFF2-40B4-BE49-F238E27FC236}">
-                <a16:creationId xmlns:a16="http://schemas.microsoft.com/office/drawing/2014/main" id="{09D9257B-F635-4C59-B215-4242227D3FC4}"/>
+                <a16:creationId xmlns:a16="http://schemas.microsoft.com/office/drawing/2014/main" id="{E809A40C-0695-4A76-8250-924364ECB823}"/>
               </a:ext>
             </a:extLst>
           </p:cNvPr>
-          <p:cNvSpPr>
-            <a:spLocks noGrp="1"/>
-          </p:cNvSpPr>
-          <p:nvPr>
-            <p:ph sz="quarter" idx="4"/>
-          </p:nvPr>
+          <p:cNvSpPr txBox="1"/>
+          <p:nvPr/>
         </p:nvSpPr>
-        <p:spPr/>
+        <p:spPr>
+          <a:xfrm>
+            <a:off x="2739540" y="2107032"/>
+            <a:ext cx="2137871" cy="369332"/>
+          </a:xfrm>
+          <a:prstGeom prst="rect">
+            <a:avLst/>
+          </a:prstGeom>
+          <a:noFill/>
+        </p:spPr>
         <p:txBody>
-          <a:bodyPr/>
+          <a:bodyPr wrap="square" rtlCol="0">
+            <a:spAutoFit/>
+          </a:bodyPr>
           <a:lstStyle/>
           <a:p>
-            <a:endParaRPr lang="en-US"/>
+            <a:pPr algn="ctr">
+              <a:spcBef>
+                <a:spcPct val="20000"/>
+              </a:spcBef>
+            </a:pPr>
+            <a:r>
+              <a:rPr lang="pt-PT" b="1" dirty="0">
+                <a:solidFill>
+                  <a:srgbClr val="002060"/>
+                </a:solidFill>
+              </a:rPr>
+              <a:t>Dados de teste:</a:t>
+            </a:r>
           </a:p>
         </p:txBody>
       </p:sp>
